--- a/document/成果発表_平和島.pptx
+++ b/document/成果発表_平和島.pptx
@@ -8,20 +8,19 @@
     <p:sldId id="258" r:id="rId2"/>
     <p:sldId id="257" r:id="rId3"/>
     <p:sldId id="261" r:id="rId4"/>
-    <p:sldId id="276" r:id="rId5"/>
-    <p:sldId id="260" r:id="rId6"/>
-    <p:sldId id="263" r:id="rId7"/>
-    <p:sldId id="264" r:id="rId8"/>
-    <p:sldId id="265" r:id="rId9"/>
-    <p:sldId id="267" r:id="rId10"/>
-    <p:sldId id="275" r:id="rId11"/>
-    <p:sldId id="271" r:id="rId12"/>
-    <p:sldId id="272" r:id="rId13"/>
-    <p:sldId id="274" r:id="rId14"/>
-    <p:sldId id="273" r:id="rId15"/>
-    <p:sldId id="268" r:id="rId16"/>
-    <p:sldId id="269" r:id="rId17"/>
-    <p:sldId id="270" r:id="rId18"/>
+    <p:sldId id="260" r:id="rId5"/>
+    <p:sldId id="263" r:id="rId6"/>
+    <p:sldId id="264" r:id="rId7"/>
+    <p:sldId id="265" r:id="rId8"/>
+    <p:sldId id="267" r:id="rId9"/>
+    <p:sldId id="275" r:id="rId10"/>
+    <p:sldId id="271" r:id="rId11"/>
+    <p:sldId id="272" r:id="rId12"/>
+    <p:sldId id="274" r:id="rId13"/>
+    <p:sldId id="273" r:id="rId14"/>
+    <p:sldId id="268" r:id="rId15"/>
+    <p:sldId id="269" r:id="rId16"/>
+    <p:sldId id="270" r:id="rId17"/>
   </p:sldIdLst>
   <p:sldSz cx="12192000" cy="6858000"/>
   <p:notesSz cx="6858000" cy="9144000"/>
@@ -157,6 +156,35 @@
 </inkml:ink>
 </file>
 
+<file path=ppt/ink/ink10.xml><?xml version="1.0" encoding="utf-8"?>
+<inkml:ink xmlns:inkml="http://www.w3.org/2003/InkML">
+  <inkml:definitions>
+    <inkml:context xml:id="ctx0">
+      <inkml:inkSource xml:id="inkSrc0">
+        <inkml:traceFormat>
+          <inkml:channel name="X" type="integer" min="-2.14748E9" max="2.14748E9" units="cm"/>
+          <inkml:channel name="Y" type="integer" min="-2.14748E9" max="2.14748E9" units="cm"/>
+        </inkml:traceFormat>
+        <inkml:channelProperties>
+          <inkml:channelProperty channel="X" name="resolution" value="1000" units="1/cm"/>
+          <inkml:channelProperty channel="Y" name="resolution" value="1000" units="1/cm"/>
+        </inkml:channelProperties>
+      </inkml:inkSource>
+      <inkml:timestamp xml:id="ts0" timeString="2021-06-23T02:35:27.846"/>
+    </inkml:context>
+    <inkml:brush xml:id="br0">
+      <inkml:brushProperty name="width" value="0.5" units="cm"/>
+      <inkml:brushProperty name="height" value="1" units="cm"/>
+      <inkml:brushProperty name="color" value="#A2D762"/>
+      <inkml:brushProperty name="tip" value="rectangle"/>
+      <inkml:brushProperty name="rasterOp" value="maskPen"/>
+      <inkml:brushProperty name="ignorePressure" value="1"/>
+    </inkml:brush>
+  </inkml:definitions>
+  <inkml:trace contextRef="#ctx0" brushRef="#br0">0 2,'332'-1,"356"3,-391 9,88 3,-252-2,-9 0,173-13,-281-1,1 0,-1-1,0-1,27-9,-17 3</inkml:trace>
+</inkml:ink>
+</file>
+
 <file path=ppt/ink/ink2.xml><?xml version="1.0" encoding="utf-8"?>
 <inkml:ink xmlns:inkml="http://www.w3.org/2003/InkML">
   <inkml:definitions>
@@ -200,7 +228,7 @@
           <inkml:channelProperty channel="Y" name="resolution" value="1000" units="1/cm"/>
         </inkml:channelProperties>
       </inkml:inkSource>
-      <inkml:timestamp xml:id="ts0" timeString="2021-06-22T02:27:01.053"/>
+      <inkml:timestamp xml:id="ts0" timeString="2021-06-22T02:27:04.111"/>
     </inkml:context>
     <inkml:brush xml:id="br0">
       <inkml:brushProperty name="width" value="0.5" units="cm"/>
@@ -211,7 +239,7 @@
       <inkml:brushProperty name="ignorePressure" value="1"/>
     </inkml:brush>
   </inkml:definitions>
-  <inkml:trace contextRef="#ctx0" brushRef="#br0">0 240,'32'-8,"-5"0,150-11,234 4,-333 14,1508-2,-863 4,2460-1,-2718-13,6-1,142-6,-538 15,666-23,-533 30,278-4,-123-21,-73 19,142-6,381-6,-538 6,-87 1,1105 1,-776 10,1552-2,-1770-14,-4 0,-174 13,309 9,-396-6,1 2,-1 1,0 1,-1 2,34 13,-62-19,22 11,-26-13,0 1,0-1,0 1,-1 0,1-1,0 1,0 0,0 0,-1 0,1-1,0 1,-1 0,1 0,-1 0,1 0,-1 0,1 1,-1-1,0 0,1 1,-6 10</inkml:trace>
+  <inkml:trace contextRef="#ctx0" brushRef="#br0">1 241,'13'-1,"0"0,0-1,22-6,8-1,287-22,3 27,-209 4,75 1,328-12,-328-18,-39 3,589-17,-476 34,1270-5,-1013 16,2001-2,-2441-2,0-4,95-18,-141 15,0 3,1 1,0 3,1 1,47 6,-88-5,-1 1,0 0,1 0,-1 0,0 1,1-1,-1 1,0 0,0 0,0 0,-1 1,7 5,3 8</inkml:trace>
 </inkml:ink>
 </file>
 
@@ -229,7 +257,7 @@
           <inkml:channelProperty channel="Y" name="resolution" value="1000" units="1/cm"/>
         </inkml:channelProperties>
       </inkml:inkSource>
-      <inkml:timestamp xml:id="ts0" timeString="2021-06-22T02:27:04.111"/>
+      <inkml:timestamp xml:id="ts0" timeString="2021-06-23T02:34:51.586"/>
     </inkml:context>
     <inkml:brush xml:id="br0">
       <inkml:brushProperty name="width" value="0.5" units="cm"/>
@@ -240,7 +268,152 @@
       <inkml:brushProperty name="ignorePressure" value="1"/>
     </inkml:brush>
   </inkml:definitions>
-  <inkml:trace contextRef="#ctx0" brushRef="#br0">1 241,'13'-1,"0"0,0-1,22-6,8-1,287-22,3 27,-209 4,75 1,328-12,-328-18,-39 3,589-17,-476 34,1270-5,-1013 16,2001-2,-2441-2,0-4,95-18,-141 15,0 3,1 1,0 3,1 1,47 6,-88-5,-1 1,0 0,1 0,-1 0,0 1,1-1,-1 1,0 0,0 0,0 0,-1 1,7 5,3 8</inkml:trace>
+  <inkml:trace contextRef="#ctx0" brushRef="#br0">1 28,'295'-12,"-70"1,845 7,-592 5,-61 23,-83-2,1033 38,-397-16,-231 4,-132-5,63 20,-276-21,272-8,-100-9,598-3,-760-25,56 3,-434 0</inkml:trace>
+</inkml:ink>
+</file>
+
+<file path=ppt/ink/ink5.xml><?xml version="1.0" encoding="utf-8"?>
+<inkml:ink xmlns:inkml="http://www.w3.org/2003/InkML">
+  <inkml:definitions>
+    <inkml:context xml:id="ctx0">
+      <inkml:inkSource xml:id="inkSrc0">
+        <inkml:traceFormat>
+          <inkml:channel name="X" type="integer" min="-2.14748E9" max="2.14748E9" units="cm"/>
+          <inkml:channel name="Y" type="integer" min="-2.14748E9" max="2.14748E9" units="cm"/>
+        </inkml:traceFormat>
+        <inkml:channelProperties>
+          <inkml:channelProperty channel="X" name="resolution" value="1000" units="1/cm"/>
+          <inkml:channelProperty channel="Y" name="resolution" value="1000" units="1/cm"/>
+        </inkml:channelProperties>
+      </inkml:inkSource>
+      <inkml:timestamp xml:id="ts0" timeString="2021-06-23T02:34:56.590"/>
+    </inkml:context>
+    <inkml:brush xml:id="br0">
+      <inkml:brushProperty name="width" value="0.5" units="cm"/>
+      <inkml:brushProperty name="height" value="1" units="cm"/>
+      <inkml:brushProperty name="color" value="#A2D762"/>
+      <inkml:brushProperty name="tip" value="rectangle"/>
+      <inkml:brushProperty name="rasterOp" value="maskPen"/>
+      <inkml:brushProperty name="ignorePressure" value="1"/>
+    </inkml:brush>
+  </inkml:definitions>
+  <inkml:trace contextRef="#ctx0" brushRef="#br0">0 53,'24'-1,"0"-1,39-8,7-2,372-14,4 25,-262 1,3849 2,-2809 65,-367-9,-382-69,-145-3,45 15,128-2,-206-15,-120 5,-34 0,106-2,-228 13</inkml:trace>
+</inkml:ink>
+</file>
+
+<file path=ppt/ink/ink6.xml><?xml version="1.0" encoding="utf-8"?>
+<inkml:ink xmlns:inkml="http://www.w3.org/2003/InkML">
+  <inkml:definitions>
+    <inkml:context xml:id="ctx0">
+      <inkml:inkSource xml:id="inkSrc0">
+        <inkml:traceFormat>
+          <inkml:channel name="X" type="integer" min="-2.14748E9" max="2.14748E9" units="cm"/>
+          <inkml:channel name="Y" type="integer" min="-2.14748E9" max="2.14748E9" units="cm"/>
+        </inkml:traceFormat>
+        <inkml:channelProperties>
+          <inkml:channelProperty channel="X" name="resolution" value="1000" units="1/cm"/>
+          <inkml:channelProperty channel="Y" name="resolution" value="1000" units="1/cm"/>
+        </inkml:channelProperties>
+      </inkml:inkSource>
+      <inkml:timestamp xml:id="ts0" timeString="2021-06-23T02:35:00.908"/>
+    </inkml:context>
+    <inkml:brush xml:id="br0">
+      <inkml:brushProperty name="width" value="0.5" units="cm"/>
+      <inkml:brushProperty name="height" value="1" units="cm"/>
+      <inkml:brushProperty name="color" value="#A2D762"/>
+      <inkml:brushProperty name="tip" value="rectangle"/>
+      <inkml:brushProperty name="rasterOp" value="maskPen"/>
+      <inkml:brushProperty name="ignorePressure" value="1"/>
+    </inkml:brush>
+  </inkml:definitions>
+  <inkml:trace contextRef="#ctx0" brushRef="#br0">0 1,'2077'0,"-2018"-1,0 4,0 2,77 17,-125-20,141 30,-127-28,0-1,1-2,49-2,-71 0,0 1,0-1,0 1,0-1,0-1,0 1,0 0,0-1,-1 0,1 0,-1 0,1 0,3-4,6-9</inkml:trace>
+</inkml:ink>
+</file>
+
+<file path=ppt/ink/ink7.xml><?xml version="1.0" encoding="utf-8"?>
+<inkml:ink xmlns:inkml="http://www.w3.org/2003/InkML">
+  <inkml:definitions>
+    <inkml:context xml:id="ctx0">
+      <inkml:inkSource xml:id="inkSrc0">
+        <inkml:traceFormat>
+          <inkml:channel name="X" type="integer" min="-2.14748E9" max="2.14748E9" units="cm"/>
+          <inkml:channel name="Y" type="integer" min="-2.14748E9" max="2.14748E9" units="cm"/>
+        </inkml:traceFormat>
+        <inkml:channelProperties>
+          <inkml:channelProperty channel="X" name="resolution" value="1000" units="1/cm"/>
+          <inkml:channelProperty channel="Y" name="resolution" value="1000" units="1/cm"/>
+        </inkml:channelProperties>
+      </inkml:inkSource>
+      <inkml:timestamp xml:id="ts0" timeString="2021-06-23T02:35:06.401"/>
+    </inkml:context>
+    <inkml:brush xml:id="br0">
+      <inkml:brushProperty name="width" value="0.5" units="cm"/>
+      <inkml:brushProperty name="height" value="1" units="cm"/>
+      <inkml:brushProperty name="color" value="#A2D762"/>
+      <inkml:brushProperty name="tip" value="rectangle"/>
+      <inkml:brushProperty name="rasterOp" value="maskPen"/>
+      <inkml:brushProperty name="ignorePressure" value="1"/>
+    </inkml:brush>
+  </inkml:definitions>
+  <inkml:trace contextRef="#ctx0" brushRef="#br0">0 128,'0'1,"1"-1,-1 1,0-1,0 1,0-1,1 1,-1-1,0 1,1-1,-1 1,0-1,1 1,-1-1,1 1,-1-1,0 0,1 1,-1-1,1 0,-1 0,1 1,-1-1,1 0,0 0,-1 0,1 1,0-1,22 4,-20-4,241 15,-40-4,189 37,87 8,60-62,-292-5,116 4,399-14,1415-29,-1449 4,1043-85,-916 131,-391 3,447 11,-623-9,118 7,-335-3,-1 4,104 31,-92-21,89 12,59-13,-124-14,113 23,-145-18,136 7,73-19,111 7,-268 2,102 11,-201-16,-1-2,0-1,1-1,-1-1,1-1,50-10,-19-1,118-8,61 15,-199 4,48 1,101 12,-186-12,63 13,-62-13,0 1,1 0,-1 0,0 1,-1-1,1 1,0-1,0 1,-1 0,1 0,-1 0,1 0,-1 0,0 1,3 3,-4-5,-1 0,0 0,0 1,1-1,-1 0,0 0,0 0,0 1,0-1,0 0,0 0,-1 0,1 1,0-1,-1 0,1 0,-1 0,1 0,-1 0,1 0,-1 0,0 0,1 0,-1 0,0 0,0 0,0 0,0 0,0-1,0 1,0 0,0-1,0 1,0-1,0 1,0-1,-2 1,-2 1,0 0,0 0,0 0,-1-1,1 1,0-1,-6 0,7-1,1 0,-1-1,0 0,1 1,-1-1,1 0,-6-3,-19-12</inkml:trace>
+</inkml:ink>
+</file>
+
+<file path=ppt/ink/ink8.xml><?xml version="1.0" encoding="utf-8"?>
+<inkml:ink xmlns:inkml="http://www.w3.org/2003/InkML">
+  <inkml:definitions>
+    <inkml:context xml:id="ctx0">
+      <inkml:inkSource xml:id="inkSrc0">
+        <inkml:traceFormat>
+          <inkml:channel name="X" type="integer" min="-2.14748E9" max="2.14748E9" units="cm"/>
+          <inkml:channel name="Y" type="integer" min="-2.14748E9" max="2.14748E9" units="cm"/>
+        </inkml:traceFormat>
+        <inkml:channelProperties>
+          <inkml:channelProperty channel="X" name="resolution" value="1000" units="1/cm"/>
+          <inkml:channelProperty channel="Y" name="resolution" value="1000" units="1/cm"/>
+        </inkml:channelProperties>
+      </inkml:inkSource>
+      <inkml:timestamp xml:id="ts0" timeString="2021-06-23T02:35:16.716"/>
+    </inkml:context>
+    <inkml:brush xml:id="br0">
+      <inkml:brushProperty name="width" value="0.5" units="cm"/>
+      <inkml:brushProperty name="height" value="1" units="cm"/>
+      <inkml:brushProperty name="color" value="#A2D762"/>
+      <inkml:brushProperty name="tip" value="rectangle"/>
+      <inkml:brushProperty name="rasterOp" value="maskPen"/>
+      <inkml:brushProperty name="ignorePressure" value="1"/>
+    </inkml:brush>
+  </inkml:definitions>
+  <inkml:trace contextRef="#ctx0" brushRef="#br0">1 327,'336'2,"469"-8,-372-29,40-1,-328 33,254-19,239-77,-535 81,268-30,-215 30,495-26,4 45,-257 2,98-3,-470 0</inkml:trace>
+</inkml:ink>
+</file>
+
+<file path=ppt/ink/ink9.xml><?xml version="1.0" encoding="utf-8"?>
+<inkml:ink xmlns:inkml="http://www.w3.org/2003/InkML">
+  <inkml:definitions>
+    <inkml:context xml:id="ctx0">
+      <inkml:inkSource xml:id="inkSrc0">
+        <inkml:traceFormat>
+          <inkml:channel name="X" type="integer" min="-2.14748E9" max="2.14748E9" units="cm"/>
+          <inkml:channel name="Y" type="integer" min="-2.14748E9" max="2.14748E9" units="cm"/>
+        </inkml:traceFormat>
+        <inkml:channelProperties>
+          <inkml:channelProperty channel="X" name="resolution" value="1000" units="1/cm"/>
+          <inkml:channelProperty channel="Y" name="resolution" value="1000" units="1/cm"/>
+        </inkml:channelProperties>
+      </inkml:inkSource>
+      <inkml:timestamp xml:id="ts0" timeString="2021-06-23T02:35:23.435"/>
+    </inkml:context>
+    <inkml:brush xml:id="br0">
+      <inkml:brushProperty name="width" value="0.5" units="cm"/>
+      <inkml:brushProperty name="height" value="1" units="cm"/>
+      <inkml:brushProperty name="color" value="#A2D762"/>
+      <inkml:brushProperty name="tip" value="rectangle"/>
+      <inkml:brushProperty name="rasterOp" value="maskPen"/>
+      <inkml:brushProperty name="ignorePressure" value="1"/>
+    </inkml:brush>
+  </inkml:definitions>
+  <inkml:trace contextRef="#ctx0" brushRef="#br0">1 2,'321'-1,"485"6,-369 38,64 3,4-38,-86 3,-95 0,245-25,-223 3,-311 11</inkml:trace>
 </inkml:ink>
 </file>
 
@@ -391,7 +564,7 @@
           <a:p>
             <a:fld id="{D849427B-D880-4D8C-8421-4A05004B7DFE}" type="datetimeFigureOut">
               <a:rPr kumimoji="1" lang="ja-JP" altLang="en-US" smtClean="0"/>
-              <a:t>2021/6/22</a:t>
+              <a:t>2021/6/23</a:t>
             </a:fld>
             <a:endParaRPr kumimoji="1" lang="ja-JP" altLang="en-US"/>
           </a:p>
@@ -621,7 +794,7 @@
           <a:p>
             <a:fld id="{D849427B-D880-4D8C-8421-4A05004B7DFE}" type="datetimeFigureOut">
               <a:rPr kumimoji="1" lang="ja-JP" altLang="en-US" smtClean="0"/>
-              <a:t>2021/6/22</a:t>
+              <a:t>2021/6/23</a:t>
             </a:fld>
             <a:endParaRPr kumimoji="1" lang="ja-JP" altLang="en-US"/>
           </a:p>
@@ -861,7 +1034,7 @@
           <a:p>
             <a:fld id="{D849427B-D880-4D8C-8421-4A05004B7DFE}" type="datetimeFigureOut">
               <a:rPr kumimoji="1" lang="ja-JP" altLang="en-US" smtClean="0"/>
-              <a:t>2021/6/22</a:t>
+              <a:t>2021/6/23</a:t>
             </a:fld>
             <a:endParaRPr kumimoji="1" lang="ja-JP" altLang="en-US"/>
           </a:p>
@@ -1091,7 +1264,7 @@
           <a:p>
             <a:fld id="{D849427B-D880-4D8C-8421-4A05004B7DFE}" type="datetimeFigureOut">
               <a:rPr kumimoji="1" lang="ja-JP" altLang="en-US" smtClean="0"/>
-              <a:t>2021/6/22</a:t>
+              <a:t>2021/6/23</a:t>
             </a:fld>
             <a:endParaRPr kumimoji="1" lang="ja-JP" altLang="en-US"/>
           </a:p>
@@ -1366,7 +1539,7 @@
           <a:p>
             <a:fld id="{D849427B-D880-4D8C-8421-4A05004B7DFE}" type="datetimeFigureOut">
               <a:rPr kumimoji="1" lang="ja-JP" altLang="en-US" smtClean="0"/>
-              <a:t>2021/6/22</a:t>
+              <a:t>2021/6/23</a:t>
             </a:fld>
             <a:endParaRPr kumimoji="1" lang="ja-JP" altLang="en-US"/>
           </a:p>
@@ -1695,7 +1868,7 @@
           <a:p>
             <a:fld id="{D849427B-D880-4D8C-8421-4A05004B7DFE}" type="datetimeFigureOut">
               <a:rPr kumimoji="1" lang="ja-JP" altLang="en-US" smtClean="0"/>
-              <a:t>2021/6/22</a:t>
+              <a:t>2021/6/23</a:t>
             </a:fld>
             <a:endParaRPr kumimoji="1" lang="ja-JP" altLang="en-US"/>
           </a:p>
@@ -2171,7 +2344,7 @@
           <a:p>
             <a:fld id="{D849427B-D880-4D8C-8421-4A05004B7DFE}" type="datetimeFigureOut">
               <a:rPr kumimoji="1" lang="ja-JP" altLang="en-US" smtClean="0"/>
-              <a:t>2021/6/22</a:t>
+              <a:t>2021/6/23</a:t>
             </a:fld>
             <a:endParaRPr kumimoji="1" lang="ja-JP" altLang="en-US"/>
           </a:p>
@@ -2312,7 +2485,7 @@
           <a:p>
             <a:fld id="{D849427B-D880-4D8C-8421-4A05004B7DFE}" type="datetimeFigureOut">
               <a:rPr kumimoji="1" lang="ja-JP" altLang="en-US" smtClean="0"/>
-              <a:t>2021/6/22</a:t>
+              <a:t>2021/6/23</a:t>
             </a:fld>
             <a:endParaRPr kumimoji="1" lang="ja-JP" altLang="en-US"/>
           </a:p>
@@ -2425,7 +2598,7 @@
           <a:p>
             <a:fld id="{D849427B-D880-4D8C-8421-4A05004B7DFE}" type="datetimeFigureOut">
               <a:rPr kumimoji="1" lang="ja-JP" altLang="en-US" smtClean="0"/>
-              <a:t>2021/6/22</a:t>
+              <a:t>2021/6/23</a:t>
             </a:fld>
             <a:endParaRPr kumimoji="1" lang="ja-JP" altLang="en-US"/>
           </a:p>
@@ -2768,7 +2941,7 @@
           <a:p>
             <a:fld id="{D849427B-D880-4D8C-8421-4A05004B7DFE}" type="datetimeFigureOut">
               <a:rPr kumimoji="1" lang="ja-JP" altLang="en-US" smtClean="0"/>
-              <a:t>2021/6/22</a:t>
+              <a:t>2021/6/23</a:t>
             </a:fld>
             <a:endParaRPr kumimoji="1" lang="ja-JP" altLang="en-US"/>
           </a:p>
@@ -3056,7 +3229,7 @@
           <a:p>
             <a:fld id="{D849427B-D880-4D8C-8421-4A05004B7DFE}" type="datetimeFigureOut">
               <a:rPr kumimoji="1" lang="ja-JP" altLang="en-US" smtClean="0"/>
-              <a:t>2021/6/22</a:t>
+              <a:t>2021/6/23</a:t>
             </a:fld>
             <a:endParaRPr kumimoji="1" lang="ja-JP" altLang="en-US"/>
           </a:p>
@@ -3329,7 +3502,7 @@
           <a:p>
             <a:fld id="{D849427B-D880-4D8C-8421-4A05004B7DFE}" type="datetimeFigureOut">
               <a:rPr kumimoji="1" lang="ja-JP" altLang="en-US" smtClean="0"/>
-              <a:t>2021/6/22</a:t>
+              <a:t>2021/6/23</a:t>
             </a:fld>
             <a:endParaRPr kumimoji="1" lang="ja-JP" altLang="en-US"/>
           </a:p>
@@ -4022,71 +4195,6 @@
       </p:grpSpPr>
       <p:sp>
         <p:nvSpPr>
-          <p:cNvPr id="2" name="タイトル 1">
-            <a:extLst>
-              <a:ext uri="{FF2B5EF4-FFF2-40B4-BE49-F238E27FC236}">
-                <a16:creationId xmlns:a16="http://schemas.microsoft.com/office/drawing/2014/main" id="{0E0052EA-F9A7-41FB-BA0C-317EFE23BF4C}"/>
-              </a:ext>
-            </a:extLst>
-          </p:cNvPr>
-          <p:cNvSpPr>
-            <a:spLocks noGrp="1"/>
-          </p:cNvSpPr>
-          <p:nvPr>
-            <p:ph type="title"/>
-          </p:nvPr>
-        </p:nvSpPr>
-        <p:spPr/>
-        <p:txBody>
-          <a:bodyPr>
-            <a:normAutofit/>
-          </a:bodyPr>
-          <a:lstStyle/>
-          <a:p>
-            <a:r>
-              <a:rPr lang="ja-JP" altLang="en-US" sz="4000" dirty="0">
-                <a:latin typeface="HG丸ｺﾞｼｯｸM-PRO" panose="020F0600000000000000" pitchFamily="50" charset="-128"/>
-                <a:ea typeface="HG丸ｺﾞｼｯｸM-PRO" panose="020F0600000000000000" pitchFamily="50" charset="-128"/>
-              </a:rPr>
-              <a:t>グループ</a:t>
-            </a:r>
-            <a:endParaRPr kumimoji="1" lang="ja-JP" altLang="en-US" sz="4000" dirty="0">
-              <a:latin typeface="HG丸ｺﾞｼｯｸM-PRO" panose="020F0600000000000000" pitchFamily="50" charset="-128"/>
-              <a:ea typeface="HG丸ｺﾞｼｯｸM-PRO" panose="020F0600000000000000" pitchFamily="50" charset="-128"/>
-            </a:endParaRPr>
-          </a:p>
-        </p:txBody>
-      </p:sp>
-      <p:sp>
-        <p:nvSpPr>
-          <p:cNvPr id="3" name="コンテンツ プレースホルダー 2">
-            <a:extLst>
-              <a:ext uri="{FF2B5EF4-FFF2-40B4-BE49-F238E27FC236}">
-                <a16:creationId xmlns:a16="http://schemas.microsoft.com/office/drawing/2014/main" id="{C3F67336-AEF3-4088-9E02-583B7C424338}"/>
-              </a:ext>
-            </a:extLst>
-          </p:cNvPr>
-          <p:cNvSpPr>
-            <a:spLocks noGrp="1"/>
-          </p:cNvSpPr>
-          <p:nvPr>
-            <p:ph idx="1"/>
-          </p:nvPr>
-        </p:nvSpPr>
-        <p:spPr/>
-        <p:txBody>
-          <a:bodyPr/>
-          <a:lstStyle/>
-          <a:p>
-            <a:endParaRPr kumimoji="1" lang="ja-JP" altLang="en-US" dirty="0">
-              <a:latin typeface="HG丸ｺﾞｼｯｸM-PRO" panose="020F0600000000000000" pitchFamily="50" charset="-128"/>
-              <a:ea typeface="HG丸ｺﾞｼｯｸM-PRO" panose="020F0600000000000000" pitchFamily="50" charset="-128"/>
-            </a:endParaRPr>
-          </a:p>
-        </p:txBody>
-      </p:sp>
-      <p:sp>
-        <p:nvSpPr>
           <p:cNvPr id="4" name="フレーム 3">
             <a:extLst>
               <a:ext uri="{FF2B5EF4-FFF2-40B4-BE49-F238E27FC236}">
@@ -4154,10 +4262,507 @@
           </a:p>
         </p:txBody>
       </p:sp>
+      <p:sp>
+        <p:nvSpPr>
+          <p:cNvPr id="5" name="吹き出し: 角を丸めた四角形 4">
+            <a:extLst>
+              <a:ext uri="{FF2B5EF4-FFF2-40B4-BE49-F238E27FC236}">
+                <a16:creationId xmlns:a16="http://schemas.microsoft.com/office/drawing/2014/main" id="{0D899AD8-0D69-4BED-BC94-AA95E28A59A0}"/>
+              </a:ext>
+            </a:extLst>
+          </p:cNvPr>
+          <p:cNvSpPr/>
+          <p:nvPr/>
+        </p:nvSpPr>
+        <p:spPr>
+          <a:xfrm>
+            <a:off x="2371725" y="590550"/>
+            <a:ext cx="9297194" cy="5688806"/>
+          </a:xfrm>
+          <a:prstGeom prst="wedgeRoundRectCallout">
+            <a:avLst>
+              <a:gd name="adj1" fmla="val -56995"/>
+              <a:gd name="adj2" fmla="val 34960"/>
+              <a:gd name="adj3" fmla="val 16667"/>
+            </a:avLst>
+          </a:prstGeom>
+        </p:spPr>
+        <p:style>
+          <a:lnRef idx="2">
+            <a:schemeClr val="accent6"/>
+          </a:lnRef>
+          <a:fillRef idx="1">
+            <a:schemeClr val="lt1"/>
+          </a:fillRef>
+          <a:effectRef idx="0">
+            <a:schemeClr val="accent6"/>
+          </a:effectRef>
+          <a:fontRef idx="minor">
+            <a:schemeClr val="dk1"/>
+          </a:fontRef>
+        </p:style>
+        <p:txBody>
+          <a:bodyPr rtlCol="0" anchor="ctr"/>
+          <a:lstStyle/>
+          <a:p>
+            <a:pPr algn="ctr"/>
+            <a:endParaRPr kumimoji="1" lang="ja-JP" altLang="en-US" dirty="0"/>
+          </a:p>
+        </p:txBody>
+      </p:sp>
+      <p:sp>
+        <p:nvSpPr>
+          <p:cNvPr id="6" name="テキスト ボックス 5">
+            <a:extLst>
+              <a:ext uri="{FF2B5EF4-FFF2-40B4-BE49-F238E27FC236}">
+                <a16:creationId xmlns:a16="http://schemas.microsoft.com/office/drawing/2014/main" id="{5556F35C-9D45-438D-BE0F-9C0A83B53BEF}"/>
+              </a:ext>
+            </a:extLst>
+          </p:cNvPr>
+          <p:cNvSpPr txBox="1"/>
+          <p:nvPr/>
+        </p:nvSpPr>
+        <p:spPr>
+          <a:xfrm>
+            <a:off x="2924176" y="781050"/>
+            <a:ext cx="8591550" cy="738664"/>
+          </a:xfrm>
+          <a:prstGeom prst="rect">
+            <a:avLst/>
+          </a:prstGeom>
+          <a:noFill/>
+        </p:spPr>
+        <p:txBody>
+          <a:bodyPr wrap="square" rtlCol="0">
+            <a:spAutoFit/>
+          </a:bodyPr>
+          <a:lstStyle/>
+          <a:p>
+            <a:r>
+              <a:rPr kumimoji="1" lang="ja-JP" altLang="en-US" sz="2400" dirty="0">
+                <a:solidFill>
+                  <a:srgbClr val="FF0000"/>
+                </a:solidFill>
+                <a:latin typeface="HG丸ｺﾞｼｯｸM-PRO" panose="020F0600000000000000" pitchFamily="50" charset="-128"/>
+                <a:ea typeface="HG丸ｺﾞｼｯｸM-PRO" panose="020F0600000000000000" pitchFamily="50" charset="-128"/>
+              </a:rPr>
+              <a:t>▷課題・苦労したこと</a:t>
+            </a:r>
+            <a:endParaRPr kumimoji="1" lang="en-US" altLang="ja-JP" sz="2400" dirty="0">
+              <a:solidFill>
+                <a:srgbClr val="FF0000"/>
+              </a:solidFill>
+              <a:latin typeface="HG丸ｺﾞｼｯｸM-PRO" panose="020F0600000000000000" pitchFamily="50" charset="-128"/>
+              <a:ea typeface="HG丸ｺﾞｼｯｸM-PRO" panose="020F0600000000000000" pitchFamily="50" charset="-128"/>
+            </a:endParaRPr>
+          </a:p>
+          <a:p>
+            <a:endParaRPr kumimoji="1" lang="ja-JP" altLang="en-US" dirty="0"/>
+          </a:p>
+        </p:txBody>
+      </p:sp>
+      <p:sp>
+        <p:nvSpPr>
+          <p:cNvPr id="7" name="テキスト ボックス 6">
+            <a:extLst>
+              <a:ext uri="{FF2B5EF4-FFF2-40B4-BE49-F238E27FC236}">
+                <a16:creationId xmlns:a16="http://schemas.microsoft.com/office/drawing/2014/main" id="{1F2614EE-FB2C-4E8A-96FE-B1ED0E0D2420}"/>
+              </a:ext>
+            </a:extLst>
+          </p:cNvPr>
+          <p:cNvSpPr txBox="1"/>
+          <p:nvPr/>
+        </p:nvSpPr>
+        <p:spPr>
+          <a:xfrm>
+            <a:off x="3409950" y="1325324"/>
+            <a:ext cx="7600950" cy="369332"/>
+          </a:xfrm>
+          <a:prstGeom prst="rect">
+            <a:avLst/>
+          </a:prstGeom>
+          <a:noFill/>
+        </p:spPr>
+        <p:txBody>
+          <a:bodyPr wrap="square" rtlCol="0">
+            <a:spAutoFit/>
+          </a:bodyPr>
+          <a:lstStyle/>
+          <a:p>
+            <a:r>
+              <a:rPr kumimoji="1" lang="ja-JP" altLang="en-US" dirty="0">
+                <a:latin typeface="HG丸ｺﾞｼｯｸM-PRO" panose="020F0600000000000000" pitchFamily="50" charset="-128"/>
+                <a:ea typeface="HG丸ｺﾞｼｯｸM-PRO" panose="020F0600000000000000" pitchFamily="50" charset="-128"/>
+              </a:rPr>
+              <a:t>あ</a:t>
+            </a:r>
+          </a:p>
+        </p:txBody>
+      </p:sp>
+      <p:sp>
+        <p:nvSpPr>
+          <p:cNvPr id="9" name="テキスト ボックス 8">
+            <a:extLst>
+              <a:ext uri="{FF2B5EF4-FFF2-40B4-BE49-F238E27FC236}">
+                <a16:creationId xmlns:a16="http://schemas.microsoft.com/office/drawing/2014/main" id="{49E98EF4-4FE5-4134-8511-251965981FE8}"/>
+              </a:ext>
+            </a:extLst>
+          </p:cNvPr>
+          <p:cNvSpPr txBox="1"/>
+          <p:nvPr/>
+        </p:nvSpPr>
+        <p:spPr>
+          <a:xfrm>
+            <a:off x="2924176" y="2110263"/>
+            <a:ext cx="7410450" cy="461665"/>
+          </a:xfrm>
+          <a:prstGeom prst="rect">
+            <a:avLst/>
+          </a:prstGeom>
+          <a:noFill/>
+        </p:spPr>
+        <p:txBody>
+          <a:bodyPr wrap="square" rtlCol="0">
+            <a:spAutoFit/>
+          </a:bodyPr>
+          <a:lstStyle/>
+          <a:p>
+            <a:r>
+              <a:rPr lang="ja-JP" altLang="en-US" sz="2400" dirty="0">
+                <a:solidFill>
+                  <a:srgbClr val="FF0000"/>
+                </a:solidFill>
+                <a:latin typeface="HG丸ｺﾞｼｯｸM-PRO" panose="020F0600000000000000" pitchFamily="50" charset="-128"/>
+                <a:ea typeface="HG丸ｺﾞｼｯｸM-PRO" panose="020F0600000000000000" pitchFamily="50" charset="-128"/>
+              </a:rPr>
+              <a:t>▷解決策</a:t>
+            </a:r>
+            <a:endParaRPr kumimoji="1" lang="ja-JP" altLang="en-US" sz="2400" dirty="0">
+              <a:solidFill>
+                <a:srgbClr val="FF0000"/>
+              </a:solidFill>
+              <a:latin typeface="HG丸ｺﾞｼｯｸM-PRO" panose="020F0600000000000000" pitchFamily="50" charset="-128"/>
+              <a:ea typeface="HG丸ｺﾞｼｯｸM-PRO" panose="020F0600000000000000" pitchFamily="50" charset="-128"/>
+            </a:endParaRPr>
+          </a:p>
+        </p:txBody>
+      </p:sp>
+      <p:sp>
+        <p:nvSpPr>
+          <p:cNvPr id="10" name="テキスト ボックス 9">
+            <a:extLst>
+              <a:ext uri="{FF2B5EF4-FFF2-40B4-BE49-F238E27FC236}">
+                <a16:creationId xmlns:a16="http://schemas.microsoft.com/office/drawing/2014/main" id="{C12B73DF-F43B-4A43-A217-1519555F7B78}"/>
+              </a:ext>
+            </a:extLst>
+          </p:cNvPr>
+          <p:cNvSpPr txBox="1"/>
+          <p:nvPr/>
+        </p:nvSpPr>
+        <p:spPr>
+          <a:xfrm>
+            <a:off x="3409950" y="2630028"/>
+            <a:ext cx="7753350" cy="369332"/>
+          </a:xfrm>
+          <a:prstGeom prst="rect">
+            <a:avLst/>
+          </a:prstGeom>
+          <a:noFill/>
+        </p:spPr>
+        <p:txBody>
+          <a:bodyPr wrap="square" rtlCol="0">
+            <a:spAutoFit/>
+          </a:bodyPr>
+          <a:lstStyle/>
+          <a:p>
+            <a:r>
+              <a:rPr kumimoji="1" lang="ja-JP" altLang="en-US" dirty="0">
+                <a:latin typeface="HG丸ｺﾞｼｯｸM-PRO" panose="020F0600000000000000" pitchFamily="50" charset="-128"/>
+                <a:ea typeface="HG丸ｺﾞｼｯｸM-PRO" panose="020F0600000000000000" pitchFamily="50" charset="-128"/>
+              </a:rPr>
+              <a:t>あ</a:t>
+            </a:r>
+          </a:p>
+        </p:txBody>
+      </p:sp>
+      <p:sp>
+        <p:nvSpPr>
+          <p:cNvPr id="11" name="テキスト ボックス 10">
+            <a:extLst>
+              <a:ext uri="{FF2B5EF4-FFF2-40B4-BE49-F238E27FC236}">
+                <a16:creationId xmlns:a16="http://schemas.microsoft.com/office/drawing/2014/main" id="{958FCDA3-C550-4E75-8FED-0336806AAF17}"/>
+              </a:ext>
+            </a:extLst>
+          </p:cNvPr>
+          <p:cNvSpPr txBox="1"/>
+          <p:nvPr/>
+        </p:nvSpPr>
+        <p:spPr>
+          <a:xfrm>
+            <a:off x="2990851" y="3364542"/>
+            <a:ext cx="7410450" cy="461665"/>
+          </a:xfrm>
+          <a:prstGeom prst="rect">
+            <a:avLst/>
+          </a:prstGeom>
+          <a:noFill/>
+        </p:spPr>
+        <p:txBody>
+          <a:bodyPr wrap="square" rtlCol="0">
+            <a:spAutoFit/>
+          </a:bodyPr>
+          <a:lstStyle/>
+          <a:p>
+            <a:r>
+              <a:rPr lang="ja-JP" altLang="en-US" sz="2400" dirty="0">
+                <a:solidFill>
+                  <a:srgbClr val="FF0000"/>
+                </a:solidFill>
+                <a:latin typeface="HG丸ｺﾞｼｯｸM-PRO" panose="020F0600000000000000" pitchFamily="50" charset="-128"/>
+                <a:ea typeface="HG丸ｺﾞｼｯｸM-PRO" panose="020F0600000000000000" pitchFamily="50" charset="-128"/>
+              </a:rPr>
+              <a:t>▷成長したと感じること</a:t>
+            </a:r>
+            <a:endParaRPr kumimoji="1" lang="ja-JP" altLang="en-US" sz="2400" dirty="0">
+              <a:solidFill>
+                <a:srgbClr val="FF0000"/>
+              </a:solidFill>
+              <a:latin typeface="HG丸ｺﾞｼｯｸM-PRO" panose="020F0600000000000000" pitchFamily="50" charset="-128"/>
+              <a:ea typeface="HG丸ｺﾞｼｯｸM-PRO" panose="020F0600000000000000" pitchFamily="50" charset="-128"/>
+            </a:endParaRPr>
+          </a:p>
+        </p:txBody>
+      </p:sp>
+      <p:sp>
+        <p:nvSpPr>
+          <p:cNvPr id="12" name="テキスト ボックス 11">
+            <a:extLst>
+              <a:ext uri="{FF2B5EF4-FFF2-40B4-BE49-F238E27FC236}">
+                <a16:creationId xmlns:a16="http://schemas.microsoft.com/office/drawing/2014/main" id="{4E38B916-8BC0-4FB3-BE89-67D4F3014E13}"/>
+              </a:ext>
+            </a:extLst>
+          </p:cNvPr>
+          <p:cNvSpPr txBox="1"/>
+          <p:nvPr/>
+        </p:nvSpPr>
+        <p:spPr>
+          <a:xfrm>
+            <a:off x="3409950" y="3934733"/>
+            <a:ext cx="7610477" cy="369332"/>
+          </a:xfrm>
+          <a:prstGeom prst="rect">
+            <a:avLst/>
+          </a:prstGeom>
+          <a:noFill/>
+        </p:spPr>
+        <p:txBody>
+          <a:bodyPr wrap="square" rtlCol="0">
+            <a:spAutoFit/>
+          </a:bodyPr>
+          <a:lstStyle/>
+          <a:p>
+            <a:r>
+              <a:rPr lang="ja-JP" altLang="en-US" dirty="0">
+                <a:latin typeface="HG丸ｺﾞｼｯｸM-PRO" panose="020F0600000000000000" pitchFamily="50" charset="-128"/>
+                <a:ea typeface="HG丸ｺﾞｼｯｸM-PRO" panose="020F0600000000000000" pitchFamily="50" charset="-128"/>
+              </a:rPr>
+              <a:t>あ</a:t>
+            </a:r>
+            <a:endParaRPr lang="en-US" altLang="ja-JP" dirty="0">
+              <a:latin typeface="HG丸ｺﾞｼｯｸM-PRO" panose="020F0600000000000000" pitchFamily="50" charset="-128"/>
+              <a:ea typeface="HG丸ｺﾞｼｯｸM-PRO" panose="020F0600000000000000" pitchFamily="50" charset="-128"/>
+            </a:endParaRPr>
+          </a:p>
+        </p:txBody>
+      </p:sp>
+      <p:sp>
+        <p:nvSpPr>
+          <p:cNvPr id="13" name="テキスト ボックス 12">
+            <a:extLst>
+              <a:ext uri="{FF2B5EF4-FFF2-40B4-BE49-F238E27FC236}">
+                <a16:creationId xmlns:a16="http://schemas.microsoft.com/office/drawing/2014/main" id="{A6CA4B9A-A3B6-4F35-8389-02654467E163}"/>
+              </a:ext>
+            </a:extLst>
+          </p:cNvPr>
+          <p:cNvSpPr txBox="1"/>
+          <p:nvPr/>
+        </p:nvSpPr>
+        <p:spPr>
+          <a:xfrm>
+            <a:off x="2990851" y="4727619"/>
+            <a:ext cx="7410450" cy="461665"/>
+          </a:xfrm>
+          <a:prstGeom prst="rect">
+            <a:avLst/>
+          </a:prstGeom>
+          <a:noFill/>
+        </p:spPr>
+        <p:txBody>
+          <a:bodyPr wrap="square" rtlCol="0">
+            <a:spAutoFit/>
+          </a:bodyPr>
+          <a:lstStyle/>
+          <a:p>
+            <a:r>
+              <a:rPr lang="ja-JP" altLang="en-US" sz="2400" dirty="0">
+                <a:solidFill>
+                  <a:srgbClr val="FF0000"/>
+                </a:solidFill>
+                <a:latin typeface="HG丸ｺﾞｼｯｸM-PRO" panose="020F0600000000000000" pitchFamily="50" charset="-128"/>
+                <a:ea typeface="HG丸ｺﾞｼｯｸM-PRO" panose="020F0600000000000000" pitchFamily="50" charset="-128"/>
+              </a:rPr>
+              <a:t>▷今後の目標</a:t>
+            </a:r>
+            <a:endParaRPr kumimoji="1" lang="ja-JP" altLang="en-US" sz="2400" dirty="0">
+              <a:solidFill>
+                <a:srgbClr val="FF0000"/>
+              </a:solidFill>
+              <a:latin typeface="HG丸ｺﾞｼｯｸM-PRO" panose="020F0600000000000000" pitchFamily="50" charset="-128"/>
+              <a:ea typeface="HG丸ｺﾞｼｯｸM-PRO" panose="020F0600000000000000" pitchFamily="50" charset="-128"/>
+            </a:endParaRPr>
+          </a:p>
+        </p:txBody>
+      </p:sp>
+      <p:sp>
+        <p:nvSpPr>
+          <p:cNvPr id="14" name="テキスト ボックス 13">
+            <a:extLst>
+              <a:ext uri="{FF2B5EF4-FFF2-40B4-BE49-F238E27FC236}">
+                <a16:creationId xmlns:a16="http://schemas.microsoft.com/office/drawing/2014/main" id="{F5B26454-7CD7-4F9F-8B12-734A0F74B5F2}"/>
+              </a:ext>
+            </a:extLst>
+          </p:cNvPr>
+          <p:cNvSpPr txBox="1"/>
+          <p:nvPr/>
+        </p:nvSpPr>
+        <p:spPr>
+          <a:xfrm>
+            <a:off x="3409950" y="5306264"/>
+            <a:ext cx="7410450" cy="369332"/>
+          </a:xfrm>
+          <a:prstGeom prst="rect">
+            <a:avLst/>
+          </a:prstGeom>
+          <a:noFill/>
+        </p:spPr>
+        <p:txBody>
+          <a:bodyPr wrap="square" rtlCol="0">
+            <a:spAutoFit/>
+          </a:bodyPr>
+          <a:lstStyle/>
+          <a:p>
+            <a:r>
+              <a:rPr kumimoji="1" lang="ja-JP" altLang="en-US" dirty="0">
+                <a:latin typeface="HG丸ｺﾞｼｯｸM-PRO" panose="020F0600000000000000" pitchFamily="50" charset="-128"/>
+                <a:ea typeface="HG丸ｺﾞｼｯｸM-PRO" panose="020F0600000000000000" pitchFamily="50" charset="-128"/>
+              </a:rPr>
+              <a:t>あ</a:t>
+            </a:r>
+          </a:p>
+        </p:txBody>
+      </p:sp>
+      <p:sp>
+        <p:nvSpPr>
+          <p:cNvPr id="8" name="テキスト ボックス 7">
+            <a:extLst>
+              <a:ext uri="{FF2B5EF4-FFF2-40B4-BE49-F238E27FC236}">
+                <a16:creationId xmlns:a16="http://schemas.microsoft.com/office/drawing/2014/main" id="{FA89B8B3-AA79-43B5-83C2-82538ED64424}"/>
+              </a:ext>
+            </a:extLst>
+          </p:cNvPr>
+          <p:cNvSpPr txBox="1"/>
+          <p:nvPr/>
+        </p:nvSpPr>
+        <p:spPr>
+          <a:xfrm>
+            <a:off x="671511" y="4265559"/>
+            <a:ext cx="1200152" cy="646331"/>
+          </a:xfrm>
+          <a:prstGeom prst="rect">
+            <a:avLst/>
+          </a:prstGeom>
+          <a:noFill/>
+        </p:spPr>
+        <p:txBody>
+          <a:bodyPr wrap="square" rtlCol="0">
+            <a:spAutoFit/>
+          </a:bodyPr>
+          <a:lstStyle/>
+          <a:p>
+            <a:r>
+              <a:rPr lang="ja-JP" altLang="en-US" dirty="0">
+                <a:latin typeface="HG丸ｺﾞｼｯｸM-PRO" panose="020F0600000000000000" pitchFamily="50" charset="-128"/>
+                <a:ea typeface="HG丸ｺﾞｼｯｸM-PRO" panose="020F0600000000000000" pitchFamily="50" charset="-128"/>
+              </a:rPr>
+              <a:t>リーダー</a:t>
+            </a:r>
+            <a:endParaRPr kumimoji="1" lang="en-US" altLang="ja-JP" dirty="0">
+              <a:latin typeface="HG丸ｺﾞｼｯｸM-PRO" panose="020F0600000000000000" pitchFamily="50" charset="-128"/>
+              <a:ea typeface="HG丸ｺﾞｼｯｸM-PRO" panose="020F0600000000000000" pitchFamily="50" charset="-128"/>
+            </a:endParaRPr>
+          </a:p>
+          <a:p>
+            <a:r>
+              <a:rPr kumimoji="1" lang="ja-JP" altLang="en-US" dirty="0">
+                <a:latin typeface="HG丸ｺﾞｼｯｸM-PRO" panose="020F0600000000000000" pitchFamily="50" charset="-128"/>
+                <a:ea typeface="HG丸ｺﾞｼｯｸM-PRO" panose="020F0600000000000000" pitchFamily="50" charset="-128"/>
+              </a:rPr>
+              <a:t>やじま</a:t>
+            </a:r>
+          </a:p>
+        </p:txBody>
+      </p:sp>
+      <p:pic>
+        <p:nvPicPr>
+          <p:cNvPr id="6146" name="Picture 2" descr="男性の顔アイコン 4">
+            <a:extLst>
+              <a:ext uri="{FF2B5EF4-FFF2-40B4-BE49-F238E27FC236}">
+                <a16:creationId xmlns:a16="http://schemas.microsoft.com/office/drawing/2014/main" id="{E0C6905F-49EB-47F3-BFA2-DC36BC083437}"/>
+              </a:ext>
+            </a:extLst>
+          </p:cNvPr>
+          <p:cNvPicPr>
+            <a:picLocks noChangeAspect="1" noChangeArrowheads="1"/>
+          </p:cNvPicPr>
+          <p:nvPr/>
+        </p:nvPicPr>
+        <p:blipFill>
+          <a:blip r:embed="rId2">
+            <a:extLst>
+              <a:ext uri="{28A0092B-C50C-407E-A947-70E740481C1C}">
+                <a14:useLocalDpi xmlns:a14="http://schemas.microsoft.com/office/drawing/2010/main" val="0"/>
+              </a:ext>
+            </a:extLst>
+          </a:blip>
+          <a:srcRect/>
+          <a:stretch>
+            <a:fillRect/>
+          </a:stretch>
+        </p:blipFill>
+        <p:spPr bwMode="auto">
+          <a:xfrm>
+            <a:off x="485776" y="5013608"/>
+            <a:ext cx="1323975" cy="1323975"/>
+          </a:xfrm>
+          <a:prstGeom prst="rect">
+            <a:avLst/>
+          </a:prstGeom>
+          <a:noFill/>
+          <a:extLst>
+            <a:ext uri="{909E8E84-426E-40DD-AFC4-6F175D3DCCD1}">
+              <a14:hiddenFill xmlns:a14="http://schemas.microsoft.com/office/drawing/2010/main">
+                <a:solidFill>
+                  <a:srgbClr val="FFFFFF"/>
+                </a:solidFill>
+              </a14:hiddenFill>
+            </a:ext>
+          </a:extLst>
+        </p:spPr>
+      </p:pic>
     </p:spTree>
     <p:extLst>
       <p:ext uri="{BB962C8B-B14F-4D97-AF65-F5344CB8AC3E}">
-        <p14:creationId xmlns:p14="http://schemas.microsoft.com/office/powerpoint/2010/main" val="847381589"/>
+        <p14:creationId xmlns:p14="http://schemas.microsoft.com/office/powerpoint/2010/main" val="1183042306"/>
       </p:ext>
     </p:extLst>
   </p:cSld>
@@ -4553,16 +5158,12 @@
           <a:lstStyle/>
           <a:p>
             <a:r>
-              <a:rPr lang="ja-JP" altLang="en-US" dirty="0">
+              <a:rPr kumimoji="1" lang="ja-JP" altLang="en-US" dirty="0">
                 <a:latin typeface="HG丸ｺﾞｼｯｸM-PRO" panose="020F0600000000000000" pitchFamily="50" charset="-128"/>
                 <a:ea typeface="HG丸ｺﾞｼｯｸM-PRO" panose="020F0600000000000000" pitchFamily="50" charset="-128"/>
               </a:rPr>
               <a:t>あ</a:t>
             </a:r>
-            <a:endParaRPr lang="en-US" altLang="ja-JP" dirty="0">
-              <a:latin typeface="HG丸ｺﾞｼｯｸM-PRO" panose="020F0600000000000000" pitchFamily="50" charset="-128"/>
-              <a:ea typeface="HG丸ｺﾞｼｯｸM-PRO" panose="020F0600000000000000" pitchFamily="50" charset="-128"/>
-            </a:endParaRPr>
           </a:p>
         </p:txBody>
       </p:sp>
@@ -4666,8 +5267,8 @@
         </p:nvSpPr>
         <p:spPr>
           <a:xfrm>
-            <a:off x="671511" y="4265559"/>
-            <a:ext cx="1200152" cy="646331"/>
+            <a:off x="682225" y="4030463"/>
+            <a:ext cx="1200152" cy="923330"/>
           </a:xfrm>
           <a:prstGeom prst="rect">
             <a:avLst/>
@@ -4685,7 +5286,20 @@
                 <a:latin typeface="HG丸ｺﾞｼｯｸM-PRO" panose="020F0600000000000000" pitchFamily="50" charset="-128"/>
                 <a:ea typeface="HG丸ｺﾞｼｯｸM-PRO" panose="020F0600000000000000" pitchFamily="50" charset="-128"/>
               </a:rPr>
-              <a:t>リーダー</a:t>
+              <a:t>構成管理</a:t>
+            </a:r>
+            <a:endParaRPr lang="en-US" altLang="ja-JP" dirty="0">
+              <a:latin typeface="HG丸ｺﾞｼｯｸM-PRO" panose="020F0600000000000000" pitchFamily="50" charset="-128"/>
+              <a:ea typeface="HG丸ｺﾞｼｯｸM-PRO" panose="020F0600000000000000" pitchFamily="50" charset="-128"/>
+            </a:endParaRPr>
+          </a:p>
+          <a:p>
+            <a:r>
+              <a:rPr kumimoji="1" lang="ja-JP" altLang="en-US" dirty="0">
+                <a:latin typeface="HG丸ｺﾞｼｯｸM-PRO" panose="020F0600000000000000" pitchFamily="50" charset="-128"/>
+                <a:ea typeface="HG丸ｺﾞｼｯｸM-PRO" panose="020F0600000000000000" pitchFamily="50" charset="-128"/>
+              </a:rPr>
+              <a:t>品質管理</a:t>
             </a:r>
             <a:endParaRPr kumimoji="1" lang="en-US" altLang="ja-JP" dirty="0">
               <a:latin typeface="HG丸ｺﾞｼｯｸM-PRO" panose="020F0600000000000000" pitchFamily="50" charset="-128"/>
@@ -4698,17 +5312,17 @@
                 <a:latin typeface="HG丸ｺﾞｼｯｸM-PRO" panose="020F0600000000000000" pitchFamily="50" charset="-128"/>
                 <a:ea typeface="HG丸ｺﾞｼｯｸM-PRO" panose="020F0600000000000000" pitchFamily="50" charset="-128"/>
               </a:rPr>
-              <a:t>やじま</a:t>
+              <a:t>こんどう</a:t>
             </a:r>
           </a:p>
         </p:txBody>
       </p:sp>
       <p:pic>
         <p:nvPicPr>
-          <p:cNvPr id="6146" name="Picture 2" descr="男性の顔アイコン 4">
-            <a:extLst>
-              <a:ext uri="{FF2B5EF4-FFF2-40B4-BE49-F238E27FC236}">
-                <a16:creationId xmlns:a16="http://schemas.microsoft.com/office/drawing/2014/main" id="{E0C6905F-49EB-47F3-BFA2-DC36BC083437}"/>
+          <p:cNvPr id="7170" name="Picture 2" descr="象のアイコン">
+            <a:extLst>
+              <a:ext uri="{FF2B5EF4-FFF2-40B4-BE49-F238E27FC236}">
+                <a16:creationId xmlns:a16="http://schemas.microsoft.com/office/drawing/2014/main" id="{E0F73C17-1DF3-41F2-B6D5-B90D3AE5AEE3}"/>
               </a:ext>
             </a:extLst>
           </p:cNvPr>
@@ -4732,8 +5346,8 @@
         </p:blipFill>
         <p:spPr bwMode="auto">
           <a:xfrm>
-            <a:off x="485776" y="5013608"/>
-            <a:ext cx="1323975" cy="1323975"/>
+            <a:off x="490935" y="4889501"/>
+            <a:ext cx="1389855" cy="1389855"/>
           </a:xfrm>
           <a:prstGeom prst="rect">
             <a:avLst/>
@@ -4753,7 +5367,7 @@
     </p:spTree>
     <p:extLst>
       <p:ext uri="{BB962C8B-B14F-4D97-AF65-F5344CB8AC3E}">
-        <p14:creationId xmlns:p14="http://schemas.microsoft.com/office/powerpoint/2010/main" val="1183042306"/>
+        <p14:creationId xmlns:p14="http://schemas.microsoft.com/office/powerpoint/2010/main" val="2020894440"/>
       </p:ext>
     </p:extLst>
   </p:cSld>
@@ -5258,8 +5872,8 @@
         </p:nvSpPr>
         <p:spPr>
           <a:xfrm>
-            <a:off x="682225" y="4030463"/>
-            <a:ext cx="1200152" cy="923330"/>
+            <a:off x="671511" y="4265559"/>
+            <a:ext cx="1200152" cy="646331"/>
           </a:xfrm>
           <a:prstGeom prst="rect">
             <a:avLst/>
@@ -5273,24 +5887,18 @@
           <a:lstStyle/>
           <a:p>
             <a:r>
-              <a:rPr lang="ja-JP" altLang="en-US" dirty="0">
-                <a:latin typeface="HG丸ｺﾞｼｯｸM-PRO" panose="020F0600000000000000" pitchFamily="50" charset="-128"/>
-                <a:ea typeface="HG丸ｺﾞｼｯｸM-PRO" panose="020F0600000000000000" pitchFamily="50" charset="-128"/>
-              </a:rPr>
-              <a:t>構成管理</a:t>
-            </a:r>
-            <a:endParaRPr lang="en-US" altLang="ja-JP" dirty="0">
-              <a:latin typeface="HG丸ｺﾞｼｯｸM-PRO" panose="020F0600000000000000" pitchFamily="50" charset="-128"/>
-              <a:ea typeface="HG丸ｺﾞｼｯｸM-PRO" panose="020F0600000000000000" pitchFamily="50" charset="-128"/>
-            </a:endParaRPr>
-          </a:p>
-          <a:p>
+              <a:rPr kumimoji="1" lang="en-US" altLang="ja-JP" dirty="0">
+                <a:latin typeface="HG丸ｺﾞｼｯｸM-PRO" panose="020F0600000000000000" pitchFamily="50" charset="-128"/>
+                <a:ea typeface="HG丸ｺﾞｼｯｸM-PRO" panose="020F0600000000000000" pitchFamily="50" charset="-128"/>
+              </a:rPr>
+              <a:t>DB</a:t>
+            </a:r>
             <a:r>
               <a:rPr kumimoji="1" lang="ja-JP" altLang="en-US" dirty="0">
                 <a:latin typeface="HG丸ｺﾞｼｯｸM-PRO" panose="020F0600000000000000" pitchFamily="50" charset="-128"/>
                 <a:ea typeface="HG丸ｺﾞｼｯｸM-PRO" panose="020F0600000000000000" pitchFamily="50" charset="-128"/>
               </a:rPr>
-              <a:t>品質管理</a:t>
+              <a:t>担当</a:t>
             </a:r>
             <a:endParaRPr kumimoji="1" lang="en-US" altLang="ja-JP" dirty="0">
               <a:latin typeface="HG丸ｺﾞｼｯｸM-PRO" panose="020F0600000000000000" pitchFamily="50" charset="-128"/>
@@ -5303,17 +5911,17 @@
                 <a:latin typeface="HG丸ｺﾞｼｯｸM-PRO" panose="020F0600000000000000" pitchFamily="50" charset="-128"/>
                 <a:ea typeface="HG丸ｺﾞｼｯｸM-PRO" panose="020F0600000000000000" pitchFamily="50" charset="-128"/>
               </a:rPr>
-              <a:t>こんどう</a:t>
+              <a:t>かじい</a:t>
             </a:r>
           </a:p>
         </p:txBody>
       </p:sp>
       <p:pic>
         <p:nvPicPr>
-          <p:cNvPr id="7170" name="Picture 2" descr="象のアイコン">
-            <a:extLst>
-              <a:ext uri="{FF2B5EF4-FFF2-40B4-BE49-F238E27FC236}">
-                <a16:creationId xmlns:a16="http://schemas.microsoft.com/office/drawing/2014/main" id="{E0F73C17-1DF3-41F2-B6D5-B90D3AE5AEE3}"/>
+          <p:cNvPr id="4098" name="Picture 2" descr="モンスターのアイコン9">
+            <a:extLst>
+              <a:ext uri="{FF2B5EF4-FFF2-40B4-BE49-F238E27FC236}">
+                <a16:creationId xmlns:a16="http://schemas.microsoft.com/office/drawing/2014/main" id="{103294CA-9626-419C-B63F-48C278A714E1}"/>
               </a:ext>
             </a:extLst>
           </p:cNvPr>
@@ -5337,8 +5945,8 @@
         </p:blipFill>
         <p:spPr bwMode="auto">
           <a:xfrm>
-            <a:off x="490935" y="4889501"/>
-            <a:ext cx="1389855" cy="1389855"/>
+            <a:off x="328612" y="4911890"/>
+            <a:ext cx="1428751" cy="1428751"/>
           </a:xfrm>
           <a:prstGeom prst="rect">
             <a:avLst/>
@@ -5358,7 +5966,7 @@
     </p:spTree>
     <p:extLst>
       <p:ext uri="{BB962C8B-B14F-4D97-AF65-F5344CB8AC3E}">
-        <p14:creationId xmlns:p14="http://schemas.microsoft.com/office/powerpoint/2010/main" val="2020894440"/>
+        <p14:creationId xmlns:p14="http://schemas.microsoft.com/office/powerpoint/2010/main" val="765926130"/>
       </p:ext>
     </p:extLst>
   </p:cSld>
@@ -5863,8 +6471,8 @@
         </p:nvSpPr>
         <p:spPr>
           <a:xfrm>
-            <a:off x="671511" y="4265559"/>
-            <a:ext cx="1200152" cy="646331"/>
+            <a:off x="642344" y="3753464"/>
+            <a:ext cx="1359296" cy="1200329"/>
           </a:xfrm>
           <a:prstGeom prst="rect">
             <a:avLst/>
@@ -5878,20 +6486,13 @@
           <a:lstStyle/>
           <a:p>
             <a:r>
-              <a:rPr kumimoji="1" lang="en-US" altLang="ja-JP" dirty="0">
-                <a:latin typeface="HG丸ｺﾞｼｯｸM-PRO" panose="020F0600000000000000" pitchFamily="50" charset="-128"/>
-                <a:ea typeface="HG丸ｺﾞｼｯｸM-PRO" panose="020F0600000000000000" pitchFamily="50" charset="-128"/>
-              </a:rPr>
-              <a:t>DB</a:t>
-            </a:r>
-            <a:r>
-              <a:rPr kumimoji="1" lang="ja-JP" altLang="en-US" dirty="0">
-                <a:latin typeface="HG丸ｺﾞｼｯｸM-PRO" panose="020F0600000000000000" pitchFamily="50" charset="-128"/>
-                <a:ea typeface="HG丸ｺﾞｼｯｸM-PRO" panose="020F0600000000000000" pitchFamily="50" charset="-128"/>
-              </a:rPr>
-              <a:t>担当</a:t>
-            </a:r>
-            <a:endParaRPr kumimoji="1" lang="en-US" altLang="ja-JP" dirty="0">
+              <a:rPr lang="ja-JP" altLang="en-US" dirty="0">
+                <a:latin typeface="HG丸ｺﾞｼｯｸM-PRO" panose="020F0600000000000000" pitchFamily="50" charset="-128"/>
+                <a:ea typeface="HG丸ｺﾞｼｯｸM-PRO" panose="020F0600000000000000" pitchFamily="50" charset="-128"/>
+              </a:rPr>
+              <a:t>コミュニケーション担当</a:t>
+            </a:r>
+            <a:endParaRPr lang="en-US" altLang="ja-JP" dirty="0">
               <a:latin typeface="HG丸ｺﾞｼｯｸM-PRO" panose="020F0600000000000000" pitchFamily="50" charset="-128"/>
               <a:ea typeface="HG丸ｺﾞｼｯｸM-PRO" panose="020F0600000000000000" pitchFamily="50" charset="-128"/>
             </a:endParaRPr>
@@ -5902,17 +6503,17 @@
                 <a:latin typeface="HG丸ｺﾞｼｯｸM-PRO" panose="020F0600000000000000" pitchFamily="50" charset="-128"/>
                 <a:ea typeface="HG丸ｺﾞｼｯｸM-PRO" panose="020F0600000000000000" pitchFamily="50" charset="-128"/>
               </a:rPr>
-              <a:t>かじい</a:t>
+              <a:t>あぐい</a:t>
             </a:r>
           </a:p>
         </p:txBody>
       </p:sp>
       <p:pic>
         <p:nvPicPr>
-          <p:cNvPr id="4098" name="Picture 2" descr="モンスターのアイコン9">
-            <a:extLst>
-              <a:ext uri="{FF2B5EF4-FFF2-40B4-BE49-F238E27FC236}">
-                <a16:creationId xmlns:a16="http://schemas.microsoft.com/office/drawing/2014/main" id="{103294CA-9626-419C-B63F-48C278A714E1}"/>
+          <p:cNvPr id="5122" name="Picture 2" descr="ミツバチのアイコン">
+            <a:extLst>
+              <a:ext uri="{FF2B5EF4-FFF2-40B4-BE49-F238E27FC236}">
+                <a16:creationId xmlns:a16="http://schemas.microsoft.com/office/drawing/2014/main" id="{46EB40AC-1F2E-4094-B33F-CDA48632BE96}"/>
               </a:ext>
             </a:extLst>
           </p:cNvPr>
@@ -5936,8 +6537,8 @@
         </p:blipFill>
         <p:spPr bwMode="auto">
           <a:xfrm>
-            <a:off x="328612" y="4911890"/>
-            <a:ext cx="1428751" cy="1428751"/>
+            <a:off x="430304" y="4995398"/>
+            <a:ext cx="1360395" cy="1360395"/>
           </a:xfrm>
           <a:prstGeom prst="rect">
             <a:avLst/>
@@ -5957,7 +6558,7 @@
     </p:spTree>
     <p:extLst>
       <p:ext uri="{BB962C8B-B14F-4D97-AF65-F5344CB8AC3E}">
-        <p14:creationId xmlns:p14="http://schemas.microsoft.com/office/powerpoint/2010/main" val="765926130"/>
+        <p14:creationId xmlns:p14="http://schemas.microsoft.com/office/powerpoint/2010/main" val="2348643287"/>
       </p:ext>
     </p:extLst>
   </p:cSld>
@@ -6053,6 +6654,55 @@
           </a:p>
         </p:txBody>
       </p:sp>
+      <p:pic>
+        <p:nvPicPr>
+          <p:cNvPr id="2050" name="Picture 2" descr="猫のアイコン">
+            <a:extLst>
+              <a:ext uri="{FF2B5EF4-FFF2-40B4-BE49-F238E27FC236}">
+                <a16:creationId xmlns:a16="http://schemas.microsoft.com/office/drawing/2014/main" id="{C27A6192-D8CD-4DCB-B8F6-9228E5B2FD11}"/>
+              </a:ext>
+            </a:extLst>
+          </p:cNvPr>
+          <p:cNvPicPr>
+            <a:picLocks noGrp="1" noChangeAspect="1" noChangeArrowheads="1"/>
+          </p:cNvPicPr>
+          <p:nvPr>
+            <p:ph idx="1"/>
+          </p:nvPr>
+        </p:nvPicPr>
+        <p:blipFill>
+          <a:blip r:embed="rId2">
+            <a:extLst>
+              <a:ext uri="{28A0092B-C50C-407E-A947-70E740481C1C}">
+                <a14:useLocalDpi xmlns:a14="http://schemas.microsoft.com/office/drawing/2010/main" val="0"/>
+              </a:ext>
+            </a:extLst>
+          </a:blip>
+          <a:srcRect/>
+          <a:stretch>
+            <a:fillRect/>
+          </a:stretch>
+        </p:blipFill>
+        <p:spPr bwMode="auto">
+          <a:xfrm>
+            <a:off x="523081" y="4953793"/>
+            <a:ext cx="1325563" cy="1325563"/>
+          </a:xfrm>
+          <a:prstGeom prst="rect">
+            <a:avLst/>
+          </a:prstGeom>
+          <a:noFill/>
+          <a:extLst>
+            <a:ext uri="{909E8E84-426E-40DD-AFC4-6F175D3DCCD1}">
+              <a14:hiddenFill xmlns:a14="http://schemas.microsoft.com/office/drawing/2010/main">
+                <a:solidFill>
+                  <a:srgbClr val="FFFFFF"/>
+                </a:solidFill>
+              </a14:hiddenFill>
+            </a:ext>
+          </a:extLst>
+        </p:spPr>
+      </p:pic>
       <p:sp>
         <p:nvSpPr>
           <p:cNvPr id="5" name="吹き出し: 角を丸めた四角形 4">
@@ -6167,7 +6817,7 @@
         <p:spPr>
           <a:xfrm>
             <a:off x="3409950" y="1325324"/>
-            <a:ext cx="7600950" cy="369332"/>
+            <a:ext cx="7600950" cy="646331"/>
           </a:xfrm>
           <a:prstGeom prst="rect">
             <a:avLst/>
@@ -6181,12 +6831,37 @@
           <a:lstStyle/>
           <a:p>
             <a:r>
-              <a:rPr kumimoji="1" lang="ja-JP" altLang="en-US" dirty="0">
-                <a:latin typeface="HG丸ｺﾞｼｯｸM-PRO" panose="020F0600000000000000" pitchFamily="50" charset="-128"/>
-                <a:ea typeface="HG丸ｺﾞｼｯｸM-PRO" panose="020F0600000000000000" pitchFamily="50" charset="-128"/>
-              </a:rPr>
-              <a:t>あ</a:t>
-            </a:r>
+              <a:rPr lang="en-US" altLang="ja-JP" dirty="0">
+                <a:latin typeface="HG丸ｺﾞｼｯｸM-PRO" panose="020F0600000000000000" pitchFamily="50" charset="-128"/>
+                <a:ea typeface="HG丸ｺﾞｼｯｸM-PRO" panose="020F0600000000000000" pitchFamily="50" charset="-128"/>
+              </a:rPr>
+              <a:t>5</a:t>
+            </a:r>
+            <a:r>
+              <a:rPr lang="ja-JP" altLang="en-US" dirty="0">
+                <a:latin typeface="HG丸ｺﾞｼｯｸM-PRO" panose="020F0600000000000000" pitchFamily="50" charset="-128"/>
+                <a:ea typeface="HG丸ｺﾞｼｯｸM-PRO" panose="020F0600000000000000" pitchFamily="50" charset="-128"/>
+              </a:rPr>
+              <a:t>月の時点で内部機能を理解できていなかったので、</a:t>
+            </a:r>
+            <a:r>
+              <a:rPr lang="en-US" altLang="ja-JP" dirty="0">
+                <a:latin typeface="HG丸ｺﾞｼｯｸM-PRO" panose="020F0600000000000000" pitchFamily="50" charset="-128"/>
+                <a:ea typeface="HG丸ｺﾞｼｯｸM-PRO" panose="020F0600000000000000" pitchFamily="50" charset="-128"/>
+              </a:rPr>
+              <a:t>DAO</a:t>
+            </a:r>
+            <a:r>
+              <a:rPr lang="ja-JP" altLang="en-US" dirty="0">
+                <a:latin typeface="HG丸ｺﾞｼｯｸM-PRO" panose="020F0600000000000000" pitchFamily="50" charset="-128"/>
+                <a:ea typeface="HG丸ｺﾞｼｯｸM-PRO" panose="020F0600000000000000" pitchFamily="50" charset="-128"/>
+              </a:rPr>
+              <a:t>やサーブレットの理解を一から始めた。</a:t>
+            </a:r>
+            <a:endParaRPr kumimoji="1" lang="ja-JP" altLang="en-US" dirty="0">
+              <a:latin typeface="HG丸ｺﾞｼｯｸM-PRO" panose="020F0600000000000000" pitchFamily="50" charset="-128"/>
+              <a:ea typeface="HG丸ｺﾞｼｯｸM-PRO" panose="020F0600000000000000" pitchFamily="50" charset="-128"/>
+            </a:endParaRPr>
           </a:p>
         </p:txBody>
       </p:sp>
@@ -6253,7 +6928,7 @@
         <p:spPr>
           <a:xfrm>
             <a:off x="3409950" y="2630028"/>
-            <a:ext cx="7753350" cy="369332"/>
+            <a:ext cx="7753350" cy="646331"/>
           </a:xfrm>
           <a:prstGeom prst="rect">
             <a:avLst/>
@@ -6267,12 +6942,16 @@
           <a:lstStyle/>
           <a:p>
             <a:r>
-              <a:rPr kumimoji="1" lang="ja-JP" altLang="en-US" dirty="0">
-                <a:latin typeface="HG丸ｺﾞｼｯｸM-PRO" panose="020F0600000000000000" pitchFamily="50" charset="-128"/>
-                <a:ea typeface="HG丸ｺﾞｼｯｸM-PRO" panose="020F0600000000000000" pitchFamily="50" charset="-128"/>
-              </a:rPr>
-              <a:t>あ</a:t>
-            </a:r>
+              <a:rPr lang="ja-JP" altLang="en-US" dirty="0">
+                <a:latin typeface="HG丸ｺﾞｼｯｸM-PRO" panose="020F0600000000000000" pitchFamily="50" charset="-128"/>
+                <a:ea typeface="HG丸ｺﾞｼｯｸM-PRO" panose="020F0600000000000000" pitchFamily="50" charset="-128"/>
+              </a:rPr>
+              <a:t>少しでも分からないところはすぐにメンバーに質問して助けてもらった。「理解が曖昧なまま進む」ということが無いよう徹底した。</a:t>
+            </a:r>
+            <a:endParaRPr kumimoji="1" lang="ja-JP" altLang="en-US" dirty="0">
+              <a:latin typeface="HG丸ｺﾞｼｯｸM-PRO" panose="020F0600000000000000" pitchFamily="50" charset="-128"/>
+              <a:ea typeface="HG丸ｺﾞｼｯｸM-PRO" panose="020F0600000000000000" pitchFamily="50" charset="-128"/>
+            </a:endParaRPr>
           </a:p>
         </p:txBody>
       </p:sp>
@@ -6339,7 +7018,7 @@
         <p:spPr>
           <a:xfrm>
             <a:off x="3409950" y="3934733"/>
-            <a:ext cx="7610477" cy="369332"/>
+            <a:ext cx="7610477" cy="646331"/>
           </a:xfrm>
           <a:prstGeom prst="rect">
             <a:avLst/>
@@ -6353,12 +7032,16 @@
           <a:lstStyle/>
           <a:p>
             <a:r>
-              <a:rPr kumimoji="1" lang="ja-JP" altLang="en-US" dirty="0">
-                <a:latin typeface="HG丸ｺﾞｼｯｸM-PRO" panose="020F0600000000000000" pitchFamily="50" charset="-128"/>
-                <a:ea typeface="HG丸ｺﾞｼｯｸM-PRO" panose="020F0600000000000000" pitchFamily="50" charset="-128"/>
-              </a:rPr>
-              <a:t>あ</a:t>
-            </a:r>
+              <a:rPr lang="ja-JP" altLang="en-US" dirty="0">
+                <a:latin typeface="HG丸ｺﾞｼｯｸM-PRO" panose="020F0600000000000000" pitchFamily="50" charset="-128"/>
+                <a:ea typeface="HG丸ｺﾞｼｯｸM-PRO" panose="020F0600000000000000" pitchFamily="50" charset="-128"/>
+              </a:rPr>
+              <a:t>内部機能が理解できたことで、繋がりが分かるようになり、「楽しい」と感じることが増えた。</a:t>
+            </a:r>
+            <a:endParaRPr kumimoji="1" lang="ja-JP" altLang="en-US" dirty="0">
+              <a:latin typeface="HG丸ｺﾞｼｯｸM-PRO" panose="020F0600000000000000" pitchFamily="50" charset="-128"/>
+              <a:ea typeface="HG丸ｺﾞｼｯｸM-PRO" panose="020F0600000000000000" pitchFamily="50" charset="-128"/>
+            </a:endParaRPr>
           </a:p>
         </p:txBody>
       </p:sp>
@@ -6425,7 +7108,7 @@
         <p:spPr>
           <a:xfrm>
             <a:off x="3409950" y="5306264"/>
-            <a:ext cx="7410450" cy="369332"/>
+            <a:ext cx="7410450" cy="646331"/>
           </a:xfrm>
           <a:prstGeom prst="rect">
             <a:avLst/>
@@ -6443,7 +7126,7 @@
                 <a:latin typeface="HG丸ｺﾞｼｯｸM-PRO" panose="020F0600000000000000" pitchFamily="50" charset="-128"/>
                 <a:ea typeface="HG丸ｺﾞｼｯｸM-PRO" panose="020F0600000000000000" pitchFamily="50" charset="-128"/>
               </a:rPr>
-              <a:t>あ</a:t>
+              <a:t>まだまだ知識が曖昧なところがあるため、実務で経験値を積みながら勉強していきたい。</a:t>
             </a:r>
           </a:p>
         </p:txBody>
@@ -6462,8 +7145,8 @@
         </p:nvSpPr>
         <p:spPr>
           <a:xfrm>
-            <a:off x="642344" y="3753464"/>
-            <a:ext cx="1359296" cy="1200329"/>
+            <a:off x="671511" y="4265559"/>
+            <a:ext cx="1200152" cy="646331"/>
           </a:xfrm>
           <a:prstGeom prst="rect">
             <a:avLst/>
@@ -6477,79 +7160,36 @@
           <a:lstStyle/>
           <a:p>
             <a:r>
-              <a:rPr lang="ja-JP" altLang="en-US" dirty="0">
-                <a:latin typeface="HG丸ｺﾞｼｯｸM-PRO" panose="020F0600000000000000" pitchFamily="50" charset="-128"/>
-                <a:ea typeface="HG丸ｺﾞｼｯｸM-PRO" panose="020F0600000000000000" pitchFamily="50" charset="-128"/>
-              </a:rPr>
-              <a:t>コミュニケーション担当</a:t>
-            </a:r>
-            <a:endParaRPr lang="en-US" altLang="ja-JP" dirty="0">
+              <a:rPr kumimoji="1" lang="ja-JP" altLang="en-US" dirty="0">
+                <a:latin typeface="HG丸ｺﾞｼｯｸM-PRO" panose="020F0600000000000000" pitchFamily="50" charset="-128"/>
+                <a:ea typeface="HG丸ｺﾞｼｯｸM-PRO" panose="020F0600000000000000" pitchFamily="50" charset="-128"/>
+              </a:rPr>
+              <a:t>発表担当</a:t>
+            </a:r>
+            <a:endParaRPr kumimoji="1" lang="en-US" altLang="ja-JP" dirty="0">
               <a:latin typeface="HG丸ｺﾞｼｯｸM-PRO" panose="020F0600000000000000" pitchFamily="50" charset="-128"/>
               <a:ea typeface="HG丸ｺﾞｼｯｸM-PRO" panose="020F0600000000000000" pitchFamily="50" charset="-128"/>
             </a:endParaRPr>
           </a:p>
           <a:p>
             <a:r>
-              <a:rPr kumimoji="1" lang="ja-JP" altLang="en-US" dirty="0">
-                <a:latin typeface="HG丸ｺﾞｼｯｸM-PRO" panose="020F0600000000000000" pitchFamily="50" charset="-128"/>
-                <a:ea typeface="HG丸ｺﾞｼｯｸM-PRO" panose="020F0600000000000000" pitchFamily="50" charset="-128"/>
-              </a:rPr>
-              <a:t>あぐい</a:t>
-            </a:r>
-          </a:p>
-        </p:txBody>
-      </p:sp>
-      <p:pic>
-        <p:nvPicPr>
-          <p:cNvPr id="5122" name="Picture 2" descr="ミツバチのアイコン">
-            <a:extLst>
-              <a:ext uri="{FF2B5EF4-FFF2-40B4-BE49-F238E27FC236}">
-                <a16:creationId xmlns:a16="http://schemas.microsoft.com/office/drawing/2014/main" id="{46EB40AC-1F2E-4094-B33F-CDA48632BE96}"/>
-              </a:ext>
-            </a:extLst>
-          </p:cNvPr>
-          <p:cNvPicPr>
-            <a:picLocks noChangeAspect="1" noChangeArrowheads="1"/>
-          </p:cNvPicPr>
-          <p:nvPr/>
-        </p:nvPicPr>
-        <p:blipFill>
-          <a:blip r:embed="rId2">
-            <a:extLst>
-              <a:ext uri="{28A0092B-C50C-407E-A947-70E740481C1C}">
-                <a14:useLocalDpi xmlns:a14="http://schemas.microsoft.com/office/drawing/2010/main" val="0"/>
-              </a:ext>
-            </a:extLst>
-          </a:blip>
-          <a:srcRect/>
-          <a:stretch>
-            <a:fillRect/>
-          </a:stretch>
-        </p:blipFill>
-        <p:spPr bwMode="auto">
-          <a:xfrm>
-            <a:off x="430304" y="4995398"/>
-            <a:ext cx="1360395" cy="1360395"/>
-          </a:xfrm>
-          <a:prstGeom prst="rect">
-            <a:avLst/>
-          </a:prstGeom>
-          <a:noFill/>
-          <a:extLst>
-            <a:ext uri="{909E8E84-426E-40DD-AFC4-6F175D3DCCD1}">
-              <a14:hiddenFill xmlns:a14="http://schemas.microsoft.com/office/drawing/2010/main">
-                <a:solidFill>
-                  <a:srgbClr val="FFFFFF"/>
-                </a:solidFill>
-              </a14:hiddenFill>
-            </a:ext>
-          </a:extLst>
-        </p:spPr>
-      </p:pic>
+              <a:rPr lang="ja-JP" altLang="en-US" dirty="0">
+                <a:latin typeface="HG丸ｺﾞｼｯｸM-PRO" panose="020F0600000000000000" pitchFamily="50" charset="-128"/>
+                <a:ea typeface="HG丸ｺﾞｼｯｸM-PRO" panose="020F0600000000000000" pitchFamily="50" charset="-128"/>
+              </a:rPr>
+              <a:t>きど</a:t>
+            </a:r>
+            <a:endParaRPr kumimoji="1" lang="ja-JP" altLang="en-US" dirty="0">
+              <a:latin typeface="HG丸ｺﾞｼｯｸM-PRO" panose="020F0600000000000000" pitchFamily="50" charset="-128"/>
+              <a:ea typeface="HG丸ｺﾞｼｯｸM-PRO" panose="020F0600000000000000" pitchFamily="50" charset="-128"/>
+            </a:endParaRPr>
+          </a:p>
+        </p:txBody>
+      </p:sp>
     </p:spTree>
     <p:extLst>
       <p:ext uri="{BB962C8B-B14F-4D97-AF65-F5344CB8AC3E}">
-        <p14:creationId xmlns:p14="http://schemas.microsoft.com/office/powerpoint/2010/main" val="2348643287"/>
+        <p14:creationId xmlns:p14="http://schemas.microsoft.com/office/powerpoint/2010/main" val="1188209027"/>
       </p:ext>
     </p:extLst>
   </p:cSld>
@@ -6578,6 +7218,39 @@
       </p:grpSpPr>
       <p:sp>
         <p:nvSpPr>
+          <p:cNvPr id="2" name="タイトル 1">
+            <a:extLst>
+              <a:ext uri="{FF2B5EF4-FFF2-40B4-BE49-F238E27FC236}">
+                <a16:creationId xmlns:a16="http://schemas.microsoft.com/office/drawing/2014/main" id="{0E0052EA-F9A7-41FB-BA0C-317EFE23BF4C}"/>
+              </a:ext>
+            </a:extLst>
+          </p:cNvPr>
+          <p:cNvSpPr>
+            <a:spLocks noGrp="1"/>
+          </p:cNvSpPr>
+          <p:nvPr>
+            <p:ph type="title"/>
+          </p:nvPr>
+        </p:nvSpPr>
+        <p:spPr/>
+        <p:txBody>
+          <a:bodyPr>
+            <a:normAutofit/>
+          </a:bodyPr>
+          <a:lstStyle/>
+          <a:p>
+            <a:r>
+              <a:rPr kumimoji="1" lang="ja-JP" altLang="en-US" sz="4000" dirty="0">
+                <a:latin typeface="HG丸ｺﾞｼｯｸM-PRO" panose="020F0600000000000000" pitchFamily="50" charset="-128"/>
+                <a:ea typeface="HG丸ｺﾞｼｯｸM-PRO" panose="020F0600000000000000" pitchFamily="50" charset="-128"/>
+              </a:rPr>
+              <a:t>まとめ</a:t>
+            </a:r>
+          </a:p>
+        </p:txBody>
+      </p:sp>
+      <p:sp>
+        <p:nvSpPr>
           <p:cNvPr id="4" name="フレーム 3">
             <a:extLst>
               <a:ext uri="{FF2B5EF4-FFF2-40B4-BE49-F238E27FC236}">
@@ -6645,61 +7318,64 @@
           </a:p>
         </p:txBody>
       </p:sp>
-      <p:pic>
-        <p:nvPicPr>
-          <p:cNvPr id="2050" name="Picture 2" descr="猫のアイコン">
-            <a:extLst>
-              <a:ext uri="{FF2B5EF4-FFF2-40B4-BE49-F238E27FC236}">
-                <a16:creationId xmlns:a16="http://schemas.microsoft.com/office/drawing/2014/main" id="{C27A6192-D8CD-4DCB-B8F6-9228E5B2FD11}"/>
-              </a:ext>
-            </a:extLst>
-          </p:cNvPr>
-          <p:cNvPicPr>
-            <a:picLocks noGrp="1" noChangeAspect="1" noChangeArrowheads="1"/>
-          </p:cNvPicPr>
-          <p:nvPr>
-            <p:ph idx="1"/>
-          </p:nvPr>
-        </p:nvPicPr>
-        <p:blipFill>
-          <a:blip r:embed="rId2">
-            <a:extLst>
-              <a:ext uri="{28A0092B-C50C-407E-A947-70E740481C1C}">
-                <a14:useLocalDpi xmlns:a14="http://schemas.microsoft.com/office/drawing/2010/main" val="0"/>
-              </a:ext>
-            </a:extLst>
-          </a:blip>
-          <a:srcRect/>
-          <a:stretch>
-            <a:fillRect/>
-          </a:stretch>
-        </p:blipFill>
-        <p:spPr bwMode="auto">
-          <a:xfrm>
-            <a:off x="523081" y="4953793"/>
-            <a:ext cx="1325563" cy="1325563"/>
+      <p:sp>
+        <p:nvSpPr>
+          <p:cNvPr id="6" name="正方形/長方形 5">
+            <a:extLst>
+              <a:ext uri="{FF2B5EF4-FFF2-40B4-BE49-F238E27FC236}">
+                <a16:creationId xmlns:a16="http://schemas.microsoft.com/office/drawing/2014/main" id="{86BDE0B9-BFAD-41DB-8637-CD761EAC0AD1}"/>
+              </a:ext>
+            </a:extLst>
+          </p:cNvPr>
+          <p:cNvSpPr/>
+          <p:nvPr/>
+        </p:nvSpPr>
+        <p:spPr>
+          <a:xfrm>
+            <a:off x="1028701" y="1524000"/>
+            <a:ext cx="10239374" cy="1450181"/>
           </a:xfrm>
           <a:prstGeom prst="rect">
             <a:avLst/>
           </a:prstGeom>
-          <a:noFill/>
-          <a:extLst>
-            <a:ext uri="{909E8E84-426E-40DD-AFC4-6F175D3DCCD1}">
-              <a14:hiddenFill xmlns:a14="http://schemas.microsoft.com/office/drawing/2010/main">
-                <a:solidFill>
-                  <a:srgbClr val="FFFFFF"/>
-                </a:solidFill>
-              </a14:hiddenFill>
-            </a:ext>
-          </a:extLst>
-        </p:spPr>
-      </p:pic>
-      <p:sp>
-        <p:nvSpPr>
-          <p:cNvPr id="5" name="吹き出し: 角を丸めた四角形 4">
-            <a:extLst>
-              <a:ext uri="{FF2B5EF4-FFF2-40B4-BE49-F238E27FC236}">
-                <a16:creationId xmlns:a16="http://schemas.microsoft.com/office/drawing/2014/main" id="{0D899AD8-0D69-4BED-BC94-AA95E28A59A0}"/>
+          <a:solidFill>
+            <a:schemeClr val="accent6">
+              <a:alpha val="50000"/>
+            </a:schemeClr>
+          </a:solidFill>
+          <a:ln>
+            <a:noFill/>
+          </a:ln>
+        </p:spPr>
+        <p:style>
+          <a:lnRef idx="0">
+            <a:scrgbClr r="0" g="0" b="0"/>
+          </a:lnRef>
+          <a:fillRef idx="0">
+            <a:scrgbClr r="0" g="0" b="0"/>
+          </a:fillRef>
+          <a:effectRef idx="0">
+            <a:scrgbClr r="0" g="0" b="0"/>
+          </a:effectRef>
+          <a:fontRef idx="minor">
+            <a:schemeClr val="lt1"/>
+          </a:fontRef>
+        </p:style>
+        <p:txBody>
+          <a:bodyPr rtlCol="0" anchor="ctr"/>
+          <a:lstStyle/>
+          <a:p>
+            <a:pPr algn="ctr"/>
+            <a:endParaRPr kumimoji="1" lang="ja-JP" altLang="en-US" dirty="0"/>
+          </a:p>
+        </p:txBody>
+      </p:sp>
+      <p:sp>
+        <p:nvSpPr>
+          <p:cNvPr id="7" name="正方形/長方形 6">
+            <a:extLst>
+              <a:ext uri="{FF2B5EF4-FFF2-40B4-BE49-F238E27FC236}">
+                <a16:creationId xmlns:a16="http://schemas.microsoft.com/office/drawing/2014/main" id="{F7D94850-D30A-46DE-963E-3E27A1176F85}"/>
               </a:ext>
             </a:extLst>
           </p:cNvPr>
@@ -6708,29 +7384,35 @@
         </p:nvSpPr>
         <p:spPr>
           <a:xfrm>
-            <a:off x="2371725" y="590550"/>
-            <a:ext cx="9297194" cy="5688806"/>
-          </a:xfrm>
-          <a:prstGeom prst="wedgeRoundRectCallout">
-            <a:avLst>
-              <a:gd name="adj1" fmla="val -56995"/>
-              <a:gd name="adj2" fmla="val 34960"/>
-              <a:gd name="adj3" fmla="val 16667"/>
-            </a:avLst>
-          </a:prstGeom>
+            <a:off x="1028700" y="1526382"/>
+            <a:ext cx="2047875" cy="590550"/>
+          </a:xfrm>
+          <a:prstGeom prst="rect">
+            <a:avLst/>
+          </a:prstGeom>
+          <a:solidFill>
+            <a:schemeClr val="accent6">
+              <a:lumMod val="50000"/>
+            </a:schemeClr>
+          </a:solidFill>
+          <a:ln>
+            <a:noFill/>
+          </a:ln>
         </p:spPr>
         <p:style>
           <a:lnRef idx="2">
-            <a:schemeClr val="accent6"/>
+            <a:schemeClr val="accent1">
+              <a:shade val="50000"/>
+            </a:schemeClr>
           </a:lnRef>
           <a:fillRef idx="1">
-            <a:schemeClr val="lt1"/>
+            <a:schemeClr val="accent1"/>
           </a:fillRef>
           <a:effectRef idx="0">
-            <a:schemeClr val="accent6"/>
+            <a:schemeClr val="accent1"/>
           </a:effectRef>
           <a:fontRef idx="minor">
-            <a:schemeClr val="dk1"/>
+            <a:schemeClr val="lt1"/>
           </a:fontRef>
         </p:style>
         <p:txBody>
@@ -6738,116 +7420,124 @@
           <a:lstStyle/>
           <a:p>
             <a:pPr algn="ctr"/>
-            <a:endParaRPr kumimoji="1" lang="ja-JP" altLang="en-US" dirty="0"/>
-          </a:p>
-        </p:txBody>
-      </p:sp>
-      <p:sp>
-        <p:nvSpPr>
-          <p:cNvPr id="6" name="テキスト ボックス 5">
-            <a:extLst>
-              <a:ext uri="{FF2B5EF4-FFF2-40B4-BE49-F238E27FC236}">
-                <a16:creationId xmlns:a16="http://schemas.microsoft.com/office/drawing/2014/main" id="{5556F35C-9D45-438D-BE0F-9C0A83B53BEF}"/>
-              </a:ext>
-            </a:extLst>
-          </p:cNvPr>
-          <p:cNvSpPr txBox="1"/>
-          <p:nvPr/>
-        </p:nvSpPr>
-        <p:spPr>
-          <a:xfrm>
-            <a:off x="2924176" y="781050"/>
-            <a:ext cx="8591550" cy="738664"/>
+            <a:r>
+              <a:rPr kumimoji="1" lang="ja-JP" altLang="en-US" dirty="0">
+                <a:latin typeface="HG丸ｺﾞｼｯｸM-PRO" panose="020F0600000000000000" pitchFamily="50" charset="-128"/>
+                <a:ea typeface="HG丸ｺﾞｼｯｸM-PRO" panose="020F0600000000000000" pitchFamily="50" charset="-128"/>
+              </a:rPr>
+              <a:t>課題</a:t>
+            </a:r>
+          </a:p>
+        </p:txBody>
+      </p:sp>
+      <p:sp>
+        <p:nvSpPr>
+          <p:cNvPr id="8" name="正方形/長方形 7">
+            <a:extLst>
+              <a:ext uri="{FF2B5EF4-FFF2-40B4-BE49-F238E27FC236}">
+                <a16:creationId xmlns:a16="http://schemas.microsoft.com/office/drawing/2014/main" id="{1578B148-9785-44DB-865A-790049504A0E}"/>
+              </a:ext>
+            </a:extLst>
+          </p:cNvPr>
+          <p:cNvSpPr/>
+          <p:nvPr/>
+        </p:nvSpPr>
+        <p:spPr>
+          <a:xfrm>
+            <a:off x="1028700" y="3273425"/>
+            <a:ext cx="10239375" cy="1443038"/>
           </a:xfrm>
           <a:prstGeom prst="rect">
             <a:avLst/>
           </a:prstGeom>
-          <a:noFill/>
-        </p:spPr>
-        <p:txBody>
-          <a:bodyPr wrap="square" rtlCol="0">
-            <a:spAutoFit/>
-          </a:bodyPr>
-          <a:lstStyle/>
-          <a:p>
-            <a:r>
-              <a:rPr kumimoji="1" lang="ja-JP" altLang="en-US" sz="2400" dirty="0">
-                <a:solidFill>
-                  <a:srgbClr val="FF0000"/>
-                </a:solidFill>
-                <a:latin typeface="HG丸ｺﾞｼｯｸM-PRO" panose="020F0600000000000000" pitchFamily="50" charset="-128"/>
-                <a:ea typeface="HG丸ｺﾞｼｯｸM-PRO" panose="020F0600000000000000" pitchFamily="50" charset="-128"/>
-              </a:rPr>
-              <a:t>▷課題・苦労したこと</a:t>
-            </a:r>
-            <a:endParaRPr kumimoji="1" lang="en-US" altLang="ja-JP" sz="2400" dirty="0">
-              <a:solidFill>
-                <a:srgbClr val="FF0000"/>
-              </a:solidFill>
-              <a:latin typeface="HG丸ｺﾞｼｯｸM-PRO" panose="020F0600000000000000" pitchFamily="50" charset="-128"/>
-              <a:ea typeface="HG丸ｺﾞｼｯｸM-PRO" panose="020F0600000000000000" pitchFamily="50" charset="-128"/>
-            </a:endParaRPr>
-          </a:p>
-          <a:p>
-            <a:endParaRPr kumimoji="1" lang="ja-JP" altLang="en-US" dirty="0"/>
-          </a:p>
-        </p:txBody>
-      </p:sp>
-      <p:sp>
-        <p:nvSpPr>
-          <p:cNvPr id="7" name="テキスト ボックス 6">
-            <a:extLst>
-              <a:ext uri="{FF2B5EF4-FFF2-40B4-BE49-F238E27FC236}">
-                <a16:creationId xmlns:a16="http://schemas.microsoft.com/office/drawing/2014/main" id="{1F2614EE-FB2C-4E8A-96FE-B1ED0E0D2420}"/>
-              </a:ext>
-            </a:extLst>
-          </p:cNvPr>
-          <p:cNvSpPr txBox="1"/>
-          <p:nvPr/>
-        </p:nvSpPr>
-        <p:spPr>
-          <a:xfrm>
-            <a:off x="3409950" y="1325324"/>
-            <a:ext cx="7600950" cy="646331"/>
+          <a:solidFill>
+            <a:schemeClr val="accent6">
+              <a:alpha val="50000"/>
+            </a:schemeClr>
+          </a:solidFill>
+          <a:ln>
+            <a:noFill/>
+          </a:ln>
+        </p:spPr>
+        <p:style>
+          <a:lnRef idx="0">
+            <a:scrgbClr r="0" g="0" b="0"/>
+          </a:lnRef>
+          <a:fillRef idx="0">
+            <a:scrgbClr r="0" g="0" b="0"/>
+          </a:fillRef>
+          <a:effectRef idx="0">
+            <a:scrgbClr r="0" g="0" b="0"/>
+          </a:effectRef>
+          <a:fontRef idx="minor">
+            <a:schemeClr val="lt1"/>
+          </a:fontRef>
+        </p:style>
+        <p:txBody>
+          <a:bodyPr rtlCol="0" anchor="ctr"/>
+          <a:lstStyle/>
+          <a:p>
+            <a:pPr algn="ctr"/>
+            <a:endParaRPr kumimoji="1" lang="ja-JP" altLang="en-US"/>
+          </a:p>
+        </p:txBody>
+      </p:sp>
+      <p:sp>
+        <p:nvSpPr>
+          <p:cNvPr id="9" name="正方形/長方形 8">
+            <a:extLst>
+              <a:ext uri="{FF2B5EF4-FFF2-40B4-BE49-F238E27FC236}">
+                <a16:creationId xmlns:a16="http://schemas.microsoft.com/office/drawing/2014/main" id="{B8FB5A1D-64FB-4636-953B-CF40EFE96E8E}"/>
+              </a:ext>
+            </a:extLst>
+          </p:cNvPr>
+          <p:cNvSpPr/>
+          <p:nvPr/>
+        </p:nvSpPr>
+        <p:spPr>
+          <a:xfrm>
+            <a:off x="1028700" y="3273425"/>
+            <a:ext cx="2047875" cy="590550"/>
           </a:xfrm>
           <a:prstGeom prst="rect">
             <a:avLst/>
           </a:prstGeom>
-          <a:noFill/>
-        </p:spPr>
-        <p:txBody>
-          <a:bodyPr wrap="square" rtlCol="0">
-            <a:spAutoFit/>
-          </a:bodyPr>
-          <a:lstStyle/>
-          <a:p>
-            <a:r>
-              <a:rPr lang="en-US" altLang="ja-JP" dirty="0">
-                <a:latin typeface="HG丸ｺﾞｼｯｸM-PRO" panose="020F0600000000000000" pitchFamily="50" charset="-128"/>
-                <a:ea typeface="HG丸ｺﾞｼｯｸM-PRO" panose="020F0600000000000000" pitchFamily="50" charset="-128"/>
-              </a:rPr>
-              <a:t>5</a:t>
-            </a:r>
+          <a:solidFill>
+            <a:schemeClr val="accent6">
+              <a:lumMod val="50000"/>
+            </a:schemeClr>
+          </a:solidFill>
+          <a:ln>
+            <a:noFill/>
+          </a:ln>
+        </p:spPr>
+        <p:style>
+          <a:lnRef idx="2">
+            <a:schemeClr val="accent1">
+              <a:shade val="50000"/>
+            </a:schemeClr>
+          </a:lnRef>
+          <a:fillRef idx="1">
+            <a:schemeClr val="accent1"/>
+          </a:fillRef>
+          <a:effectRef idx="0">
+            <a:schemeClr val="accent1"/>
+          </a:effectRef>
+          <a:fontRef idx="minor">
+            <a:schemeClr val="lt1"/>
+          </a:fontRef>
+        </p:style>
+        <p:txBody>
+          <a:bodyPr rtlCol="0" anchor="ctr"/>
+          <a:lstStyle/>
+          <a:p>
+            <a:pPr algn="ctr"/>
             <a:r>
               <a:rPr lang="ja-JP" altLang="en-US" dirty="0">
                 <a:latin typeface="HG丸ｺﾞｼｯｸM-PRO" panose="020F0600000000000000" pitchFamily="50" charset="-128"/>
                 <a:ea typeface="HG丸ｺﾞｼｯｸM-PRO" panose="020F0600000000000000" pitchFamily="50" charset="-128"/>
               </a:rPr>
-              <a:t>月の時点で内部機能を理解できていなかったので、</a:t>
-            </a:r>
-            <a:r>
-              <a:rPr lang="en-US" altLang="ja-JP" dirty="0">
-                <a:latin typeface="HG丸ｺﾞｼｯｸM-PRO" panose="020F0600000000000000" pitchFamily="50" charset="-128"/>
-                <a:ea typeface="HG丸ｺﾞｼｯｸM-PRO" panose="020F0600000000000000" pitchFamily="50" charset="-128"/>
-              </a:rPr>
-              <a:t>DAO</a:t>
-            </a:r>
-            <a:r>
-              <a:rPr lang="ja-JP" altLang="en-US" dirty="0">
-                <a:latin typeface="HG丸ｺﾞｼｯｸM-PRO" panose="020F0600000000000000" pitchFamily="50" charset="-128"/>
-                <a:ea typeface="HG丸ｺﾞｼｯｸM-PRO" panose="020F0600000000000000" pitchFamily="50" charset="-128"/>
-              </a:rPr>
-              <a:t>やサーブレットの理解を一から始めた。</a:t>
+              <a:t>システム概要</a:t>
             </a:r>
             <a:endParaRPr kumimoji="1" lang="ja-JP" altLang="en-US" dirty="0">
               <a:latin typeface="HG丸ｺﾞｼｯｸM-PRO" panose="020F0600000000000000" pitchFamily="50" charset="-128"/>
@@ -6858,86 +7548,112 @@
       </p:sp>
       <p:sp>
         <p:nvSpPr>
-          <p:cNvPr id="9" name="テキスト ボックス 8">
-            <a:extLst>
-              <a:ext uri="{FF2B5EF4-FFF2-40B4-BE49-F238E27FC236}">
-                <a16:creationId xmlns:a16="http://schemas.microsoft.com/office/drawing/2014/main" id="{49E98EF4-4FE5-4134-8511-251965981FE8}"/>
-              </a:ext>
-            </a:extLst>
-          </p:cNvPr>
-          <p:cNvSpPr txBox="1"/>
-          <p:nvPr/>
-        </p:nvSpPr>
-        <p:spPr>
-          <a:xfrm>
-            <a:off x="2924176" y="2110263"/>
-            <a:ext cx="7410450" cy="461665"/>
+          <p:cNvPr id="10" name="正方形/長方形 9">
+            <a:extLst>
+              <a:ext uri="{FF2B5EF4-FFF2-40B4-BE49-F238E27FC236}">
+                <a16:creationId xmlns:a16="http://schemas.microsoft.com/office/drawing/2014/main" id="{9E10B85D-65A5-4B14-913A-3F720D80B97F}"/>
+              </a:ext>
+            </a:extLst>
+          </p:cNvPr>
+          <p:cNvSpPr/>
+          <p:nvPr/>
+        </p:nvSpPr>
+        <p:spPr>
+          <a:xfrm>
+            <a:off x="1028701" y="5015707"/>
+            <a:ext cx="10239374" cy="1356518"/>
           </a:xfrm>
           <a:prstGeom prst="rect">
             <a:avLst/>
           </a:prstGeom>
-          <a:noFill/>
-        </p:spPr>
-        <p:txBody>
-          <a:bodyPr wrap="square" rtlCol="0">
-            <a:spAutoFit/>
-          </a:bodyPr>
-          <a:lstStyle/>
-          <a:p>
-            <a:r>
-              <a:rPr lang="ja-JP" altLang="en-US" sz="2400" dirty="0">
-                <a:solidFill>
-                  <a:srgbClr val="FF0000"/>
-                </a:solidFill>
-                <a:latin typeface="HG丸ｺﾞｼｯｸM-PRO" panose="020F0600000000000000" pitchFamily="50" charset="-128"/>
-                <a:ea typeface="HG丸ｺﾞｼｯｸM-PRO" panose="020F0600000000000000" pitchFamily="50" charset="-128"/>
-              </a:rPr>
-              <a:t>▷解決策</a:t>
-            </a:r>
-            <a:endParaRPr kumimoji="1" lang="ja-JP" altLang="en-US" sz="2400" dirty="0">
-              <a:solidFill>
-                <a:srgbClr val="FF0000"/>
-              </a:solidFill>
-              <a:latin typeface="HG丸ｺﾞｼｯｸM-PRO" panose="020F0600000000000000" pitchFamily="50" charset="-128"/>
-              <a:ea typeface="HG丸ｺﾞｼｯｸM-PRO" panose="020F0600000000000000" pitchFamily="50" charset="-128"/>
-            </a:endParaRPr>
-          </a:p>
-        </p:txBody>
-      </p:sp>
-      <p:sp>
-        <p:nvSpPr>
-          <p:cNvPr id="10" name="テキスト ボックス 9">
-            <a:extLst>
-              <a:ext uri="{FF2B5EF4-FFF2-40B4-BE49-F238E27FC236}">
-                <a16:creationId xmlns:a16="http://schemas.microsoft.com/office/drawing/2014/main" id="{C12B73DF-F43B-4A43-A217-1519555F7B78}"/>
-              </a:ext>
-            </a:extLst>
-          </p:cNvPr>
-          <p:cNvSpPr txBox="1"/>
-          <p:nvPr/>
-        </p:nvSpPr>
-        <p:spPr>
-          <a:xfrm>
-            <a:off x="3409950" y="2630028"/>
-            <a:ext cx="7753350" cy="646331"/>
+          <a:solidFill>
+            <a:schemeClr val="accent6">
+              <a:alpha val="50000"/>
+            </a:schemeClr>
+          </a:solidFill>
+          <a:ln>
+            <a:noFill/>
+          </a:ln>
+        </p:spPr>
+        <p:style>
+          <a:lnRef idx="0">
+            <a:scrgbClr r="0" g="0" b="0"/>
+          </a:lnRef>
+          <a:fillRef idx="0">
+            <a:scrgbClr r="0" g="0" b="0"/>
+          </a:fillRef>
+          <a:effectRef idx="0">
+            <a:scrgbClr r="0" g="0" b="0"/>
+          </a:effectRef>
+          <a:fontRef idx="minor">
+            <a:schemeClr val="lt1"/>
+          </a:fontRef>
+        </p:style>
+        <p:txBody>
+          <a:bodyPr rtlCol="0" anchor="ctr"/>
+          <a:lstStyle/>
+          <a:p>
+            <a:pPr algn="ctr"/>
+            <a:endParaRPr kumimoji="1" lang="ja-JP" altLang="en-US"/>
+          </a:p>
+        </p:txBody>
+      </p:sp>
+      <p:sp>
+        <p:nvSpPr>
+          <p:cNvPr id="11" name="正方形/長方形 10">
+            <a:extLst>
+              <a:ext uri="{FF2B5EF4-FFF2-40B4-BE49-F238E27FC236}">
+                <a16:creationId xmlns:a16="http://schemas.microsoft.com/office/drawing/2014/main" id="{D334AF6B-22AB-46B4-906D-CB9E9C847E50}"/>
+              </a:ext>
+            </a:extLst>
+          </p:cNvPr>
+          <p:cNvSpPr/>
+          <p:nvPr/>
+        </p:nvSpPr>
+        <p:spPr>
+          <a:xfrm>
+            <a:off x="1028700" y="5013325"/>
+            <a:ext cx="2047875" cy="590550"/>
           </a:xfrm>
           <a:prstGeom prst="rect">
             <a:avLst/>
           </a:prstGeom>
-          <a:noFill/>
-        </p:spPr>
-        <p:txBody>
-          <a:bodyPr wrap="square" rtlCol="0">
-            <a:spAutoFit/>
-          </a:bodyPr>
-          <a:lstStyle/>
-          <a:p>
+          <a:solidFill>
+            <a:schemeClr val="accent6">
+              <a:lumMod val="50000"/>
+            </a:schemeClr>
+          </a:solidFill>
+          <a:ln>
+            <a:noFill/>
+          </a:ln>
+        </p:spPr>
+        <p:style>
+          <a:lnRef idx="2">
+            <a:schemeClr val="accent1">
+              <a:shade val="50000"/>
+            </a:schemeClr>
+          </a:lnRef>
+          <a:fillRef idx="1">
+            <a:schemeClr val="accent1"/>
+          </a:fillRef>
+          <a:effectRef idx="0">
+            <a:schemeClr val="accent1"/>
+          </a:effectRef>
+          <a:fontRef idx="minor">
+            <a:schemeClr val="lt1"/>
+          </a:fontRef>
+        </p:style>
+        <p:txBody>
+          <a:bodyPr rtlCol="0" anchor="ctr"/>
+          <a:lstStyle/>
+          <a:p>
+            <a:pPr algn="ctr"/>
             <a:r>
               <a:rPr lang="ja-JP" altLang="en-US" dirty="0">
                 <a:latin typeface="HG丸ｺﾞｼｯｸM-PRO" panose="020F0600000000000000" pitchFamily="50" charset="-128"/>
                 <a:ea typeface="HG丸ｺﾞｼｯｸM-PRO" panose="020F0600000000000000" pitchFamily="50" charset="-128"/>
               </a:rPr>
-              <a:t>少しでも分からないところはすぐにメンバーに質問して助けてもらった。「理解が曖昧なまま進む」ということが無いよう徹底した。</a:t>
+              <a:t>成果</a:t>
             </a:r>
             <a:endParaRPr kumimoji="1" lang="ja-JP" altLang="en-US" dirty="0">
               <a:latin typeface="HG丸ｺﾞｼｯｸM-PRO" panose="020F0600000000000000" pitchFamily="50" charset="-128"/>
@@ -6948,10 +7664,10 @@
       </p:sp>
       <p:sp>
         <p:nvSpPr>
-          <p:cNvPr id="11" name="テキスト ボックス 10">
-            <a:extLst>
-              <a:ext uri="{FF2B5EF4-FFF2-40B4-BE49-F238E27FC236}">
-                <a16:creationId xmlns:a16="http://schemas.microsoft.com/office/drawing/2014/main" id="{958FCDA3-C550-4E75-8FED-0336806AAF17}"/>
+          <p:cNvPr id="12" name="テキスト ボックス 11">
+            <a:extLst>
+              <a:ext uri="{FF2B5EF4-FFF2-40B4-BE49-F238E27FC236}">
+                <a16:creationId xmlns:a16="http://schemas.microsoft.com/office/drawing/2014/main" id="{4E02D010-5319-4C11-A31C-0A5ED06CB42E}"/>
               </a:ext>
             </a:extLst>
           </p:cNvPr>
@@ -6960,8 +7676,8 @@
         </p:nvSpPr>
         <p:spPr>
           <a:xfrm>
-            <a:off x="2990851" y="3364542"/>
-            <a:ext cx="7410450" cy="461665"/>
+            <a:off x="3338513" y="1712879"/>
+            <a:ext cx="6296025" cy="1015663"/>
           </a:xfrm>
           <a:prstGeom prst="rect">
             <a:avLst/>
@@ -6975,31 +7691,61 @@
           <a:lstStyle/>
           <a:p>
             <a:r>
-              <a:rPr lang="ja-JP" altLang="en-US" sz="2400" dirty="0">
-                <a:solidFill>
-                  <a:srgbClr val="FF0000"/>
-                </a:solidFill>
-                <a:latin typeface="HG丸ｺﾞｼｯｸM-PRO" panose="020F0600000000000000" pitchFamily="50" charset="-128"/>
-                <a:ea typeface="HG丸ｺﾞｼｯｸM-PRO" panose="020F0600000000000000" pitchFamily="50" charset="-128"/>
-              </a:rPr>
-              <a:t>▷成長したと感じること</a:t>
-            </a:r>
-            <a:endParaRPr kumimoji="1" lang="ja-JP" altLang="en-US" sz="2400" dirty="0">
-              <a:solidFill>
-                <a:srgbClr val="FF0000"/>
-              </a:solidFill>
+              <a:rPr kumimoji="1" lang="ja-JP" altLang="en-US" sz="2000" dirty="0">
+                <a:latin typeface="HG丸ｺﾞｼｯｸM-PRO" panose="020F0600000000000000" pitchFamily="50" charset="-128"/>
+                <a:ea typeface="HG丸ｺﾞｼｯｸM-PRO" panose="020F0600000000000000" pitchFamily="50" charset="-128"/>
+              </a:rPr>
+              <a:t>・質問内容が管理されていない</a:t>
+            </a:r>
+            <a:endParaRPr kumimoji="1" lang="en-US" altLang="ja-JP" sz="2000" dirty="0">
               <a:latin typeface="HG丸ｺﾞｼｯｸM-PRO" panose="020F0600000000000000" pitchFamily="50" charset="-128"/>
               <a:ea typeface="HG丸ｺﾞｼｯｸM-PRO" panose="020F0600000000000000" pitchFamily="50" charset="-128"/>
             </a:endParaRPr>
           </a:p>
-        </p:txBody>
-      </p:sp>
-      <p:sp>
-        <p:nvSpPr>
-          <p:cNvPr id="12" name="テキスト ボックス 11">
-            <a:extLst>
-              <a:ext uri="{FF2B5EF4-FFF2-40B4-BE49-F238E27FC236}">
-                <a16:creationId xmlns:a16="http://schemas.microsoft.com/office/drawing/2014/main" id="{4E38B916-8BC0-4FB3-BE89-67D4F3014E13}"/>
+          <a:p>
+            <a:r>
+              <a:rPr lang="ja-JP" altLang="en-US" sz="2000" dirty="0">
+                <a:latin typeface="HG丸ｺﾞｼｯｸM-PRO" panose="020F0600000000000000" pitchFamily="50" charset="-128"/>
+                <a:ea typeface="HG丸ｺﾞｼｯｸM-PRO" panose="020F0600000000000000" pitchFamily="50" charset="-128"/>
+              </a:rPr>
+              <a:t>・</a:t>
+            </a:r>
+            <a:r>
+              <a:rPr lang="en-US" altLang="ja-JP" sz="2000" dirty="0">
+                <a:latin typeface="HG丸ｺﾞｼｯｸM-PRO" panose="020F0600000000000000" pitchFamily="50" charset="-128"/>
+                <a:ea typeface="HG丸ｺﾞｼｯｸM-PRO" panose="020F0600000000000000" pitchFamily="50" charset="-128"/>
+              </a:rPr>
+              <a:t>slack</a:t>
+            </a:r>
+            <a:r>
+              <a:rPr lang="ja-JP" altLang="en-US" sz="2000" dirty="0">
+                <a:latin typeface="HG丸ｺﾞｼｯｸM-PRO" panose="020F0600000000000000" pitchFamily="50" charset="-128"/>
+                <a:ea typeface="HG丸ｺﾞｼｯｸM-PRO" panose="020F0600000000000000" pitchFamily="50" charset="-128"/>
+              </a:rPr>
+              <a:t>の質問チャンネルで質問する人が少ない</a:t>
+            </a:r>
+            <a:endParaRPr lang="en-US" altLang="ja-JP" sz="2000" dirty="0">
+              <a:latin typeface="HG丸ｺﾞｼｯｸM-PRO" panose="020F0600000000000000" pitchFamily="50" charset="-128"/>
+              <a:ea typeface="HG丸ｺﾞｼｯｸM-PRO" panose="020F0600000000000000" pitchFamily="50" charset="-128"/>
+            </a:endParaRPr>
+          </a:p>
+          <a:p>
+            <a:r>
+              <a:rPr kumimoji="1" lang="ja-JP" altLang="en-US" sz="2000" dirty="0">
+                <a:latin typeface="HG丸ｺﾞｼｯｸM-PRO" panose="020F0600000000000000" pitchFamily="50" charset="-128"/>
+                <a:ea typeface="HG丸ｺﾞｼｯｸM-PRO" panose="020F0600000000000000" pitchFamily="50" charset="-128"/>
+              </a:rPr>
+              <a:t>・質問の情報共有がしにくい</a:t>
+            </a:r>
+          </a:p>
+        </p:txBody>
+      </p:sp>
+      <p:sp>
+        <p:nvSpPr>
+          <p:cNvPr id="13" name="テキスト ボックス 12">
+            <a:extLst>
+              <a:ext uri="{FF2B5EF4-FFF2-40B4-BE49-F238E27FC236}">
+                <a16:creationId xmlns:a16="http://schemas.microsoft.com/office/drawing/2014/main" id="{D8A7D13B-CB97-4DD2-9392-ABD02532099F}"/>
               </a:ext>
             </a:extLst>
           </p:cNvPr>
@@ -7008,8 +7754,8 @@
         </p:nvSpPr>
         <p:spPr>
           <a:xfrm>
-            <a:off x="3409950" y="3934733"/>
-            <a:ext cx="7610477" cy="646331"/>
+            <a:off x="3338512" y="5186134"/>
+            <a:ext cx="7672387" cy="1015663"/>
           </a:xfrm>
           <a:prstGeom prst="rect">
             <a:avLst/>
@@ -7023,25 +7769,38 @@
           <a:lstStyle/>
           <a:p>
             <a:r>
-              <a:rPr lang="ja-JP" altLang="en-US" dirty="0">
-                <a:latin typeface="HG丸ｺﾞｼｯｸM-PRO" panose="020F0600000000000000" pitchFamily="50" charset="-128"/>
-                <a:ea typeface="HG丸ｺﾞｼｯｸM-PRO" panose="020F0600000000000000" pitchFamily="50" charset="-128"/>
-              </a:rPr>
-              <a:t>内部機能が理解できたことで、繋がりが分かるようになり、「楽しい」と感じることが増えた。</a:t>
-            </a:r>
-            <a:endParaRPr kumimoji="1" lang="ja-JP" altLang="en-US" dirty="0">
+              <a:rPr kumimoji="1" lang="ja-JP" altLang="en-US" sz="2000" dirty="0">
+                <a:latin typeface="HG丸ｺﾞｼｯｸM-PRO" panose="020F0600000000000000" pitchFamily="50" charset="-128"/>
+                <a:ea typeface="HG丸ｺﾞｼｯｸM-PRO" panose="020F0600000000000000" pitchFamily="50" charset="-128"/>
+              </a:rPr>
+              <a:t>・受講生、講師、事務局の三者からメリットが得られるシステムを開発することができた</a:t>
+            </a:r>
+            <a:endParaRPr kumimoji="1" lang="en-US" altLang="ja-JP" sz="2000" dirty="0">
               <a:latin typeface="HG丸ｺﾞｼｯｸM-PRO" panose="020F0600000000000000" pitchFamily="50" charset="-128"/>
               <a:ea typeface="HG丸ｺﾞｼｯｸM-PRO" panose="020F0600000000000000" pitchFamily="50" charset="-128"/>
             </a:endParaRPr>
           </a:p>
-        </p:txBody>
-      </p:sp>
-      <p:sp>
-        <p:nvSpPr>
-          <p:cNvPr id="13" name="テキスト ボックス 12">
-            <a:extLst>
-              <a:ext uri="{FF2B5EF4-FFF2-40B4-BE49-F238E27FC236}">
-                <a16:creationId xmlns:a16="http://schemas.microsoft.com/office/drawing/2014/main" id="{A6CA4B9A-A3B6-4F35-8389-02654467E163}"/>
+          <a:p>
+            <a:r>
+              <a:rPr lang="ja-JP" altLang="en-US" sz="2000" dirty="0">
+                <a:latin typeface="HG丸ｺﾞｼｯｸM-PRO" panose="020F0600000000000000" pitchFamily="50" charset="-128"/>
+                <a:ea typeface="HG丸ｺﾞｼｯｸM-PRO" panose="020F0600000000000000" pitchFamily="50" charset="-128"/>
+              </a:rPr>
+              <a:t>・個々の理解度を向上させることができた</a:t>
+            </a:r>
+            <a:endParaRPr kumimoji="1" lang="ja-JP" altLang="en-US" sz="2000" dirty="0">
+              <a:latin typeface="HG丸ｺﾞｼｯｸM-PRO" panose="020F0600000000000000" pitchFamily="50" charset="-128"/>
+              <a:ea typeface="HG丸ｺﾞｼｯｸM-PRO" panose="020F0600000000000000" pitchFamily="50" charset="-128"/>
+            </a:endParaRPr>
+          </a:p>
+        </p:txBody>
+      </p:sp>
+      <p:sp>
+        <p:nvSpPr>
+          <p:cNvPr id="14" name="テキスト ボックス 13">
+            <a:extLst>
+              <a:ext uri="{FF2B5EF4-FFF2-40B4-BE49-F238E27FC236}">
+                <a16:creationId xmlns:a16="http://schemas.microsoft.com/office/drawing/2014/main" id="{F5CA5E2F-79C2-473D-B539-A1C4220A85DC}"/>
               </a:ext>
             </a:extLst>
           </p:cNvPr>
@@ -7050,8 +7809,8 @@
         </p:nvSpPr>
         <p:spPr>
           <a:xfrm>
-            <a:off x="2990851" y="4727619"/>
-            <a:ext cx="7410450" cy="461665"/>
+            <a:off x="3338512" y="3473957"/>
+            <a:ext cx="7672387" cy="1015663"/>
           </a:xfrm>
           <a:prstGeom prst="rect">
             <a:avLst/>
@@ -7065,122 +7824,96 @@
           <a:lstStyle/>
           <a:p>
             <a:r>
-              <a:rPr lang="ja-JP" altLang="en-US" sz="2400" dirty="0">
-                <a:solidFill>
-                  <a:srgbClr val="FF0000"/>
-                </a:solidFill>
-                <a:latin typeface="HG丸ｺﾞｼｯｸM-PRO" panose="020F0600000000000000" pitchFamily="50" charset="-128"/>
-                <a:ea typeface="HG丸ｺﾞｼｯｸM-PRO" panose="020F0600000000000000" pitchFamily="50" charset="-128"/>
-              </a:rPr>
-              <a:t>▷今後の目標</a:t>
-            </a:r>
-            <a:endParaRPr kumimoji="1" lang="ja-JP" altLang="en-US" sz="2400" dirty="0">
-              <a:solidFill>
-                <a:srgbClr val="FF0000"/>
-              </a:solidFill>
+              <a:rPr kumimoji="1" lang="ja-JP" altLang="en-US" sz="2000" dirty="0">
+                <a:latin typeface="HG丸ｺﾞｼｯｸM-PRO" panose="020F0600000000000000" pitchFamily="50" charset="-128"/>
+                <a:ea typeface="HG丸ｺﾞｼｯｸM-PRO" panose="020F0600000000000000" pitchFamily="50" charset="-128"/>
+              </a:rPr>
+              <a:t>・質問者は匿名性が得られる</a:t>
+            </a:r>
+            <a:endParaRPr kumimoji="1" lang="en-US" altLang="ja-JP" sz="2000" dirty="0">
               <a:latin typeface="HG丸ｺﾞｼｯｸM-PRO" panose="020F0600000000000000" pitchFamily="50" charset="-128"/>
               <a:ea typeface="HG丸ｺﾞｼｯｸM-PRO" panose="020F0600000000000000" pitchFamily="50" charset="-128"/>
             </a:endParaRPr>
           </a:p>
-        </p:txBody>
-      </p:sp>
-      <p:sp>
-        <p:nvSpPr>
-          <p:cNvPr id="14" name="テキスト ボックス 13">
-            <a:extLst>
-              <a:ext uri="{FF2B5EF4-FFF2-40B4-BE49-F238E27FC236}">
-                <a16:creationId xmlns:a16="http://schemas.microsoft.com/office/drawing/2014/main" id="{F5B26454-7CD7-4F9F-8B12-734A0F74B5F2}"/>
-              </a:ext>
-            </a:extLst>
-          </p:cNvPr>
-          <p:cNvSpPr txBox="1"/>
-          <p:nvPr/>
-        </p:nvSpPr>
-        <p:spPr>
-          <a:xfrm>
-            <a:off x="3409950" y="5306264"/>
-            <a:ext cx="7410450" cy="646331"/>
-          </a:xfrm>
-          <a:prstGeom prst="rect">
-            <a:avLst/>
-          </a:prstGeom>
-          <a:noFill/>
-        </p:spPr>
-        <p:txBody>
-          <a:bodyPr wrap="square" rtlCol="0">
-            <a:spAutoFit/>
-          </a:bodyPr>
-          <a:lstStyle/>
-          <a:p>
-            <a:r>
-              <a:rPr kumimoji="1" lang="ja-JP" altLang="en-US" dirty="0">
-                <a:latin typeface="HG丸ｺﾞｼｯｸM-PRO" panose="020F0600000000000000" pitchFamily="50" charset="-128"/>
-                <a:ea typeface="HG丸ｺﾞｼｯｸM-PRO" panose="020F0600000000000000" pitchFamily="50" charset="-128"/>
-              </a:rPr>
-              <a:t>まだまだ知識が曖昧なところがあるため、実務で経験値を積みながら勉強していきたい。</a:t>
-            </a:r>
-          </a:p>
-        </p:txBody>
-      </p:sp>
-      <p:sp>
-        <p:nvSpPr>
-          <p:cNvPr id="8" name="テキスト ボックス 7">
-            <a:extLst>
-              <a:ext uri="{FF2B5EF4-FFF2-40B4-BE49-F238E27FC236}">
-                <a16:creationId xmlns:a16="http://schemas.microsoft.com/office/drawing/2014/main" id="{FA89B8B3-AA79-43B5-83C2-82538ED64424}"/>
-              </a:ext>
-            </a:extLst>
-          </p:cNvPr>
-          <p:cNvSpPr txBox="1"/>
-          <p:nvPr/>
-        </p:nvSpPr>
-        <p:spPr>
-          <a:xfrm>
-            <a:off x="671511" y="4265559"/>
-            <a:ext cx="1200152" cy="646331"/>
-          </a:xfrm>
-          <a:prstGeom prst="rect">
-            <a:avLst/>
-          </a:prstGeom>
-          <a:noFill/>
-        </p:spPr>
-        <p:txBody>
-          <a:bodyPr wrap="square" rtlCol="0">
-            <a:spAutoFit/>
-          </a:bodyPr>
-          <a:lstStyle/>
-          <a:p>
-            <a:r>
-              <a:rPr kumimoji="1" lang="ja-JP" altLang="en-US" dirty="0">
-                <a:latin typeface="HG丸ｺﾞｼｯｸM-PRO" panose="020F0600000000000000" pitchFamily="50" charset="-128"/>
-                <a:ea typeface="HG丸ｺﾞｼｯｸM-PRO" panose="020F0600000000000000" pitchFamily="50" charset="-128"/>
-              </a:rPr>
-              <a:t>発表担当</a:t>
-            </a:r>
-            <a:endParaRPr kumimoji="1" lang="en-US" altLang="ja-JP" dirty="0">
+          <a:p>
+            <a:r>
+              <a:rPr lang="ja-JP" altLang="en-US" sz="2000" dirty="0">
+                <a:latin typeface="HG丸ｺﾞｼｯｸM-PRO" panose="020F0600000000000000" pitchFamily="50" charset="-128"/>
+                <a:ea typeface="HG丸ｺﾞｼｯｸM-PRO" panose="020F0600000000000000" pitchFamily="50" charset="-128"/>
+              </a:rPr>
+              <a:t>・回答者はマイページ上で自分の担当クラスの質問の閲覧が可能</a:t>
+            </a:r>
+            <a:endParaRPr lang="en-US" altLang="ja-JP" sz="2000" dirty="0">
               <a:latin typeface="HG丸ｺﾞｼｯｸM-PRO" panose="020F0600000000000000" pitchFamily="50" charset="-128"/>
               <a:ea typeface="HG丸ｺﾞｼｯｸM-PRO" panose="020F0600000000000000" pitchFamily="50" charset="-128"/>
             </a:endParaRPr>
           </a:p>
           <a:p>
             <a:r>
-              <a:rPr lang="ja-JP" altLang="en-US" dirty="0">
-                <a:latin typeface="HG丸ｺﾞｼｯｸM-PRO" panose="020F0600000000000000" pitchFamily="50" charset="-128"/>
-                <a:ea typeface="HG丸ｺﾞｼｯｸM-PRO" panose="020F0600000000000000" pitchFamily="50" charset="-128"/>
-              </a:rPr>
-              <a:t>きど</a:t>
-            </a:r>
-            <a:endParaRPr kumimoji="1" lang="ja-JP" altLang="en-US" dirty="0">
-              <a:latin typeface="HG丸ｺﾞｼｯｸM-PRO" panose="020F0600000000000000" pitchFamily="50" charset="-128"/>
-              <a:ea typeface="HG丸ｺﾞｼｯｸM-PRO" panose="020F0600000000000000" pitchFamily="50" charset="-128"/>
-            </a:endParaRPr>
-          </a:p>
-        </p:txBody>
-      </p:sp>
+              <a:rPr kumimoji="1" lang="ja-JP" altLang="en-US" sz="2000" dirty="0">
+                <a:latin typeface="HG丸ｺﾞｼｯｸM-PRO" panose="020F0600000000000000" pitchFamily="50" charset="-128"/>
+                <a:ea typeface="HG丸ｺﾞｼｯｸM-PRO" panose="020F0600000000000000" pitchFamily="50" charset="-128"/>
+              </a:rPr>
+              <a:t>・過去の質問も蓄積されるので閲覧することが可能</a:t>
+            </a:r>
+          </a:p>
+        </p:txBody>
+      </p:sp>
+      <mc:AlternateContent xmlns:mc="http://schemas.openxmlformats.org/markup-compatibility/2006">
+        <mc:Choice xmlns:p14="http://schemas.microsoft.com/office/powerpoint/2010/main" Requires="p14">
+          <p:contentPart p14:bwMode="auto" r:id="rId2">
+            <p14:nvContentPartPr>
+              <p14:cNvPr id="3" name="インク 2">
+                <a:extLst>
+                  <a:ext uri="{FF2B5EF4-FFF2-40B4-BE49-F238E27FC236}">
+                    <a16:creationId xmlns:a16="http://schemas.microsoft.com/office/drawing/2014/main" id="{BACE4789-439C-4C48-86D5-D19D9A85F2A5}"/>
+                  </a:ext>
+                </a:extLst>
+              </p14:cNvPr>
+              <p14:cNvContentPartPr/>
+              <p14:nvPr/>
+            </p14:nvContentPartPr>
+            <p14:xfrm>
+              <a:off x="905061" y="1057129"/>
+              <a:ext cx="1535040" cy="45000"/>
+            </p14:xfrm>
+          </p:contentPart>
+        </mc:Choice>
+        <mc:Fallback>
+          <p:pic>
+            <p:nvPicPr>
+              <p:cNvPr id="3" name="インク 2">
+                <a:extLst>
+                  <a:ext uri="{FF2B5EF4-FFF2-40B4-BE49-F238E27FC236}">
+                    <a16:creationId xmlns:a16="http://schemas.microsoft.com/office/drawing/2014/main" id="{BACE4789-439C-4C48-86D5-D19D9A85F2A5}"/>
+                  </a:ext>
+                </a:extLst>
+              </p:cNvPr>
+              <p:cNvPicPr/>
+              <p:nvPr/>
+            </p:nvPicPr>
+            <p:blipFill>
+              <a:blip r:embed="rId3"/>
+              <a:stretch>
+                <a:fillRect/>
+              </a:stretch>
+            </p:blipFill>
+            <p:spPr>
+              <a:xfrm>
+                <a:off x="815421" y="877489"/>
+                <a:ext cx="1714680" cy="404640"/>
+              </a:xfrm>
+              <a:prstGeom prst="rect">
+                <a:avLst/>
+              </a:prstGeom>
+            </p:spPr>
+          </p:pic>
+        </mc:Fallback>
+      </mc:AlternateContent>
     </p:spTree>
     <p:extLst>
       <p:ext uri="{BB962C8B-B14F-4D97-AF65-F5344CB8AC3E}">
-        <p14:creationId xmlns:p14="http://schemas.microsoft.com/office/powerpoint/2010/main" val="1188209027"/>
+        <p14:creationId xmlns:p14="http://schemas.microsoft.com/office/powerpoint/2010/main" val="4265543082"/>
       </p:ext>
     </p:extLst>
   </p:cSld>
@@ -7223,7 +7956,15 @@
             <p:ph type="title"/>
           </p:nvPr>
         </p:nvSpPr>
-        <p:spPr/>
+        <p:spPr>
+          <a:xfrm>
+            <a:off x="838200" y="515144"/>
+            <a:ext cx="9744076" cy="947738"/>
+          </a:xfrm>
+          <a:solidFill>
+            <a:schemeClr val="bg1"/>
+          </a:solidFill>
+        </p:spPr>
         <p:txBody>
           <a:bodyPr>
             <a:normAutofit/>
@@ -7235,17 +7976,17 @@
                 <a:latin typeface="HG丸ｺﾞｼｯｸM-PRO" panose="020F0600000000000000" pitchFamily="50" charset="-128"/>
                 <a:ea typeface="HG丸ｺﾞｼｯｸM-PRO" panose="020F0600000000000000" pitchFamily="50" charset="-128"/>
               </a:rPr>
-              <a:t>まとめ</a:t>
-            </a:r>
-          </a:p>
-        </p:txBody>
-      </p:sp>
-      <p:sp>
-        <p:nvSpPr>
-          <p:cNvPr id="4" name="フレーム 3">
-            <a:extLst>
-              <a:ext uri="{FF2B5EF4-FFF2-40B4-BE49-F238E27FC236}">
-                <a16:creationId xmlns:a16="http://schemas.microsoft.com/office/drawing/2014/main" id="{9061ED0C-2A66-439A-B304-1558BAF77192}"/>
+              <a:t>謝辞</a:t>
+            </a:r>
+          </a:p>
+        </p:txBody>
+      </p:sp>
+      <p:sp>
+        <p:nvSpPr>
+          <p:cNvPr id="5" name="フレーム 4">
+            <a:extLst>
+              <a:ext uri="{FF2B5EF4-FFF2-40B4-BE49-F238E27FC236}">
+                <a16:creationId xmlns:a16="http://schemas.microsoft.com/office/drawing/2014/main" id="{89E3D982-A656-422E-A1A8-6C9532BC15FE}"/>
               </a:ext>
             </a:extLst>
           </p:cNvPr>
@@ -7309,47 +8050,279 @@
           </a:p>
         </p:txBody>
       </p:sp>
-      <p:sp>
-        <p:nvSpPr>
-          <p:cNvPr id="6" name="正方形/長方形 5">
-            <a:extLst>
-              <a:ext uri="{FF2B5EF4-FFF2-40B4-BE49-F238E27FC236}">
-                <a16:creationId xmlns:a16="http://schemas.microsoft.com/office/drawing/2014/main" id="{86BDE0B9-BFAD-41DB-8637-CD761EAC0AD1}"/>
-              </a:ext>
-            </a:extLst>
-          </p:cNvPr>
-          <p:cNvSpPr/>
-          <p:nvPr/>
-        </p:nvSpPr>
-        <p:spPr>
-          <a:xfrm>
-            <a:off x="1028701" y="1524000"/>
-            <a:ext cx="10239374" cy="1450181"/>
+      <p:pic>
+        <p:nvPicPr>
+          <p:cNvPr id="6" name="Picture 2" descr="猫のアイコン">
+            <a:extLst>
+              <a:ext uri="{FF2B5EF4-FFF2-40B4-BE49-F238E27FC236}">
+                <a16:creationId xmlns:a16="http://schemas.microsoft.com/office/drawing/2014/main" id="{06CD71B9-48B6-4F18-B651-C681303269DE}"/>
+              </a:ext>
+            </a:extLst>
+          </p:cNvPr>
+          <p:cNvPicPr>
+            <a:picLocks noGrp="1" noChangeAspect="1" noChangeArrowheads="1"/>
+          </p:cNvPicPr>
+          <p:nvPr>
+            <p:ph idx="1"/>
+          </p:nvPr>
+        </p:nvPicPr>
+        <p:blipFill>
+          <a:blip r:embed="rId2">
+            <a:extLst>
+              <a:ext uri="{28A0092B-C50C-407E-A947-70E740481C1C}">
+                <a14:useLocalDpi xmlns:a14="http://schemas.microsoft.com/office/drawing/2010/main" val="0"/>
+              </a:ext>
+            </a:extLst>
+          </a:blip>
+          <a:srcRect/>
+          <a:stretch>
+            <a:fillRect/>
+          </a:stretch>
+        </p:blipFill>
+        <p:spPr bwMode="auto">
+          <a:xfrm>
+            <a:off x="7317090" y="5177933"/>
+            <a:ext cx="1049174" cy="1049174"/>
           </a:xfrm>
           <a:prstGeom prst="rect">
             <a:avLst/>
           </a:prstGeom>
-          <a:solidFill>
-            <a:schemeClr val="accent6">
-              <a:alpha val="50000"/>
-            </a:schemeClr>
-          </a:solidFill>
-          <a:ln>
-            <a:noFill/>
-          </a:ln>
+          <a:noFill/>
+          <a:extLst>
+            <a:ext uri="{909E8E84-426E-40DD-AFC4-6F175D3DCCD1}">
+              <a14:hiddenFill xmlns:a14="http://schemas.microsoft.com/office/drawing/2010/main">
+                <a:solidFill>
+                  <a:srgbClr val="FFFFFF"/>
+                </a:solidFill>
+              </a14:hiddenFill>
+            </a:ext>
+          </a:extLst>
+        </p:spPr>
+      </p:pic>
+      <p:pic>
+        <p:nvPicPr>
+          <p:cNvPr id="7" name="Picture 2" descr="ミツバチのアイコン">
+            <a:extLst>
+              <a:ext uri="{FF2B5EF4-FFF2-40B4-BE49-F238E27FC236}">
+                <a16:creationId xmlns:a16="http://schemas.microsoft.com/office/drawing/2014/main" id="{EA9557D4-D97D-4655-9ECF-FD3284354B9E}"/>
+              </a:ext>
+            </a:extLst>
+          </p:cNvPr>
+          <p:cNvPicPr>
+            <a:picLocks noChangeAspect="1" noChangeArrowheads="1"/>
+          </p:cNvPicPr>
+          <p:nvPr/>
+        </p:nvPicPr>
+        <p:blipFill>
+          <a:blip r:embed="rId3">
+            <a:extLst>
+              <a:ext uri="{28A0092B-C50C-407E-A947-70E740481C1C}">
+                <a14:useLocalDpi xmlns:a14="http://schemas.microsoft.com/office/drawing/2010/main" val="0"/>
+              </a:ext>
+            </a:extLst>
+          </a:blip>
+          <a:srcRect/>
+          <a:stretch>
+            <a:fillRect/>
+          </a:stretch>
+        </p:blipFill>
+        <p:spPr bwMode="auto">
+          <a:xfrm>
+            <a:off x="6234826" y="5185800"/>
+            <a:ext cx="1049174" cy="1049174"/>
+          </a:xfrm>
+          <a:prstGeom prst="rect">
+            <a:avLst/>
+          </a:prstGeom>
+          <a:noFill/>
+          <a:extLst>
+            <a:ext uri="{909E8E84-426E-40DD-AFC4-6F175D3DCCD1}">
+              <a14:hiddenFill xmlns:a14="http://schemas.microsoft.com/office/drawing/2010/main">
+                <a:solidFill>
+                  <a:srgbClr val="FFFFFF"/>
+                </a:solidFill>
+              </a14:hiddenFill>
+            </a:ext>
+          </a:extLst>
+        </p:spPr>
+      </p:pic>
+      <p:pic>
+        <p:nvPicPr>
+          <p:cNvPr id="8" name="Picture 2" descr="モンスターのアイコン9">
+            <a:extLst>
+              <a:ext uri="{FF2B5EF4-FFF2-40B4-BE49-F238E27FC236}">
+                <a16:creationId xmlns:a16="http://schemas.microsoft.com/office/drawing/2014/main" id="{65C1AD7B-4BC1-4298-99B8-9288D57BFFBB}"/>
+              </a:ext>
+            </a:extLst>
+          </p:cNvPr>
+          <p:cNvPicPr>
+            <a:picLocks noChangeAspect="1" noChangeArrowheads="1"/>
+          </p:cNvPicPr>
+          <p:nvPr/>
+        </p:nvPicPr>
+        <p:blipFill>
+          <a:blip r:embed="rId4">
+            <a:extLst>
+              <a:ext uri="{28A0092B-C50C-407E-A947-70E740481C1C}">
+                <a14:useLocalDpi xmlns:a14="http://schemas.microsoft.com/office/drawing/2010/main" val="0"/>
+              </a:ext>
+            </a:extLst>
+          </a:blip>
+          <a:srcRect/>
+          <a:stretch>
+            <a:fillRect/>
+          </a:stretch>
+        </p:blipFill>
+        <p:spPr bwMode="auto">
+          <a:xfrm>
+            <a:off x="5156899" y="5185800"/>
+            <a:ext cx="1049174" cy="1049174"/>
+          </a:xfrm>
+          <a:prstGeom prst="rect">
+            <a:avLst/>
+          </a:prstGeom>
+          <a:noFill/>
+          <a:extLst>
+            <a:ext uri="{909E8E84-426E-40DD-AFC4-6F175D3DCCD1}">
+              <a14:hiddenFill xmlns:a14="http://schemas.microsoft.com/office/drawing/2010/main">
+                <a:solidFill>
+                  <a:srgbClr val="FFFFFF"/>
+                </a:solidFill>
+              </a14:hiddenFill>
+            </a:ext>
+          </a:extLst>
+        </p:spPr>
+      </p:pic>
+      <p:pic>
+        <p:nvPicPr>
+          <p:cNvPr id="9" name="Picture 2" descr="象のアイコン">
+            <a:extLst>
+              <a:ext uri="{FF2B5EF4-FFF2-40B4-BE49-F238E27FC236}">
+                <a16:creationId xmlns:a16="http://schemas.microsoft.com/office/drawing/2014/main" id="{3D966F65-5E84-4677-A6DB-876167502115}"/>
+              </a:ext>
+            </a:extLst>
+          </p:cNvPr>
+          <p:cNvPicPr>
+            <a:picLocks noChangeAspect="1" noChangeArrowheads="1"/>
+          </p:cNvPicPr>
+          <p:nvPr/>
+        </p:nvPicPr>
+        <p:blipFill>
+          <a:blip r:embed="rId5">
+            <a:extLst>
+              <a:ext uri="{28A0092B-C50C-407E-A947-70E740481C1C}">
+                <a14:useLocalDpi xmlns:a14="http://schemas.microsoft.com/office/drawing/2010/main" val="0"/>
+              </a:ext>
+            </a:extLst>
+          </a:blip>
+          <a:srcRect/>
+          <a:stretch>
+            <a:fillRect/>
+          </a:stretch>
+        </p:blipFill>
+        <p:spPr bwMode="auto">
+          <a:xfrm>
+            <a:off x="4105557" y="5177933"/>
+            <a:ext cx="1049174" cy="1049174"/>
+          </a:xfrm>
+          <a:prstGeom prst="rect">
+            <a:avLst/>
+          </a:prstGeom>
+          <a:noFill/>
+          <a:extLst>
+            <a:ext uri="{909E8E84-426E-40DD-AFC4-6F175D3DCCD1}">
+              <a14:hiddenFill xmlns:a14="http://schemas.microsoft.com/office/drawing/2010/main">
+                <a:solidFill>
+                  <a:srgbClr val="FFFFFF"/>
+                </a:solidFill>
+              </a14:hiddenFill>
+            </a:ext>
+          </a:extLst>
+        </p:spPr>
+      </p:pic>
+      <p:pic>
+        <p:nvPicPr>
+          <p:cNvPr id="10" name="Picture 2" descr="男性の顔アイコン 4">
+            <a:extLst>
+              <a:ext uri="{FF2B5EF4-FFF2-40B4-BE49-F238E27FC236}">
+                <a16:creationId xmlns:a16="http://schemas.microsoft.com/office/drawing/2014/main" id="{BAE5ECB1-E302-4C09-A5D9-110739864853}"/>
+              </a:ext>
+            </a:extLst>
+          </p:cNvPr>
+          <p:cNvPicPr>
+            <a:picLocks noChangeAspect="1" noChangeArrowheads="1"/>
+          </p:cNvPicPr>
+          <p:nvPr/>
+        </p:nvPicPr>
+        <p:blipFill>
+          <a:blip r:embed="rId6">
+            <a:extLst>
+              <a:ext uri="{28A0092B-C50C-407E-A947-70E740481C1C}">
+                <a14:useLocalDpi xmlns:a14="http://schemas.microsoft.com/office/drawing/2010/main" val="0"/>
+              </a:ext>
+            </a:extLst>
+          </a:blip>
+          <a:srcRect/>
+          <a:stretch>
+            <a:fillRect/>
+          </a:stretch>
+        </p:blipFill>
+        <p:spPr bwMode="auto">
+          <a:xfrm>
+            <a:off x="3055300" y="5185801"/>
+            <a:ext cx="1049173" cy="1049173"/>
+          </a:xfrm>
+          <a:prstGeom prst="rect">
+            <a:avLst/>
+          </a:prstGeom>
+          <a:noFill/>
+          <a:extLst>
+            <a:ext uri="{909E8E84-426E-40DD-AFC4-6F175D3DCCD1}">
+              <a14:hiddenFill xmlns:a14="http://schemas.microsoft.com/office/drawing/2010/main">
+                <a:solidFill>
+                  <a:srgbClr val="FFFFFF"/>
+                </a:solidFill>
+              </a14:hiddenFill>
+            </a:ext>
+          </a:extLst>
+        </p:spPr>
+      </p:pic>
+      <p:sp>
+        <p:nvSpPr>
+          <p:cNvPr id="4" name="吹き出し: 四角形 3">
+            <a:extLst>
+              <a:ext uri="{FF2B5EF4-FFF2-40B4-BE49-F238E27FC236}">
+                <a16:creationId xmlns:a16="http://schemas.microsoft.com/office/drawing/2014/main" id="{29FDFB14-991F-47DD-AE08-1441620C9A2C}"/>
+              </a:ext>
+            </a:extLst>
+          </p:cNvPr>
+          <p:cNvSpPr/>
+          <p:nvPr/>
+        </p:nvSpPr>
+        <p:spPr>
+          <a:xfrm>
+            <a:off x="1022537" y="1462882"/>
+            <a:ext cx="10331263" cy="3008125"/>
+          </a:xfrm>
+          <a:prstGeom prst="wedgeRectCallout">
+            <a:avLst>
+              <a:gd name="adj1" fmla="val -4603"/>
+              <a:gd name="adj2" fmla="val 68640"/>
+            </a:avLst>
+          </a:prstGeom>
         </p:spPr>
         <p:style>
-          <a:lnRef idx="0">
-            <a:scrgbClr r="0" g="0" b="0"/>
+          <a:lnRef idx="2">
+            <a:schemeClr val="accent6"/>
           </a:lnRef>
-          <a:fillRef idx="0">
-            <a:scrgbClr r="0" g="0" b="0"/>
+          <a:fillRef idx="1">
+            <a:schemeClr val="lt1"/>
           </a:fillRef>
           <a:effectRef idx="0">
-            <a:scrgbClr r="0" g="0" b="0"/>
+            <a:schemeClr val="accent6"/>
           </a:effectRef>
           <a:fontRef idx="minor">
-            <a:schemeClr val="lt1"/>
+            <a:schemeClr val="dk1"/>
           </a:fontRef>
         </p:style>
         <p:txBody>
@@ -7357,667 +8330,113 @@
           <a:lstStyle/>
           <a:p>
             <a:pPr algn="ctr"/>
-            <a:endParaRPr kumimoji="1" lang="ja-JP" altLang="en-US" dirty="0"/>
-          </a:p>
-        </p:txBody>
-      </p:sp>
-      <p:sp>
-        <p:nvSpPr>
-          <p:cNvPr id="7" name="正方形/長方形 6">
-            <a:extLst>
-              <a:ext uri="{FF2B5EF4-FFF2-40B4-BE49-F238E27FC236}">
-                <a16:creationId xmlns:a16="http://schemas.microsoft.com/office/drawing/2014/main" id="{F7D94850-D30A-46DE-963E-3E27A1176F85}"/>
-              </a:ext>
-            </a:extLst>
-          </p:cNvPr>
-          <p:cNvSpPr/>
-          <p:nvPr/>
-        </p:nvSpPr>
-        <p:spPr>
-          <a:xfrm>
-            <a:off x="1028700" y="1526382"/>
-            <a:ext cx="2047875" cy="590550"/>
-          </a:xfrm>
-          <a:prstGeom prst="rect">
-            <a:avLst/>
-          </a:prstGeom>
-          <a:solidFill>
-            <a:schemeClr val="accent6">
-              <a:lumMod val="50000"/>
-            </a:schemeClr>
-          </a:solidFill>
-          <a:ln>
-            <a:noFill/>
-          </a:ln>
-        </p:spPr>
-        <p:style>
-          <a:lnRef idx="2">
-            <a:schemeClr val="accent1">
-              <a:shade val="50000"/>
-            </a:schemeClr>
-          </a:lnRef>
-          <a:fillRef idx="1">
-            <a:schemeClr val="accent1"/>
-          </a:fillRef>
-          <a:effectRef idx="0">
-            <a:schemeClr val="accent1"/>
-          </a:effectRef>
-          <a:fontRef idx="minor">
-            <a:schemeClr val="lt1"/>
-          </a:fontRef>
-        </p:style>
-        <p:txBody>
-          <a:bodyPr rtlCol="0" anchor="ctr"/>
-          <a:lstStyle/>
-          <a:p>
-            <a:pPr algn="ctr"/>
-            <a:r>
-              <a:rPr kumimoji="1" lang="ja-JP" altLang="en-US" dirty="0">
-                <a:latin typeface="HG丸ｺﾞｼｯｸM-PRO" panose="020F0600000000000000" pitchFamily="50" charset="-128"/>
-                <a:ea typeface="HG丸ｺﾞｼｯｸM-PRO" panose="020F0600000000000000" pitchFamily="50" charset="-128"/>
-              </a:rPr>
-              <a:t>課題</a:t>
-            </a:r>
-          </a:p>
-        </p:txBody>
-      </p:sp>
-      <p:sp>
-        <p:nvSpPr>
-          <p:cNvPr id="8" name="正方形/長方形 7">
-            <a:extLst>
-              <a:ext uri="{FF2B5EF4-FFF2-40B4-BE49-F238E27FC236}">
-                <a16:creationId xmlns:a16="http://schemas.microsoft.com/office/drawing/2014/main" id="{1578B148-9785-44DB-865A-790049504A0E}"/>
-              </a:ext>
-            </a:extLst>
-          </p:cNvPr>
-          <p:cNvSpPr/>
-          <p:nvPr/>
-        </p:nvSpPr>
-        <p:spPr>
-          <a:xfrm>
-            <a:off x="1028700" y="3273425"/>
-            <a:ext cx="10239375" cy="1443038"/>
-          </a:xfrm>
-          <a:prstGeom prst="rect">
-            <a:avLst/>
-          </a:prstGeom>
-          <a:solidFill>
-            <a:schemeClr val="accent6">
-              <a:alpha val="50000"/>
-            </a:schemeClr>
-          </a:solidFill>
-          <a:ln>
-            <a:noFill/>
-          </a:ln>
-        </p:spPr>
-        <p:style>
-          <a:lnRef idx="0">
-            <a:scrgbClr r="0" g="0" b="0"/>
-          </a:lnRef>
-          <a:fillRef idx="0">
-            <a:scrgbClr r="0" g="0" b="0"/>
-          </a:fillRef>
-          <a:effectRef idx="0">
-            <a:scrgbClr r="0" g="0" b="0"/>
-          </a:effectRef>
-          <a:fontRef idx="minor">
-            <a:schemeClr val="lt1"/>
-          </a:fontRef>
-        </p:style>
-        <p:txBody>
-          <a:bodyPr rtlCol="0" anchor="ctr"/>
-          <a:lstStyle/>
-          <a:p>
-            <a:pPr algn="ctr"/>
-            <a:endParaRPr kumimoji="1" lang="ja-JP" altLang="en-US"/>
-          </a:p>
-        </p:txBody>
-      </p:sp>
-      <p:sp>
-        <p:nvSpPr>
-          <p:cNvPr id="9" name="正方形/長方形 8">
-            <a:extLst>
-              <a:ext uri="{FF2B5EF4-FFF2-40B4-BE49-F238E27FC236}">
-                <a16:creationId xmlns:a16="http://schemas.microsoft.com/office/drawing/2014/main" id="{B8FB5A1D-64FB-4636-953B-CF40EFE96E8E}"/>
-              </a:ext>
-            </a:extLst>
-          </p:cNvPr>
-          <p:cNvSpPr/>
-          <p:nvPr/>
-        </p:nvSpPr>
-        <p:spPr>
-          <a:xfrm>
-            <a:off x="1028700" y="3273425"/>
-            <a:ext cx="2047875" cy="590550"/>
-          </a:xfrm>
-          <a:prstGeom prst="rect">
-            <a:avLst/>
-          </a:prstGeom>
-          <a:solidFill>
-            <a:schemeClr val="accent6">
-              <a:lumMod val="50000"/>
-            </a:schemeClr>
-          </a:solidFill>
-          <a:ln>
-            <a:noFill/>
-          </a:ln>
-        </p:spPr>
-        <p:style>
-          <a:lnRef idx="2">
-            <a:schemeClr val="accent1">
-              <a:shade val="50000"/>
-            </a:schemeClr>
-          </a:lnRef>
-          <a:fillRef idx="1">
-            <a:schemeClr val="accent1"/>
-          </a:fillRef>
-          <a:effectRef idx="0">
-            <a:schemeClr val="accent1"/>
-          </a:effectRef>
-          <a:fontRef idx="minor">
-            <a:schemeClr val="lt1"/>
-          </a:fontRef>
-        </p:style>
-        <p:txBody>
-          <a:bodyPr rtlCol="0" anchor="ctr"/>
-          <a:lstStyle/>
-          <a:p>
-            <a:pPr algn="ctr"/>
-            <a:r>
-              <a:rPr lang="ja-JP" altLang="en-US" dirty="0">
-                <a:latin typeface="HG丸ｺﾞｼｯｸM-PRO" panose="020F0600000000000000" pitchFamily="50" charset="-128"/>
-                <a:ea typeface="HG丸ｺﾞｼｯｸM-PRO" panose="020F0600000000000000" pitchFamily="50" charset="-128"/>
-              </a:rPr>
-              <a:t>システム概要</a:t>
-            </a:r>
-            <a:endParaRPr kumimoji="1" lang="ja-JP" altLang="en-US" dirty="0">
+            <a:r>
+              <a:rPr kumimoji="1" lang="ja-JP" altLang="en-US" sz="2200" dirty="0">
+                <a:latin typeface="HG丸ｺﾞｼｯｸM-PRO" panose="020F0600000000000000" pitchFamily="50" charset="-128"/>
+                <a:ea typeface="HG丸ｺﾞｼｯｸM-PRO" panose="020F0600000000000000" pitchFamily="50" charset="-128"/>
+              </a:rPr>
+              <a:t>今回の開発演習に当たり、講師である樋口先生、冨原先生を始め、より円滑に作業が進むよう尽力してくださった</a:t>
+            </a:r>
+            <a:r>
+              <a:rPr kumimoji="1" lang="en-US" altLang="ja-JP" sz="2200" dirty="0">
+                <a:latin typeface="HG丸ｺﾞｼｯｸM-PRO" panose="020F0600000000000000" pitchFamily="50" charset="-128"/>
+                <a:ea typeface="HG丸ｺﾞｼｯｸM-PRO" panose="020F0600000000000000" pitchFamily="50" charset="-128"/>
+              </a:rPr>
+              <a:t>SE</a:t>
+            </a:r>
+            <a:r>
+              <a:rPr kumimoji="1" lang="ja-JP" altLang="en-US" sz="2200" dirty="0">
+                <a:latin typeface="HG丸ｺﾞｼｯｸM-PRO" panose="020F0600000000000000" pitchFamily="50" charset="-128"/>
+                <a:ea typeface="HG丸ｺﾞｼｯｸM-PRO" panose="020F0600000000000000" pitchFamily="50" charset="-128"/>
+              </a:rPr>
+              <a:t>プラスの社員の皆様には、温かいご支援・ご鞭撻を受け賜りました。</a:t>
+            </a:r>
+            <a:endParaRPr kumimoji="1" lang="en-US" altLang="ja-JP" sz="2200" dirty="0">
               <a:latin typeface="HG丸ｺﾞｼｯｸM-PRO" panose="020F0600000000000000" pitchFamily="50" charset="-128"/>
               <a:ea typeface="HG丸ｺﾞｼｯｸM-PRO" panose="020F0600000000000000" pitchFamily="50" charset="-128"/>
             </a:endParaRPr>
           </a:p>
-        </p:txBody>
-      </p:sp>
-      <p:sp>
-        <p:nvSpPr>
-          <p:cNvPr id="10" name="正方形/長方形 9">
-            <a:extLst>
-              <a:ext uri="{FF2B5EF4-FFF2-40B4-BE49-F238E27FC236}">
-                <a16:creationId xmlns:a16="http://schemas.microsoft.com/office/drawing/2014/main" id="{9E10B85D-65A5-4B14-913A-3F720D80B97F}"/>
-              </a:ext>
-            </a:extLst>
-          </p:cNvPr>
-          <p:cNvSpPr/>
-          <p:nvPr/>
-        </p:nvSpPr>
-        <p:spPr>
-          <a:xfrm>
-            <a:off x="1028701" y="5015707"/>
-            <a:ext cx="10239374" cy="1356518"/>
-          </a:xfrm>
-          <a:prstGeom prst="rect">
-            <a:avLst/>
-          </a:prstGeom>
-          <a:solidFill>
-            <a:schemeClr val="accent6">
-              <a:alpha val="50000"/>
-            </a:schemeClr>
-          </a:solidFill>
-          <a:ln>
-            <a:noFill/>
-          </a:ln>
-        </p:spPr>
-        <p:style>
-          <a:lnRef idx="0">
-            <a:scrgbClr r="0" g="0" b="0"/>
-          </a:lnRef>
-          <a:fillRef idx="0">
-            <a:scrgbClr r="0" g="0" b="0"/>
-          </a:fillRef>
-          <a:effectRef idx="0">
-            <a:scrgbClr r="0" g="0" b="0"/>
-          </a:effectRef>
-          <a:fontRef idx="minor">
-            <a:schemeClr val="lt1"/>
-          </a:fontRef>
-        </p:style>
-        <p:txBody>
-          <a:bodyPr rtlCol="0" anchor="ctr"/>
-          <a:lstStyle/>
           <a:p>
             <a:pPr algn="ctr"/>
-            <a:endParaRPr kumimoji="1" lang="ja-JP" altLang="en-US"/>
-          </a:p>
-        </p:txBody>
-      </p:sp>
-      <p:sp>
-        <p:nvSpPr>
-          <p:cNvPr id="11" name="正方形/長方形 10">
-            <a:extLst>
-              <a:ext uri="{FF2B5EF4-FFF2-40B4-BE49-F238E27FC236}">
-                <a16:creationId xmlns:a16="http://schemas.microsoft.com/office/drawing/2014/main" id="{D334AF6B-22AB-46B4-906D-CB9E9C847E50}"/>
-              </a:ext>
-            </a:extLst>
-          </p:cNvPr>
-          <p:cNvSpPr/>
-          <p:nvPr/>
-        </p:nvSpPr>
-        <p:spPr>
-          <a:xfrm>
-            <a:off x="1028700" y="5013325"/>
-            <a:ext cx="2047875" cy="590550"/>
-          </a:xfrm>
-          <a:prstGeom prst="rect">
-            <a:avLst/>
-          </a:prstGeom>
-          <a:solidFill>
-            <a:schemeClr val="accent6">
-              <a:lumMod val="50000"/>
-            </a:schemeClr>
-          </a:solidFill>
-          <a:ln>
-            <a:noFill/>
-          </a:ln>
-        </p:spPr>
-        <p:style>
-          <a:lnRef idx="2">
-            <a:schemeClr val="accent1">
-              <a:shade val="50000"/>
-            </a:schemeClr>
-          </a:lnRef>
-          <a:fillRef idx="1">
-            <a:schemeClr val="accent1"/>
-          </a:fillRef>
-          <a:effectRef idx="0">
-            <a:schemeClr val="accent1"/>
-          </a:effectRef>
-          <a:fontRef idx="minor">
-            <a:schemeClr val="lt1"/>
-          </a:fontRef>
-        </p:style>
-        <p:txBody>
-          <a:bodyPr rtlCol="0" anchor="ctr"/>
-          <a:lstStyle/>
-          <a:p>
-            <a:pPr algn="ctr"/>
-            <a:r>
-              <a:rPr lang="ja-JP" altLang="en-US" dirty="0">
-                <a:latin typeface="HG丸ｺﾞｼｯｸM-PRO" panose="020F0600000000000000" pitchFamily="50" charset="-128"/>
-                <a:ea typeface="HG丸ｺﾞｼｯｸM-PRO" panose="020F0600000000000000" pitchFamily="50" charset="-128"/>
-              </a:rPr>
-              <a:t>成果</a:t>
-            </a:r>
-            <a:endParaRPr kumimoji="1" lang="ja-JP" altLang="en-US" dirty="0">
+            <a:r>
+              <a:rPr lang="ja-JP" altLang="en-US" sz="2200" dirty="0">
+                <a:latin typeface="HG丸ｺﾞｼｯｸM-PRO" panose="020F0600000000000000" pitchFamily="50" charset="-128"/>
+                <a:ea typeface="HG丸ｺﾞｼｯｸM-PRO" panose="020F0600000000000000" pitchFamily="50" charset="-128"/>
+              </a:rPr>
+              <a:t>このような機会を設けてくださり、自分たちの成長を大いに感じられる研修となりました。</a:t>
+            </a:r>
+            <a:endParaRPr kumimoji="1" lang="en-US" altLang="ja-JP" sz="2200" dirty="0">
               <a:latin typeface="HG丸ｺﾞｼｯｸM-PRO" panose="020F0600000000000000" pitchFamily="50" charset="-128"/>
               <a:ea typeface="HG丸ｺﾞｼｯｸM-PRO" panose="020F0600000000000000" pitchFamily="50" charset="-128"/>
             </a:endParaRPr>
           </a:p>
-        </p:txBody>
-      </p:sp>
-      <p:sp>
-        <p:nvSpPr>
-          <p:cNvPr id="12" name="テキスト ボックス 11">
-            <a:extLst>
-              <a:ext uri="{FF2B5EF4-FFF2-40B4-BE49-F238E27FC236}">
-                <a16:creationId xmlns:a16="http://schemas.microsoft.com/office/drawing/2014/main" id="{4E02D010-5319-4C11-A31C-0A5ED06CB42E}"/>
-              </a:ext>
-            </a:extLst>
-          </p:cNvPr>
-          <p:cNvSpPr txBox="1"/>
-          <p:nvPr/>
-        </p:nvSpPr>
-        <p:spPr>
-          <a:xfrm>
-            <a:off x="3338513" y="1712879"/>
-            <a:ext cx="6296025" cy="1015663"/>
-          </a:xfrm>
-          <a:prstGeom prst="rect">
-            <a:avLst/>
-          </a:prstGeom>
-          <a:noFill/>
-        </p:spPr>
-        <p:txBody>
-          <a:bodyPr wrap="square" rtlCol="0">
-            <a:spAutoFit/>
-          </a:bodyPr>
-          <a:lstStyle/>
-          <a:p>
-            <a:r>
-              <a:rPr kumimoji="1" lang="ja-JP" altLang="en-US" sz="2000" dirty="0">
-                <a:latin typeface="HG丸ｺﾞｼｯｸM-PRO" panose="020F0600000000000000" pitchFamily="50" charset="-128"/>
-                <a:ea typeface="HG丸ｺﾞｼｯｸM-PRO" panose="020F0600000000000000" pitchFamily="50" charset="-128"/>
-              </a:rPr>
-              <a:t>・質問内容が管理されていない</a:t>
-            </a:r>
-            <a:endParaRPr kumimoji="1" lang="en-US" altLang="ja-JP" sz="2000" dirty="0">
+          <a:p>
+            <a:pPr algn="ctr"/>
+            <a:r>
+              <a:rPr lang="ja-JP" altLang="en-US" sz="2200" dirty="0">
+                <a:latin typeface="HG丸ｺﾞｼｯｸM-PRO" panose="020F0600000000000000" pitchFamily="50" charset="-128"/>
+                <a:ea typeface="HG丸ｺﾞｼｯｸM-PRO" panose="020F0600000000000000" pitchFamily="50" charset="-128"/>
+              </a:rPr>
+              <a:t>非常に貴重な経験をさせていただき、有難うございました。</a:t>
+            </a:r>
+            <a:endParaRPr kumimoji="1" lang="ja-JP" altLang="en-US" sz="2200" dirty="0">
               <a:latin typeface="HG丸ｺﾞｼｯｸM-PRO" panose="020F0600000000000000" pitchFamily="50" charset="-128"/>
               <a:ea typeface="HG丸ｺﾞｼｯｸM-PRO" panose="020F0600000000000000" pitchFamily="50" charset="-128"/>
             </a:endParaRPr>
           </a:p>
-          <a:p>
-            <a:r>
-              <a:rPr lang="ja-JP" altLang="en-US" sz="2000" dirty="0">
-                <a:latin typeface="HG丸ｺﾞｼｯｸM-PRO" panose="020F0600000000000000" pitchFamily="50" charset="-128"/>
-                <a:ea typeface="HG丸ｺﾞｼｯｸM-PRO" panose="020F0600000000000000" pitchFamily="50" charset="-128"/>
-              </a:rPr>
-              <a:t>・</a:t>
-            </a:r>
-            <a:r>
-              <a:rPr lang="en-US" altLang="ja-JP" sz="2000" dirty="0">
-                <a:latin typeface="HG丸ｺﾞｼｯｸM-PRO" panose="020F0600000000000000" pitchFamily="50" charset="-128"/>
-                <a:ea typeface="HG丸ｺﾞｼｯｸM-PRO" panose="020F0600000000000000" pitchFamily="50" charset="-128"/>
-              </a:rPr>
-              <a:t>slack</a:t>
-            </a:r>
-            <a:r>
-              <a:rPr lang="ja-JP" altLang="en-US" sz="2000" dirty="0">
-                <a:latin typeface="HG丸ｺﾞｼｯｸM-PRO" panose="020F0600000000000000" pitchFamily="50" charset="-128"/>
-                <a:ea typeface="HG丸ｺﾞｼｯｸM-PRO" panose="020F0600000000000000" pitchFamily="50" charset="-128"/>
-              </a:rPr>
-              <a:t>の質問チャンネルで質問する人が少ない</a:t>
-            </a:r>
-            <a:endParaRPr lang="en-US" altLang="ja-JP" sz="2000" dirty="0">
-              <a:latin typeface="HG丸ｺﾞｼｯｸM-PRO" panose="020F0600000000000000" pitchFamily="50" charset="-128"/>
-              <a:ea typeface="HG丸ｺﾞｼｯｸM-PRO" panose="020F0600000000000000" pitchFamily="50" charset="-128"/>
-            </a:endParaRPr>
-          </a:p>
-          <a:p>
-            <a:r>
-              <a:rPr kumimoji="1" lang="ja-JP" altLang="en-US" sz="2000" dirty="0">
-                <a:latin typeface="HG丸ｺﾞｼｯｸM-PRO" panose="020F0600000000000000" pitchFamily="50" charset="-128"/>
-                <a:ea typeface="HG丸ｺﾞｼｯｸM-PRO" panose="020F0600000000000000" pitchFamily="50" charset="-128"/>
-              </a:rPr>
-              <a:t>・質問の情報共有がしにくい</a:t>
-            </a:r>
-          </a:p>
-        </p:txBody>
-      </p:sp>
-      <p:sp>
-        <p:nvSpPr>
-          <p:cNvPr id="13" name="テキスト ボックス 12">
-            <a:extLst>
-              <a:ext uri="{FF2B5EF4-FFF2-40B4-BE49-F238E27FC236}">
-                <a16:creationId xmlns:a16="http://schemas.microsoft.com/office/drawing/2014/main" id="{D8A7D13B-CB97-4DD2-9392-ABD02532099F}"/>
-              </a:ext>
-            </a:extLst>
-          </p:cNvPr>
-          <p:cNvSpPr txBox="1"/>
-          <p:nvPr/>
-        </p:nvSpPr>
-        <p:spPr>
-          <a:xfrm>
-            <a:off x="3338512" y="5186134"/>
-            <a:ext cx="7672387" cy="1015663"/>
-          </a:xfrm>
-          <a:prstGeom prst="rect">
-            <a:avLst/>
-          </a:prstGeom>
-          <a:noFill/>
-        </p:spPr>
-        <p:txBody>
-          <a:bodyPr wrap="square" rtlCol="0">
-            <a:spAutoFit/>
-          </a:bodyPr>
-          <a:lstStyle/>
-          <a:p>
-            <a:r>
-              <a:rPr kumimoji="1" lang="ja-JP" altLang="en-US" sz="2000" dirty="0">
-                <a:latin typeface="HG丸ｺﾞｼｯｸM-PRO" panose="020F0600000000000000" pitchFamily="50" charset="-128"/>
-                <a:ea typeface="HG丸ｺﾞｼｯｸM-PRO" panose="020F0600000000000000" pitchFamily="50" charset="-128"/>
-              </a:rPr>
-              <a:t>・受講生、講師、事務局の三者からメリットが得られるシステムを開発することができた</a:t>
-            </a:r>
-            <a:endParaRPr kumimoji="1" lang="en-US" altLang="ja-JP" sz="2000" dirty="0">
-              <a:latin typeface="HG丸ｺﾞｼｯｸM-PRO" panose="020F0600000000000000" pitchFamily="50" charset="-128"/>
-              <a:ea typeface="HG丸ｺﾞｼｯｸM-PRO" panose="020F0600000000000000" pitchFamily="50" charset="-128"/>
-            </a:endParaRPr>
-          </a:p>
-          <a:p>
-            <a:r>
-              <a:rPr lang="ja-JP" altLang="en-US" sz="2000" dirty="0">
-                <a:latin typeface="HG丸ｺﾞｼｯｸM-PRO" panose="020F0600000000000000" pitchFamily="50" charset="-128"/>
-                <a:ea typeface="HG丸ｺﾞｼｯｸM-PRO" panose="020F0600000000000000" pitchFamily="50" charset="-128"/>
-              </a:rPr>
-              <a:t>・個々の理解度を向上させることができた</a:t>
-            </a:r>
-            <a:endParaRPr kumimoji="1" lang="ja-JP" altLang="en-US" sz="2000" dirty="0">
-              <a:latin typeface="HG丸ｺﾞｼｯｸM-PRO" panose="020F0600000000000000" pitchFamily="50" charset="-128"/>
-              <a:ea typeface="HG丸ｺﾞｼｯｸM-PRO" panose="020F0600000000000000" pitchFamily="50" charset="-128"/>
-            </a:endParaRPr>
-          </a:p>
-        </p:txBody>
-      </p:sp>
-      <p:sp>
-        <p:nvSpPr>
-          <p:cNvPr id="14" name="テキスト ボックス 13">
-            <a:extLst>
-              <a:ext uri="{FF2B5EF4-FFF2-40B4-BE49-F238E27FC236}">
-                <a16:creationId xmlns:a16="http://schemas.microsoft.com/office/drawing/2014/main" id="{F5CA5E2F-79C2-473D-B539-A1C4220A85DC}"/>
-              </a:ext>
-            </a:extLst>
-          </p:cNvPr>
-          <p:cNvSpPr txBox="1"/>
-          <p:nvPr/>
-        </p:nvSpPr>
-        <p:spPr>
-          <a:xfrm>
-            <a:off x="3338512" y="3473957"/>
-            <a:ext cx="7672387" cy="1015663"/>
-          </a:xfrm>
-          <a:prstGeom prst="rect">
-            <a:avLst/>
-          </a:prstGeom>
-          <a:noFill/>
-        </p:spPr>
-        <p:txBody>
-          <a:bodyPr wrap="square" rtlCol="0">
-            <a:spAutoFit/>
-          </a:bodyPr>
-          <a:lstStyle/>
-          <a:p>
-            <a:r>
-              <a:rPr kumimoji="1" lang="ja-JP" altLang="en-US" sz="2000" dirty="0">
-                <a:latin typeface="HG丸ｺﾞｼｯｸM-PRO" panose="020F0600000000000000" pitchFamily="50" charset="-128"/>
-                <a:ea typeface="HG丸ｺﾞｼｯｸM-PRO" panose="020F0600000000000000" pitchFamily="50" charset="-128"/>
-              </a:rPr>
-              <a:t>・質問者は匿名性が得られる</a:t>
-            </a:r>
-            <a:endParaRPr kumimoji="1" lang="en-US" altLang="ja-JP" sz="2000" dirty="0">
-              <a:latin typeface="HG丸ｺﾞｼｯｸM-PRO" panose="020F0600000000000000" pitchFamily="50" charset="-128"/>
-              <a:ea typeface="HG丸ｺﾞｼｯｸM-PRO" panose="020F0600000000000000" pitchFamily="50" charset="-128"/>
-            </a:endParaRPr>
-          </a:p>
-          <a:p>
-            <a:r>
-              <a:rPr lang="ja-JP" altLang="en-US" sz="2000" dirty="0">
-                <a:latin typeface="HG丸ｺﾞｼｯｸM-PRO" panose="020F0600000000000000" pitchFamily="50" charset="-128"/>
-                <a:ea typeface="HG丸ｺﾞｼｯｸM-PRO" panose="020F0600000000000000" pitchFamily="50" charset="-128"/>
-              </a:rPr>
-              <a:t>・回答者はマイページ上で自分の担当クラスの質問の閲覧が可能</a:t>
-            </a:r>
-            <a:endParaRPr lang="en-US" altLang="ja-JP" sz="2000" dirty="0">
-              <a:latin typeface="HG丸ｺﾞｼｯｸM-PRO" panose="020F0600000000000000" pitchFamily="50" charset="-128"/>
-              <a:ea typeface="HG丸ｺﾞｼｯｸM-PRO" panose="020F0600000000000000" pitchFamily="50" charset="-128"/>
-            </a:endParaRPr>
-          </a:p>
-          <a:p>
-            <a:r>
-              <a:rPr kumimoji="1" lang="ja-JP" altLang="en-US" sz="2000" dirty="0">
-                <a:latin typeface="HG丸ｺﾞｼｯｸM-PRO" panose="020F0600000000000000" pitchFamily="50" charset="-128"/>
-                <a:ea typeface="HG丸ｺﾞｼｯｸM-PRO" panose="020F0600000000000000" pitchFamily="50" charset="-128"/>
-              </a:rPr>
-              <a:t>・過去の質問も蓄積されるので閲覧することが可能</a:t>
-            </a:r>
-          </a:p>
-        </p:txBody>
-      </p:sp>
-    </p:spTree>
-    <p:extLst>
-      <p:ext uri="{BB962C8B-B14F-4D97-AF65-F5344CB8AC3E}">
-        <p14:creationId xmlns:p14="http://schemas.microsoft.com/office/powerpoint/2010/main" val="4265543082"/>
-      </p:ext>
-    </p:extLst>
-  </p:cSld>
-  <p:clrMapOvr>
-    <a:masterClrMapping/>
-  </p:clrMapOvr>
-</p:sld>
-</file>
-
-<file path=ppt/slides/slide17.xml><?xml version="1.0" encoding="utf-8"?>
-<p:sld xmlns:a="http://schemas.openxmlformats.org/drawingml/2006/main" xmlns:r="http://schemas.openxmlformats.org/officeDocument/2006/relationships" xmlns:p="http://schemas.openxmlformats.org/presentationml/2006/main">
-  <p:cSld>
-    <p:spTree>
-      <p:nvGrpSpPr>
-        <p:cNvPr id="1" name=""/>
-        <p:cNvGrpSpPr/>
-        <p:nvPr/>
-      </p:nvGrpSpPr>
-      <p:grpSpPr>
-        <a:xfrm>
-          <a:off x="0" y="0"/>
-          <a:ext cx="0" cy="0"/>
-          <a:chOff x="0" y="0"/>
-          <a:chExt cx="0" cy="0"/>
-        </a:xfrm>
-      </p:grpSpPr>
-      <p:sp>
-        <p:nvSpPr>
-          <p:cNvPr id="3" name="コンテンツ プレースホルダー 2">
-            <a:extLst>
-              <a:ext uri="{FF2B5EF4-FFF2-40B4-BE49-F238E27FC236}">
-                <a16:creationId xmlns:a16="http://schemas.microsoft.com/office/drawing/2014/main" id="{C3F67336-AEF3-4088-9E02-583B7C424338}"/>
-              </a:ext>
-            </a:extLst>
-          </p:cNvPr>
-          <p:cNvSpPr>
-            <a:spLocks noGrp="1"/>
-          </p:cNvSpPr>
-          <p:nvPr>
-            <p:ph idx="1"/>
-          </p:nvPr>
-        </p:nvSpPr>
-        <p:spPr/>
-        <p:txBody>
-          <a:bodyPr/>
-          <a:lstStyle/>
-          <a:p>
-            <a:endParaRPr kumimoji="1" lang="ja-JP" altLang="en-US" dirty="0">
-              <a:latin typeface="HG丸ｺﾞｼｯｸM-PRO" panose="020F0600000000000000" pitchFamily="50" charset="-128"/>
-              <a:ea typeface="HG丸ｺﾞｼｯｸM-PRO" panose="020F0600000000000000" pitchFamily="50" charset="-128"/>
-            </a:endParaRPr>
-          </a:p>
-        </p:txBody>
-      </p:sp>
-      <p:sp>
-        <p:nvSpPr>
-          <p:cNvPr id="2" name="タイトル 1">
-            <a:extLst>
-              <a:ext uri="{FF2B5EF4-FFF2-40B4-BE49-F238E27FC236}">
-                <a16:creationId xmlns:a16="http://schemas.microsoft.com/office/drawing/2014/main" id="{0E0052EA-F9A7-41FB-BA0C-317EFE23BF4C}"/>
-              </a:ext>
-            </a:extLst>
-          </p:cNvPr>
-          <p:cNvSpPr>
-            <a:spLocks noGrp="1"/>
-          </p:cNvSpPr>
-          <p:nvPr>
-            <p:ph type="title"/>
-          </p:nvPr>
-        </p:nvSpPr>
-        <p:spPr>
-          <a:xfrm>
-            <a:off x="838200" y="515144"/>
-            <a:ext cx="9744076" cy="947738"/>
-          </a:xfrm>
-          <a:solidFill>
-            <a:schemeClr val="bg1"/>
-          </a:solidFill>
-        </p:spPr>
-        <p:txBody>
-          <a:bodyPr>
-            <a:normAutofit/>
-          </a:bodyPr>
-          <a:lstStyle/>
-          <a:p>
-            <a:r>
-              <a:rPr kumimoji="1" lang="ja-JP" altLang="en-US" sz="4000" dirty="0">
-                <a:latin typeface="HG丸ｺﾞｼｯｸM-PRO" panose="020F0600000000000000" pitchFamily="50" charset="-128"/>
-                <a:ea typeface="HG丸ｺﾞｼｯｸM-PRO" panose="020F0600000000000000" pitchFamily="50" charset="-128"/>
-              </a:rPr>
-              <a:t>謝辞</a:t>
-            </a:r>
-          </a:p>
-        </p:txBody>
-      </p:sp>
-      <p:sp>
-        <p:nvSpPr>
-          <p:cNvPr id="5" name="フレーム 4">
-            <a:extLst>
-              <a:ext uri="{FF2B5EF4-FFF2-40B4-BE49-F238E27FC236}">
-                <a16:creationId xmlns:a16="http://schemas.microsoft.com/office/drawing/2014/main" id="{89E3D982-A656-422E-A1A8-6C9532BC15FE}"/>
-              </a:ext>
-            </a:extLst>
-          </p:cNvPr>
-          <p:cNvSpPr/>
-          <p:nvPr/>
-        </p:nvSpPr>
-        <p:spPr>
-          <a:xfrm>
-            <a:off x="0" y="1"/>
-            <a:ext cx="12192000" cy="6858000"/>
-          </a:xfrm>
-          <a:prstGeom prst="frame">
-            <a:avLst>
-              <a:gd name="adj1" fmla="val 4395"/>
-            </a:avLst>
-          </a:prstGeom>
-          <a:solidFill>
-            <a:schemeClr val="accent4">
-              <a:lumMod val="60000"/>
-              <a:lumOff val="40000"/>
-            </a:schemeClr>
-          </a:solidFill>
-          <a:ln>
-            <a:noFill/>
-          </a:ln>
-          <a:effectLst>
-            <a:glow rad="63500">
-              <a:schemeClr val="accent4">
-                <a:satMod val="175000"/>
-                <a:alpha val="40000"/>
-              </a:schemeClr>
-            </a:glow>
-          </a:effectLst>
-        </p:spPr>
-        <p:style>
-          <a:lnRef idx="2">
-            <a:schemeClr val="accent1">
-              <a:shade val="50000"/>
-            </a:schemeClr>
-          </a:lnRef>
-          <a:fillRef idx="1">
-            <a:schemeClr val="accent1"/>
-          </a:fillRef>
-          <a:effectRef idx="0">
-            <a:schemeClr val="accent1"/>
-          </a:effectRef>
-          <a:fontRef idx="minor">
-            <a:schemeClr val="lt1"/>
-          </a:fontRef>
-        </p:style>
-        <p:txBody>
-          <a:bodyPr rtlCol="0" anchor="ctr"/>
-          <a:lstStyle/>
-          <a:p>
-            <a:pPr algn="ctr"/>
-            <a:endParaRPr kumimoji="1" lang="ja-JP" altLang="en-US">
-              <a:solidFill>
-                <a:schemeClr val="tx1"/>
-              </a:solidFill>
-            </a:endParaRPr>
-          </a:p>
-        </p:txBody>
-      </p:sp>
+        </p:txBody>
+      </p:sp>
+      <mc:AlternateContent xmlns:mc="http://schemas.openxmlformats.org/markup-compatibility/2006">
+        <mc:Choice xmlns:p14="http://schemas.microsoft.com/office/powerpoint/2010/main" Requires="p14">
+          <p:contentPart p14:bwMode="auto" r:id="rId7">
+            <p14:nvContentPartPr>
+              <p14:cNvPr id="3" name="インク 2">
+                <a:extLst>
+                  <a:ext uri="{FF2B5EF4-FFF2-40B4-BE49-F238E27FC236}">
+                    <a16:creationId xmlns:a16="http://schemas.microsoft.com/office/drawing/2014/main" id="{6D4F5030-7E22-4797-B1B3-05D5F9736EFF}"/>
+                  </a:ext>
+                </a:extLst>
+              </p14:cNvPr>
+              <p14:cNvContentPartPr/>
+              <p14:nvPr/>
+            </p14:nvContentPartPr>
+            <p14:xfrm>
+              <a:off x="1048341" y="1012129"/>
+              <a:ext cx="860760" cy="19080"/>
+            </p14:xfrm>
+          </p:contentPart>
+        </mc:Choice>
+        <mc:Fallback>
+          <p:pic>
+            <p:nvPicPr>
+              <p:cNvPr id="3" name="インク 2">
+                <a:extLst>
+                  <a:ext uri="{FF2B5EF4-FFF2-40B4-BE49-F238E27FC236}">
+                    <a16:creationId xmlns:a16="http://schemas.microsoft.com/office/drawing/2014/main" id="{6D4F5030-7E22-4797-B1B3-05D5F9736EFF}"/>
+                  </a:ext>
+                </a:extLst>
+              </p:cNvPr>
+              <p:cNvPicPr/>
+              <p:nvPr/>
+            </p:nvPicPr>
+            <p:blipFill>
+              <a:blip r:embed="rId8"/>
+              <a:stretch>
+                <a:fillRect/>
+              </a:stretch>
+            </p:blipFill>
+            <p:spPr>
+              <a:xfrm>
+                <a:off x="958341" y="832489"/>
+                <a:ext cx="1040400" cy="378720"/>
+              </a:xfrm>
+              <a:prstGeom prst="rect">
+                <a:avLst/>
+              </a:prstGeom>
+            </p:spPr>
+          </p:pic>
+        </mc:Fallback>
+      </mc:AlternateContent>
     </p:spTree>
     <p:extLst>
       <p:ext uri="{BB962C8B-B14F-4D97-AF65-F5344CB8AC3E}">
@@ -8232,19 +8651,29 @@
               <a:gd name="adj1" fmla="val 2265"/>
             </a:avLst>
           </a:prstGeom>
+          <a:noFill/>
+          <a:ln w="9525" cap="flat" cmpd="sng" algn="ctr">
+            <a:solidFill>
+              <a:schemeClr val="accent6"/>
+            </a:solidFill>
+            <a:prstDash val="solid"/>
+            <a:round/>
+            <a:headEnd type="none" w="med" len="med"/>
+            <a:tailEnd type="none" w="med" len="med"/>
+          </a:ln>
         </p:spPr>
         <p:style>
-          <a:lnRef idx="2">
-            <a:schemeClr val="accent2"/>
+          <a:lnRef idx="0">
+            <a:scrgbClr r="0" g="0" b="0"/>
           </a:lnRef>
-          <a:fillRef idx="1">
-            <a:schemeClr val="lt1"/>
+          <a:fillRef idx="0">
+            <a:scrgbClr r="0" g="0" b="0"/>
           </a:fillRef>
           <a:effectRef idx="0">
-            <a:schemeClr val="accent2"/>
+            <a:scrgbClr r="0" g="0" b="0"/>
           </a:effectRef>
           <a:fontRef idx="minor">
-            <a:schemeClr val="dk1"/>
+            <a:schemeClr val="accent6"/>
           </a:fontRef>
         </p:style>
         <p:txBody>
@@ -8540,19 +8969,29 @@
               <a:gd name="adj1" fmla="val 2265"/>
             </a:avLst>
           </a:prstGeom>
+          <a:noFill/>
+          <a:ln w="9525" cap="flat" cmpd="sng" algn="ctr">
+            <a:solidFill>
+              <a:schemeClr val="accent6"/>
+            </a:solidFill>
+            <a:prstDash val="solid"/>
+            <a:round/>
+            <a:headEnd type="none" w="med" len="med"/>
+            <a:tailEnd type="none" w="med" len="med"/>
+          </a:ln>
         </p:spPr>
         <p:style>
-          <a:lnRef idx="2">
-            <a:schemeClr val="accent2"/>
+          <a:lnRef idx="0">
+            <a:scrgbClr r="0" g="0" b="0"/>
           </a:lnRef>
-          <a:fillRef idx="1">
-            <a:schemeClr val="lt1"/>
+          <a:fillRef idx="0">
+            <a:scrgbClr r="0" g="0" b="0"/>
           </a:fillRef>
           <a:effectRef idx="0">
-            <a:schemeClr val="accent2"/>
+            <a:scrgbClr r="0" g="0" b="0"/>
           </a:effectRef>
           <a:fontRef idx="minor">
-            <a:schemeClr val="dk1"/>
+            <a:schemeClr val="accent6"/>
           </a:fontRef>
         </p:style>
         <p:txBody>
@@ -8605,8 +9044,8 @@
           </a:p>
         </p:txBody>
       </p:sp>
-      <mc:AlternateContent xmlns:mc="http://schemas.openxmlformats.org/markup-compatibility/2006">
-        <mc:Choice xmlns:p14="http://schemas.microsoft.com/office/powerpoint/2010/main" Requires="p14">
+      <mc:AlternateContent xmlns:mc="http://schemas.openxmlformats.org/markup-compatibility/2006" xmlns:p14="http://schemas.microsoft.com/office/powerpoint/2010/main">
+        <mc:Choice Requires="p14">
           <p:contentPart p14:bwMode="auto" r:id="rId2">
             <p14:nvContentPartPr>
               <p14:cNvPr id="35" name="インク 34">
@@ -8625,7 +9064,7 @@
             </p14:xfrm>
           </p:contentPart>
         </mc:Choice>
-        <mc:Fallback>
+        <mc:Fallback xmlns="">
           <p:pic>
             <p:nvPicPr>
               <p:cNvPr id="35" name="インク 34">
@@ -8721,31 +9160,6 @@
       </p:sp>
       <p:sp>
         <p:nvSpPr>
-          <p:cNvPr id="3" name="コンテンツ プレースホルダー 2">
-            <a:extLst>
-              <a:ext uri="{FF2B5EF4-FFF2-40B4-BE49-F238E27FC236}">
-                <a16:creationId xmlns:a16="http://schemas.microsoft.com/office/drawing/2014/main" id="{C3F67336-AEF3-4088-9E02-583B7C424338}"/>
-              </a:ext>
-            </a:extLst>
-          </p:cNvPr>
-          <p:cNvSpPr>
-            <a:spLocks noGrp="1"/>
-          </p:cNvSpPr>
-          <p:nvPr>
-            <p:ph idx="1"/>
-          </p:nvPr>
-        </p:nvSpPr>
-        <p:spPr/>
-        <p:txBody>
-          <a:bodyPr/>
-          <a:lstStyle/>
-          <a:p>
-            <a:endParaRPr kumimoji="1" lang="ja-JP" altLang="en-US" dirty="0"/>
-          </a:p>
-        </p:txBody>
-      </p:sp>
-      <p:sp>
-        <p:nvSpPr>
           <p:cNvPr id="4" name="フレーム 3">
             <a:extLst>
               <a:ext uri="{FF2B5EF4-FFF2-40B4-BE49-F238E27FC236}">
@@ -8813,8 +9227,8 @@
           </a:p>
         </p:txBody>
       </p:sp>
-      <mc:AlternateContent xmlns:mc="http://schemas.openxmlformats.org/markup-compatibility/2006">
-        <mc:Choice xmlns:p14="http://schemas.microsoft.com/office/powerpoint/2010/main" Requires="p14">
+      <mc:AlternateContent xmlns:mc="http://schemas.openxmlformats.org/markup-compatibility/2006" xmlns:p14="http://schemas.microsoft.com/office/powerpoint/2010/main">
+        <mc:Choice Requires="p14">
           <p:contentPart p14:bwMode="auto" r:id="rId2">
             <p14:nvContentPartPr>
               <p14:cNvPr id="11" name="インク 10">
@@ -8833,7 +9247,7 @@
             </p14:xfrm>
           </p:contentPart>
         </mc:Choice>
-        <mc:Fallback>
+        <mc:Fallback xmlns="">
           <p:pic>
             <p:nvPicPr>
               <p:cNvPr id="11" name="インク 10">
@@ -8864,6 +9278,552 @@
           </p:pic>
         </mc:Fallback>
       </mc:AlternateContent>
+      <p:pic>
+        <p:nvPicPr>
+          <p:cNvPr id="6" name="Picture 6" descr="スーツを着た女性のイラスト（笑顔）">
+            <a:extLst>
+              <a:ext uri="{FF2B5EF4-FFF2-40B4-BE49-F238E27FC236}">
+                <a16:creationId xmlns:a16="http://schemas.microsoft.com/office/drawing/2014/main" id="{696C0A77-FD3E-4762-82B9-A500B71E68F0}"/>
+              </a:ext>
+            </a:extLst>
+          </p:cNvPr>
+          <p:cNvPicPr>
+            <a:picLocks noChangeAspect="1" noChangeArrowheads="1"/>
+          </p:cNvPicPr>
+          <p:nvPr/>
+        </p:nvPicPr>
+        <p:blipFill>
+          <a:blip r:embed="rId4">
+            <a:extLst>
+              <a:ext uri="{28A0092B-C50C-407E-A947-70E740481C1C}">
+                <a14:useLocalDpi xmlns:a14="http://schemas.microsoft.com/office/drawing/2010/main" val="0"/>
+              </a:ext>
+            </a:extLst>
+          </a:blip>
+          <a:srcRect/>
+          <a:stretch>
+            <a:fillRect/>
+          </a:stretch>
+        </p:blipFill>
+        <p:spPr bwMode="auto">
+          <a:xfrm>
+            <a:off x="724495" y="1836646"/>
+            <a:ext cx="759596" cy="1033463"/>
+          </a:xfrm>
+          <a:prstGeom prst="rect">
+            <a:avLst/>
+          </a:prstGeom>
+          <a:noFill/>
+          <a:extLst>
+            <a:ext uri="{909E8E84-426E-40DD-AFC4-6F175D3DCCD1}">
+              <a14:hiddenFill xmlns:a14="http://schemas.microsoft.com/office/drawing/2010/main">
+                <a:solidFill>
+                  <a:srgbClr val="FFFFFF"/>
+                </a:solidFill>
+              </a14:hiddenFill>
+            </a:ext>
+          </a:extLst>
+        </p:spPr>
+      </p:pic>
+      <p:pic>
+        <p:nvPicPr>
+          <p:cNvPr id="7" name="Picture 8" descr="スーツを着た男性のイラスト（笑顔）">
+            <a:extLst>
+              <a:ext uri="{FF2B5EF4-FFF2-40B4-BE49-F238E27FC236}">
+                <a16:creationId xmlns:a16="http://schemas.microsoft.com/office/drawing/2014/main" id="{F6F15919-54CD-45F6-86D2-37FBE2929268}"/>
+              </a:ext>
+            </a:extLst>
+          </p:cNvPr>
+          <p:cNvPicPr>
+            <a:picLocks noChangeAspect="1" noChangeArrowheads="1"/>
+          </p:cNvPicPr>
+          <p:nvPr/>
+        </p:nvPicPr>
+        <p:blipFill>
+          <a:blip r:embed="rId5">
+            <a:extLst>
+              <a:ext uri="{28A0092B-C50C-407E-A947-70E740481C1C}">
+                <a14:useLocalDpi xmlns:a14="http://schemas.microsoft.com/office/drawing/2010/main" val="0"/>
+              </a:ext>
+            </a:extLst>
+          </a:blip>
+          <a:srcRect/>
+          <a:stretch>
+            <a:fillRect/>
+          </a:stretch>
+        </p:blipFill>
+        <p:spPr bwMode="auto">
+          <a:xfrm>
+            <a:off x="1448990" y="1836646"/>
+            <a:ext cx="759596" cy="1033464"/>
+          </a:xfrm>
+          <a:prstGeom prst="rect">
+            <a:avLst/>
+          </a:prstGeom>
+          <a:noFill/>
+          <a:extLst>
+            <a:ext uri="{909E8E84-426E-40DD-AFC4-6F175D3DCCD1}">
+              <a14:hiddenFill xmlns:a14="http://schemas.microsoft.com/office/drawing/2010/main">
+                <a:solidFill>
+                  <a:srgbClr val="FFFFFF"/>
+                </a:solidFill>
+              </a14:hiddenFill>
+            </a:ext>
+          </a:extLst>
+        </p:spPr>
+      </p:pic>
+      <p:pic>
+        <p:nvPicPr>
+          <p:cNvPr id="8" name="Picture 2">
+            <a:extLst>
+              <a:ext uri="{FF2B5EF4-FFF2-40B4-BE49-F238E27FC236}">
+                <a16:creationId xmlns:a16="http://schemas.microsoft.com/office/drawing/2014/main" id="{14F05BB4-AA74-4DD1-B443-8FD0D7FF64DC}"/>
+              </a:ext>
+            </a:extLst>
+          </p:cNvPr>
+          <p:cNvPicPr>
+            <a:picLocks noChangeAspect="1" noChangeArrowheads="1"/>
+          </p:cNvPicPr>
+          <p:nvPr/>
+        </p:nvPicPr>
+        <p:blipFill>
+          <a:blip r:embed="rId6">
+            <a:extLst>
+              <a:ext uri="{28A0092B-C50C-407E-A947-70E740481C1C}">
+                <a14:useLocalDpi xmlns:a14="http://schemas.microsoft.com/office/drawing/2010/main" val="0"/>
+              </a:ext>
+            </a:extLst>
+          </a:blip>
+          <a:srcRect/>
+          <a:stretch>
+            <a:fillRect/>
+          </a:stretch>
+        </p:blipFill>
+        <p:spPr bwMode="auto">
+          <a:xfrm>
+            <a:off x="10433700" y="2697167"/>
+            <a:ext cx="920100" cy="921717"/>
+          </a:xfrm>
+          <a:prstGeom prst="rect">
+            <a:avLst/>
+          </a:prstGeom>
+          <a:noFill/>
+          <a:extLst>
+            <a:ext uri="{909E8E84-426E-40DD-AFC4-6F175D3DCCD1}">
+              <a14:hiddenFill xmlns:a14="http://schemas.microsoft.com/office/drawing/2010/main">
+                <a:solidFill>
+                  <a:srgbClr val="FFFFFF"/>
+                </a:solidFill>
+              </a14:hiddenFill>
+            </a:ext>
+          </a:extLst>
+        </p:spPr>
+      </p:pic>
+      <p:sp>
+        <p:nvSpPr>
+          <p:cNvPr id="9" name="テキスト ボックス 8">
+            <a:extLst>
+              <a:ext uri="{FF2B5EF4-FFF2-40B4-BE49-F238E27FC236}">
+                <a16:creationId xmlns:a16="http://schemas.microsoft.com/office/drawing/2014/main" id="{F3D586BF-0DE2-4E3F-B50F-2C8DA73A2ADE}"/>
+              </a:ext>
+            </a:extLst>
+          </p:cNvPr>
+          <p:cNvSpPr txBox="1"/>
+          <p:nvPr/>
+        </p:nvSpPr>
+        <p:spPr>
+          <a:xfrm>
+            <a:off x="10433700" y="2324978"/>
+            <a:ext cx="1268505" cy="369332"/>
+          </a:xfrm>
+          <a:prstGeom prst="rect">
+            <a:avLst/>
+          </a:prstGeom>
+          <a:noFill/>
+        </p:spPr>
+        <p:txBody>
+          <a:bodyPr wrap="square" rtlCol="0">
+            <a:spAutoFit/>
+          </a:bodyPr>
+          <a:lstStyle/>
+          <a:p>
+            <a:r>
+              <a:rPr kumimoji="1" lang="ja-JP" altLang="en-US" dirty="0">
+                <a:latin typeface="HG丸ｺﾞｼｯｸM-PRO" panose="020F0600000000000000" pitchFamily="50" charset="-128"/>
+                <a:ea typeface="HG丸ｺﾞｼｯｸM-PRO" panose="020F0600000000000000" pitchFamily="50" charset="-128"/>
+              </a:rPr>
+              <a:t>事務局</a:t>
+            </a:r>
+          </a:p>
+        </p:txBody>
+      </p:sp>
+      <p:sp>
+        <p:nvSpPr>
+          <p:cNvPr id="5" name="吹き出し: 四角形 4">
+            <a:extLst>
+              <a:ext uri="{FF2B5EF4-FFF2-40B4-BE49-F238E27FC236}">
+                <a16:creationId xmlns:a16="http://schemas.microsoft.com/office/drawing/2014/main" id="{D54B5B77-16DF-4416-BA82-BDCB2A7E22D3}"/>
+              </a:ext>
+            </a:extLst>
+          </p:cNvPr>
+          <p:cNvSpPr/>
+          <p:nvPr/>
+        </p:nvSpPr>
+        <p:spPr>
+          <a:xfrm>
+            <a:off x="2743200" y="1836646"/>
+            <a:ext cx="4280835" cy="921717"/>
+          </a:xfrm>
+          <a:prstGeom prst="wedgeRectCallout">
+            <a:avLst>
+              <a:gd name="adj1" fmla="val -60622"/>
+              <a:gd name="adj2" fmla="val 6089"/>
+            </a:avLst>
+          </a:prstGeom>
+        </p:spPr>
+        <p:style>
+          <a:lnRef idx="2">
+            <a:schemeClr val="accent6"/>
+          </a:lnRef>
+          <a:fillRef idx="1">
+            <a:schemeClr val="lt1"/>
+          </a:fillRef>
+          <a:effectRef idx="0">
+            <a:schemeClr val="accent6"/>
+          </a:effectRef>
+          <a:fontRef idx="minor">
+            <a:schemeClr val="dk1"/>
+          </a:fontRef>
+        </p:style>
+        <p:txBody>
+          <a:bodyPr rtlCol="0" anchor="ctr"/>
+          <a:lstStyle/>
+          <a:p>
+            <a:pPr algn="ctr"/>
+            <a:r>
+              <a:rPr kumimoji="1" lang="ja-JP" altLang="en-US" dirty="0">
+                <a:latin typeface="HG丸ｺﾞｼｯｸM-PRO" panose="020F0600000000000000" pitchFamily="50" charset="-128"/>
+                <a:ea typeface="HG丸ｺﾞｼｯｸM-PRO" panose="020F0600000000000000" pitchFamily="50" charset="-128"/>
+              </a:rPr>
+              <a:t>今抱えている問題はありますか？</a:t>
+            </a:r>
+          </a:p>
+        </p:txBody>
+      </p:sp>
+      <p:sp>
+        <p:nvSpPr>
+          <p:cNvPr id="12" name="テキスト ボックス 11">
+            <a:extLst>
+              <a:ext uri="{FF2B5EF4-FFF2-40B4-BE49-F238E27FC236}">
+                <a16:creationId xmlns:a16="http://schemas.microsoft.com/office/drawing/2014/main" id="{132FF8F6-58B0-4EE7-B0CA-2ED524714FE8}"/>
+              </a:ext>
+            </a:extLst>
+          </p:cNvPr>
+          <p:cNvSpPr txBox="1"/>
+          <p:nvPr/>
+        </p:nvSpPr>
+        <p:spPr>
+          <a:xfrm>
+            <a:off x="1048501" y="1424746"/>
+            <a:ext cx="871180" cy="369332"/>
+          </a:xfrm>
+          <a:prstGeom prst="rect">
+            <a:avLst/>
+          </a:prstGeom>
+          <a:noFill/>
+        </p:spPr>
+        <p:txBody>
+          <a:bodyPr wrap="square" rtlCol="0">
+            <a:spAutoFit/>
+          </a:bodyPr>
+          <a:lstStyle/>
+          <a:p>
+            <a:r>
+              <a:rPr lang="ja-JP" altLang="en-US" dirty="0">
+                <a:latin typeface="HG丸ｺﾞｼｯｸM-PRO" panose="020F0600000000000000" pitchFamily="50" charset="-128"/>
+                <a:ea typeface="HG丸ｺﾞｼｯｸM-PRO" panose="020F0600000000000000" pitchFamily="50" charset="-128"/>
+              </a:rPr>
+              <a:t>受講生</a:t>
+            </a:r>
+            <a:endParaRPr kumimoji="1" lang="ja-JP" altLang="en-US" dirty="0">
+              <a:latin typeface="HG丸ｺﾞｼｯｸM-PRO" panose="020F0600000000000000" pitchFamily="50" charset="-128"/>
+              <a:ea typeface="HG丸ｺﾞｼｯｸM-PRO" panose="020F0600000000000000" pitchFamily="50" charset="-128"/>
+            </a:endParaRPr>
+          </a:p>
+        </p:txBody>
+      </p:sp>
+      <p:sp>
+        <p:nvSpPr>
+          <p:cNvPr id="10" name="吹き出し: 四角形 9">
+            <a:extLst>
+              <a:ext uri="{FF2B5EF4-FFF2-40B4-BE49-F238E27FC236}">
+                <a16:creationId xmlns:a16="http://schemas.microsoft.com/office/drawing/2014/main" id="{7EDF92EA-4D1D-4270-9C25-CF9F70D20311}"/>
+              </a:ext>
+            </a:extLst>
+          </p:cNvPr>
+          <p:cNvSpPr/>
+          <p:nvPr/>
+        </p:nvSpPr>
+        <p:spPr>
+          <a:xfrm>
+            <a:off x="724495" y="3158025"/>
+            <a:ext cx="9029093" cy="1647057"/>
+          </a:xfrm>
+          <a:prstGeom prst="wedgeRectCallout">
+            <a:avLst>
+              <a:gd name="adj1" fmla="val 57175"/>
+              <a:gd name="adj2" fmla="val -44264"/>
+            </a:avLst>
+          </a:prstGeom>
+        </p:spPr>
+        <p:style>
+          <a:lnRef idx="2">
+            <a:schemeClr val="accent6"/>
+          </a:lnRef>
+          <a:fillRef idx="1">
+            <a:schemeClr val="lt1"/>
+          </a:fillRef>
+          <a:effectRef idx="0">
+            <a:schemeClr val="accent6"/>
+          </a:effectRef>
+          <a:fontRef idx="minor">
+            <a:schemeClr val="dk1"/>
+          </a:fontRef>
+        </p:style>
+        <p:txBody>
+          <a:bodyPr rtlCol="0" anchor="ctr"/>
+          <a:lstStyle/>
+          <a:p>
+            <a:pPr algn="ctr"/>
+            <a:r>
+              <a:rPr kumimoji="1" lang="ja-JP" altLang="en-US" dirty="0">
+                <a:latin typeface="HG丸ｺﾞｼｯｸM-PRO" panose="020F0600000000000000" pitchFamily="50" charset="-128"/>
+                <a:ea typeface="HG丸ｺﾞｼｯｸM-PRO" panose="020F0600000000000000" pitchFamily="50" charset="-128"/>
+              </a:rPr>
+              <a:t>そうですね・・</a:t>
+            </a:r>
+            <a:endParaRPr kumimoji="1" lang="en-US" altLang="ja-JP" dirty="0">
+              <a:latin typeface="HG丸ｺﾞｼｯｸM-PRO" panose="020F0600000000000000" pitchFamily="50" charset="-128"/>
+              <a:ea typeface="HG丸ｺﾞｼｯｸM-PRO" panose="020F0600000000000000" pitchFamily="50" charset="-128"/>
+            </a:endParaRPr>
+          </a:p>
+          <a:p>
+            <a:pPr algn="ctr"/>
+            <a:r>
+              <a:rPr kumimoji="1" lang="ja-JP" altLang="en-US" dirty="0">
+                <a:latin typeface="HG丸ｺﾞｼｯｸM-PRO" panose="020F0600000000000000" pitchFamily="50" charset="-128"/>
+                <a:ea typeface="HG丸ｺﾞｼｯｸM-PRO" panose="020F0600000000000000" pitchFamily="50" charset="-128"/>
+              </a:rPr>
+              <a:t>オンラインになって顔と名前が覚えづらくなったことですね。</a:t>
+            </a:r>
+            <a:endParaRPr kumimoji="1" lang="en-US" altLang="ja-JP" dirty="0">
+              <a:latin typeface="HG丸ｺﾞｼｯｸM-PRO" panose="020F0600000000000000" pitchFamily="50" charset="-128"/>
+              <a:ea typeface="HG丸ｺﾞｼｯｸM-PRO" panose="020F0600000000000000" pitchFamily="50" charset="-128"/>
+            </a:endParaRPr>
+          </a:p>
+          <a:p>
+            <a:pPr algn="ctr"/>
+            <a:r>
+              <a:rPr kumimoji="1" lang="ja-JP" altLang="en-US" dirty="0">
+                <a:latin typeface="HG丸ｺﾞｼｯｸM-PRO" panose="020F0600000000000000" pitchFamily="50" charset="-128"/>
+                <a:ea typeface="HG丸ｺﾞｼｯｸM-PRO" panose="020F0600000000000000" pitchFamily="50" charset="-128"/>
+              </a:rPr>
+              <a:t>あとは、</a:t>
+            </a:r>
+            <a:r>
+              <a:rPr kumimoji="1" lang="ja-JP" altLang="en-US" sz="2000" dirty="0">
+                <a:solidFill>
+                  <a:srgbClr val="FF0000"/>
+                </a:solidFill>
+                <a:latin typeface="HG丸ｺﾞｼｯｸM-PRO" panose="020F0600000000000000" pitchFamily="50" charset="-128"/>
+                <a:ea typeface="HG丸ｺﾞｼｯｸM-PRO" panose="020F0600000000000000" pitchFamily="50" charset="-128"/>
+              </a:rPr>
+              <a:t>質問の情報共有ができていないこと</a:t>
+            </a:r>
+            <a:r>
+              <a:rPr kumimoji="1" lang="ja-JP" altLang="en-US" dirty="0">
+                <a:solidFill>
+                  <a:schemeClr val="tx1"/>
+                </a:solidFill>
+                <a:latin typeface="HG丸ｺﾞｼｯｸM-PRO" panose="020F0600000000000000" pitchFamily="50" charset="-128"/>
+                <a:ea typeface="HG丸ｺﾞｼｯｸM-PRO" panose="020F0600000000000000" pitchFamily="50" charset="-128"/>
+              </a:rPr>
+              <a:t>ですね。</a:t>
+            </a:r>
+            <a:endParaRPr kumimoji="1" lang="en-US" altLang="ja-JP" dirty="0">
+              <a:solidFill>
+                <a:schemeClr val="tx1"/>
+              </a:solidFill>
+              <a:latin typeface="HG丸ｺﾞｼｯｸM-PRO" panose="020F0600000000000000" pitchFamily="50" charset="-128"/>
+              <a:ea typeface="HG丸ｺﾞｼｯｸM-PRO" panose="020F0600000000000000" pitchFamily="50" charset="-128"/>
+            </a:endParaRPr>
+          </a:p>
+          <a:p>
+            <a:pPr algn="ctr"/>
+            <a:r>
+              <a:rPr lang="ja-JP" altLang="en-US" dirty="0">
+                <a:solidFill>
+                  <a:schemeClr val="tx1"/>
+                </a:solidFill>
+                <a:latin typeface="HG丸ｺﾞｼｯｸM-PRO" panose="020F0600000000000000" pitchFamily="50" charset="-128"/>
+                <a:ea typeface="HG丸ｺﾞｼｯｸM-PRO" panose="020F0600000000000000" pitchFamily="50" charset="-128"/>
+              </a:rPr>
+              <a:t>スラックは蓄積機能ではないので、</a:t>
+            </a:r>
+            <a:r>
+              <a:rPr lang="ja-JP" altLang="en-US" sz="2000" dirty="0">
+                <a:solidFill>
+                  <a:srgbClr val="FF0000"/>
+                </a:solidFill>
+                <a:latin typeface="HG丸ｺﾞｼｯｸM-PRO" panose="020F0600000000000000" pitchFamily="50" charset="-128"/>
+                <a:ea typeface="HG丸ｺﾞｼｯｸM-PRO" panose="020F0600000000000000" pitchFamily="50" charset="-128"/>
+              </a:rPr>
+              <a:t>同じ質問だったとき確かめられない</a:t>
+            </a:r>
+            <a:r>
+              <a:rPr lang="ja-JP" altLang="en-US" dirty="0">
+                <a:solidFill>
+                  <a:schemeClr val="tx1"/>
+                </a:solidFill>
+                <a:latin typeface="HG丸ｺﾞｼｯｸM-PRO" panose="020F0600000000000000" pitchFamily="50" charset="-128"/>
+                <a:ea typeface="HG丸ｺﾞｼｯｸM-PRO" panose="020F0600000000000000" pitchFamily="50" charset="-128"/>
+              </a:rPr>
+              <a:t>んです。</a:t>
+            </a:r>
+            <a:endParaRPr kumimoji="1" lang="ja-JP" altLang="en-US" dirty="0">
+              <a:solidFill>
+                <a:schemeClr val="tx1"/>
+              </a:solidFill>
+              <a:latin typeface="HG丸ｺﾞｼｯｸM-PRO" panose="020F0600000000000000" pitchFamily="50" charset="-128"/>
+              <a:ea typeface="HG丸ｺﾞｼｯｸM-PRO" panose="020F0600000000000000" pitchFamily="50" charset="-128"/>
+            </a:endParaRPr>
+          </a:p>
+        </p:txBody>
+      </p:sp>
+      <p:sp>
+        <p:nvSpPr>
+          <p:cNvPr id="14" name="矢印: ストライプ 13">
+            <a:extLst>
+              <a:ext uri="{FF2B5EF4-FFF2-40B4-BE49-F238E27FC236}">
+                <a16:creationId xmlns:a16="http://schemas.microsoft.com/office/drawing/2014/main" id="{22F06A94-D396-423A-9691-C4D7543940C2}"/>
+              </a:ext>
+            </a:extLst>
+          </p:cNvPr>
+          <p:cNvSpPr/>
+          <p:nvPr/>
+        </p:nvSpPr>
+        <p:spPr>
+          <a:xfrm>
+            <a:off x="2565140" y="5204744"/>
+            <a:ext cx="1173143" cy="949215"/>
+          </a:xfrm>
+          <a:prstGeom prst="stripedRightArrow">
+            <a:avLst>
+              <a:gd name="adj1" fmla="val 56452"/>
+              <a:gd name="adj2" fmla="val 46774"/>
+            </a:avLst>
+          </a:prstGeom>
+          <a:solidFill>
+            <a:schemeClr val="accent6">
+              <a:alpha val="50000"/>
+            </a:schemeClr>
+          </a:solidFill>
+          <a:ln>
+            <a:noFill/>
+          </a:ln>
+        </p:spPr>
+        <p:style>
+          <a:lnRef idx="0">
+            <a:scrgbClr r="0" g="0" b="0"/>
+          </a:lnRef>
+          <a:fillRef idx="0">
+            <a:scrgbClr r="0" g="0" b="0"/>
+          </a:fillRef>
+          <a:effectRef idx="0">
+            <a:scrgbClr r="0" g="0" b="0"/>
+          </a:effectRef>
+          <a:fontRef idx="minor">
+            <a:schemeClr val="lt1"/>
+          </a:fontRef>
+        </p:style>
+        <p:txBody>
+          <a:bodyPr rtlCol="0" anchor="ctr"/>
+          <a:lstStyle/>
+          <a:p>
+            <a:pPr algn="ctr"/>
+            <a:endParaRPr kumimoji="1" lang="ja-JP" altLang="en-US"/>
+          </a:p>
+        </p:txBody>
+      </p:sp>
+      <p:sp>
+        <p:nvSpPr>
+          <p:cNvPr id="15" name="テキスト ボックス 14">
+            <a:extLst>
+              <a:ext uri="{FF2B5EF4-FFF2-40B4-BE49-F238E27FC236}">
+                <a16:creationId xmlns:a16="http://schemas.microsoft.com/office/drawing/2014/main" id="{A3B2C4D3-1133-488F-A875-039942FD6B74}"/>
+              </a:ext>
+            </a:extLst>
+          </p:cNvPr>
+          <p:cNvSpPr txBox="1"/>
+          <p:nvPr/>
+        </p:nvSpPr>
+        <p:spPr>
+          <a:xfrm>
+            <a:off x="3973935" y="5448518"/>
+            <a:ext cx="7221071" cy="461665"/>
+          </a:xfrm>
+          <a:prstGeom prst="rect">
+            <a:avLst/>
+          </a:prstGeom>
+          <a:noFill/>
+        </p:spPr>
+        <p:txBody>
+          <a:bodyPr wrap="square" rtlCol="0">
+            <a:spAutoFit/>
+          </a:bodyPr>
+          <a:lstStyle/>
+          <a:p>
+            <a:r>
+              <a:rPr lang="ja-JP" altLang="en-US" sz="2400" dirty="0">
+                <a:solidFill>
+                  <a:srgbClr val="FF0000"/>
+                </a:solidFill>
+                <a:latin typeface="HG丸ｺﾞｼｯｸM-PRO" panose="020F0600000000000000" pitchFamily="50" charset="-128"/>
+                <a:ea typeface="HG丸ｺﾞｼｯｸM-PRO" panose="020F0600000000000000" pitchFamily="50" charset="-128"/>
+              </a:rPr>
+              <a:t>「質問」</a:t>
+            </a:r>
+            <a:r>
+              <a:rPr lang="ja-JP" altLang="en-US" sz="2400" dirty="0">
+                <a:latin typeface="HG丸ｺﾞｼｯｸM-PRO" panose="020F0600000000000000" pitchFamily="50" charset="-128"/>
+                <a:ea typeface="HG丸ｺﾞｼｯｸM-PRO" panose="020F0600000000000000" pitchFamily="50" charset="-128"/>
+              </a:rPr>
+              <a:t>や</a:t>
+            </a:r>
+            <a:r>
+              <a:rPr lang="ja-JP" altLang="en-US" sz="2400" dirty="0">
+                <a:solidFill>
+                  <a:srgbClr val="FF0000"/>
+                </a:solidFill>
+                <a:latin typeface="HG丸ｺﾞｼｯｸM-PRO" panose="020F0600000000000000" pitchFamily="50" charset="-128"/>
+                <a:ea typeface="HG丸ｺﾞｼｯｸM-PRO" panose="020F0600000000000000" pitchFamily="50" charset="-128"/>
+              </a:rPr>
+              <a:t>「回答」</a:t>
+            </a:r>
+            <a:r>
+              <a:rPr lang="ja-JP" altLang="en-US" sz="2400" dirty="0">
+                <a:latin typeface="HG丸ｺﾞｼｯｸM-PRO" panose="020F0600000000000000" pitchFamily="50" charset="-128"/>
+                <a:ea typeface="HG丸ｺﾞｼｯｸM-PRO" panose="020F0600000000000000" pitchFamily="50" charset="-128"/>
+              </a:rPr>
+              <a:t>に注目するのはどうだろう？</a:t>
+            </a:r>
+            <a:endParaRPr kumimoji="1" lang="ja-JP" altLang="en-US" sz="2400" dirty="0">
+              <a:latin typeface="HG丸ｺﾞｼｯｸM-PRO" panose="020F0600000000000000" pitchFamily="50" charset="-128"/>
+              <a:ea typeface="HG丸ｺﾞｼｯｸM-PRO" panose="020F0600000000000000" pitchFamily="50" charset="-128"/>
+            </a:endParaRPr>
+          </a:p>
+        </p:txBody>
+      </p:sp>
     </p:spTree>
     <p:extLst>
       <p:ext uri="{BB962C8B-B14F-4D97-AF65-F5344CB8AC3E}">
@@ -8922,7 +9882,7 @@
                 <a:latin typeface="HG丸ｺﾞｼｯｸM-PRO" panose="020F0600000000000000" pitchFamily="50" charset="-128"/>
                 <a:ea typeface="HG丸ｺﾞｼｯｸM-PRO" panose="020F0600000000000000" pitchFamily="50" charset="-128"/>
               </a:rPr>
-              <a:t>ヒアリングで見えた問題点</a:t>
+              <a:t>システム概要</a:t>
             </a:r>
           </a:p>
         </p:txBody>
@@ -8948,7 +9908,133 @@
           <a:bodyPr/>
           <a:lstStyle/>
           <a:p>
-            <a:endParaRPr kumimoji="1" lang="ja-JP" altLang="en-US" dirty="0"/>
+            <a:pPr marL="0" indent="0">
+              <a:buNone/>
+            </a:pPr>
+            <a:r>
+              <a:rPr kumimoji="1" lang="ja-JP" altLang="en-US" dirty="0">
+                <a:latin typeface="HG丸ｺﾞｼｯｸM-PRO" panose="020F0600000000000000" pitchFamily="50" charset="-128"/>
+                <a:ea typeface="HG丸ｺﾞｼｯｸM-PRO" panose="020F0600000000000000" pitchFamily="50" charset="-128"/>
+              </a:rPr>
+              <a:t>＜ターゲット＞</a:t>
+            </a:r>
+            <a:endParaRPr kumimoji="1" lang="en-US" altLang="ja-JP" dirty="0">
+              <a:latin typeface="HG丸ｺﾞｼｯｸM-PRO" panose="020F0600000000000000" pitchFamily="50" charset="-128"/>
+              <a:ea typeface="HG丸ｺﾞｼｯｸM-PRO" panose="020F0600000000000000" pitchFamily="50" charset="-128"/>
+            </a:endParaRPr>
+          </a:p>
+          <a:p>
+            <a:pPr marL="0" indent="0">
+              <a:buNone/>
+            </a:pPr>
+            <a:r>
+              <a:rPr lang="en-US" altLang="ja-JP" dirty="0">
+                <a:latin typeface="HG丸ｺﾞｼｯｸM-PRO" panose="020F0600000000000000" pitchFamily="50" charset="-128"/>
+                <a:ea typeface="HG丸ｺﾞｼｯｸM-PRO" panose="020F0600000000000000" pitchFamily="50" charset="-128"/>
+              </a:rPr>
+              <a:t>		</a:t>
+            </a:r>
+            <a:r>
+              <a:rPr lang="ja-JP" altLang="en-US" dirty="0">
+                <a:latin typeface="HG丸ｺﾞｼｯｸM-PRO" panose="020F0600000000000000" pitchFamily="50" charset="-128"/>
+                <a:ea typeface="HG丸ｺﾞｼｯｸM-PRO" panose="020F0600000000000000" pitchFamily="50" charset="-128"/>
+              </a:rPr>
+              <a:t>受講生・講師・事務局</a:t>
+            </a:r>
+            <a:endParaRPr lang="en-US" altLang="ja-JP" dirty="0">
+              <a:latin typeface="HG丸ｺﾞｼｯｸM-PRO" panose="020F0600000000000000" pitchFamily="50" charset="-128"/>
+              <a:ea typeface="HG丸ｺﾞｼｯｸM-PRO" panose="020F0600000000000000" pitchFamily="50" charset="-128"/>
+            </a:endParaRPr>
+          </a:p>
+          <a:p>
+            <a:pPr marL="0" indent="0">
+              <a:buNone/>
+            </a:pPr>
+            <a:endParaRPr kumimoji="1" lang="en-US" altLang="ja-JP" dirty="0">
+              <a:latin typeface="HG丸ｺﾞｼｯｸM-PRO" panose="020F0600000000000000" pitchFamily="50" charset="-128"/>
+              <a:ea typeface="HG丸ｺﾞｼｯｸM-PRO" panose="020F0600000000000000" pitchFamily="50" charset="-128"/>
+            </a:endParaRPr>
+          </a:p>
+          <a:p>
+            <a:pPr marL="0" indent="0">
+              <a:buNone/>
+            </a:pPr>
+            <a:r>
+              <a:rPr kumimoji="1" lang="ja-JP" altLang="en-US" dirty="0">
+                <a:latin typeface="HG丸ｺﾞｼｯｸM-PRO" panose="020F0600000000000000" pitchFamily="50" charset="-128"/>
+                <a:ea typeface="HG丸ｺﾞｼｯｸM-PRO" panose="020F0600000000000000" pitchFamily="50" charset="-128"/>
+              </a:rPr>
+              <a:t>＜概要＞</a:t>
+            </a:r>
+            <a:endParaRPr kumimoji="1" lang="en-US" altLang="ja-JP" dirty="0">
+              <a:latin typeface="HG丸ｺﾞｼｯｸM-PRO" panose="020F0600000000000000" pitchFamily="50" charset="-128"/>
+              <a:ea typeface="HG丸ｺﾞｼｯｸM-PRO" panose="020F0600000000000000" pitchFamily="50" charset="-128"/>
+            </a:endParaRPr>
+          </a:p>
+          <a:p>
+            <a:pPr marL="0" indent="0">
+              <a:buNone/>
+            </a:pPr>
+            <a:r>
+              <a:rPr kumimoji="1" lang="en-US" altLang="ja-JP" dirty="0">
+                <a:latin typeface="HG丸ｺﾞｼｯｸM-PRO" panose="020F0600000000000000" pitchFamily="50" charset="-128"/>
+                <a:ea typeface="HG丸ｺﾞｼｯｸM-PRO" panose="020F0600000000000000" pitchFamily="50" charset="-128"/>
+              </a:rPr>
+              <a:t>		</a:t>
+            </a:r>
+            <a:r>
+              <a:rPr kumimoji="1" lang="ja-JP" altLang="en-US" dirty="0">
+                <a:latin typeface="HG丸ｺﾞｼｯｸM-PRO" panose="020F0600000000000000" pitchFamily="50" charset="-128"/>
+                <a:ea typeface="HG丸ｺﾞｼｯｸM-PRO" panose="020F0600000000000000" pitchFamily="50" charset="-128"/>
+              </a:rPr>
+              <a:t>これまでの質問を管理することができ、</a:t>
+            </a:r>
+            <a:endParaRPr kumimoji="1" lang="en-US" altLang="ja-JP" dirty="0">
+              <a:latin typeface="HG丸ｺﾞｼｯｸM-PRO" panose="020F0600000000000000" pitchFamily="50" charset="-128"/>
+              <a:ea typeface="HG丸ｺﾞｼｯｸM-PRO" panose="020F0600000000000000" pitchFamily="50" charset="-128"/>
+            </a:endParaRPr>
+          </a:p>
+          <a:p>
+            <a:pPr marL="0" indent="0">
+              <a:buNone/>
+            </a:pPr>
+            <a:r>
+              <a:rPr lang="en-US" altLang="ja-JP" dirty="0">
+                <a:latin typeface="HG丸ｺﾞｼｯｸM-PRO" panose="020F0600000000000000" pitchFamily="50" charset="-128"/>
+                <a:ea typeface="HG丸ｺﾞｼｯｸM-PRO" panose="020F0600000000000000" pitchFamily="50" charset="-128"/>
+              </a:rPr>
+              <a:t>		</a:t>
+            </a:r>
+            <a:r>
+              <a:rPr lang="ja-JP" altLang="en-US" dirty="0">
+                <a:latin typeface="HG丸ｺﾞｼｯｸM-PRO" panose="020F0600000000000000" pitchFamily="50" charset="-128"/>
+                <a:ea typeface="HG丸ｺﾞｼｯｸM-PRO" panose="020F0600000000000000" pitchFamily="50" charset="-128"/>
+              </a:rPr>
+              <a:t>受講生・講師・事務局それぞれの立場で</a:t>
+            </a:r>
+            <a:endParaRPr lang="en-US" altLang="ja-JP" dirty="0">
+              <a:latin typeface="HG丸ｺﾞｼｯｸM-PRO" panose="020F0600000000000000" pitchFamily="50" charset="-128"/>
+              <a:ea typeface="HG丸ｺﾞｼｯｸM-PRO" panose="020F0600000000000000" pitchFamily="50" charset="-128"/>
+            </a:endParaRPr>
+          </a:p>
+          <a:p>
+            <a:pPr marL="0" indent="0">
+              <a:buNone/>
+            </a:pPr>
+            <a:r>
+              <a:rPr kumimoji="1" lang="en-US" altLang="ja-JP" dirty="0">
+                <a:latin typeface="HG丸ｺﾞｼｯｸM-PRO" panose="020F0600000000000000" pitchFamily="50" charset="-128"/>
+                <a:ea typeface="HG丸ｺﾞｼｯｸM-PRO" panose="020F0600000000000000" pitchFamily="50" charset="-128"/>
+              </a:rPr>
+              <a:t>		</a:t>
+            </a:r>
+            <a:r>
+              <a:rPr kumimoji="1" lang="ja-JP" altLang="en-US" dirty="0">
+                <a:latin typeface="HG丸ｺﾞｼｯｸM-PRO" panose="020F0600000000000000" pitchFamily="50" charset="-128"/>
+                <a:ea typeface="HG丸ｺﾞｼｯｸM-PRO" panose="020F0600000000000000" pitchFamily="50" charset="-128"/>
+              </a:rPr>
+              <a:t>質問・回答が円滑にできるシステム</a:t>
+            </a:r>
           </a:p>
         </p:txBody>
       </p:sp>
@@ -9021,342 +10107,8 @@
           </a:p>
         </p:txBody>
       </p:sp>
-      <mc:AlternateContent xmlns:mc="http://schemas.openxmlformats.org/markup-compatibility/2006">
-        <mc:Choice xmlns:p14="http://schemas.microsoft.com/office/powerpoint/2010/main" Requires="p14">
-          <p:contentPart p14:bwMode="auto" r:id="rId2">
-            <p14:nvContentPartPr>
-              <p14:cNvPr id="11" name="インク 10">
-                <a:extLst>
-                  <a:ext uri="{FF2B5EF4-FFF2-40B4-BE49-F238E27FC236}">
-                    <a16:creationId xmlns:a16="http://schemas.microsoft.com/office/drawing/2014/main" id="{82FDD027-B9AF-4019-888A-959BF7B918E7}"/>
-                  </a:ext>
-                </a:extLst>
-              </p14:cNvPr>
-              <p14:cNvContentPartPr/>
-              <p14:nvPr/>
-            </p14:nvContentPartPr>
-            <p14:xfrm>
-              <a:off x="923835" y="1027815"/>
-              <a:ext cx="6100200" cy="86760"/>
-            </p14:xfrm>
-          </p:contentPart>
-        </mc:Choice>
-        <mc:Fallback>
-          <p:pic>
-            <p:nvPicPr>
-              <p:cNvPr id="11" name="インク 10">
-                <a:extLst>
-                  <a:ext uri="{FF2B5EF4-FFF2-40B4-BE49-F238E27FC236}">
-                    <a16:creationId xmlns:a16="http://schemas.microsoft.com/office/drawing/2014/main" id="{82FDD027-B9AF-4019-888A-959BF7B918E7}"/>
-                  </a:ext>
-                </a:extLst>
-              </p:cNvPr>
-              <p:cNvPicPr/>
-              <p:nvPr/>
-            </p:nvPicPr>
-            <p:blipFill>
-              <a:blip r:embed="rId3"/>
-              <a:stretch>
-                <a:fillRect/>
-              </a:stretch>
-            </p:blipFill>
-            <p:spPr>
-              <a:xfrm>
-                <a:off x="833835" y="847815"/>
-                <a:ext cx="6279840" cy="446400"/>
-              </a:xfrm>
-              <a:prstGeom prst="rect">
-                <a:avLst/>
-              </a:prstGeom>
-            </p:spPr>
-          </p:pic>
-        </mc:Fallback>
-      </mc:AlternateContent>
-    </p:spTree>
-    <p:extLst>
-      <p:ext uri="{BB962C8B-B14F-4D97-AF65-F5344CB8AC3E}">
-        <p14:creationId xmlns:p14="http://schemas.microsoft.com/office/powerpoint/2010/main" val="3579578908"/>
-      </p:ext>
-    </p:extLst>
-  </p:cSld>
-  <p:clrMapOvr>
-    <a:masterClrMapping/>
-  </p:clrMapOvr>
-</p:sld>
-</file>
-
-<file path=ppt/slides/slide5.xml><?xml version="1.0" encoding="utf-8"?>
-<p:sld xmlns:a="http://schemas.openxmlformats.org/drawingml/2006/main" xmlns:r="http://schemas.openxmlformats.org/officeDocument/2006/relationships" xmlns:p="http://schemas.openxmlformats.org/presentationml/2006/main">
-  <p:cSld>
-    <p:spTree>
-      <p:nvGrpSpPr>
-        <p:cNvPr id="1" name=""/>
-        <p:cNvGrpSpPr/>
-        <p:nvPr/>
-      </p:nvGrpSpPr>
-      <p:grpSpPr>
-        <a:xfrm>
-          <a:off x="0" y="0"/>
-          <a:ext cx="0" cy="0"/>
-          <a:chOff x="0" y="0"/>
-          <a:chExt cx="0" cy="0"/>
-        </a:xfrm>
-      </p:grpSpPr>
-      <p:sp>
-        <p:nvSpPr>
-          <p:cNvPr id="2" name="タイトル 1">
-            <a:extLst>
-              <a:ext uri="{FF2B5EF4-FFF2-40B4-BE49-F238E27FC236}">
-                <a16:creationId xmlns:a16="http://schemas.microsoft.com/office/drawing/2014/main" id="{0E0052EA-F9A7-41FB-BA0C-317EFE23BF4C}"/>
-              </a:ext>
-            </a:extLst>
-          </p:cNvPr>
-          <p:cNvSpPr>
-            <a:spLocks noGrp="1"/>
-          </p:cNvSpPr>
-          <p:nvPr>
-            <p:ph type="title"/>
-          </p:nvPr>
-        </p:nvSpPr>
-        <p:spPr/>
-        <p:txBody>
-          <a:bodyPr>
-            <a:normAutofit/>
-          </a:bodyPr>
-          <a:lstStyle/>
-          <a:p>
-            <a:r>
-              <a:rPr kumimoji="1" lang="ja-JP" altLang="en-US" sz="4000" dirty="0">
-                <a:latin typeface="HG丸ｺﾞｼｯｸM-PRO" panose="020F0600000000000000" pitchFamily="50" charset="-128"/>
-                <a:ea typeface="HG丸ｺﾞｼｯｸM-PRO" panose="020F0600000000000000" pitchFamily="50" charset="-128"/>
-              </a:rPr>
-              <a:t>システム概要</a:t>
-            </a:r>
-          </a:p>
-        </p:txBody>
-      </p:sp>
-      <p:sp>
-        <p:nvSpPr>
-          <p:cNvPr id="3" name="コンテンツ プレースホルダー 2">
-            <a:extLst>
-              <a:ext uri="{FF2B5EF4-FFF2-40B4-BE49-F238E27FC236}">
-                <a16:creationId xmlns:a16="http://schemas.microsoft.com/office/drawing/2014/main" id="{C3F67336-AEF3-4088-9E02-583B7C424338}"/>
-              </a:ext>
-            </a:extLst>
-          </p:cNvPr>
-          <p:cNvSpPr>
-            <a:spLocks noGrp="1"/>
-          </p:cNvSpPr>
-          <p:nvPr>
-            <p:ph idx="1"/>
-          </p:nvPr>
-        </p:nvSpPr>
-        <p:spPr/>
-        <p:txBody>
-          <a:bodyPr/>
-          <a:lstStyle/>
-          <a:p>
-            <a:pPr marL="0" indent="0">
-              <a:buNone/>
-            </a:pPr>
-            <a:r>
-              <a:rPr kumimoji="1" lang="ja-JP" altLang="en-US" dirty="0">
-                <a:latin typeface="HG丸ｺﾞｼｯｸM-PRO" panose="020F0600000000000000" pitchFamily="50" charset="-128"/>
-                <a:ea typeface="HG丸ｺﾞｼｯｸM-PRO" panose="020F0600000000000000" pitchFamily="50" charset="-128"/>
-              </a:rPr>
-              <a:t>＜ターゲット＞</a:t>
-            </a:r>
-            <a:endParaRPr kumimoji="1" lang="en-US" altLang="ja-JP" dirty="0">
-              <a:latin typeface="HG丸ｺﾞｼｯｸM-PRO" panose="020F0600000000000000" pitchFamily="50" charset="-128"/>
-              <a:ea typeface="HG丸ｺﾞｼｯｸM-PRO" panose="020F0600000000000000" pitchFamily="50" charset="-128"/>
-            </a:endParaRPr>
-          </a:p>
-          <a:p>
-            <a:pPr marL="0" indent="0">
-              <a:buNone/>
-            </a:pPr>
-            <a:r>
-              <a:rPr lang="en-US" altLang="ja-JP" dirty="0">
-                <a:latin typeface="HG丸ｺﾞｼｯｸM-PRO" panose="020F0600000000000000" pitchFamily="50" charset="-128"/>
-                <a:ea typeface="HG丸ｺﾞｼｯｸM-PRO" panose="020F0600000000000000" pitchFamily="50" charset="-128"/>
-              </a:rPr>
-              <a:t>		</a:t>
-            </a:r>
-            <a:r>
-              <a:rPr lang="ja-JP" altLang="en-US" dirty="0">
-                <a:latin typeface="HG丸ｺﾞｼｯｸM-PRO" panose="020F0600000000000000" pitchFamily="50" charset="-128"/>
-                <a:ea typeface="HG丸ｺﾞｼｯｸM-PRO" panose="020F0600000000000000" pitchFamily="50" charset="-128"/>
-              </a:rPr>
-              <a:t>受講生・講師・事務局</a:t>
-            </a:r>
-            <a:endParaRPr lang="en-US" altLang="ja-JP" dirty="0">
-              <a:latin typeface="HG丸ｺﾞｼｯｸM-PRO" panose="020F0600000000000000" pitchFamily="50" charset="-128"/>
-              <a:ea typeface="HG丸ｺﾞｼｯｸM-PRO" panose="020F0600000000000000" pitchFamily="50" charset="-128"/>
-            </a:endParaRPr>
-          </a:p>
-          <a:p>
-            <a:pPr marL="0" indent="0">
-              <a:buNone/>
-            </a:pPr>
-            <a:endParaRPr kumimoji="1" lang="en-US" altLang="ja-JP" dirty="0">
-              <a:latin typeface="HG丸ｺﾞｼｯｸM-PRO" panose="020F0600000000000000" pitchFamily="50" charset="-128"/>
-              <a:ea typeface="HG丸ｺﾞｼｯｸM-PRO" panose="020F0600000000000000" pitchFamily="50" charset="-128"/>
-            </a:endParaRPr>
-          </a:p>
-          <a:p>
-            <a:pPr marL="0" indent="0">
-              <a:buNone/>
-            </a:pPr>
-            <a:r>
-              <a:rPr kumimoji="1" lang="ja-JP" altLang="en-US" dirty="0">
-                <a:latin typeface="HG丸ｺﾞｼｯｸM-PRO" panose="020F0600000000000000" pitchFamily="50" charset="-128"/>
-                <a:ea typeface="HG丸ｺﾞｼｯｸM-PRO" panose="020F0600000000000000" pitchFamily="50" charset="-128"/>
-              </a:rPr>
-              <a:t>＜概要＞</a:t>
-            </a:r>
-            <a:endParaRPr kumimoji="1" lang="en-US" altLang="ja-JP" dirty="0">
-              <a:latin typeface="HG丸ｺﾞｼｯｸM-PRO" panose="020F0600000000000000" pitchFamily="50" charset="-128"/>
-              <a:ea typeface="HG丸ｺﾞｼｯｸM-PRO" panose="020F0600000000000000" pitchFamily="50" charset="-128"/>
-            </a:endParaRPr>
-          </a:p>
-          <a:p>
-            <a:pPr marL="0" indent="0">
-              <a:buNone/>
-            </a:pPr>
-            <a:r>
-              <a:rPr kumimoji="1" lang="en-US" altLang="ja-JP" dirty="0">
-                <a:latin typeface="HG丸ｺﾞｼｯｸM-PRO" panose="020F0600000000000000" pitchFamily="50" charset="-128"/>
-                <a:ea typeface="HG丸ｺﾞｼｯｸM-PRO" panose="020F0600000000000000" pitchFamily="50" charset="-128"/>
-              </a:rPr>
-              <a:t>		</a:t>
-            </a:r>
-            <a:r>
-              <a:rPr kumimoji="1" lang="ja-JP" altLang="en-US" dirty="0">
-                <a:latin typeface="HG丸ｺﾞｼｯｸM-PRO" panose="020F0600000000000000" pitchFamily="50" charset="-128"/>
-                <a:ea typeface="HG丸ｺﾞｼｯｸM-PRO" panose="020F0600000000000000" pitchFamily="50" charset="-128"/>
-              </a:rPr>
-              <a:t>これまでの質問を管理することができ、</a:t>
-            </a:r>
-            <a:endParaRPr kumimoji="1" lang="en-US" altLang="ja-JP" dirty="0">
-              <a:latin typeface="HG丸ｺﾞｼｯｸM-PRO" panose="020F0600000000000000" pitchFamily="50" charset="-128"/>
-              <a:ea typeface="HG丸ｺﾞｼｯｸM-PRO" panose="020F0600000000000000" pitchFamily="50" charset="-128"/>
-            </a:endParaRPr>
-          </a:p>
-          <a:p>
-            <a:pPr marL="0" indent="0">
-              <a:buNone/>
-            </a:pPr>
-            <a:r>
-              <a:rPr lang="en-US" altLang="ja-JP" dirty="0">
-                <a:latin typeface="HG丸ｺﾞｼｯｸM-PRO" panose="020F0600000000000000" pitchFamily="50" charset="-128"/>
-                <a:ea typeface="HG丸ｺﾞｼｯｸM-PRO" panose="020F0600000000000000" pitchFamily="50" charset="-128"/>
-              </a:rPr>
-              <a:t>		</a:t>
-            </a:r>
-            <a:r>
-              <a:rPr lang="ja-JP" altLang="en-US" dirty="0">
-                <a:latin typeface="HG丸ｺﾞｼｯｸM-PRO" panose="020F0600000000000000" pitchFamily="50" charset="-128"/>
-                <a:ea typeface="HG丸ｺﾞｼｯｸM-PRO" panose="020F0600000000000000" pitchFamily="50" charset="-128"/>
-              </a:rPr>
-              <a:t>受講生・講師・事務局それぞれの立場で</a:t>
-            </a:r>
-            <a:endParaRPr lang="en-US" altLang="ja-JP" dirty="0">
-              <a:latin typeface="HG丸ｺﾞｼｯｸM-PRO" panose="020F0600000000000000" pitchFamily="50" charset="-128"/>
-              <a:ea typeface="HG丸ｺﾞｼｯｸM-PRO" panose="020F0600000000000000" pitchFamily="50" charset="-128"/>
-            </a:endParaRPr>
-          </a:p>
-          <a:p>
-            <a:pPr marL="0" indent="0">
-              <a:buNone/>
-            </a:pPr>
-            <a:r>
-              <a:rPr kumimoji="1" lang="en-US" altLang="ja-JP" dirty="0">
-                <a:latin typeface="HG丸ｺﾞｼｯｸM-PRO" panose="020F0600000000000000" pitchFamily="50" charset="-128"/>
-                <a:ea typeface="HG丸ｺﾞｼｯｸM-PRO" panose="020F0600000000000000" pitchFamily="50" charset="-128"/>
-              </a:rPr>
-              <a:t>		</a:t>
-            </a:r>
-            <a:r>
-              <a:rPr kumimoji="1" lang="ja-JP" altLang="en-US" dirty="0">
-                <a:latin typeface="HG丸ｺﾞｼｯｸM-PRO" panose="020F0600000000000000" pitchFamily="50" charset="-128"/>
-                <a:ea typeface="HG丸ｺﾞｼｯｸM-PRO" panose="020F0600000000000000" pitchFamily="50" charset="-128"/>
-              </a:rPr>
-              <a:t>質問・回答が円滑にできるシステム</a:t>
-            </a:r>
-          </a:p>
-        </p:txBody>
-      </p:sp>
-      <p:sp>
-        <p:nvSpPr>
-          <p:cNvPr id="4" name="フレーム 3">
-            <a:extLst>
-              <a:ext uri="{FF2B5EF4-FFF2-40B4-BE49-F238E27FC236}">
-                <a16:creationId xmlns:a16="http://schemas.microsoft.com/office/drawing/2014/main" id="{9061ED0C-2A66-439A-B304-1558BAF77192}"/>
-              </a:ext>
-            </a:extLst>
-          </p:cNvPr>
-          <p:cNvSpPr/>
-          <p:nvPr/>
-        </p:nvSpPr>
-        <p:spPr>
-          <a:xfrm>
-            <a:off x="0" y="1"/>
-            <a:ext cx="12192000" cy="6858000"/>
-          </a:xfrm>
-          <a:prstGeom prst="frame">
-            <a:avLst>
-              <a:gd name="adj1" fmla="val 4395"/>
-            </a:avLst>
-          </a:prstGeom>
-          <a:solidFill>
-            <a:schemeClr val="accent4">
-              <a:lumMod val="60000"/>
-              <a:lumOff val="40000"/>
-            </a:schemeClr>
-          </a:solidFill>
-          <a:ln>
-            <a:noFill/>
-          </a:ln>
-          <a:effectLst>
-            <a:glow rad="63500">
-              <a:schemeClr val="accent4">
-                <a:satMod val="175000"/>
-                <a:alpha val="40000"/>
-              </a:schemeClr>
-            </a:glow>
-          </a:effectLst>
-        </p:spPr>
-        <p:style>
-          <a:lnRef idx="2">
-            <a:schemeClr val="accent1">
-              <a:shade val="50000"/>
-            </a:schemeClr>
-          </a:lnRef>
-          <a:fillRef idx="1">
-            <a:schemeClr val="accent1"/>
-          </a:fillRef>
-          <a:effectRef idx="0">
-            <a:schemeClr val="accent1"/>
-          </a:effectRef>
-          <a:fontRef idx="minor">
-            <a:schemeClr val="lt1"/>
-          </a:fontRef>
-        </p:style>
-        <p:txBody>
-          <a:bodyPr rtlCol="0" anchor="ctr"/>
-          <a:lstStyle/>
-          <a:p>
-            <a:pPr algn="ctr"/>
-            <a:endParaRPr kumimoji="1" lang="ja-JP" altLang="en-US">
-              <a:solidFill>
-                <a:schemeClr val="tx1"/>
-              </a:solidFill>
-            </a:endParaRPr>
-          </a:p>
-        </p:txBody>
-      </p:sp>
-      <mc:AlternateContent xmlns:mc="http://schemas.openxmlformats.org/markup-compatibility/2006">
-        <mc:Choice xmlns:p14="http://schemas.microsoft.com/office/powerpoint/2010/main" Requires="p14">
+      <mc:AlternateContent xmlns:mc="http://schemas.openxmlformats.org/markup-compatibility/2006" xmlns:p14="http://schemas.microsoft.com/office/powerpoint/2010/main">
+        <mc:Choice Requires="p14">
           <p:contentPart p14:bwMode="auto" r:id="rId2">
             <p14:nvContentPartPr>
               <p14:cNvPr id="13" name="インク 12">
@@ -9375,7 +10127,7 @@
             </p14:xfrm>
           </p:contentPart>
         </mc:Choice>
-        <mc:Fallback>
+        <mc:Fallback xmlns="">
           <p:pic>
             <p:nvPicPr>
               <p:cNvPr id="13" name="インク 12">
@@ -9529,6 +10281,595 @@
 </p:sld>
 </file>
 
+<file path=ppt/slides/slide5.xml><?xml version="1.0" encoding="utf-8"?>
+<p:sld xmlns:a="http://schemas.openxmlformats.org/drawingml/2006/main" xmlns:r="http://schemas.openxmlformats.org/officeDocument/2006/relationships" xmlns:p="http://schemas.openxmlformats.org/presentationml/2006/main">
+  <p:cSld>
+    <p:spTree>
+      <p:nvGrpSpPr>
+        <p:cNvPr id="1" name=""/>
+        <p:cNvGrpSpPr/>
+        <p:nvPr/>
+      </p:nvGrpSpPr>
+      <p:grpSpPr>
+        <a:xfrm>
+          <a:off x="0" y="0"/>
+          <a:ext cx="0" cy="0"/>
+          <a:chOff x="0" y="0"/>
+          <a:chExt cx="0" cy="0"/>
+        </a:xfrm>
+      </p:grpSpPr>
+      <p:sp>
+        <p:nvSpPr>
+          <p:cNvPr id="2" name="タイトル 1">
+            <a:extLst>
+              <a:ext uri="{FF2B5EF4-FFF2-40B4-BE49-F238E27FC236}">
+                <a16:creationId xmlns:a16="http://schemas.microsoft.com/office/drawing/2014/main" id="{0E0052EA-F9A7-41FB-BA0C-317EFE23BF4C}"/>
+              </a:ext>
+            </a:extLst>
+          </p:cNvPr>
+          <p:cNvSpPr>
+            <a:spLocks noGrp="1"/>
+          </p:cNvSpPr>
+          <p:nvPr>
+            <p:ph type="title"/>
+          </p:nvPr>
+        </p:nvSpPr>
+        <p:spPr>
+          <a:xfrm>
+            <a:off x="838200" y="182562"/>
+            <a:ext cx="10515600" cy="1325563"/>
+          </a:xfrm>
+        </p:spPr>
+        <p:txBody>
+          <a:bodyPr>
+            <a:normAutofit/>
+          </a:bodyPr>
+          <a:lstStyle/>
+          <a:p>
+            <a:r>
+              <a:rPr lang="ja-JP" altLang="en-US" sz="4000" dirty="0">
+                <a:latin typeface="HG丸ｺﾞｼｯｸM-PRO" panose="020F0600000000000000" pitchFamily="50" charset="-128"/>
+                <a:ea typeface="HG丸ｺﾞｼｯｸM-PRO" panose="020F0600000000000000" pitchFamily="50" charset="-128"/>
+              </a:rPr>
+              <a:t>セールス</a:t>
+            </a:r>
+            <a:r>
+              <a:rPr kumimoji="1" lang="ja-JP" altLang="en-US" sz="4000" dirty="0">
+                <a:latin typeface="HG丸ｺﾞｼｯｸM-PRO" panose="020F0600000000000000" pitchFamily="50" charset="-128"/>
+                <a:ea typeface="HG丸ｺﾞｼｯｸM-PRO" panose="020F0600000000000000" pitchFamily="50" charset="-128"/>
+              </a:rPr>
+              <a:t>ポイント</a:t>
+            </a:r>
+          </a:p>
+        </p:txBody>
+      </p:sp>
+      <p:sp>
+        <p:nvSpPr>
+          <p:cNvPr id="3" name="コンテンツ プレースホルダー 2">
+            <a:extLst>
+              <a:ext uri="{FF2B5EF4-FFF2-40B4-BE49-F238E27FC236}">
+                <a16:creationId xmlns:a16="http://schemas.microsoft.com/office/drawing/2014/main" id="{C3F67336-AEF3-4088-9E02-583B7C424338}"/>
+              </a:ext>
+            </a:extLst>
+          </p:cNvPr>
+          <p:cNvSpPr>
+            <a:spLocks noGrp="1"/>
+          </p:cNvSpPr>
+          <p:nvPr>
+            <p:ph idx="1"/>
+          </p:nvPr>
+        </p:nvSpPr>
+        <p:spPr>
+          <a:xfrm>
+            <a:off x="342899" y="1508125"/>
+            <a:ext cx="11649075" cy="4987925"/>
+          </a:xfrm>
+        </p:spPr>
+        <p:txBody>
+          <a:bodyPr>
+            <a:normAutofit/>
+          </a:bodyPr>
+          <a:lstStyle/>
+          <a:p>
+            <a:pPr marL="0" indent="0">
+              <a:buNone/>
+            </a:pPr>
+            <a:r>
+              <a:rPr kumimoji="1" lang="ja-JP" altLang="en-US" sz="3000" dirty="0">
+                <a:solidFill>
+                  <a:srgbClr val="FF0000"/>
+                </a:solidFill>
+                <a:latin typeface="HG丸ｺﾞｼｯｸM-PRO" panose="020F0600000000000000" pitchFamily="50" charset="-128"/>
+                <a:ea typeface="HG丸ｺﾞｼｯｸM-PRO" panose="020F0600000000000000" pitchFamily="50" charset="-128"/>
+              </a:rPr>
+              <a:t>匿名性</a:t>
+            </a:r>
+            <a:r>
+              <a:rPr lang="en-US" altLang="ja-JP" dirty="0">
+                <a:latin typeface="HG丸ｺﾞｼｯｸM-PRO" panose="020F0600000000000000" pitchFamily="50" charset="-128"/>
+                <a:ea typeface="HG丸ｺﾞｼｯｸM-PRO" panose="020F0600000000000000" pitchFamily="50" charset="-128"/>
+              </a:rPr>
+              <a:t>		</a:t>
+            </a:r>
+          </a:p>
+          <a:p>
+            <a:pPr marL="0" indent="0">
+              <a:buNone/>
+            </a:pPr>
+            <a:r>
+              <a:rPr lang="en-US" altLang="ja-JP" sz="2600" dirty="0">
+                <a:latin typeface="HG丸ｺﾞｼｯｸM-PRO" panose="020F0600000000000000" pitchFamily="50" charset="-128"/>
+                <a:ea typeface="HG丸ｺﾞｼｯｸM-PRO" panose="020F0600000000000000" pitchFamily="50" charset="-128"/>
+              </a:rPr>
+              <a:t>		</a:t>
+            </a:r>
+            <a:r>
+              <a:rPr lang="ja-JP" altLang="en-US" sz="2400" dirty="0">
+                <a:latin typeface="HG丸ｺﾞｼｯｸM-PRO" panose="020F0600000000000000" pitchFamily="50" charset="-128"/>
+                <a:ea typeface="HG丸ｺﾞｼｯｸM-PRO" panose="020F0600000000000000" pitchFamily="50" charset="-128"/>
+              </a:rPr>
+              <a:t>今まで全体スレッドで質問を躊躇っていた生徒も気軽に質問がで</a:t>
+            </a:r>
+            <a:r>
+              <a:rPr lang="en-US" altLang="ja-JP" sz="2400" dirty="0">
+                <a:latin typeface="HG丸ｺﾞｼｯｸM-PRO" panose="020F0600000000000000" pitchFamily="50" charset="-128"/>
+                <a:ea typeface="HG丸ｺﾞｼｯｸM-PRO" panose="020F0600000000000000" pitchFamily="50" charset="-128"/>
+              </a:rPr>
+              <a:t>			</a:t>
+            </a:r>
+            <a:r>
+              <a:rPr lang="ja-JP" altLang="en-US" sz="2400" dirty="0">
+                <a:latin typeface="HG丸ｺﾞｼｯｸM-PRO" panose="020F0600000000000000" pitchFamily="50" charset="-128"/>
+                <a:ea typeface="HG丸ｺﾞｼｯｸM-PRO" panose="020F0600000000000000" pitchFamily="50" charset="-128"/>
+              </a:rPr>
+              <a:t>きるように。</a:t>
+            </a:r>
+            <a:endParaRPr lang="en-US" altLang="ja-JP" sz="2400" dirty="0">
+              <a:latin typeface="HG丸ｺﾞｼｯｸM-PRO" panose="020F0600000000000000" pitchFamily="50" charset="-128"/>
+              <a:ea typeface="HG丸ｺﾞｼｯｸM-PRO" panose="020F0600000000000000" pitchFamily="50" charset="-128"/>
+            </a:endParaRPr>
+          </a:p>
+          <a:p>
+            <a:pPr marL="0" indent="0">
+              <a:buNone/>
+            </a:pPr>
+            <a:endParaRPr lang="en-US" altLang="ja-JP" sz="2600" dirty="0">
+              <a:latin typeface="HG丸ｺﾞｼｯｸM-PRO" panose="020F0600000000000000" pitchFamily="50" charset="-128"/>
+              <a:ea typeface="HG丸ｺﾞｼｯｸM-PRO" panose="020F0600000000000000" pitchFamily="50" charset="-128"/>
+            </a:endParaRPr>
+          </a:p>
+          <a:p>
+            <a:pPr marL="0" indent="0">
+              <a:buNone/>
+            </a:pPr>
+            <a:r>
+              <a:rPr kumimoji="1" lang="en-US" altLang="ja-JP" sz="3000" dirty="0">
+                <a:solidFill>
+                  <a:srgbClr val="FF0000"/>
+                </a:solidFill>
+                <a:latin typeface="HG丸ｺﾞｼｯｸM-PRO" panose="020F0600000000000000" pitchFamily="50" charset="-128"/>
+                <a:ea typeface="HG丸ｺﾞｼｯｸM-PRO" panose="020F0600000000000000" pitchFamily="50" charset="-128"/>
+              </a:rPr>
+              <a:t>1</a:t>
+            </a:r>
+            <a:r>
+              <a:rPr kumimoji="1" lang="ja-JP" altLang="en-US" sz="3000" dirty="0">
+                <a:solidFill>
+                  <a:srgbClr val="FF0000"/>
+                </a:solidFill>
+                <a:latin typeface="HG丸ｺﾞｼｯｸM-PRO" panose="020F0600000000000000" pitchFamily="50" charset="-128"/>
+                <a:ea typeface="HG丸ｺﾞｼｯｸM-PRO" panose="020F0600000000000000" pitchFamily="50" charset="-128"/>
+              </a:rPr>
+              <a:t>つの質問で複数のやり取り</a:t>
+            </a:r>
+            <a:endParaRPr kumimoji="1" lang="en-US" altLang="ja-JP" sz="3000" dirty="0">
+              <a:solidFill>
+                <a:srgbClr val="FF0000"/>
+              </a:solidFill>
+              <a:latin typeface="HG丸ｺﾞｼｯｸM-PRO" panose="020F0600000000000000" pitchFamily="50" charset="-128"/>
+              <a:ea typeface="HG丸ｺﾞｼｯｸM-PRO" panose="020F0600000000000000" pitchFamily="50" charset="-128"/>
+            </a:endParaRPr>
+          </a:p>
+          <a:p>
+            <a:pPr marL="0" indent="0">
+              <a:buNone/>
+            </a:pPr>
+            <a:r>
+              <a:rPr lang="en-US" altLang="ja-JP" dirty="0">
+                <a:latin typeface="HG丸ｺﾞｼｯｸM-PRO" panose="020F0600000000000000" pitchFamily="50" charset="-128"/>
+                <a:ea typeface="HG丸ｺﾞｼｯｸM-PRO" panose="020F0600000000000000" pitchFamily="50" charset="-128"/>
+              </a:rPr>
+              <a:t>		</a:t>
+            </a:r>
+            <a:r>
+              <a:rPr lang="ja-JP" altLang="en-US" sz="2400" dirty="0">
+                <a:latin typeface="HG丸ｺﾞｼｯｸM-PRO" panose="020F0600000000000000" pitchFamily="50" charset="-128"/>
+                <a:ea typeface="HG丸ｺﾞｼｯｸM-PRO" panose="020F0600000000000000" pitchFamily="50" charset="-128"/>
+              </a:rPr>
+              <a:t>生徒は自分が納得する回答を貰えるまでやり取りが可能になる。</a:t>
+            </a:r>
+            <a:endParaRPr lang="en-US" altLang="ja-JP" sz="2400" dirty="0">
+              <a:latin typeface="HG丸ｺﾞｼｯｸM-PRO" panose="020F0600000000000000" pitchFamily="50" charset="-128"/>
+              <a:ea typeface="HG丸ｺﾞｼｯｸM-PRO" panose="020F0600000000000000" pitchFamily="50" charset="-128"/>
+            </a:endParaRPr>
+          </a:p>
+          <a:p>
+            <a:pPr marL="0" indent="0">
+              <a:buNone/>
+            </a:pPr>
+            <a:endParaRPr kumimoji="1" lang="en-US" altLang="ja-JP" dirty="0">
+              <a:latin typeface="HG丸ｺﾞｼｯｸM-PRO" panose="020F0600000000000000" pitchFamily="50" charset="-128"/>
+              <a:ea typeface="HG丸ｺﾞｼｯｸM-PRO" panose="020F0600000000000000" pitchFamily="50" charset="-128"/>
+            </a:endParaRPr>
+          </a:p>
+          <a:p>
+            <a:pPr marL="0" indent="0">
+              <a:buNone/>
+            </a:pPr>
+            <a:r>
+              <a:rPr lang="ja-JP" altLang="en-US" sz="3000" dirty="0">
+                <a:solidFill>
+                  <a:srgbClr val="FF0000"/>
+                </a:solidFill>
+                <a:latin typeface="HG丸ｺﾞｼｯｸM-PRO" panose="020F0600000000000000" pitchFamily="50" charset="-128"/>
+                <a:ea typeface="HG丸ｺﾞｼｯｸM-PRO" panose="020F0600000000000000" pitchFamily="50" charset="-128"/>
+              </a:rPr>
+              <a:t>過去の質問を閲覧することができる</a:t>
+            </a:r>
+            <a:endParaRPr lang="en-US" altLang="ja-JP" sz="3000" dirty="0">
+              <a:solidFill>
+                <a:srgbClr val="FF0000"/>
+              </a:solidFill>
+              <a:latin typeface="HG丸ｺﾞｼｯｸM-PRO" panose="020F0600000000000000" pitchFamily="50" charset="-128"/>
+              <a:ea typeface="HG丸ｺﾞｼｯｸM-PRO" panose="020F0600000000000000" pitchFamily="50" charset="-128"/>
+            </a:endParaRPr>
+          </a:p>
+          <a:p>
+            <a:pPr marL="0" indent="0">
+              <a:buNone/>
+            </a:pPr>
+            <a:r>
+              <a:rPr kumimoji="1" lang="en-US" altLang="ja-JP" dirty="0">
+                <a:latin typeface="HG丸ｺﾞｼｯｸM-PRO" panose="020F0600000000000000" pitchFamily="50" charset="-128"/>
+                <a:ea typeface="HG丸ｺﾞｼｯｸM-PRO" panose="020F0600000000000000" pitchFamily="50" charset="-128"/>
+              </a:rPr>
+              <a:t>		</a:t>
+            </a:r>
+            <a:r>
+              <a:rPr kumimoji="1" lang="ja-JP" altLang="en-US" sz="2400" dirty="0">
+                <a:latin typeface="HG丸ｺﾞｼｯｸM-PRO" panose="020F0600000000000000" pitchFamily="50" charset="-128"/>
+                <a:ea typeface="HG丸ｺﾞｼｯｸM-PRO" panose="020F0600000000000000" pitchFamily="50" charset="-128"/>
+              </a:rPr>
+              <a:t>講師・・何度も同じ質問を対応しなければならない事態を避けられる。</a:t>
+            </a:r>
+            <a:endParaRPr kumimoji="1" lang="en-US" altLang="ja-JP" sz="2400" dirty="0">
+              <a:latin typeface="HG丸ｺﾞｼｯｸM-PRO" panose="020F0600000000000000" pitchFamily="50" charset="-128"/>
+              <a:ea typeface="HG丸ｺﾞｼｯｸM-PRO" panose="020F0600000000000000" pitchFamily="50" charset="-128"/>
+            </a:endParaRPr>
+          </a:p>
+          <a:p>
+            <a:pPr marL="0" indent="0">
+              <a:buNone/>
+            </a:pPr>
+            <a:r>
+              <a:rPr lang="en-US" altLang="ja-JP" sz="2400" dirty="0">
+                <a:latin typeface="HG丸ｺﾞｼｯｸM-PRO" panose="020F0600000000000000" pitchFamily="50" charset="-128"/>
+                <a:ea typeface="HG丸ｺﾞｼｯｸM-PRO" panose="020F0600000000000000" pitchFamily="50" charset="-128"/>
+              </a:rPr>
+              <a:t>		</a:t>
+            </a:r>
+            <a:r>
+              <a:rPr lang="ja-JP" altLang="en-US" sz="2400" dirty="0">
+                <a:latin typeface="HG丸ｺﾞｼｯｸM-PRO" panose="020F0600000000000000" pitchFamily="50" charset="-128"/>
+                <a:ea typeface="HG丸ｺﾞｼｯｸM-PRO" panose="020F0600000000000000" pitchFamily="50" charset="-128"/>
+              </a:rPr>
+              <a:t>生徒・・質問しなくても自分で解決することが可能。</a:t>
+            </a:r>
+            <a:endParaRPr kumimoji="1" lang="en-US" altLang="ja-JP" sz="2400" dirty="0">
+              <a:latin typeface="HG丸ｺﾞｼｯｸM-PRO" panose="020F0600000000000000" pitchFamily="50" charset="-128"/>
+              <a:ea typeface="HG丸ｺﾞｼｯｸM-PRO" panose="020F0600000000000000" pitchFamily="50" charset="-128"/>
+            </a:endParaRPr>
+          </a:p>
+        </p:txBody>
+      </p:sp>
+      <p:sp>
+        <p:nvSpPr>
+          <p:cNvPr id="4" name="フレーム 3">
+            <a:extLst>
+              <a:ext uri="{FF2B5EF4-FFF2-40B4-BE49-F238E27FC236}">
+                <a16:creationId xmlns:a16="http://schemas.microsoft.com/office/drawing/2014/main" id="{9061ED0C-2A66-439A-B304-1558BAF77192}"/>
+              </a:ext>
+            </a:extLst>
+          </p:cNvPr>
+          <p:cNvSpPr/>
+          <p:nvPr/>
+        </p:nvSpPr>
+        <p:spPr>
+          <a:xfrm>
+            <a:off x="0" y="1"/>
+            <a:ext cx="12192000" cy="6858000"/>
+          </a:xfrm>
+          <a:prstGeom prst="frame">
+            <a:avLst>
+              <a:gd name="adj1" fmla="val 4395"/>
+            </a:avLst>
+          </a:prstGeom>
+          <a:solidFill>
+            <a:schemeClr val="accent4">
+              <a:lumMod val="60000"/>
+              <a:lumOff val="40000"/>
+            </a:schemeClr>
+          </a:solidFill>
+          <a:ln>
+            <a:noFill/>
+          </a:ln>
+          <a:effectLst>
+            <a:glow rad="63500">
+              <a:schemeClr val="accent4">
+                <a:satMod val="175000"/>
+                <a:alpha val="40000"/>
+              </a:schemeClr>
+            </a:glow>
+          </a:effectLst>
+        </p:spPr>
+        <p:style>
+          <a:lnRef idx="2">
+            <a:schemeClr val="accent1">
+              <a:shade val="50000"/>
+            </a:schemeClr>
+          </a:lnRef>
+          <a:fillRef idx="1">
+            <a:schemeClr val="accent1"/>
+          </a:fillRef>
+          <a:effectRef idx="0">
+            <a:schemeClr val="accent1"/>
+          </a:effectRef>
+          <a:fontRef idx="minor">
+            <a:schemeClr val="lt1"/>
+          </a:fontRef>
+        </p:style>
+        <p:txBody>
+          <a:bodyPr rtlCol="0" anchor="ctr"/>
+          <a:lstStyle/>
+          <a:p>
+            <a:pPr algn="ctr"/>
+            <a:endParaRPr kumimoji="1" lang="ja-JP" altLang="en-US">
+              <a:solidFill>
+                <a:schemeClr val="tx1"/>
+              </a:solidFill>
+            </a:endParaRPr>
+          </a:p>
+        </p:txBody>
+      </p:sp>
+      <p:sp>
+        <p:nvSpPr>
+          <p:cNvPr id="6" name="矢印: ストライプ 5">
+            <a:extLst>
+              <a:ext uri="{FF2B5EF4-FFF2-40B4-BE49-F238E27FC236}">
+                <a16:creationId xmlns:a16="http://schemas.microsoft.com/office/drawing/2014/main" id="{C451DCBB-15ED-4BE0-8355-DD271859D4BA}"/>
+              </a:ext>
+            </a:extLst>
+          </p:cNvPr>
+          <p:cNvSpPr/>
+          <p:nvPr/>
+        </p:nvSpPr>
+        <p:spPr>
+          <a:xfrm>
+            <a:off x="938213" y="2152651"/>
+            <a:ext cx="962025" cy="590550"/>
+          </a:xfrm>
+          <a:prstGeom prst="stripedRightArrow">
+            <a:avLst>
+              <a:gd name="adj1" fmla="val 56452"/>
+              <a:gd name="adj2" fmla="val 46774"/>
+            </a:avLst>
+          </a:prstGeom>
+          <a:solidFill>
+            <a:schemeClr val="accent6">
+              <a:alpha val="50000"/>
+            </a:schemeClr>
+          </a:solidFill>
+          <a:ln>
+            <a:noFill/>
+          </a:ln>
+        </p:spPr>
+        <p:style>
+          <a:lnRef idx="0">
+            <a:scrgbClr r="0" g="0" b="0"/>
+          </a:lnRef>
+          <a:fillRef idx="0">
+            <a:scrgbClr r="0" g="0" b="0"/>
+          </a:fillRef>
+          <a:effectRef idx="0">
+            <a:scrgbClr r="0" g="0" b="0"/>
+          </a:effectRef>
+          <a:fontRef idx="minor">
+            <a:schemeClr val="lt1"/>
+          </a:fontRef>
+        </p:style>
+        <p:txBody>
+          <a:bodyPr rtlCol="0" anchor="ctr"/>
+          <a:lstStyle/>
+          <a:p>
+            <a:pPr algn="ctr"/>
+            <a:endParaRPr kumimoji="1" lang="ja-JP" altLang="en-US"/>
+          </a:p>
+        </p:txBody>
+      </p:sp>
+      <p:sp>
+        <p:nvSpPr>
+          <p:cNvPr id="10" name="矢印: ストライプ 9">
+            <a:extLst>
+              <a:ext uri="{FF2B5EF4-FFF2-40B4-BE49-F238E27FC236}">
+                <a16:creationId xmlns:a16="http://schemas.microsoft.com/office/drawing/2014/main" id="{B5A54D42-3A0B-48EA-AB08-1B59BD5B7B1A}"/>
+              </a:ext>
+            </a:extLst>
+          </p:cNvPr>
+          <p:cNvSpPr/>
+          <p:nvPr/>
+        </p:nvSpPr>
+        <p:spPr>
+          <a:xfrm>
+            <a:off x="938213" y="3956050"/>
+            <a:ext cx="962025" cy="590550"/>
+          </a:xfrm>
+          <a:prstGeom prst="stripedRightArrow">
+            <a:avLst>
+              <a:gd name="adj1" fmla="val 56452"/>
+              <a:gd name="adj2" fmla="val 46774"/>
+            </a:avLst>
+          </a:prstGeom>
+          <a:solidFill>
+            <a:schemeClr val="accent6">
+              <a:alpha val="50000"/>
+            </a:schemeClr>
+          </a:solidFill>
+          <a:ln>
+            <a:noFill/>
+          </a:ln>
+        </p:spPr>
+        <p:style>
+          <a:lnRef idx="0">
+            <a:scrgbClr r="0" g="0" b="0"/>
+          </a:lnRef>
+          <a:fillRef idx="0">
+            <a:scrgbClr r="0" g="0" b="0"/>
+          </a:fillRef>
+          <a:effectRef idx="0">
+            <a:scrgbClr r="0" g="0" b="0"/>
+          </a:effectRef>
+          <a:fontRef idx="minor">
+            <a:schemeClr val="lt1"/>
+          </a:fontRef>
+        </p:style>
+        <p:txBody>
+          <a:bodyPr rtlCol="0" anchor="ctr"/>
+          <a:lstStyle/>
+          <a:p>
+            <a:pPr algn="ctr"/>
+            <a:endParaRPr kumimoji="1" lang="ja-JP" altLang="en-US"/>
+          </a:p>
+        </p:txBody>
+      </p:sp>
+      <p:sp>
+        <p:nvSpPr>
+          <p:cNvPr id="11" name="矢印: ストライプ 10">
+            <a:extLst>
+              <a:ext uri="{FF2B5EF4-FFF2-40B4-BE49-F238E27FC236}">
+                <a16:creationId xmlns:a16="http://schemas.microsoft.com/office/drawing/2014/main" id="{B65FCAA1-150B-4088-83EC-B143540F2DF7}"/>
+              </a:ext>
+            </a:extLst>
+          </p:cNvPr>
+          <p:cNvSpPr/>
+          <p:nvPr/>
+        </p:nvSpPr>
+        <p:spPr>
+          <a:xfrm>
+            <a:off x="938212" y="5576888"/>
+            <a:ext cx="962025" cy="590550"/>
+          </a:xfrm>
+          <a:prstGeom prst="stripedRightArrow">
+            <a:avLst>
+              <a:gd name="adj1" fmla="val 56452"/>
+              <a:gd name="adj2" fmla="val 46774"/>
+            </a:avLst>
+          </a:prstGeom>
+          <a:solidFill>
+            <a:schemeClr val="accent6">
+              <a:alpha val="50000"/>
+            </a:schemeClr>
+          </a:solidFill>
+          <a:ln>
+            <a:noFill/>
+          </a:ln>
+        </p:spPr>
+        <p:style>
+          <a:lnRef idx="0">
+            <a:scrgbClr r="0" g="0" b="0"/>
+          </a:lnRef>
+          <a:fillRef idx="0">
+            <a:scrgbClr r="0" g="0" b="0"/>
+          </a:fillRef>
+          <a:effectRef idx="0">
+            <a:scrgbClr r="0" g="0" b="0"/>
+          </a:effectRef>
+          <a:fontRef idx="minor">
+            <a:schemeClr val="lt1"/>
+          </a:fontRef>
+        </p:style>
+        <p:txBody>
+          <a:bodyPr rtlCol="0" anchor="ctr"/>
+          <a:lstStyle/>
+          <a:p>
+            <a:pPr algn="ctr"/>
+            <a:endParaRPr kumimoji="1" lang="ja-JP" altLang="en-US"/>
+          </a:p>
+        </p:txBody>
+      </p:sp>
+      <mc:AlternateContent xmlns:mc="http://schemas.openxmlformats.org/markup-compatibility/2006">
+        <mc:Choice xmlns:p14="http://schemas.microsoft.com/office/powerpoint/2010/main" Requires="p14">
+          <p:contentPart p14:bwMode="auto" r:id="rId2">
+            <p14:nvContentPartPr>
+              <p14:cNvPr id="5" name="インク 4">
+                <a:extLst>
+                  <a:ext uri="{FF2B5EF4-FFF2-40B4-BE49-F238E27FC236}">
+                    <a16:creationId xmlns:a16="http://schemas.microsoft.com/office/drawing/2014/main" id="{6BED0208-7300-4DAC-83D4-54504B4A1C84}"/>
+                  </a:ext>
+                </a:extLst>
+              </p14:cNvPr>
+              <p14:cNvContentPartPr/>
+              <p14:nvPr/>
+            </p14:nvContentPartPr>
+            <p14:xfrm>
+              <a:off x="1012701" y="832489"/>
+              <a:ext cx="3907080" cy="154440"/>
+            </p14:xfrm>
+          </p:contentPart>
+        </mc:Choice>
+        <mc:Fallback>
+          <p:pic>
+            <p:nvPicPr>
+              <p:cNvPr id="5" name="インク 4">
+                <a:extLst>
+                  <a:ext uri="{FF2B5EF4-FFF2-40B4-BE49-F238E27FC236}">
+                    <a16:creationId xmlns:a16="http://schemas.microsoft.com/office/drawing/2014/main" id="{6BED0208-7300-4DAC-83D4-54504B4A1C84}"/>
+                  </a:ext>
+                </a:extLst>
+              </p:cNvPr>
+              <p:cNvPicPr/>
+              <p:nvPr/>
+            </p:nvPicPr>
+            <p:blipFill>
+              <a:blip r:embed="rId3"/>
+              <a:stretch>
+                <a:fillRect/>
+              </a:stretch>
+            </p:blipFill>
+            <p:spPr>
+              <a:xfrm>
+                <a:off x="923061" y="652849"/>
+                <a:ext cx="4086720" cy="514080"/>
+              </a:xfrm>
+              <a:prstGeom prst="rect">
+                <a:avLst/>
+              </a:prstGeom>
+            </p:spPr>
+          </p:pic>
+        </mc:Fallback>
+      </mc:AlternateContent>
+    </p:spTree>
+    <p:extLst>
+      <p:ext uri="{BB962C8B-B14F-4D97-AF65-F5344CB8AC3E}">
+        <p14:creationId xmlns:p14="http://schemas.microsoft.com/office/powerpoint/2010/main" val="206378947"/>
+      </p:ext>
+    </p:extLst>
+  </p:cSld>
+  <p:clrMapOvr>
+    <a:masterClrMapping/>
+  </p:clrMapOvr>
+</p:sld>
+</file>
+
 <file path=ppt/slides/slide6.xml><?xml version="1.0" encoding="utf-8"?>
 <p:sld xmlns:a="http://schemas.openxmlformats.org/drawingml/2006/main" xmlns:r="http://schemas.openxmlformats.org/officeDocument/2006/relationships" xmlns:p="http://schemas.openxmlformats.org/presentationml/2006/main">
   <p:cSld>
@@ -9562,12 +10903,7 @@
             <p:ph type="title"/>
           </p:nvPr>
         </p:nvSpPr>
-        <p:spPr>
-          <a:xfrm>
-            <a:off x="838200" y="182562"/>
-            <a:ext cx="10515600" cy="1325563"/>
-          </a:xfrm>
-        </p:spPr>
+        <p:spPr/>
         <p:txBody>
           <a:bodyPr>
             <a:normAutofit/>
@@ -9575,248 +10911,12 @@
           <a:lstStyle/>
           <a:p>
             <a:r>
-              <a:rPr lang="ja-JP" altLang="en-US" sz="4000" dirty="0">
-                <a:latin typeface="HG丸ｺﾞｼｯｸM-PRO" panose="020F0600000000000000" pitchFamily="50" charset="-128"/>
-                <a:ea typeface="HG丸ｺﾞｼｯｸM-PRO" panose="020F0600000000000000" pitchFamily="50" charset="-128"/>
-              </a:rPr>
-              <a:t>セールス</a:t>
-            </a:r>
-            <a:r>
               <a:rPr kumimoji="1" lang="ja-JP" altLang="en-US" sz="4000" dirty="0">
                 <a:latin typeface="HG丸ｺﾞｼｯｸM-PRO" panose="020F0600000000000000" pitchFamily="50" charset="-128"/>
                 <a:ea typeface="HG丸ｺﾞｼｯｸM-PRO" panose="020F0600000000000000" pitchFamily="50" charset="-128"/>
               </a:rPr>
-              <a:t>ポイント</a:t>
-            </a:r>
-          </a:p>
-        </p:txBody>
-      </p:sp>
-      <p:sp>
-        <p:nvSpPr>
-          <p:cNvPr id="3" name="コンテンツ プレースホルダー 2">
-            <a:extLst>
-              <a:ext uri="{FF2B5EF4-FFF2-40B4-BE49-F238E27FC236}">
-                <a16:creationId xmlns:a16="http://schemas.microsoft.com/office/drawing/2014/main" id="{C3F67336-AEF3-4088-9E02-583B7C424338}"/>
-              </a:ext>
-            </a:extLst>
-          </p:cNvPr>
-          <p:cNvSpPr>
-            <a:spLocks noGrp="1"/>
-          </p:cNvSpPr>
-          <p:nvPr>
-            <p:ph idx="1"/>
-          </p:nvPr>
-        </p:nvSpPr>
-        <p:spPr>
-          <a:xfrm>
-            <a:off x="342899" y="1508125"/>
-            <a:ext cx="11649075" cy="4987925"/>
-          </a:xfrm>
-        </p:spPr>
-        <p:txBody>
-          <a:bodyPr>
-            <a:normAutofit/>
-          </a:bodyPr>
-          <a:lstStyle/>
-          <a:p>
-            <a:pPr marL="0" indent="0">
-              <a:buNone/>
-            </a:pPr>
-            <a:r>
-              <a:rPr kumimoji="1" lang="ja-JP" altLang="en-US" sz="3000" dirty="0">
-                <a:solidFill>
-                  <a:srgbClr val="FF0000"/>
-                </a:solidFill>
-                <a:latin typeface="HG丸ｺﾞｼｯｸM-PRO" panose="020F0600000000000000" pitchFamily="50" charset="-128"/>
-                <a:ea typeface="HG丸ｺﾞｼｯｸM-PRO" panose="020F0600000000000000" pitchFamily="50" charset="-128"/>
-              </a:rPr>
-              <a:t>匿名性</a:t>
-            </a:r>
-            <a:r>
-              <a:rPr lang="en-US" altLang="ja-JP" dirty="0">
-                <a:latin typeface="HG丸ｺﾞｼｯｸM-PRO" panose="020F0600000000000000" pitchFamily="50" charset="-128"/>
-                <a:ea typeface="HG丸ｺﾞｼｯｸM-PRO" panose="020F0600000000000000" pitchFamily="50" charset="-128"/>
-              </a:rPr>
-              <a:t>		</a:t>
-            </a:r>
-          </a:p>
-          <a:p>
-            <a:pPr marL="0" indent="0">
-              <a:buNone/>
-            </a:pPr>
-            <a:r>
-              <a:rPr lang="en-US" altLang="ja-JP" sz="2600" dirty="0">
-                <a:latin typeface="HG丸ｺﾞｼｯｸM-PRO" panose="020F0600000000000000" pitchFamily="50" charset="-128"/>
-                <a:ea typeface="HG丸ｺﾞｼｯｸM-PRO" panose="020F0600000000000000" pitchFamily="50" charset="-128"/>
-              </a:rPr>
-              <a:t>		</a:t>
-            </a:r>
-            <a:r>
-              <a:rPr lang="ja-JP" altLang="en-US" sz="2600" dirty="0">
-                <a:latin typeface="HG丸ｺﾞｼｯｸM-PRO" panose="020F0600000000000000" pitchFamily="50" charset="-128"/>
-                <a:ea typeface="HG丸ｺﾞｼｯｸM-PRO" panose="020F0600000000000000" pitchFamily="50" charset="-128"/>
-              </a:rPr>
-              <a:t>今まで全体スレッドで質問を躊躇っていた生徒も気軽に質問がで</a:t>
-            </a:r>
-            <a:r>
-              <a:rPr lang="en-US" altLang="ja-JP" sz="2600" dirty="0">
-                <a:latin typeface="HG丸ｺﾞｼｯｸM-PRO" panose="020F0600000000000000" pitchFamily="50" charset="-128"/>
-                <a:ea typeface="HG丸ｺﾞｼｯｸM-PRO" panose="020F0600000000000000" pitchFamily="50" charset="-128"/>
-              </a:rPr>
-              <a:t>		</a:t>
-            </a:r>
-            <a:r>
-              <a:rPr lang="ja-JP" altLang="en-US" sz="2600" dirty="0">
-                <a:latin typeface="HG丸ｺﾞｼｯｸM-PRO" panose="020F0600000000000000" pitchFamily="50" charset="-128"/>
-                <a:ea typeface="HG丸ｺﾞｼｯｸM-PRO" panose="020F0600000000000000" pitchFamily="50" charset="-128"/>
-              </a:rPr>
-              <a:t>きるように。</a:t>
-            </a:r>
-            <a:endParaRPr lang="en-US" altLang="ja-JP" sz="2600" dirty="0">
-              <a:latin typeface="HG丸ｺﾞｼｯｸM-PRO" panose="020F0600000000000000" pitchFamily="50" charset="-128"/>
-              <a:ea typeface="HG丸ｺﾞｼｯｸM-PRO" panose="020F0600000000000000" pitchFamily="50" charset="-128"/>
-            </a:endParaRPr>
-          </a:p>
-          <a:p>
-            <a:pPr marL="0" indent="0">
-              <a:buNone/>
-            </a:pPr>
-            <a:endParaRPr lang="en-US" altLang="ja-JP" sz="2600" dirty="0">
-              <a:latin typeface="HG丸ｺﾞｼｯｸM-PRO" panose="020F0600000000000000" pitchFamily="50" charset="-128"/>
-              <a:ea typeface="HG丸ｺﾞｼｯｸM-PRO" panose="020F0600000000000000" pitchFamily="50" charset="-128"/>
-            </a:endParaRPr>
-          </a:p>
-          <a:p>
-            <a:pPr marL="0" indent="0">
-              <a:buNone/>
-            </a:pPr>
-            <a:r>
-              <a:rPr kumimoji="1" lang="en-US" altLang="ja-JP" sz="3000" dirty="0">
-                <a:solidFill>
-                  <a:srgbClr val="FF0000"/>
-                </a:solidFill>
-                <a:latin typeface="HG丸ｺﾞｼｯｸM-PRO" panose="020F0600000000000000" pitchFamily="50" charset="-128"/>
-                <a:ea typeface="HG丸ｺﾞｼｯｸM-PRO" panose="020F0600000000000000" pitchFamily="50" charset="-128"/>
-              </a:rPr>
-              <a:t>1</a:t>
-            </a:r>
-            <a:r>
-              <a:rPr kumimoji="1" lang="ja-JP" altLang="en-US" sz="3000" dirty="0">
-                <a:solidFill>
-                  <a:srgbClr val="FF0000"/>
-                </a:solidFill>
-                <a:latin typeface="HG丸ｺﾞｼｯｸM-PRO" panose="020F0600000000000000" pitchFamily="50" charset="-128"/>
-                <a:ea typeface="HG丸ｺﾞｼｯｸM-PRO" panose="020F0600000000000000" pitchFamily="50" charset="-128"/>
-              </a:rPr>
-              <a:t>つの質問で複数のやり取り</a:t>
-            </a:r>
-            <a:endParaRPr kumimoji="1" lang="en-US" altLang="ja-JP" sz="3000" dirty="0">
-              <a:solidFill>
-                <a:srgbClr val="FF0000"/>
-              </a:solidFill>
-              <a:latin typeface="HG丸ｺﾞｼｯｸM-PRO" panose="020F0600000000000000" pitchFamily="50" charset="-128"/>
-              <a:ea typeface="HG丸ｺﾞｼｯｸM-PRO" panose="020F0600000000000000" pitchFamily="50" charset="-128"/>
-            </a:endParaRPr>
-          </a:p>
-          <a:p>
-            <a:pPr marL="0" indent="0">
-              <a:buNone/>
-            </a:pPr>
-            <a:r>
-              <a:rPr lang="en-US" altLang="ja-JP" dirty="0">
-                <a:latin typeface="HG丸ｺﾞｼｯｸM-PRO" panose="020F0600000000000000" pitchFamily="50" charset="-128"/>
-                <a:ea typeface="HG丸ｺﾞｼｯｸM-PRO" panose="020F0600000000000000" pitchFamily="50" charset="-128"/>
-              </a:rPr>
-              <a:t>		</a:t>
-            </a:r>
-            <a:r>
-              <a:rPr lang="ja-JP" altLang="en-US" sz="2400" dirty="0">
-                <a:latin typeface="HG丸ｺﾞｼｯｸM-PRO" panose="020F0600000000000000" pitchFamily="50" charset="-128"/>
-                <a:ea typeface="HG丸ｺﾞｼｯｸM-PRO" panose="020F0600000000000000" pitchFamily="50" charset="-128"/>
-              </a:rPr>
-              <a:t>生徒は自分が納得する回答を貰えるまでやり取りが可能になる。</a:t>
-            </a:r>
-            <a:endParaRPr lang="en-US" altLang="ja-JP" sz="2400" dirty="0">
-              <a:latin typeface="HG丸ｺﾞｼｯｸM-PRO" panose="020F0600000000000000" pitchFamily="50" charset="-128"/>
-              <a:ea typeface="HG丸ｺﾞｼｯｸM-PRO" panose="020F0600000000000000" pitchFamily="50" charset="-128"/>
-            </a:endParaRPr>
-          </a:p>
-          <a:p>
-            <a:pPr marL="0" indent="0">
-              <a:buNone/>
-            </a:pPr>
-            <a:endParaRPr kumimoji="1" lang="en-US" altLang="ja-JP" dirty="0">
-              <a:latin typeface="HG丸ｺﾞｼｯｸM-PRO" panose="020F0600000000000000" pitchFamily="50" charset="-128"/>
-              <a:ea typeface="HG丸ｺﾞｼｯｸM-PRO" panose="020F0600000000000000" pitchFamily="50" charset="-128"/>
-            </a:endParaRPr>
-          </a:p>
-          <a:p>
-            <a:pPr marL="0" indent="0">
-              <a:buNone/>
-            </a:pPr>
-            <a:r>
-              <a:rPr lang="ja-JP" altLang="en-US" sz="3000" dirty="0">
-                <a:solidFill>
-                  <a:srgbClr val="FF0000"/>
-                </a:solidFill>
-                <a:latin typeface="HG丸ｺﾞｼｯｸM-PRO" panose="020F0600000000000000" pitchFamily="50" charset="-128"/>
-                <a:ea typeface="HG丸ｺﾞｼｯｸM-PRO" panose="020F0600000000000000" pitchFamily="50" charset="-128"/>
-              </a:rPr>
-              <a:t>過去の質問を閲覧することができる</a:t>
-            </a:r>
-            <a:endParaRPr lang="en-US" altLang="ja-JP" sz="3000" dirty="0">
-              <a:solidFill>
-                <a:srgbClr val="FF0000"/>
-              </a:solidFill>
-              <a:latin typeface="HG丸ｺﾞｼｯｸM-PRO" panose="020F0600000000000000" pitchFamily="50" charset="-128"/>
-              <a:ea typeface="HG丸ｺﾞｼｯｸM-PRO" panose="020F0600000000000000" pitchFamily="50" charset="-128"/>
-            </a:endParaRPr>
-          </a:p>
-          <a:p>
-            <a:pPr marL="0" indent="0">
-              <a:buNone/>
-            </a:pPr>
-            <a:r>
-              <a:rPr kumimoji="1" lang="en-US" altLang="ja-JP" dirty="0">
-                <a:latin typeface="HG丸ｺﾞｼｯｸM-PRO" panose="020F0600000000000000" pitchFamily="50" charset="-128"/>
-                <a:ea typeface="HG丸ｺﾞｼｯｸM-PRO" panose="020F0600000000000000" pitchFamily="50" charset="-128"/>
-              </a:rPr>
-              <a:t>		</a:t>
-            </a:r>
-            <a:r>
-              <a:rPr kumimoji="1" lang="ja-JP" altLang="en-US" sz="2400" dirty="0">
-                <a:latin typeface="HG丸ｺﾞｼｯｸM-PRO" panose="020F0600000000000000" pitchFamily="50" charset="-128"/>
-                <a:ea typeface="HG丸ｺﾞｼｯｸM-PRO" panose="020F0600000000000000" pitchFamily="50" charset="-128"/>
-              </a:rPr>
-              <a:t>講師・・何度も同じ質問を対応しなければならない事態を避けられる。</a:t>
-            </a:r>
-            <a:endParaRPr kumimoji="1" lang="en-US" altLang="ja-JP" sz="2400" dirty="0">
-              <a:latin typeface="HG丸ｺﾞｼｯｸM-PRO" panose="020F0600000000000000" pitchFamily="50" charset="-128"/>
-              <a:ea typeface="HG丸ｺﾞｼｯｸM-PRO" panose="020F0600000000000000" pitchFamily="50" charset="-128"/>
-            </a:endParaRPr>
-          </a:p>
-          <a:p>
-            <a:pPr marL="0" indent="0">
-              <a:buNone/>
-            </a:pPr>
-            <a:r>
-              <a:rPr lang="en-US" altLang="ja-JP" sz="2400" dirty="0">
-                <a:latin typeface="HG丸ｺﾞｼｯｸM-PRO" panose="020F0600000000000000" pitchFamily="50" charset="-128"/>
-                <a:ea typeface="HG丸ｺﾞｼｯｸM-PRO" panose="020F0600000000000000" pitchFamily="50" charset="-128"/>
-              </a:rPr>
-              <a:t>		</a:t>
-            </a:r>
-            <a:r>
-              <a:rPr lang="ja-JP" altLang="en-US" sz="2400" dirty="0">
-                <a:latin typeface="HG丸ｺﾞｼｯｸM-PRO" panose="020F0600000000000000" pitchFamily="50" charset="-128"/>
-                <a:ea typeface="HG丸ｺﾞｼｯｸM-PRO" panose="020F0600000000000000" pitchFamily="50" charset="-128"/>
-              </a:rPr>
-              <a:t>生徒・・質問しなくても自分で解決することが可能。</a:t>
-            </a:r>
-            <a:endParaRPr kumimoji="1" lang="en-US" altLang="ja-JP" sz="2400" dirty="0">
-              <a:latin typeface="HG丸ｺﾞｼｯｸM-PRO" panose="020F0600000000000000" pitchFamily="50" charset="-128"/>
-              <a:ea typeface="HG丸ｺﾞｼｯｸM-PRO" panose="020F0600000000000000" pitchFamily="50" charset="-128"/>
-            </a:endParaRPr>
+              <a:t>期待できること</a:t>
+            </a:r>
           </a:p>
         </p:txBody>
       </p:sp>
@@ -9891,10 +10991,10 @@
       </p:sp>
       <p:sp>
         <p:nvSpPr>
-          <p:cNvPr id="6" name="矢印: ストライプ 5">
-            <a:extLst>
-              <a:ext uri="{FF2B5EF4-FFF2-40B4-BE49-F238E27FC236}">
-                <a16:creationId xmlns:a16="http://schemas.microsoft.com/office/drawing/2014/main" id="{C451DCBB-15ED-4BE0-8355-DD271859D4BA}"/>
+          <p:cNvPr id="6" name="楕円 5">
+            <a:extLst>
+              <a:ext uri="{FF2B5EF4-FFF2-40B4-BE49-F238E27FC236}">
+                <a16:creationId xmlns:a16="http://schemas.microsoft.com/office/drawing/2014/main" id="{B295419D-2F83-48D5-AB44-5635CA0386C7}"/>
               </a:ext>
             </a:extLst>
           </p:cNvPr>
@@ -9903,36 +11003,25 @@
         </p:nvSpPr>
         <p:spPr>
           <a:xfrm>
-            <a:off x="938213" y="2152651"/>
-            <a:ext cx="962025" cy="590550"/>
-          </a:xfrm>
-          <a:prstGeom prst="stripedRightArrow">
-            <a:avLst>
-              <a:gd name="adj1" fmla="val 56452"/>
-              <a:gd name="adj2" fmla="val 46774"/>
-            </a:avLst>
-          </a:prstGeom>
-          <a:solidFill>
-            <a:schemeClr val="accent6">
-              <a:alpha val="50000"/>
-            </a:schemeClr>
-          </a:solidFill>
-          <a:ln>
-            <a:noFill/>
-          </a:ln>
+            <a:off x="2762250" y="1790700"/>
+            <a:ext cx="6600825" cy="2276475"/>
+          </a:xfrm>
+          <a:prstGeom prst="ellipse">
+            <a:avLst/>
+          </a:prstGeom>
         </p:spPr>
         <p:style>
-          <a:lnRef idx="0">
-            <a:scrgbClr r="0" g="0" b="0"/>
+          <a:lnRef idx="2">
+            <a:schemeClr val="accent6"/>
           </a:lnRef>
-          <a:fillRef idx="0">
-            <a:scrgbClr r="0" g="0" b="0"/>
+          <a:fillRef idx="1">
+            <a:schemeClr val="lt1"/>
           </a:fillRef>
           <a:effectRef idx="0">
-            <a:scrgbClr r="0" g="0" b="0"/>
+            <a:schemeClr val="accent6"/>
           </a:effectRef>
           <a:fontRef idx="minor">
-            <a:schemeClr val="lt1"/>
+            <a:schemeClr val="dk1"/>
           </a:fontRef>
         </p:style>
         <p:txBody>
@@ -9940,16 +11029,16 @@
           <a:lstStyle/>
           <a:p>
             <a:pPr algn="ctr"/>
-            <a:endParaRPr kumimoji="1" lang="ja-JP" altLang="en-US"/>
-          </a:p>
-        </p:txBody>
-      </p:sp>
-      <p:sp>
-        <p:nvSpPr>
-          <p:cNvPr id="10" name="矢印: ストライプ 9">
-            <a:extLst>
-              <a:ext uri="{FF2B5EF4-FFF2-40B4-BE49-F238E27FC236}">
-                <a16:creationId xmlns:a16="http://schemas.microsoft.com/office/drawing/2014/main" id="{B5A54D42-3A0B-48EA-AB08-1B59BD5B7B1A}"/>
+            <a:endParaRPr kumimoji="1" lang="ja-JP" altLang="en-US" dirty="0"/>
+          </a:p>
+        </p:txBody>
+      </p:sp>
+      <p:sp>
+        <p:nvSpPr>
+          <p:cNvPr id="7" name="楕円 6">
+            <a:extLst>
+              <a:ext uri="{FF2B5EF4-FFF2-40B4-BE49-F238E27FC236}">
+                <a16:creationId xmlns:a16="http://schemas.microsoft.com/office/drawing/2014/main" id="{9B86F6A6-9709-4258-9631-739FF8E20D43}"/>
               </a:ext>
             </a:extLst>
           </p:cNvPr>
@@ -9958,36 +11047,25 @@
         </p:nvSpPr>
         <p:spPr>
           <a:xfrm>
-            <a:off x="938213" y="3956050"/>
-            <a:ext cx="962025" cy="590550"/>
-          </a:xfrm>
-          <a:prstGeom prst="stripedRightArrow">
-            <a:avLst>
-              <a:gd name="adj1" fmla="val 56452"/>
-              <a:gd name="adj2" fmla="val 46774"/>
-            </a:avLst>
-          </a:prstGeom>
-          <a:solidFill>
-            <a:schemeClr val="accent6">
-              <a:alpha val="50000"/>
-            </a:schemeClr>
-          </a:solidFill>
-          <a:ln>
-            <a:noFill/>
-          </a:ln>
+            <a:off x="571500" y="4257674"/>
+            <a:ext cx="5143500" cy="2085975"/>
+          </a:xfrm>
+          <a:prstGeom prst="ellipse">
+            <a:avLst/>
+          </a:prstGeom>
         </p:spPr>
         <p:style>
-          <a:lnRef idx="0">
-            <a:scrgbClr r="0" g="0" b="0"/>
+          <a:lnRef idx="2">
+            <a:schemeClr val="accent6"/>
           </a:lnRef>
-          <a:fillRef idx="0">
-            <a:scrgbClr r="0" g="0" b="0"/>
+          <a:fillRef idx="1">
+            <a:schemeClr val="lt1"/>
           </a:fillRef>
           <a:effectRef idx="0">
-            <a:scrgbClr r="0" g="0" b="0"/>
+            <a:schemeClr val="accent6"/>
           </a:effectRef>
           <a:fontRef idx="minor">
-            <a:schemeClr val="lt1"/>
+            <a:schemeClr val="dk1"/>
           </a:fontRef>
         </p:style>
         <p:txBody>
@@ -9995,16 +11073,19 @@
           <a:lstStyle/>
           <a:p>
             <a:pPr algn="ctr"/>
-            <a:endParaRPr kumimoji="1" lang="ja-JP" altLang="en-US"/>
-          </a:p>
-        </p:txBody>
-      </p:sp>
-      <p:sp>
-        <p:nvSpPr>
-          <p:cNvPr id="11" name="矢印: ストライプ 10">
-            <a:extLst>
-              <a:ext uri="{FF2B5EF4-FFF2-40B4-BE49-F238E27FC236}">
-                <a16:creationId xmlns:a16="http://schemas.microsoft.com/office/drawing/2014/main" id="{B65FCAA1-150B-4088-83EC-B143540F2DF7}"/>
+            <a:endParaRPr kumimoji="1" lang="ja-JP" altLang="en-US" dirty="0">
+              <a:latin typeface="HG丸ｺﾞｼｯｸM-PRO" panose="020F0600000000000000" pitchFamily="50" charset="-128"/>
+              <a:ea typeface="HG丸ｺﾞｼｯｸM-PRO" panose="020F0600000000000000" pitchFamily="50" charset="-128"/>
+            </a:endParaRPr>
+          </a:p>
+        </p:txBody>
+      </p:sp>
+      <p:sp>
+        <p:nvSpPr>
+          <p:cNvPr id="8" name="楕円 7">
+            <a:extLst>
+              <a:ext uri="{FF2B5EF4-FFF2-40B4-BE49-F238E27FC236}">
+                <a16:creationId xmlns:a16="http://schemas.microsoft.com/office/drawing/2014/main" id="{882236E2-A3A4-450D-8BBD-39774AF9EF9A}"/>
               </a:ext>
             </a:extLst>
           </p:cNvPr>
@@ -10013,36 +11094,25 @@
         </p:nvSpPr>
         <p:spPr>
           <a:xfrm>
-            <a:off x="938212" y="5576888"/>
-            <a:ext cx="962025" cy="590550"/>
-          </a:xfrm>
-          <a:prstGeom prst="stripedRightArrow">
-            <a:avLst>
-              <a:gd name="adj1" fmla="val 56452"/>
-              <a:gd name="adj2" fmla="val 46774"/>
-            </a:avLst>
-          </a:prstGeom>
-          <a:solidFill>
-            <a:schemeClr val="accent6">
-              <a:alpha val="50000"/>
-            </a:schemeClr>
-          </a:solidFill>
-          <a:ln>
-            <a:noFill/>
-          </a:ln>
+            <a:off x="6477002" y="4257674"/>
+            <a:ext cx="5143500" cy="2085975"/>
+          </a:xfrm>
+          <a:prstGeom prst="ellipse">
+            <a:avLst/>
+          </a:prstGeom>
         </p:spPr>
         <p:style>
-          <a:lnRef idx="0">
-            <a:scrgbClr r="0" g="0" b="0"/>
+          <a:lnRef idx="2">
+            <a:schemeClr val="accent6"/>
           </a:lnRef>
-          <a:fillRef idx="0">
-            <a:scrgbClr r="0" g="0" b="0"/>
+          <a:fillRef idx="1">
+            <a:schemeClr val="lt1"/>
           </a:fillRef>
           <a:effectRef idx="0">
-            <a:scrgbClr r="0" g="0" b="0"/>
+            <a:schemeClr val="accent6"/>
           </a:effectRef>
           <a:fontRef idx="minor">
-            <a:schemeClr val="lt1"/>
+            <a:schemeClr val="dk1"/>
           </a:fontRef>
         </p:style>
         <p:txBody>
@@ -10054,10 +11124,503 @@
           </a:p>
         </p:txBody>
       </p:sp>
+      <p:pic>
+        <p:nvPicPr>
+          <p:cNvPr id="1026" name="Picture 2">
+            <a:extLst>
+              <a:ext uri="{FF2B5EF4-FFF2-40B4-BE49-F238E27FC236}">
+                <a16:creationId xmlns:a16="http://schemas.microsoft.com/office/drawing/2014/main" id="{10458797-603B-4142-A4E3-375B97F6C4FB}"/>
+              </a:ext>
+            </a:extLst>
+          </p:cNvPr>
+          <p:cNvPicPr>
+            <a:picLocks noChangeAspect="1" noChangeArrowheads="1"/>
+          </p:cNvPicPr>
+          <p:nvPr/>
+        </p:nvPicPr>
+        <p:blipFill>
+          <a:blip r:embed="rId2">
+            <a:extLst>
+              <a:ext uri="{28A0092B-C50C-407E-A947-70E740481C1C}">
+                <a14:useLocalDpi xmlns:a14="http://schemas.microsoft.com/office/drawing/2010/main" val="0"/>
+              </a:ext>
+            </a:extLst>
+          </a:blip>
+          <a:srcRect/>
+          <a:stretch>
+            <a:fillRect/>
+          </a:stretch>
+        </p:blipFill>
+        <p:spPr bwMode="auto">
+          <a:xfrm>
+            <a:off x="9625013" y="3571875"/>
+            <a:ext cx="1226569" cy="1228725"/>
+          </a:xfrm>
+          <a:prstGeom prst="rect">
+            <a:avLst/>
+          </a:prstGeom>
+          <a:noFill/>
+          <a:extLst>
+            <a:ext uri="{909E8E84-426E-40DD-AFC4-6F175D3DCCD1}">
+              <a14:hiddenFill xmlns:a14="http://schemas.microsoft.com/office/drawing/2010/main">
+                <a:solidFill>
+                  <a:srgbClr val="FFFFFF"/>
+                </a:solidFill>
+              </a14:hiddenFill>
+            </a:ext>
+          </a:extLst>
+        </p:spPr>
+      </p:pic>
+      <p:pic>
+        <p:nvPicPr>
+          <p:cNvPr id="1028" name="Picture 4" descr="男性の顔アイコン 12">
+            <a:extLst>
+              <a:ext uri="{FF2B5EF4-FFF2-40B4-BE49-F238E27FC236}">
+                <a16:creationId xmlns:a16="http://schemas.microsoft.com/office/drawing/2014/main" id="{6F54F77A-EB20-4556-8423-0B7A9D41FF5D}"/>
+              </a:ext>
+            </a:extLst>
+          </p:cNvPr>
+          <p:cNvPicPr>
+            <a:picLocks noChangeAspect="1" noChangeArrowheads="1"/>
+          </p:cNvPicPr>
+          <p:nvPr/>
+        </p:nvPicPr>
+        <p:blipFill>
+          <a:blip r:embed="rId3">
+            <a:extLst>
+              <a:ext uri="{28A0092B-C50C-407E-A947-70E740481C1C}">
+                <a14:useLocalDpi xmlns:a14="http://schemas.microsoft.com/office/drawing/2010/main" val="0"/>
+              </a:ext>
+            </a:extLst>
+          </a:blip>
+          <a:srcRect/>
+          <a:stretch>
+            <a:fillRect/>
+          </a:stretch>
+        </p:blipFill>
+        <p:spPr bwMode="auto">
+          <a:xfrm>
+            <a:off x="657225" y="3643311"/>
+            <a:ext cx="1228725" cy="1228725"/>
+          </a:xfrm>
+          <a:prstGeom prst="rect">
+            <a:avLst/>
+          </a:prstGeom>
+          <a:noFill/>
+          <a:extLst>
+            <a:ext uri="{909E8E84-426E-40DD-AFC4-6F175D3DCCD1}">
+              <a14:hiddenFill xmlns:a14="http://schemas.microsoft.com/office/drawing/2010/main">
+                <a:solidFill>
+                  <a:srgbClr val="FFFFFF"/>
+                </a:solidFill>
+              </a14:hiddenFill>
+            </a:ext>
+          </a:extLst>
+        </p:spPr>
+      </p:pic>
+      <p:pic>
+        <p:nvPicPr>
+          <p:cNvPr id="1030" name="Picture 6" descr="スーツを着た女性のイラスト（笑顔）">
+            <a:extLst>
+              <a:ext uri="{FF2B5EF4-FFF2-40B4-BE49-F238E27FC236}">
+                <a16:creationId xmlns:a16="http://schemas.microsoft.com/office/drawing/2014/main" id="{C86B97C1-340E-4366-A0B2-6F9280E0960D}"/>
+              </a:ext>
+            </a:extLst>
+          </p:cNvPr>
+          <p:cNvPicPr>
+            <a:picLocks noChangeAspect="1" noChangeArrowheads="1"/>
+          </p:cNvPicPr>
+          <p:nvPr/>
+        </p:nvPicPr>
+        <p:blipFill>
+          <a:blip r:embed="rId4">
+            <a:extLst>
+              <a:ext uri="{28A0092B-C50C-407E-A947-70E740481C1C}">
+                <a14:useLocalDpi xmlns:a14="http://schemas.microsoft.com/office/drawing/2010/main" val="0"/>
+              </a:ext>
+            </a:extLst>
+          </a:blip>
+          <a:srcRect/>
+          <a:stretch>
+            <a:fillRect/>
+          </a:stretch>
+        </p:blipFill>
+        <p:spPr bwMode="auto">
+          <a:xfrm>
+            <a:off x="4977527" y="833439"/>
+            <a:ext cx="1085136" cy="1476375"/>
+          </a:xfrm>
+          <a:prstGeom prst="rect">
+            <a:avLst/>
+          </a:prstGeom>
+          <a:noFill/>
+          <a:extLst>
+            <a:ext uri="{909E8E84-426E-40DD-AFC4-6F175D3DCCD1}">
+              <a14:hiddenFill xmlns:a14="http://schemas.microsoft.com/office/drawing/2010/main">
+                <a:solidFill>
+                  <a:srgbClr val="FFFFFF"/>
+                </a:solidFill>
+              </a14:hiddenFill>
+            </a:ext>
+          </a:extLst>
+        </p:spPr>
+      </p:pic>
+      <p:pic>
+        <p:nvPicPr>
+          <p:cNvPr id="1032" name="Picture 8" descr="スーツを着た男性のイラスト（笑顔）">
+            <a:extLst>
+              <a:ext uri="{FF2B5EF4-FFF2-40B4-BE49-F238E27FC236}">
+                <a16:creationId xmlns:a16="http://schemas.microsoft.com/office/drawing/2014/main" id="{0E40DF48-D900-44C6-A981-F882B369BB38}"/>
+              </a:ext>
+            </a:extLst>
+          </p:cNvPr>
+          <p:cNvPicPr>
+            <a:picLocks noChangeAspect="1" noChangeArrowheads="1"/>
+          </p:cNvPicPr>
+          <p:nvPr/>
+        </p:nvPicPr>
+        <p:blipFill>
+          <a:blip r:embed="rId5">
+            <a:extLst>
+              <a:ext uri="{28A0092B-C50C-407E-A947-70E740481C1C}">
+                <a14:useLocalDpi xmlns:a14="http://schemas.microsoft.com/office/drawing/2010/main" val="0"/>
+              </a:ext>
+            </a:extLst>
+          </a:blip>
+          <a:srcRect/>
+          <a:stretch>
+            <a:fillRect/>
+          </a:stretch>
+        </p:blipFill>
+        <p:spPr bwMode="auto">
+          <a:xfrm>
+            <a:off x="6019799" y="833438"/>
+            <a:ext cx="1085136" cy="1476376"/>
+          </a:xfrm>
+          <a:prstGeom prst="rect">
+            <a:avLst/>
+          </a:prstGeom>
+          <a:noFill/>
+          <a:extLst>
+            <a:ext uri="{909E8E84-426E-40DD-AFC4-6F175D3DCCD1}">
+              <a14:hiddenFill xmlns:a14="http://schemas.microsoft.com/office/drawing/2010/main">
+                <a:solidFill>
+                  <a:srgbClr val="FFFFFF"/>
+                </a:solidFill>
+              </a14:hiddenFill>
+            </a:ext>
+          </a:extLst>
+        </p:spPr>
+      </p:pic>
+      <p:sp>
+        <p:nvSpPr>
+          <p:cNvPr id="9" name="テキスト ボックス 8">
+            <a:extLst>
+              <a:ext uri="{FF2B5EF4-FFF2-40B4-BE49-F238E27FC236}">
+                <a16:creationId xmlns:a16="http://schemas.microsoft.com/office/drawing/2014/main" id="{0BA1F182-8C3E-49A1-8654-B26910DBBBE9}"/>
+              </a:ext>
+            </a:extLst>
+          </p:cNvPr>
+          <p:cNvSpPr txBox="1"/>
+          <p:nvPr/>
+        </p:nvSpPr>
+        <p:spPr>
+          <a:xfrm>
+            <a:off x="5584209" y="458273"/>
+            <a:ext cx="871180" cy="369332"/>
+          </a:xfrm>
+          <a:prstGeom prst="rect">
+            <a:avLst/>
+          </a:prstGeom>
+          <a:noFill/>
+        </p:spPr>
+        <p:txBody>
+          <a:bodyPr wrap="square" rtlCol="0">
+            <a:spAutoFit/>
+          </a:bodyPr>
+          <a:lstStyle/>
+          <a:p>
+            <a:r>
+              <a:rPr lang="ja-JP" altLang="en-US" dirty="0">
+                <a:latin typeface="HG丸ｺﾞｼｯｸM-PRO" panose="020F0600000000000000" pitchFamily="50" charset="-128"/>
+                <a:ea typeface="HG丸ｺﾞｼｯｸM-PRO" panose="020F0600000000000000" pitchFamily="50" charset="-128"/>
+              </a:rPr>
+              <a:t>受講生</a:t>
+            </a:r>
+            <a:endParaRPr kumimoji="1" lang="ja-JP" altLang="en-US" dirty="0">
+              <a:latin typeface="HG丸ｺﾞｼｯｸM-PRO" panose="020F0600000000000000" pitchFamily="50" charset="-128"/>
+              <a:ea typeface="HG丸ｺﾞｼｯｸM-PRO" panose="020F0600000000000000" pitchFamily="50" charset="-128"/>
+            </a:endParaRPr>
+          </a:p>
+        </p:txBody>
+      </p:sp>
+      <p:sp>
+        <p:nvSpPr>
+          <p:cNvPr id="14" name="テキスト ボックス 13">
+            <a:extLst>
+              <a:ext uri="{FF2B5EF4-FFF2-40B4-BE49-F238E27FC236}">
+                <a16:creationId xmlns:a16="http://schemas.microsoft.com/office/drawing/2014/main" id="{4DE2495B-9BED-4209-A858-6332C02F2208}"/>
+              </a:ext>
+            </a:extLst>
+          </p:cNvPr>
+          <p:cNvSpPr txBox="1"/>
+          <p:nvPr/>
+        </p:nvSpPr>
+        <p:spPr>
+          <a:xfrm>
+            <a:off x="923924" y="3178730"/>
+            <a:ext cx="695325" cy="369332"/>
+          </a:xfrm>
+          <a:prstGeom prst="rect">
+            <a:avLst/>
+          </a:prstGeom>
+          <a:noFill/>
+        </p:spPr>
+        <p:txBody>
+          <a:bodyPr wrap="square" rtlCol="0">
+            <a:spAutoFit/>
+          </a:bodyPr>
+          <a:lstStyle/>
+          <a:p>
+            <a:r>
+              <a:rPr kumimoji="1" lang="ja-JP" altLang="en-US" dirty="0">
+                <a:latin typeface="HG丸ｺﾞｼｯｸM-PRO" panose="020F0600000000000000" pitchFamily="50" charset="-128"/>
+                <a:ea typeface="HG丸ｺﾞｼｯｸM-PRO" panose="020F0600000000000000" pitchFamily="50" charset="-128"/>
+              </a:rPr>
+              <a:t>講師</a:t>
+            </a:r>
+          </a:p>
+        </p:txBody>
+      </p:sp>
+      <p:sp>
+        <p:nvSpPr>
+          <p:cNvPr id="15" name="テキスト ボックス 14">
+            <a:extLst>
+              <a:ext uri="{FF2B5EF4-FFF2-40B4-BE49-F238E27FC236}">
+                <a16:creationId xmlns:a16="http://schemas.microsoft.com/office/drawing/2014/main" id="{B79A0BC2-585A-4EF1-B202-07472C1E90F1}"/>
+              </a:ext>
+            </a:extLst>
+          </p:cNvPr>
+          <p:cNvSpPr txBox="1"/>
+          <p:nvPr/>
+        </p:nvSpPr>
+        <p:spPr>
+          <a:xfrm>
+            <a:off x="9829801" y="3178730"/>
+            <a:ext cx="1021782" cy="369332"/>
+          </a:xfrm>
+          <a:prstGeom prst="rect">
+            <a:avLst/>
+          </a:prstGeom>
+          <a:noFill/>
+        </p:spPr>
+        <p:txBody>
+          <a:bodyPr wrap="square" rtlCol="0">
+            <a:spAutoFit/>
+          </a:bodyPr>
+          <a:lstStyle/>
+          <a:p>
+            <a:r>
+              <a:rPr kumimoji="1" lang="ja-JP" altLang="en-US" dirty="0">
+                <a:latin typeface="HG丸ｺﾞｼｯｸM-PRO" panose="020F0600000000000000" pitchFamily="50" charset="-128"/>
+                <a:ea typeface="HG丸ｺﾞｼｯｸM-PRO" panose="020F0600000000000000" pitchFamily="50" charset="-128"/>
+              </a:rPr>
+              <a:t>事務局</a:t>
+            </a:r>
+          </a:p>
+        </p:txBody>
+      </p:sp>
+      <p:sp>
+        <p:nvSpPr>
+          <p:cNvPr id="11" name="テキスト ボックス 10">
+            <a:extLst>
+              <a:ext uri="{FF2B5EF4-FFF2-40B4-BE49-F238E27FC236}">
+                <a16:creationId xmlns:a16="http://schemas.microsoft.com/office/drawing/2014/main" id="{2077C2A2-0F43-4062-B534-C0F1971B431C}"/>
+              </a:ext>
+            </a:extLst>
+          </p:cNvPr>
+          <p:cNvSpPr txBox="1"/>
+          <p:nvPr/>
+        </p:nvSpPr>
+        <p:spPr>
+          <a:xfrm>
+            <a:off x="3078958" y="2542163"/>
+            <a:ext cx="6162674" cy="646331"/>
+          </a:xfrm>
+          <a:prstGeom prst="rect">
+            <a:avLst/>
+          </a:prstGeom>
+          <a:noFill/>
+        </p:spPr>
+        <p:txBody>
+          <a:bodyPr wrap="square" rtlCol="0">
+            <a:spAutoFit/>
+          </a:bodyPr>
+          <a:lstStyle/>
+          <a:p>
+            <a:r>
+              <a:rPr kumimoji="1" lang="ja-JP" altLang="en-US" dirty="0">
+                <a:latin typeface="HG丸ｺﾞｼｯｸM-PRO" panose="020F0600000000000000" pitchFamily="50" charset="-128"/>
+                <a:ea typeface="HG丸ｺﾞｼｯｸM-PRO" panose="020F0600000000000000" pitchFamily="50" charset="-128"/>
+              </a:rPr>
+              <a:t>・匿名性であるため、気兼ねなく質問をすることができる</a:t>
+            </a:r>
+          </a:p>
+          <a:p>
+            <a:r>
+              <a:rPr kumimoji="1" lang="ja-JP" altLang="en-US" dirty="0">
+                <a:latin typeface="HG丸ｺﾞｼｯｸM-PRO" panose="020F0600000000000000" pitchFamily="50" charset="-128"/>
+                <a:ea typeface="HG丸ｺﾞｼｯｸM-PRO" panose="020F0600000000000000" pitchFamily="50" charset="-128"/>
+              </a:rPr>
+              <a:t>・過去の質問を見て知識を得ることができる</a:t>
+            </a:r>
+          </a:p>
+        </p:txBody>
+      </p:sp>
+      <p:sp>
+        <p:nvSpPr>
+          <p:cNvPr id="12" name="テキスト ボックス 11">
+            <a:extLst>
+              <a:ext uri="{FF2B5EF4-FFF2-40B4-BE49-F238E27FC236}">
+                <a16:creationId xmlns:a16="http://schemas.microsoft.com/office/drawing/2014/main" id="{29C1BB0F-7A98-410C-A7FC-B3070DB78AF2}"/>
+              </a:ext>
+            </a:extLst>
+          </p:cNvPr>
+          <p:cNvSpPr txBox="1"/>
+          <p:nvPr/>
+        </p:nvSpPr>
+        <p:spPr>
+          <a:xfrm>
+            <a:off x="923924" y="4947223"/>
+            <a:ext cx="4746009" cy="646331"/>
+          </a:xfrm>
+          <a:prstGeom prst="rect">
+            <a:avLst/>
+          </a:prstGeom>
+          <a:noFill/>
+        </p:spPr>
+        <p:txBody>
+          <a:bodyPr wrap="square" rtlCol="0">
+            <a:spAutoFit/>
+          </a:bodyPr>
+          <a:lstStyle/>
+          <a:p>
+            <a:r>
+              <a:rPr kumimoji="1" lang="ja-JP" altLang="en-US" dirty="0">
+                <a:latin typeface="HG丸ｺﾞｼｯｸM-PRO" panose="020F0600000000000000" pitchFamily="50" charset="-128"/>
+                <a:ea typeface="HG丸ｺﾞｼｯｸM-PRO" panose="020F0600000000000000" pitchFamily="50" charset="-128"/>
+              </a:rPr>
+              <a:t>・同じ質問に何度も対応することを防ぐ</a:t>
+            </a:r>
+          </a:p>
+          <a:p>
+            <a:r>
+              <a:rPr kumimoji="1" lang="ja-JP" altLang="en-US" dirty="0">
+                <a:latin typeface="HG丸ｺﾞｼｯｸM-PRO" panose="020F0600000000000000" pitchFamily="50" charset="-128"/>
+                <a:ea typeface="HG丸ｺﾞｼｯｸM-PRO" panose="020F0600000000000000" pitchFamily="50" charset="-128"/>
+              </a:rPr>
+              <a:t>・質問の管理がしやすい</a:t>
+            </a:r>
+          </a:p>
+        </p:txBody>
+      </p:sp>
+      <p:sp>
+        <p:nvSpPr>
+          <p:cNvPr id="19" name="テキスト ボックス 18">
+            <a:extLst>
+              <a:ext uri="{FF2B5EF4-FFF2-40B4-BE49-F238E27FC236}">
+                <a16:creationId xmlns:a16="http://schemas.microsoft.com/office/drawing/2014/main" id="{C95BC6C4-3965-4AAD-AA9C-903956651D13}"/>
+              </a:ext>
+            </a:extLst>
+          </p:cNvPr>
+          <p:cNvSpPr txBox="1"/>
+          <p:nvPr/>
+        </p:nvSpPr>
+        <p:spPr>
+          <a:xfrm>
+            <a:off x="6868627" y="4947223"/>
+            <a:ext cx="4746009" cy="369332"/>
+          </a:xfrm>
+          <a:prstGeom prst="rect">
+            <a:avLst/>
+          </a:prstGeom>
+          <a:noFill/>
+        </p:spPr>
+        <p:txBody>
+          <a:bodyPr wrap="square" rtlCol="0">
+            <a:spAutoFit/>
+          </a:bodyPr>
+          <a:lstStyle/>
+          <a:p>
+            <a:r>
+              <a:rPr kumimoji="1" lang="ja-JP" altLang="en-US" dirty="0">
+                <a:latin typeface="HG丸ｺﾞｼｯｸM-PRO" panose="020F0600000000000000" pitchFamily="50" charset="-128"/>
+                <a:ea typeface="HG丸ｺﾞｼｯｸM-PRO" panose="020F0600000000000000" pitchFamily="50" charset="-128"/>
+              </a:rPr>
+              <a:t>・質問の管理がしやすい</a:t>
+            </a:r>
+            <a:endParaRPr kumimoji="1" lang="en-US" altLang="ja-JP" dirty="0">
+              <a:latin typeface="HG丸ｺﾞｼｯｸM-PRO" panose="020F0600000000000000" pitchFamily="50" charset="-128"/>
+              <a:ea typeface="HG丸ｺﾞｼｯｸM-PRO" panose="020F0600000000000000" pitchFamily="50" charset="-128"/>
+            </a:endParaRPr>
+          </a:p>
+        </p:txBody>
+      </p:sp>
+      <mc:AlternateContent xmlns:mc="http://schemas.openxmlformats.org/markup-compatibility/2006">
+        <mc:Choice xmlns:p14="http://schemas.microsoft.com/office/powerpoint/2010/main" Requires="p14">
+          <p:contentPart p14:bwMode="auto" r:id="rId6">
+            <p14:nvContentPartPr>
+              <p14:cNvPr id="3" name="インク 2">
+                <a:extLst>
+                  <a:ext uri="{FF2B5EF4-FFF2-40B4-BE49-F238E27FC236}">
+                    <a16:creationId xmlns:a16="http://schemas.microsoft.com/office/drawing/2014/main" id="{1587BD2D-BBCB-460C-ADAA-5543A3AC63F1}"/>
+                  </a:ext>
+                </a:extLst>
+              </p14:cNvPr>
+              <p14:cNvContentPartPr/>
+              <p14:nvPr/>
+            </p14:nvContentPartPr>
+            <p14:xfrm>
+              <a:off x="896421" y="1074409"/>
+              <a:ext cx="3577680" cy="46440"/>
+            </p14:xfrm>
+          </p:contentPart>
+        </mc:Choice>
+        <mc:Fallback>
+          <p:pic>
+            <p:nvPicPr>
+              <p:cNvPr id="3" name="インク 2">
+                <a:extLst>
+                  <a:ext uri="{FF2B5EF4-FFF2-40B4-BE49-F238E27FC236}">
+                    <a16:creationId xmlns:a16="http://schemas.microsoft.com/office/drawing/2014/main" id="{1587BD2D-BBCB-460C-ADAA-5543A3AC63F1}"/>
+                  </a:ext>
+                </a:extLst>
+              </p:cNvPr>
+              <p:cNvPicPr/>
+              <p:nvPr/>
+            </p:nvPicPr>
+            <p:blipFill>
+              <a:blip r:embed="rId7"/>
+              <a:stretch>
+                <a:fillRect/>
+              </a:stretch>
+            </p:blipFill>
+            <p:spPr>
+              <a:xfrm>
+                <a:off x="806421" y="894769"/>
+                <a:ext cx="3757320" cy="406080"/>
+              </a:xfrm>
+              <a:prstGeom prst="rect">
+                <a:avLst/>
+              </a:prstGeom>
+            </p:spPr>
+          </p:pic>
+        </mc:Fallback>
+      </mc:AlternateContent>
     </p:spTree>
     <p:extLst>
       <p:ext uri="{BB962C8B-B14F-4D97-AF65-F5344CB8AC3E}">
-        <p14:creationId xmlns:p14="http://schemas.microsoft.com/office/powerpoint/2010/main" val="206378947"/>
+        <p14:creationId xmlns:p14="http://schemas.microsoft.com/office/powerpoint/2010/main" val="170496296"/>
       </p:ext>
     </p:extLst>
   </p:cSld>
@@ -10112,8 +11675,36 @@
                 <a:latin typeface="HG丸ｺﾞｼｯｸM-PRO" panose="020F0600000000000000" pitchFamily="50" charset="-128"/>
                 <a:ea typeface="HG丸ｺﾞｼｯｸM-PRO" panose="020F0600000000000000" pitchFamily="50" charset="-128"/>
               </a:rPr>
-              <a:t>期待できること</a:t>
-            </a:r>
+              <a:t>成果</a:t>
+            </a:r>
+          </a:p>
+        </p:txBody>
+      </p:sp>
+      <p:sp>
+        <p:nvSpPr>
+          <p:cNvPr id="3" name="コンテンツ プレースホルダー 2">
+            <a:extLst>
+              <a:ext uri="{FF2B5EF4-FFF2-40B4-BE49-F238E27FC236}">
+                <a16:creationId xmlns:a16="http://schemas.microsoft.com/office/drawing/2014/main" id="{C3F67336-AEF3-4088-9E02-583B7C424338}"/>
+              </a:ext>
+            </a:extLst>
+          </p:cNvPr>
+          <p:cNvSpPr>
+            <a:spLocks noGrp="1"/>
+          </p:cNvSpPr>
+          <p:nvPr>
+            <p:ph idx="1"/>
+          </p:nvPr>
+        </p:nvSpPr>
+        <p:spPr/>
+        <p:txBody>
+          <a:bodyPr/>
+          <a:lstStyle/>
+          <a:p>
+            <a:endParaRPr kumimoji="1" lang="ja-JP" altLang="en-US" dirty="0">
+              <a:latin typeface="HG丸ｺﾞｼｯｸM-PRO" panose="020F0600000000000000" pitchFamily="50" charset="-128"/>
+              <a:ea typeface="HG丸ｺﾞｼｯｸM-PRO" panose="020F0600000000000000" pitchFamily="50" charset="-128"/>
+            </a:endParaRPr>
           </a:p>
         </p:txBody>
       </p:sp>
@@ -10186,448 +11777,61 @@
           </a:p>
         </p:txBody>
       </p:sp>
-      <p:sp>
-        <p:nvSpPr>
-          <p:cNvPr id="6" name="楕円 5">
-            <a:extLst>
-              <a:ext uri="{FF2B5EF4-FFF2-40B4-BE49-F238E27FC236}">
-                <a16:creationId xmlns:a16="http://schemas.microsoft.com/office/drawing/2014/main" id="{B295419D-2F83-48D5-AB44-5635CA0386C7}"/>
-              </a:ext>
-            </a:extLst>
-          </p:cNvPr>
-          <p:cNvSpPr/>
-          <p:nvPr/>
-        </p:nvSpPr>
-        <p:spPr>
-          <a:xfrm>
-            <a:off x="2762250" y="1790700"/>
-            <a:ext cx="6600825" cy="2276475"/>
-          </a:xfrm>
-          <a:prstGeom prst="ellipse">
-            <a:avLst/>
-          </a:prstGeom>
-        </p:spPr>
-        <p:style>
-          <a:lnRef idx="2">
-            <a:schemeClr val="accent6"/>
-          </a:lnRef>
-          <a:fillRef idx="1">
-            <a:schemeClr val="lt1"/>
-          </a:fillRef>
-          <a:effectRef idx="0">
-            <a:schemeClr val="accent6"/>
-          </a:effectRef>
-          <a:fontRef idx="minor">
-            <a:schemeClr val="dk1"/>
-          </a:fontRef>
-        </p:style>
-        <p:txBody>
-          <a:bodyPr rtlCol="0" anchor="ctr"/>
-          <a:lstStyle/>
-          <a:p>
-            <a:pPr algn="ctr"/>
-            <a:endParaRPr kumimoji="1" lang="ja-JP" altLang="en-US"/>
-          </a:p>
-        </p:txBody>
-      </p:sp>
-      <p:sp>
-        <p:nvSpPr>
-          <p:cNvPr id="7" name="楕円 6">
-            <a:extLst>
-              <a:ext uri="{FF2B5EF4-FFF2-40B4-BE49-F238E27FC236}">
-                <a16:creationId xmlns:a16="http://schemas.microsoft.com/office/drawing/2014/main" id="{9B86F6A6-9709-4258-9631-739FF8E20D43}"/>
-              </a:ext>
-            </a:extLst>
-          </p:cNvPr>
-          <p:cNvSpPr/>
-          <p:nvPr/>
-        </p:nvSpPr>
-        <p:spPr>
-          <a:xfrm>
-            <a:off x="571500" y="4257674"/>
-            <a:ext cx="5143500" cy="2085975"/>
-          </a:xfrm>
-          <a:prstGeom prst="ellipse">
-            <a:avLst/>
-          </a:prstGeom>
-        </p:spPr>
-        <p:style>
-          <a:lnRef idx="2">
-            <a:schemeClr val="accent6"/>
-          </a:lnRef>
-          <a:fillRef idx="1">
-            <a:schemeClr val="lt1"/>
-          </a:fillRef>
-          <a:effectRef idx="0">
-            <a:schemeClr val="accent6"/>
-          </a:effectRef>
-          <a:fontRef idx="minor">
-            <a:schemeClr val="dk1"/>
-          </a:fontRef>
-        </p:style>
-        <p:txBody>
-          <a:bodyPr rtlCol="0" anchor="ctr"/>
-          <a:lstStyle/>
-          <a:p>
-            <a:pPr algn="ctr"/>
-            <a:endParaRPr kumimoji="1" lang="ja-JP" altLang="en-US"/>
-          </a:p>
-        </p:txBody>
-      </p:sp>
-      <p:sp>
-        <p:nvSpPr>
-          <p:cNvPr id="8" name="楕円 7">
-            <a:extLst>
-              <a:ext uri="{FF2B5EF4-FFF2-40B4-BE49-F238E27FC236}">
-                <a16:creationId xmlns:a16="http://schemas.microsoft.com/office/drawing/2014/main" id="{882236E2-A3A4-450D-8BBD-39774AF9EF9A}"/>
-              </a:ext>
-            </a:extLst>
-          </p:cNvPr>
-          <p:cNvSpPr/>
-          <p:nvPr/>
-        </p:nvSpPr>
-        <p:spPr>
-          <a:xfrm>
-            <a:off x="6477002" y="4257674"/>
-            <a:ext cx="5143500" cy="2085975"/>
-          </a:xfrm>
-          <a:prstGeom prst="ellipse">
-            <a:avLst/>
-          </a:prstGeom>
-        </p:spPr>
-        <p:style>
-          <a:lnRef idx="2">
-            <a:schemeClr val="accent6"/>
-          </a:lnRef>
-          <a:fillRef idx="1">
-            <a:schemeClr val="lt1"/>
-          </a:fillRef>
-          <a:effectRef idx="0">
-            <a:schemeClr val="accent6"/>
-          </a:effectRef>
-          <a:fontRef idx="minor">
-            <a:schemeClr val="dk1"/>
-          </a:fontRef>
-        </p:style>
-        <p:txBody>
-          <a:bodyPr rtlCol="0" anchor="ctr"/>
-          <a:lstStyle/>
-          <a:p>
-            <a:pPr algn="ctr"/>
-            <a:endParaRPr kumimoji="1" lang="ja-JP" altLang="en-US"/>
-          </a:p>
-        </p:txBody>
-      </p:sp>
-      <p:pic>
-        <p:nvPicPr>
-          <p:cNvPr id="1026" name="Picture 2">
-            <a:extLst>
-              <a:ext uri="{FF2B5EF4-FFF2-40B4-BE49-F238E27FC236}">
-                <a16:creationId xmlns:a16="http://schemas.microsoft.com/office/drawing/2014/main" id="{10458797-603B-4142-A4E3-375B97F6C4FB}"/>
-              </a:ext>
-            </a:extLst>
-          </p:cNvPr>
-          <p:cNvPicPr>
-            <a:picLocks noChangeAspect="1" noChangeArrowheads="1"/>
-          </p:cNvPicPr>
-          <p:nvPr/>
-        </p:nvPicPr>
-        <p:blipFill>
-          <a:blip r:embed="rId2">
-            <a:extLst>
-              <a:ext uri="{28A0092B-C50C-407E-A947-70E740481C1C}">
-                <a14:useLocalDpi xmlns:a14="http://schemas.microsoft.com/office/drawing/2010/main" val="0"/>
-              </a:ext>
-            </a:extLst>
-          </a:blip>
-          <a:srcRect/>
-          <a:stretch>
-            <a:fillRect/>
-          </a:stretch>
-        </p:blipFill>
-        <p:spPr bwMode="auto">
-          <a:xfrm>
-            <a:off x="9625013" y="3571875"/>
-            <a:ext cx="1226569" cy="1228725"/>
-          </a:xfrm>
-          <a:prstGeom prst="rect">
-            <a:avLst/>
-          </a:prstGeom>
-          <a:noFill/>
-          <a:extLst>
-            <a:ext uri="{909E8E84-426E-40DD-AFC4-6F175D3DCCD1}">
-              <a14:hiddenFill xmlns:a14="http://schemas.microsoft.com/office/drawing/2010/main">
-                <a:solidFill>
-                  <a:srgbClr val="FFFFFF"/>
-                </a:solidFill>
-              </a14:hiddenFill>
-            </a:ext>
-          </a:extLst>
-        </p:spPr>
-      </p:pic>
-      <p:pic>
-        <p:nvPicPr>
-          <p:cNvPr id="1028" name="Picture 4" descr="男性の顔アイコン 12">
-            <a:extLst>
-              <a:ext uri="{FF2B5EF4-FFF2-40B4-BE49-F238E27FC236}">
-                <a16:creationId xmlns:a16="http://schemas.microsoft.com/office/drawing/2014/main" id="{6F54F77A-EB20-4556-8423-0B7A9D41FF5D}"/>
-              </a:ext>
-            </a:extLst>
-          </p:cNvPr>
-          <p:cNvPicPr>
-            <a:picLocks noChangeAspect="1" noChangeArrowheads="1"/>
-          </p:cNvPicPr>
-          <p:nvPr/>
-        </p:nvPicPr>
-        <p:blipFill>
-          <a:blip r:embed="rId3">
-            <a:extLst>
-              <a:ext uri="{28A0092B-C50C-407E-A947-70E740481C1C}">
-                <a14:useLocalDpi xmlns:a14="http://schemas.microsoft.com/office/drawing/2010/main" val="0"/>
-              </a:ext>
-            </a:extLst>
-          </a:blip>
-          <a:srcRect/>
-          <a:stretch>
-            <a:fillRect/>
-          </a:stretch>
-        </p:blipFill>
-        <p:spPr bwMode="auto">
-          <a:xfrm>
-            <a:off x="657225" y="3643311"/>
-            <a:ext cx="1228725" cy="1228725"/>
-          </a:xfrm>
-          <a:prstGeom prst="rect">
-            <a:avLst/>
-          </a:prstGeom>
-          <a:noFill/>
-          <a:extLst>
-            <a:ext uri="{909E8E84-426E-40DD-AFC4-6F175D3DCCD1}">
-              <a14:hiddenFill xmlns:a14="http://schemas.microsoft.com/office/drawing/2010/main">
-                <a:solidFill>
-                  <a:srgbClr val="FFFFFF"/>
-                </a:solidFill>
-              </a14:hiddenFill>
-            </a:ext>
-          </a:extLst>
-        </p:spPr>
-      </p:pic>
-      <p:pic>
-        <p:nvPicPr>
-          <p:cNvPr id="1030" name="Picture 6" descr="スーツを着た女性のイラスト（笑顔）">
-            <a:extLst>
-              <a:ext uri="{FF2B5EF4-FFF2-40B4-BE49-F238E27FC236}">
-                <a16:creationId xmlns:a16="http://schemas.microsoft.com/office/drawing/2014/main" id="{C86B97C1-340E-4366-A0B2-6F9280E0960D}"/>
-              </a:ext>
-            </a:extLst>
-          </p:cNvPr>
-          <p:cNvPicPr>
-            <a:picLocks noChangeAspect="1" noChangeArrowheads="1"/>
-          </p:cNvPicPr>
-          <p:nvPr/>
-        </p:nvPicPr>
-        <p:blipFill>
-          <a:blip r:embed="rId4">
-            <a:extLst>
-              <a:ext uri="{28A0092B-C50C-407E-A947-70E740481C1C}">
-                <a14:useLocalDpi xmlns:a14="http://schemas.microsoft.com/office/drawing/2010/main" val="0"/>
-              </a:ext>
-            </a:extLst>
-          </a:blip>
-          <a:srcRect/>
-          <a:stretch>
-            <a:fillRect/>
-          </a:stretch>
-        </p:blipFill>
-        <p:spPr bwMode="auto">
-          <a:xfrm>
-            <a:off x="4977527" y="833439"/>
-            <a:ext cx="1085136" cy="1476375"/>
-          </a:xfrm>
-          <a:prstGeom prst="rect">
-            <a:avLst/>
-          </a:prstGeom>
-          <a:noFill/>
-          <a:extLst>
-            <a:ext uri="{909E8E84-426E-40DD-AFC4-6F175D3DCCD1}">
-              <a14:hiddenFill xmlns:a14="http://schemas.microsoft.com/office/drawing/2010/main">
-                <a:solidFill>
-                  <a:srgbClr val="FFFFFF"/>
-                </a:solidFill>
-              </a14:hiddenFill>
-            </a:ext>
-          </a:extLst>
-        </p:spPr>
-      </p:pic>
-      <p:pic>
-        <p:nvPicPr>
-          <p:cNvPr id="1032" name="Picture 8" descr="スーツを着た男性のイラスト（笑顔）">
-            <a:extLst>
-              <a:ext uri="{FF2B5EF4-FFF2-40B4-BE49-F238E27FC236}">
-                <a16:creationId xmlns:a16="http://schemas.microsoft.com/office/drawing/2014/main" id="{0E40DF48-D900-44C6-A981-F882B369BB38}"/>
-              </a:ext>
-            </a:extLst>
-          </p:cNvPr>
-          <p:cNvPicPr>
-            <a:picLocks noChangeAspect="1" noChangeArrowheads="1"/>
-          </p:cNvPicPr>
-          <p:nvPr/>
-        </p:nvPicPr>
-        <p:blipFill>
-          <a:blip r:embed="rId5">
-            <a:extLst>
-              <a:ext uri="{28A0092B-C50C-407E-A947-70E740481C1C}">
-                <a14:useLocalDpi xmlns:a14="http://schemas.microsoft.com/office/drawing/2010/main" val="0"/>
-              </a:ext>
-            </a:extLst>
-          </a:blip>
-          <a:srcRect/>
-          <a:stretch>
-            <a:fillRect/>
-          </a:stretch>
-        </p:blipFill>
-        <p:spPr bwMode="auto">
-          <a:xfrm>
-            <a:off x="6019799" y="833438"/>
-            <a:ext cx="1085136" cy="1476376"/>
-          </a:xfrm>
-          <a:prstGeom prst="rect">
-            <a:avLst/>
-          </a:prstGeom>
-          <a:noFill/>
-          <a:extLst>
-            <a:ext uri="{909E8E84-426E-40DD-AFC4-6F175D3DCCD1}">
-              <a14:hiddenFill xmlns:a14="http://schemas.microsoft.com/office/drawing/2010/main">
-                <a:solidFill>
-                  <a:srgbClr val="FFFFFF"/>
-                </a:solidFill>
-              </a14:hiddenFill>
-            </a:ext>
-          </a:extLst>
-        </p:spPr>
-      </p:pic>
-      <p:sp>
-        <p:nvSpPr>
-          <p:cNvPr id="9" name="テキスト ボックス 8">
-            <a:extLst>
-              <a:ext uri="{FF2B5EF4-FFF2-40B4-BE49-F238E27FC236}">
-                <a16:creationId xmlns:a16="http://schemas.microsoft.com/office/drawing/2014/main" id="{0BA1F182-8C3E-49A1-8654-B26910DBBBE9}"/>
-              </a:ext>
-            </a:extLst>
-          </p:cNvPr>
-          <p:cNvSpPr txBox="1"/>
-          <p:nvPr/>
-        </p:nvSpPr>
-        <p:spPr>
-          <a:xfrm>
-            <a:off x="5584209" y="458273"/>
-            <a:ext cx="871180" cy="369332"/>
-          </a:xfrm>
-          <a:prstGeom prst="rect">
-            <a:avLst/>
-          </a:prstGeom>
-          <a:noFill/>
-        </p:spPr>
-        <p:txBody>
-          <a:bodyPr wrap="square" rtlCol="0">
-            <a:spAutoFit/>
-          </a:bodyPr>
-          <a:lstStyle/>
-          <a:p>
-            <a:r>
-              <a:rPr lang="ja-JP" altLang="en-US" dirty="0">
-                <a:latin typeface="HG丸ｺﾞｼｯｸM-PRO" panose="020F0600000000000000" pitchFamily="50" charset="-128"/>
-                <a:ea typeface="HG丸ｺﾞｼｯｸM-PRO" panose="020F0600000000000000" pitchFamily="50" charset="-128"/>
-              </a:rPr>
-              <a:t>受講生</a:t>
-            </a:r>
-            <a:endParaRPr kumimoji="1" lang="ja-JP" altLang="en-US" dirty="0">
-              <a:latin typeface="HG丸ｺﾞｼｯｸM-PRO" panose="020F0600000000000000" pitchFamily="50" charset="-128"/>
-              <a:ea typeface="HG丸ｺﾞｼｯｸM-PRO" panose="020F0600000000000000" pitchFamily="50" charset="-128"/>
-            </a:endParaRPr>
-          </a:p>
-        </p:txBody>
-      </p:sp>
-      <p:sp>
-        <p:nvSpPr>
-          <p:cNvPr id="14" name="テキスト ボックス 13">
-            <a:extLst>
-              <a:ext uri="{FF2B5EF4-FFF2-40B4-BE49-F238E27FC236}">
-                <a16:creationId xmlns:a16="http://schemas.microsoft.com/office/drawing/2014/main" id="{4DE2495B-9BED-4209-A858-6332C02F2208}"/>
-              </a:ext>
-            </a:extLst>
-          </p:cNvPr>
-          <p:cNvSpPr txBox="1"/>
-          <p:nvPr/>
-        </p:nvSpPr>
-        <p:spPr>
-          <a:xfrm>
-            <a:off x="923924" y="3178730"/>
-            <a:ext cx="695325" cy="369332"/>
-          </a:xfrm>
-          <a:prstGeom prst="rect">
-            <a:avLst/>
-          </a:prstGeom>
-          <a:noFill/>
-        </p:spPr>
-        <p:txBody>
-          <a:bodyPr wrap="square" rtlCol="0">
-            <a:spAutoFit/>
-          </a:bodyPr>
-          <a:lstStyle/>
-          <a:p>
-            <a:r>
-              <a:rPr kumimoji="1" lang="ja-JP" altLang="en-US" dirty="0">
-                <a:latin typeface="HG丸ｺﾞｼｯｸM-PRO" panose="020F0600000000000000" pitchFamily="50" charset="-128"/>
-                <a:ea typeface="HG丸ｺﾞｼｯｸM-PRO" panose="020F0600000000000000" pitchFamily="50" charset="-128"/>
-              </a:rPr>
-              <a:t>講師</a:t>
-            </a:r>
-          </a:p>
-        </p:txBody>
-      </p:sp>
-      <p:sp>
-        <p:nvSpPr>
-          <p:cNvPr id="15" name="テキスト ボックス 14">
-            <a:extLst>
-              <a:ext uri="{FF2B5EF4-FFF2-40B4-BE49-F238E27FC236}">
-                <a16:creationId xmlns:a16="http://schemas.microsoft.com/office/drawing/2014/main" id="{B79A0BC2-585A-4EF1-B202-07472C1E90F1}"/>
-              </a:ext>
-            </a:extLst>
-          </p:cNvPr>
-          <p:cNvSpPr txBox="1"/>
-          <p:nvPr/>
-        </p:nvSpPr>
-        <p:spPr>
-          <a:xfrm>
-            <a:off x="9829801" y="3178730"/>
-            <a:ext cx="1021782" cy="369332"/>
-          </a:xfrm>
-          <a:prstGeom prst="rect">
-            <a:avLst/>
-          </a:prstGeom>
-          <a:noFill/>
-        </p:spPr>
-        <p:txBody>
-          <a:bodyPr wrap="square" rtlCol="0">
-            <a:spAutoFit/>
-          </a:bodyPr>
-          <a:lstStyle/>
-          <a:p>
-            <a:r>
-              <a:rPr kumimoji="1" lang="ja-JP" altLang="en-US" dirty="0">
-                <a:latin typeface="HG丸ｺﾞｼｯｸM-PRO" panose="020F0600000000000000" pitchFamily="50" charset="-128"/>
-                <a:ea typeface="HG丸ｺﾞｼｯｸM-PRO" panose="020F0600000000000000" pitchFamily="50" charset="-128"/>
-              </a:rPr>
-              <a:t>事務局</a:t>
-            </a:r>
-          </a:p>
-        </p:txBody>
-      </p:sp>
+      <mc:AlternateContent xmlns:mc="http://schemas.openxmlformats.org/markup-compatibility/2006">
+        <mc:Choice xmlns:p14="http://schemas.microsoft.com/office/powerpoint/2010/main" Requires="p14">
+          <p:contentPart p14:bwMode="auto" r:id="rId2">
+            <p14:nvContentPartPr>
+              <p14:cNvPr id="5" name="インク 4">
+                <a:extLst>
+                  <a:ext uri="{FF2B5EF4-FFF2-40B4-BE49-F238E27FC236}">
+                    <a16:creationId xmlns:a16="http://schemas.microsoft.com/office/drawing/2014/main" id="{A2B8E68C-A6F5-489E-9D78-A639F6075853}"/>
+                  </a:ext>
+                </a:extLst>
+              </p14:cNvPr>
+              <p14:cNvContentPartPr/>
+              <p14:nvPr/>
+            </p14:nvContentPartPr>
+            <p14:xfrm>
+              <a:off x="896421" y="1003849"/>
+              <a:ext cx="998640" cy="26280"/>
+            </p14:xfrm>
+          </p:contentPart>
+        </mc:Choice>
+        <mc:Fallback>
+          <p:pic>
+            <p:nvPicPr>
+              <p:cNvPr id="5" name="インク 4">
+                <a:extLst>
+                  <a:ext uri="{FF2B5EF4-FFF2-40B4-BE49-F238E27FC236}">
+                    <a16:creationId xmlns:a16="http://schemas.microsoft.com/office/drawing/2014/main" id="{A2B8E68C-A6F5-489E-9D78-A639F6075853}"/>
+                  </a:ext>
+                </a:extLst>
+              </p:cNvPr>
+              <p:cNvPicPr/>
+              <p:nvPr/>
+            </p:nvPicPr>
+            <p:blipFill>
+              <a:blip r:embed="rId3"/>
+              <a:stretch>
+                <a:fillRect/>
+              </a:stretch>
+            </p:blipFill>
+            <p:spPr>
+              <a:xfrm>
+                <a:off x="806421" y="823849"/>
+                <a:ext cx="1178280" cy="385920"/>
+              </a:xfrm>
+              <a:prstGeom prst="rect">
+                <a:avLst/>
+              </a:prstGeom>
+            </p:spPr>
+          </p:pic>
+        </mc:Fallback>
+      </mc:AlternateContent>
     </p:spTree>
     <p:extLst>
       <p:ext uri="{BB962C8B-B14F-4D97-AF65-F5344CB8AC3E}">
-        <p14:creationId xmlns:p14="http://schemas.microsoft.com/office/powerpoint/2010/main" val="170496296"/>
+        <p14:creationId xmlns:p14="http://schemas.microsoft.com/office/powerpoint/2010/main" val="3655081547"/>
       </p:ext>
     </p:extLst>
   </p:cSld>
@@ -10682,36 +11886,8 @@
                 <a:latin typeface="HG丸ｺﾞｼｯｸM-PRO" panose="020F0600000000000000" pitchFamily="50" charset="-128"/>
                 <a:ea typeface="HG丸ｺﾞｼｯｸM-PRO" panose="020F0600000000000000" pitchFamily="50" charset="-128"/>
               </a:rPr>
-              <a:t>成果</a:t>
-            </a:r>
-          </a:p>
-        </p:txBody>
-      </p:sp>
-      <p:sp>
-        <p:nvSpPr>
-          <p:cNvPr id="3" name="コンテンツ プレースホルダー 2">
-            <a:extLst>
-              <a:ext uri="{FF2B5EF4-FFF2-40B4-BE49-F238E27FC236}">
-                <a16:creationId xmlns:a16="http://schemas.microsoft.com/office/drawing/2014/main" id="{C3F67336-AEF3-4088-9E02-583B7C424338}"/>
-              </a:ext>
-            </a:extLst>
-          </p:cNvPr>
-          <p:cNvSpPr>
-            <a:spLocks noGrp="1"/>
-          </p:cNvSpPr>
-          <p:nvPr>
-            <p:ph idx="1"/>
-          </p:nvPr>
-        </p:nvSpPr>
-        <p:spPr/>
-        <p:txBody>
-          <a:bodyPr/>
-          <a:lstStyle/>
-          <a:p>
-            <a:endParaRPr kumimoji="1" lang="ja-JP" altLang="en-US" dirty="0">
-              <a:latin typeface="HG丸ｺﾞｼｯｸM-PRO" panose="020F0600000000000000" pitchFamily="50" charset="-128"/>
-              <a:ea typeface="HG丸ｺﾞｼｯｸM-PRO" panose="020F0600000000000000" pitchFamily="50" charset="-128"/>
-            </a:endParaRPr>
+              <a:t>グループ～役割紹介～</a:t>
+            </a:r>
           </a:p>
         </p:txBody>
       </p:sp>
@@ -10784,10 +11960,788 @@
           </a:p>
         </p:txBody>
       </p:sp>
+      <p:sp>
+        <p:nvSpPr>
+          <p:cNvPr id="6" name="楕円 5">
+            <a:extLst>
+              <a:ext uri="{FF2B5EF4-FFF2-40B4-BE49-F238E27FC236}">
+                <a16:creationId xmlns:a16="http://schemas.microsoft.com/office/drawing/2014/main" id="{B9C3A525-A8B5-40DE-8D16-82FAF3D8C4C2}"/>
+              </a:ext>
+            </a:extLst>
+          </p:cNvPr>
+          <p:cNvSpPr/>
+          <p:nvPr/>
+        </p:nvSpPr>
+        <p:spPr>
+          <a:xfrm>
+            <a:off x="8143875" y="1676353"/>
+            <a:ext cx="2914650" cy="1131888"/>
+          </a:xfrm>
+          <a:prstGeom prst="ellipse">
+            <a:avLst/>
+          </a:prstGeom>
+          <a:solidFill>
+            <a:schemeClr val="accent6">
+              <a:alpha val="50000"/>
+            </a:schemeClr>
+          </a:solidFill>
+          <a:ln>
+            <a:noFill/>
+          </a:ln>
+        </p:spPr>
+        <p:style>
+          <a:lnRef idx="0">
+            <a:scrgbClr r="0" g="0" b="0"/>
+          </a:lnRef>
+          <a:fillRef idx="0">
+            <a:scrgbClr r="0" g="0" b="0"/>
+          </a:fillRef>
+          <a:effectRef idx="0">
+            <a:scrgbClr r="0" g="0" b="0"/>
+          </a:effectRef>
+          <a:fontRef idx="minor">
+            <a:schemeClr val="lt1"/>
+          </a:fontRef>
+        </p:style>
+        <p:txBody>
+          <a:bodyPr rtlCol="0" anchor="ctr"/>
+          <a:lstStyle/>
+          <a:p>
+            <a:pPr algn="ctr"/>
+            <a:r>
+              <a:rPr kumimoji="1" lang="ja-JP" altLang="en-US" dirty="0">
+                <a:solidFill>
+                  <a:schemeClr val="tx1"/>
+                </a:solidFill>
+                <a:latin typeface="HG丸ｺﾞｼｯｸM-PRO" panose="020F0600000000000000" pitchFamily="50" charset="-128"/>
+                <a:ea typeface="HG丸ｺﾞｼｯｸM-PRO" panose="020F0600000000000000" pitchFamily="50" charset="-128"/>
+              </a:rPr>
+              <a:t>梶井ももか</a:t>
+            </a:r>
+            <a:endParaRPr kumimoji="1" lang="en-US" altLang="ja-JP" dirty="0">
+              <a:solidFill>
+                <a:schemeClr val="tx1"/>
+              </a:solidFill>
+              <a:latin typeface="HG丸ｺﾞｼｯｸM-PRO" panose="020F0600000000000000" pitchFamily="50" charset="-128"/>
+              <a:ea typeface="HG丸ｺﾞｼｯｸM-PRO" panose="020F0600000000000000" pitchFamily="50" charset="-128"/>
+            </a:endParaRPr>
+          </a:p>
+          <a:p>
+            <a:pPr algn="ctr"/>
+            <a:r>
+              <a:rPr kumimoji="1" lang="en-US" altLang="ja-JP" dirty="0">
+                <a:solidFill>
+                  <a:schemeClr val="tx1"/>
+                </a:solidFill>
+                <a:latin typeface="HG丸ｺﾞｼｯｸM-PRO" panose="020F0600000000000000" pitchFamily="50" charset="-128"/>
+                <a:ea typeface="HG丸ｺﾞｼｯｸM-PRO" panose="020F0600000000000000" pitchFamily="50" charset="-128"/>
+              </a:rPr>
+              <a:t>DB</a:t>
+            </a:r>
+            <a:r>
+              <a:rPr kumimoji="1" lang="ja-JP" altLang="en-US" dirty="0">
+                <a:solidFill>
+                  <a:schemeClr val="tx1"/>
+                </a:solidFill>
+                <a:latin typeface="HG丸ｺﾞｼｯｸM-PRO" panose="020F0600000000000000" pitchFamily="50" charset="-128"/>
+                <a:ea typeface="HG丸ｺﾞｼｯｸM-PRO" panose="020F0600000000000000" pitchFamily="50" charset="-128"/>
+              </a:rPr>
+              <a:t>担当</a:t>
+            </a:r>
+          </a:p>
+        </p:txBody>
+      </p:sp>
+      <p:sp>
+        <p:nvSpPr>
+          <p:cNvPr id="8" name="楕円 7">
+            <a:extLst>
+              <a:ext uri="{FF2B5EF4-FFF2-40B4-BE49-F238E27FC236}">
+                <a16:creationId xmlns:a16="http://schemas.microsoft.com/office/drawing/2014/main" id="{342C6168-2E08-4659-9A23-E822B9FEF1DF}"/>
+              </a:ext>
+            </a:extLst>
+          </p:cNvPr>
+          <p:cNvSpPr/>
+          <p:nvPr/>
+        </p:nvSpPr>
+        <p:spPr>
+          <a:xfrm>
+            <a:off x="4381500" y="1676353"/>
+            <a:ext cx="3181350" cy="1131888"/>
+          </a:xfrm>
+          <a:prstGeom prst="ellipse">
+            <a:avLst/>
+          </a:prstGeom>
+          <a:solidFill>
+            <a:schemeClr val="accent6">
+              <a:alpha val="50000"/>
+            </a:schemeClr>
+          </a:solidFill>
+          <a:ln>
+            <a:noFill/>
+          </a:ln>
+        </p:spPr>
+        <p:style>
+          <a:lnRef idx="0">
+            <a:scrgbClr r="0" g="0" b="0"/>
+          </a:lnRef>
+          <a:fillRef idx="0">
+            <a:scrgbClr r="0" g="0" b="0"/>
+          </a:fillRef>
+          <a:effectRef idx="0">
+            <a:scrgbClr r="0" g="0" b="0"/>
+          </a:effectRef>
+          <a:fontRef idx="minor">
+            <a:schemeClr val="lt1"/>
+          </a:fontRef>
+        </p:style>
+        <p:txBody>
+          <a:bodyPr rtlCol="0" anchor="ctr"/>
+          <a:lstStyle/>
+          <a:p>
+            <a:pPr algn="ctr"/>
+            <a:r>
+              <a:rPr lang="ja-JP" altLang="en-US" dirty="0">
+                <a:solidFill>
+                  <a:schemeClr val="tx1"/>
+                </a:solidFill>
+                <a:latin typeface="HG丸ｺﾞｼｯｸM-PRO" panose="020F0600000000000000" pitchFamily="50" charset="-128"/>
+                <a:ea typeface="HG丸ｺﾞｼｯｸM-PRO" panose="020F0600000000000000" pitchFamily="50" charset="-128"/>
+              </a:rPr>
+              <a:t>近藤隆矢</a:t>
+            </a:r>
+            <a:endParaRPr lang="en-US" altLang="ja-JP" dirty="0">
+              <a:solidFill>
+                <a:schemeClr val="tx1"/>
+              </a:solidFill>
+              <a:latin typeface="HG丸ｺﾞｼｯｸM-PRO" panose="020F0600000000000000" pitchFamily="50" charset="-128"/>
+              <a:ea typeface="HG丸ｺﾞｼｯｸM-PRO" panose="020F0600000000000000" pitchFamily="50" charset="-128"/>
+            </a:endParaRPr>
+          </a:p>
+          <a:p>
+            <a:pPr algn="ctr"/>
+            <a:r>
+              <a:rPr lang="ja-JP" altLang="en-US" dirty="0">
+                <a:solidFill>
+                  <a:schemeClr val="tx1"/>
+                </a:solidFill>
+                <a:latin typeface="HG丸ｺﾞｼｯｸM-PRO" panose="020F0600000000000000" pitchFamily="50" charset="-128"/>
+                <a:ea typeface="HG丸ｺﾞｼｯｸM-PRO" panose="020F0600000000000000" pitchFamily="50" charset="-128"/>
+              </a:rPr>
+              <a:t>構成管理・品質管理</a:t>
+            </a:r>
+            <a:endParaRPr kumimoji="1" lang="en-US" altLang="ja-JP" dirty="0">
+              <a:solidFill>
+                <a:schemeClr val="tx1"/>
+              </a:solidFill>
+              <a:latin typeface="HG丸ｺﾞｼｯｸM-PRO" panose="020F0600000000000000" pitchFamily="50" charset="-128"/>
+              <a:ea typeface="HG丸ｺﾞｼｯｸM-PRO" panose="020F0600000000000000" pitchFamily="50" charset="-128"/>
+            </a:endParaRPr>
+          </a:p>
+        </p:txBody>
+      </p:sp>
+      <p:sp>
+        <p:nvSpPr>
+          <p:cNvPr id="9" name="楕円 8">
+            <a:extLst>
+              <a:ext uri="{FF2B5EF4-FFF2-40B4-BE49-F238E27FC236}">
+                <a16:creationId xmlns:a16="http://schemas.microsoft.com/office/drawing/2014/main" id="{7996DC24-B4B5-40C9-B9BD-559DECA90B87}"/>
+              </a:ext>
+            </a:extLst>
+          </p:cNvPr>
+          <p:cNvSpPr/>
+          <p:nvPr/>
+        </p:nvSpPr>
+        <p:spPr>
+          <a:xfrm>
+            <a:off x="990600" y="1676353"/>
+            <a:ext cx="2914650" cy="1131888"/>
+          </a:xfrm>
+          <a:prstGeom prst="ellipse">
+            <a:avLst/>
+          </a:prstGeom>
+          <a:solidFill>
+            <a:schemeClr val="accent6">
+              <a:alpha val="50000"/>
+            </a:schemeClr>
+          </a:solidFill>
+          <a:ln>
+            <a:noFill/>
+          </a:ln>
+        </p:spPr>
+        <p:style>
+          <a:lnRef idx="0">
+            <a:scrgbClr r="0" g="0" b="0"/>
+          </a:lnRef>
+          <a:fillRef idx="0">
+            <a:scrgbClr r="0" g="0" b="0"/>
+          </a:fillRef>
+          <a:effectRef idx="0">
+            <a:scrgbClr r="0" g="0" b="0"/>
+          </a:effectRef>
+          <a:fontRef idx="minor">
+            <a:schemeClr val="lt1"/>
+          </a:fontRef>
+        </p:style>
+        <p:txBody>
+          <a:bodyPr rtlCol="0" anchor="ctr"/>
+          <a:lstStyle/>
+          <a:p>
+            <a:pPr algn="ctr"/>
+            <a:r>
+              <a:rPr kumimoji="1" lang="ja-JP" altLang="en-US" dirty="0">
+                <a:solidFill>
+                  <a:schemeClr val="tx1"/>
+                </a:solidFill>
+                <a:latin typeface="HG丸ｺﾞｼｯｸM-PRO" panose="020F0600000000000000" pitchFamily="50" charset="-128"/>
+                <a:ea typeface="HG丸ｺﾞｼｯｸM-PRO" panose="020F0600000000000000" pitchFamily="50" charset="-128"/>
+              </a:rPr>
+              <a:t>矢島鉄平</a:t>
+            </a:r>
+            <a:endParaRPr kumimoji="1" lang="en-US" altLang="ja-JP" dirty="0">
+              <a:solidFill>
+                <a:schemeClr val="tx1"/>
+              </a:solidFill>
+              <a:latin typeface="HG丸ｺﾞｼｯｸM-PRO" panose="020F0600000000000000" pitchFamily="50" charset="-128"/>
+              <a:ea typeface="HG丸ｺﾞｼｯｸM-PRO" panose="020F0600000000000000" pitchFamily="50" charset="-128"/>
+            </a:endParaRPr>
+          </a:p>
+          <a:p>
+            <a:pPr algn="ctr"/>
+            <a:r>
+              <a:rPr lang="ja-JP" altLang="en-US" dirty="0">
+                <a:solidFill>
+                  <a:schemeClr val="tx1"/>
+                </a:solidFill>
+                <a:latin typeface="HG丸ｺﾞｼｯｸM-PRO" panose="020F0600000000000000" pitchFamily="50" charset="-128"/>
+                <a:ea typeface="HG丸ｺﾞｼｯｸM-PRO" panose="020F0600000000000000" pitchFamily="50" charset="-128"/>
+              </a:rPr>
+              <a:t>チームリーダー</a:t>
+            </a:r>
+            <a:endParaRPr kumimoji="1" lang="ja-JP" altLang="en-US" dirty="0">
+              <a:solidFill>
+                <a:schemeClr val="tx1"/>
+              </a:solidFill>
+              <a:latin typeface="HG丸ｺﾞｼｯｸM-PRO" panose="020F0600000000000000" pitchFamily="50" charset="-128"/>
+              <a:ea typeface="HG丸ｺﾞｼｯｸM-PRO" panose="020F0600000000000000" pitchFamily="50" charset="-128"/>
+            </a:endParaRPr>
+          </a:p>
+        </p:txBody>
+      </p:sp>
+      <p:sp>
+        <p:nvSpPr>
+          <p:cNvPr id="10" name="楕円 9">
+            <a:extLst>
+              <a:ext uri="{FF2B5EF4-FFF2-40B4-BE49-F238E27FC236}">
+                <a16:creationId xmlns:a16="http://schemas.microsoft.com/office/drawing/2014/main" id="{20A67684-32BB-4FE0-913D-1E77E9E2AB90}"/>
+              </a:ext>
+            </a:extLst>
+          </p:cNvPr>
+          <p:cNvSpPr/>
+          <p:nvPr/>
+        </p:nvSpPr>
+        <p:spPr>
+          <a:xfrm>
+            <a:off x="2152650" y="3149624"/>
+            <a:ext cx="3943350" cy="1131888"/>
+          </a:xfrm>
+          <a:prstGeom prst="ellipse">
+            <a:avLst/>
+          </a:prstGeom>
+          <a:solidFill>
+            <a:schemeClr val="accent6">
+              <a:alpha val="50000"/>
+            </a:schemeClr>
+          </a:solidFill>
+          <a:ln>
+            <a:noFill/>
+          </a:ln>
+        </p:spPr>
+        <p:style>
+          <a:lnRef idx="0">
+            <a:scrgbClr r="0" g="0" b="0"/>
+          </a:lnRef>
+          <a:fillRef idx="0">
+            <a:scrgbClr r="0" g="0" b="0"/>
+          </a:fillRef>
+          <a:effectRef idx="0">
+            <a:scrgbClr r="0" g="0" b="0"/>
+          </a:effectRef>
+          <a:fontRef idx="minor">
+            <a:schemeClr val="lt1"/>
+          </a:fontRef>
+        </p:style>
+        <p:txBody>
+          <a:bodyPr rtlCol="0" anchor="ctr"/>
+          <a:lstStyle/>
+          <a:p>
+            <a:pPr algn="ctr"/>
+            <a:r>
+              <a:rPr lang="ja-JP" altLang="en-US" sz="1800" dirty="0">
+                <a:solidFill>
+                  <a:schemeClr val="tx1"/>
+                </a:solidFill>
+                <a:latin typeface="HG丸ｺﾞｼｯｸM-PRO" panose="020F0600000000000000" pitchFamily="50" charset="-128"/>
+                <a:ea typeface="HG丸ｺﾞｼｯｸM-PRO" panose="020F0600000000000000" pitchFamily="50" charset="-128"/>
+              </a:rPr>
+              <a:t>安居院眞結　</a:t>
+            </a:r>
+            <a:endParaRPr kumimoji="1" lang="en-US" altLang="ja-JP" dirty="0">
+              <a:solidFill>
+                <a:schemeClr val="tx1"/>
+              </a:solidFill>
+              <a:latin typeface="HG丸ｺﾞｼｯｸM-PRO" panose="020F0600000000000000" pitchFamily="50" charset="-128"/>
+              <a:ea typeface="HG丸ｺﾞｼｯｸM-PRO" panose="020F0600000000000000" pitchFamily="50" charset="-128"/>
+            </a:endParaRPr>
+          </a:p>
+          <a:p>
+            <a:pPr algn="ctr"/>
+            <a:r>
+              <a:rPr kumimoji="1" lang="ja-JP" altLang="en-US" dirty="0">
+                <a:solidFill>
+                  <a:schemeClr val="tx1"/>
+                </a:solidFill>
+                <a:latin typeface="HG丸ｺﾞｼｯｸM-PRO" panose="020F0600000000000000" pitchFamily="50" charset="-128"/>
+                <a:ea typeface="HG丸ｺﾞｼｯｸM-PRO" panose="020F0600000000000000" pitchFamily="50" charset="-128"/>
+              </a:rPr>
+              <a:t>コミュニケーション担当</a:t>
+            </a:r>
+          </a:p>
+        </p:txBody>
+      </p:sp>
+      <p:sp>
+        <p:nvSpPr>
+          <p:cNvPr id="13" name="楕円 12">
+            <a:extLst>
+              <a:ext uri="{FF2B5EF4-FFF2-40B4-BE49-F238E27FC236}">
+                <a16:creationId xmlns:a16="http://schemas.microsoft.com/office/drawing/2014/main" id="{D18E61F3-A3F5-4938-81CA-2F6F39ADC925}"/>
+              </a:ext>
+            </a:extLst>
+          </p:cNvPr>
+          <p:cNvSpPr/>
+          <p:nvPr/>
+        </p:nvSpPr>
+        <p:spPr>
+          <a:xfrm>
+            <a:off x="6686550" y="3176961"/>
+            <a:ext cx="2914650" cy="1131888"/>
+          </a:xfrm>
+          <a:prstGeom prst="ellipse">
+            <a:avLst/>
+          </a:prstGeom>
+          <a:solidFill>
+            <a:schemeClr val="accent6">
+              <a:alpha val="50000"/>
+            </a:schemeClr>
+          </a:solidFill>
+          <a:ln>
+            <a:noFill/>
+          </a:ln>
+        </p:spPr>
+        <p:style>
+          <a:lnRef idx="0">
+            <a:scrgbClr r="0" g="0" b="0"/>
+          </a:lnRef>
+          <a:fillRef idx="0">
+            <a:scrgbClr r="0" g="0" b="0"/>
+          </a:fillRef>
+          <a:effectRef idx="0">
+            <a:scrgbClr r="0" g="0" b="0"/>
+          </a:effectRef>
+          <a:fontRef idx="minor">
+            <a:schemeClr val="lt1"/>
+          </a:fontRef>
+        </p:style>
+        <p:txBody>
+          <a:bodyPr rtlCol="0" anchor="ctr"/>
+          <a:lstStyle/>
+          <a:p>
+            <a:pPr algn="ctr"/>
+            <a:r>
+              <a:rPr lang="ja-JP" altLang="en-US" dirty="0">
+                <a:solidFill>
+                  <a:schemeClr val="tx1"/>
+                </a:solidFill>
+                <a:latin typeface="HG丸ｺﾞｼｯｸM-PRO" panose="020F0600000000000000" pitchFamily="50" charset="-128"/>
+                <a:ea typeface="HG丸ｺﾞｼｯｸM-PRO" panose="020F0600000000000000" pitchFamily="50" charset="-128"/>
+              </a:rPr>
+              <a:t>城戸沙月</a:t>
+            </a:r>
+            <a:endParaRPr kumimoji="1" lang="en-US" altLang="ja-JP" dirty="0">
+              <a:solidFill>
+                <a:schemeClr val="tx1"/>
+              </a:solidFill>
+              <a:latin typeface="HG丸ｺﾞｼｯｸM-PRO" panose="020F0600000000000000" pitchFamily="50" charset="-128"/>
+              <a:ea typeface="HG丸ｺﾞｼｯｸM-PRO" panose="020F0600000000000000" pitchFamily="50" charset="-128"/>
+            </a:endParaRPr>
+          </a:p>
+          <a:p>
+            <a:pPr algn="ctr"/>
+            <a:r>
+              <a:rPr kumimoji="1" lang="ja-JP" altLang="en-US" dirty="0">
+                <a:solidFill>
+                  <a:schemeClr val="tx1"/>
+                </a:solidFill>
+                <a:latin typeface="HG丸ｺﾞｼｯｸM-PRO" panose="020F0600000000000000" pitchFamily="50" charset="-128"/>
+                <a:ea typeface="HG丸ｺﾞｼｯｸM-PRO" panose="020F0600000000000000" pitchFamily="50" charset="-128"/>
+              </a:rPr>
+              <a:t>発表担当</a:t>
+            </a:r>
+          </a:p>
+        </p:txBody>
+      </p:sp>
+      <p:sp>
+        <p:nvSpPr>
+          <p:cNvPr id="11" name="吹き出し: 角を丸めた四角形 10">
+            <a:extLst>
+              <a:ext uri="{FF2B5EF4-FFF2-40B4-BE49-F238E27FC236}">
+                <a16:creationId xmlns:a16="http://schemas.microsoft.com/office/drawing/2014/main" id="{CA249E97-8BB4-44D6-B7B6-78CA05C633A0}"/>
+              </a:ext>
+            </a:extLst>
+          </p:cNvPr>
+          <p:cNvSpPr/>
+          <p:nvPr/>
+        </p:nvSpPr>
+        <p:spPr>
+          <a:xfrm>
+            <a:off x="2085976" y="4815705"/>
+            <a:ext cx="6200774" cy="1276350"/>
+          </a:xfrm>
+          <a:prstGeom prst="wedgeRoundRectCallout">
+            <a:avLst>
+              <a:gd name="adj1" fmla="val 64559"/>
+              <a:gd name="adj2" fmla="val 17724"/>
+              <a:gd name="adj3" fmla="val 16667"/>
+            </a:avLst>
+          </a:prstGeom>
+        </p:spPr>
+        <p:style>
+          <a:lnRef idx="2">
+            <a:schemeClr val="accent6"/>
+          </a:lnRef>
+          <a:fillRef idx="1">
+            <a:schemeClr val="lt1"/>
+          </a:fillRef>
+          <a:effectRef idx="0">
+            <a:schemeClr val="accent6"/>
+          </a:effectRef>
+          <a:fontRef idx="minor">
+            <a:schemeClr val="dk1"/>
+          </a:fontRef>
+        </p:style>
+        <p:txBody>
+          <a:bodyPr rtlCol="0" anchor="ctr"/>
+          <a:lstStyle/>
+          <a:p>
+            <a:pPr algn="ctr"/>
+            <a:r>
+              <a:rPr kumimoji="1" lang="ja-JP" altLang="en-US" dirty="0">
+                <a:latin typeface="HG丸ｺﾞｼｯｸM-PRO" panose="020F0600000000000000" pitchFamily="50" charset="-128"/>
+                <a:ea typeface="HG丸ｺﾞｼｯｸM-PRO" panose="020F0600000000000000" pitchFamily="50" charset="-128"/>
+              </a:rPr>
+              <a:t>温厚な人が多い、平和に進みそう・・</a:t>
+            </a:r>
+            <a:endParaRPr kumimoji="1" lang="en-US" altLang="ja-JP" dirty="0">
+              <a:latin typeface="HG丸ｺﾞｼｯｸM-PRO" panose="020F0600000000000000" pitchFamily="50" charset="-128"/>
+              <a:ea typeface="HG丸ｺﾞｼｯｸM-PRO" panose="020F0600000000000000" pitchFamily="50" charset="-128"/>
+            </a:endParaRPr>
+          </a:p>
+          <a:p>
+            <a:pPr algn="ctr"/>
+            <a:r>
+              <a:rPr lang="ja-JP" altLang="en-US" dirty="0">
+                <a:latin typeface="HG丸ｺﾞｼｯｸM-PRO" panose="020F0600000000000000" pitchFamily="50" charset="-128"/>
+                <a:ea typeface="HG丸ｺﾞｼｯｸM-PRO" panose="020F0600000000000000" pitchFamily="50" charset="-128"/>
+              </a:rPr>
+              <a:t>ついでにリーダーの名前をもじってみよう！</a:t>
+            </a:r>
+            <a:endParaRPr kumimoji="1" lang="ja-JP" altLang="en-US" dirty="0">
+              <a:latin typeface="HG丸ｺﾞｼｯｸM-PRO" panose="020F0600000000000000" pitchFamily="50" charset="-128"/>
+              <a:ea typeface="HG丸ｺﾞｼｯｸM-PRO" panose="020F0600000000000000" pitchFamily="50" charset="-128"/>
+            </a:endParaRPr>
+          </a:p>
+        </p:txBody>
+      </p:sp>
+      <p:pic>
+        <p:nvPicPr>
+          <p:cNvPr id="3076" name="Picture 4" descr="無人島のイラスト">
+            <a:extLst>
+              <a:ext uri="{FF2B5EF4-FFF2-40B4-BE49-F238E27FC236}">
+                <a16:creationId xmlns:a16="http://schemas.microsoft.com/office/drawing/2014/main" id="{A914047D-F93A-4748-B089-5E2BB4AECC99}"/>
+              </a:ext>
+            </a:extLst>
+          </p:cNvPr>
+          <p:cNvPicPr>
+            <a:picLocks noChangeAspect="1" noChangeArrowheads="1"/>
+          </p:cNvPicPr>
+          <p:nvPr/>
+        </p:nvPicPr>
+        <p:blipFill>
+          <a:blip r:embed="rId2">
+            <a:extLst>
+              <a:ext uri="{28A0092B-C50C-407E-A947-70E740481C1C}">
+                <a14:useLocalDpi xmlns:a14="http://schemas.microsoft.com/office/drawing/2010/main" val="0"/>
+              </a:ext>
+            </a:extLst>
+          </a:blip>
+          <a:srcRect/>
+          <a:stretch>
+            <a:fillRect/>
+          </a:stretch>
+        </p:blipFill>
+        <p:spPr bwMode="auto">
+          <a:xfrm>
+            <a:off x="9153526" y="4568078"/>
+            <a:ext cx="2394058" cy="1771603"/>
+          </a:xfrm>
+          <a:prstGeom prst="rect">
+            <a:avLst/>
+          </a:prstGeom>
+          <a:noFill/>
+          <a:extLst>
+            <a:ext uri="{909E8E84-426E-40DD-AFC4-6F175D3DCCD1}">
+              <a14:hiddenFill xmlns:a14="http://schemas.microsoft.com/office/drawing/2010/main">
+                <a:solidFill>
+                  <a:srgbClr val="FFFFFF"/>
+                </a:solidFill>
+              </a14:hiddenFill>
+            </a:ext>
+          </a:extLst>
+        </p:spPr>
+      </p:pic>
+      <p:sp>
+        <p:nvSpPr>
+          <p:cNvPr id="15" name="テキスト ボックス 14">
+            <a:extLst>
+              <a:ext uri="{FF2B5EF4-FFF2-40B4-BE49-F238E27FC236}">
+                <a16:creationId xmlns:a16="http://schemas.microsoft.com/office/drawing/2014/main" id="{8C51BE11-481E-453D-83EA-701B976A520D}"/>
+              </a:ext>
+            </a:extLst>
+          </p:cNvPr>
+          <p:cNvSpPr txBox="1"/>
+          <p:nvPr/>
+        </p:nvSpPr>
+        <p:spPr>
+          <a:xfrm rot="19857887">
+            <a:off x="9649231" y="4631039"/>
+            <a:ext cx="495301" cy="369332"/>
+          </a:xfrm>
+          <a:prstGeom prst="rect">
+            <a:avLst/>
+          </a:prstGeom>
+          <a:noFill/>
+        </p:spPr>
+        <p:txBody>
+          <a:bodyPr wrap="square" rtlCol="0">
+            <a:spAutoFit/>
+          </a:bodyPr>
+          <a:lstStyle/>
+          <a:p>
+            <a:r>
+              <a:rPr kumimoji="1" lang="ja-JP" altLang="en-US" dirty="0"/>
+              <a:t>平</a:t>
+            </a:r>
+          </a:p>
+        </p:txBody>
+      </p:sp>
+      <p:sp>
+        <p:nvSpPr>
+          <p:cNvPr id="18" name="テキスト ボックス 17">
+            <a:extLst>
+              <a:ext uri="{FF2B5EF4-FFF2-40B4-BE49-F238E27FC236}">
+                <a16:creationId xmlns:a16="http://schemas.microsoft.com/office/drawing/2014/main" id="{15830F66-6FF7-4DBC-9D01-D4D7D48117C4}"/>
+              </a:ext>
+            </a:extLst>
+          </p:cNvPr>
+          <p:cNvSpPr txBox="1"/>
+          <p:nvPr/>
+        </p:nvSpPr>
+        <p:spPr>
+          <a:xfrm>
+            <a:off x="10061683" y="4535788"/>
+            <a:ext cx="495301" cy="369332"/>
+          </a:xfrm>
+          <a:prstGeom prst="rect">
+            <a:avLst/>
+          </a:prstGeom>
+          <a:noFill/>
+        </p:spPr>
+        <p:txBody>
+          <a:bodyPr wrap="square" rtlCol="0">
+            <a:spAutoFit/>
+          </a:bodyPr>
+          <a:lstStyle/>
+          <a:p>
+            <a:r>
+              <a:rPr lang="ja-JP" altLang="en-US" dirty="0"/>
+              <a:t>和</a:t>
+            </a:r>
+            <a:endParaRPr kumimoji="1" lang="ja-JP" altLang="en-US" dirty="0"/>
+          </a:p>
+        </p:txBody>
+      </p:sp>
+      <p:sp>
+        <p:nvSpPr>
+          <p:cNvPr id="19" name="テキスト ボックス 18">
+            <a:extLst>
+              <a:ext uri="{FF2B5EF4-FFF2-40B4-BE49-F238E27FC236}">
+                <a16:creationId xmlns:a16="http://schemas.microsoft.com/office/drawing/2014/main" id="{2DCE8C2B-D06F-4A9F-89D5-78F2C1818E99}"/>
+              </a:ext>
+            </a:extLst>
+          </p:cNvPr>
+          <p:cNvSpPr txBox="1"/>
+          <p:nvPr/>
+        </p:nvSpPr>
+        <p:spPr>
+          <a:xfrm rot="1037289">
+            <a:off x="10480783" y="4631039"/>
+            <a:ext cx="495301" cy="369332"/>
+          </a:xfrm>
+          <a:prstGeom prst="rect">
+            <a:avLst/>
+          </a:prstGeom>
+          <a:noFill/>
+        </p:spPr>
+        <p:txBody>
+          <a:bodyPr wrap="square" rtlCol="0">
+            <a:spAutoFit/>
+          </a:bodyPr>
+          <a:lstStyle/>
+          <a:p>
+            <a:r>
+              <a:rPr lang="ja-JP" altLang="en-US" dirty="0"/>
+              <a:t>島</a:t>
+            </a:r>
+            <a:endParaRPr kumimoji="1" lang="ja-JP" altLang="en-US" dirty="0"/>
+          </a:p>
+        </p:txBody>
+      </p:sp>
+      <p:sp>
+        <p:nvSpPr>
+          <p:cNvPr id="20" name="テキスト ボックス 19">
+            <a:extLst>
+              <a:ext uri="{FF2B5EF4-FFF2-40B4-BE49-F238E27FC236}">
+                <a16:creationId xmlns:a16="http://schemas.microsoft.com/office/drawing/2014/main" id="{523D900E-6E18-49A1-AEFA-334AC8C04C03}"/>
+              </a:ext>
+            </a:extLst>
+          </p:cNvPr>
+          <p:cNvSpPr txBox="1"/>
+          <p:nvPr/>
+        </p:nvSpPr>
+        <p:spPr>
+          <a:xfrm rot="4507268">
+            <a:off x="9407165" y="4827752"/>
+            <a:ext cx="495301" cy="369332"/>
+          </a:xfrm>
+          <a:prstGeom prst="rect">
+            <a:avLst/>
+          </a:prstGeom>
+          <a:noFill/>
+        </p:spPr>
+        <p:txBody>
+          <a:bodyPr wrap="square" rtlCol="0">
+            <a:spAutoFit/>
+          </a:bodyPr>
+          <a:lstStyle/>
+          <a:p>
+            <a:r>
+              <a:rPr lang="ja-JP" altLang="en-US" dirty="0"/>
+              <a:t>／</a:t>
+            </a:r>
+            <a:endParaRPr kumimoji="1" lang="ja-JP" altLang="en-US" dirty="0"/>
+          </a:p>
+        </p:txBody>
+      </p:sp>
+      <p:sp>
+        <p:nvSpPr>
+          <p:cNvPr id="21" name="テキスト ボックス 20">
+            <a:extLst>
+              <a:ext uri="{FF2B5EF4-FFF2-40B4-BE49-F238E27FC236}">
+                <a16:creationId xmlns:a16="http://schemas.microsoft.com/office/drawing/2014/main" id="{A90130B1-5961-4069-838C-E7FF1DD924BC}"/>
+              </a:ext>
+            </a:extLst>
+          </p:cNvPr>
+          <p:cNvSpPr txBox="1"/>
+          <p:nvPr/>
+        </p:nvSpPr>
+        <p:spPr>
+          <a:xfrm>
+            <a:off x="10702216" y="4726290"/>
+            <a:ext cx="495301" cy="369332"/>
+          </a:xfrm>
+          <a:prstGeom prst="rect">
+            <a:avLst/>
+          </a:prstGeom>
+          <a:noFill/>
+        </p:spPr>
+        <p:txBody>
+          <a:bodyPr wrap="square" rtlCol="0">
+            <a:spAutoFit/>
+          </a:bodyPr>
+          <a:lstStyle/>
+          <a:p>
+            <a:r>
+              <a:rPr lang="ja-JP" altLang="en-US" dirty="0"/>
+              <a:t>／</a:t>
+            </a:r>
+            <a:endParaRPr kumimoji="1" lang="ja-JP" altLang="en-US" dirty="0"/>
+          </a:p>
+        </p:txBody>
+      </p:sp>
+      <mc:AlternateContent xmlns:mc="http://schemas.openxmlformats.org/markup-compatibility/2006">
+        <mc:Choice xmlns:p14="http://schemas.microsoft.com/office/powerpoint/2010/main" Requires="p14">
+          <p:contentPart p14:bwMode="auto" r:id="rId3">
+            <p14:nvContentPartPr>
+              <p14:cNvPr id="3" name="インク 2">
+                <a:extLst>
+                  <a:ext uri="{FF2B5EF4-FFF2-40B4-BE49-F238E27FC236}">
+                    <a16:creationId xmlns:a16="http://schemas.microsoft.com/office/drawing/2014/main" id="{B9272ADB-2AAB-4EA7-B84B-F1DC73884DCA}"/>
+                  </a:ext>
+                </a:extLst>
+              </p14:cNvPr>
+              <p14:cNvContentPartPr/>
+              <p14:nvPr/>
+            </p14:nvContentPartPr>
+            <p14:xfrm>
+              <a:off x="923061" y="904129"/>
+              <a:ext cx="5213160" cy="129240"/>
+            </p14:xfrm>
+          </p:contentPart>
+        </mc:Choice>
+        <mc:Fallback>
+          <p:pic>
+            <p:nvPicPr>
+              <p:cNvPr id="3" name="インク 2">
+                <a:extLst>
+                  <a:ext uri="{FF2B5EF4-FFF2-40B4-BE49-F238E27FC236}">
+                    <a16:creationId xmlns:a16="http://schemas.microsoft.com/office/drawing/2014/main" id="{B9272ADB-2AAB-4EA7-B84B-F1DC73884DCA}"/>
+                  </a:ext>
+                </a:extLst>
+              </p:cNvPr>
+              <p:cNvPicPr/>
+              <p:nvPr/>
+            </p:nvPicPr>
+            <p:blipFill>
+              <a:blip r:embed="rId4"/>
+              <a:stretch>
+                <a:fillRect/>
+              </a:stretch>
+            </p:blipFill>
+            <p:spPr>
+              <a:xfrm>
+                <a:off x="833061" y="724489"/>
+                <a:ext cx="5392800" cy="488880"/>
+              </a:xfrm>
+              <a:prstGeom prst="rect">
+                <a:avLst/>
+              </a:prstGeom>
+            </p:spPr>
+          </p:pic>
+        </mc:Fallback>
+      </mc:AlternateContent>
     </p:spTree>
     <p:extLst>
       <p:ext uri="{BB962C8B-B14F-4D97-AF65-F5344CB8AC3E}">
-        <p14:creationId xmlns:p14="http://schemas.microsoft.com/office/powerpoint/2010/main" val="3655081547"/>
+        <p14:creationId xmlns:p14="http://schemas.microsoft.com/office/powerpoint/2010/main" val="817066274"/>
       </p:ext>
     </p:extLst>
   </p:cSld>
@@ -10830,7 +12784,12 @@
             <p:ph type="title"/>
           </p:nvPr>
         </p:nvSpPr>
-        <p:spPr/>
+        <p:spPr>
+          <a:xfrm>
+            <a:off x="838199" y="131762"/>
+            <a:ext cx="10515600" cy="1325563"/>
+          </a:xfrm>
+        </p:spPr>
         <p:txBody>
           <a:bodyPr>
             <a:normAutofit/>
@@ -10838,12 +12797,16 @@
           <a:lstStyle/>
           <a:p>
             <a:r>
-              <a:rPr kumimoji="1" lang="ja-JP" altLang="en-US" sz="4000" dirty="0">
-                <a:latin typeface="HG丸ｺﾞｼｯｸM-PRO" panose="020F0600000000000000" pitchFamily="50" charset="-128"/>
-                <a:ea typeface="HG丸ｺﾞｼｯｸM-PRO" panose="020F0600000000000000" pitchFamily="50" charset="-128"/>
-              </a:rPr>
-              <a:t>グループ～役割紹介～</a:t>
-            </a:r>
+              <a:rPr lang="ja-JP" altLang="en-US" sz="4000" dirty="0">
+                <a:latin typeface="HG丸ｺﾞｼｯｸM-PRO" panose="020F0600000000000000" pitchFamily="50" charset="-128"/>
+                <a:ea typeface="HG丸ｺﾞｼｯｸM-PRO" panose="020F0600000000000000" pitchFamily="50" charset="-128"/>
+              </a:rPr>
+              <a:t>グループ</a:t>
+            </a:r>
+            <a:endParaRPr kumimoji="1" lang="ja-JP" altLang="en-US" sz="4000" dirty="0">
+              <a:latin typeface="HG丸ｺﾞｼｯｸM-PRO" panose="020F0600000000000000" pitchFamily="50" charset="-128"/>
+              <a:ea typeface="HG丸ｺﾞｼｯｸM-PRO" panose="020F0600000000000000" pitchFamily="50" charset="-128"/>
+            </a:endParaRPr>
           </a:p>
         </p:txBody>
       </p:sp>
@@ -10861,7 +12824,7 @@
         </p:nvSpPr>
         <p:spPr>
           <a:xfrm>
-            <a:off x="0" y="1"/>
+            <a:off x="0" y="0"/>
             <a:ext cx="12192000" cy="6858000"/>
           </a:xfrm>
           <a:prstGeom prst="frame">
@@ -10918,10 +12881,50 @@
       </p:sp>
       <p:sp>
         <p:nvSpPr>
-          <p:cNvPr id="6" name="楕円 5">
-            <a:extLst>
-              <a:ext uri="{FF2B5EF4-FFF2-40B4-BE49-F238E27FC236}">
-                <a16:creationId xmlns:a16="http://schemas.microsoft.com/office/drawing/2014/main" id="{B9C3A525-A8B5-40DE-8D16-82FAF3D8C4C2}"/>
+          <p:cNvPr id="8" name="テキスト ボックス 7">
+            <a:extLst>
+              <a:ext uri="{FF2B5EF4-FFF2-40B4-BE49-F238E27FC236}">
+                <a16:creationId xmlns:a16="http://schemas.microsoft.com/office/drawing/2014/main" id="{317BC431-20DD-4729-A6A8-CD8E57E72464}"/>
+              </a:ext>
+            </a:extLst>
+          </p:cNvPr>
+          <p:cNvSpPr txBox="1"/>
+          <p:nvPr/>
+        </p:nvSpPr>
+        <p:spPr>
+          <a:xfrm>
+            <a:off x="1357312" y="1504155"/>
+            <a:ext cx="9477375" cy="1325563"/>
+          </a:xfrm>
+          <a:prstGeom prst="rect">
+            <a:avLst/>
+          </a:prstGeom>
+          <a:noFill/>
+          <a:ln>
+            <a:solidFill>
+              <a:schemeClr val="accent6">
+                <a:lumMod val="60000"/>
+                <a:lumOff val="40000"/>
+              </a:schemeClr>
+            </a:solidFill>
+          </a:ln>
+        </p:spPr>
+        <p:txBody>
+          <a:bodyPr wrap="square" rtlCol="0">
+            <a:spAutoFit/>
+          </a:bodyPr>
+          <a:lstStyle/>
+          <a:p>
+            <a:endParaRPr kumimoji="1" lang="ja-JP" altLang="en-US" dirty="0"/>
+          </a:p>
+        </p:txBody>
+      </p:sp>
+      <p:sp>
+        <p:nvSpPr>
+          <p:cNvPr id="7" name="スクロール: 横 6">
+            <a:extLst>
+              <a:ext uri="{FF2B5EF4-FFF2-40B4-BE49-F238E27FC236}">
+                <a16:creationId xmlns:a16="http://schemas.microsoft.com/office/drawing/2014/main" id="{264458B8-5A5F-4C20-B119-3E2F1394B837}"/>
               </a:ext>
             </a:extLst>
           </p:cNvPr>
@@ -10930,454 +12933,21 @@
         </p:nvSpPr>
         <p:spPr>
           <a:xfrm>
-            <a:off x="8143875" y="1676353"/>
-            <a:ext cx="2914650" cy="1131888"/>
-          </a:xfrm>
-          <a:prstGeom prst="ellipse">
+            <a:off x="1781175" y="1151730"/>
+            <a:ext cx="2600325" cy="704850"/>
+          </a:xfrm>
+          <a:prstGeom prst="horizontalScroll">
             <a:avLst/>
           </a:prstGeom>
-          <a:solidFill>
-            <a:schemeClr val="accent6">
-              <a:alpha val="50000"/>
-            </a:schemeClr>
-          </a:solidFill>
-          <a:ln>
-            <a:noFill/>
-          </a:ln>
         </p:spPr>
         <p:style>
-          <a:lnRef idx="0">
-            <a:scrgbClr r="0" g="0" b="0"/>
-          </a:lnRef>
-          <a:fillRef idx="0">
-            <a:scrgbClr r="0" g="0" b="0"/>
-          </a:fillRef>
-          <a:effectRef idx="0">
-            <a:scrgbClr r="0" g="0" b="0"/>
-          </a:effectRef>
-          <a:fontRef idx="minor">
-            <a:schemeClr val="lt1"/>
-          </a:fontRef>
-        </p:style>
-        <p:txBody>
-          <a:bodyPr rtlCol="0" anchor="ctr"/>
-          <a:lstStyle/>
-          <a:p>
-            <a:pPr algn="ctr"/>
-            <a:r>
-              <a:rPr kumimoji="1" lang="ja-JP" altLang="en-US" dirty="0">
-                <a:solidFill>
-                  <a:schemeClr val="tx1"/>
-                </a:solidFill>
-                <a:latin typeface="HG丸ｺﾞｼｯｸM-PRO" panose="020F0600000000000000" pitchFamily="50" charset="-128"/>
-                <a:ea typeface="HG丸ｺﾞｼｯｸM-PRO" panose="020F0600000000000000" pitchFamily="50" charset="-128"/>
-              </a:rPr>
-              <a:t>梶井ももか</a:t>
-            </a:r>
-            <a:endParaRPr kumimoji="1" lang="en-US" altLang="ja-JP" dirty="0">
-              <a:solidFill>
-                <a:schemeClr val="tx1"/>
-              </a:solidFill>
-              <a:latin typeface="HG丸ｺﾞｼｯｸM-PRO" panose="020F0600000000000000" pitchFamily="50" charset="-128"/>
-              <a:ea typeface="HG丸ｺﾞｼｯｸM-PRO" panose="020F0600000000000000" pitchFamily="50" charset="-128"/>
-            </a:endParaRPr>
-          </a:p>
-          <a:p>
-            <a:pPr algn="ctr"/>
-            <a:r>
-              <a:rPr kumimoji="1" lang="en-US" altLang="ja-JP" dirty="0">
-                <a:solidFill>
-                  <a:schemeClr val="tx1"/>
-                </a:solidFill>
-                <a:latin typeface="HG丸ｺﾞｼｯｸM-PRO" panose="020F0600000000000000" pitchFamily="50" charset="-128"/>
-                <a:ea typeface="HG丸ｺﾞｼｯｸM-PRO" panose="020F0600000000000000" pitchFamily="50" charset="-128"/>
-              </a:rPr>
-              <a:t>DB</a:t>
-            </a:r>
-            <a:r>
-              <a:rPr kumimoji="1" lang="ja-JP" altLang="en-US" dirty="0">
-                <a:solidFill>
-                  <a:schemeClr val="tx1"/>
-                </a:solidFill>
-                <a:latin typeface="HG丸ｺﾞｼｯｸM-PRO" panose="020F0600000000000000" pitchFamily="50" charset="-128"/>
-                <a:ea typeface="HG丸ｺﾞｼｯｸM-PRO" panose="020F0600000000000000" pitchFamily="50" charset="-128"/>
-              </a:rPr>
-              <a:t>担当</a:t>
-            </a:r>
-          </a:p>
-        </p:txBody>
-      </p:sp>
-      <p:sp>
-        <p:nvSpPr>
-          <p:cNvPr id="8" name="楕円 7">
-            <a:extLst>
-              <a:ext uri="{FF2B5EF4-FFF2-40B4-BE49-F238E27FC236}">
-                <a16:creationId xmlns:a16="http://schemas.microsoft.com/office/drawing/2014/main" id="{342C6168-2E08-4659-9A23-E822B9FEF1DF}"/>
-              </a:ext>
-            </a:extLst>
-          </p:cNvPr>
-          <p:cNvSpPr/>
-          <p:nvPr/>
-        </p:nvSpPr>
-        <p:spPr>
-          <a:xfrm>
-            <a:off x="4381500" y="1676353"/>
-            <a:ext cx="3181350" cy="1131888"/>
-          </a:xfrm>
-          <a:prstGeom prst="ellipse">
-            <a:avLst/>
-          </a:prstGeom>
-          <a:solidFill>
-            <a:schemeClr val="accent6">
-              <a:alpha val="50000"/>
-            </a:schemeClr>
-          </a:solidFill>
-          <a:ln>
-            <a:noFill/>
-          </a:ln>
-        </p:spPr>
-        <p:style>
-          <a:lnRef idx="0">
-            <a:scrgbClr r="0" g="0" b="0"/>
-          </a:lnRef>
-          <a:fillRef idx="0">
-            <a:scrgbClr r="0" g="0" b="0"/>
-          </a:fillRef>
-          <a:effectRef idx="0">
-            <a:scrgbClr r="0" g="0" b="0"/>
-          </a:effectRef>
-          <a:fontRef idx="minor">
-            <a:schemeClr val="lt1"/>
-          </a:fontRef>
-        </p:style>
-        <p:txBody>
-          <a:bodyPr rtlCol="0" anchor="ctr"/>
-          <a:lstStyle/>
-          <a:p>
-            <a:pPr algn="ctr"/>
-            <a:r>
-              <a:rPr lang="ja-JP" altLang="en-US" dirty="0">
-                <a:solidFill>
-                  <a:schemeClr val="tx1"/>
-                </a:solidFill>
-                <a:latin typeface="HG丸ｺﾞｼｯｸM-PRO" panose="020F0600000000000000" pitchFamily="50" charset="-128"/>
-                <a:ea typeface="HG丸ｺﾞｼｯｸM-PRO" panose="020F0600000000000000" pitchFamily="50" charset="-128"/>
-              </a:rPr>
-              <a:t>近藤隆矢</a:t>
-            </a:r>
-            <a:endParaRPr lang="en-US" altLang="ja-JP" dirty="0">
-              <a:solidFill>
-                <a:schemeClr val="tx1"/>
-              </a:solidFill>
-              <a:latin typeface="HG丸ｺﾞｼｯｸM-PRO" panose="020F0600000000000000" pitchFamily="50" charset="-128"/>
-              <a:ea typeface="HG丸ｺﾞｼｯｸM-PRO" panose="020F0600000000000000" pitchFamily="50" charset="-128"/>
-            </a:endParaRPr>
-          </a:p>
-          <a:p>
-            <a:pPr algn="ctr"/>
-            <a:r>
-              <a:rPr lang="ja-JP" altLang="en-US" dirty="0">
-                <a:solidFill>
-                  <a:schemeClr val="tx1"/>
-                </a:solidFill>
-                <a:latin typeface="HG丸ｺﾞｼｯｸM-PRO" panose="020F0600000000000000" pitchFamily="50" charset="-128"/>
-                <a:ea typeface="HG丸ｺﾞｼｯｸM-PRO" panose="020F0600000000000000" pitchFamily="50" charset="-128"/>
-              </a:rPr>
-              <a:t>構成管理・品質管理</a:t>
-            </a:r>
-            <a:endParaRPr kumimoji="1" lang="en-US" altLang="ja-JP" dirty="0">
-              <a:solidFill>
-                <a:schemeClr val="tx1"/>
-              </a:solidFill>
-              <a:latin typeface="HG丸ｺﾞｼｯｸM-PRO" panose="020F0600000000000000" pitchFamily="50" charset="-128"/>
-              <a:ea typeface="HG丸ｺﾞｼｯｸM-PRO" panose="020F0600000000000000" pitchFamily="50" charset="-128"/>
-            </a:endParaRPr>
-          </a:p>
-        </p:txBody>
-      </p:sp>
-      <p:sp>
-        <p:nvSpPr>
-          <p:cNvPr id="9" name="楕円 8">
-            <a:extLst>
-              <a:ext uri="{FF2B5EF4-FFF2-40B4-BE49-F238E27FC236}">
-                <a16:creationId xmlns:a16="http://schemas.microsoft.com/office/drawing/2014/main" id="{7996DC24-B4B5-40C9-B9BD-559DECA90B87}"/>
-              </a:ext>
-            </a:extLst>
-          </p:cNvPr>
-          <p:cNvSpPr/>
-          <p:nvPr/>
-        </p:nvSpPr>
-        <p:spPr>
-          <a:xfrm>
-            <a:off x="990600" y="1676353"/>
-            <a:ext cx="2914650" cy="1131888"/>
-          </a:xfrm>
-          <a:prstGeom prst="ellipse">
-            <a:avLst/>
-          </a:prstGeom>
-          <a:solidFill>
-            <a:schemeClr val="accent6">
-              <a:alpha val="50000"/>
-            </a:schemeClr>
-          </a:solidFill>
-          <a:ln>
-            <a:noFill/>
-          </a:ln>
-        </p:spPr>
-        <p:style>
-          <a:lnRef idx="0">
-            <a:scrgbClr r="0" g="0" b="0"/>
-          </a:lnRef>
-          <a:fillRef idx="0">
-            <a:scrgbClr r="0" g="0" b="0"/>
-          </a:fillRef>
-          <a:effectRef idx="0">
-            <a:scrgbClr r="0" g="0" b="0"/>
-          </a:effectRef>
-          <a:fontRef idx="minor">
-            <a:schemeClr val="lt1"/>
-          </a:fontRef>
-        </p:style>
-        <p:txBody>
-          <a:bodyPr rtlCol="0" anchor="ctr"/>
-          <a:lstStyle/>
-          <a:p>
-            <a:pPr algn="ctr"/>
-            <a:r>
-              <a:rPr kumimoji="1" lang="ja-JP" altLang="en-US" dirty="0">
-                <a:solidFill>
-                  <a:schemeClr val="tx1"/>
-                </a:solidFill>
-                <a:latin typeface="HG丸ｺﾞｼｯｸM-PRO" panose="020F0600000000000000" pitchFamily="50" charset="-128"/>
-                <a:ea typeface="HG丸ｺﾞｼｯｸM-PRO" panose="020F0600000000000000" pitchFamily="50" charset="-128"/>
-              </a:rPr>
-              <a:t>矢島鉄平</a:t>
-            </a:r>
-            <a:endParaRPr kumimoji="1" lang="en-US" altLang="ja-JP" dirty="0">
-              <a:solidFill>
-                <a:schemeClr val="tx1"/>
-              </a:solidFill>
-              <a:latin typeface="HG丸ｺﾞｼｯｸM-PRO" panose="020F0600000000000000" pitchFamily="50" charset="-128"/>
-              <a:ea typeface="HG丸ｺﾞｼｯｸM-PRO" panose="020F0600000000000000" pitchFamily="50" charset="-128"/>
-            </a:endParaRPr>
-          </a:p>
-          <a:p>
-            <a:pPr algn="ctr"/>
-            <a:r>
-              <a:rPr lang="ja-JP" altLang="en-US" dirty="0">
-                <a:solidFill>
-                  <a:schemeClr val="tx1"/>
-                </a:solidFill>
-                <a:latin typeface="HG丸ｺﾞｼｯｸM-PRO" panose="020F0600000000000000" pitchFamily="50" charset="-128"/>
-                <a:ea typeface="HG丸ｺﾞｼｯｸM-PRO" panose="020F0600000000000000" pitchFamily="50" charset="-128"/>
-              </a:rPr>
-              <a:t>チームリーダー</a:t>
-            </a:r>
-            <a:endParaRPr kumimoji="1" lang="ja-JP" altLang="en-US" dirty="0">
-              <a:solidFill>
-                <a:schemeClr val="tx1"/>
-              </a:solidFill>
-              <a:latin typeface="HG丸ｺﾞｼｯｸM-PRO" panose="020F0600000000000000" pitchFamily="50" charset="-128"/>
-              <a:ea typeface="HG丸ｺﾞｼｯｸM-PRO" panose="020F0600000000000000" pitchFamily="50" charset="-128"/>
-            </a:endParaRPr>
-          </a:p>
-        </p:txBody>
-      </p:sp>
-      <p:sp>
-        <p:nvSpPr>
-          <p:cNvPr id="10" name="楕円 9">
-            <a:extLst>
-              <a:ext uri="{FF2B5EF4-FFF2-40B4-BE49-F238E27FC236}">
-                <a16:creationId xmlns:a16="http://schemas.microsoft.com/office/drawing/2014/main" id="{20A67684-32BB-4FE0-913D-1E77E9E2AB90}"/>
-              </a:ext>
-            </a:extLst>
-          </p:cNvPr>
-          <p:cNvSpPr/>
-          <p:nvPr/>
-        </p:nvSpPr>
-        <p:spPr>
-          <a:xfrm>
-            <a:off x="2152650" y="3149624"/>
-            <a:ext cx="3943350" cy="1131888"/>
-          </a:xfrm>
-          <a:prstGeom prst="ellipse">
-            <a:avLst/>
-          </a:prstGeom>
-          <a:solidFill>
-            <a:schemeClr val="accent6">
-              <a:alpha val="50000"/>
-            </a:schemeClr>
-          </a:solidFill>
-          <a:ln>
-            <a:noFill/>
-          </a:ln>
-        </p:spPr>
-        <p:style>
-          <a:lnRef idx="0">
-            <a:scrgbClr r="0" g="0" b="0"/>
-          </a:lnRef>
-          <a:fillRef idx="0">
-            <a:scrgbClr r="0" g="0" b="0"/>
-          </a:fillRef>
-          <a:effectRef idx="0">
-            <a:scrgbClr r="0" g="0" b="0"/>
-          </a:effectRef>
-          <a:fontRef idx="minor">
-            <a:schemeClr val="lt1"/>
-          </a:fontRef>
-        </p:style>
-        <p:txBody>
-          <a:bodyPr rtlCol="0" anchor="ctr"/>
-          <a:lstStyle/>
-          <a:p>
-            <a:pPr algn="ctr"/>
-            <a:r>
-              <a:rPr lang="ja-JP" altLang="en-US" sz="1800" dirty="0">
-                <a:solidFill>
-                  <a:schemeClr val="tx1"/>
-                </a:solidFill>
-                <a:latin typeface="HG丸ｺﾞｼｯｸM-PRO" panose="020F0600000000000000" pitchFamily="50" charset="-128"/>
-                <a:ea typeface="HG丸ｺﾞｼｯｸM-PRO" panose="020F0600000000000000" pitchFamily="50" charset="-128"/>
-              </a:rPr>
-              <a:t>安居院眞結　</a:t>
-            </a:r>
-            <a:endParaRPr kumimoji="1" lang="en-US" altLang="ja-JP" dirty="0">
-              <a:solidFill>
-                <a:schemeClr val="tx1"/>
-              </a:solidFill>
-              <a:latin typeface="HG丸ｺﾞｼｯｸM-PRO" panose="020F0600000000000000" pitchFamily="50" charset="-128"/>
-              <a:ea typeface="HG丸ｺﾞｼｯｸM-PRO" panose="020F0600000000000000" pitchFamily="50" charset="-128"/>
-            </a:endParaRPr>
-          </a:p>
-          <a:p>
-            <a:pPr algn="ctr"/>
-            <a:r>
-              <a:rPr kumimoji="1" lang="ja-JP" altLang="en-US" dirty="0">
-                <a:solidFill>
-                  <a:schemeClr val="tx1"/>
-                </a:solidFill>
-                <a:latin typeface="HG丸ｺﾞｼｯｸM-PRO" panose="020F0600000000000000" pitchFamily="50" charset="-128"/>
-                <a:ea typeface="HG丸ｺﾞｼｯｸM-PRO" panose="020F0600000000000000" pitchFamily="50" charset="-128"/>
-              </a:rPr>
-              <a:t>コミュニケーション担当</a:t>
-            </a:r>
-          </a:p>
-        </p:txBody>
-      </p:sp>
-      <p:sp>
-        <p:nvSpPr>
-          <p:cNvPr id="13" name="楕円 12">
-            <a:extLst>
-              <a:ext uri="{FF2B5EF4-FFF2-40B4-BE49-F238E27FC236}">
-                <a16:creationId xmlns:a16="http://schemas.microsoft.com/office/drawing/2014/main" id="{D18E61F3-A3F5-4938-81CA-2F6F39ADC925}"/>
-              </a:ext>
-            </a:extLst>
-          </p:cNvPr>
-          <p:cNvSpPr/>
-          <p:nvPr/>
-        </p:nvSpPr>
-        <p:spPr>
-          <a:xfrm>
-            <a:off x="6686550" y="3176961"/>
-            <a:ext cx="2914650" cy="1131888"/>
-          </a:xfrm>
-          <a:prstGeom prst="ellipse">
-            <a:avLst/>
-          </a:prstGeom>
-          <a:solidFill>
-            <a:schemeClr val="accent6">
-              <a:alpha val="50000"/>
-            </a:schemeClr>
-          </a:solidFill>
-          <a:ln>
-            <a:noFill/>
-          </a:ln>
-        </p:spPr>
-        <p:style>
-          <a:lnRef idx="0">
-            <a:scrgbClr r="0" g="0" b="0"/>
-          </a:lnRef>
-          <a:fillRef idx="0">
-            <a:scrgbClr r="0" g="0" b="0"/>
-          </a:fillRef>
-          <a:effectRef idx="0">
-            <a:scrgbClr r="0" g="0" b="0"/>
-          </a:effectRef>
-          <a:fontRef idx="minor">
-            <a:schemeClr val="lt1"/>
-          </a:fontRef>
-        </p:style>
-        <p:txBody>
-          <a:bodyPr rtlCol="0" anchor="ctr"/>
-          <a:lstStyle/>
-          <a:p>
-            <a:pPr algn="ctr"/>
-            <a:r>
-              <a:rPr lang="ja-JP" altLang="en-US" dirty="0">
-                <a:solidFill>
-                  <a:schemeClr val="tx1"/>
-                </a:solidFill>
-                <a:latin typeface="HG丸ｺﾞｼｯｸM-PRO" panose="020F0600000000000000" pitchFamily="50" charset="-128"/>
-                <a:ea typeface="HG丸ｺﾞｼｯｸM-PRO" panose="020F0600000000000000" pitchFamily="50" charset="-128"/>
-              </a:rPr>
-              <a:t>城戸沙月</a:t>
-            </a:r>
-            <a:endParaRPr kumimoji="1" lang="en-US" altLang="ja-JP" dirty="0">
-              <a:solidFill>
-                <a:schemeClr val="tx1"/>
-              </a:solidFill>
-              <a:latin typeface="HG丸ｺﾞｼｯｸM-PRO" panose="020F0600000000000000" pitchFamily="50" charset="-128"/>
-              <a:ea typeface="HG丸ｺﾞｼｯｸM-PRO" panose="020F0600000000000000" pitchFamily="50" charset="-128"/>
-            </a:endParaRPr>
-          </a:p>
-          <a:p>
-            <a:pPr algn="ctr"/>
-            <a:r>
-              <a:rPr kumimoji="1" lang="ja-JP" altLang="en-US" dirty="0">
-                <a:solidFill>
-                  <a:schemeClr val="tx1"/>
-                </a:solidFill>
-                <a:latin typeface="HG丸ｺﾞｼｯｸM-PRO" panose="020F0600000000000000" pitchFamily="50" charset="-128"/>
-                <a:ea typeface="HG丸ｺﾞｼｯｸM-PRO" panose="020F0600000000000000" pitchFamily="50" charset="-128"/>
-              </a:rPr>
-              <a:t>発表担当</a:t>
-            </a:r>
-          </a:p>
-        </p:txBody>
-      </p:sp>
-      <p:sp>
-        <p:nvSpPr>
-          <p:cNvPr id="11" name="吹き出し: 角を丸めた四角形 10">
-            <a:extLst>
-              <a:ext uri="{FF2B5EF4-FFF2-40B4-BE49-F238E27FC236}">
-                <a16:creationId xmlns:a16="http://schemas.microsoft.com/office/drawing/2014/main" id="{CA249E97-8BB4-44D6-B7B6-78CA05C633A0}"/>
-              </a:ext>
-            </a:extLst>
-          </p:cNvPr>
-          <p:cNvSpPr/>
-          <p:nvPr/>
-        </p:nvSpPr>
-        <p:spPr>
-          <a:xfrm>
-            <a:off x="2085976" y="4815705"/>
-            <a:ext cx="6200774" cy="1276350"/>
-          </a:xfrm>
-          <a:prstGeom prst="wedgeRoundRectCallout">
-            <a:avLst>
-              <a:gd name="adj1" fmla="val 64559"/>
-              <a:gd name="adj2" fmla="val 17724"/>
-              <a:gd name="adj3" fmla="val 16667"/>
-            </a:avLst>
-          </a:prstGeom>
-        </p:spPr>
-        <p:style>
-          <a:lnRef idx="2">
+          <a:lnRef idx="1">
             <a:schemeClr val="accent6"/>
           </a:lnRef>
-          <a:fillRef idx="1">
-            <a:schemeClr val="lt1"/>
+          <a:fillRef idx="2">
+            <a:schemeClr val="accent6"/>
           </a:fillRef>
-          <a:effectRef idx="0">
+          <a:effectRef idx="1">
             <a:schemeClr val="accent6"/>
           </a:effectRef>
           <a:fontRef idx="minor">
@@ -11394,13 +12964,89 @@
                 <a:latin typeface="HG丸ｺﾞｼｯｸM-PRO" panose="020F0600000000000000" pitchFamily="50" charset="-128"/>
                 <a:ea typeface="HG丸ｺﾞｼｯｸM-PRO" panose="020F0600000000000000" pitchFamily="50" charset="-128"/>
               </a:rPr>
-              <a:t>温厚な人が多い、平和に進みそう・・</a:t>
-            </a:r>
-            <a:endParaRPr kumimoji="1" lang="en-US" altLang="ja-JP" dirty="0">
-              <a:latin typeface="HG丸ｺﾞｼｯｸM-PRO" panose="020F0600000000000000" pitchFamily="50" charset="-128"/>
-              <a:ea typeface="HG丸ｺﾞｼｯｸM-PRO" panose="020F0600000000000000" pitchFamily="50" charset="-128"/>
-            </a:endParaRPr>
-          </a:p>
+              <a:t>課題・苦労したこと</a:t>
+            </a:r>
+          </a:p>
+        </p:txBody>
+      </p:sp>
+      <p:sp>
+        <p:nvSpPr>
+          <p:cNvPr id="9" name="テキスト ボックス 8">
+            <a:extLst>
+              <a:ext uri="{FF2B5EF4-FFF2-40B4-BE49-F238E27FC236}">
+                <a16:creationId xmlns:a16="http://schemas.microsoft.com/office/drawing/2014/main" id="{6A65759B-E635-4E4F-A107-04EEFA07ECE3}"/>
+              </a:ext>
+            </a:extLst>
+          </p:cNvPr>
+          <p:cNvSpPr txBox="1"/>
+          <p:nvPr/>
+        </p:nvSpPr>
+        <p:spPr>
+          <a:xfrm>
+            <a:off x="1357312" y="3318669"/>
+            <a:ext cx="9477375" cy="1325563"/>
+          </a:xfrm>
+          <a:prstGeom prst="rect">
+            <a:avLst/>
+          </a:prstGeom>
+          <a:noFill/>
+          <a:ln>
+            <a:solidFill>
+              <a:schemeClr val="accent6">
+                <a:lumMod val="60000"/>
+                <a:lumOff val="40000"/>
+              </a:schemeClr>
+            </a:solidFill>
+          </a:ln>
+        </p:spPr>
+        <p:txBody>
+          <a:bodyPr wrap="square" rtlCol="0">
+            <a:spAutoFit/>
+          </a:bodyPr>
+          <a:lstStyle/>
+          <a:p>
+            <a:endParaRPr kumimoji="1" lang="ja-JP" altLang="en-US" dirty="0"/>
+          </a:p>
+        </p:txBody>
+      </p:sp>
+      <p:sp>
+        <p:nvSpPr>
+          <p:cNvPr id="10" name="スクロール: 横 9">
+            <a:extLst>
+              <a:ext uri="{FF2B5EF4-FFF2-40B4-BE49-F238E27FC236}">
+                <a16:creationId xmlns:a16="http://schemas.microsoft.com/office/drawing/2014/main" id="{4011881A-DF2F-48DB-A234-70F1492BA09E}"/>
+              </a:ext>
+            </a:extLst>
+          </p:cNvPr>
+          <p:cNvSpPr/>
+          <p:nvPr/>
+        </p:nvSpPr>
+        <p:spPr>
+          <a:xfrm>
+            <a:off x="1781175" y="2966244"/>
+            <a:ext cx="2600325" cy="704850"/>
+          </a:xfrm>
+          <a:prstGeom prst="horizontalScroll">
+            <a:avLst/>
+          </a:prstGeom>
+        </p:spPr>
+        <p:style>
+          <a:lnRef idx="1">
+            <a:schemeClr val="accent6"/>
+          </a:lnRef>
+          <a:fillRef idx="2">
+            <a:schemeClr val="accent6"/>
+          </a:fillRef>
+          <a:effectRef idx="1">
+            <a:schemeClr val="accent6"/>
+          </a:effectRef>
+          <a:fontRef idx="minor">
+            <a:schemeClr val="dk1"/>
+          </a:fontRef>
+        </p:style>
+        <p:txBody>
+          <a:bodyPr rtlCol="0" anchor="ctr"/>
+          <a:lstStyle/>
           <a:p>
             <a:pPr algn="ctr"/>
             <a:r>
@@ -11408,7 +13054,7 @@
                 <a:latin typeface="HG丸ｺﾞｼｯｸM-PRO" panose="020F0600000000000000" pitchFamily="50" charset="-128"/>
                 <a:ea typeface="HG丸ｺﾞｼｯｸM-PRO" panose="020F0600000000000000" pitchFamily="50" charset="-128"/>
               </a:rPr>
-              <a:t>ついでにリーダーの名前をもじってみよう！</a:t>
+              <a:t>解決策</a:t>
             </a:r>
             <a:endParaRPr kumimoji="1" lang="ja-JP" altLang="en-US" dirty="0">
               <a:latin typeface="HG丸ｺﾞｼｯｸM-PRO" panose="020F0600000000000000" pitchFamily="50" charset="-128"/>
@@ -11417,57 +13063,151 @@
           </a:p>
         </p:txBody>
       </p:sp>
-      <p:pic>
-        <p:nvPicPr>
-          <p:cNvPr id="3076" name="Picture 4" descr="無人島のイラスト">
-            <a:extLst>
-              <a:ext uri="{FF2B5EF4-FFF2-40B4-BE49-F238E27FC236}">
-                <a16:creationId xmlns:a16="http://schemas.microsoft.com/office/drawing/2014/main" id="{A914047D-F93A-4748-B089-5E2BB4AECC99}"/>
-              </a:ext>
-            </a:extLst>
-          </p:cNvPr>
-          <p:cNvPicPr>
-            <a:picLocks noChangeAspect="1" noChangeArrowheads="1"/>
-          </p:cNvPicPr>
-          <p:nvPr/>
-        </p:nvPicPr>
-        <p:blipFill>
-          <a:blip r:embed="rId2">
-            <a:extLst>
-              <a:ext uri="{28A0092B-C50C-407E-A947-70E740481C1C}">
-                <a14:useLocalDpi xmlns:a14="http://schemas.microsoft.com/office/drawing/2010/main" val="0"/>
-              </a:ext>
-            </a:extLst>
-          </a:blip>
-          <a:srcRect/>
-          <a:stretch>
-            <a:fillRect/>
-          </a:stretch>
-        </p:blipFill>
-        <p:spPr bwMode="auto">
-          <a:xfrm>
-            <a:off x="9153526" y="4568078"/>
-            <a:ext cx="2394058" cy="1771603"/>
+      <p:sp>
+        <p:nvSpPr>
+          <p:cNvPr id="11" name="テキスト ボックス 10">
+            <a:extLst>
+              <a:ext uri="{FF2B5EF4-FFF2-40B4-BE49-F238E27FC236}">
+                <a16:creationId xmlns:a16="http://schemas.microsoft.com/office/drawing/2014/main" id="{60137443-4E43-4BDB-B199-F3DC1C3F1E04}"/>
+              </a:ext>
+            </a:extLst>
+          </p:cNvPr>
+          <p:cNvSpPr txBox="1"/>
+          <p:nvPr/>
+        </p:nvSpPr>
+        <p:spPr>
+          <a:xfrm>
+            <a:off x="1357312" y="5133183"/>
+            <a:ext cx="9477375" cy="1325563"/>
           </a:xfrm>
           <a:prstGeom prst="rect">
             <a:avLst/>
           </a:prstGeom>
           <a:noFill/>
-          <a:extLst>
-            <a:ext uri="{909E8E84-426E-40DD-AFC4-6F175D3DCCD1}">
-              <a14:hiddenFill xmlns:a14="http://schemas.microsoft.com/office/drawing/2010/main">
-                <a:solidFill>
-                  <a:srgbClr val="FFFFFF"/>
-                </a:solidFill>
-              </a14:hiddenFill>
-            </a:ext>
-          </a:extLst>
-        </p:spPr>
-      </p:pic>
+          <a:ln>
+            <a:solidFill>
+              <a:schemeClr val="accent6">
+                <a:lumMod val="60000"/>
+                <a:lumOff val="40000"/>
+              </a:schemeClr>
+            </a:solidFill>
+          </a:ln>
+        </p:spPr>
+        <p:txBody>
+          <a:bodyPr wrap="square" rtlCol="0">
+            <a:spAutoFit/>
+          </a:bodyPr>
+          <a:lstStyle/>
+          <a:p>
+            <a:endParaRPr kumimoji="1" lang="ja-JP" altLang="en-US" dirty="0"/>
+          </a:p>
+        </p:txBody>
+      </p:sp>
+      <p:sp>
+        <p:nvSpPr>
+          <p:cNvPr id="12" name="スクロール: 横 11">
+            <a:extLst>
+              <a:ext uri="{FF2B5EF4-FFF2-40B4-BE49-F238E27FC236}">
+                <a16:creationId xmlns:a16="http://schemas.microsoft.com/office/drawing/2014/main" id="{B6DCD596-6DEB-4585-9AC2-C00CE1C7BB27}"/>
+              </a:ext>
+            </a:extLst>
+          </p:cNvPr>
+          <p:cNvSpPr/>
+          <p:nvPr/>
+        </p:nvSpPr>
+        <p:spPr>
+          <a:xfrm>
+            <a:off x="1781175" y="4780758"/>
+            <a:ext cx="2600325" cy="704850"/>
+          </a:xfrm>
+          <a:prstGeom prst="horizontalScroll">
+            <a:avLst/>
+          </a:prstGeom>
+        </p:spPr>
+        <p:style>
+          <a:lnRef idx="1">
+            <a:schemeClr val="accent6"/>
+          </a:lnRef>
+          <a:fillRef idx="2">
+            <a:schemeClr val="accent6"/>
+          </a:fillRef>
+          <a:effectRef idx="1">
+            <a:schemeClr val="accent6"/>
+          </a:effectRef>
+          <a:fontRef idx="minor">
+            <a:schemeClr val="dk1"/>
+          </a:fontRef>
+        </p:style>
+        <p:txBody>
+          <a:bodyPr rtlCol="0" anchor="ctr"/>
+          <a:lstStyle/>
+          <a:p>
+            <a:pPr algn="ctr"/>
+            <a:r>
+              <a:rPr kumimoji="1" lang="ja-JP" altLang="en-US" dirty="0">
+                <a:latin typeface="HG丸ｺﾞｼｯｸM-PRO" panose="020F0600000000000000" pitchFamily="50" charset="-128"/>
+                <a:ea typeface="HG丸ｺﾞｼｯｸM-PRO" panose="020F0600000000000000" pitchFamily="50" charset="-128"/>
+              </a:rPr>
+              <a:t>成果</a:t>
+            </a:r>
+          </a:p>
+        </p:txBody>
+      </p:sp>
+      <mc:AlternateContent xmlns:mc="http://schemas.openxmlformats.org/markup-compatibility/2006">
+        <mc:Choice xmlns:p14="http://schemas.microsoft.com/office/powerpoint/2010/main" Requires="p14">
+          <p:contentPart p14:bwMode="auto" r:id="rId2">
+            <p14:nvContentPartPr>
+              <p14:cNvPr id="5" name="インク 4">
+                <a:extLst>
+                  <a:ext uri="{FF2B5EF4-FFF2-40B4-BE49-F238E27FC236}">
+                    <a16:creationId xmlns:a16="http://schemas.microsoft.com/office/drawing/2014/main" id="{8E97BBEF-F9A6-4CCE-A0C5-FD427F08BB5E}"/>
+                  </a:ext>
+                </a:extLst>
+              </p14:cNvPr>
+              <p14:cNvContentPartPr/>
+              <p14:nvPr/>
+            </p14:nvContentPartPr>
+            <p14:xfrm>
+              <a:off x="869061" y="787489"/>
+              <a:ext cx="2190960" cy="118800"/>
+            </p14:xfrm>
+          </p:contentPart>
+        </mc:Choice>
+        <mc:Fallback>
+          <p:pic>
+            <p:nvPicPr>
+              <p:cNvPr id="5" name="インク 4">
+                <a:extLst>
+                  <a:ext uri="{FF2B5EF4-FFF2-40B4-BE49-F238E27FC236}">
+                    <a16:creationId xmlns:a16="http://schemas.microsoft.com/office/drawing/2014/main" id="{8E97BBEF-F9A6-4CCE-A0C5-FD427F08BB5E}"/>
+                  </a:ext>
+                </a:extLst>
+              </p:cNvPr>
+              <p:cNvPicPr/>
+              <p:nvPr/>
+            </p:nvPicPr>
+            <p:blipFill>
+              <a:blip r:embed="rId3"/>
+              <a:stretch>
+                <a:fillRect/>
+              </a:stretch>
+            </p:blipFill>
+            <p:spPr>
+              <a:xfrm>
+                <a:off x="779421" y="607489"/>
+                <a:ext cx="2370600" cy="478440"/>
+              </a:xfrm>
+              <a:prstGeom prst="rect">
+                <a:avLst/>
+              </a:prstGeom>
+            </p:spPr>
+          </p:pic>
+        </mc:Fallback>
+      </mc:AlternateContent>
     </p:spTree>
     <p:extLst>
       <p:ext uri="{BB962C8B-B14F-4D97-AF65-F5344CB8AC3E}">
-        <p14:creationId xmlns:p14="http://schemas.microsoft.com/office/powerpoint/2010/main" val="817066274"/>
+        <p14:creationId xmlns:p14="http://schemas.microsoft.com/office/powerpoint/2010/main" val="847381589"/>
       </p:ext>
     </p:extLst>
   </p:cSld>

--- a/document/成果発表_平和島.pptx
+++ b/document/成果発表_平和島.pptx
@@ -6,21 +6,22 @@
   </p:sldMasterIdLst>
   <p:sldIdLst>
     <p:sldId id="258" r:id="rId2"/>
-    <p:sldId id="257" r:id="rId3"/>
-    <p:sldId id="261" r:id="rId4"/>
-    <p:sldId id="260" r:id="rId5"/>
-    <p:sldId id="263" r:id="rId6"/>
-    <p:sldId id="264" r:id="rId7"/>
-    <p:sldId id="265" r:id="rId8"/>
-    <p:sldId id="267" r:id="rId9"/>
-    <p:sldId id="275" r:id="rId10"/>
-    <p:sldId id="271" r:id="rId11"/>
-    <p:sldId id="272" r:id="rId12"/>
-    <p:sldId id="274" r:id="rId13"/>
-    <p:sldId id="273" r:id="rId14"/>
-    <p:sldId id="268" r:id="rId15"/>
-    <p:sldId id="269" r:id="rId16"/>
-    <p:sldId id="270" r:id="rId17"/>
+    <p:sldId id="277" r:id="rId3"/>
+    <p:sldId id="278" r:id="rId4"/>
+    <p:sldId id="261" r:id="rId5"/>
+    <p:sldId id="260" r:id="rId6"/>
+    <p:sldId id="279" r:id="rId7"/>
+    <p:sldId id="280" r:id="rId8"/>
+    <p:sldId id="281" r:id="rId9"/>
+    <p:sldId id="267" r:id="rId10"/>
+    <p:sldId id="275" r:id="rId11"/>
+    <p:sldId id="283" r:id="rId12"/>
+    <p:sldId id="285" r:id="rId13"/>
+    <p:sldId id="284" r:id="rId14"/>
+    <p:sldId id="282" r:id="rId15"/>
+    <p:sldId id="268" r:id="rId16"/>
+    <p:sldId id="269" r:id="rId17"/>
+    <p:sldId id="270" r:id="rId18"/>
   </p:sldIdLst>
   <p:sldSz cx="12192000" cy="6858000"/>
   <p:notesSz cx="6858000" cy="9144000"/>
@@ -127,6 +128,1544 @@
 </p:presentation>
 </file>
 
+<file path=ppt/charts/chart1.xml><?xml version="1.0" encoding="utf-8"?>
+<c:chartSpace xmlns:c="http://schemas.openxmlformats.org/drawingml/2006/chart" xmlns:a="http://schemas.openxmlformats.org/drawingml/2006/main" xmlns:r="http://schemas.openxmlformats.org/officeDocument/2006/relationships" xmlns:c16r2="http://schemas.microsoft.com/office/drawing/2015/06/chart">
+  <c:date1904 val="0"/>
+  <c:lang val="ja-JP"/>
+  <c:roundedCorners val="0"/>
+  <mc:AlternateContent xmlns:mc="http://schemas.openxmlformats.org/markup-compatibility/2006">
+    <mc:Choice xmlns:c14="http://schemas.microsoft.com/office/drawing/2007/8/2/chart" Requires="c14">
+      <c14:style val="102"/>
+    </mc:Choice>
+    <mc:Fallback>
+      <c:style val="2"/>
+    </mc:Fallback>
+  </mc:AlternateContent>
+  <c:chart>
+    <c:title>
+      <c:overlay val="0"/>
+      <c:spPr>
+        <a:noFill/>
+        <a:ln>
+          <a:noFill/>
+        </a:ln>
+        <a:effectLst/>
+      </c:spPr>
+      <c:txPr>
+        <a:bodyPr rot="0" spcFirstLastPara="1" vertOverflow="ellipsis" vert="horz" wrap="square" anchor="ctr" anchorCtr="1"/>
+        <a:lstStyle/>
+        <a:p>
+          <a:pPr>
+            <a:defRPr sz="1862" b="0" i="0" u="none" strike="noStrike" kern="1200" spc="0" baseline="0">
+              <a:solidFill>
+                <a:schemeClr val="tx1">
+                  <a:lumMod val="65000"/>
+                  <a:lumOff val="35000"/>
+                </a:schemeClr>
+              </a:solidFill>
+              <a:latin typeface="+mn-lt"/>
+              <a:ea typeface="+mn-ea"/>
+              <a:cs typeface="+mn-cs"/>
+            </a:defRPr>
+          </a:pPr>
+          <a:endParaRPr lang="ja-JP"/>
+        </a:p>
+      </c:txPr>
+    </c:title>
+    <c:autoTitleDeleted val="0"/>
+    <c:plotArea>
+      <c:layout/>
+      <c:pieChart>
+        <c:varyColors val="1"/>
+        <c:ser>
+          <c:idx val="0"/>
+          <c:order val="0"/>
+          <c:tx>
+            <c:strRef>
+              <c:f>Sheet1!$B$1</c:f>
+              <c:strCache>
+                <c:ptCount val="1"/>
+                <c:pt idx="0">
+                  <c:v>達成率</c:v>
+                </c:pt>
+              </c:strCache>
+            </c:strRef>
+          </c:tx>
+          <c:dPt>
+            <c:idx val="0"/>
+            <c:bubble3D val="0"/>
+            <c:spPr>
+              <a:solidFill>
+                <a:srgbClr val="EE7A4C"/>
+              </a:solidFill>
+              <a:ln w="19050">
+                <a:solidFill>
+                  <a:schemeClr val="lt1"/>
+                </a:solidFill>
+              </a:ln>
+              <a:effectLst/>
+            </c:spPr>
+            <c:extLst>
+              <c:ext xmlns:c16="http://schemas.microsoft.com/office/drawing/2014/chart" uri="{C3380CC4-5D6E-409C-BE32-E72D297353CC}">
+                <c16:uniqueId val="{00000002-6864-495A-9E02-615056ABE1C5}"/>
+              </c:ext>
+            </c:extLst>
+          </c:dPt>
+          <c:dPt>
+            <c:idx val="1"/>
+            <c:bubble3D val="0"/>
+            <c:spPr>
+              <a:solidFill>
+                <a:schemeClr val="bg1">
+                  <a:lumMod val="85000"/>
+                </a:schemeClr>
+              </a:solidFill>
+              <a:ln w="19050">
+                <a:solidFill>
+                  <a:schemeClr val="lt1"/>
+                </a:solidFill>
+              </a:ln>
+              <a:effectLst/>
+            </c:spPr>
+            <c:extLst>
+              <c:ext xmlns:c16="http://schemas.microsoft.com/office/drawing/2014/chart" uri="{C3380CC4-5D6E-409C-BE32-E72D297353CC}">
+                <c16:uniqueId val="{00000003-6864-495A-9E02-615056ABE1C5}"/>
+              </c:ext>
+            </c:extLst>
+          </c:dPt>
+          <c:cat>
+            <c:strRef>
+              <c:f>Sheet1!$A$2:$A$3</c:f>
+              <c:strCache>
+                <c:ptCount val="2"/>
+                <c:pt idx="0">
+                  <c:v>実装</c:v>
+                </c:pt>
+                <c:pt idx="1">
+                  <c:v>未実装</c:v>
+                </c:pt>
+              </c:strCache>
+            </c:strRef>
+          </c:cat>
+          <c:val>
+            <c:numRef>
+              <c:f>Sheet1!$B$2:$B$3</c:f>
+              <c:numCache>
+                <c:formatCode>General</c:formatCode>
+                <c:ptCount val="2"/>
+                <c:pt idx="0">
+                  <c:v>70</c:v>
+                </c:pt>
+                <c:pt idx="1">
+                  <c:v>30</c:v>
+                </c:pt>
+              </c:numCache>
+            </c:numRef>
+          </c:val>
+          <c:extLst>
+            <c:ext xmlns:c16="http://schemas.microsoft.com/office/drawing/2014/chart" uri="{C3380CC4-5D6E-409C-BE32-E72D297353CC}">
+              <c16:uniqueId val="{00000000-6864-495A-9E02-615056ABE1C5}"/>
+            </c:ext>
+          </c:extLst>
+        </c:ser>
+        <c:dLbls>
+          <c:showLegendKey val="0"/>
+          <c:showVal val="0"/>
+          <c:showCatName val="0"/>
+          <c:showSerName val="0"/>
+          <c:showPercent val="0"/>
+          <c:showBubbleSize val="0"/>
+          <c:showLeaderLines val="1"/>
+        </c:dLbls>
+        <c:firstSliceAng val="0"/>
+      </c:pieChart>
+      <c:spPr>
+        <a:noFill/>
+        <a:ln>
+          <a:noFill/>
+        </a:ln>
+        <a:effectLst/>
+      </c:spPr>
+    </c:plotArea>
+    <c:plotVisOnly val="1"/>
+    <c:dispBlanksAs val="gap"/>
+    <c:extLst>
+      <c:ext xmlns:c16r3="http://schemas.microsoft.com/office/drawing/2017/03/chart" uri="{56B9EC1D-385E-4148-901F-78D8002777C0}">
+        <c16r3:dataDisplayOptions16>
+          <c16r3:dispNaAsBlank val="1"/>
+        </c16r3:dataDisplayOptions16>
+      </c:ext>
+    </c:extLst>
+    <c:showDLblsOverMax val="0"/>
+  </c:chart>
+  <c:spPr>
+    <a:noFill/>
+    <a:ln>
+      <a:noFill/>
+    </a:ln>
+    <a:effectLst/>
+  </c:spPr>
+  <c:txPr>
+    <a:bodyPr/>
+    <a:lstStyle/>
+    <a:p>
+      <a:pPr>
+        <a:defRPr/>
+      </a:pPr>
+      <a:endParaRPr lang="ja-JP"/>
+    </a:p>
+  </c:txPr>
+  <c:externalData r:id="rId3">
+    <c:autoUpdate val="0"/>
+  </c:externalData>
+</c:chartSpace>
+</file>
+
+<file path=ppt/charts/chart2.xml><?xml version="1.0" encoding="utf-8"?>
+<c:chartSpace xmlns:c="http://schemas.openxmlformats.org/drawingml/2006/chart" xmlns:a="http://schemas.openxmlformats.org/drawingml/2006/main" xmlns:r="http://schemas.openxmlformats.org/officeDocument/2006/relationships" xmlns:c16r2="http://schemas.microsoft.com/office/drawing/2015/06/chart">
+  <c:date1904 val="0"/>
+  <c:lang val="ja-JP"/>
+  <c:roundedCorners val="0"/>
+  <mc:AlternateContent xmlns:mc="http://schemas.openxmlformats.org/markup-compatibility/2006">
+    <mc:Choice xmlns:c14="http://schemas.microsoft.com/office/drawing/2007/8/2/chart" Requires="c14">
+      <c14:style val="102"/>
+    </mc:Choice>
+    <mc:Fallback>
+      <c:style val="2"/>
+    </mc:Fallback>
+  </mc:AlternateContent>
+  <c:chart>
+    <c:title>
+      <c:overlay val="0"/>
+      <c:spPr>
+        <a:noFill/>
+        <a:ln>
+          <a:noFill/>
+        </a:ln>
+        <a:effectLst/>
+      </c:spPr>
+      <c:txPr>
+        <a:bodyPr rot="0" spcFirstLastPara="1" vertOverflow="ellipsis" vert="horz" wrap="square" anchor="ctr" anchorCtr="1"/>
+        <a:lstStyle/>
+        <a:p>
+          <a:pPr>
+            <a:defRPr sz="1862" b="0" i="0" u="none" strike="noStrike" kern="1200" spc="0" baseline="0">
+              <a:solidFill>
+                <a:schemeClr val="tx1">
+                  <a:lumMod val="65000"/>
+                  <a:lumOff val="35000"/>
+                </a:schemeClr>
+              </a:solidFill>
+              <a:latin typeface="+mn-lt"/>
+              <a:ea typeface="+mn-ea"/>
+              <a:cs typeface="+mn-cs"/>
+            </a:defRPr>
+          </a:pPr>
+          <a:endParaRPr lang="ja-JP"/>
+        </a:p>
+      </c:txPr>
+    </c:title>
+    <c:autoTitleDeleted val="0"/>
+    <c:plotArea>
+      <c:layout/>
+      <c:pieChart>
+        <c:varyColors val="1"/>
+        <c:ser>
+          <c:idx val="0"/>
+          <c:order val="0"/>
+          <c:tx>
+            <c:strRef>
+              <c:f>Sheet1!$B$1</c:f>
+              <c:strCache>
+                <c:ptCount val="1"/>
+                <c:pt idx="0">
+                  <c:v>達成率</c:v>
+                </c:pt>
+              </c:strCache>
+            </c:strRef>
+          </c:tx>
+          <c:dPt>
+            <c:idx val="0"/>
+            <c:bubble3D val="0"/>
+            <c:spPr>
+              <a:solidFill>
+                <a:srgbClr val="EE7A4C">
+                  <a:alpha val="60000"/>
+                </a:srgbClr>
+              </a:solidFill>
+              <a:ln w="19050">
+                <a:solidFill>
+                  <a:schemeClr val="lt1"/>
+                </a:solidFill>
+              </a:ln>
+              <a:effectLst/>
+            </c:spPr>
+            <c:extLst>
+              <c:ext xmlns:c16="http://schemas.microsoft.com/office/drawing/2014/chart" uri="{C3380CC4-5D6E-409C-BE32-E72D297353CC}">
+                <c16:uniqueId val="{00000002-6864-495A-9E02-615056ABE1C5}"/>
+              </c:ext>
+            </c:extLst>
+          </c:dPt>
+          <c:dPt>
+            <c:idx val="1"/>
+            <c:bubble3D val="0"/>
+            <c:spPr>
+              <a:solidFill>
+                <a:schemeClr val="bg1">
+                  <a:lumMod val="85000"/>
+                  <a:alpha val="60000"/>
+                </a:schemeClr>
+              </a:solidFill>
+              <a:ln w="19050">
+                <a:solidFill>
+                  <a:schemeClr val="lt1"/>
+                </a:solidFill>
+              </a:ln>
+              <a:effectLst/>
+            </c:spPr>
+            <c:extLst>
+              <c:ext xmlns:c16="http://schemas.microsoft.com/office/drawing/2014/chart" uri="{C3380CC4-5D6E-409C-BE32-E72D297353CC}">
+                <c16:uniqueId val="{00000003-6864-495A-9E02-615056ABE1C5}"/>
+              </c:ext>
+            </c:extLst>
+          </c:dPt>
+          <c:cat>
+            <c:strRef>
+              <c:f>Sheet1!$A$2:$A$3</c:f>
+              <c:strCache>
+                <c:ptCount val="2"/>
+                <c:pt idx="0">
+                  <c:v>実装</c:v>
+                </c:pt>
+                <c:pt idx="1">
+                  <c:v>未実装</c:v>
+                </c:pt>
+              </c:strCache>
+            </c:strRef>
+          </c:cat>
+          <c:val>
+            <c:numRef>
+              <c:f>Sheet1!$B$2:$B$3</c:f>
+              <c:numCache>
+                <c:formatCode>General</c:formatCode>
+                <c:ptCount val="2"/>
+                <c:pt idx="0">
+                  <c:v>70</c:v>
+                </c:pt>
+                <c:pt idx="1">
+                  <c:v>30</c:v>
+                </c:pt>
+              </c:numCache>
+            </c:numRef>
+          </c:val>
+          <c:extLst>
+            <c:ext xmlns:c16="http://schemas.microsoft.com/office/drawing/2014/chart" uri="{C3380CC4-5D6E-409C-BE32-E72D297353CC}">
+              <c16:uniqueId val="{00000000-6864-495A-9E02-615056ABE1C5}"/>
+            </c:ext>
+          </c:extLst>
+        </c:ser>
+        <c:dLbls>
+          <c:showLegendKey val="0"/>
+          <c:showVal val="0"/>
+          <c:showCatName val="0"/>
+          <c:showSerName val="0"/>
+          <c:showPercent val="0"/>
+          <c:showBubbleSize val="0"/>
+          <c:showLeaderLines val="1"/>
+        </c:dLbls>
+        <c:firstSliceAng val="0"/>
+      </c:pieChart>
+      <c:spPr>
+        <a:noFill/>
+        <a:ln>
+          <a:noFill/>
+        </a:ln>
+        <a:effectLst/>
+      </c:spPr>
+    </c:plotArea>
+    <c:legend>
+      <c:legendPos val="b"/>
+      <c:overlay val="0"/>
+      <c:spPr>
+        <a:noFill/>
+        <a:ln>
+          <a:noFill/>
+        </a:ln>
+        <a:effectLst/>
+      </c:spPr>
+      <c:txPr>
+        <a:bodyPr rot="0" spcFirstLastPara="1" vertOverflow="ellipsis" vert="horz" wrap="square" anchor="ctr" anchorCtr="1"/>
+        <a:lstStyle/>
+        <a:p>
+          <a:pPr>
+            <a:defRPr sz="1197" b="0" i="0" u="none" strike="noStrike" kern="1200" baseline="0">
+              <a:solidFill>
+                <a:schemeClr val="tx1">
+                  <a:lumMod val="65000"/>
+                  <a:lumOff val="35000"/>
+                </a:schemeClr>
+              </a:solidFill>
+              <a:latin typeface="+mn-lt"/>
+              <a:ea typeface="+mn-ea"/>
+              <a:cs typeface="+mn-cs"/>
+            </a:defRPr>
+          </a:pPr>
+          <a:endParaRPr lang="ja-JP"/>
+        </a:p>
+      </c:txPr>
+    </c:legend>
+    <c:plotVisOnly val="1"/>
+    <c:dispBlanksAs val="gap"/>
+    <c:extLst>
+      <c:ext xmlns:c16r3="http://schemas.microsoft.com/office/drawing/2017/03/chart" uri="{56B9EC1D-385E-4148-901F-78D8002777C0}">
+        <c16r3:dataDisplayOptions16>
+          <c16r3:dispNaAsBlank val="1"/>
+        </c16r3:dataDisplayOptions16>
+      </c:ext>
+    </c:extLst>
+    <c:showDLblsOverMax val="0"/>
+  </c:chart>
+  <c:spPr>
+    <a:noFill/>
+    <a:ln>
+      <a:noFill/>
+    </a:ln>
+    <a:effectLst/>
+  </c:spPr>
+  <c:txPr>
+    <a:bodyPr/>
+    <a:lstStyle/>
+    <a:p>
+      <a:pPr>
+        <a:defRPr/>
+      </a:pPr>
+      <a:endParaRPr lang="ja-JP"/>
+    </a:p>
+  </c:txPr>
+  <c:externalData r:id="rId3">
+    <c:autoUpdate val="0"/>
+  </c:externalData>
+</c:chartSpace>
+</file>
+
+<file path=ppt/charts/colors1.xml><?xml version="1.0" encoding="utf-8"?>
+<cs:colorStyle xmlns:cs="http://schemas.microsoft.com/office/drawing/2012/chartStyle" xmlns:a="http://schemas.openxmlformats.org/drawingml/2006/main" meth="cycle" id="10">
+  <a:schemeClr val="accent1"/>
+  <a:schemeClr val="accent2"/>
+  <a:schemeClr val="accent3"/>
+  <a:schemeClr val="accent4"/>
+  <a:schemeClr val="accent5"/>
+  <a:schemeClr val="accent6"/>
+  <cs:variation/>
+  <cs:variation>
+    <a:lumMod val="60000"/>
+  </cs:variation>
+  <cs:variation>
+    <a:lumMod val="80000"/>
+    <a:lumOff val="20000"/>
+  </cs:variation>
+  <cs:variation>
+    <a:lumMod val="80000"/>
+  </cs:variation>
+  <cs:variation>
+    <a:lumMod val="60000"/>
+    <a:lumOff val="40000"/>
+  </cs:variation>
+  <cs:variation>
+    <a:lumMod val="50000"/>
+  </cs:variation>
+  <cs:variation>
+    <a:lumMod val="70000"/>
+    <a:lumOff val="30000"/>
+  </cs:variation>
+  <cs:variation>
+    <a:lumMod val="70000"/>
+  </cs:variation>
+  <cs:variation>
+    <a:lumMod val="50000"/>
+    <a:lumOff val="50000"/>
+  </cs:variation>
+</cs:colorStyle>
+</file>
+
+<file path=ppt/charts/colors2.xml><?xml version="1.0" encoding="utf-8"?>
+<cs:colorStyle xmlns:cs="http://schemas.microsoft.com/office/drawing/2012/chartStyle" xmlns:a="http://schemas.openxmlformats.org/drawingml/2006/main" meth="cycle" id="10">
+  <a:schemeClr val="accent1"/>
+  <a:schemeClr val="accent2"/>
+  <a:schemeClr val="accent3"/>
+  <a:schemeClr val="accent4"/>
+  <a:schemeClr val="accent5"/>
+  <a:schemeClr val="accent6"/>
+  <cs:variation/>
+  <cs:variation>
+    <a:lumMod val="60000"/>
+  </cs:variation>
+  <cs:variation>
+    <a:lumMod val="80000"/>
+    <a:lumOff val="20000"/>
+  </cs:variation>
+  <cs:variation>
+    <a:lumMod val="80000"/>
+  </cs:variation>
+  <cs:variation>
+    <a:lumMod val="60000"/>
+    <a:lumOff val="40000"/>
+  </cs:variation>
+  <cs:variation>
+    <a:lumMod val="50000"/>
+  </cs:variation>
+  <cs:variation>
+    <a:lumMod val="70000"/>
+    <a:lumOff val="30000"/>
+  </cs:variation>
+  <cs:variation>
+    <a:lumMod val="70000"/>
+  </cs:variation>
+  <cs:variation>
+    <a:lumMod val="50000"/>
+    <a:lumOff val="50000"/>
+  </cs:variation>
+</cs:colorStyle>
+</file>
+
+<file path=ppt/charts/style1.xml><?xml version="1.0" encoding="utf-8"?>
+<cs:chartStyle xmlns:cs="http://schemas.microsoft.com/office/drawing/2012/chartStyle" xmlns:a="http://schemas.openxmlformats.org/drawingml/2006/main" id="251">
+  <cs:axisTitle>
+    <cs:lnRef idx="0"/>
+    <cs:fillRef idx="0"/>
+    <cs:effectRef idx="0"/>
+    <cs:fontRef idx="minor">
+      <a:schemeClr val="tx1">
+        <a:lumMod val="65000"/>
+        <a:lumOff val="35000"/>
+      </a:schemeClr>
+    </cs:fontRef>
+    <cs:defRPr sz="1330" kern="1200"/>
+  </cs:axisTitle>
+  <cs:categoryAxis>
+    <cs:lnRef idx="0"/>
+    <cs:fillRef idx="0"/>
+    <cs:effectRef idx="0"/>
+    <cs:fontRef idx="minor">
+      <a:schemeClr val="tx1">
+        <a:lumMod val="65000"/>
+        <a:lumOff val="35000"/>
+      </a:schemeClr>
+    </cs:fontRef>
+    <cs:spPr>
+      <a:ln w="9525" cap="flat" cmpd="sng" algn="ctr">
+        <a:solidFill>
+          <a:schemeClr val="tx1">
+            <a:lumMod val="15000"/>
+            <a:lumOff val="85000"/>
+          </a:schemeClr>
+        </a:solidFill>
+        <a:round/>
+      </a:ln>
+    </cs:spPr>
+    <cs:defRPr sz="1197" kern="1200"/>
+  </cs:categoryAxis>
+  <cs:chartArea mods="allowNoFillOverride allowNoLineOverride">
+    <cs:lnRef idx="0"/>
+    <cs:fillRef idx="0"/>
+    <cs:effectRef idx="0"/>
+    <cs:fontRef idx="minor">
+      <a:schemeClr val="tx1"/>
+    </cs:fontRef>
+    <cs:spPr>
+      <a:solidFill>
+        <a:schemeClr val="bg1"/>
+      </a:solidFill>
+      <a:ln w="9525" cap="flat" cmpd="sng" algn="ctr">
+        <a:solidFill>
+          <a:schemeClr val="tx1">
+            <a:lumMod val="15000"/>
+            <a:lumOff val="85000"/>
+          </a:schemeClr>
+        </a:solidFill>
+        <a:round/>
+      </a:ln>
+    </cs:spPr>
+    <cs:defRPr sz="1197" kern="1200"/>
+  </cs:chartArea>
+  <cs:dataLabel>
+    <cs:lnRef idx="0"/>
+    <cs:fillRef idx="0"/>
+    <cs:effectRef idx="0"/>
+    <cs:fontRef idx="minor">
+      <a:schemeClr val="tx1">
+        <a:lumMod val="75000"/>
+        <a:lumOff val="25000"/>
+      </a:schemeClr>
+    </cs:fontRef>
+    <cs:defRPr sz="1197" kern="1200"/>
+  </cs:dataLabel>
+  <cs:dataLabelCallout>
+    <cs:lnRef idx="0"/>
+    <cs:fillRef idx="0"/>
+    <cs:effectRef idx="0"/>
+    <cs:fontRef idx="minor">
+      <a:schemeClr val="dk1">
+        <a:lumMod val="65000"/>
+        <a:lumOff val="35000"/>
+      </a:schemeClr>
+    </cs:fontRef>
+    <cs:spPr>
+      <a:solidFill>
+        <a:schemeClr val="lt1"/>
+      </a:solidFill>
+      <a:ln>
+        <a:solidFill>
+          <a:schemeClr val="dk1">
+            <a:lumMod val="25000"/>
+            <a:lumOff val="75000"/>
+          </a:schemeClr>
+        </a:solidFill>
+      </a:ln>
+    </cs:spPr>
+    <cs:defRPr sz="1197" kern="1200"/>
+    <cs:bodyPr rot="0" spcFirstLastPara="1" vertOverflow="clip" horzOverflow="clip" vert="horz" wrap="square" lIns="36576" tIns="18288" rIns="36576" bIns="18288" anchor="ctr" anchorCtr="1">
+      <a:spAutoFit/>
+    </cs:bodyPr>
+  </cs:dataLabelCallout>
+  <cs:dataPoint>
+    <cs:lnRef idx="0"/>
+    <cs:fillRef idx="1">
+      <cs:styleClr val="auto"/>
+    </cs:fillRef>
+    <cs:effectRef idx="0"/>
+    <cs:fontRef idx="minor">
+      <a:schemeClr val="tx1"/>
+    </cs:fontRef>
+    <cs:spPr>
+      <a:ln w="19050">
+        <a:solidFill>
+          <a:schemeClr val="lt1"/>
+        </a:solidFill>
+      </a:ln>
+    </cs:spPr>
+  </cs:dataPoint>
+  <cs:dataPoint3D>
+    <cs:lnRef idx="0"/>
+    <cs:fillRef idx="1">
+      <cs:styleClr val="auto"/>
+    </cs:fillRef>
+    <cs:effectRef idx="0"/>
+    <cs:fontRef idx="minor">
+      <a:schemeClr val="tx1"/>
+    </cs:fontRef>
+    <cs:spPr>
+      <a:ln w="25400">
+        <a:solidFill>
+          <a:schemeClr val="lt1"/>
+        </a:solidFill>
+      </a:ln>
+    </cs:spPr>
+  </cs:dataPoint3D>
+  <cs:dataPointLine>
+    <cs:lnRef idx="0">
+      <cs:styleClr val="auto"/>
+    </cs:lnRef>
+    <cs:fillRef idx="0"/>
+    <cs:effectRef idx="0"/>
+    <cs:fontRef idx="minor">
+      <a:schemeClr val="tx1"/>
+    </cs:fontRef>
+    <cs:spPr>
+      <a:ln w="28575" cap="rnd">
+        <a:solidFill>
+          <a:schemeClr val="phClr"/>
+        </a:solidFill>
+        <a:round/>
+      </a:ln>
+    </cs:spPr>
+  </cs:dataPointLine>
+  <cs:dataPointMarker>
+    <cs:lnRef idx="0">
+      <cs:styleClr val="auto"/>
+    </cs:lnRef>
+    <cs:fillRef idx="1">
+      <cs:styleClr val="auto"/>
+    </cs:fillRef>
+    <cs:effectRef idx="0"/>
+    <cs:fontRef idx="minor">
+      <a:schemeClr val="tx1"/>
+    </cs:fontRef>
+    <cs:spPr>
+      <a:ln w="9525">
+        <a:solidFill>
+          <a:schemeClr val="phClr"/>
+        </a:solidFill>
+      </a:ln>
+    </cs:spPr>
+  </cs:dataPointMarker>
+  <cs:dataPointMarkerLayout symbol="circle" size="5"/>
+  <cs:dataPointWireframe>
+    <cs:lnRef idx="0">
+      <cs:styleClr val="auto"/>
+    </cs:lnRef>
+    <cs:fillRef idx="0"/>
+    <cs:effectRef idx="0"/>
+    <cs:fontRef idx="minor">
+      <a:schemeClr val="tx1"/>
+    </cs:fontRef>
+    <cs:spPr>
+      <a:ln w="9525" cap="rnd">
+        <a:solidFill>
+          <a:schemeClr val="phClr"/>
+        </a:solidFill>
+        <a:round/>
+      </a:ln>
+    </cs:spPr>
+  </cs:dataPointWireframe>
+  <cs:dataTable>
+    <cs:lnRef idx="0"/>
+    <cs:fillRef idx="0"/>
+    <cs:effectRef idx="0"/>
+    <cs:fontRef idx="minor">
+      <a:schemeClr val="tx1">
+        <a:lumMod val="65000"/>
+        <a:lumOff val="35000"/>
+      </a:schemeClr>
+    </cs:fontRef>
+    <cs:spPr>
+      <a:noFill/>
+      <a:ln w="9525" cap="flat" cmpd="sng" algn="ctr">
+        <a:solidFill>
+          <a:schemeClr val="tx1">
+            <a:lumMod val="15000"/>
+            <a:lumOff val="85000"/>
+          </a:schemeClr>
+        </a:solidFill>
+        <a:round/>
+      </a:ln>
+    </cs:spPr>
+    <cs:defRPr sz="1197" kern="1200"/>
+  </cs:dataTable>
+  <cs:downBar>
+    <cs:lnRef idx="0"/>
+    <cs:fillRef idx="0"/>
+    <cs:effectRef idx="0"/>
+    <cs:fontRef idx="minor">
+      <a:schemeClr val="tx1"/>
+    </cs:fontRef>
+    <cs:spPr>
+      <a:solidFill>
+        <a:schemeClr val="dk1">
+          <a:lumMod val="75000"/>
+          <a:lumOff val="25000"/>
+        </a:schemeClr>
+      </a:solidFill>
+      <a:ln w="9525" cap="flat" cmpd="sng" algn="ctr">
+        <a:solidFill>
+          <a:schemeClr val="tx1">
+            <a:lumMod val="65000"/>
+            <a:lumOff val="35000"/>
+          </a:schemeClr>
+        </a:solidFill>
+        <a:round/>
+      </a:ln>
+    </cs:spPr>
+  </cs:downBar>
+  <cs:dropLine>
+    <cs:lnRef idx="0"/>
+    <cs:fillRef idx="0"/>
+    <cs:effectRef idx="0"/>
+    <cs:fontRef idx="minor">
+      <a:schemeClr val="tx1"/>
+    </cs:fontRef>
+    <cs:spPr>
+      <a:ln w="9525" cap="flat" cmpd="sng" algn="ctr">
+        <a:solidFill>
+          <a:schemeClr val="tx1">
+            <a:lumMod val="35000"/>
+            <a:lumOff val="65000"/>
+          </a:schemeClr>
+        </a:solidFill>
+        <a:round/>
+      </a:ln>
+    </cs:spPr>
+  </cs:dropLine>
+  <cs:errorBar>
+    <cs:lnRef idx="0"/>
+    <cs:fillRef idx="0"/>
+    <cs:effectRef idx="0"/>
+    <cs:fontRef idx="minor">
+      <a:schemeClr val="tx1"/>
+    </cs:fontRef>
+    <cs:spPr>
+      <a:ln w="9525" cap="flat" cmpd="sng" algn="ctr">
+        <a:solidFill>
+          <a:schemeClr val="tx1">
+            <a:lumMod val="65000"/>
+            <a:lumOff val="35000"/>
+          </a:schemeClr>
+        </a:solidFill>
+        <a:round/>
+      </a:ln>
+    </cs:spPr>
+  </cs:errorBar>
+  <cs:floor>
+    <cs:lnRef idx="0"/>
+    <cs:fillRef idx="0"/>
+    <cs:effectRef idx="0"/>
+    <cs:fontRef idx="minor">
+      <a:schemeClr val="tx1"/>
+    </cs:fontRef>
+    <cs:spPr>
+      <a:noFill/>
+      <a:ln>
+        <a:noFill/>
+      </a:ln>
+    </cs:spPr>
+  </cs:floor>
+  <cs:gridlineMajor>
+    <cs:lnRef idx="0"/>
+    <cs:fillRef idx="0"/>
+    <cs:effectRef idx="0"/>
+    <cs:fontRef idx="minor">
+      <a:schemeClr val="tx1"/>
+    </cs:fontRef>
+    <cs:spPr>
+      <a:ln w="9525" cap="flat" cmpd="sng" algn="ctr">
+        <a:solidFill>
+          <a:schemeClr val="tx1">
+            <a:lumMod val="15000"/>
+            <a:lumOff val="85000"/>
+          </a:schemeClr>
+        </a:solidFill>
+        <a:round/>
+      </a:ln>
+    </cs:spPr>
+  </cs:gridlineMajor>
+  <cs:gridlineMinor>
+    <cs:lnRef idx="0"/>
+    <cs:fillRef idx="0"/>
+    <cs:effectRef idx="0"/>
+    <cs:fontRef idx="minor">
+      <a:schemeClr val="tx1"/>
+    </cs:fontRef>
+    <cs:spPr>
+      <a:ln w="9525" cap="flat" cmpd="sng" algn="ctr">
+        <a:solidFill>
+          <a:schemeClr val="tx1">
+            <a:lumMod val="5000"/>
+            <a:lumOff val="95000"/>
+          </a:schemeClr>
+        </a:solidFill>
+        <a:round/>
+      </a:ln>
+    </cs:spPr>
+  </cs:gridlineMinor>
+  <cs:hiLoLine>
+    <cs:lnRef idx="0"/>
+    <cs:fillRef idx="0"/>
+    <cs:effectRef idx="0"/>
+    <cs:fontRef idx="minor">
+      <a:schemeClr val="tx1"/>
+    </cs:fontRef>
+    <cs:spPr>
+      <a:ln w="9525" cap="flat" cmpd="sng" algn="ctr">
+        <a:solidFill>
+          <a:schemeClr val="tx1">
+            <a:lumMod val="50000"/>
+            <a:lumOff val="50000"/>
+          </a:schemeClr>
+        </a:solidFill>
+        <a:round/>
+      </a:ln>
+    </cs:spPr>
+  </cs:hiLoLine>
+  <cs:leaderLine>
+    <cs:lnRef idx="0"/>
+    <cs:fillRef idx="0"/>
+    <cs:effectRef idx="0"/>
+    <cs:fontRef idx="minor">
+      <a:schemeClr val="tx1"/>
+    </cs:fontRef>
+    <cs:spPr>
+      <a:ln w="9525" cap="flat" cmpd="sng" algn="ctr">
+        <a:solidFill>
+          <a:schemeClr val="tx1">
+            <a:lumMod val="35000"/>
+            <a:lumOff val="65000"/>
+          </a:schemeClr>
+        </a:solidFill>
+        <a:round/>
+      </a:ln>
+    </cs:spPr>
+  </cs:leaderLine>
+  <cs:legend>
+    <cs:lnRef idx="0"/>
+    <cs:fillRef idx="0"/>
+    <cs:effectRef idx="0"/>
+    <cs:fontRef idx="minor">
+      <a:schemeClr val="tx1">
+        <a:lumMod val="65000"/>
+        <a:lumOff val="35000"/>
+      </a:schemeClr>
+    </cs:fontRef>
+    <cs:defRPr sz="1197" kern="1200"/>
+  </cs:legend>
+  <cs:plotArea mods="allowNoFillOverride allowNoLineOverride">
+    <cs:lnRef idx="0"/>
+    <cs:fillRef idx="0"/>
+    <cs:effectRef idx="0"/>
+    <cs:fontRef idx="minor">
+      <a:schemeClr val="tx1"/>
+    </cs:fontRef>
+  </cs:plotArea>
+  <cs:plotArea3D mods="allowNoFillOverride allowNoLineOverride">
+    <cs:lnRef idx="0"/>
+    <cs:fillRef idx="0"/>
+    <cs:effectRef idx="0"/>
+    <cs:fontRef idx="minor">
+      <a:schemeClr val="tx1"/>
+    </cs:fontRef>
+  </cs:plotArea3D>
+  <cs:seriesAxis>
+    <cs:lnRef idx="0"/>
+    <cs:fillRef idx="0"/>
+    <cs:effectRef idx="0"/>
+    <cs:fontRef idx="minor">
+      <a:schemeClr val="tx1">
+        <a:lumMod val="65000"/>
+        <a:lumOff val="35000"/>
+      </a:schemeClr>
+    </cs:fontRef>
+    <cs:defRPr sz="1197" kern="1200"/>
+  </cs:seriesAxis>
+  <cs:seriesLine>
+    <cs:lnRef idx="0"/>
+    <cs:fillRef idx="0"/>
+    <cs:effectRef idx="0"/>
+    <cs:fontRef idx="minor">
+      <a:schemeClr val="tx1"/>
+    </cs:fontRef>
+    <cs:spPr>
+      <a:ln w="9525" cap="flat" cmpd="sng" algn="ctr">
+        <a:solidFill>
+          <a:schemeClr val="tx1">
+            <a:lumMod val="35000"/>
+            <a:lumOff val="65000"/>
+          </a:schemeClr>
+        </a:solidFill>
+        <a:round/>
+      </a:ln>
+    </cs:spPr>
+  </cs:seriesLine>
+  <cs:title>
+    <cs:lnRef idx="0"/>
+    <cs:fillRef idx="0"/>
+    <cs:effectRef idx="0"/>
+    <cs:fontRef idx="minor">
+      <a:schemeClr val="tx1">
+        <a:lumMod val="65000"/>
+        <a:lumOff val="35000"/>
+      </a:schemeClr>
+    </cs:fontRef>
+    <cs:defRPr sz="1862" b="0" kern="1200" spc="0" baseline="0"/>
+  </cs:title>
+  <cs:trendline>
+    <cs:lnRef idx="0">
+      <cs:styleClr val="auto"/>
+    </cs:lnRef>
+    <cs:fillRef idx="0"/>
+    <cs:effectRef idx="0"/>
+    <cs:fontRef idx="minor">
+      <a:schemeClr val="tx1"/>
+    </cs:fontRef>
+    <cs:spPr>
+      <a:ln w="19050" cap="rnd">
+        <a:solidFill>
+          <a:schemeClr val="phClr"/>
+        </a:solidFill>
+        <a:prstDash val="sysDot"/>
+      </a:ln>
+    </cs:spPr>
+  </cs:trendline>
+  <cs:trendlineLabel>
+    <cs:lnRef idx="0"/>
+    <cs:fillRef idx="0"/>
+    <cs:effectRef idx="0"/>
+    <cs:fontRef idx="minor">
+      <a:schemeClr val="tx1">
+        <a:lumMod val="65000"/>
+        <a:lumOff val="35000"/>
+      </a:schemeClr>
+    </cs:fontRef>
+    <cs:defRPr sz="1197" kern="1200"/>
+  </cs:trendlineLabel>
+  <cs:upBar>
+    <cs:lnRef idx="0"/>
+    <cs:fillRef idx="0"/>
+    <cs:effectRef idx="0"/>
+    <cs:fontRef idx="minor">
+      <a:schemeClr val="tx1"/>
+    </cs:fontRef>
+    <cs:spPr>
+      <a:solidFill>
+        <a:schemeClr val="lt1"/>
+      </a:solidFill>
+      <a:ln w="9525" cap="flat" cmpd="sng" algn="ctr">
+        <a:solidFill>
+          <a:schemeClr val="tx1">
+            <a:lumMod val="65000"/>
+            <a:lumOff val="35000"/>
+          </a:schemeClr>
+        </a:solidFill>
+        <a:round/>
+      </a:ln>
+    </cs:spPr>
+  </cs:upBar>
+  <cs:valueAxis>
+    <cs:lnRef idx="0"/>
+    <cs:fillRef idx="0"/>
+    <cs:effectRef idx="0"/>
+    <cs:fontRef idx="minor">
+      <a:schemeClr val="tx1">
+        <a:lumMod val="65000"/>
+        <a:lumOff val="35000"/>
+      </a:schemeClr>
+    </cs:fontRef>
+    <cs:defRPr sz="1197" kern="1200"/>
+  </cs:valueAxis>
+  <cs:wall>
+    <cs:lnRef idx="0"/>
+    <cs:fillRef idx="0"/>
+    <cs:effectRef idx="0"/>
+    <cs:fontRef idx="minor">
+      <a:schemeClr val="tx1"/>
+    </cs:fontRef>
+    <cs:spPr>
+      <a:noFill/>
+      <a:ln>
+        <a:noFill/>
+      </a:ln>
+    </cs:spPr>
+  </cs:wall>
+</cs:chartStyle>
+</file>
+
+<file path=ppt/charts/style2.xml><?xml version="1.0" encoding="utf-8"?>
+<cs:chartStyle xmlns:cs="http://schemas.microsoft.com/office/drawing/2012/chartStyle" xmlns:a="http://schemas.openxmlformats.org/drawingml/2006/main" id="251">
+  <cs:axisTitle>
+    <cs:lnRef idx="0"/>
+    <cs:fillRef idx="0"/>
+    <cs:effectRef idx="0"/>
+    <cs:fontRef idx="minor">
+      <a:schemeClr val="tx1">
+        <a:lumMod val="65000"/>
+        <a:lumOff val="35000"/>
+      </a:schemeClr>
+    </cs:fontRef>
+    <cs:defRPr sz="1330" kern="1200"/>
+  </cs:axisTitle>
+  <cs:categoryAxis>
+    <cs:lnRef idx="0"/>
+    <cs:fillRef idx="0"/>
+    <cs:effectRef idx="0"/>
+    <cs:fontRef idx="minor">
+      <a:schemeClr val="tx1">
+        <a:lumMod val="65000"/>
+        <a:lumOff val="35000"/>
+      </a:schemeClr>
+    </cs:fontRef>
+    <cs:spPr>
+      <a:ln w="9525" cap="flat" cmpd="sng" algn="ctr">
+        <a:solidFill>
+          <a:schemeClr val="tx1">
+            <a:lumMod val="15000"/>
+            <a:lumOff val="85000"/>
+          </a:schemeClr>
+        </a:solidFill>
+        <a:round/>
+      </a:ln>
+    </cs:spPr>
+    <cs:defRPr sz="1197" kern="1200"/>
+  </cs:categoryAxis>
+  <cs:chartArea mods="allowNoFillOverride allowNoLineOverride">
+    <cs:lnRef idx="0"/>
+    <cs:fillRef idx="0"/>
+    <cs:effectRef idx="0"/>
+    <cs:fontRef idx="minor">
+      <a:schemeClr val="tx1"/>
+    </cs:fontRef>
+    <cs:spPr>
+      <a:solidFill>
+        <a:schemeClr val="bg1"/>
+      </a:solidFill>
+      <a:ln w="9525" cap="flat" cmpd="sng" algn="ctr">
+        <a:solidFill>
+          <a:schemeClr val="tx1">
+            <a:lumMod val="15000"/>
+            <a:lumOff val="85000"/>
+          </a:schemeClr>
+        </a:solidFill>
+        <a:round/>
+      </a:ln>
+    </cs:spPr>
+    <cs:defRPr sz="1197" kern="1200"/>
+  </cs:chartArea>
+  <cs:dataLabel>
+    <cs:lnRef idx="0"/>
+    <cs:fillRef idx="0"/>
+    <cs:effectRef idx="0"/>
+    <cs:fontRef idx="minor">
+      <a:schemeClr val="tx1">
+        <a:lumMod val="75000"/>
+        <a:lumOff val="25000"/>
+      </a:schemeClr>
+    </cs:fontRef>
+    <cs:defRPr sz="1197" kern="1200"/>
+  </cs:dataLabel>
+  <cs:dataLabelCallout>
+    <cs:lnRef idx="0"/>
+    <cs:fillRef idx="0"/>
+    <cs:effectRef idx="0"/>
+    <cs:fontRef idx="minor">
+      <a:schemeClr val="dk1">
+        <a:lumMod val="65000"/>
+        <a:lumOff val="35000"/>
+      </a:schemeClr>
+    </cs:fontRef>
+    <cs:spPr>
+      <a:solidFill>
+        <a:schemeClr val="lt1"/>
+      </a:solidFill>
+      <a:ln>
+        <a:solidFill>
+          <a:schemeClr val="dk1">
+            <a:lumMod val="25000"/>
+            <a:lumOff val="75000"/>
+          </a:schemeClr>
+        </a:solidFill>
+      </a:ln>
+    </cs:spPr>
+    <cs:defRPr sz="1197" kern="1200"/>
+    <cs:bodyPr rot="0" spcFirstLastPara="1" vertOverflow="clip" horzOverflow="clip" vert="horz" wrap="square" lIns="36576" tIns="18288" rIns="36576" bIns="18288" anchor="ctr" anchorCtr="1">
+      <a:spAutoFit/>
+    </cs:bodyPr>
+  </cs:dataLabelCallout>
+  <cs:dataPoint>
+    <cs:lnRef idx="0"/>
+    <cs:fillRef idx="1">
+      <cs:styleClr val="auto"/>
+    </cs:fillRef>
+    <cs:effectRef idx="0"/>
+    <cs:fontRef idx="minor">
+      <a:schemeClr val="tx1"/>
+    </cs:fontRef>
+    <cs:spPr>
+      <a:ln w="19050">
+        <a:solidFill>
+          <a:schemeClr val="lt1"/>
+        </a:solidFill>
+      </a:ln>
+    </cs:spPr>
+  </cs:dataPoint>
+  <cs:dataPoint3D>
+    <cs:lnRef idx="0"/>
+    <cs:fillRef idx="1">
+      <cs:styleClr val="auto"/>
+    </cs:fillRef>
+    <cs:effectRef idx="0"/>
+    <cs:fontRef idx="minor">
+      <a:schemeClr val="tx1"/>
+    </cs:fontRef>
+    <cs:spPr>
+      <a:ln w="25400">
+        <a:solidFill>
+          <a:schemeClr val="lt1"/>
+        </a:solidFill>
+      </a:ln>
+    </cs:spPr>
+  </cs:dataPoint3D>
+  <cs:dataPointLine>
+    <cs:lnRef idx="0">
+      <cs:styleClr val="auto"/>
+    </cs:lnRef>
+    <cs:fillRef idx="0"/>
+    <cs:effectRef idx="0"/>
+    <cs:fontRef idx="minor">
+      <a:schemeClr val="tx1"/>
+    </cs:fontRef>
+    <cs:spPr>
+      <a:ln w="28575" cap="rnd">
+        <a:solidFill>
+          <a:schemeClr val="phClr"/>
+        </a:solidFill>
+        <a:round/>
+      </a:ln>
+    </cs:spPr>
+  </cs:dataPointLine>
+  <cs:dataPointMarker>
+    <cs:lnRef idx="0">
+      <cs:styleClr val="auto"/>
+    </cs:lnRef>
+    <cs:fillRef idx="1">
+      <cs:styleClr val="auto"/>
+    </cs:fillRef>
+    <cs:effectRef idx="0"/>
+    <cs:fontRef idx="minor">
+      <a:schemeClr val="tx1"/>
+    </cs:fontRef>
+    <cs:spPr>
+      <a:ln w="9525">
+        <a:solidFill>
+          <a:schemeClr val="phClr"/>
+        </a:solidFill>
+      </a:ln>
+    </cs:spPr>
+  </cs:dataPointMarker>
+  <cs:dataPointMarkerLayout symbol="circle" size="5"/>
+  <cs:dataPointWireframe>
+    <cs:lnRef idx="0">
+      <cs:styleClr val="auto"/>
+    </cs:lnRef>
+    <cs:fillRef idx="0"/>
+    <cs:effectRef idx="0"/>
+    <cs:fontRef idx="minor">
+      <a:schemeClr val="tx1"/>
+    </cs:fontRef>
+    <cs:spPr>
+      <a:ln w="9525" cap="rnd">
+        <a:solidFill>
+          <a:schemeClr val="phClr"/>
+        </a:solidFill>
+        <a:round/>
+      </a:ln>
+    </cs:spPr>
+  </cs:dataPointWireframe>
+  <cs:dataTable>
+    <cs:lnRef idx="0"/>
+    <cs:fillRef idx="0"/>
+    <cs:effectRef idx="0"/>
+    <cs:fontRef idx="minor">
+      <a:schemeClr val="tx1">
+        <a:lumMod val="65000"/>
+        <a:lumOff val="35000"/>
+      </a:schemeClr>
+    </cs:fontRef>
+    <cs:spPr>
+      <a:noFill/>
+      <a:ln w="9525" cap="flat" cmpd="sng" algn="ctr">
+        <a:solidFill>
+          <a:schemeClr val="tx1">
+            <a:lumMod val="15000"/>
+            <a:lumOff val="85000"/>
+          </a:schemeClr>
+        </a:solidFill>
+        <a:round/>
+      </a:ln>
+    </cs:spPr>
+    <cs:defRPr sz="1197" kern="1200"/>
+  </cs:dataTable>
+  <cs:downBar>
+    <cs:lnRef idx="0"/>
+    <cs:fillRef idx="0"/>
+    <cs:effectRef idx="0"/>
+    <cs:fontRef idx="minor">
+      <a:schemeClr val="tx1"/>
+    </cs:fontRef>
+    <cs:spPr>
+      <a:solidFill>
+        <a:schemeClr val="dk1">
+          <a:lumMod val="75000"/>
+          <a:lumOff val="25000"/>
+        </a:schemeClr>
+      </a:solidFill>
+      <a:ln w="9525" cap="flat" cmpd="sng" algn="ctr">
+        <a:solidFill>
+          <a:schemeClr val="tx1">
+            <a:lumMod val="65000"/>
+            <a:lumOff val="35000"/>
+          </a:schemeClr>
+        </a:solidFill>
+        <a:round/>
+      </a:ln>
+    </cs:spPr>
+  </cs:downBar>
+  <cs:dropLine>
+    <cs:lnRef idx="0"/>
+    <cs:fillRef idx="0"/>
+    <cs:effectRef idx="0"/>
+    <cs:fontRef idx="minor">
+      <a:schemeClr val="tx1"/>
+    </cs:fontRef>
+    <cs:spPr>
+      <a:ln w="9525" cap="flat" cmpd="sng" algn="ctr">
+        <a:solidFill>
+          <a:schemeClr val="tx1">
+            <a:lumMod val="35000"/>
+            <a:lumOff val="65000"/>
+          </a:schemeClr>
+        </a:solidFill>
+        <a:round/>
+      </a:ln>
+    </cs:spPr>
+  </cs:dropLine>
+  <cs:errorBar>
+    <cs:lnRef idx="0"/>
+    <cs:fillRef idx="0"/>
+    <cs:effectRef idx="0"/>
+    <cs:fontRef idx="minor">
+      <a:schemeClr val="tx1"/>
+    </cs:fontRef>
+    <cs:spPr>
+      <a:ln w="9525" cap="flat" cmpd="sng" algn="ctr">
+        <a:solidFill>
+          <a:schemeClr val="tx1">
+            <a:lumMod val="65000"/>
+            <a:lumOff val="35000"/>
+          </a:schemeClr>
+        </a:solidFill>
+        <a:round/>
+      </a:ln>
+    </cs:spPr>
+  </cs:errorBar>
+  <cs:floor>
+    <cs:lnRef idx="0"/>
+    <cs:fillRef idx="0"/>
+    <cs:effectRef idx="0"/>
+    <cs:fontRef idx="minor">
+      <a:schemeClr val="tx1"/>
+    </cs:fontRef>
+    <cs:spPr>
+      <a:noFill/>
+      <a:ln>
+        <a:noFill/>
+      </a:ln>
+    </cs:spPr>
+  </cs:floor>
+  <cs:gridlineMajor>
+    <cs:lnRef idx="0"/>
+    <cs:fillRef idx="0"/>
+    <cs:effectRef idx="0"/>
+    <cs:fontRef idx="minor">
+      <a:schemeClr val="tx1"/>
+    </cs:fontRef>
+    <cs:spPr>
+      <a:ln w="9525" cap="flat" cmpd="sng" algn="ctr">
+        <a:solidFill>
+          <a:schemeClr val="tx1">
+            <a:lumMod val="15000"/>
+            <a:lumOff val="85000"/>
+          </a:schemeClr>
+        </a:solidFill>
+        <a:round/>
+      </a:ln>
+    </cs:spPr>
+  </cs:gridlineMajor>
+  <cs:gridlineMinor>
+    <cs:lnRef idx="0"/>
+    <cs:fillRef idx="0"/>
+    <cs:effectRef idx="0"/>
+    <cs:fontRef idx="minor">
+      <a:schemeClr val="tx1"/>
+    </cs:fontRef>
+    <cs:spPr>
+      <a:ln w="9525" cap="flat" cmpd="sng" algn="ctr">
+        <a:solidFill>
+          <a:schemeClr val="tx1">
+            <a:lumMod val="5000"/>
+            <a:lumOff val="95000"/>
+          </a:schemeClr>
+        </a:solidFill>
+        <a:round/>
+      </a:ln>
+    </cs:spPr>
+  </cs:gridlineMinor>
+  <cs:hiLoLine>
+    <cs:lnRef idx="0"/>
+    <cs:fillRef idx="0"/>
+    <cs:effectRef idx="0"/>
+    <cs:fontRef idx="minor">
+      <a:schemeClr val="tx1"/>
+    </cs:fontRef>
+    <cs:spPr>
+      <a:ln w="9525" cap="flat" cmpd="sng" algn="ctr">
+        <a:solidFill>
+          <a:schemeClr val="tx1">
+            <a:lumMod val="50000"/>
+            <a:lumOff val="50000"/>
+          </a:schemeClr>
+        </a:solidFill>
+        <a:round/>
+      </a:ln>
+    </cs:spPr>
+  </cs:hiLoLine>
+  <cs:leaderLine>
+    <cs:lnRef idx="0"/>
+    <cs:fillRef idx="0"/>
+    <cs:effectRef idx="0"/>
+    <cs:fontRef idx="minor">
+      <a:schemeClr val="tx1"/>
+    </cs:fontRef>
+    <cs:spPr>
+      <a:ln w="9525" cap="flat" cmpd="sng" algn="ctr">
+        <a:solidFill>
+          <a:schemeClr val="tx1">
+            <a:lumMod val="35000"/>
+            <a:lumOff val="65000"/>
+          </a:schemeClr>
+        </a:solidFill>
+        <a:round/>
+      </a:ln>
+    </cs:spPr>
+  </cs:leaderLine>
+  <cs:legend>
+    <cs:lnRef idx="0"/>
+    <cs:fillRef idx="0"/>
+    <cs:effectRef idx="0"/>
+    <cs:fontRef idx="minor">
+      <a:schemeClr val="tx1">
+        <a:lumMod val="65000"/>
+        <a:lumOff val="35000"/>
+      </a:schemeClr>
+    </cs:fontRef>
+    <cs:defRPr sz="1197" kern="1200"/>
+  </cs:legend>
+  <cs:plotArea mods="allowNoFillOverride allowNoLineOverride">
+    <cs:lnRef idx="0"/>
+    <cs:fillRef idx="0"/>
+    <cs:effectRef idx="0"/>
+    <cs:fontRef idx="minor">
+      <a:schemeClr val="tx1"/>
+    </cs:fontRef>
+  </cs:plotArea>
+  <cs:plotArea3D mods="allowNoFillOverride allowNoLineOverride">
+    <cs:lnRef idx="0"/>
+    <cs:fillRef idx="0"/>
+    <cs:effectRef idx="0"/>
+    <cs:fontRef idx="minor">
+      <a:schemeClr val="tx1"/>
+    </cs:fontRef>
+  </cs:plotArea3D>
+  <cs:seriesAxis>
+    <cs:lnRef idx="0"/>
+    <cs:fillRef idx="0"/>
+    <cs:effectRef idx="0"/>
+    <cs:fontRef idx="minor">
+      <a:schemeClr val="tx1">
+        <a:lumMod val="65000"/>
+        <a:lumOff val="35000"/>
+      </a:schemeClr>
+    </cs:fontRef>
+    <cs:defRPr sz="1197" kern="1200"/>
+  </cs:seriesAxis>
+  <cs:seriesLine>
+    <cs:lnRef idx="0"/>
+    <cs:fillRef idx="0"/>
+    <cs:effectRef idx="0"/>
+    <cs:fontRef idx="minor">
+      <a:schemeClr val="tx1"/>
+    </cs:fontRef>
+    <cs:spPr>
+      <a:ln w="9525" cap="flat" cmpd="sng" algn="ctr">
+        <a:solidFill>
+          <a:schemeClr val="tx1">
+            <a:lumMod val="35000"/>
+            <a:lumOff val="65000"/>
+          </a:schemeClr>
+        </a:solidFill>
+        <a:round/>
+      </a:ln>
+    </cs:spPr>
+  </cs:seriesLine>
+  <cs:title>
+    <cs:lnRef idx="0"/>
+    <cs:fillRef idx="0"/>
+    <cs:effectRef idx="0"/>
+    <cs:fontRef idx="minor">
+      <a:schemeClr val="tx1">
+        <a:lumMod val="65000"/>
+        <a:lumOff val="35000"/>
+      </a:schemeClr>
+    </cs:fontRef>
+    <cs:defRPr sz="1862" b="0" kern="1200" spc="0" baseline="0"/>
+  </cs:title>
+  <cs:trendline>
+    <cs:lnRef idx="0">
+      <cs:styleClr val="auto"/>
+    </cs:lnRef>
+    <cs:fillRef idx="0"/>
+    <cs:effectRef idx="0"/>
+    <cs:fontRef idx="minor">
+      <a:schemeClr val="tx1"/>
+    </cs:fontRef>
+    <cs:spPr>
+      <a:ln w="19050" cap="rnd">
+        <a:solidFill>
+          <a:schemeClr val="phClr"/>
+        </a:solidFill>
+        <a:prstDash val="sysDot"/>
+      </a:ln>
+    </cs:spPr>
+  </cs:trendline>
+  <cs:trendlineLabel>
+    <cs:lnRef idx="0"/>
+    <cs:fillRef idx="0"/>
+    <cs:effectRef idx="0"/>
+    <cs:fontRef idx="minor">
+      <a:schemeClr val="tx1">
+        <a:lumMod val="65000"/>
+        <a:lumOff val="35000"/>
+      </a:schemeClr>
+    </cs:fontRef>
+    <cs:defRPr sz="1197" kern="1200"/>
+  </cs:trendlineLabel>
+  <cs:upBar>
+    <cs:lnRef idx="0"/>
+    <cs:fillRef idx="0"/>
+    <cs:effectRef idx="0"/>
+    <cs:fontRef idx="minor">
+      <a:schemeClr val="tx1"/>
+    </cs:fontRef>
+    <cs:spPr>
+      <a:solidFill>
+        <a:schemeClr val="lt1"/>
+      </a:solidFill>
+      <a:ln w="9525" cap="flat" cmpd="sng" algn="ctr">
+        <a:solidFill>
+          <a:schemeClr val="tx1">
+            <a:lumMod val="65000"/>
+            <a:lumOff val="35000"/>
+          </a:schemeClr>
+        </a:solidFill>
+        <a:round/>
+      </a:ln>
+    </cs:spPr>
+  </cs:upBar>
+  <cs:valueAxis>
+    <cs:lnRef idx="0"/>
+    <cs:fillRef idx="0"/>
+    <cs:effectRef idx="0"/>
+    <cs:fontRef idx="minor">
+      <a:schemeClr val="tx1">
+        <a:lumMod val="65000"/>
+        <a:lumOff val="35000"/>
+      </a:schemeClr>
+    </cs:fontRef>
+    <cs:defRPr sz="1197" kern="1200"/>
+  </cs:valueAxis>
+  <cs:wall>
+    <cs:lnRef idx="0"/>
+    <cs:fillRef idx="0"/>
+    <cs:effectRef idx="0"/>
+    <cs:fontRef idx="minor">
+      <a:schemeClr val="tx1"/>
+    </cs:fontRef>
+    <cs:spPr>
+      <a:noFill/>
+      <a:ln>
+        <a:noFill/>
+      </a:ln>
+    </cs:spPr>
+  </cs:wall>
+</cs:chartStyle>
+</file>
+
 <file path=ppt/ink/ink1.xml><?xml version="1.0" encoding="utf-8"?>
 <inkml:ink xmlns:inkml="http://www.w3.org/2003/InkML">
   <inkml:definitions>
@@ -170,6 +1709,64 @@
           <inkml:channelProperty channel="Y" name="resolution" value="1000" units="1/cm"/>
         </inkml:channelProperties>
       </inkml:inkSource>
+      <inkml:timestamp xml:id="ts0" timeString="2021-06-23T02:35:16.716"/>
+    </inkml:context>
+    <inkml:brush xml:id="br0">
+      <inkml:brushProperty name="width" value="0.5" units="cm"/>
+      <inkml:brushProperty name="height" value="1" units="cm"/>
+      <inkml:brushProperty name="color" value="#A2D762"/>
+      <inkml:brushProperty name="tip" value="rectangle"/>
+      <inkml:brushProperty name="rasterOp" value="maskPen"/>
+      <inkml:brushProperty name="ignorePressure" value="1"/>
+    </inkml:brush>
+  </inkml:definitions>
+  <inkml:trace contextRef="#ctx0" brushRef="#br0">1 327,'336'2,"469"-8,-372-29,40-1,-328 33,254-19,239-77,-535 81,268-30,-215 30,495-26,4 45,-257 2,98-3,-470 0</inkml:trace>
+</inkml:ink>
+</file>
+
+<file path=ppt/ink/ink11.xml><?xml version="1.0" encoding="utf-8"?>
+<inkml:ink xmlns:inkml="http://www.w3.org/2003/InkML">
+  <inkml:definitions>
+    <inkml:context xml:id="ctx0">
+      <inkml:inkSource xml:id="inkSrc0">
+        <inkml:traceFormat>
+          <inkml:channel name="X" type="integer" min="-2.14748E9" max="2.14748E9" units="cm"/>
+          <inkml:channel name="Y" type="integer" min="-2.14748E9" max="2.14748E9" units="cm"/>
+        </inkml:traceFormat>
+        <inkml:channelProperties>
+          <inkml:channelProperty channel="X" name="resolution" value="1000" units="1/cm"/>
+          <inkml:channelProperty channel="Y" name="resolution" value="1000" units="1/cm"/>
+        </inkml:channelProperties>
+      </inkml:inkSource>
+      <inkml:timestamp xml:id="ts0" timeString="2021-06-23T02:35:23.435"/>
+    </inkml:context>
+    <inkml:brush xml:id="br0">
+      <inkml:brushProperty name="width" value="0.5" units="cm"/>
+      <inkml:brushProperty name="height" value="1" units="cm"/>
+      <inkml:brushProperty name="color" value="#A2D762"/>
+      <inkml:brushProperty name="tip" value="rectangle"/>
+      <inkml:brushProperty name="rasterOp" value="maskPen"/>
+      <inkml:brushProperty name="ignorePressure" value="1"/>
+    </inkml:brush>
+  </inkml:definitions>
+  <inkml:trace contextRef="#ctx0" brushRef="#br0">1 2,'321'-1,"485"6,-369 38,64 3,4-38,-86 3,-95 0,245-25,-223 3,-311 11</inkml:trace>
+</inkml:ink>
+</file>
+
+<file path=ppt/ink/ink12.xml><?xml version="1.0" encoding="utf-8"?>
+<inkml:ink xmlns:inkml="http://www.w3.org/2003/InkML">
+  <inkml:definitions>
+    <inkml:context xml:id="ctx0">
+      <inkml:inkSource xml:id="inkSrc0">
+        <inkml:traceFormat>
+          <inkml:channel name="X" type="integer" min="-2.14748E9" max="2.14748E9" units="cm"/>
+          <inkml:channel name="Y" type="integer" min="-2.14748E9" max="2.14748E9" units="cm"/>
+        </inkml:traceFormat>
+        <inkml:channelProperties>
+          <inkml:channelProperty channel="X" name="resolution" value="1000" units="1/cm"/>
+          <inkml:channelProperty channel="Y" name="resolution" value="1000" units="1/cm"/>
+        </inkml:channelProperties>
+      </inkml:inkSource>
       <inkml:timestamp xml:id="ts0" timeString="2021-06-23T02:35:27.846"/>
     </inkml:context>
     <inkml:brush xml:id="br0">
@@ -199,6 +1796,64 @@
           <inkml:channelProperty channel="Y" name="resolution" value="1000" units="1/cm"/>
         </inkml:channelProperties>
       </inkml:inkSource>
+      <inkml:timestamp xml:id="ts0" timeString="2021-06-24T07:00:28.830"/>
+    </inkml:context>
+    <inkml:brush xml:id="br0">
+      <inkml:brushProperty name="width" value="0.5" units="cm"/>
+      <inkml:brushProperty name="height" value="1" units="cm"/>
+      <inkml:brushProperty name="color" value="#A2D762"/>
+      <inkml:brushProperty name="tip" value="rectangle"/>
+      <inkml:brushProperty name="rasterOp" value="maskPen"/>
+      <inkml:brushProperty name="ignorePressure" value="1"/>
+    </inkml:brush>
+  </inkml:definitions>
+  <inkml:trace contextRef="#ctx0" brushRef="#br0">1 109,'27'15,"0"-2,2-2,-1 1,1-3,37 4,150 10,833-16,-583-12,910 6,1080-4,-1346-20,505-3,-1172 30,597-8,-1020 4,1 0,0-2,0-2,-2 0,39-14,-57 18,1-2,-1 2,2-2,-1 2,-1-2,1 0,1 0,-2 2,1-2,-1 1,1-1,-1 0,1 0,-2 0,4-4,-4 5,0 1,0-2,0 2,0-2,0 2,0-2,0 2,0-2,0 2,0-2,-1 2,1-2,0 2,0-2,0 2,-2-1,2 1,0 0,0-2,-1 2,1-2,0 2,-2 0,2-2,0 2,-1 0,-1-2,-4-4,0 3,0-1,0 0,0 0,-1 1,1 1,-11-4,-27-5,-1 3,0 1,-89 5,68 8</inkml:trace>
+</inkml:ink>
+</file>
+
+<file path=ppt/ink/ink3.xml><?xml version="1.0" encoding="utf-8"?>
+<inkml:ink xmlns:inkml="http://www.w3.org/2003/InkML">
+  <inkml:definitions>
+    <inkml:context xml:id="ctx0">
+      <inkml:inkSource xml:id="inkSrc0">
+        <inkml:traceFormat>
+          <inkml:channel name="X" type="integer" min="-2.14748E9" max="2.14748E9" units="cm"/>
+          <inkml:channel name="Y" type="integer" min="-2.14748E9" max="2.14748E9" units="cm"/>
+        </inkml:traceFormat>
+        <inkml:channelProperties>
+          <inkml:channelProperty channel="X" name="resolution" value="1000" units="1/cm"/>
+          <inkml:channelProperty channel="Y" name="resolution" value="1000" units="1/cm"/>
+        </inkml:channelProperties>
+      </inkml:inkSource>
+      <inkml:timestamp xml:id="ts0" timeString="2021-06-22T02:26:56.835"/>
+    </inkml:context>
+    <inkml:brush xml:id="br0">
+      <inkml:brushProperty name="width" value="0.5" units="cm"/>
+      <inkml:brushProperty name="height" value="1" units="cm"/>
+      <inkml:brushProperty name="color" value="#A2D762"/>
+      <inkml:brushProperty name="tip" value="rectangle"/>
+      <inkml:brushProperty name="rasterOp" value="maskPen"/>
+      <inkml:brushProperty name="ignorePressure" value="1"/>
+    </inkml:brush>
+  </inkml:definitions>
+  <inkml:trace contextRef="#ctx0" brushRef="#br0">1 55,'18'-8,"0"1,1 1,0 0,0 1,25-2,100-5,554 8,-388 7,605-4,719 3,-895 10,335 2,-779-16,397 4,-679-2,1 0,0 1,0 1,-1 0,25 8,-37-10,0 1,0-1,1 1,-1-1,0 1,0 0,1 0,-1-1,0 1,0 0,0 0,0 0,0 0,-1 0,3 2,-3-2,0-1,0 1,0-1,0 1,0-1,0 1,0-1,0 1,0-1,0 1,-1-1,1 1,0-1,0 1,0-1,-1 1,1-1,0 0,0 1,-1-1,1 1,0-1,-1 0,1 1,0-1,-1 0,0 1,-3 2,0-1,0 0,0 0,0 0,-1 0,1-1,-7 2,-18 3,-1-2,0 0,-59-3,45-4</inkml:trace>
+</inkml:ink>
+</file>
+
+<file path=ppt/ink/ink4.xml><?xml version="1.0" encoding="utf-8"?>
+<inkml:ink xmlns:inkml="http://www.w3.org/2003/InkML">
+  <inkml:definitions>
+    <inkml:context xml:id="ctx0">
+      <inkml:inkSource xml:id="inkSrc0">
+        <inkml:traceFormat>
+          <inkml:channel name="X" type="integer" min="-2.14748E9" max="2.14748E9" units="cm"/>
+          <inkml:channel name="Y" type="integer" min="-2.14748E9" max="2.14748E9" units="cm"/>
+        </inkml:traceFormat>
+        <inkml:channelProperties>
+          <inkml:channelProperty channel="X" name="resolution" value="1000" units="1/cm"/>
+          <inkml:channelProperty channel="Y" name="resolution" value="1000" units="1/cm"/>
+        </inkml:channelProperties>
+      </inkml:inkSource>
       <inkml:timestamp xml:id="ts0" timeString="2021-06-22T02:27:01.053"/>
     </inkml:context>
     <inkml:brush xml:id="br0">
@@ -214,7 +1869,7 @@
 </inkml:ink>
 </file>
 
-<file path=ppt/ink/ink3.xml><?xml version="1.0" encoding="utf-8"?>
+<file path=ppt/ink/ink5.xml><?xml version="1.0" encoding="utf-8"?>
 <inkml:ink xmlns:inkml="http://www.w3.org/2003/InkML">
   <inkml:definitions>
     <inkml:context xml:id="ctx0">
@@ -243,36 +1898,7 @@
 </inkml:ink>
 </file>
 
-<file path=ppt/ink/ink4.xml><?xml version="1.0" encoding="utf-8"?>
-<inkml:ink xmlns:inkml="http://www.w3.org/2003/InkML">
-  <inkml:definitions>
-    <inkml:context xml:id="ctx0">
-      <inkml:inkSource xml:id="inkSrc0">
-        <inkml:traceFormat>
-          <inkml:channel name="X" type="integer" min="-2.14748E9" max="2.14748E9" units="cm"/>
-          <inkml:channel name="Y" type="integer" min="-2.14748E9" max="2.14748E9" units="cm"/>
-        </inkml:traceFormat>
-        <inkml:channelProperties>
-          <inkml:channelProperty channel="X" name="resolution" value="1000" units="1/cm"/>
-          <inkml:channelProperty channel="Y" name="resolution" value="1000" units="1/cm"/>
-        </inkml:channelProperties>
-      </inkml:inkSource>
-      <inkml:timestamp xml:id="ts0" timeString="2021-06-23T02:34:51.586"/>
-    </inkml:context>
-    <inkml:brush xml:id="br0">
-      <inkml:brushProperty name="width" value="0.5" units="cm"/>
-      <inkml:brushProperty name="height" value="1" units="cm"/>
-      <inkml:brushProperty name="color" value="#A2D762"/>
-      <inkml:brushProperty name="tip" value="rectangle"/>
-      <inkml:brushProperty name="rasterOp" value="maskPen"/>
-      <inkml:brushProperty name="ignorePressure" value="1"/>
-    </inkml:brush>
-  </inkml:definitions>
-  <inkml:trace contextRef="#ctx0" brushRef="#br0">1 28,'295'-12,"-70"1,845 7,-592 5,-61 23,-83-2,1033 38,-397-16,-231 4,-132-5,63 20,-276-21,272-8,-100-9,598-3,-760-25,56 3,-434 0</inkml:trace>
-</inkml:ink>
-</file>
-
-<file path=ppt/ink/ink5.xml><?xml version="1.0" encoding="utf-8"?>
+<file path=ppt/ink/ink6.xml><?xml version="1.0" encoding="utf-8"?>
 <inkml:ink xmlns:inkml="http://www.w3.org/2003/InkML">
   <inkml:definitions>
     <inkml:context xml:id="ctx0">
@@ -301,7 +1927,7 @@
 </inkml:ink>
 </file>
 
-<file path=ppt/ink/ink6.xml><?xml version="1.0" encoding="utf-8"?>
+<file path=ppt/ink/ink7.xml><?xml version="1.0" encoding="utf-8"?>
 <inkml:ink xmlns:inkml="http://www.w3.org/2003/InkML">
   <inkml:definitions>
     <inkml:context xml:id="ctx0">
@@ -330,7 +1956,36 @@
 </inkml:ink>
 </file>
 
-<file path=ppt/ink/ink7.xml><?xml version="1.0" encoding="utf-8"?>
+<file path=ppt/ink/ink8.xml><?xml version="1.0" encoding="utf-8"?>
+<inkml:ink xmlns:inkml="http://www.w3.org/2003/InkML">
+  <inkml:definitions>
+    <inkml:context xml:id="ctx0">
+      <inkml:inkSource xml:id="inkSrc0">
+        <inkml:traceFormat>
+          <inkml:channel name="X" type="integer" min="-2.14748E9" max="2.14748E9" units="cm"/>
+          <inkml:channel name="Y" type="integer" min="-2.14748E9" max="2.14748E9" units="cm"/>
+        </inkml:traceFormat>
+        <inkml:channelProperties>
+          <inkml:channelProperty channel="X" name="resolution" value="1000" units="1/cm"/>
+          <inkml:channelProperty channel="Y" name="resolution" value="1000" units="1/cm"/>
+        </inkml:channelProperties>
+      </inkml:inkSource>
+      <inkml:timestamp xml:id="ts0" timeString="2021-06-23T02:35:00.908"/>
+    </inkml:context>
+    <inkml:brush xml:id="br0">
+      <inkml:brushProperty name="width" value="0.5" units="cm"/>
+      <inkml:brushProperty name="height" value="1" units="cm"/>
+      <inkml:brushProperty name="color" value="#A2D762"/>
+      <inkml:brushProperty name="tip" value="rectangle"/>
+      <inkml:brushProperty name="rasterOp" value="maskPen"/>
+      <inkml:brushProperty name="ignorePressure" value="1"/>
+    </inkml:brush>
+  </inkml:definitions>
+  <inkml:trace contextRef="#ctx0" brushRef="#br0">0 1,'2077'0,"-2018"-1,0 4,0 2,77 17,-125-20,141 30,-127-28,0-1,1-2,49-2,-71 0,0 1,0-1,0 1,0-1,0-1,0 1,0 0,0-1,-1 0,1 0,-1 0,1 0,3-4,6-9</inkml:trace>
+</inkml:ink>
+</file>
+
+<file path=ppt/ink/ink9.xml><?xml version="1.0" encoding="utf-8"?>
 <inkml:ink xmlns:inkml="http://www.w3.org/2003/InkML">
   <inkml:definitions>
     <inkml:context xml:id="ctx0">
@@ -356,64 +2011,6 @@
     </inkml:brush>
   </inkml:definitions>
   <inkml:trace contextRef="#ctx0" brushRef="#br0">0 128,'0'1,"1"-1,-1 1,0-1,0 1,0-1,1 1,-1-1,0 1,1-1,-1 1,0-1,1 1,-1-1,1 1,-1-1,0 0,1 1,-1-1,1 0,-1 0,1 1,-1-1,1 0,0 0,-1 0,1 1,0-1,22 4,-20-4,241 15,-40-4,189 37,87 8,60-62,-292-5,116 4,399-14,1415-29,-1449 4,1043-85,-916 131,-391 3,447 11,-623-9,118 7,-335-3,-1 4,104 31,-92-21,89 12,59-13,-124-14,113 23,-145-18,136 7,73-19,111 7,-268 2,102 11,-201-16,-1-2,0-1,1-1,-1-1,1-1,50-10,-19-1,118-8,61 15,-199 4,48 1,101 12,-186-12,63 13,-62-13,0 1,1 0,-1 0,0 1,-1-1,1 1,0-1,0 1,-1 0,1 0,-1 0,1 0,-1 0,0 1,3 3,-4-5,-1 0,0 0,0 1,1-1,-1 0,0 0,0 0,0 1,0-1,0 0,0 0,-1 0,1 1,0-1,-1 0,1 0,-1 0,1 0,-1 0,1 0,-1 0,0 0,1 0,-1 0,0 0,0 0,0 0,0 0,0-1,0 1,0 0,0-1,0 1,0-1,0 1,0-1,-2 1,-2 1,0 0,0 0,0 0,-1-1,1 1,0-1,-6 0,7-1,1 0,-1-1,0 0,1 1,-1-1,1 0,-6-3,-19-12</inkml:trace>
-</inkml:ink>
-</file>
-
-<file path=ppt/ink/ink8.xml><?xml version="1.0" encoding="utf-8"?>
-<inkml:ink xmlns:inkml="http://www.w3.org/2003/InkML">
-  <inkml:definitions>
-    <inkml:context xml:id="ctx0">
-      <inkml:inkSource xml:id="inkSrc0">
-        <inkml:traceFormat>
-          <inkml:channel name="X" type="integer" min="-2.14748E9" max="2.14748E9" units="cm"/>
-          <inkml:channel name="Y" type="integer" min="-2.14748E9" max="2.14748E9" units="cm"/>
-        </inkml:traceFormat>
-        <inkml:channelProperties>
-          <inkml:channelProperty channel="X" name="resolution" value="1000" units="1/cm"/>
-          <inkml:channelProperty channel="Y" name="resolution" value="1000" units="1/cm"/>
-        </inkml:channelProperties>
-      </inkml:inkSource>
-      <inkml:timestamp xml:id="ts0" timeString="2021-06-23T02:35:16.716"/>
-    </inkml:context>
-    <inkml:brush xml:id="br0">
-      <inkml:brushProperty name="width" value="0.5" units="cm"/>
-      <inkml:brushProperty name="height" value="1" units="cm"/>
-      <inkml:brushProperty name="color" value="#A2D762"/>
-      <inkml:brushProperty name="tip" value="rectangle"/>
-      <inkml:brushProperty name="rasterOp" value="maskPen"/>
-      <inkml:brushProperty name="ignorePressure" value="1"/>
-    </inkml:brush>
-  </inkml:definitions>
-  <inkml:trace contextRef="#ctx0" brushRef="#br0">1 327,'336'2,"469"-8,-372-29,40-1,-328 33,254-19,239-77,-535 81,268-30,-215 30,495-26,4 45,-257 2,98-3,-470 0</inkml:trace>
-</inkml:ink>
-</file>
-
-<file path=ppt/ink/ink9.xml><?xml version="1.0" encoding="utf-8"?>
-<inkml:ink xmlns:inkml="http://www.w3.org/2003/InkML">
-  <inkml:definitions>
-    <inkml:context xml:id="ctx0">
-      <inkml:inkSource xml:id="inkSrc0">
-        <inkml:traceFormat>
-          <inkml:channel name="X" type="integer" min="-2.14748E9" max="2.14748E9" units="cm"/>
-          <inkml:channel name="Y" type="integer" min="-2.14748E9" max="2.14748E9" units="cm"/>
-        </inkml:traceFormat>
-        <inkml:channelProperties>
-          <inkml:channelProperty channel="X" name="resolution" value="1000" units="1/cm"/>
-          <inkml:channelProperty channel="Y" name="resolution" value="1000" units="1/cm"/>
-        </inkml:channelProperties>
-      </inkml:inkSource>
-      <inkml:timestamp xml:id="ts0" timeString="2021-06-23T02:35:23.435"/>
-    </inkml:context>
-    <inkml:brush xml:id="br0">
-      <inkml:brushProperty name="width" value="0.5" units="cm"/>
-      <inkml:brushProperty name="height" value="1" units="cm"/>
-      <inkml:brushProperty name="color" value="#A2D762"/>
-      <inkml:brushProperty name="tip" value="rectangle"/>
-      <inkml:brushProperty name="rasterOp" value="maskPen"/>
-      <inkml:brushProperty name="ignorePressure" value="1"/>
-    </inkml:brush>
-  </inkml:definitions>
-  <inkml:trace contextRef="#ctx0" brushRef="#br0">1 2,'321'-1,"485"6,-369 38,64 3,4-38,-86 3,-95 0,245-25,-223 3,-311 11</inkml:trace>
 </inkml:ink>
 </file>
 
@@ -564,7 +2161,7 @@
           <a:p>
             <a:fld id="{D849427B-D880-4D8C-8421-4A05004B7DFE}" type="datetimeFigureOut">
               <a:rPr kumimoji="1" lang="ja-JP" altLang="en-US" smtClean="0"/>
-              <a:t>2021/6/23</a:t>
+              <a:t>2021/6/24</a:t>
             </a:fld>
             <a:endParaRPr kumimoji="1" lang="ja-JP" altLang="en-US"/>
           </a:p>
@@ -794,7 +2391,7 @@
           <a:p>
             <a:fld id="{D849427B-D880-4D8C-8421-4A05004B7DFE}" type="datetimeFigureOut">
               <a:rPr kumimoji="1" lang="ja-JP" altLang="en-US" smtClean="0"/>
-              <a:t>2021/6/23</a:t>
+              <a:t>2021/6/24</a:t>
             </a:fld>
             <a:endParaRPr kumimoji="1" lang="ja-JP" altLang="en-US"/>
           </a:p>
@@ -1034,7 +2631,7 @@
           <a:p>
             <a:fld id="{D849427B-D880-4D8C-8421-4A05004B7DFE}" type="datetimeFigureOut">
               <a:rPr kumimoji="1" lang="ja-JP" altLang="en-US" smtClean="0"/>
-              <a:t>2021/6/23</a:t>
+              <a:t>2021/6/24</a:t>
             </a:fld>
             <a:endParaRPr kumimoji="1" lang="ja-JP" altLang="en-US"/>
           </a:p>
@@ -1264,7 +2861,7 @@
           <a:p>
             <a:fld id="{D849427B-D880-4D8C-8421-4A05004B7DFE}" type="datetimeFigureOut">
               <a:rPr kumimoji="1" lang="ja-JP" altLang="en-US" smtClean="0"/>
-              <a:t>2021/6/23</a:t>
+              <a:t>2021/6/24</a:t>
             </a:fld>
             <a:endParaRPr kumimoji="1" lang="ja-JP" altLang="en-US"/>
           </a:p>
@@ -1539,7 +3136,7 @@
           <a:p>
             <a:fld id="{D849427B-D880-4D8C-8421-4A05004B7DFE}" type="datetimeFigureOut">
               <a:rPr kumimoji="1" lang="ja-JP" altLang="en-US" smtClean="0"/>
-              <a:t>2021/6/23</a:t>
+              <a:t>2021/6/24</a:t>
             </a:fld>
             <a:endParaRPr kumimoji="1" lang="ja-JP" altLang="en-US"/>
           </a:p>
@@ -1868,7 +3465,7 @@
           <a:p>
             <a:fld id="{D849427B-D880-4D8C-8421-4A05004B7DFE}" type="datetimeFigureOut">
               <a:rPr kumimoji="1" lang="ja-JP" altLang="en-US" smtClean="0"/>
-              <a:t>2021/6/23</a:t>
+              <a:t>2021/6/24</a:t>
             </a:fld>
             <a:endParaRPr kumimoji="1" lang="ja-JP" altLang="en-US"/>
           </a:p>
@@ -2344,7 +3941,7 @@
           <a:p>
             <a:fld id="{D849427B-D880-4D8C-8421-4A05004B7DFE}" type="datetimeFigureOut">
               <a:rPr kumimoji="1" lang="ja-JP" altLang="en-US" smtClean="0"/>
-              <a:t>2021/6/23</a:t>
+              <a:t>2021/6/24</a:t>
             </a:fld>
             <a:endParaRPr kumimoji="1" lang="ja-JP" altLang="en-US"/>
           </a:p>
@@ -2485,7 +4082,7 @@
           <a:p>
             <a:fld id="{D849427B-D880-4D8C-8421-4A05004B7DFE}" type="datetimeFigureOut">
               <a:rPr kumimoji="1" lang="ja-JP" altLang="en-US" smtClean="0"/>
-              <a:t>2021/6/23</a:t>
+              <a:t>2021/6/24</a:t>
             </a:fld>
             <a:endParaRPr kumimoji="1" lang="ja-JP" altLang="en-US"/>
           </a:p>
@@ -2598,7 +4195,7 @@
           <a:p>
             <a:fld id="{D849427B-D880-4D8C-8421-4A05004B7DFE}" type="datetimeFigureOut">
               <a:rPr kumimoji="1" lang="ja-JP" altLang="en-US" smtClean="0"/>
-              <a:t>2021/6/23</a:t>
+              <a:t>2021/6/24</a:t>
             </a:fld>
             <a:endParaRPr kumimoji="1" lang="ja-JP" altLang="en-US"/>
           </a:p>
@@ -2941,7 +4538,7 @@
           <a:p>
             <a:fld id="{D849427B-D880-4D8C-8421-4A05004B7DFE}" type="datetimeFigureOut">
               <a:rPr kumimoji="1" lang="ja-JP" altLang="en-US" smtClean="0"/>
-              <a:t>2021/6/23</a:t>
+              <a:t>2021/6/24</a:t>
             </a:fld>
             <a:endParaRPr kumimoji="1" lang="ja-JP" altLang="en-US"/>
           </a:p>
@@ -3229,7 +4826,7 @@
           <a:p>
             <a:fld id="{D849427B-D880-4D8C-8421-4A05004B7DFE}" type="datetimeFigureOut">
               <a:rPr kumimoji="1" lang="ja-JP" altLang="en-US" smtClean="0"/>
-              <a:t>2021/6/23</a:t>
+              <a:t>2021/6/24</a:t>
             </a:fld>
             <a:endParaRPr kumimoji="1" lang="ja-JP" altLang="en-US"/>
           </a:p>
@@ -3502,7 +5099,7 @@
           <a:p>
             <a:fld id="{D849427B-D880-4D8C-8421-4A05004B7DFE}" type="datetimeFigureOut">
               <a:rPr kumimoji="1" lang="ja-JP" altLang="en-US" smtClean="0"/>
-              <a:t>2021/6/23</a:t>
+              <a:t>2021/6/24</a:t>
             </a:fld>
             <a:endParaRPr kumimoji="1" lang="ja-JP" altLang="en-US"/>
           </a:p>
@@ -3947,7 +5544,7 @@
           <a:p>
             <a:r>
               <a:rPr kumimoji="1" lang="ja-JP" altLang="en-US" dirty="0"/>
-              <a:t>～～</a:t>
+              <a:t>～快適な質問ライフをあなたへ～</a:t>
             </a:r>
             <a:endParaRPr kumimoji="1" lang="en-US" altLang="ja-JP" dirty="0"/>
           </a:p>
@@ -4195,6 +5792,620 @@
       </p:grpSpPr>
       <p:sp>
         <p:nvSpPr>
+          <p:cNvPr id="2" name="タイトル 1">
+            <a:extLst>
+              <a:ext uri="{FF2B5EF4-FFF2-40B4-BE49-F238E27FC236}">
+                <a16:creationId xmlns:a16="http://schemas.microsoft.com/office/drawing/2014/main" id="{0E0052EA-F9A7-41FB-BA0C-317EFE23BF4C}"/>
+              </a:ext>
+            </a:extLst>
+          </p:cNvPr>
+          <p:cNvSpPr>
+            <a:spLocks noGrp="1"/>
+          </p:cNvSpPr>
+          <p:nvPr>
+            <p:ph type="title"/>
+          </p:nvPr>
+        </p:nvSpPr>
+        <p:spPr>
+          <a:xfrm>
+            <a:off x="838199" y="131762"/>
+            <a:ext cx="10515600" cy="1325563"/>
+          </a:xfrm>
+        </p:spPr>
+        <p:txBody>
+          <a:bodyPr>
+            <a:normAutofit/>
+          </a:bodyPr>
+          <a:lstStyle/>
+          <a:p>
+            <a:r>
+              <a:rPr lang="ja-JP" altLang="en-US" sz="4000" dirty="0">
+                <a:latin typeface="HG丸ｺﾞｼｯｸM-PRO" panose="020F0600000000000000" pitchFamily="50" charset="-128"/>
+                <a:ea typeface="HG丸ｺﾞｼｯｸM-PRO" panose="020F0600000000000000" pitchFamily="50" charset="-128"/>
+              </a:rPr>
+              <a:t>グループ</a:t>
+            </a:r>
+            <a:endParaRPr kumimoji="1" lang="ja-JP" altLang="en-US" sz="4000" dirty="0">
+              <a:latin typeface="HG丸ｺﾞｼｯｸM-PRO" panose="020F0600000000000000" pitchFamily="50" charset="-128"/>
+              <a:ea typeface="HG丸ｺﾞｼｯｸM-PRO" panose="020F0600000000000000" pitchFamily="50" charset="-128"/>
+            </a:endParaRPr>
+          </a:p>
+        </p:txBody>
+      </p:sp>
+      <p:sp>
+        <p:nvSpPr>
+          <p:cNvPr id="4" name="フレーム 3">
+            <a:extLst>
+              <a:ext uri="{FF2B5EF4-FFF2-40B4-BE49-F238E27FC236}">
+                <a16:creationId xmlns:a16="http://schemas.microsoft.com/office/drawing/2014/main" id="{9061ED0C-2A66-439A-B304-1558BAF77192}"/>
+              </a:ext>
+            </a:extLst>
+          </p:cNvPr>
+          <p:cNvSpPr/>
+          <p:nvPr/>
+        </p:nvSpPr>
+        <p:spPr>
+          <a:xfrm>
+            <a:off x="0" y="0"/>
+            <a:ext cx="12192000" cy="6858000"/>
+          </a:xfrm>
+          <a:prstGeom prst="frame">
+            <a:avLst>
+              <a:gd name="adj1" fmla="val 4395"/>
+            </a:avLst>
+          </a:prstGeom>
+          <a:solidFill>
+            <a:schemeClr val="accent4">
+              <a:lumMod val="60000"/>
+              <a:lumOff val="40000"/>
+            </a:schemeClr>
+          </a:solidFill>
+          <a:ln>
+            <a:noFill/>
+          </a:ln>
+          <a:effectLst>
+            <a:glow rad="63500">
+              <a:schemeClr val="accent4">
+                <a:satMod val="175000"/>
+                <a:alpha val="40000"/>
+              </a:schemeClr>
+            </a:glow>
+          </a:effectLst>
+        </p:spPr>
+        <p:style>
+          <a:lnRef idx="2">
+            <a:schemeClr val="accent1">
+              <a:shade val="50000"/>
+            </a:schemeClr>
+          </a:lnRef>
+          <a:fillRef idx="1">
+            <a:schemeClr val="accent1"/>
+          </a:fillRef>
+          <a:effectRef idx="0">
+            <a:schemeClr val="accent1"/>
+          </a:effectRef>
+          <a:fontRef idx="minor">
+            <a:schemeClr val="lt1"/>
+          </a:fontRef>
+        </p:style>
+        <p:txBody>
+          <a:bodyPr rtlCol="0" anchor="ctr"/>
+          <a:lstStyle/>
+          <a:p>
+            <a:pPr algn="ctr"/>
+            <a:endParaRPr kumimoji="1" lang="ja-JP" altLang="en-US">
+              <a:solidFill>
+                <a:schemeClr val="tx1"/>
+              </a:solidFill>
+            </a:endParaRPr>
+          </a:p>
+        </p:txBody>
+      </p:sp>
+      <p:sp>
+        <p:nvSpPr>
+          <p:cNvPr id="8" name="テキスト ボックス 7">
+            <a:extLst>
+              <a:ext uri="{FF2B5EF4-FFF2-40B4-BE49-F238E27FC236}">
+                <a16:creationId xmlns:a16="http://schemas.microsoft.com/office/drawing/2014/main" id="{317BC431-20DD-4729-A6A8-CD8E57E72464}"/>
+              </a:ext>
+            </a:extLst>
+          </p:cNvPr>
+          <p:cNvSpPr txBox="1"/>
+          <p:nvPr/>
+        </p:nvSpPr>
+        <p:spPr>
+          <a:xfrm>
+            <a:off x="1357312" y="1504155"/>
+            <a:ext cx="9477375" cy="1325563"/>
+          </a:xfrm>
+          <a:prstGeom prst="rect">
+            <a:avLst/>
+          </a:prstGeom>
+          <a:noFill/>
+          <a:ln>
+            <a:solidFill>
+              <a:schemeClr val="accent6">
+                <a:lumMod val="60000"/>
+                <a:lumOff val="40000"/>
+              </a:schemeClr>
+            </a:solidFill>
+          </a:ln>
+        </p:spPr>
+        <p:txBody>
+          <a:bodyPr wrap="square" rtlCol="0">
+            <a:spAutoFit/>
+          </a:bodyPr>
+          <a:lstStyle/>
+          <a:p>
+            <a:endParaRPr kumimoji="1" lang="ja-JP" altLang="en-US" dirty="0"/>
+          </a:p>
+        </p:txBody>
+      </p:sp>
+      <p:sp>
+        <p:nvSpPr>
+          <p:cNvPr id="7" name="スクロール: 横 6">
+            <a:extLst>
+              <a:ext uri="{FF2B5EF4-FFF2-40B4-BE49-F238E27FC236}">
+                <a16:creationId xmlns:a16="http://schemas.microsoft.com/office/drawing/2014/main" id="{264458B8-5A5F-4C20-B119-3E2F1394B837}"/>
+              </a:ext>
+            </a:extLst>
+          </p:cNvPr>
+          <p:cNvSpPr/>
+          <p:nvPr/>
+        </p:nvSpPr>
+        <p:spPr>
+          <a:xfrm>
+            <a:off x="1781175" y="1151730"/>
+            <a:ext cx="2600325" cy="704850"/>
+          </a:xfrm>
+          <a:prstGeom prst="horizontalScroll">
+            <a:avLst/>
+          </a:prstGeom>
+        </p:spPr>
+        <p:style>
+          <a:lnRef idx="1">
+            <a:schemeClr val="accent6"/>
+          </a:lnRef>
+          <a:fillRef idx="2">
+            <a:schemeClr val="accent6"/>
+          </a:fillRef>
+          <a:effectRef idx="1">
+            <a:schemeClr val="accent6"/>
+          </a:effectRef>
+          <a:fontRef idx="minor">
+            <a:schemeClr val="dk1"/>
+          </a:fontRef>
+        </p:style>
+        <p:txBody>
+          <a:bodyPr rtlCol="0" anchor="ctr"/>
+          <a:lstStyle/>
+          <a:p>
+            <a:pPr algn="ctr"/>
+            <a:r>
+              <a:rPr kumimoji="1" lang="ja-JP" altLang="en-US" dirty="0">
+                <a:latin typeface="HG丸ｺﾞｼｯｸM-PRO" panose="020F0600000000000000" pitchFamily="50" charset="-128"/>
+                <a:ea typeface="HG丸ｺﾞｼｯｸM-PRO" panose="020F0600000000000000" pitchFamily="50" charset="-128"/>
+              </a:rPr>
+              <a:t>課題・苦労したこと</a:t>
+            </a:r>
+          </a:p>
+        </p:txBody>
+      </p:sp>
+      <p:sp>
+        <p:nvSpPr>
+          <p:cNvPr id="9" name="テキスト ボックス 8">
+            <a:extLst>
+              <a:ext uri="{FF2B5EF4-FFF2-40B4-BE49-F238E27FC236}">
+                <a16:creationId xmlns:a16="http://schemas.microsoft.com/office/drawing/2014/main" id="{6A65759B-E635-4E4F-A107-04EEFA07ECE3}"/>
+              </a:ext>
+            </a:extLst>
+          </p:cNvPr>
+          <p:cNvSpPr txBox="1"/>
+          <p:nvPr/>
+        </p:nvSpPr>
+        <p:spPr>
+          <a:xfrm>
+            <a:off x="1357312" y="3318669"/>
+            <a:ext cx="9477375" cy="1325563"/>
+          </a:xfrm>
+          <a:prstGeom prst="rect">
+            <a:avLst/>
+          </a:prstGeom>
+          <a:noFill/>
+          <a:ln>
+            <a:solidFill>
+              <a:schemeClr val="accent6">
+                <a:lumMod val="60000"/>
+                <a:lumOff val="40000"/>
+              </a:schemeClr>
+            </a:solidFill>
+          </a:ln>
+        </p:spPr>
+        <p:txBody>
+          <a:bodyPr wrap="square" rtlCol="0">
+            <a:spAutoFit/>
+          </a:bodyPr>
+          <a:lstStyle/>
+          <a:p>
+            <a:endParaRPr kumimoji="1" lang="ja-JP" altLang="en-US" dirty="0"/>
+          </a:p>
+        </p:txBody>
+      </p:sp>
+      <p:sp>
+        <p:nvSpPr>
+          <p:cNvPr id="10" name="スクロール: 横 9">
+            <a:extLst>
+              <a:ext uri="{FF2B5EF4-FFF2-40B4-BE49-F238E27FC236}">
+                <a16:creationId xmlns:a16="http://schemas.microsoft.com/office/drawing/2014/main" id="{4011881A-DF2F-48DB-A234-70F1492BA09E}"/>
+              </a:ext>
+            </a:extLst>
+          </p:cNvPr>
+          <p:cNvSpPr/>
+          <p:nvPr/>
+        </p:nvSpPr>
+        <p:spPr>
+          <a:xfrm>
+            <a:off x="1781175" y="2966244"/>
+            <a:ext cx="2600325" cy="704850"/>
+          </a:xfrm>
+          <a:prstGeom prst="horizontalScroll">
+            <a:avLst/>
+          </a:prstGeom>
+        </p:spPr>
+        <p:style>
+          <a:lnRef idx="1">
+            <a:schemeClr val="accent6"/>
+          </a:lnRef>
+          <a:fillRef idx="2">
+            <a:schemeClr val="accent6"/>
+          </a:fillRef>
+          <a:effectRef idx="1">
+            <a:schemeClr val="accent6"/>
+          </a:effectRef>
+          <a:fontRef idx="minor">
+            <a:schemeClr val="dk1"/>
+          </a:fontRef>
+        </p:style>
+        <p:txBody>
+          <a:bodyPr rtlCol="0" anchor="ctr"/>
+          <a:lstStyle/>
+          <a:p>
+            <a:pPr algn="ctr"/>
+            <a:r>
+              <a:rPr lang="ja-JP" altLang="en-US" dirty="0">
+                <a:latin typeface="HG丸ｺﾞｼｯｸM-PRO" panose="020F0600000000000000" pitchFamily="50" charset="-128"/>
+                <a:ea typeface="HG丸ｺﾞｼｯｸM-PRO" panose="020F0600000000000000" pitchFamily="50" charset="-128"/>
+              </a:rPr>
+              <a:t>解決策</a:t>
+            </a:r>
+            <a:endParaRPr kumimoji="1" lang="ja-JP" altLang="en-US" dirty="0">
+              <a:latin typeface="HG丸ｺﾞｼｯｸM-PRO" panose="020F0600000000000000" pitchFamily="50" charset="-128"/>
+              <a:ea typeface="HG丸ｺﾞｼｯｸM-PRO" panose="020F0600000000000000" pitchFamily="50" charset="-128"/>
+            </a:endParaRPr>
+          </a:p>
+        </p:txBody>
+      </p:sp>
+      <p:sp>
+        <p:nvSpPr>
+          <p:cNvPr id="11" name="テキスト ボックス 10">
+            <a:extLst>
+              <a:ext uri="{FF2B5EF4-FFF2-40B4-BE49-F238E27FC236}">
+                <a16:creationId xmlns:a16="http://schemas.microsoft.com/office/drawing/2014/main" id="{60137443-4E43-4BDB-B199-F3DC1C3F1E04}"/>
+              </a:ext>
+            </a:extLst>
+          </p:cNvPr>
+          <p:cNvSpPr txBox="1"/>
+          <p:nvPr/>
+        </p:nvSpPr>
+        <p:spPr>
+          <a:xfrm>
+            <a:off x="1357312" y="5133183"/>
+            <a:ext cx="9477375" cy="1325563"/>
+          </a:xfrm>
+          <a:prstGeom prst="rect">
+            <a:avLst/>
+          </a:prstGeom>
+          <a:noFill/>
+          <a:ln>
+            <a:solidFill>
+              <a:schemeClr val="accent6">
+                <a:lumMod val="60000"/>
+                <a:lumOff val="40000"/>
+              </a:schemeClr>
+            </a:solidFill>
+          </a:ln>
+        </p:spPr>
+        <p:txBody>
+          <a:bodyPr wrap="square" rtlCol="0">
+            <a:spAutoFit/>
+          </a:bodyPr>
+          <a:lstStyle/>
+          <a:p>
+            <a:endParaRPr kumimoji="1" lang="ja-JP" altLang="en-US" dirty="0"/>
+          </a:p>
+        </p:txBody>
+      </p:sp>
+      <p:sp>
+        <p:nvSpPr>
+          <p:cNvPr id="12" name="スクロール: 横 11">
+            <a:extLst>
+              <a:ext uri="{FF2B5EF4-FFF2-40B4-BE49-F238E27FC236}">
+                <a16:creationId xmlns:a16="http://schemas.microsoft.com/office/drawing/2014/main" id="{B6DCD596-6DEB-4585-9AC2-C00CE1C7BB27}"/>
+              </a:ext>
+            </a:extLst>
+          </p:cNvPr>
+          <p:cNvSpPr/>
+          <p:nvPr/>
+        </p:nvSpPr>
+        <p:spPr>
+          <a:xfrm>
+            <a:off x="1781175" y="4780758"/>
+            <a:ext cx="2600325" cy="704850"/>
+          </a:xfrm>
+          <a:prstGeom prst="horizontalScroll">
+            <a:avLst/>
+          </a:prstGeom>
+        </p:spPr>
+        <p:style>
+          <a:lnRef idx="1">
+            <a:schemeClr val="accent6"/>
+          </a:lnRef>
+          <a:fillRef idx="2">
+            <a:schemeClr val="accent6"/>
+          </a:fillRef>
+          <a:effectRef idx="1">
+            <a:schemeClr val="accent6"/>
+          </a:effectRef>
+          <a:fontRef idx="minor">
+            <a:schemeClr val="dk1"/>
+          </a:fontRef>
+        </p:style>
+        <p:txBody>
+          <a:bodyPr rtlCol="0" anchor="ctr"/>
+          <a:lstStyle/>
+          <a:p>
+            <a:pPr algn="ctr"/>
+            <a:r>
+              <a:rPr kumimoji="1" lang="ja-JP" altLang="en-US" dirty="0">
+                <a:latin typeface="HG丸ｺﾞｼｯｸM-PRO" panose="020F0600000000000000" pitchFamily="50" charset="-128"/>
+                <a:ea typeface="HG丸ｺﾞｼｯｸM-PRO" panose="020F0600000000000000" pitchFamily="50" charset="-128"/>
+              </a:rPr>
+              <a:t>成果</a:t>
+            </a:r>
+          </a:p>
+        </p:txBody>
+      </p:sp>
+      <mc:AlternateContent xmlns:mc="http://schemas.openxmlformats.org/markup-compatibility/2006" xmlns:p14="http://schemas.microsoft.com/office/powerpoint/2010/main">
+        <mc:Choice Requires="p14">
+          <p:contentPart p14:bwMode="auto" r:id="rId2">
+            <p14:nvContentPartPr>
+              <p14:cNvPr id="5" name="インク 4">
+                <a:extLst>
+                  <a:ext uri="{FF2B5EF4-FFF2-40B4-BE49-F238E27FC236}">
+                    <a16:creationId xmlns:a16="http://schemas.microsoft.com/office/drawing/2014/main" id="{8E97BBEF-F9A6-4CCE-A0C5-FD427F08BB5E}"/>
+                  </a:ext>
+                </a:extLst>
+              </p14:cNvPr>
+              <p14:cNvContentPartPr/>
+              <p14:nvPr/>
+            </p14:nvContentPartPr>
+            <p14:xfrm>
+              <a:off x="869061" y="787489"/>
+              <a:ext cx="2190960" cy="118800"/>
+            </p14:xfrm>
+          </p:contentPart>
+        </mc:Choice>
+        <mc:Fallback xmlns="">
+          <p:pic>
+            <p:nvPicPr>
+              <p:cNvPr id="5" name="インク 4">
+                <a:extLst>
+                  <a:ext uri="{FF2B5EF4-FFF2-40B4-BE49-F238E27FC236}">
+                    <a16:creationId xmlns:a16="http://schemas.microsoft.com/office/drawing/2014/main" id="{8E97BBEF-F9A6-4CCE-A0C5-FD427F08BB5E}"/>
+                  </a:ext>
+                </a:extLst>
+              </p:cNvPr>
+              <p:cNvPicPr/>
+              <p:nvPr/>
+            </p:nvPicPr>
+            <p:blipFill>
+              <a:blip r:embed="rId3"/>
+              <a:stretch>
+                <a:fillRect/>
+              </a:stretch>
+            </p:blipFill>
+            <p:spPr>
+              <a:xfrm>
+                <a:off x="779421" y="607489"/>
+                <a:ext cx="2370600" cy="478440"/>
+              </a:xfrm>
+              <a:prstGeom prst="rect">
+                <a:avLst/>
+              </a:prstGeom>
+            </p:spPr>
+          </p:pic>
+        </mc:Fallback>
+      </mc:AlternateContent>
+      <p:sp>
+        <p:nvSpPr>
+          <p:cNvPr id="3" name="テキスト ボックス 2">
+            <a:extLst>
+              <a:ext uri="{FF2B5EF4-FFF2-40B4-BE49-F238E27FC236}">
+                <a16:creationId xmlns:a16="http://schemas.microsoft.com/office/drawing/2014/main" id="{6F35589F-A535-4750-9875-B3306775418C}"/>
+              </a:ext>
+            </a:extLst>
+          </p:cNvPr>
+          <p:cNvSpPr txBox="1"/>
+          <p:nvPr/>
+        </p:nvSpPr>
+        <p:spPr>
+          <a:xfrm>
+            <a:off x="1357313" y="1928485"/>
+            <a:ext cx="9477374" cy="646331"/>
+          </a:xfrm>
+          <a:prstGeom prst="rect">
+            <a:avLst/>
+          </a:prstGeom>
+          <a:noFill/>
+        </p:spPr>
+        <p:txBody>
+          <a:bodyPr wrap="square" rtlCol="0">
+            <a:spAutoFit/>
+          </a:bodyPr>
+          <a:lstStyle/>
+          <a:p>
+            <a:r>
+              <a:rPr kumimoji="1" lang="ja-JP" altLang="en-US" dirty="0">
+                <a:latin typeface="HG丸ｺﾞｼｯｸM-PRO" panose="020F0600000000000000" pitchFamily="50" charset="-128"/>
+                <a:ea typeface="HG丸ｺﾞｼｯｸM-PRO" panose="020F0600000000000000" pitchFamily="50" charset="-128"/>
+              </a:rPr>
+              <a:t>・当初は理解度の差があり、開発に必要な知識を全員が理解するのに時間がかかった。</a:t>
+            </a:r>
+            <a:endParaRPr kumimoji="1" lang="en-US" altLang="ja-JP" dirty="0">
+              <a:latin typeface="HG丸ｺﾞｼｯｸM-PRO" panose="020F0600000000000000" pitchFamily="50" charset="-128"/>
+              <a:ea typeface="HG丸ｺﾞｼｯｸM-PRO" panose="020F0600000000000000" pitchFamily="50" charset="-128"/>
+            </a:endParaRPr>
+          </a:p>
+          <a:p>
+            <a:r>
+              <a:rPr lang="ja-JP" altLang="en-US" dirty="0">
+                <a:latin typeface="HG丸ｺﾞｼｯｸM-PRO" panose="020F0600000000000000" pitchFamily="50" charset="-128"/>
+                <a:ea typeface="HG丸ｺﾞｼｯｸM-PRO" panose="020F0600000000000000" pitchFamily="50" charset="-128"/>
+              </a:rPr>
+              <a:t>・知識が足りていない分、自分の意見を言語化できず、相手に伝わらないことがあった。</a:t>
+            </a:r>
+            <a:endParaRPr kumimoji="1" lang="ja-JP" altLang="en-US" dirty="0">
+              <a:latin typeface="HG丸ｺﾞｼｯｸM-PRO" panose="020F0600000000000000" pitchFamily="50" charset="-128"/>
+              <a:ea typeface="HG丸ｺﾞｼｯｸM-PRO" panose="020F0600000000000000" pitchFamily="50" charset="-128"/>
+            </a:endParaRPr>
+          </a:p>
+        </p:txBody>
+      </p:sp>
+      <p:sp>
+        <p:nvSpPr>
+          <p:cNvPr id="13" name="テキスト ボックス 12">
+            <a:extLst>
+              <a:ext uri="{FF2B5EF4-FFF2-40B4-BE49-F238E27FC236}">
+                <a16:creationId xmlns:a16="http://schemas.microsoft.com/office/drawing/2014/main" id="{A47DEEC1-FCB9-4385-8FB5-408AD7411F24}"/>
+              </a:ext>
+            </a:extLst>
+          </p:cNvPr>
+          <p:cNvSpPr txBox="1"/>
+          <p:nvPr/>
+        </p:nvSpPr>
+        <p:spPr>
+          <a:xfrm>
+            <a:off x="1519140" y="3700353"/>
+            <a:ext cx="9477374" cy="923330"/>
+          </a:xfrm>
+          <a:prstGeom prst="rect">
+            <a:avLst/>
+          </a:prstGeom>
+          <a:noFill/>
+        </p:spPr>
+        <p:txBody>
+          <a:bodyPr wrap="square" rtlCol="0">
+            <a:spAutoFit/>
+          </a:bodyPr>
+          <a:lstStyle/>
+          <a:p>
+            <a:r>
+              <a:rPr kumimoji="1" lang="ja-JP" altLang="en-US" dirty="0">
+                <a:latin typeface="HG丸ｺﾞｼｯｸM-PRO" panose="020F0600000000000000" pitchFamily="50" charset="-128"/>
+                <a:ea typeface="HG丸ｺﾞｼｯｸM-PRO" panose="020F0600000000000000" pitchFamily="50" charset="-128"/>
+              </a:rPr>
+              <a:t>・新しい分野に入る度に一度全体で共有しながら理解度を一致させることにこだわった。</a:t>
+            </a:r>
+            <a:endParaRPr kumimoji="1" lang="en-US" altLang="ja-JP" dirty="0">
+              <a:latin typeface="HG丸ｺﾞｼｯｸM-PRO" panose="020F0600000000000000" pitchFamily="50" charset="-128"/>
+              <a:ea typeface="HG丸ｺﾞｼｯｸM-PRO" panose="020F0600000000000000" pitchFamily="50" charset="-128"/>
+            </a:endParaRPr>
+          </a:p>
+          <a:p>
+            <a:r>
+              <a:rPr lang="ja-JP" altLang="en-US" dirty="0">
+                <a:latin typeface="HG丸ｺﾞｼｯｸM-PRO" panose="020F0600000000000000" pitchFamily="50" charset="-128"/>
+                <a:ea typeface="HG丸ｺﾞｼｯｸM-PRO" panose="020F0600000000000000" pitchFamily="50" charset="-128"/>
+              </a:rPr>
+              <a:t>・一度立ち止まる時間を作り、分からないことを一つ一つ整理しながら話すようにした。　また、図解をしてみたり、言語化にこだわらず伝える努力をした。</a:t>
+            </a:r>
+            <a:endParaRPr kumimoji="1" lang="ja-JP" altLang="en-US" dirty="0">
+              <a:latin typeface="HG丸ｺﾞｼｯｸM-PRO" panose="020F0600000000000000" pitchFamily="50" charset="-128"/>
+              <a:ea typeface="HG丸ｺﾞｼｯｸM-PRO" panose="020F0600000000000000" pitchFamily="50" charset="-128"/>
+            </a:endParaRPr>
+          </a:p>
+        </p:txBody>
+      </p:sp>
+      <p:sp>
+        <p:nvSpPr>
+          <p:cNvPr id="14" name="テキスト ボックス 13">
+            <a:extLst>
+              <a:ext uri="{FF2B5EF4-FFF2-40B4-BE49-F238E27FC236}">
+                <a16:creationId xmlns:a16="http://schemas.microsoft.com/office/drawing/2014/main" id="{1FDE7DA4-6E6C-485D-A9F6-3F5985F92C10}"/>
+              </a:ext>
+            </a:extLst>
+          </p:cNvPr>
+          <p:cNvSpPr txBox="1"/>
+          <p:nvPr/>
+        </p:nvSpPr>
+        <p:spPr>
+          <a:xfrm>
+            <a:off x="1519140" y="5590956"/>
+            <a:ext cx="9477374" cy="646331"/>
+          </a:xfrm>
+          <a:prstGeom prst="rect">
+            <a:avLst/>
+          </a:prstGeom>
+          <a:noFill/>
+        </p:spPr>
+        <p:txBody>
+          <a:bodyPr wrap="square" rtlCol="0">
+            <a:spAutoFit/>
+          </a:bodyPr>
+          <a:lstStyle/>
+          <a:p>
+            <a:r>
+              <a:rPr kumimoji="1" lang="ja-JP" altLang="en-US" dirty="0">
+                <a:latin typeface="HG丸ｺﾞｼｯｸM-PRO" panose="020F0600000000000000" pitchFamily="50" charset="-128"/>
+                <a:ea typeface="HG丸ｺﾞｼｯｸM-PRO" panose="020F0600000000000000" pitchFamily="50" charset="-128"/>
+              </a:rPr>
+              <a:t>・疑問点を一つ一つ解決する時間があったおかげで、だんだん自分の意見や分からない点を言語化できるようになった。</a:t>
+            </a:r>
+          </a:p>
+        </p:txBody>
+      </p:sp>
+    </p:spTree>
+    <p:extLst>
+      <p:ext uri="{BB962C8B-B14F-4D97-AF65-F5344CB8AC3E}">
+        <p14:creationId xmlns:p14="http://schemas.microsoft.com/office/powerpoint/2010/main" val="847381589"/>
+      </p:ext>
+    </p:extLst>
+  </p:cSld>
+  <p:clrMapOvr>
+    <a:masterClrMapping/>
+  </p:clrMapOvr>
+</p:sld>
+</file>
+
+<file path=ppt/slides/slide11.xml><?xml version="1.0" encoding="utf-8"?>
+<p:sld xmlns:a="http://schemas.openxmlformats.org/drawingml/2006/main" xmlns:r="http://schemas.openxmlformats.org/officeDocument/2006/relationships" xmlns:p="http://schemas.openxmlformats.org/presentationml/2006/main">
+  <p:cSld>
+    <p:spTree>
+      <p:nvGrpSpPr>
+        <p:cNvPr id="1" name=""/>
+        <p:cNvGrpSpPr/>
+        <p:nvPr/>
+      </p:nvGrpSpPr>
+      <p:grpSpPr>
+        <a:xfrm>
+          <a:off x="0" y="0"/>
+          <a:ext cx="0" cy="0"/>
+          <a:chOff x="0" y="0"/>
+          <a:chExt cx="0" cy="0"/>
+        </a:xfrm>
+      </p:grpSpPr>
+      <p:sp>
+        <p:nvSpPr>
           <p:cNvPr id="4" name="フレーム 3">
             <a:extLst>
               <a:ext uri="{FF2B5EF4-FFF2-40B4-BE49-F238E27FC236}">
@@ -4394,7 +6605,7 @@
                 <a:latin typeface="HG丸ｺﾞｼｯｸM-PRO" panose="020F0600000000000000" pitchFamily="50" charset="-128"/>
                 <a:ea typeface="HG丸ｺﾞｼｯｸM-PRO" panose="020F0600000000000000" pitchFamily="50" charset="-128"/>
               </a:rPr>
-              <a:t>あ</a:t>
+              <a:t>開発スケジュールとメンバーの技術に対する理解度のバランス調整。</a:t>
             </a:r>
           </a:p>
         </p:txBody>
@@ -4462,7 +6673,7 @@
         <p:spPr>
           <a:xfrm>
             <a:off x="3409950" y="2630028"/>
-            <a:ext cx="7753350" cy="369332"/>
+            <a:ext cx="7753350" cy="646331"/>
           </a:xfrm>
           <a:prstGeom prst="rect">
             <a:avLst/>
@@ -4480,7 +6691,7 @@
                 <a:latin typeface="HG丸ｺﾞｼｯｸM-PRO" panose="020F0600000000000000" pitchFamily="50" charset="-128"/>
                 <a:ea typeface="HG丸ｺﾞｼｯｸM-PRO" panose="020F0600000000000000" pitchFamily="50" charset="-128"/>
               </a:rPr>
-              <a:t>あ</a:t>
+              <a:t>難しいファイルの作成を全員で共有しながら行って理解度を深め、その後分担作業にして時短を狙いつつも全員がアウトプットできるようにした。</a:t>
             </a:r>
           </a:p>
         </p:txBody>
@@ -4566,7 +6777,7 @@
                 <a:latin typeface="HG丸ｺﾞｼｯｸM-PRO" panose="020F0600000000000000" pitchFamily="50" charset="-128"/>
                 <a:ea typeface="HG丸ｺﾞｼｯｸM-PRO" panose="020F0600000000000000" pitchFamily="50" charset="-128"/>
               </a:rPr>
-              <a:t>あ</a:t>
+              <a:t>何よりもコミュニケーション能力。</a:t>
             </a:r>
             <a:endParaRPr lang="en-US" altLang="ja-JP" dirty="0">
               <a:latin typeface="HG丸ｺﾞｼｯｸM-PRO" panose="020F0600000000000000" pitchFamily="50" charset="-128"/>
@@ -4638,7 +6849,7 @@
         <p:spPr>
           <a:xfrm>
             <a:off x="3409950" y="5306264"/>
-            <a:ext cx="7410450" cy="369332"/>
+            <a:ext cx="7410450" cy="646331"/>
           </a:xfrm>
           <a:prstGeom prst="rect">
             <a:avLst/>
@@ -4652,12 +6863,16 @@
           <a:lstStyle/>
           <a:p>
             <a:r>
-              <a:rPr kumimoji="1" lang="ja-JP" altLang="en-US" dirty="0">
+              <a:rPr lang="ja-JP" altLang="en-US" dirty="0">
                 <a:latin typeface="HG丸ｺﾞｼｯｸM-PRO" panose="020F0600000000000000" pitchFamily="50" charset="-128"/>
                 <a:ea typeface="HG丸ｺﾞｼｯｸM-PRO" panose="020F0600000000000000" pitchFamily="50" charset="-128"/>
               </a:rPr>
-              <a:t>あ</a:t>
-            </a:r>
+              <a:t>バグを見つけても対処法が分からないケースが多かったので、そのあたりのノウハウをもっとつけていきたい。</a:t>
+            </a:r>
+            <a:endParaRPr kumimoji="1" lang="ja-JP" altLang="en-US" dirty="0">
+              <a:latin typeface="HG丸ｺﾞｼｯｸM-PRO" panose="020F0600000000000000" pitchFamily="50" charset="-128"/>
+              <a:ea typeface="HG丸ｺﾞｼｯｸM-PRO" panose="020F0600000000000000" pitchFamily="50" charset="-128"/>
+            </a:endParaRPr>
           </a:p>
         </p:txBody>
       </p:sp>
@@ -4762,7 +6977,7 @@
     </p:spTree>
     <p:extLst>
       <p:ext uri="{BB962C8B-B14F-4D97-AF65-F5344CB8AC3E}">
-        <p14:creationId xmlns:p14="http://schemas.microsoft.com/office/powerpoint/2010/main" val="1183042306"/>
+        <p14:creationId xmlns:p14="http://schemas.microsoft.com/office/powerpoint/2010/main" val="621248268"/>
       </p:ext>
     </p:extLst>
   </p:cSld>
@@ -4772,7 +6987,7 @@
 </p:sld>
 </file>
 
-<file path=ppt/slides/slide11.xml><?xml version="1.0" encoding="utf-8"?>
+<file path=ppt/slides/slide12.xml><?xml version="1.0" encoding="utf-8"?>
 <p:sld xmlns:a="http://schemas.openxmlformats.org/drawingml/2006/main" xmlns:r="http://schemas.openxmlformats.org/officeDocument/2006/relationships" xmlns:p="http://schemas.openxmlformats.org/presentationml/2006/main">
   <p:cSld>
     <p:spTree>
@@ -4972,7 +7187,7 @@
         <p:spPr>
           <a:xfrm>
             <a:off x="3409950" y="1325324"/>
-            <a:ext cx="7600950" cy="369332"/>
+            <a:ext cx="7600950" cy="646331"/>
           </a:xfrm>
           <a:prstGeom prst="rect">
             <a:avLst/>
@@ -4990,7 +7205,20 @@
                 <a:latin typeface="HG丸ｺﾞｼｯｸM-PRO" panose="020F0600000000000000" pitchFamily="50" charset="-128"/>
                 <a:ea typeface="HG丸ｺﾞｼｯｸM-PRO" panose="020F0600000000000000" pitchFamily="50" charset="-128"/>
               </a:rPr>
-              <a:t>あ</a:t>
+              <a:t>問題点や複雑な処理についてグループに説明する際に</a:t>
+            </a:r>
+            <a:endParaRPr kumimoji="1" lang="en-US" altLang="ja-JP" dirty="0">
+              <a:latin typeface="HG丸ｺﾞｼｯｸM-PRO" panose="020F0600000000000000" pitchFamily="50" charset="-128"/>
+              <a:ea typeface="HG丸ｺﾞｼｯｸM-PRO" panose="020F0600000000000000" pitchFamily="50" charset="-128"/>
+            </a:endParaRPr>
+          </a:p>
+          <a:p>
+            <a:r>
+              <a:rPr kumimoji="1" lang="ja-JP" altLang="en-US" dirty="0">
+                <a:latin typeface="HG丸ｺﾞｼｯｸM-PRO" panose="020F0600000000000000" pitchFamily="50" charset="-128"/>
+                <a:ea typeface="HG丸ｺﾞｼｯｸM-PRO" panose="020F0600000000000000" pitchFamily="50" charset="-128"/>
+              </a:rPr>
+              <a:t>上手く噛み砕いて説明することが難しい</a:t>
             </a:r>
           </a:p>
         </p:txBody>
@@ -5058,7 +7286,7 @@
         <p:spPr>
           <a:xfrm>
             <a:off x="3409950" y="2630028"/>
-            <a:ext cx="7753350" cy="369332"/>
+            <a:ext cx="7753350" cy="646331"/>
           </a:xfrm>
           <a:prstGeom prst="rect">
             <a:avLst/>
@@ -5076,8 +7304,32 @@
                 <a:latin typeface="HG丸ｺﾞｼｯｸM-PRO" panose="020F0600000000000000" pitchFamily="50" charset="-128"/>
                 <a:ea typeface="HG丸ｺﾞｼｯｸM-PRO" panose="020F0600000000000000" pitchFamily="50" charset="-128"/>
               </a:rPr>
-              <a:t>あ</a:t>
-            </a:r>
+              <a:t>その処理までの流れやその処理で何がしたいのかといった</a:t>
+            </a:r>
+            <a:r>
+              <a:rPr lang="ja-JP" altLang="en-US" dirty="0">
+                <a:latin typeface="HG丸ｺﾞｼｯｸM-PRO" panose="020F0600000000000000" pitchFamily="50" charset="-128"/>
+                <a:ea typeface="HG丸ｺﾞｼｯｸM-PRO" panose="020F0600000000000000" pitchFamily="50" charset="-128"/>
+              </a:rPr>
+              <a:t>ことを</a:t>
+            </a:r>
+            <a:endParaRPr lang="en-US" altLang="ja-JP" dirty="0">
+              <a:latin typeface="HG丸ｺﾞｼｯｸM-PRO" panose="020F0600000000000000" pitchFamily="50" charset="-128"/>
+              <a:ea typeface="HG丸ｺﾞｼｯｸM-PRO" panose="020F0600000000000000" pitchFamily="50" charset="-128"/>
+            </a:endParaRPr>
+          </a:p>
+          <a:p>
+            <a:r>
+              <a:rPr lang="ja-JP" altLang="en-US" dirty="0">
+                <a:latin typeface="HG丸ｺﾞｼｯｸM-PRO" panose="020F0600000000000000" pitchFamily="50" charset="-128"/>
+                <a:ea typeface="HG丸ｺﾞｼｯｸM-PRO" panose="020F0600000000000000" pitchFamily="50" charset="-128"/>
+              </a:rPr>
+              <a:t>復習した上でこう記述しようと提案する</a:t>
+            </a:r>
+            <a:endParaRPr kumimoji="1" lang="en-US" altLang="ja-JP" dirty="0">
+              <a:latin typeface="HG丸ｺﾞｼｯｸM-PRO" panose="020F0600000000000000" pitchFamily="50" charset="-128"/>
+              <a:ea typeface="HG丸ｺﾞｼｯｸM-PRO" panose="020F0600000000000000" pitchFamily="50" charset="-128"/>
+            </a:endParaRPr>
           </a:p>
         </p:txBody>
       </p:sp>
@@ -5162,7 +7414,7 @@
                 <a:latin typeface="HG丸ｺﾞｼｯｸM-PRO" panose="020F0600000000000000" pitchFamily="50" charset="-128"/>
                 <a:ea typeface="HG丸ｺﾞｼｯｸM-PRO" panose="020F0600000000000000" pitchFamily="50" charset="-128"/>
               </a:rPr>
-              <a:t>あ</a:t>
+              <a:t>自分の記述したコードについて説明する能力</a:t>
             </a:r>
           </a:p>
         </p:txBody>
@@ -5244,12 +7496,16 @@
           <a:lstStyle/>
           <a:p>
             <a:r>
-              <a:rPr kumimoji="1" lang="ja-JP" altLang="en-US" dirty="0">
+              <a:rPr lang="ja-JP" altLang="en-US" dirty="0">
                 <a:latin typeface="HG丸ｺﾞｼｯｸM-PRO" panose="020F0600000000000000" pitchFamily="50" charset="-128"/>
                 <a:ea typeface="HG丸ｺﾞｼｯｸM-PRO" panose="020F0600000000000000" pitchFamily="50" charset="-128"/>
               </a:rPr>
-              <a:t>あ</a:t>
-            </a:r>
+              <a:t>何があっても視野を広く持ち続ける</a:t>
+            </a:r>
+            <a:endParaRPr kumimoji="1" lang="ja-JP" altLang="en-US" dirty="0">
+              <a:latin typeface="HG丸ｺﾞｼｯｸM-PRO" panose="020F0600000000000000" pitchFamily="50" charset="-128"/>
+              <a:ea typeface="HG丸ｺﾞｼｯｸM-PRO" panose="020F0600000000000000" pitchFamily="50" charset="-128"/>
+            </a:endParaRPr>
           </a:p>
         </p:txBody>
       </p:sp>
@@ -5367,7 +7623,7 @@
     </p:spTree>
     <p:extLst>
       <p:ext uri="{BB962C8B-B14F-4D97-AF65-F5344CB8AC3E}">
-        <p14:creationId xmlns:p14="http://schemas.microsoft.com/office/powerpoint/2010/main" val="2020894440"/>
+        <p14:creationId xmlns:p14="http://schemas.microsoft.com/office/powerpoint/2010/main" val="3288196040"/>
       </p:ext>
     </p:extLst>
   </p:cSld>
@@ -5377,7 +7633,7 @@
 </p:sld>
 </file>
 
-<file path=ppt/slides/slide12.xml><?xml version="1.0" encoding="utf-8"?>
+<file path=ppt/slides/slide13.xml><?xml version="1.0" encoding="utf-8"?>
 <p:sld xmlns:a="http://schemas.openxmlformats.org/drawingml/2006/main" xmlns:r="http://schemas.openxmlformats.org/officeDocument/2006/relationships" xmlns:p="http://schemas.openxmlformats.org/presentationml/2006/main">
   <p:cSld>
     <p:spTree>
@@ -5577,7 +7833,7 @@
         <p:spPr>
           <a:xfrm>
             <a:off x="3409950" y="1325324"/>
-            <a:ext cx="7600950" cy="369332"/>
+            <a:ext cx="7600950" cy="646331"/>
           </a:xfrm>
           <a:prstGeom prst="rect">
             <a:avLst/>
@@ -5595,8 +7851,40 @@
                 <a:latin typeface="HG丸ｺﾞｼｯｸM-PRO" panose="020F0600000000000000" pitchFamily="50" charset="-128"/>
                 <a:ea typeface="HG丸ｺﾞｼｯｸM-PRO" panose="020F0600000000000000" pitchFamily="50" charset="-128"/>
               </a:rPr>
-              <a:t>あ</a:t>
-            </a:r>
+              <a:t>データベースを介する情報の受け渡しのイメージが名刺管理アプリで扱ったものの理解程度。</a:t>
+            </a:r>
+            <a:r>
+              <a:rPr kumimoji="1" lang="en-US" altLang="ja-JP" dirty="0">
+                <a:latin typeface="HG丸ｺﾞｼｯｸM-PRO" panose="020F0600000000000000" pitchFamily="50" charset="-128"/>
+                <a:ea typeface="HG丸ｺﾞｼｯｸM-PRO" panose="020F0600000000000000" pitchFamily="50" charset="-128"/>
+              </a:rPr>
+              <a:t>DAO</a:t>
+            </a:r>
+            <a:r>
+              <a:rPr kumimoji="1" lang="ja-JP" altLang="en-US" dirty="0">
+                <a:latin typeface="HG丸ｺﾞｼｯｸM-PRO" panose="020F0600000000000000" pitchFamily="50" charset="-128"/>
+                <a:ea typeface="HG丸ｺﾞｼｯｸM-PRO" panose="020F0600000000000000" pitchFamily="50" charset="-128"/>
+              </a:rPr>
+              <a:t>の構文は</a:t>
+            </a:r>
+            <a:r>
+              <a:rPr kumimoji="1" lang="en-US" altLang="ja-JP" dirty="0">
+                <a:latin typeface="HG丸ｺﾞｼｯｸM-PRO" panose="020F0600000000000000" pitchFamily="50" charset="-128"/>
+                <a:ea typeface="HG丸ｺﾞｼｯｸM-PRO" panose="020F0600000000000000" pitchFamily="50" charset="-128"/>
+              </a:rPr>
+              <a:t>5</a:t>
+            </a:r>
+            <a:r>
+              <a:rPr kumimoji="1" lang="ja-JP" altLang="en-US" dirty="0">
+                <a:latin typeface="HG丸ｺﾞｼｯｸM-PRO" panose="020F0600000000000000" pitchFamily="50" charset="-128"/>
+                <a:ea typeface="HG丸ｺﾞｼｯｸM-PRO" panose="020F0600000000000000" pitchFamily="50" charset="-128"/>
+              </a:rPr>
+              <a:t>割程度の理解度。</a:t>
+            </a:r>
+            <a:endParaRPr kumimoji="1" lang="en-US" altLang="ja-JP" dirty="0">
+              <a:latin typeface="HG丸ｺﾞｼｯｸM-PRO" panose="020F0600000000000000" pitchFamily="50" charset="-128"/>
+              <a:ea typeface="HG丸ｺﾞｼｯｸM-PRO" panose="020F0600000000000000" pitchFamily="50" charset="-128"/>
+            </a:endParaRPr>
           </a:p>
         </p:txBody>
       </p:sp>
@@ -5663,7 +7951,7 @@
         <p:spPr>
           <a:xfrm>
             <a:off x="3409950" y="2630028"/>
-            <a:ext cx="7753350" cy="369332"/>
+            <a:ext cx="7753350" cy="646331"/>
           </a:xfrm>
           <a:prstGeom prst="rect">
             <a:avLst/>
@@ -5677,11 +7965,18 @@
           <a:lstStyle/>
           <a:p>
             <a:r>
+              <a:rPr kumimoji="1" lang="en-US" altLang="ja-JP" dirty="0">
+                <a:latin typeface="HG丸ｺﾞｼｯｸM-PRO" panose="020F0600000000000000" pitchFamily="50" charset="-128"/>
+                <a:ea typeface="HG丸ｺﾞｼｯｸM-PRO" panose="020F0600000000000000" pitchFamily="50" charset="-128"/>
+              </a:rPr>
+              <a:t>DAO</a:t>
+            </a:r>
+            <a:r>
               <a:rPr kumimoji="1" lang="ja-JP" altLang="en-US" dirty="0">
                 <a:latin typeface="HG丸ｺﾞｼｯｸM-PRO" panose="020F0600000000000000" pitchFamily="50" charset="-128"/>
                 <a:ea typeface="HG丸ｺﾞｼｯｸM-PRO" panose="020F0600000000000000" pitchFamily="50" charset="-128"/>
               </a:rPr>
-              <a:t>あ</a:t>
+              <a:t>を中心になって作成し、書いているコードの役割の理解、データの受け渡しのイメージをしっかり持つように意識した。</a:t>
             </a:r>
           </a:p>
         </p:txBody>
@@ -5749,7 +8044,7 @@
         <p:spPr>
           <a:xfrm>
             <a:off x="3409950" y="3934733"/>
-            <a:ext cx="7610477" cy="369332"/>
+            <a:ext cx="7610477" cy="646331"/>
           </a:xfrm>
           <a:prstGeom prst="rect">
             <a:avLst/>
@@ -5767,7 +8062,7 @@
                 <a:latin typeface="HG丸ｺﾞｼｯｸM-PRO" panose="020F0600000000000000" pitchFamily="50" charset="-128"/>
                 <a:ea typeface="HG丸ｺﾞｼｯｸM-PRO" panose="020F0600000000000000" pitchFamily="50" charset="-128"/>
               </a:rPr>
-              <a:t>あ</a:t>
+              <a:t>チームのシステムに必要な情報の項目を自分で考え、提案することができた。データベースに親しみをもてるようになった！</a:t>
             </a:r>
           </a:p>
         </p:txBody>
@@ -5835,7 +8130,7 @@
         <p:spPr>
           <a:xfrm>
             <a:off x="3409950" y="5306264"/>
-            <a:ext cx="7410450" cy="369332"/>
+            <a:ext cx="7410450" cy="646331"/>
           </a:xfrm>
           <a:prstGeom prst="rect">
             <a:avLst/>
@@ -5849,12 +8144,43 @@
           <a:lstStyle/>
           <a:p>
             <a:r>
-              <a:rPr kumimoji="1" lang="ja-JP" altLang="en-US" dirty="0">
+              <a:rPr lang="ja-JP" altLang="en-US" dirty="0">
                 <a:latin typeface="HG丸ｺﾞｼｯｸM-PRO" panose="020F0600000000000000" pitchFamily="50" charset="-128"/>
                 <a:ea typeface="HG丸ｺﾞｼｯｸM-PRO" panose="020F0600000000000000" pitchFamily="50" charset="-128"/>
               </a:rPr>
-              <a:t>あ</a:t>
-            </a:r>
+              <a:t>サーブレットや</a:t>
+            </a:r>
+            <a:r>
+              <a:rPr lang="en-US" altLang="ja-JP" dirty="0">
+                <a:latin typeface="HG丸ｺﾞｼｯｸM-PRO" panose="020F0600000000000000" pitchFamily="50" charset="-128"/>
+                <a:ea typeface="HG丸ｺﾞｼｯｸM-PRO" panose="020F0600000000000000" pitchFamily="50" charset="-128"/>
+              </a:rPr>
+              <a:t>DAO</a:t>
+            </a:r>
+            <a:r>
+              <a:rPr lang="ja-JP" altLang="en-US" dirty="0">
+                <a:latin typeface="HG丸ｺﾞｼｯｸM-PRO" panose="020F0600000000000000" pitchFamily="50" charset="-128"/>
+                <a:ea typeface="HG丸ｺﾞｼｯｸM-PRO" panose="020F0600000000000000" pitchFamily="50" charset="-128"/>
+              </a:rPr>
+              <a:t>の設計をイメージできるようになりたい。</a:t>
+            </a:r>
+            <a:endParaRPr lang="en-US" altLang="ja-JP" dirty="0">
+              <a:latin typeface="HG丸ｺﾞｼｯｸM-PRO" panose="020F0600000000000000" pitchFamily="50" charset="-128"/>
+              <a:ea typeface="HG丸ｺﾞｼｯｸM-PRO" panose="020F0600000000000000" pitchFamily="50" charset="-128"/>
+            </a:endParaRPr>
+          </a:p>
+          <a:p>
+            <a:r>
+              <a:rPr lang="ja-JP" altLang="en-US" dirty="0">
+                <a:latin typeface="HG丸ｺﾞｼｯｸM-PRO" panose="020F0600000000000000" pitchFamily="50" charset="-128"/>
+                <a:ea typeface="HG丸ｺﾞｼｯｸM-PRO" panose="020F0600000000000000" pitchFamily="50" charset="-128"/>
+              </a:rPr>
+              <a:t>→必要なメソッド、いつ使うのか理解度を高める必要がある。</a:t>
+            </a:r>
+            <a:endParaRPr kumimoji="1" lang="ja-JP" altLang="en-US" dirty="0">
+              <a:latin typeface="HG丸ｺﾞｼｯｸM-PRO" panose="020F0600000000000000" pitchFamily="50" charset="-128"/>
+              <a:ea typeface="HG丸ｺﾞｼｯｸM-PRO" panose="020F0600000000000000" pitchFamily="50" charset="-128"/>
+            </a:endParaRPr>
           </a:p>
         </p:txBody>
       </p:sp>
@@ -5966,7 +8292,7 @@
     </p:spTree>
     <p:extLst>
       <p:ext uri="{BB962C8B-B14F-4D97-AF65-F5344CB8AC3E}">
-        <p14:creationId xmlns:p14="http://schemas.microsoft.com/office/powerpoint/2010/main" val="765926130"/>
+        <p14:creationId xmlns:p14="http://schemas.microsoft.com/office/powerpoint/2010/main" val="1458541211"/>
       </p:ext>
     </p:extLst>
   </p:cSld>
@@ -5976,7 +8302,7 @@
 </p:sld>
 </file>
 
-<file path=ppt/slides/slide13.xml><?xml version="1.0" encoding="utf-8"?>
+<file path=ppt/slides/slide14.xml><?xml version="1.0" encoding="utf-8"?>
 <p:sld xmlns:a="http://schemas.openxmlformats.org/drawingml/2006/main" xmlns:r="http://schemas.openxmlformats.org/officeDocument/2006/relationships" xmlns:p="http://schemas.openxmlformats.org/presentationml/2006/main">
   <p:cSld>
     <p:spTree>
@@ -6176,7 +8502,7 @@
         <p:spPr>
           <a:xfrm>
             <a:off x="3409950" y="1325324"/>
-            <a:ext cx="7600950" cy="369332"/>
+            <a:ext cx="7600950" cy="646331"/>
           </a:xfrm>
           <a:prstGeom prst="rect">
             <a:avLst/>
@@ -6190,12 +8516,29 @@
           <a:lstStyle/>
           <a:p>
             <a:r>
-              <a:rPr kumimoji="1" lang="ja-JP" altLang="en-US" dirty="0">
+              <a:rPr lang="ja-JP" altLang="en-US" dirty="0">
                 <a:latin typeface="HG丸ｺﾞｼｯｸM-PRO" panose="020F0600000000000000" pitchFamily="50" charset="-128"/>
                 <a:ea typeface="HG丸ｺﾞｼｯｸM-PRO" panose="020F0600000000000000" pitchFamily="50" charset="-128"/>
               </a:rPr>
-              <a:t>あ</a:t>
-            </a:r>
+              <a:t>５月の成果物では、内部機能に触れていなく理解できていなかった</a:t>
+            </a:r>
+            <a:endParaRPr lang="en-US" altLang="ja-JP" dirty="0">
+              <a:latin typeface="HG丸ｺﾞｼｯｸM-PRO" panose="020F0600000000000000" pitchFamily="50" charset="-128"/>
+              <a:ea typeface="HG丸ｺﾞｼｯｸM-PRO" panose="020F0600000000000000" pitchFamily="50" charset="-128"/>
+            </a:endParaRPr>
+          </a:p>
+          <a:p>
+            <a:r>
+              <a:rPr lang="ja-JP" altLang="en-US" dirty="0">
+                <a:latin typeface="HG丸ｺﾞｼｯｸM-PRO" panose="020F0600000000000000" pitchFamily="50" charset="-128"/>
+                <a:ea typeface="HG丸ｺﾞｼｯｸM-PRO" panose="020F0600000000000000" pitchFamily="50" charset="-128"/>
+              </a:rPr>
+              <a:t>グループのメンバーとコミュニケーションをとることができなかった</a:t>
+            </a:r>
+            <a:endParaRPr lang="en-US" altLang="ja-JP" dirty="0">
+              <a:latin typeface="HG丸ｺﾞｼｯｸM-PRO" panose="020F0600000000000000" pitchFamily="50" charset="-128"/>
+              <a:ea typeface="HG丸ｺﾞｼｯｸM-PRO" panose="020F0600000000000000" pitchFamily="50" charset="-128"/>
+            </a:endParaRPr>
           </a:p>
         </p:txBody>
       </p:sp>
@@ -6262,7 +8605,7 @@
         <p:spPr>
           <a:xfrm>
             <a:off x="3409950" y="2630028"/>
-            <a:ext cx="7753350" cy="369332"/>
+            <a:ext cx="7753350" cy="646331"/>
           </a:xfrm>
           <a:prstGeom prst="rect">
             <a:avLst/>
@@ -6280,7 +8623,7 @@
                 <a:latin typeface="HG丸ｺﾞｼｯｸM-PRO" panose="020F0600000000000000" pitchFamily="50" charset="-128"/>
                 <a:ea typeface="HG丸ｺﾞｼｯｸM-PRO" panose="020F0600000000000000" pitchFamily="50" charset="-128"/>
               </a:rPr>
-              <a:t>あ</a:t>
+              <a:t>　グループのメンバーや樋口講師に助けてもらいながら、現状の進捗理解やコミュニケーションをとるようにした</a:t>
             </a:r>
           </a:p>
         </p:txBody>
@@ -6348,7 +8691,7 @@
         <p:spPr>
           <a:xfrm>
             <a:off x="3409950" y="3934733"/>
-            <a:ext cx="7610477" cy="369332"/>
+            <a:ext cx="7610477" cy="646331"/>
           </a:xfrm>
           <a:prstGeom prst="rect">
             <a:avLst/>
@@ -6362,12 +8705,16 @@
           <a:lstStyle/>
           <a:p>
             <a:r>
-              <a:rPr kumimoji="1" lang="ja-JP" altLang="en-US" dirty="0">
+              <a:rPr lang="ja-JP" altLang="en-US" dirty="0">
                 <a:latin typeface="HG丸ｺﾞｼｯｸM-PRO" panose="020F0600000000000000" pitchFamily="50" charset="-128"/>
                 <a:ea typeface="HG丸ｺﾞｼｯｸM-PRO" panose="020F0600000000000000" pitchFamily="50" charset="-128"/>
               </a:rPr>
-              <a:t>あ</a:t>
-            </a:r>
+              <a:t>　少しずつグループのメンバーとコミュニケーションをとることができ、知識も少しずつ理解できるようになってきた</a:t>
+            </a:r>
+            <a:endParaRPr kumimoji="1" lang="ja-JP" altLang="en-US" dirty="0">
+              <a:latin typeface="HG丸ｺﾞｼｯｸM-PRO" panose="020F0600000000000000" pitchFamily="50" charset="-128"/>
+              <a:ea typeface="HG丸ｺﾞｼｯｸM-PRO" panose="020F0600000000000000" pitchFamily="50" charset="-128"/>
+            </a:endParaRPr>
           </a:p>
         </p:txBody>
       </p:sp>
@@ -6416,44 +8763,6 @@
               <a:latin typeface="HG丸ｺﾞｼｯｸM-PRO" panose="020F0600000000000000" pitchFamily="50" charset="-128"/>
               <a:ea typeface="HG丸ｺﾞｼｯｸM-PRO" panose="020F0600000000000000" pitchFamily="50" charset="-128"/>
             </a:endParaRPr>
-          </a:p>
-        </p:txBody>
-      </p:sp>
-      <p:sp>
-        <p:nvSpPr>
-          <p:cNvPr id="14" name="テキスト ボックス 13">
-            <a:extLst>
-              <a:ext uri="{FF2B5EF4-FFF2-40B4-BE49-F238E27FC236}">
-                <a16:creationId xmlns:a16="http://schemas.microsoft.com/office/drawing/2014/main" id="{F5B26454-7CD7-4F9F-8B12-734A0F74B5F2}"/>
-              </a:ext>
-            </a:extLst>
-          </p:cNvPr>
-          <p:cNvSpPr txBox="1"/>
-          <p:nvPr/>
-        </p:nvSpPr>
-        <p:spPr>
-          <a:xfrm>
-            <a:off x="3409950" y="5306264"/>
-            <a:ext cx="7410450" cy="369332"/>
-          </a:xfrm>
-          <a:prstGeom prst="rect">
-            <a:avLst/>
-          </a:prstGeom>
-          <a:noFill/>
-        </p:spPr>
-        <p:txBody>
-          <a:bodyPr wrap="square" rtlCol="0">
-            <a:spAutoFit/>
-          </a:bodyPr>
-          <a:lstStyle/>
-          <a:p>
-            <a:r>
-              <a:rPr kumimoji="1" lang="ja-JP" altLang="en-US" dirty="0">
-                <a:latin typeface="HG丸ｺﾞｼｯｸM-PRO" panose="020F0600000000000000" pitchFamily="50" charset="-128"/>
-                <a:ea typeface="HG丸ｺﾞｼｯｸM-PRO" panose="020F0600000000000000" pitchFamily="50" charset="-128"/>
-              </a:rPr>
-              <a:t>あ</a:t>
-            </a:r>
           </a:p>
         </p:txBody>
       </p:sp>
@@ -6555,10 +8864,52 @@
           </a:extLst>
         </p:spPr>
       </p:pic>
+      <p:sp>
+        <p:nvSpPr>
+          <p:cNvPr id="15" name="テキスト ボックス 14">
+            <a:extLst>
+              <a:ext uri="{FF2B5EF4-FFF2-40B4-BE49-F238E27FC236}">
+                <a16:creationId xmlns:a16="http://schemas.microsoft.com/office/drawing/2014/main" id="{449BCE91-6481-4B71-96F5-D6C4EF4C71E8}"/>
+              </a:ext>
+            </a:extLst>
+          </p:cNvPr>
+          <p:cNvSpPr txBox="1"/>
+          <p:nvPr/>
+        </p:nvSpPr>
+        <p:spPr>
+          <a:xfrm>
+            <a:off x="3227110" y="5311710"/>
+            <a:ext cx="7610477" cy="646331"/>
+          </a:xfrm>
+          <a:prstGeom prst="rect">
+            <a:avLst/>
+          </a:prstGeom>
+          <a:noFill/>
+        </p:spPr>
+        <p:txBody>
+          <a:bodyPr wrap="square" rtlCol="0">
+            <a:spAutoFit/>
+          </a:bodyPr>
+          <a:lstStyle/>
+          <a:p>
+            <a:r>
+              <a:rPr lang="ja-JP" altLang="en-US" dirty="0">
+                <a:latin typeface="HG丸ｺﾞｼｯｸM-PRO" panose="020F0600000000000000" pitchFamily="50" charset="-128"/>
+                <a:ea typeface="HG丸ｺﾞｼｯｸM-PRO" panose="020F0600000000000000" pitchFamily="50" charset="-128"/>
+              </a:rPr>
+              <a:t>　知識の定着が不十分なので聞くこと、調べることを徹底しながら実務で経験を積みながら勉強していきたい</a:t>
+            </a:r>
+            <a:endParaRPr kumimoji="1" lang="ja-JP" altLang="en-US" dirty="0">
+              <a:latin typeface="HG丸ｺﾞｼｯｸM-PRO" panose="020F0600000000000000" pitchFamily="50" charset="-128"/>
+              <a:ea typeface="HG丸ｺﾞｼｯｸM-PRO" panose="020F0600000000000000" pitchFamily="50" charset="-128"/>
+            </a:endParaRPr>
+          </a:p>
+        </p:txBody>
+      </p:sp>
     </p:spTree>
     <p:extLst>
       <p:ext uri="{BB962C8B-B14F-4D97-AF65-F5344CB8AC3E}">
-        <p14:creationId xmlns:p14="http://schemas.microsoft.com/office/powerpoint/2010/main" val="2348643287"/>
+        <p14:creationId xmlns:p14="http://schemas.microsoft.com/office/powerpoint/2010/main" val="2091201263"/>
       </p:ext>
     </p:extLst>
   </p:cSld>
@@ -6568,7 +8919,7 @@
 </p:sld>
 </file>
 
-<file path=ppt/slides/slide14.xml><?xml version="1.0" encoding="utf-8"?>
+<file path=ppt/slides/slide15.xml><?xml version="1.0" encoding="utf-8"?>
 <p:sld xmlns:a="http://schemas.openxmlformats.org/drawingml/2006/main" xmlns:r="http://schemas.openxmlformats.org/officeDocument/2006/relationships" xmlns:p="http://schemas.openxmlformats.org/presentationml/2006/main">
   <p:cSld>
     <p:spTree>
@@ -7196,10 +9547,665 @@
   <p:clrMapOvr>
     <a:masterClrMapping/>
   </p:clrMapOvr>
+  <p:timing>
+    <p:tnLst>
+      <p:par>
+        <p:cTn id="1" dur="indefinite" restart="never" nodeType="tmRoot">
+          <p:childTnLst>
+            <p:seq concurrent="1" nextAc="seek">
+              <p:cTn id="2" dur="indefinite" nodeType="mainSeq">
+                <p:childTnLst>
+                  <p:par>
+                    <p:cTn id="3" fill="hold">
+                      <p:stCondLst>
+                        <p:cond delay="indefinite"/>
+                      </p:stCondLst>
+                      <p:childTnLst>
+                        <p:par>
+                          <p:cTn id="4" fill="hold">
+                            <p:stCondLst>
+                              <p:cond delay="0"/>
+                            </p:stCondLst>
+                            <p:childTnLst>
+                              <p:par>
+                                <p:cTn id="5" presetID="42" presetClass="entr" presetSubtype="0" fill="hold" nodeType="clickEffect">
+                                  <p:stCondLst>
+                                    <p:cond delay="0"/>
+                                  </p:stCondLst>
+                                  <p:childTnLst>
+                                    <p:set>
+                                      <p:cBhvr>
+                                        <p:cTn id="6" dur="1" fill="hold">
+                                          <p:stCondLst>
+                                            <p:cond delay="0"/>
+                                          </p:stCondLst>
+                                        </p:cTn>
+                                        <p:tgtEl>
+                                          <p:spTgt spid="2050"/>
+                                        </p:tgtEl>
+                                        <p:attrNameLst>
+                                          <p:attrName>style.visibility</p:attrName>
+                                        </p:attrNameLst>
+                                      </p:cBhvr>
+                                      <p:to>
+                                        <p:strVal val="visible"/>
+                                      </p:to>
+                                    </p:set>
+                                    <p:animEffect transition="in" filter="fade">
+                                      <p:cBhvr>
+                                        <p:cTn id="7" dur="1000"/>
+                                        <p:tgtEl>
+                                          <p:spTgt spid="2050"/>
+                                        </p:tgtEl>
+                                      </p:cBhvr>
+                                    </p:animEffect>
+                                    <p:anim calcmode="lin" valueType="num">
+                                      <p:cBhvr>
+                                        <p:cTn id="8" dur="1000" fill="hold"/>
+                                        <p:tgtEl>
+                                          <p:spTgt spid="2050"/>
+                                        </p:tgtEl>
+                                        <p:attrNameLst>
+                                          <p:attrName>ppt_x</p:attrName>
+                                        </p:attrNameLst>
+                                      </p:cBhvr>
+                                      <p:tavLst>
+                                        <p:tav tm="0">
+                                          <p:val>
+                                            <p:strVal val="#ppt_x"/>
+                                          </p:val>
+                                        </p:tav>
+                                        <p:tav tm="100000">
+                                          <p:val>
+                                            <p:strVal val="#ppt_x"/>
+                                          </p:val>
+                                        </p:tav>
+                                      </p:tavLst>
+                                    </p:anim>
+                                    <p:anim calcmode="lin" valueType="num">
+                                      <p:cBhvr>
+                                        <p:cTn id="9" dur="1000" fill="hold"/>
+                                        <p:tgtEl>
+                                          <p:spTgt spid="2050"/>
+                                        </p:tgtEl>
+                                        <p:attrNameLst>
+                                          <p:attrName>ppt_y</p:attrName>
+                                        </p:attrNameLst>
+                                      </p:cBhvr>
+                                      <p:tavLst>
+                                        <p:tav tm="0">
+                                          <p:val>
+                                            <p:strVal val="#ppt_y+.1"/>
+                                          </p:val>
+                                        </p:tav>
+                                        <p:tav tm="100000">
+                                          <p:val>
+                                            <p:strVal val="#ppt_y"/>
+                                          </p:val>
+                                        </p:tav>
+                                      </p:tavLst>
+                                    </p:anim>
+                                  </p:childTnLst>
+                                </p:cTn>
+                              </p:par>
+                              <p:par>
+                                <p:cTn id="10" presetID="42" presetClass="entr" presetSubtype="0" fill="hold" grpId="0" nodeType="withEffect">
+                                  <p:stCondLst>
+                                    <p:cond delay="0"/>
+                                  </p:stCondLst>
+                                  <p:childTnLst>
+                                    <p:set>
+                                      <p:cBhvr>
+                                        <p:cTn id="11" dur="1" fill="hold">
+                                          <p:stCondLst>
+                                            <p:cond delay="0"/>
+                                          </p:stCondLst>
+                                        </p:cTn>
+                                        <p:tgtEl>
+                                          <p:spTgt spid="8"/>
+                                        </p:tgtEl>
+                                        <p:attrNameLst>
+                                          <p:attrName>style.visibility</p:attrName>
+                                        </p:attrNameLst>
+                                      </p:cBhvr>
+                                      <p:to>
+                                        <p:strVal val="visible"/>
+                                      </p:to>
+                                    </p:set>
+                                    <p:animEffect transition="in" filter="fade">
+                                      <p:cBhvr>
+                                        <p:cTn id="12" dur="1000"/>
+                                        <p:tgtEl>
+                                          <p:spTgt spid="8"/>
+                                        </p:tgtEl>
+                                      </p:cBhvr>
+                                    </p:animEffect>
+                                    <p:anim calcmode="lin" valueType="num">
+                                      <p:cBhvr>
+                                        <p:cTn id="13" dur="1000" fill="hold"/>
+                                        <p:tgtEl>
+                                          <p:spTgt spid="8"/>
+                                        </p:tgtEl>
+                                        <p:attrNameLst>
+                                          <p:attrName>ppt_x</p:attrName>
+                                        </p:attrNameLst>
+                                      </p:cBhvr>
+                                      <p:tavLst>
+                                        <p:tav tm="0">
+                                          <p:val>
+                                            <p:strVal val="#ppt_x"/>
+                                          </p:val>
+                                        </p:tav>
+                                        <p:tav tm="100000">
+                                          <p:val>
+                                            <p:strVal val="#ppt_x"/>
+                                          </p:val>
+                                        </p:tav>
+                                      </p:tavLst>
+                                    </p:anim>
+                                    <p:anim calcmode="lin" valueType="num">
+                                      <p:cBhvr>
+                                        <p:cTn id="14" dur="1000" fill="hold"/>
+                                        <p:tgtEl>
+                                          <p:spTgt spid="8"/>
+                                        </p:tgtEl>
+                                        <p:attrNameLst>
+                                          <p:attrName>ppt_y</p:attrName>
+                                        </p:attrNameLst>
+                                      </p:cBhvr>
+                                      <p:tavLst>
+                                        <p:tav tm="0">
+                                          <p:val>
+                                            <p:strVal val="#ppt_y+.1"/>
+                                          </p:val>
+                                        </p:tav>
+                                        <p:tav tm="100000">
+                                          <p:val>
+                                            <p:strVal val="#ppt_y"/>
+                                          </p:val>
+                                        </p:tav>
+                                      </p:tavLst>
+                                    </p:anim>
+                                  </p:childTnLst>
+                                </p:cTn>
+                              </p:par>
+                              <p:par>
+                                <p:cTn id="15" presetID="42" presetClass="entr" presetSubtype="0" fill="hold" grpId="0" nodeType="withEffect">
+                                  <p:stCondLst>
+                                    <p:cond delay="0"/>
+                                  </p:stCondLst>
+                                  <p:childTnLst>
+                                    <p:set>
+                                      <p:cBhvr>
+                                        <p:cTn id="16" dur="1" fill="hold">
+                                          <p:stCondLst>
+                                            <p:cond delay="0"/>
+                                          </p:stCondLst>
+                                        </p:cTn>
+                                        <p:tgtEl>
+                                          <p:spTgt spid="5"/>
+                                        </p:tgtEl>
+                                        <p:attrNameLst>
+                                          <p:attrName>style.visibility</p:attrName>
+                                        </p:attrNameLst>
+                                      </p:cBhvr>
+                                      <p:to>
+                                        <p:strVal val="visible"/>
+                                      </p:to>
+                                    </p:set>
+                                    <p:animEffect transition="in" filter="fade">
+                                      <p:cBhvr>
+                                        <p:cTn id="17" dur="1000"/>
+                                        <p:tgtEl>
+                                          <p:spTgt spid="5"/>
+                                        </p:tgtEl>
+                                      </p:cBhvr>
+                                    </p:animEffect>
+                                    <p:anim calcmode="lin" valueType="num">
+                                      <p:cBhvr>
+                                        <p:cTn id="18" dur="1000" fill="hold"/>
+                                        <p:tgtEl>
+                                          <p:spTgt spid="5"/>
+                                        </p:tgtEl>
+                                        <p:attrNameLst>
+                                          <p:attrName>ppt_x</p:attrName>
+                                        </p:attrNameLst>
+                                      </p:cBhvr>
+                                      <p:tavLst>
+                                        <p:tav tm="0">
+                                          <p:val>
+                                            <p:strVal val="#ppt_x"/>
+                                          </p:val>
+                                        </p:tav>
+                                        <p:tav tm="100000">
+                                          <p:val>
+                                            <p:strVal val="#ppt_x"/>
+                                          </p:val>
+                                        </p:tav>
+                                      </p:tavLst>
+                                    </p:anim>
+                                    <p:anim calcmode="lin" valueType="num">
+                                      <p:cBhvr>
+                                        <p:cTn id="19" dur="1000" fill="hold"/>
+                                        <p:tgtEl>
+                                          <p:spTgt spid="5"/>
+                                        </p:tgtEl>
+                                        <p:attrNameLst>
+                                          <p:attrName>ppt_y</p:attrName>
+                                        </p:attrNameLst>
+                                      </p:cBhvr>
+                                      <p:tavLst>
+                                        <p:tav tm="0">
+                                          <p:val>
+                                            <p:strVal val="#ppt_y+.1"/>
+                                          </p:val>
+                                        </p:tav>
+                                        <p:tav tm="100000">
+                                          <p:val>
+                                            <p:strVal val="#ppt_y"/>
+                                          </p:val>
+                                        </p:tav>
+                                      </p:tavLst>
+                                    </p:anim>
+                                  </p:childTnLst>
+                                </p:cTn>
+                              </p:par>
+                            </p:childTnLst>
+                          </p:cTn>
+                        </p:par>
+                      </p:childTnLst>
+                    </p:cTn>
+                  </p:par>
+                  <p:par>
+                    <p:cTn id="20" fill="hold">
+                      <p:stCondLst>
+                        <p:cond delay="indefinite"/>
+                      </p:stCondLst>
+                      <p:childTnLst>
+                        <p:par>
+                          <p:cTn id="21" fill="hold">
+                            <p:stCondLst>
+                              <p:cond delay="0"/>
+                            </p:stCondLst>
+                            <p:childTnLst>
+                              <p:par>
+                                <p:cTn id="22" presetID="10" presetClass="entr" presetSubtype="0" fill="hold" grpId="0" nodeType="clickEffect">
+                                  <p:stCondLst>
+                                    <p:cond delay="0"/>
+                                  </p:stCondLst>
+                                  <p:childTnLst>
+                                    <p:set>
+                                      <p:cBhvr>
+                                        <p:cTn id="23" dur="1" fill="hold">
+                                          <p:stCondLst>
+                                            <p:cond delay="0"/>
+                                          </p:stCondLst>
+                                        </p:cTn>
+                                        <p:tgtEl>
+                                          <p:spTgt spid="6"/>
+                                        </p:tgtEl>
+                                        <p:attrNameLst>
+                                          <p:attrName>style.visibility</p:attrName>
+                                        </p:attrNameLst>
+                                      </p:cBhvr>
+                                      <p:to>
+                                        <p:strVal val="visible"/>
+                                      </p:to>
+                                    </p:set>
+                                    <p:animEffect transition="in" filter="fade">
+                                      <p:cBhvr>
+                                        <p:cTn id="24" dur="1000"/>
+                                        <p:tgtEl>
+                                          <p:spTgt spid="6"/>
+                                        </p:tgtEl>
+                                      </p:cBhvr>
+                                    </p:animEffect>
+                                  </p:childTnLst>
+                                </p:cTn>
+                              </p:par>
+                              <p:par>
+                                <p:cTn id="25" presetID="10" presetClass="entr" presetSubtype="0" fill="hold" grpId="0" nodeType="withEffect">
+                                  <p:stCondLst>
+                                    <p:cond delay="0"/>
+                                  </p:stCondLst>
+                                  <p:childTnLst>
+                                    <p:set>
+                                      <p:cBhvr>
+                                        <p:cTn id="26" dur="1" fill="hold">
+                                          <p:stCondLst>
+                                            <p:cond delay="0"/>
+                                          </p:stCondLst>
+                                        </p:cTn>
+                                        <p:tgtEl>
+                                          <p:spTgt spid="7"/>
+                                        </p:tgtEl>
+                                        <p:attrNameLst>
+                                          <p:attrName>style.visibility</p:attrName>
+                                        </p:attrNameLst>
+                                      </p:cBhvr>
+                                      <p:to>
+                                        <p:strVal val="visible"/>
+                                      </p:to>
+                                    </p:set>
+                                    <p:animEffect transition="in" filter="fade">
+                                      <p:cBhvr>
+                                        <p:cTn id="27" dur="1000"/>
+                                        <p:tgtEl>
+                                          <p:spTgt spid="7"/>
+                                        </p:tgtEl>
+                                      </p:cBhvr>
+                                    </p:animEffect>
+                                  </p:childTnLst>
+                                </p:cTn>
+                              </p:par>
+                            </p:childTnLst>
+                          </p:cTn>
+                        </p:par>
+                      </p:childTnLst>
+                    </p:cTn>
+                  </p:par>
+                  <p:par>
+                    <p:cTn id="28" fill="hold">
+                      <p:stCondLst>
+                        <p:cond delay="indefinite"/>
+                      </p:stCondLst>
+                      <p:childTnLst>
+                        <p:par>
+                          <p:cTn id="29" fill="hold">
+                            <p:stCondLst>
+                              <p:cond delay="0"/>
+                            </p:stCondLst>
+                            <p:childTnLst>
+                              <p:par>
+                                <p:cTn id="30" presetID="10" presetClass="entr" presetSubtype="0" fill="hold" grpId="0" nodeType="clickEffect">
+                                  <p:stCondLst>
+                                    <p:cond delay="0"/>
+                                  </p:stCondLst>
+                                  <p:childTnLst>
+                                    <p:set>
+                                      <p:cBhvr>
+                                        <p:cTn id="31" dur="1" fill="hold">
+                                          <p:stCondLst>
+                                            <p:cond delay="0"/>
+                                          </p:stCondLst>
+                                        </p:cTn>
+                                        <p:tgtEl>
+                                          <p:spTgt spid="9"/>
+                                        </p:tgtEl>
+                                        <p:attrNameLst>
+                                          <p:attrName>style.visibility</p:attrName>
+                                        </p:attrNameLst>
+                                      </p:cBhvr>
+                                      <p:to>
+                                        <p:strVal val="visible"/>
+                                      </p:to>
+                                    </p:set>
+                                    <p:animEffect transition="in" filter="fade">
+                                      <p:cBhvr>
+                                        <p:cTn id="32" dur="1000"/>
+                                        <p:tgtEl>
+                                          <p:spTgt spid="9"/>
+                                        </p:tgtEl>
+                                      </p:cBhvr>
+                                    </p:animEffect>
+                                  </p:childTnLst>
+                                </p:cTn>
+                              </p:par>
+                              <p:par>
+                                <p:cTn id="33" presetID="10" presetClass="entr" presetSubtype="0" fill="hold" grpId="0" nodeType="withEffect">
+                                  <p:stCondLst>
+                                    <p:cond delay="0"/>
+                                  </p:stCondLst>
+                                  <p:childTnLst>
+                                    <p:set>
+                                      <p:cBhvr>
+                                        <p:cTn id="34" dur="1" fill="hold">
+                                          <p:stCondLst>
+                                            <p:cond delay="0"/>
+                                          </p:stCondLst>
+                                        </p:cTn>
+                                        <p:tgtEl>
+                                          <p:spTgt spid="10"/>
+                                        </p:tgtEl>
+                                        <p:attrNameLst>
+                                          <p:attrName>style.visibility</p:attrName>
+                                        </p:attrNameLst>
+                                      </p:cBhvr>
+                                      <p:to>
+                                        <p:strVal val="visible"/>
+                                      </p:to>
+                                    </p:set>
+                                    <p:animEffect transition="in" filter="fade">
+                                      <p:cBhvr>
+                                        <p:cTn id="35" dur="1000"/>
+                                        <p:tgtEl>
+                                          <p:spTgt spid="10"/>
+                                        </p:tgtEl>
+                                      </p:cBhvr>
+                                    </p:animEffect>
+                                  </p:childTnLst>
+                                </p:cTn>
+                              </p:par>
+                            </p:childTnLst>
+                          </p:cTn>
+                        </p:par>
+                      </p:childTnLst>
+                    </p:cTn>
+                  </p:par>
+                  <p:par>
+                    <p:cTn id="36" fill="hold">
+                      <p:stCondLst>
+                        <p:cond delay="indefinite"/>
+                      </p:stCondLst>
+                      <p:childTnLst>
+                        <p:par>
+                          <p:cTn id="37" fill="hold">
+                            <p:stCondLst>
+                              <p:cond delay="0"/>
+                            </p:stCondLst>
+                            <p:childTnLst>
+                              <p:par>
+                                <p:cTn id="38" presetID="10" presetClass="entr" presetSubtype="0" fill="hold" grpId="0" nodeType="clickEffect">
+                                  <p:stCondLst>
+                                    <p:cond delay="0"/>
+                                  </p:stCondLst>
+                                  <p:childTnLst>
+                                    <p:set>
+                                      <p:cBhvr>
+                                        <p:cTn id="39" dur="1" fill="hold">
+                                          <p:stCondLst>
+                                            <p:cond delay="0"/>
+                                          </p:stCondLst>
+                                        </p:cTn>
+                                        <p:tgtEl>
+                                          <p:spTgt spid="11"/>
+                                        </p:tgtEl>
+                                        <p:attrNameLst>
+                                          <p:attrName>style.visibility</p:attrName>
+                                        </p:attrNameLst>
+                                      </p:cBhvr>
+                                      <p:to>
+                                        <p:strVal val="visible"/>
+                                      </p:to>
+                                    </p:set>
+                                    <p:animEffect transition="in" filter="fade">
+                                      <p:cBhvr>
+                                        <p:cTn id="40" dur="1000"/>
+                                        <p:tgtEl>
+                                          <p:spTgt spid="11"/>
+                                        </p:tgtEl>
+                                      </p:cBhvr>
+                                    </p:animEffect>
+                                  </p:childTnLst>
+                                </p:cTn>
+                              </p:par>
+                              <p:par>
+                                <p:cTn id="41" presetID="10" presetClass="entr" presetSubtype="0" fill="hold" grpId="0" nodeType="withEffect">
+                                  <p:stCondLst>
+                                    <p:cond delay="0"/>
+                                  </p:stCondLst>
+                                  <p:childTnLst>
+                                    <p:set>
+                                      <p:cBhvr>
+                                        <p:cTn id="42" dur="1" fill="hold">
+                                          <p:stCondLst>
+                                            <p:cond delay="0"/>
+                                          </p:stCondLst>
+                                        </p:cTn>
+                                        <p:tgtEl>
+                                          <p:spTgt spid="12"/>
+                                        </p:tgtEl>
+                                        <p:attrNameLst>
+                                          <p:attrName>style.visibility</p:attrName>
+                                        </p:attrNameLst>
+                                      </p:cBhvr>
+                                      <p:to>
+                                        <p:strVal val="visible"/>
+                                      </p:to>
+                                    </p:set>
+                                    <p:animEffect transition="in" filter="fade">
+                                      <p:cBhvr>
+                                        <p:cTn id="43" dur="1000"/>
+                                        <p:tgtEl>
+                                          <p:spTgt spid="12"/>
+                                        </p:tgtEl>
+                                      </p:cBhvr>
+                                    </p:animEffect>
+                                  </p:childTnLst>
+                                </p:cTn>
+                              </p:par>
+                            </p:childTnLst>
+                          </p:cTn>
+                        </p:par>
+                      </p:childTnLst>
+                    </p:cTn>
+                  </p:par>
+                  <p:par>
+                    <p:cTn id="44" fill="hold">
+                      <p:stCondLst>
+                        <p:cond delay="indefinite"/>
+                      </p:stCondLst>
+                      <p:childTnLst>
+                        <p:par>
+                          <p:cTn id="45" fill="hold">
+                            <p:stCondLst>
+                              <p:cond delay="0"/>
+                            </p:stCondLst>
+                            <p:childTnLst>
+                              <p:par>
+                                <p:cTn id="46" presetID="10" presetClass="entr" presetSubtype="0" fill="hold" grpId="0" nodeType="clickEffect">
+                                  <p:stCondLst>
+                                    <p:cond delay="0"/>
+                                  </p:stCondLst>
+                                  <p:childTnLst>
+                                    <p:set>
+                                      <p:cBhvr>
+                                        <p:cTn id="47" dur="1" fill="hold">
+                                          <p:stCondLst>
+                                            <p:cond delay="0"/>
+                                          </p:stCondLst>
+                                        </p:cTn>
+                                        <p:tgtEl>
+                                          <p:spTgt spid="13"/>
+                                        </p:tgtEl>
+                                        <p:attrNameLst>
+                                          <p:attrName>style.visibility</p:attrName>
+                                        </p:attrNameLst>
+                                      </p:cBhvr>
+                                      <p:to>
+                                        <p:strVal val="visible"/>
+                                      </p:to>
+                                    </p:set>
+                                    <p:animEffect transition="in" filter="fade">
+                                      <p:cBhvr>
+                                        <p:cTn id="48" dur="1000"/>
+                                        <p:tgtEl>
+                                          <p:spTgt spid="13"/>
+                                        </p:tgtEl>
+                                      </p:cBhvr>
+                                    </p:animEffect>
+                                  </p:childTnLst>
+                                </p:cTn>
+                              </p:par>
+                              <p:par>
+                                <p:cTn id="49" presetID="10" presetClass="entr" presetSubtype="0" fill="hold" grpId="0" nodeType="withEffect">
+                                  <p:stCondLst>
+                                    <p:cond delay="0"/>
+                                  </p:stCondLst>
+                                  <p:childTnLst>
+                                    <p:set>
+                                      <p:cBhvr>
+                                        <p:cTn id="50" dur="1" fill="hold">
+                                          <p:stCondLst>
+                                            <p:cond delay="0"/>
+                                          </p:stCondLst>
+                                        </p:cTn>
+                                        <p:tgtEl>
+                                          <p:spTgt spid="14"/>
+                                        </p:tgtEl>
+                                        <p:attrNameLst>
+                                          <p:attrName>style.visibility</p:attrName>
+                                        </p:attrNameLst>
+                                      </p:cBhvr>
+                                      <p:to>
+                                        <p:strVal val="visible"/>
+                                      </p:to>
+                                    </p:set>
+                                    <p:animEffect transition="in" filter="fade">
+                                      <p:cBhvr>
+                                        <p:cTn id="51" dur="1000"/>
+                                        <p:tgtEl>
+                                          <p:spTgt spid="14"/>
+                                        </p:tgtEl>
+                                      </p:cBhvr>
+                                    </p:animEffect>
+                                  </p:childTnLst>
+                                </p:cTn>
+                              </p:par>
+                            </p:childTnLst>
+                          </p:cTn>
+                        </p:par>
+                      </p:childTnLst>
+                    </p:cTn>
+                  </p:par>
+                </p:childTnLst>
+              </p:cTn>
+              <p:prevCondLst>
+                <p:cond evt="onPrev" delay="0">
+                  <p:tgtEl>
+                    <p:sldTgt/>
+                  </p:tgtEl>
+                </p:cond>
+              </p:prevCondLst>
+              <p:nextCondLst>
+                <p:cond evt="onNext" delay="0">
+                  <p:tgtEl>
+                    <p:sldTgt/>
+                  </p:tgtEl>
+                </p:cond>
+              </p:nextCondLst>
+            </p:seq>
+          </p:childTnLst>
+        </p:cTn>
+      </p:par>
+    </p:tnLst>
+    <p:bldLst>
+      <p:bldP spid="5" grpId="0" animBg="1"/>
+      <p:bldP spid="6" grpId="0"/>
+      <p:bldP spid="7" grpId="0"/>
+      <p:bldP spid="9" grpId="0"/>
+      <p:bldP spid="10" grpId="0"/>
+      <p:bldP spid="11" grpId="0"/>
+      <p:bldP spid="12" grpId="0"/>
+      <p:bldP spid="13" grpId="0"/>
+      <p:bldP spid="14" grpId="0"/>
+      <p:bldP spid="8" grpId="0"/>
+    </p:bldLst>
+  </p:timing>
 </p:sld>
 </file>
 
-<file path=ppt/slides/slide15.xml><?xml version="1.0" encoding="utf-8"?>
+<file path=ppt/slides/slide16.xml><?xml version="1.0" encoding="utf-8"?>
 <p:sld xmlns:a="http://schemas.openxmlformats.org/drawingml/2006/main" xmlns:r="http://schemas.openxmlformats.org/officeDocument/2006/relationships" xmlns:p="http://schemas.openxmlformats.org/presentationml/2006/main">
   <p:cSld>
     <p:spTree>
@@ -7676,8 +10682,8 @@
         </p:nvSpPr>
         <p:spPr>
           <a:xfrm>
-            <a:off x="3338513" y="1712879"/>
-            <a:ext cx="6296025" cy="1015663"/>
+            <a:off x="3338512" y="1857474"/>
+            <a:ext cx="6296025" cy="707886"/>
           </a:xfrm>
           <a:prstGeom prst="rect">
             <a:avLst/>
@@ -7698,33 +10704,6 @@
               <a:t>・質問内容が管理されていない</a:t>
             </a:r>
             <a:endParaRPr kumimoji="1" lang="en-US" altLang="ja-JP" sz="2000" dirty="0">
-              <a:latin typeface="HG丸ｺﾞｼｯｸM-PRO" panose="020F0600000000000000" pitchFamily="50" charset="-128"/>
-              <a:ea typeface="HG丸ｺﾞｼｯｸM-PRO" panose="020F0600000000000000" pitchFamily="50" charset="-128"/>
-            </a:endParaRPr>
-          </a:p>
-          <a:p>
-            <a:r>
-              <a:rPr lang="ja-JP" altLang="en-US" sz="2000" dirty="0">
-                <a:latin typeface="HG丸ｺﾞｼｯｸM-PRO" panose="020F0600000000000000" pitchFamily="50" charset="-128"/>
-                <a:ea typeface="HG丸ｺﾞｼｯｸM-PRO" panose="020F0600000000000000" pitchFamily="50" charset="-128"/>
-              </a:rPr>
-              <a:t>・</a:t>
-            </a:r>
-            <a:r>
-              <a:rPr lang="en-US" altLang="ja-JP" sz="2000" dirty="0">
-                <a:latin typeface="HG丸ｺﾞｼｯｸM-PRO" panose="020F0600000000000000" pitchFamily="50" charset="-128"/>
-                <a:ea typeface="HG丸ｺﾞｼｯｸM-PRO" panose="020F0600000000000000" pitchFamily="50" charset="-128"/>
-              </a:rPr>
-              <a:t>slack</a:t>
-            </a:r>
-            <a:r>
-              <a:rPr lang="ja-JP" altLang="en-US" sz="2000" dirty="0">
-                <a:latin typeface="HG丸ｺﾞｼｯｸM-PRO" panose="020F0600000000000000" pitchFamily="50" charset="-128"/>
-                <a:ea typeface="HG丸ｺﾞｼｯｸM-PRO" panose="020F0600000000000000" pitchFamily="50" charset="-128"/>
-              </a:rPr>
-              <a:t>の質問チャンネルで質問する人が少ない</a:t>
-            </a:r>
-            <a:endParaRPr lang="en-US" altLang="ja-JP" sz="2000" dirty="0">
               <a:latin typeface="HG丸ｺﾞｼｯｸM-PRO" panose="020F0600000000000000" pitchFamily="50" charset="-128"/>
               <a:ea typeface="HG丸ｺﾞｼｯｸM-PRO" panose="020F0600000000000000" pitchFamily="50" charset="-128"/>
             </a:endParaRPr>
@@ -7859,8 +10838,8 @@
           </a:p>
         </p:txBody>
       </p:sp>
-      <mc:AlternateContent xmlns:mc="http://schemas.openxmlformats.org/markup-compatibility/2006">
-        <mc:Choice xmlns:p14="http://schemas.microsoft.com/office/powerpoint/2010/main" Requires="p14">
+      <mc:AlternateContent xmlns:mc="http://schemas.openxmlformats.org/markup-compatibility/2006" xmlns:p14="http://schemas.microsoft.com/office/powerpoint/2010/main">
+        <mc:Choice Requires="p14">
           <p:contentPart p14:bwMode="auto" r:id="rId2">
             <p14:nvContentPartPr>
               <p14:cNvPr id="3" name="インク 2">
@@ -7879,7 +10858,7 @@
             </p14:xfrm>
           </p:contentPart>
         </mc:Choice>
-        <mc:Fallback>
+        <mc:Fallback xmlns="">
           <p:pic>
             <p:nvPicPr>
               <p:cNvPr id="3" name="インク 2">
@@ -7920,10 +10899,420 @@
   <p:clrMapOvr>
     <a:masterClrMapping/>
   </p:clrMapOvr>
+  <p:timing>
+    <p:tnLst>
+      <p:par>
+        <p:cTn id="1" dur="indefinite" restart="never" nodeType="tmRoot">
+          <p:childTnLst>
+            <p:seq concurrent="1" nextAc="seek">
+              <p:cTn id="2" dur="indefinite" nodeType="mainSeq">
+                <p:childTnLst>
+                  <p:par>
+                    <p:cTn id="3" fill="hold">
+                      <p:stCondLst>
+                        <p:cond delay="indefinite"/>
+                      </p:stCondLst>
+                      <p:childTnLst>
+                        <p:par>
+                          <p:cTn id="4" fill="hold">
+                            <p:stCondLst>
+                              <p:cond delay="0"/>
+                            </p:stCondLst>
+                            <p:childTnLst>
+                              <p:par>
+                                <p:cTn id="5" presetID="22" presetClass="entr" presetSubtype="4" fill="hold" grpId="0" nodeType="clickEffect">
+                                  <p:stCondLst>
+                                    <p:cond delay="0"/>
+                                  </p:stCondLst>
+                                  <p:childTnLst>
+                                    <p:set>
+                                      <p:cBhvr>
+                                        <p:cTn id="6" dur="1" fill="hold">
+                                          <p:stCondLst>
+                                            <p:cond delay="0"/>
+                                          </p:stCondLst>
+                                        </p:cTn>
+                                        <p:tgtEl>
+                                          <p:spTgt spid="7"/>
+                                        </p:tgtEl>
+                                        <p:attrNameLst>
+                                          <p:attrName>style.visibility</p:attrName>
+                                        </p:attrNameLst>
+                                      </p:cBhvr>
+                                      <p:to>
+                                        <p:strVal val="visible"/>
+                                      </p:to>
+                                    </p:set>
+                                    <p:animEffect transition="in" filter="wipe(down)">
+                                      <p:cBhvr>
+                                        <p:cTn id="7" dur="1000"/>
+                                        <p:tgtEl>
+                                          <p:spTgt spid="7"/>
+                                        </p:tgtEl>
+                                      </p:cBhvr>
+                                    </p:animEffect>
+                                  </p:childTnLst>
+                                </p:cTn>
+                              </p:par>
+                              <p:par>
+                                <p:cTn id="8" presetID="22" presetClass="entr" presetSubtype="4" fill="hold" grpId="0" nodeType="withEffect">
+                                  <p:stCondLst>
+                                    <p:cond delay="0"/>
+                                  </p:stCondLst>
+                                  <p:childTnLst>
+                                    <p:set>
+                                      <p:cBhvr>
+                                        <p:cTn id="9" dur="1" fill="hold">
+                                          <p:stCondLst>
+                                            <p:cond delay="0"/>
+                                          </p:stCondLst>
+                                        </p:cTn>
+                                        <p:tgtEl>
+                                          <p:spTgt spid="6"/>
+                                        </p:tgtEl>
+                                        <p:attrNameLst>
+                                          <p:attrName>style.visibility</p:attrName>
+                                        </p:attrNameLst>
+                                      </p:cBhvr>
+                                      <p:to>
+                                        <p:strVal val="visible"/>
+                                      </p:to>
+                                    </p:set>
+                                    <p:animEffect transition="in" filter="wipe(down)">
+                                      <p:cBhvr>
+                                        <p:cTn id="10" dur="1000"/>
+                                        <p:tgtEl>
+                                          <p:spTgt spid="6"/>
+                                        </p:tgtEl>
+                                      </p:cBhvr>
+                                    </p:animEffect>
+                                  </p:childTnLst>
+                                </p:cTn>
+                              </p:par>
+                              <p:par>
+                                <p:cTn id="11" presetID="22" presetClass="entr" presetSubtype="4" fill="hold" grpId="0" nodeType="withEffect">
+                                  <p:stCondLst>
+                                    <p:cond delay="0"/>
+                                  </p:stCondLst>
+                                  <p:childTnLst>
+                                    <p:set>
+                                      <p:cBhvr>
+                                        <p:cTn id="12" dur="1" fill="hold">
+                                          <p:stCondLst>
+                                            <p:cond delay="0"/>
+                                          </p:stCondLst>
+                                        </p:cTn>
+                                        <p:tgtEl>
+                                          <p:spTgt spid="12"/>
+                                        </p:tgtEl>
+                                        <p:attrNameLst>
+                                          <p:attrName>style.visibility</p:attrName>
+                                        </p:attrNameLst>
+                                      </p:cBhvr>
+                                      <p:to>
+                                        <p:strVal val="visible"/>
+                                      </p:to>
+                                    </p:set>
+                                    <p:animEffect transition="in" filter="wipe(down)">
+                                      <p:cBhvr>
+                                        <p:cTn id="13" dur="1000"/>
+                                        <p:tgtEl>
+                                          <p:spTgt spid="12"/>
+                                        </p:tgtEl>
+                                      </p:cBhvr>
+                                    </p:animEffect>
+                                  </p:childTnLst>
+                                </p:cTn>
+                              </p:par>
+                            </p:childTnLst>
+                          </p:cTn>
+                        </p:par>
+                      </p:childTnLst>
+                    </p:cTn>
+                  </p:par>
+                  <p:par>
+                    <p:cTn id="14" fill="hold">
+                      <p:stCondLst>
+                        <p:cond delay="indefinite"/>
+                      </p:stCondLst>
+                      <p:childTnLst>
+                        <p:par>
+                          <p:cTn id="15" fill="hold">
+                            <p:stCondLst>
+                              <p:cond delay="0"/>
+                            </p:stCondLst>
+                            <p:childTnLst>
+                              <p:par>
+                                <p:cTn id="16" presetID="22" presetClass="entr" presetSubtype="4" fill="hold" grpId="0" nodeType="clickEffect">
+                                  <p:stCondLst>
+                                    <p:cond delay="0"/>
+                                  </p:stCondLst>
+                                  <p:childTnLst>
+                                    <p:set>
+                                      <p:cBhvr>
+                                        <p:cTn id="17" dur="1" fill="hold">
+                                          <p:stCondLst>
+                                            <p:cond delay="0"/>
+                                          </p:stCondLst>
+                                        </p:cTn>
+                                        <p:tgtEl>
+                                          <p:spTgt spid="9"/>
+                                        </p:tgtEl>
+                                        <p:attrNameLst>
+                                          <p:attrName>style.visibility</p:attrName>
+                                        </p:attrNameLst>
+                                      </p:cBhvr>
+                                      <p:to>
+                                        <p:strVal val="visible"/>
+                                      </p:to>
+                                    </p:set>
+                                    <p:animEffect transition="in" filter="wipe(down)">
+                                      <p:cBhvr>
+                                        <p:cTn id="18" dur="1000"/>
+                                        <p:tgtEl>
+                                          <p:spTgt spid="9"/>
+                                        </p:tgtEl>
+                                      </p:cBhvr>
+                                    </p:animEffect>
+                                  </p:childTnLst>
+                                </p:cTn>
+                              </p:par>
+                              <p:par>
+                                <p:cTn id="19" presetID="22" presetClass="entr" presetSubtype="4" fill="hold" grpId="0" nodeType="withEffect">
+                                  <p:stCondLst>
+                                    <p:cond delay="0"/>
+                                  </p:stCondLst>
+                                  <p:childTnLst>
+                                    <p:set>
+                                      <p:cBhvr>
+                                        <p:cTn id="20" dur="1" fill="hold">
+                                          <p:stCondLst>
+                                            <p:cond delay="0"/>
+                                          </p:stCondLst>
+                                        </p:cTn>
+                                        <p:tgtEl>
+                                          <p:spTgt spid="8"/>
+                                        </p:tgtEl>
+                                        <p:attrNameLst>
+                                          <p:attrName>style.visibility</p:attrName>
+                                        </p:attrNameLst>
+                                      </p:cBhvr>
+                                      <p:to>
+                                        <p:strVal val="visible"/>
+                                      </p:to>
+                                    </p:set>
+                                    <p:animEffect transition="in" filter="wipe(down)">
+                                      <p:cBhvr>
+                                        <p:cTn id="21" dur="1000"/>
+                                        <p:tgtEl>
+                                          <p:spTgt spid="8"/>
+                                        </p:tgtEl>
+                                      </p:cBhvr>
+                                    </p:animEffect>
+                                  </p:childTnLst>
+                                </p:cTn>
+                              </p:par>
+                              <p:par>
+                                <p:cTn id="22" presetID="22" presetClass="entr" presetSubtype="4" fill="hold" grpId="0" nodeType="withEffect">
+                                  <p:stCondLst>
+                                    <p:cond delay="0"/>
+                                  </p:stCondLst>
+                                  <p:childTnLst>
+                                    <p:set>
+                                      <p:cBhvr>
+                                        <p:cTn id="23" dur="1" fill="hold">
+                                          <p:stCondLst>
+                                            <p:cond delay="0"/>
+                                          </p:stCondLst>
+                                        </p:cTn>
+                                        <p:tgtEl>
+                                          <p:spTgt spid="14"/>
+                                        </p:tgtEl>
+                                        <p:attrNameLst>
+                                          <p:attrName>style.visibility</p:attrName>
+                                        </p:attrNameLst>
+                                      </p:cBhvr>
+                                      <p:to>
+                                        <p:strVal val="visible"/>
+                                      </p:to>
+                                    </p:set>
+                                    <p:animEffect transition="in" filter="wipe(down)">
+                                      <p:cBhvr>
+                                        <p:cTn id="24" dur="1000"/>
+                                        <p:tgtEl>
+                                          <p:spTgt spid="14"/>
+                                        </p:tgtEl>
+                                      </p:cBhvr>
+                                    </p:animEffect>
+                                  </p:childTnLst>
+                                </p:cTn>
+                              </p:par>
+                            </p:childTnLst>
+                          </p:cTn>
+                        </p:par>
+                      </p:childTnLst>
+                    </p:cTn>
+                  </p:par>
+                  <p:par>
+                    <p:cTn id="25" fill="hold">
+                      <p:stCondLst>
+                        <p:cond delay="indefinite"/>
+                      </p:stCondLst>
+                      <p:childTnLst>
+                        <p:par>
+                          <p:cTn id="26" fill="hold">
+                            <p:stCondLst>
+                              <p:cond delay="0"/>
+                            </p:stCondLst>
+                            <p:childTnLst>
+                              <p:par>
+                                <p:cTn id="27" presetID="22" presetClass="entr" presetSubtype="4" fill="hold" grpId="0" nodeType="clickEffect">
+                                  <p:stCondLst>
+                                    <p:cond delay="0"/>
+                                  </p:stCondLst>
+                                  <p:childTnLst>
+                                    <p:set>
+                                      <p:cBhvr>
+                                        <p:cTn id="28" dur="1" fill="hold">
+                                          <p:stCondLst>
+                                            <p:cond delay="0"/>
+                                          </p:stCondLst>
+                                        </p:cTn>
+                                        <p:tgtEl>
+                                          <p:spTgt spid="11"/>
+                                        </p:tgtEl>
+                                        <p:attrNameLst>
+                                          <p:attrName>style.visibility</p:attrName>
+                                        </p:attrNameLst>
+                                      </p:cBhvr>
+                                      <p:to>
+                                        <p:strVal val="visible"/>
+                                      </p:to>
+                                    </p:set>
+                                    <p:animEffect transition="in" filter="wipe(down)">
+                                      <p:cBhvr>
+                                        <p:cTn id="29" dur="1000"/>
+                                        <p:tgtEl>
+                                          <p:spTgt spid="11"/>
+                                        </p:tgtEl>
+                                      </p:cBhvr>
+                                    </p:animEffect>
+                                  </p:childTnLst>
+                                </p:cTn>
+                              </p:par>
+                              <p:par>
+                                <p:cTn id="30" presetID="22" presetClass="entr" presetSubtype="4" fill="hold" grpId="0" nodeType="withEffect">
+                                  <p:stCondLst>
+                                    <p:cond delay="0"/>
+                                  </p:stCondLst>
+                                  <p:childTnLst>
+                                    <p:set>
+                                      <p:cBhvr>
+                                        <p:cTn id="31" dur="1" fill="hold">
+                                          <p:stCondLst>
+                                            <p:cond delay="0"/>
+                                          </p:stCondLst>
+                                        </p:cTn>
+                                        <p:tgtEl>
+                                          <p:spTgt spid="13"/>
+                                        </p:tgtEl>
+                                        <p:attrNameLst>
+                                          <p:attrName>style.visibility</p:attrName>
+                                        </p:attrNameLst>
+                                      </p:cBhvr>
+                                      <p:to>
+                                        <p:strVal val="visible"/>
+                                      </p:to>
+                                    </p:set>
+                                    <p:animEffect transition="in" filter="wipe(down)">
+                                      <p:cBhvr>
+                                        <p:cTn id="32" dur="1000"/>
+                                        <p:tgtEl>
+                                          <p:spTgt spid="13"/>
+                                        </p:tgtEl>
+                                      </p:cBhvr>
+                                    </p:animEffect>
+                                  </p:childTnLst>
+                                </p:cTn>
+                              </p:par>
+                              <p:par>
+                                <p:cTn id="33" presetID="22" presetClass="entr" presetSubtype="4" fill="hold" grpId="0" nodeType="withEffect">
+                                  <p:stCondLst>
+                                    <p:cond delay="0"/>
+                                  </p:stCondLst>
+                                  <p:childTnLst>
+                                    <p:set>
+                                      <p:cBhvr>
+                                        <p:cTn id="34" dur="1" fill="hold">
+                                          <p:stCondLst>
+                                            <p:cond delay="0"/>
+                                          </p:stCondLst>
+                                        </p:cTn>
+                                        <p:tgtEl>
+                                          <p:spTgt spid="10"/>
+                                        </p:tgtEl>
+                                        <p:attrNameLst>
+                                          <p:attrName>style.visibility</p:attrName>
+                                        </p:attrNameLst>
+                                      </p:cBhvr>
+                                      <p:to>
+                                        <p:strVal val="visible"/>
+                                      </p:to>
+                                    </p:set>
+                                    <p:animEffect transition="in" filter="wipe(down)">
+                                      <p:cBhvr>
+                                        <p:cTn id="35" dur="1000"/>
+                                        <p:tgtEl>
+                                          <p:spTgt spid="10"/>
+                                        </p:tgtEl>
+                                      </p:cBhvr>
+                                    </p:animEffect>
+                                  </p:childTnLst>
+                                </p:cTn>
+                              </p:par>
+                            </p:childTnLst>
+                          </p:cTn>
+                        </p:par>
+                      </p:childTnLst>
+                    </p:cTn>
+                  </p:par>
+                </p:childTnLst>
+              </p:cTn>
+              <p:prevCondLst>
+                <p:cond evt="onPrev" delay="0">
+                  <p:tgtEl>
+                    <p:sldTgt/>
+                  </p:tgtEl>
+                </p:cond>
+              </p:prevCondLst>
+              <p:nextCondLst>
+                <p:cond evt="onNext" delay="0">
+                  <p:tgtEl>
+                    <p:sldTgt/>
+                  </p:tgtEl>
+                </p:cond>
+              </p:nextCondLst>
+            </p:seq>
+          </p:childTnLst>
+        </p:cTn>
+      </p:par>
+    </p:tnLst>
+    <p:bldLst>
+      <p:bldP spid="6" grpId="0" animBg="1"/>
+      <p:bldP spid="7" grpId="0" animBg="1"/>
+      <p:bldP spid="8" grpId="0" animBg="1"/>
+      <p:bldP spid="9" grpId="0" animBg="1"/>
+      <p:bldP spid="10" grpId="0" animBg="1"/>
+      <p:bldP spid="11" grpId="0" animBg="1"/>
+      <p:bldP spid="12" grpId="0"/>
+      <p:bldP spid="13" grpId="0"/>
+      <p:bldP spid="14" grpId="0"/>
+    </p:bldLst>
+  </p:timing>
 </p:sld>
 </file>
 
-<file path=ppt/slides/slide16.xml><?xml version="1.0" encoding="utf-8"?>
+<file path=ppt/slides/slide17.xml><?xml version="1.0" encoding="utf-8"?>
 <p:sld xmlns:a="http://schemas.openxmlformats.org/drawingml/2006/main" xmlns:r="http://schemas.openxmlformats.org/officeDocument/2006/relationships" xmlns:p="http://schemas.openxmlformats.org/presentationml/2006/main">
   <p:cSld>
     <p:spTree>
@@ -8081,7 +11470,7 @@
         </p:blipFill>
         <p:spPr bwMode="auto">
           <a:xfrm>
-            <a:off x="7317090" y="5177933"/>
+            <a:off x="7815090" y="5201923"/>
             <a:ext cx="1049174" cy="1049174"/>
           </a:xfrm>
           <a:prstGeom prst="rect">
@@ -8128,7 +11517,7 @@
         </p:blipFill>
         <p:spPr bwMode="auto">
           <a:xfrm>
-            <a:off x="6234826" y="5185800"/>
+            <a:off x="6785701" y="5201923"/>
             <a:ext cx="1049174" cy="1049174"/>
           </a:xfrm>
           <a:prstGeom prst="rect">
@@ -8175,7 +11564,7 @@
         </p:blipFill>
         <p:spPr bwMode="auto">
           <a:xfrm>
-            <a:off x="5156899" y="5185800"/>
+            <a:off x="5734359" y="5185800"/>
             <a:ext cx="1049174" cy="1049174"/>
           </a:xfrm>
           <a:prstGeom prst="rect">
@@ -8222,7 +11611,7 @@
         </p:blipFill>
         <p:spPr bwMode="auto">
           <a:xfrm>
-            <a:off x="4105557" y="5177933"/>
+            <a:off x="4661064" y="5185800"/>
             <a:ext cx="1049174" cy="1049174"/>
           </a:xfrm>
           <a:prstGeom prst="rect">
@@ -8269,7 +11658,7 @@
         </p:blipFill>
         <p:spPr bwMode="auto">
           <a:xfrm>
-            <a:off x="3055300" y="5185801"/>
+            <a:off x="3631676" y="5201924"/>
             <a:ext cx="1049173" cy="1049173"/>
           </a:xfrm>
           <a:prstGeom prst="rect">
@@ -8363,7 +11752,7 @@
                 <a:latin typeface="HG丸ｺﾞｼｯｸM-PRO" panose="020F0600000000000000" pitchFamily="50" charset="-128"/>
                 <a:ea typeface="HG丸ｺﾞｼｯｸM-PRO" panose="020F0600000000000000" pitchFamily="50" charset="-128"/>
               </a:rPr>
-              <a:t>このような機会を設けてくださり、自分たちの成長を大いに感じられる研修となりました。</a:t>
+              <a:t>このような機会を設けてくださったことで、自分たちの成長を大いに感じられる研修となりました。</a:t>
             </a:r>
             <a:endParaRPr kumimoji="1" lang="en-US" altLang="ja-JP" sz="2200" dirty="0">
               <a:latin typeface="HG丸ｺﾞｼｯｸM-PRO" panose="020F0600000000000000" pitchFamily="50" charset="-128"/>
@@ -8386,8 +11775,8 @@
           </a:p>
         </p:txBody>
       </p:sp>
-      <mc:AlternateContent xmlns:mc="http://schemas.openxmlformats.org/markup-compatibility/2006">
-        <mc:Choice xmlns:p14="http://schemas.microsoft.com/office/powerpoint/2010/main" Requires="p14">
+      <mc:AlternateContent xmlns:mc="http://schemas.openxmlformats.org/markup-compatibility/2006" xmlns:p14="http://schemas.microsoft.com/office/powerpoint/2010/main">
+        <mc:Choice Requires="p14">
           <p:contentPart p14:bwMode="auto" r:id="rId7">
             <p14:nvContentPartPr>
               <p14:cNvPr id="3" name="インク 2">
@@ -8406,7 +11795,7 @@
             </p14:xfrm>
           </p:contentPart>
         </mc:Choice>
-        <mc:Fallback>
+        <mc:Fallback xmlns="">
           <p:pic>
             <p:nvPicPr>
               <p:cNvPr id="3" name="インク 2">
@@ -8447,6 +11836,267 @@
   <p:clrMapOvr>
     <a:masterClrMapping/>
   </p:clrMapOvr>
+  <p:timing>
+    <p:tnLst>
+      <p:par>
+        <p:cTn id="1" dur="indefinite" restart="never" nodeType="tmRoot">
+          <p:childTnLst>
+            <p:seq concurrent="1" nextAc="seek">
+              <p:cTn id="2" dur="indefinite" nodeType="mainSeq">
+                <p:childTnLst>
+                  <p:par>
+                    <p:cTn id="3" fill="hold">
+                      <p:stCondLst>
+                        <p:cond delay="indefinite"/>
+                      </p:stCondLst>
+                      <p:childTnLst>
+                        <p:par>
+                          <p:cTn id="4" fill="hold">
+                            <p:stCondLst>
+                              <p:cond delay="0"/>
+                            </p:stCondLst>
+                            <p:childTnLst>
+                              <p:par>
+                                <p:cTn id="5" presetID="10" presetClass="entr" presetSubtype="0" fill="hold" grpId="0" nodeType="clickEffect">
+                                  <p:stCondLst>
+                                    <p:cond delay="0"/>
+                                  </p:stCondLst>
+                                  <p:childTnLst>
+                                    <p:set>
+                                      <p:cBhvr>
+                                        <p:cTn id="6" dur="1" fill="hold">
+                                          <p:stCondLst>
+                                            <p:cond delay="0"/>
+                                          </p:stCondLst>
+                                        </p:cTn>
+                                        <p:tgtEl>
+                                          <p:spTgt spid="4"/>
+                                        </p:tgtEl>
+                                        <p:attrNameLst>
+                                          <p:attrName>style.visibility</p:attrName>
+                                        </p:attrNameLst>
+                                      </p:cBhvr>
+                                      <p:to>
+                                        <p:strVal val="visible"/>
+                                      </p:to>
+                                    </p:set>
+                                    <p:animEffect transition="in" filter="fade">
+                                      <p:cBhvr>
+                                        <p:cTn id="7" dur="1000"/>
+                                        <p:tgtEl>
+                                          <p:spTgt spid="4"/>
+                                        </p:tgtEl>
+                                      </p:cBhvr>
+                                    </p:animEffect>
+                                  </p:childTnLst>
+                                </p:cTn>
+                              </p:par>
+                              <p:par>
+                                <p:cTn id="8" presetID="10" presetClass="entr" presetSubtype="0" fill="hold" nodeType="withEffect">
+                                  <p:stCondLst>
+                                    <p:cond delay="0"/>
+                                  </p:stCondLst>
+                                  <p:childTnLst>
+                                    <p:set>
+                                      <p:cBhvr>
+                                        <p:cTn id="9" dur="1" fill="hold">
+                                          <p:stCondLst>
+                                            <p:cond delay="0"/>
+                                          </p:stCondLst>
+                                        </p:cTn>
+                                        <p:tgtEl>
+                                          <p:spTgt spid="10"/>
+                                        </p:tgtEl>
+                                        <p:attrNameLst>
+                                          <p:attrName>style.visibility</p:attrName>
+                                        </p:attrNameLst>
+                                      </p:cBhvr>
+                                      <p:to>
+                                        <p:strVal val="visible"/>
+                                      </p:to>
+                                    </p:set>
+                                    <p:animEffect transition="in" filter="fade">
+                                      <p:cBhvr>
+                                        <p:cTn id="10" dur="1000"/>
+                                        <p:tgtEl>
+                                          <p:spTgt spid="10"/>
+                                        </p:tgtEl>
+                                      </p:cBhvr>
+                                    </p:animEffect>
+                                  </p:childTnLst>
+                                </p:cTn>
+                              </p:par>
+                              <p:par>
+                                <p:cTn id="11" presetID="10" presetClass="entr" presetSubtype="0" fill="hold" nodeType="withEffect">
+                                  <p:stCondLst>
+                                    <p:cond delay="0"/>
+                                  </p:stCondLst>
+                                  <p:childTnLst>
+                                    <p:set>
+                                      <p:cBhvr>
+                                        <p:cTn id="12" dur="1" fill="hold">
+                                          <p:stCondLst>
+                                            <p:cond delay="0"/>
+                                          </p:stCondLst>
+                                        </p:cTn>
+                                        <p:tgtEl>
+                                          <p:spTgt spid="9"/>
+                                        </p:tgtEl>
+                                        <p:attrNameLst>
+                                          <p:attrName>style.visibility</p:attrName>
+                                        </p:attrNameLst>
+                                      </p:cBhvr>
+                                      <p:to>
+                                        <p:strVal val="visible"/>
+                                      </p:to>
+                                    </p:set>
+                                    <p:animEffect transition="in" filter="fade">
+                                      <p:cBhvr>
+                                        <p:cTn id="13" dur="1000"/>
+                                        <p:tgtEl>
+                                          <p:spTgt spid="9"/>
+                                        </p:tgtEl>
+                                      </p:cBhvr>
+                                    </p:animEffect>
+                                  </p:childTnLst>
+                                </p:cTn>
+                              </p:par>
+                              <p:par>
+                                <p:cTn id="14" presetID="10" presetClass="entr" presetSubtype="0" fill="hold" nodeType="withEffect">
+                                  <p:stCondLst>
+                                    <p:cond delay="0"/>
+                                  </p:stCondLst>
+                                  <p:childTnLst>
+                                    <p:set>
+                                      <p:cBhvr>
+                                        <p:cTn id="15" dur="1" fill="hold">
+                                          <p:stCondLst>
+                                            <p:cond delay="0"/>
+                                          </p:stCondLst>
+                                        </p:cTn>
+                                        <p:tgtEl>
+                                          <p:spTgt spid="8"/>
+                                        </p:tgtEl>
+                                        <p:attrNameLst>
+                                          <p:attrName>style.visibility</p:attrName>
+                                        </p:attrNameLst>
+                                      </p:cBhvr>
+                                      <p:to>
+                                        <p:strVal val="visible"/>
+                                      </p:to>
+                                    </p:set>
+                                    <p:animEffect transition="in" filter="fade">
+                                      <p:cBhvr>
+                                        <p:cTn id="16" dur="1000"/>
+                                        <p:tgtEl>
+                                          <p:spTgt spid="8"/>
+                                        </p:tgtEl>
+                                      </p:cBhvr>
+                                    </p:animEffect>
+                                  </p:childTnLst>
+                                </p:cTn>
+                              </p:par>
+                              <p:par>
+                                <p:cTn id="17" presetID="10" presetClass="entr" presetSubtype="0" fill="hold" nodeType="withEffect">
+                                  <p:stCondLst>
+                                    <p:cond delay="0"/>
+                                  </p:stCondLst>
+                                  <p:childTnLst>
+                                    <p:set>
+                                      <p:cBhvr>
+                                        <p:cTn id="18" dur="1" fill="hold">
+                                          <p:stCondLst>
+                                            <p:cond delay="0"/>
+                                          </p:stCondLst>
+                                        </p:cTn>
+                                        <p:tgtEl>
+                                          <p:spTgt spid="7"/>
+                                        </p:tgtEl>
+                                        <p:attrNameLst>
+                                          <p:attrName>style.visibility</p:attrName>
+                                        </p:attrNameLst>
+                                      </p:cBhvr>
+                                      <p:to>
+                                        <p:strVal val="visible"/>
+                                      </p:to>
+                                    </p:set>
+                                    <p:animEffect transition="in" filter="fade">
+                                      <p:cBhvr>
+                                        <p:cTn id="19" dur="1000"/>
+                                        <p:tgtEl>
+                                          <p:spTgt spid="7"/>
+                                        </p:tgtEl>
+                                      </p:cBhvr>
+                                    </p:animEffect>
+                                  </p:childTnLst>
+                                </p:cTn>
+                              </p:par>
+                              <p:par>
+                                <p:cTn id="20" presetID="10" presetClass="entr" presetSubtype="0" fill="hold" nodeType="withEffect">
+                                  <p:stCondLst>
+                                    <p:cond delay="0"/>
+                                  </p:stCondLst>
+                                  <p:childTnLst>
+                                    <p:set>
+                                      <p:cBhvr>
+                                        <p:cTn id="21" dur="1" fill="hold">
+                                          <p:stCondLst>
+                                            <p:cond delay="0"/>
+                                          </p:stCondLst>
+                                        </p:cTn>
+                                        <p:tgtEl>
+                                          <p:spTgt spid="6"/>
+                                        </p:tgtEl>
+                                        <p:attrNameLst>
+                                          <p:attrName>style.visibility</p:attrName>
+                                        </p:attrNameLst>
+                                      </p:cBhvr>
+                                      <p:to>
+                                        <p:strVal val="visible"/>
+                                      </p:to>
+                                    </p:set>
+                                    <p:animEffect transition="in" filter="fade">
+                                      <p:cBhvr>
+                                        <p:cTn id="22" dur="1000"/>
+                                        <p:tgtEl>
+                                          <p:spTgt spid="6"/>
+                                        </p:tgtEl>
+                                      </p:cBhvr>
+                                    </p:animEffect>
+                                  </p:childTnLst>
+                                </p:cTn>
+                              </p:par>
+                            </p:childTnLst>
+                          </p:cTn>
+                        </p:par>
+                      </p:childTnLst>
+                    </p:cTn>
+                  </p:par>
+                </p:childTnLst>
+              </p:cTn>
+              <p:prevCondLst>
+                <p:cond evt="onPrev" delay="0">
+                  <p:tgtEl>
+                    <p:sldTgt/>
+                  </p:tgtEl>
+                </p:cond>
+              </p:prevCondLst>
+              <p:nextCondLst>
+                <p:cond evt="onNext" delay="0">
+                  <p:tgtEl>
+                    <p:sldTgt/>
+                  </p:tgtEl>
+                </p:cond>
+              </p:nextCondLst>
+            </p:seq>
+          </p:childTnLst>
+        </p:cTn>
+      </p:par>
+    </p:tnLst>
+    <p:bldLst>
+      <p:bldP spid="4" grpId="0" animBg="1"/>
+    </p:bldLst>
+  </p:timing>
 </p:sld>
 </file>
 
@@ -8500,10 +12150,130 @@
       </p:sp>
       <p:sp>
         <p:nvSpPr>
-          <p:cNvPr id="3" name="コンテンツ プレースホルダー 2">
-            <a:extLst>
-              <a:ext uri="{FF2B5EF4-FFF2-40B4-BE49-F238E27FC236}">
-                <a16:creationId xmlns:a16="http://schemas.microsoft.com/office/drawing/2014/main" id="{5B36D3D2-21C0-4321-95C5-D29735FD0108}"/>
+          <p:cNvPr id="4" name="フレーム 3">
+            <a:extLst>
+              <a:ext uri="{FF2B5EF4-FFF2-40B4-BE49-F238E27FC236}">
+                <a16:creationId xmlns:a16="http://schemas.microsoft.com/office/drawing/2014/main" id="{7EC587C2-A8A9-4D4F-9C4F-102593EAE97C}"/>
+              </a:ext>
+            </a:extLst>
+          </p:cNvPr>
+          <p:cNvSpPr/>
+          <p:nvPr/>
+        </p:nvSpPr>
+        <p:spPr>
+          <a:xfrm>
+            <a:off x="0" y="1"/>
+            <a:ext cx="12192000" cy="6858000"/>
+          </a:xfrm>
+          <a:prstGeom prst="frame">
+            <a:avLst>
+              <a:gd name="adj1" fmla="val 4395"/>
+            </a:avLst>
+          </a:prstGeom>
+          <a:solidFill>
+            <a:schemeClr val="accent4">
+              <a:lumMod val="60000"/>
+              <a:lumOff val="40000"/>
+            </a:schemeClr>
+          </a:solidFill>
+          <a:ln>
+            <a:noFill/>
+          </a:ln>
+          <a:effectLst>
+            <a:glow rad="63500">
+              <a:schemeClr val="accent4">
+                <a:satMod val="175000"/>
+                <a:alpha val="40000"/>
+              </a:schemeClr>
+            </a:glow>
+          </a:effectLst>
+        </p:spPr>
+        <p:style>
+          <a:lnRef idx="2">
+            <a:schemeClr val="accent1">
+              <a:shade val="50000"/>
+            </a:schemeClr>
+          </a:lnRef>
+          <a:fillRef idx="1">
+            <a:schemeClr val="accent1"/>
+          </a:fillRef>
+          <a:effectRef idx="0">
+            <a:schemeClr val="accent1"/>
+          </a:effectRef>
+          <a:fontRef idx="minor">
+            <a:schemeClr val="lt1"/>
+          </a:fontRef>
+        </p:style>
+        <p:txBody>
+          <a:bodyPr rtlCol="0" anchor="ctr"/>
+          <a:lstStyle/>
+          <a:p>
+            <a:pPr algn="ctr"/>
+            <a:endParaRPr kumimoji="1" lang="ja-JP" altLang="en-US">
+              <a:solidFill>
+                <a:schemeClr val="tx1"/>
+              </a:solidFill>
+            </a:endParaRPr>
+          </a:p>
+        </p:txBody>
+      </p:sp>
+      <mc:AlternateContent xmlns:mc="http://schemas.openxmlformats.org/markup-compatibility/2006" xmlns:p14="http://schemas.microsoft.com/office/powerpoint/2010/main">
+        <mc:Choice Requires="p14">
+          <p:contentPart p14:bwMode="auto" r:id="rId2">
+            <p14:nvContentPartPr>
+              <p14:cNvPr id="35" name="インク 34">
+                <a:extLst>
+                  <a:ext uri="{FF2B5EF4-FFF2-40B4-BE49-F238E27FC236}">
+                    <a16:creationId xmlns:a16="http://schemas.microsoft.com/office/drawing/2014/main" id="{92A31E80-C547-4A95-82C7-D48A0393D2EC}"/>
+                  </a:ext>
+                </a:extLst>
+              </p14:cNvPr>
+              <p14:cNvContentPartPr/>
+              <p14:nvPr/>
+            </p14:nvContentPartPr>
+            <p14:xfrm>
+              <a:off x="809355" y="1084710"/>
+              <a:ext cx="2435040" cy="37800"/>
+            </p14:xfrm>
+          </p:contentPart>
+        </mc:Choice>
+        <mc:Fallback xmlns="">
+          <p:pic>
+            <p:nvPicPr>
+              <p:cNvPr id="35" name="インク 34">
+                <a:extLst>
+                  <a:ext uri="{FF2B5EF4-FFF2-40B4-BE49-F238E27FC236}">
+                    <a16:creationId xmlns:a16="http://schemas.microsoft.com/office/drawing/2014/main" id="{92A31E80-C547-4A95-82C7-D48A0393D2EC}"/>
+                  </a:ext>
+                </a:extLst>
+              </p:cNvPr>
+              <p:cNvPicPr/>
+              <p:nvPr/>
+            </p:nvPicPr>
+            <p:blipFill>
+              <a:blip r:embed="rId3"/>
+              <a:stretch>
+                <a:fillRect/>
+              </a:stretch>
+            </p:blipFill>
+            <p:spPr>
+              <a:xfrm>
+                <a:off x="719715" y="904710"/>
+                <a:ext cx="2614680" cy="397440"/>
+              </a:xfrm>
+              <a:prstGeom prst="rect">
+                <a:avLst/>
+              </a:prstGeom>
+            </p:spPr>
+          </p:pic>
+        </mc:Fallback>
+      </mc:AlternateContent>
+      <p:sp>
+        <p:nvSpPr>
+          <p:cNvPr id="11" name="コンテンツ プレースホルダー 10">
+            <a:extLst>
+              <a:ext uri="{FF2B5EF4-FFF2-40B4-BE49-F238E27FC236}">
+                <a16:creationId xmlns:a16="http://schemas.microsoft.com/office/drawing/2014/main" id="{BCE97FED-ABA3-4F88-806D-2F87757E62A2}"/>
               </a:ext>
             </a:extLst>
           </p:cNvPr>
@@ -8516,6 +12286,184 @@
         </p:nvSpPr>
         <p:spPr>
           <a:xfrm>
+            <a:off x="-159027" y="2838485"/>
+            <a:ext cx="11847443" cy="5032374"/>
+          </a:xfrm>
+        </p:spPr>
+        <p:txBody>
+          <a:bodyPr/>
+          <a:lstStyle/>
+          <a:p>
+            <a:pPr marL="0" indent="0" algn="ctr">
+              <a:buNone/>
+            </a:pPr>
+            <a:r>
+              <a:rPr lang="ja-JP" altLang="en-US" sz="4800" b="1" dirty="0"/>
+              <a:t>新人研修で使うシステムにおいて</a:t>
+            </a:r>
+            <a:endParaRPr lang="en-US" altLang="ja-JP" sz="4800" b="1" dirty="0"/>
+          </a:p>
+          <a:p>
+            <a:pPr marL="0" indent="0" algn="ctr">
+              <a:buNone/>
+            </a:pPr>
+            <a:r>
+              <a:rPr lang="en-US" altLang="ja-JP" sz="4800" b="1" dirty="0"/>
+              <a:t>	</a:t>
+            </a:r>
+            <a:r>
+              <a:rPr lang="ja-JP" altLang="en-US" sz="6000" b="1" dirty="0">
+                <a:effectLst>
+                  <a:outerShdw blurRad="38100" dist="38100" dir="2700000" algn="tl">
+                    <a:srgbClr val="000000">
+                      <a:alpha val="43137"/>
+                    </a:srgbClr>
+                  </a:outerShdw>
+                </a:effectLst>
+              </a:rPr>
+              <a:t>大切なこと</a:t>
+            </a:r>
+            <a:r>
+              <a:rPr lang="ja-JP" altLang="en-US" sz="6000" b="1" dirty="0"/>
+              <a:t>は？？</a:t>
+            </a:r>
+            <a:endParaRPr lang="en-US" altLang="ja-JP" sz="6000" b="1" dirty="0"/>
+          </a:p>
+          <a:p>
+            <a:endParaRPr lang="ja-JP" altLang="en-US" dirty="0"/>
+          </a:p>
+        </p:txBody>
+      </p:sp>
+      <mc:AlternateContent xmlns:mc="http://schemas.openxmlformats.org/markup-compatibility/2006" xmlns:p14="http://schemas.microsoft.com/office/powerpoint/2010/main">
+        <mc:Choice Requires="p14">
+          <p:contentPart p14:bwMode="auto" r:id="rId4">
+            <p14:nvContentPartPr>
+              <p14:cNvPr id="13" name="インク 12">
+                <a:extLst>
+                  <a:ext uri="{FF2B5EF4-FFF2-40B4-BE49-F238E27FC236}">
+                    <a16:creationId xmlns:a16="http://schemas.microsoft.com/office/drawing/2014/main" id="{AEAEC8CD-A645-4164-AD33-F30388160761}"/>
+                  </a:ext>
+                </a:extLst>
+              </p14:cNvPr>
+              <p14:cNvContentPartPr/>
+              <p14:nvPr/>
+            </p14:nvContentPartPr>
+            <p14:xfrm flipV="1">
+              <a:off x="3244395" y="4267199"/>
+              <a:ext cx="3659988" cy="70919"/>
+            </p14:xfrm>
+          </p:contentPart>
+        </mc:Choice>
+        <mc:Fallback xmlns="">
+          <p:pic>
+            <p:nvPicPr>
+              <p:cNvPr id="13" name="インク 12">
+                <a:extLst>
+                  <a:ext uri="{FF2B5EF4-FFF2-40B4-BE49-F238E27FC236}">
+                    <a16:creationId xmlns:a16="http://schemas.microsoft.com/office/drawing/2014/main" id="{AEAEC8CD-A645-4164-AD33-F30388160761}"/>
+                  </a:ext>
+                </a:extLst>
+              </p:cNvPr>
+              <p:cNvPicPr/>
+              <p:nvPr/>
+            </p:nvPicPr>
+            <p:blipFill>
+              <a:blip r:embed="rId5"/>
+              <a:stretch>
+                <a:fillRect/>
+              </a:stretch>
+            </p:blipFill>
+            <p:spPr>
+              <a:xfrm flipV="1">
+                <a:off x="3154389" y="4086283"/>
+                <a:ext cx="3839639" cy="432389"/>
+              </a:xfrm>
+              <a:prstGeom prst="rect">
+                <a:avLst/>
+              </a:prstGeom>
+            </p:spPr>
+          </p:pic>
+        </mc:Fallback>
+      </mc:AlternateContent>
+    </p:spTree>
+    <p:extLst>
+      <p:ext uri="{BB962C8B-B14F-4D97-AF65-F5344CB8AC3E}">
+        <p14:creationId xmlns:p14="http://schemas.microsoft.com/office/powerpoint/2010/main" val="1801639095"/>
+      </p:ext>
+    </p:extLst>
+  </p:cSld>
+  <p:clrMapOvr>
+    <a:masterClrMapping/>
+  </p:clrMapOvr>
+</p:sld>
+</file>
+
+<file path=ppt/slides/slide3.xml><?xml version="1.0" encoding="utf-8"?>
+<p:sld xmlns:a="http://schemas.openxmlformats.org/drawingml/2006/main" xmlns:r="http://schemas.openxmlformats.org/officeDocument/2006/relationships" xmlns:p="http://schemas.openxmlformats.org/presentationml/2006/main">
+  <p:cSld>
+    <p:spTree>
+      <p:nvGrpSpPr>
+        <p:cNvPr id="1" name=""/>
+        <p:cNvGrpSpPr/>
+        <p:nvPr/>
+      </p:nvGrpSpPr>
+      <p:grpSpPr>
+        <a:xfrm>
+          <a:off x="0" y="0"/>
+          <a:ext cx="0" cy="0"/>
+          <a:chOff x="0" y="0"/>
+          <a:chExt cx="0" cy="0"/>
+        </a:xfrm>
+      </p:grpSpPr>
+      <p:sp>
+        <p:nvSpPr>
+          <p:cNvPr id="2" name="タイトル 1">
+            <a:extLst>
+              <a:ext uri="{FF2B5EF4-FFF2-40B4-BE49-F238E27FC236}">
+                <a16:creationId xmlns:a16="http://schemas.microsoft.com/office/drawing/2014/main" id="{77FEEB24-FF44-4A73-AC3C-894CEDC7F02E}"/>
+              </a:ext>
+            </a:extLst>
+          </p:cNvPr>
+          <p:cNvSpPr>
+            <a:spLocks noGrp="1"/>
+          </p:cNvSpPr>
+          <p:nvPr>
+            <p:ph type="title"/>
+          </p:nvPr>
+        </p:nvSpPr>
+        <p:spPr/>
+        <p:txBody>
+          <a:bodyPr/>
+          <a:lstStyle/>
+          <a:p>
+            <a:r>
+              <a:rPr kumimoji="1" lang="ja-JP" altLang="en-US" dirty="0">
+                <a:latin typeface="HG丸ｺﾞｼｯｸM-PRO" panose="020F0600000000000000" pitchFamily="50" charset="-128"/>
+                <a:ea typeface="HG丸ｺﾞｼｯｸM-PRO" panose="020F0600000000000000" pitchFamily="50" charset="-128"/>
+              </a:rPr>
+              <a:t>発表概要</a:t>
+            </a:r>
+          </a:p>
+        </p:txBody>
+      </p:sp>
+      <p:sp>
+        <p:nvSpPr>
+          <p:cNvPr id="3" name="コンテンツ プレースホルダー 2">
+            <a:extLst>
+              <a:ext uri="{FF2B5EF4-FFF2-40B4-BE49-F238E27FC236}">
+                <a16:creationId xmlns:a16="http://schemas.microsoft.com/office/drawing/2014/main" id="{5B36D3D2-21C0-4321-95C5-D29735FD0108}"/>
+              </a:ext>
+            </a:extLst>
+          </p:cNvPr>
+          <p:cNvSpPr>
+            <a:spLocks noGrp="1"/>
+          </p:cNvSpPr>
+          <p:nvPr>
+            <p:ph idx="1"/>
+          </p:nvPr>
+        </p:nvSpPr>
+        <p:spPr>
+          <a:xfrm>
             <a:off x="1394014" y="2685533"/>
             <a:ext cx="4065492" cy="4359275"/>
           </a:xfrm>
@@ -8540,16 +12488,16 @@
           <a:p>
             <a:r>
               <a:rPr lang="ja-JP" altLang="en-US" dirty="0"/>
+              <a:t>期待できること</a:t>
+            </a:r>
+            <a:endParaRPr lang="en-US" altLang="ja-JP" dirty="0"/>
+          </a:p>
+          <a:p>
+            <a:r>
+              <a:rPr lang="ja-JP" altLang="en-US" dirty="0"/>
               <a:t>デモンストレーション</a:t>
             </a:r>
             <a:endParaRPr lang="en-US" altLang="ja-JP" dirty="0"/>
-          </a:p>
-          <a:p>
-            <a:r>
-              <a:rPr kumimoji="1" lang="ja-JP" altLang="en-US" dirty="0"/>
-              <a:t>期待できること</a:t>
-            </a:r>
-            <a:endParaRPr kumimoji="1" lang="en-US" altLang="ja-JP" dirty="0"/>
           </a:p>
           <a:p>
             <a:r>
@@ -9098,7 +13046,7 @@
     </p:spTree>
     <p:extLst>
       <p:ext uri="{BB962C8B-B14F-4D97-AF65-F5344CB8AC3E}">
-        <p14:creationId xmlns:p14="http://schemas.microsoft.com/office/powerpoint/2010/main" val="2470499056"/>
+        <p14:creationId xmlns:p14="http://schemas.microsoft.com/office/powerpoint/2010/main" val="1124640537"/>
       </p:ext>
     </p:extLst>
   </p:cSld>
@@ -9108,7 +13056,7 @@
 </p:sld>
 </file>
 
-<file path=ppt/slides/slide3.xml><?xml version="1.0" encoding="utf-8"?>
+<file path=ppt/slides/slide4.xml><?xml version="1.0" encoding="utf-8"?>
 <p:sld xmlns:a="http://schemas.openxmlformats.org/drawingml/2006/main" xmlns:r="http://schemas.openxmlformats.org/officeDocument/2006/relationships" xmlns:p="http://schemas.openxmlformats.org/presentationml/2006/main">
   <p:cSld>
     <p:spTree>
@@ -9837,7 +13785,7 @@
 </p:sld>
 </file>
 
-<file path=ppt/slides/slide4.xml><?xml version="1.0" encoding="utf-8"?>
+<file path=ppt/slides/slide5.xml><?xml version="1.0" encoding="utf-8"?>
 <p:sld xmlns:a="http://schemas.openxmlformats.org/drawingml/2006/main" xmlns:r="http://schemas.openxmlformats.org/officeDocument/2006/relationships" xmlns:p="http://schemas.openxmlformats.org/presentationml/2006/main">
   <p:cSld>
     <p:spTree>
@@ -10281,7 +14229,7 @@
 </p:sld>
 </file>
 
-<file path=ppt/slides/slide5.xml><?xml version="1.0" encoding="utf-8"?>
+<file path=ppt/slides/slide6.xml><?xml version="1.0" encoding="utf-8"?>
 <p:sld xmlns:a="http://schemas.openxmlformats.org/drawingml/2006/main" xmlns:r="http://schemas.openxmlformats.org/officeDocument/2006/relationships" xmlns:p="http://schemas.openxmlformats.org/presentationml/2006/main">
   <p:cSld>
     <p:spTree>
@@ -10314,261 +14262,20 @@
             <p:ph type="title"/>
           </p:nvPr>
         </p:nvSpPr>
-        <p:spPr>
-          <a:xfrm>
-            <a:off x="838200" y="182562"/>
-            <a:ext cx="10515600" cy="1325563"/>
-          </a:xfrm>
-        </p:spPr>
+        <p:spPr/>
         <p:txBody>
           <a:bodyPr>
             <a:normAutofit/>
           </a:bodyPr>
           <a:lstStyle/>
           <a:p>
-            <a:r>
-              <a:rPr lang="ja-JP" altLang="en-US" sz="4000" dirty="0">
-                <a:latin typeface="HG丸ｺﾞｼｯｸM-PRO" panose="020F0600000000000000" pitchFamily="50" charset="-128"/>
-                <a:ea typeface="HG丸ｺﾞｼｯｸM-PRO" panose="020F0600000000000000" pitchFamily="50" charset="-128"/>
-              </a:rPr>
-              <a:t>セールス</a:t>
-            </a:r>
             <a:r>
               <a:rPr kumimoji="1" lang="ja-JP" altLang="en-US" sz="4000" dirty="0">
                 <a:latin typeface="HG丸ｺﾞｼｯｸM-PRO" panose="020F0600000000000000" pitchFamily="50" charset="-128"/>
                 <a:ea typeface="HG丸ｺﾞｼｯｸM-PRO" panose="020F0600000000000000" pitchFamily="50" charset="-128"/>
               </a:rPr>
-              <a:t>ポイント</a:t>
-            </a:r>
-          </a:p>
-        </p:txBody>
-      </p:sp>
-      <p:sp>
-        <p:nvSpPr>
-          <p:cNvPr id="3" name="コンテンツ プレースホルダー 2">
-            <a:extLst>
-              <a:ext uri="{FF2B5EF4-FFF2-40B4-BE49-F238E27FC236}">
-                <a16:creationId xmlns:a16="http://schemas.microsoft.com/office/drawing/2014/main" id="{C3F67336-AEF3-4088-9E02-583B7C424338}"/>
-              </a:ext>
-            </a:extLst>
-          </p:cNvPr>
-          <p:cNvSpPr>
-            <a:spLocks noGrp="1"/>
-          </p:cNvSpPr>
-          <p:nvPr>
-            <p:ph idx="1"/>
-          </p:nvPr>
-        </p:nvSpPr>
-        <p:spPr>
-          <a:xfrm>
-            <a:off x="342899" y="1508125"/>
-            <a:ext cx="11649075" cy="4987925"/>
-          </a:xfrm>
-        </p:spPr>
-        <p:txBody>
-          <a:bodyPr>
-            <a:normAutofit/>
-          </a:bodyPr>
-          <a:lstStyle/>
-          <a:p>
-            <a:pPr marL="0" indent="0">
-              <a:buNone/>
-            </a:pPr>
-            <a:r>
-              <a:rPr kumimoji="1" lang="ja-JP" altLang="en-US" sz="3000" dirty="0">
-                <a:solidFill>
-                  <a:srgbClr val="FF0000"/>
-                </a:solidFill>
-                <a:latin typeface="HG丸ｺﾞｼｯｸM-PRO" panose="020F0600000000000000" pitchFamily="50" charset="-128"/>
-                <a:ea typeface="HG丸ｺﾞｼｯｸM-PRO" panose="020F0600000000000000" pitchFamily="50" charset="-128"/>
-              </a:rPr>
-              <a:t>匿名性</a:t>
-            </a:r>
-            <a:r>
-              <a:rPr lang="en-US" altLang="ja-JP" dirty="0">
-                <a:latin typeface="HG丸ｺﾞｼｯｸM-PRO" panose="020F0600000000000000" pitchFamily="50" charset="-128"/>
-                <a:ea typeface="HG丸ｺﾞｼｯｸM-PRO" panose="020F0600000000000000" pitchFamily="50" charset="-128"/>
-              </a:rPr>
-              <a:t>		</a:t>
-            </a:r>
-          </a:p>
-          <a:p>
-            <a:pPr marL="0" indent="0">
-              <a:buNone/>
-            </a:pPr>
-            <a:r>
-              <a:rPr lang="en-US" altLang="ja-JP" sz="2600" dirty="0">
-                <a:latin typeface="HG丸ｺﾞｼｯｸM-PRO" panose="020F0600000000000000" pitchFamily="50" charset="-128"/>
-                <a:ea typeface="HG丸ｺﾞｼｯｸM-PRO" panose="020F0600000000000000" pitchFamily="50" charset="-128"/>
-              </a:rPr>
-              <a:t>		</a:t>
-            </a:r>
-            <a:r>
-              <a:rPr lang="ja-JP" altLang="en-US" sz="2400" dirty="0">
-                <a:latin typeface="HG丸ｺﾞｼｯｸM-PRO" panose="020F0600000000000000" pitchFamily="50" charset="-128"/>
-                <a:ea typeface="HG丸ｺﾞｼｯｸM-PRO" panose="020F0600000000000000" pitchFamily="50" charset="-128"/>
-              </a:rPr>
-              <a:t>今まで全体スレッドで質問を躊躇っていた生徒も気軽に質問がで</a:t>
-            </a:r>
-            <a:r>
-              <a:rPr lang="en-US" altLang="ja-JP" sz="2400" dirty="0">
-                <a:latin typeface="HG丸ｺﾞｼｯｸM-PRO" panose="020F0600000000000000" pitchFamily="50" charset="-128"/>
-                <a:ea typeface="HG丸ｺﾞｼｯｸM-PRO" panose="020F0600000000000000" pitchFamily="50" charset="-128"/>
-              </a:rPr>
-              <a:t>			</a:t>
-            </a:r>
-            <a:r>
-              <a:rPr lang="ja-JP" altLang="en-US" sz="2400" dirty="0">
-                <a:latin typeface="HG丸ｺﾞｼｯｸM-PRO" panose="020F0600000000000000" pitchFamily="50" charset="-128"/>
-                <a:ea typeface="HG丸ｺﾞｼｯｸM-PRO" panose="020F0600000000000000" pitchFamily="50" charset="-128"/>
-              </a:rPr>
-              <a:t>きるように。</a:t>
-            </a:r>
-            <a:endParaRPr lang="en-US" altLang="ja-JP" sz="2400" dirty="0">
-              <a:latin typeface="HG丸ｺﾞｼｯｸM-PRO" panose="020F0600000000000000" pitchFamily="50" charset="-128"/>
-              <a:ea typeface="HG丸ｺﾞｼｯｸM-PRO" panose="020F0600000000000000" pitchFamily="50" charset="-128"/>
-            </a:endParaRPr>
-          </a:p>
-          <a:p>
-            <a:pPr marL="0" indent="0">
-              <a:buNone/>
-            </a:pPr>
-            <a:endParaRPr lang="en-US" altLang="ja-JP" sz="2600" dirty="0">
-              <a:latin typeface="HG丸ｺﾞｼｯｸM-PRO" panose="020F0600000000000000" pitchFamily="50" charset="-128"/>
-              <a:ea typeface="HG丸ｺﾞｼｯｸM-PRO" panose="020F0600000000000000" pitchFamily="50" charset="-128"/>
-            </a:endParaRPr>
-          </a:p>
-          <a:p>
-            <a:pPr marL="0" indent="0">
-              <a:buNone/>
-            </a:pPr>
-            <a:r>
-              <a:rPr kumimoji="1" lang="en-US" altLang="ja-JP" sz="3000" dirty="0">
-                <a:solidFill>
-                  <a:srgbClr val="FF0000"/>
-                </a:solidFill>
-                <a:latin typeface="HG丸ｺﾞｼｯｸM-PRO" panose="020F0600000000000000" pitchFamily="50" charset="-128"/>
-                <a:ea typeface="HG丸ｺﾞｼｯｸM-PRO" panose="020F0600000000000000" pitchFamily="50" charset="-128"/>
-              </a:rPr>
-              <a:t>1</a:t>
-            </a:r>
-            <a:r>
-              <a:rPr kumimoji="1" lang="ja-JP" altLang="en-US" sz="3000" dirty="0">
-                <a:solidFill>
-                  <a:srgbClr val="FF0000"/>
-                </a:solidFill>
-                <a:latin typeface="HG丸ｺﾞｼｯｸM-PRO" panose="020F0600000000000000" pitchFamily="50" charset="-128"/>
-                <a:ea typeface="HG丸ｺﾞｼｯｸM-PRO" panose="020F0600000000000000" pitchFamily="50" charset="-128"/>
-              </a:rPr>
-              <a:t>つの質問で複数のやり取り</a:t>
-            </a:r>
-            <a:endParaRPr kumimoji="1" lang="en-US" altLang="ja-JP" sz="3000" dirty="0">
-              <a:solidFill>
-                <a:srgbClr val="FF0000"/>
-              </a:solidFill>
-              <a:latin typeface="HG丸ｺﾞｼｯｸM-PRO" panose="020F0600000000000000" pitchFamily="50" charset="-128"/>
-              <a:ea typeface="HG丸ｺﾞｼｯｸM-PRO" panose="020F0600000000000000" pitchFamily="50" charset="-128"/>
-            </a:endParaRPr>
-          </a:p>
-          <a:p>
-            <a:pPr marL="0" indent="0">
-              <a:buNone/>
-            </a:pPr>
-            <a:r>
-              <a:rPr lang="en-US" altLang="ja-JP" dirty="0">
-                <a:latin typeface="HG丸ｺﾞｼｯｸM-PRO" panose="020F0600000000000000" pitchFamily="50" charset="-128"/>
-                <a:ea typeface="HG丸ｺﾞｼｯｸM-PRO" panose="020F0600000000000000" pitchFamily="50" charset="-128"/>
-              </a:rPr>
-              <a:t>		</a:t>
-            </a:r>
-            <a:r>
-              <a:rPr lang="ja-JP" altLang="en-US" sz="2400" dirty="0">
-                <a:latin typeface="HG丸ｺﾞｼｯｸM-PRO" panose="020F0600000000000000" pitchFamily="50" charset="-128"/>
-                <a:ea typeface="HG丸ｺﾞｼｯｸM-PRO" panose="020F0600000000000000" pitchFamily="50" charset="-128"/>
-              </a:rPr>
-              <a:t>生徒は自分が納得する回答を貰えるまでやり取りが可能になる。</a:t>
-            </a:r>
-            <a:endParaRPr lang="en-US" altLang="ja-JP" sz="2400" dirty="0">
-              <a:latin typeface="HG丸ｺﾞｼｯｸM-PRO" panose="020F0600000000000000" pitchFamily="50" charset="-128"/>
-              <a:ea typeface="HG丸ｺﾞｼｯｸM-PRO" panose="020F0600000000000000" pitchFamily="50" charset="-128"/>
-            </a:endParaRPr>
-          </a:p>
-          <a:p>
-            <a:pPr marL="0" indent="0">
-              <a:buNone/>
-            </a:pPr>
-            <a:endParaRPr kumimoji="1" lang="en-US" altLang="ja-JP" dirty="0">
-              <a:latin typeface="HG丸ｺﾞｼｯｸM-PRO" panose="020F0600000000000000" pitchFamily="50" charset="-128"/>
-              <a:ea typeface="HG丸ｺﾞｼｯｸM-PRO" panose="020F0600000000000000" pitchFamily="50" charset="-128"/>
-            </a:endParaRPr>
-          </a:p>
-          <a:p>
-            <a:pPr marL="0" indent="0">
-              <a:buNone/>
-            </a:pPr>
-            <a:r>
-              <a:rPr lang="ja-JP" altLang="en-US" sz="3000" dirty="0">
-                <a:solidFill>
-                  <a:srgbClr val="FF0000"/>
-                </a:solidFill>
-                <a:latin typeface="HG丸ｺﾞｼｯｸM-PRO" panose="020F0600000000000000" pitchFamily="50" charset="-128"/>
-                <a:ea typeface="HG丸ｺﾞｼｯｸM-PRO" panose="020F0600000000000000" pitchFamily="50" charset="-128"/>
-              </a:rPr>
-              <a:t>過去の質問を閲覧することができる</a:t>
-            </a:r>
-            <a:endParaRPr lang="en-US" altLang="ja-JP" sz="3000" dirty="0">
-              <a:solidFill>
-                <a:srgbClr val="FF0000"/>
-              </a:solidFill>
-              <a:latin typeface="HG丸ｺﾞｼｯｸM-PRO" panose="020F0600000000000000" pitchFamily="50" charset="-128"/>
-              <a:ea typeface="HG丸ｺﾞｼｯｸM-PRO" panose="020F0600000000000000" pitchFamily="50" charset="-128"/>
-            </a:endParaRPr>
-          </a:p>
-          <a:p>
-            <a:pPr marL="0" indent="0">
-              <a:buNone/>
-            </a:pPr>
-            <a:r>
-              <a:rPr kumimoji="1" lang="en-US" altLang="ja-JP" dirty="0">
-                <a:latin typeface="HG丸ｺﾞｼｯｸM-PRO" panose="020F0600000000000000" pitchFamily="50" charset="-128"/>
-                <a:ea typeface="HG丸ｺﾞｼｯｸM-PRO" panose="020F0600000000000000" pitchFamily="50" charset="-128"/>
-              </a:rPr>
-              <a:t>		</a:t>
-            </a:r>
-            <a:r>
-              <a:rPr kumimoji="1" lang="ja-JP" altLang="en-US" sz="2400" dirty="0">
-                <a:latin typeface="HG丸ｺﾞｼｯｸM-PRO" panose="020F0600000000000000" pitchFamily="50" charset="-128"/>
-                <a:ea typeface="HG丸ｺﾞｼｯｸM-PRO" panose="020F0600000000000000" pitchFamily="50" charset="-128"/>
-              </a:rPr>
-              <a:t>講師・・何度も同じ質問を対応しなければならない事態を避けられる。</a:t>
-            </a:r>
-            <a:endParaRPr kumimoji="1" lang="en-US" altLang="ja-JP" sz="2400" dirty="0">
-              <a:latin typeface="HG丸ｺﾞｼｯｸM-PRO" panose="020F0600000000000000" pitchFamily="50" charset="-128"/>
-              <a:ea typeface="HG丸ｺﾞｼｯｸM-PRO" panose="020F0600000000000000" pitchFamily="50" charset="-128"/>
-            </a:endParaRPr>
-          </a:p>
-          <a:p>
-            <a:pPr marL="0" indent="0">
-              <a:buNone/>
-            </a:pPr>
-            <a:r>
-              <a:rPr lang="en-US" altLang="ja-JP" sz="2400" dirty="0">
-                <a:latin typeface="HG丸ｺﾞｼｯｸM-PRO" panose="020F0600000000000000" pitchFamily="50" charset="-128"/>
-                <a:ea typeface="HG丸ｺﾞｼｯｸM-PRO" panose="020F0600000000000000" pitchFamily="50" charset="-128"/>
-              </a:rPr>
-              <a:t>		</a:t>
-            </a:r>
-            <a:r>
-              <a:rPr lang="ja-JP" altLang="en-US" sz="2400" dirty="0">
-                <a:latin typeface="HG丸ｺﾞｼｯｸM-PRO" panose="020F0600000000000000" pitchFamily="50" charset="-128"/>
-                <a:ea typeface="HG丸ｺﾞｼｯｸM-PRO" panose="020F0600000000000000" pitchFamily="50" charset="-128"/>
-              </a:rPr>
-              <a:t>生徒・・質問しなくても自分で解決することが可能。</a:t>
-            </a:r>
-            <a:endParaRPr kumimoji="1" lang="en-US" altLang="ja-JP" sz="2400" dirty="0">
-              <a:latin typeface="HG丸ｺﾞｼｯｸM-PRO" panose="020F0600000000000000" pitchFamily="50" charset="-128"/>
-              <a:ea typeface="HG丸ｺﾞｼｯｸM-PRO" panose="020F0600000000000000" pitchFamily="50" charset="-128"/>
-            </a:endParaRPr>
+              <a:t>期待できること</a:t>
+            </a:r>
           </a:p>
         </p:txBody>
       </p:sp>
@@ -10643,10 +14350,10 @@
       </p:sp>
       <p:sp>
         <p:nvSpPr>
-          <p:cNvPr id="6" name="矢印: ストライプ 5">
-            <a:extLst>
-              <a:ext uri="{FF2B5EF4-FFF2-40B4-BE49-F238E27FC236}">
-                <a16:creationId xmlns:a16="http://schemas.microsoft.com/office/drawing/2014/main" id="{C451DCBB-15ED-4BE0-8355-DD271859D4BA}"/>
+          <p:cNvPr id="6" name="楕円 5">
+            <a:extLst>
+              <a:ext uri="{FF2B5EF4-FFF2-40B4-BE49-F238E27FC236}">
+                <a16:creationId xmlns:a16="http://schemas.microsoft.com/office/drawing/2014/main" id="{B295419D-2F83-48D5-AB44-5635CA0386C7}"/>
               </a:ext>
             </a:extLst>
           </p:cNvPr>
@@ -10655,36 +14362,25 @@
         </p:nvSpPr>
         <p:spPr>
           <a:xfrm>
-            <a:off x="938213" y="2152651"/>
-            <a:ext cx="962025" cy="590550"/>
+            <a:off x="2378142" y="1690688"/>
+            <a:ext cx="7348953" cy="2553771"/>
           </a:xfrm>
-          <a:prstGeom prst="stripedRightArrow">
-            <a:avLst>
-              <a:gd name="adj1" fmla="val 56452"/>
-              <a:gd name="adj2" fmla="val 46774"/>
-            </a:avLst>
+          <a:prstGeom prst="ellipse">
+            <a:avLst/>
           </a:prstGeom>
-          <a:solidFill>
-            <a:schemeClr val="accent6">
-              <a:alpha val="50000"/>
-            </a:schemeClr>
-          </a:solidFill>
-          <a:ln>
-            <a:noFill/>
-          </a:ln>
         </p:spPr>
         <p:style>
-          <a:lnRef idx="0">
-            <a:scrgbClr r="0" g="0" b="0"/>
+          <a:lnRef idx="2">
+            <a:schemeClr val="accent6"/>
           </a:lnRef>
-          <a:fillRef idx="0">
-            <a:scrgbClr r="0" g="0" b="0"/>
+          <a:fillRef idx="1">
+            <a:schemeClr val="lt1"/>
           </a:fillRef>
           <a:effectRef idx="0">
-            <a:scrgbClr r="0" g="0" b="0"/>
+            <a:schemeClr val="accent6"/>
           </a:effectRef>
           <a:fontRef idx="minor">
-            <a:schemeClr val="lt1"/>
+            <a:schemeClr val="dk1"/>
           </a:fontRef>
         </p:style>
         <p:txBody>
@@ -10692,16 +14388,16 @@
           <a:lstStyle/>
           <a:p>
             <a:pPr algn="ctr"/>
-            <a:endParaRPr kumimoji="1" lang="ja-JP" altLang="en-US"/>
-          </a:p>
-        </p:txBody>
-      </p:sp>
-      <p:sp>
-        <p:nvSpPr>
-          <p:cNvPr id="10" name="矢印: ストライプ 9">
-            <a:extLst>
-              <a:ext uri="{FF2B5EF4-FFF2-40B4-BE49-F238E27FC236}">
-                <a16:creationId xmlns:a16="http://schemas.microsoft.com/office/drawing/2014/main" id="{B5A54D42-3A0B-48EA-AB08-1B59BD5B7B1A}"/>
+            <a:endParaRPr kumimoji="1" lang="ja-JP" altLang="en-US" dirty="0"/>
+          </a:p>
+        </p:txBody>
+      </p:sp>
+      <p:sp>
+        <p:nvSpPr>
+          <p:cNvPr id="7" name="楕円 6">
+            <a:extLst>
+              <a:ext uri="{FF2B5EF4-FFF2-40B4-BE49-F238E27FC236}">
+                <a16:creationId xmlns:a16="http://schemas.microsoft.com/office/drawing/2014/main" id="{9B86F6A6-9709-4258-9631-739FF8E20D43}"/>
               </a:ext>
             </a:extLst>
           </p:cNvPr>
@@ -10710,36 +14406,25 @@
         </p:nvSpPr>
         <p:spPr>
           <a:xfrm>
-            <a:off x="938213" y="3956050"/>
-            <a:ext cx="962025" cy="590550"/>
+            <a:off x="571500" y="4257674"/>
+            <a:ext cx="5143500" cy="2085975"/>
           </a:xfrm>
-          <a:prstGeom prst="stripedRightArrow">
-            <a:avLst>
-              <a:gd name="adj1" fmla="val 56452"/>
-              <a:gd name="adj2" fmla="val 46774"/>
-            </a:avLst>
+          <a:prstGeom prst="ellipse">
+            <a:avLst/>
           </a:prstGeom>
-          <a:solidFill>
-            <a:schemeClr val="accent6">
-              <a:alpha val="50000"/>
-            </a:schemeClr>
-          </a:solidFill>
-          <a:ln>
-            <a:noFill/>
-          </a:ln>
         </p:spPr>
         <p:style>
-          <a:lnRef idx="0">
-            <a:scrgbClr r="0" g="0" b="0"/>
+          <a:lnRef idx="2">
+            <a:schemeClr val="accent6"/>
           </a:lnRef>
-          <a:fillRef idx="0">
-            <a:scrgbClr r="0" g="0" b="0"/>
+          <a:fillRef idx="1">
+            <a:schemeClr val="lt1"/>
           </a:fillRef>
           <a:effectRef idx="0">
-            <a:scrgbClr r="0" g="0" b="0"/>
+            <a:schemeClr val="accent6"/>
           </a:effectRef>
           <a:fontRef idx="minor">
-            <a:schemeClr val="lt1"/>
+            <a:schemeClr val="dk1"/>
           </a:fontRef>
         </p:style>
         <p:txBody>
@@ -10747,16 +14432,19 @@
           <a:lstStyle/>
           <a:p>
             <a:pPr algn="ctr"/>
-            <a:endParaRPr kumimoji="1" lang="ja-JP" altLang="en-US"/>
-          </a:p>
-        </p:txBody>
-      </p:sp>
-      <p:sp>
-        <p:nvSpPr>
-          <p:cNvPr id="11" name="矢印: ストライプ 10">
-            <a:extLst>
-              <a:ext uri="{FF2B5EF4-FFF2-40B4-BE49-F238E27FC236}">
-                <a16:creationId xmlns:a16="http://schemas.microsoft.com/office/drawing/2014/main" id="{B65FCAA1-150B-4088-83EC-B143540F2DF7}"/>
+            <a:endParaRPr kumimoji="1" lang="ja-JP" altLang="en-US" dirty="0">
+              <a:latin typeface="HG丸ｺﾞｼｯｸM-PRO" panose="020F0600000000000000" pitchFamily="50" charset="-128"/>
+              <a:ea typeface="HG丸ｺﾞｼｯｸM-PRO" panose="020F0600000000000000" pitchFamily="50" charset="-128"/>
+            </a:endParaRPr>
+          </a:p>
+        </p:txBody>
+      </p:sp>
+      <p:sp>
+        <p:nvSpPr>
+          <p:cNvPr id="8" name="楕円 7">
+            <a:extLst>
+              <a:ext uri="{FF2B5EF4-FFF2-40B4-BE49-F238E27FC236}">
+                <a16:creationId xmlns:a16="http://schemas.microsoft.com/office/drawing/2014/main" id="{882236E2-A3A4-450D-8BBD-39774AF9EF9A}"/>
               </a:ext>
             </a:extLst>
           </p:cNvPr>
@@ -10765,36 +14453,25 @@
         </p:nvSpPr>
         <p:spPr>
           <a:xfrm>
-            <a:off x="938212" y="5576888"/>
-            <a:ext cx="962025" cy="590550"/>
+            <a:off x="6477002" y="4257674"/>
+            <a:ext cx="5143500" cy="2085975"/>
           </a:xfrm>
-          <a:prstGeom prst="stripedRightArrow">
-            <a:avLst>
-              <a:gd name="adj1" fmla="val 56452"/>
-              <a:gd name="adj2" fmla="val 46774"/>
-            </a:avLst>
+          <a:prstGeom prst="ellipse">
+            <a:avLst/>
           </a:prstGeom>
-          <a:solidFill>
-            <a:schemeClr val="accent6">
-              <a:alpha val="50000"/>
-            </a:schemeClr>
-          </a:solidFill>
-          <a:ln>
-            <a:noFill/>
-          </a:ln>
         </p:spPr>
         <p:style>
-          <a:lnRef idx="0">
-            <a:scrgbClr r="0" g="0" b="0"/>
+          <a:lnRef idx="2">
+            <a:schemeClr val="accent6"/>
           </a:lnRef>
-          <a:fillRef idx="0">
-            <a:scrgbClr r="0" g="0" b="0"/>
+          <a:fillRef idx="1">
+            <a:schemeClr val="lt1"/>
           </a:fillRef>
           <a:effectRef idx="0">
-            <a:scrgbClr r="0" g="0" b="0"/>
+            <a:schemeClr val="accent6"/>
           </a:effectRef>
           <a:fontRef idx="minor">
-            <a:schemeClr val="lt1"/>
+            <a:schemeClr val="dk1"/>
           </a:fontRef>
         </p:style>
         <p:txBody>
@@ -10806,14 +14483,558 @@
           </a:p>
         </p:txBody>
       </p:sp>
-      <mc:AlternateContent xmlns:mc="http://schemas.openxmlformats.org/markup-compatibility/2006">
-        <mc:Choice xmlns:p14="http://schemas.microsoft.com/office/powerpoint/2010/main" Requires="p14">
-          <p:contentPart p14:bwMode="auto" r:id="rId2">
+      <p:pic>
+        <p:nvPicPr>
+          <p:cNvPr id="1026" name="Picture 2">
+            <a:extLst>
+              <a:ext uri="{FF2B5EF4-FFF2-40B4-BE49-F238E27FC236}">
+                <a16:creationId xmlns:a16="http://schemas.microsoft.com/office/drawing/2014/main" id="{10458797-603B-4142-A4E3-375B97F6C4FB}"/>
+              </a:ext>
+            </a:extLst>
+          </p:cNvPr>
+          <p:cNvPicPr>
+            <a:picLocks noChangeAspect="1" noChangeArrowheads="1"/>
+          </p:cNvPicPr>
+          <p:nvPr/>
+        </p:nvPicPr>
+        <p:blipFill>
+          <a:blip r:embed="rId2">
+            <a:extLst>
+              <a:ext uri="{28A0092B-C50C-407E-A947-70E740481C1C}">
+                <a14:useLocalDpi xmlns:a14="http://schemas.microsoft.com/office/drawing/2010/main" val="0"/>
+              </a:ext>
+            </a:extLst>
+          </a:blip>
+          <a:srcRect/>
+          <a:stretch>
+            <a:fillRect/>
+          </a:stretch>
+        </p:blipFill>
+        <p:spPr bwMode="auto">
+          <a:xfrm>
+            <a:off x="9625013" y="3571875"/>
+            <a:ext cx="1226569" cy="1228725"/>
+          </a:xfrm>
+          <a:prstGeom prst="rect">
+            <a:avLst/>
+          </a:prstGeom>
+          <a:noFill/>
+          <a:extLst>
+            <a:ext uri="{909E8E84-426E-40DD-AFC4-6F175D3DCCD1}">
+              <a14:hiddenFill xmlns:a14="http://schemas.microsoft.com/office/drawing/2010/main">
+                <a:solidFill>
+                  <a:srgbClr val="FFFFFF"/>
+                </a:solidFill>
+              </a14:hiddenFill>
+            </a:ext>
+          </a:extLst>
+        </p:spPr>
+      </p:pic>
+      <p:pic>
+        <p:nvPicPr>
+          <p:cNvPr id="1028" name="Picture 4" descr="男性の顔アイコン 12">
+            <a:extLst>
+              <a:ext uri="{FF2B5EF4-FFF2-40B4-BE49-F238E27FC236}">
+                <a16:creationId xmlns:a16="http://schemas.microsoft.com/office/drawing/2014/main" id="{6F54F77A-EB20-4556-8423-0B7A9D41FF5D}"/>
+              </a:ext>
+            </a:extLst>
+          </p:cNvPr>
+          <p:cNvPicPr>
+            <a:picLocks noChangeAspect="1" noChangeArrowheads="1"/>
+          </p:cNvPicPr>
+          <p:nvPr/>
+        </p:nvPicPr>
+        <p:blipFill>
+          <a:blip r:embed="rId3">
+            <a:extLst>
+              <a:ext uri="{28A0092B-C50C-407E-A947-70E740481C1C}">
+                <a14:useLocalDpi xmlns:a14="http://schemas.microsoft.com/office/drawing/2010/main" val="0"/>
+              </a:ext>
+            </a:extLst>
+          </a:blip>
+          <a:srcRect/>
+          <a:stretch>
+            <a:fillRect/>
+          </a:stretch>
+        </p:blipFill>
+        <p:spPr bwMode="auto">
+          <a:xfrm>
+            <a:off x="657225" y="3643311"/>
+            <a:ext cx="1228725" cy="1228725"/>
+          </a:xfrm>
+          <a:prstGeom prst="rect">
+            <a:avLst/>
+          </a:prstGeom>
+          <a:noFill/>
+          <a:extLst>
+            <a:ext uri="{909E8E84-426E-40DD-AFC4-6F175D3DCCD1}">
+              <a14:hiddenFill xmlns:a14="http://schemas.microsoft.com/office/drawing/2010/main">
+                <a:solidFill>
+                  <a:srgbClr val="FFFFFF"/>
+                </a:solidFill>
+              </a14:hiddenFill>
+            </a:ext>
+          </a:extLst>
+        </p:spPr>
+      </p:pic>
+      <p:pic>
+        <p:nvPicPr>
+          <p:cNvPr id="1030" name="Picture 6" descr="スーツを着た女性のイラスト（笑顔）">
+            <a:extLst>
+              <a:ext uri="{FF2B5EF4-FFF2-40B4-BE49-F238E27FC236}">
+                <a16:creationId xmlns:a16="http://schemas.microsoft.com/office/drawing/2014/main" id="{C86B97C1-340E-4366-A0B2-6F9280E0960D}"/>
+              </a:ext>
+            </a:extLst>
+          </p:cNvPr>
+          <p:cNvPicPr>
+            <a:picLocks noChangeAspect="1" noChangeArrowheads="1"/>
+          </p:cNvPicPr>
+          <p:nvPr/>
+        </p:nvPicPr>
+        <p:blipFill>
+          <a:blip r:embed="rId4">
+            <a:extLst>
+              <a:ext uri="{28A0092B-C50C-407E-A947-70E740481C1C}">
+                <a14:useLocalDpi xmlns:a14="http://schemas.microsoft.com/office/drawing/2010/main" val="0"/>
+              </a:ext>
+            </a:extLst>
+          </a:blip>
+          <a:srcRect/>
+          <a:stretch>
+            <a:fillRect/>
+          </a:stretch>
+        </p:blipFill>
+        <p:spPr bwMode="auto">
+          <a:xfrm>
+            <a:off x="4977527" y="833439"/>
+            <a:ext cx="1085136" cy="1476375"/>
+          </a:xfrm>
+          <a:prstGeom prst="rect">
+            <a:avLst/>
+          </a:prstGeom>
+          <a:noFill/>
+          <a:extLst>
+            <a:ext uri="{909E8E84-426E-40DD-AFC4-6F175D3DCCD1}">
+              <a14:hiddenFill xmlns:a14="http://schemas.microsoft.com/office/drawing/2010/main">
+                <a:solidFill>
+                  <a:srgbClr val="FFFFFF"/>
+                </a:solidFill>
+              </a14:hiddenFill>
+            </a:ext>
+          </a:extLst>
+        </p:spPr>
+      </p:pic>
+      <p:pic>
+        <p:nvPicPr>
+          <p:cNvPr id="1032" name="Picture 8" descr="スーツを着た男性のイラスト（笑顔）">
+            <a:extLst>
+              <a:ext uri="{FF2B5EF4-FFF2-40B4-BE49-F238E27FC236}">
+                <a16:creationId xmlns:a16="http://schemas.microsoft.com/office/drawing/2014/main" id="{0E40DF48-D900-44C6-A981-F882B369BB38}"/>
+              </a:ext>
+            </a:extLst>
+          </p:cNvPr>
+          <p:cNvPicPr>
+            <a:picLocks noChangeAspect="1" noChangeArrowheads="1"/>
+          </p:cNvPicPr>
+          <p:nvPr/>
+        </p:nvPicPr>
+        <p:blipFill>
+          <a:blip r:embed="rId5">
+            <a:extLst>
+              <a:ext uri="{28A0092B-C50C-407E-A947-70E740481C1C}">
+                <a14:useLocalDpi xmlns:a14="http://schemas.microsoft.com/office/drawing/2010/main" val="0"/>
+              </a:ext>
+            </a:extLst>
+          </a:blip>
+          <a:srcRect/>
+          <a:stretch>
+            <a:fillRect/>
+          </a:stretch>
+        </p:blipFill>
+        <p:spPr bwMode="auto">
+          <a:xfrm>
+            <a:off x="6019799" y="833438"/>
+            <a:ext cx="1085136" cy="1476376"/>
+          </a:xfrm>
+          <a:prstGeom prst="rect">
+            <a:avLst/>
+          </a:prstGeom>
+          <a:noFill/>
+          <a:extLst>
+            <a:ext uri="{909E8E84-426E-40DD-AFC4-6F175D3DCCD1}">
+              <a14:hiddenFill xmlns:a14="http://schemas.microsoft.com/office/drawing/2010/main">
+                <a:solidFill>
+                  <a:srgbClr val="FFFFFF"/>
+                </a:solidFill>
+              </a14:hiddenFill>
+            </a:ext>
+          </a:extLst>
+        </p:spPr>
+      </p:pic>
+      <p:sp>
+        <p:nvSpPr>
+          <p:cNvPr id="9" name="テキスト ボックス 8">
+            <a:extLst>
+              <a:ext uri="{FF2B5EF4-FFF2-40B4-BE49-F238E27FC236}">
+                <a16:creationId xmlns:a16="http://schemas.microsoft.com/office/drawing/2014/main" id="{0BA1F182-8C3E-49A1-8654-B26910DBBBE9}"/>
+              </a:ext>
+            </a:extLst>
+          </p:cNvPr>
+          <p:cNvSpPr txBox="1"/>
+          <p:nvPr/>
+        </p:nvSpPr>
+        <p:spPr>
+          <a:xfrm>
+            <a:off x="5584209" y="458273"/>
+            <a:ext cx="871180" cy="369332"/>
+          </a:xfrm>
+          <a:prstGeom prst="rect">
+            <a:avLst/>
+          </a:prstGeom>
+          <a:noFill/>
+        </p:spPr>
+        <p:txBody>
+          <a:bodyPr wrap="square" rtlCol="0">
+            <a:spAutoFit/>
+          </a:bodyPr>
+          <a:lstStyle/>
+          <a:p>
+            <a:r>
+              <a:rPr lang="ja-JP" altLang="en-US" dirty="0">
+                <a:latin typeface="HG丸ｺﾞｼｯｸM-PRO" panose="020F0600000000000000" pitchFamily="50" charset="-128"/>
+                <a:ea typeface="HG丸ｺﾞｼｯｸM-PRO" panose="020F0600000000000000" pitchFamily="50" charset="-128"/>
+              </a:rPr>
+              <a:t>受講生</a:t>
+            </a:r>
+            <a:endParaRPr kumimoji="1" lang="ja-JP" altLang="en-US" dirty="0">
+              <a:latin typeface="HG丸ｺﾞｼｯｸM-PRO" panose="020F0600000000000000" pitchFamily="50" charset="-128"/>
+              <a:ea typeface="HG丸ｺﾞｼｯｸM-PRO" panose="020F0600000000000000" pitchFamily="50" charset="-128"/>
+            </a:endParaRPr>
+          </a:p>
+        </p:txBody>
+      </p:sp>
+      <p:sp>
+        <p:nvSpPr>
+          <p:cNvPr id="14" name="テキスト ボックス 13">
+            <a:extLst>
+              <a:ext uri="{FF2B5EF4-FFF2-40B4-BE49-F238E27FC236}">
+                <a16:creationId xmlns:a16="http://schemas.microsoft.com/office/drawing/2014/main" id="{4DE2495B-9BED-4209-A858-6332C02F2208}"/>
+              </a:ext>
+            </a:extLst>
+          </p:cNvPr>
+          <p:cNvSpPr txBox="1"/>
+          <p:nvPr/>
+        </p:nvSpPr>
+        <p:spPr>
+          <a:xfrm>
+            <a:off x="923924" y="3178730"/>
+            <a:ext cx="695325" cy="369332"/>
+          </a:xfrm>
+          <a:prstGeom prst="rect">
+            <a:avLst/>
+          </a:prstGeom>
+          <a:noFill/>
+        </p:spPr>
+        <p:txBody>
+          <a:bodyPr wrap="square" rtlCol="0">
+            <a:spAutoFit/>
+          </a:bodyPr>
+          <a:lstStyle/>
+          <a:p>
+            <a:r>
+              <a:rPr kumimoji="1" lang="ja-JP" altLang="en-US" dirty="0">
+                <a:latin typeface="HG丸ｺﾞｼｯｸM-PRO" panose="020F0600000000000000" pitchFamily="50" charset="-128"/>
+                <a:ea typeface="HG丸ｺﾞｼｯｸM-PRO" panose="020F0600000000000000" pitchFamily="50" charset="-128"/>
+              </a:rPr>
+              <a:t>講師</a:t>
+            </a:r>
+          </a:p>
+        </p:txBody>
+      </p:sp>
+      <p:sp>
+        <p:nvSpPr>
+          <p:cNvPr id="15" name="テキスト ボックス 14">
+            <a:extLst>
+              <a:ext uri="{FF2B5EF4-FFF2-40B4-BE49-F238E27FC236}">
+                <a16:creationId xmlns:a16="http://schemas.microsoft.com/office/drawing/2014/main" id="{B79A0BC2-585A-4EF1-B202-07472C1E90F1}"/>
+              </a:ext>
+            </a:extLst>
+          </p:cNvPr>
+          <p:cNvSpPr txBox="1"/>
+          <p:nvPr/>
+        </p:nvSpPr>
+        <p:spPr>
+          <a:xfrm>
+            <a:off x="9829801" y="3178730"/>
+            <a:ext cx="1021782" cy="369332"/>
+          </a:xfrm>
+          <a:prstGeom prst="rect">
+            <a:avLst/>
+          </a:prstGeom>
+          <a:noFill/>
+        </p:spPr>
+        <p:txBody>
+          <a:bodyPr wrap="square" rtlCol="0">
+            <a:spAutoFit/>
+          </a:bodyPr>
+          <a:lstStyle/>
+          <a:p>
+            <a:r>
+              <a:rPr kumimoji="1" lang="ja-JP" altLang="en-US" dirty="0">
+                <a:latin typeface="HG丸ｺﾞｼｯｸM-PRO" panose="020F0600000000000000" pitchFamily="50" charset="-128"/>
+                <a:ea typeface="HG丸ｺﾞｼｯｸM-PRO" panose="020F0600000000000000" pitchFamily="50" charset="-128"/>
+              </a:rPr>
+              <a:t>事務局</a:t>
+            </a:r>
+          </a:p>
+        </p:txBody>
+      </p:sp>
+      <p:sp>
+        <p:nvSpPr>
+          <p:cNvPr id="11" name="テキスト ボックス 10">
+            <a:extLst>
+              <a:ext uri="{FF2B5EF4-FFF2-40B4-BE49-F238E27FC236}">
+                <a16:creationId xmlns:a16="http://schemas.microsoft.com/office/drawing/2014/main" id="{2077C2A2-0F43-4062-B534-C0F1971B431C}"/>
+              </a:ext>
+            </a:extLst>
+          </p:cNvPr>
+          <p:cNvSpPr txBox="1"/>
+          <p:nvPr/>
+        </p:nvSpPr>
+        <p:spPr>
+          <a:xfrm>
+            <a:off x="2885868" y="2330045"/>
+            <a:ext cx="6841227" cy="1200329"/>
+          </a:xfrm>
+          <a:prstGeom prst="rect">
+            <a:avLst/>
+          </a:prstGeom>
+          <a:noFill/>
+        </p:spPr>
+        <p:txBody>
+          <a:bodyPr wrap="square" rtlCol="0">
+            <a:spAutoFit/>
+          </a:bodyPr>
+          <a:lstStyle/>
+          <a:p>
+            <a:r>
+              <a:rPr kumimoji="1" lang="ja-JP" altLang="en-US" dirty="0">
+                <a:latin typeface="HG丸ｺﾞｼｯｸM-PRO" panose="020F0600000000000000" pitchFamily="50" charset="-128"/>
+                <a:ea typeface="HG丸ｺﾞｼｯｸM-PRO" panose="020F0600000000000000" pitchFamily="50" charset="-128"/>
+              </a:rPr>
+              <a:t>・</a:t>
+            </a:r>
+            <a:r>
+              <a:rPr kumimoji="1" lang="ja-JP" altLang="en-US" sz="2400" dirty="0">
+                <a:solidFill>
+                  <a:srgbClr val="C00000"/>
+                </a:solidFill>
+                <a:latin typeface="HG丸ｺﾞｼｯｸM-PRO" panose="020F0600000000000000" pitchFamily="50" charset="-128"/>
+                <a:ea typeface="HG丸ｺﾞｼｯｸM-PRO" panose="020F0600000000000000" pitchFamily="50" charset="-128"/>
+              </a:rPr>
+              <a:t>①匿名性</a:t>
+            </a:r>
+            <a:r>
+              <a:rPr kumimoji="1" lang="ja-JP" altLang="en-US" dirty="0">
+                <a:latin typeface="HG丸ｺﾞｼｯｸM-PRO" panose="020F0600000000000000" pitchFamily="50" charset="-128"/>
+                <a:ea typeface="HG丸ｺﾞｼｯｸM-PRO" panose="020F0600000000000000" pitchFamily="50" charset="-128"/>
+              </a:rPr>
+              <a:t>であるため、気兼ねなく質問をすることができる</a:t>
+            </a:r>
+          </a:p>
+          <a:p>
+            <a:r>
+              <a:rPr lang="ja-JP" altLang="en-US" dirty="0">
+                <a:latin typeface="HG丸ｺﾞｼｯｸM-PRO" panose="020F0600000000000000" pitchFamily="50" charset="-128"/>
+                <a:ea typeface="HG丸ｺﾞｼｯｸM-PRO" panose="020F0600000000000000" pitchFamily="50" charset="-128"/>
+              </a:rPr>
+              <a:t>・</a:t>
+            </a:r>
+            <a:r>
+              <a:rPr lang="ja-JP" altLang="en-US" sz="2400" dirty="0">
+                <a:solidFill>
+                  <a:srgbClr val="C00000"/>
+                </a:solidFill>
+                <a:latin typeface="HG丸ｺﾞｼｯｸM-PRO" panose="020F0600000000000000" pitchFamily="50" charset="-128"/>
+                <a:ea typeface="HG丸ｺﾞｼｯｸM-PRO" panose="020F0600000000000000" pitchFamily="50" charset="-128"/>
+              </a:rPr>
+              <a:t>②複数回のやり取り</a:t>
+            </a:r>
+            <a:r>
+              <a:rPr lang="ja-JP" altLang="en-US" dirty="0">
+                <a:latin typeface="HG丸ｺﾞｼｯｸM-PRO" panose="020F0600000000000000" pitchFamily="50" charset="-128"/>
+                <a:ea typeface="HG丸ｺﾞｼｯｸM-PRO" panose="020F0600000000000000" pitchFamily="50" charset="-128"/>
+              </a:rPr>
+              <a:t>で納得いくまで質問ができる</a:t>
+            </a:r>
+            <a:endParaRPr kumimoji="1" lang="en-US" altLang="ja-JP" dirty="0">
+              <a:latin typeface="HG丸ｺﾞｼｯｸM-PRO" panose="020F0600000000000000" pitchFamily="50" charset="-128"/>
+              <a:ea typeface="HG丸ｺﾞｼｯｸM-PRO" panose="020F0600000000000000" pitchFamily="50" charset="-128"/>
+            </a:endParaRPr>
+          </a:p>
+          <a:p>
+            <a:r>
+              <a:rPr lang="ja-JP" altLang="en-US" dirty="0">
+                <a:latin typeface="HG丸ｺﾞｼｯｸM-PRO" panose="020F0600000000000000" pitchFamily="50" charset="-128"/>
+                <a:ea typeface="HG丸ｺﾞｼｯｸM-PRO" panose="020F0600000000000000" pitchFamily="50" charset="-128"/>
+              </a:rPr>
+              <a:t>・</a:t>
+            </a:r>
+            <a:r>
+              <a:rPr lang="ja-JP" altLang="en-US" sz="2400" dirty="0">
+                <a:solidFill>
+                  <a:srgbClr val="C00000"/>
+                </a:solidFill>
+                <a:latin typeface="HG丸ｺﾞｼｯｸM-PRO" panose="020F0600000000000000" pitchFamily="50" charset="-128"/>
+                <a:ea typeface="HG丸ｺﾞｼｯｸM-PRO" panose="020F0600000000000000" pitchFamily="50" charset="-128"/>
+              </a:rPr>
+              <a:t>③過去の質問を見て</a:t>
+            </a:r>
+            <a:r>
+              <a:rPr lang="ja-JP" altLang="en-US" dirty="0">
+                <a:latin typeface="HG丸ｺﾞｼｯｸM-PRO" panose="020F0600000000000000" pitchFamily="50" charset="-128"/>
+                <a:ea typeface="HG丸ｺﾞｼｯｸM-PRO" panose="020F0600000000000000" pitchFamily="50" charset="-128"/>
+              </a:rPr>
+              <a:t>知識を得ることができる</a:t>
+            </a:r>
+            <a:endParaRPr kumimoji="1" lang="ja-JP" altLang="en-US" dirty="0">
+              <a:latin typeface="HG丸ｺﾞｼｯｸM-PRO" panose="020F0600000000000000" pitchFamily="50" charset="-128"/>
+              <a:ea typeface="HG丸ｺﾞｼｯｸM-PRO" panose="020F0600000000000000" pitchFamily="50" charset="-128"/>
+            </a:endParaRPr>
+          </a:p>
+        </p:txBody>
+      </p:sp>
+      <p:sp>
+        <p:nvSpPr>
+          <p:cNvPr id="12" name="テキスト ボックス 11">
+            <a:extLst>
+              <a:ext uri="{FF2B5EF4-FFF2-40B4-BE49-F238E27FC236}">
+                <a16:creationId xmlns:a16="http://schemas.microsoft.com/office/drawing/2014/main" id="{29C1BB0F-7A98-410C-A7FC-B3070DB78AF2}"/>
+              </a:ext>
+            </a:extLst>
+          </p:cNvPr>
+          <p:cNvSpPr txBox="1"/>
+          <p:nvPr/>
+        </p:nvSpPr>
+        <p:spPr>
+          <a:xfrm>
+            <a:off x="923924" y="4947223"/>
+            <a:ext cx="4746009" cy="738664"/>
+          </a:xfrm>
+          <a:prstGeom prst="rect">
+            <a:avLst/>
+          </a:prstGeom>
+          <a:noFill/>
+        </p:spPr>
+        <p:txBody>
+          <a:bodyPr wrap="square" rtlCol="0">
+            <a:spAutoFit/>
+          </a:bodyPr>
+          <a:lstStyle/>
+          <a:p>
+            <a:r>
+              <a:rPr kumimoji="1" lang="ja-JP" altLang="en-US" dirty="0">
+                <a:latin typeface="HG丸ｺﾞｼｯｸM-PRO" panose="020F0600000000000000" pitchFamily="50" charset="-128"/>
+                <a:ea typeface="HG丸ｺﾞｼｯｸM-PRO" panose="020F0600000000000000" pitchFamily="50" charset="-128"/>
+              </a:rPr>
+              <a:t>・同じ質問に何度も対応することを防ぐ</a:t>
+            </a:r>
+          </a:p>
+          <a:p>
+            <a:r>
+              <a:rPr kumimoji="1" lang="ja-JP" altLang="en-US" dirty="0">
+                <a:latin typeface="HG丸ｺﾞｼｯｸM-PRO" panose="020F0600000000000000" pitchFamily="50" charset="-128"/>
+                <a:ea typeface="HG丸ｺﾞｼｯｸM-PRO" panose="020F0600000000000000" pitchFamily="50" charset="-128"/>
+              </a:rPr>
+              <a:t>・</a:t>
+            </a:r>
+            <a:r>
+              <a:rPr kumimoji="1" lang="ja-JP" altLang="en-US" sz="2400" dirty="0">
+                <a:solidFill>
+                  <a:srgbClr val="C00000"/>
+                </a:solidFill>
+                <a:latin typeface="HG丸ｺﾞｼｯｸM-PRO" panose="020F0600000000000000" pitchFamily="50" charset="-128"/>
+                <a:ea typeface="HG丸ｺﾞｼｯｸM-PRO" panose="020F0600000000000000" pitchFamily="50" charset="-128"/>
+              </a:rPr>
+              <a:t>質問の管理</a:t>
+            </a:r>
+            <a:r>
+              <a:rPr kumimoji="1" lang="ja-JP" altLang="en-US" dirty="0">
+                <a:latin typeface="HG丸ｺﾞｼｯｸM-PRO" panose="020F0600000000000000" pitchFamily="50" charset="-128"/>
+                <a:ea typeface="HG丸ｺﾞｼｯｸM-PRO" panose="020F0600000000000000" pitchFamily="50" charset="-128"/>
+              </a:rPr>
+              <a:t>がしやすい</a:t>
+            </a:r>
+          </a:p>
+        </p:txBody>
+      </p:sp>
+      <p:sp>
+        <p:nvSpPr>
+          <p:cNvPr id="19" name="テキスト ボックス 18">
+            <a:extLst>
+              <a:ext uri="{FF2B5EF4-FFF2-40B4-BE49-F238E27FC236}">
+                <a16:creationId xmlns:a16="http://schemas.microsoft.com/office/drawing/2014/main" id="{C95BC6C4-3965-4AAD-AA9C-903956651D13}"/>
+              </a:ext>
+            </a:extLst>
+          </p:cNvPr>
+          <p:cNvSpPr txBox="1"/>
+          <p:nvPr/>
+        </p:nvSpPr>
+        <p:spPr>
+          <a:xfrm>
+            <a:off x="6868627" y="4947223"/>
+            <a:ext cx="4746009" cy="461665"/>
+          </a:xfrm>
+          <a:prstGeom prst="rect">
+            <a:avLst/>
+          </a:prstGeom>
+          <a:noFill/>
+        </p:spPr>
+        <p:txBody>
+          <a:bodyPr wrap="square" rtlCol="0">
+            <a:spAutoFit/>
+          </a:bodyPr>
+          <a:lstStyle/>
+          <a:p>
+            <a:r>
+              <a:rPr kumimoji="1" lang="ja-JP" altLang="en-US" dirty="0">
+                <a:latin typeface="HG丸ｺﾞｼｯｸM-PRO" panose="020F0600000000000000" pitchFamily="50" charset="-128"/>
+                <a:ea typeface="HG丸ｺﾞｼｯｸM-PRO" panose="020F0600000000000000" pitchFamily="50" charset="-128"/>
+              </a:rPr>
+              <a:t>・</a:t>
+            </a:r>
+            <a:r>
+              <a:rPr kumimoji="1" lang="ja-JP" altLang="en-US" sz="2400" dirty="0">
+                <a:solidFill>
+                  <a:srgbClr val="C00000"/>
+                </a:solidFill>
+                <a:latin typeface="HG丸ｺﾞｼｯｸM-PRO" panose="020F0600000000000000" pitchFamily="50" charset="-128"/>
+                <a:ea typeface="HG丸ｺﾞｼｯｸM-PRO" panose="020F0600000000000000" pitchFamily="50" charset="-128"/>
+              </a:rPr>
+              <a:t>質問の管理</a:t>
+            </a:r>
+            <a:r>
+              <a:rPr kumimoji="1" lang="ja-JP" altLang="en-US" dirty="0">
+                <a:latin typeface="HG丸ｺﾞｼｯｸM-PRO" panose="020F0600000000000000" pitchFamily="50" charset="-128"/>
+                <a:ea typeface="HG丸ｺﾞｼｯｸM-PRO" panose="020F0600000000000000" pitchFamily="50" charset="-128"/>
+              </a:rPr>
+              <a:t>がしやすい</a:t>
+            </a:r>
+            <a:endParaRPr kumimoji="1" lang="en-US" altLang="ja-JP" dirty="0">
+              <a:latin typeface="HG丸ｺﾞｼｯｸM-PRO" panose="020F0600000000000000" pitchFamily="50" charset="-128"/>
+              <a:ea typeface="HG丸ｺﾞｼｯｸM-PRO" panose="020F0600000000000000" pitchFamily="50" charset="-128"/>
+            </a:endParaRPr>
+          </a:p>
+        </p:txBody>
+      </p:sp>
+      <mc:AlternateContent xmlns:mc="http://schemas.openxmlformats.org/markup-compatibility/2006" xmlns:p14="http://schemas.microsoft.com/office/powerpoint/2010/main">
+        <mc:Choice Requires="p14">
+          <p:contentPart p14:bwMode="auto" r:id="rId6">
             <p14:nvContentPartPr>
-              <p14:cNvPr id="5" name="インク 4">
+              <p14:cNvPr id="3" name="インク 2">
                 <a:extLst>
                   <a:ext uri="{FF2B5EF4-FFF2-40B4-BE49-F238E27FC236}">
-                    <a16:creationId xmlns:a16="http://schemas.microsoft.com/office/drawing/2014/main" id="{6BED0208-7300-4DAC-83D4-54504B4A1C84}"/>
+                    <a16:creationId xmlns:a16="http://schemas.microsoft.com/office/drawing/2014/main" id="{1587BD2D-BBCB-460C-ADAA-5543A3AC63F1}"/>
                   </a:ext>
                 </a:extLst>
               </p14:cNvPr>
@@ -10821,18 +15042,18 @@
               <p14:nvPr/>
             </p14:nvContentPartPr>
             <p14:xfrm>
-              <a:off x="1012701" y="832489"/>
-              <a:ext cx="3907080" cy="154440"/>
+              <a:off x="896421" y="1074409"/>
+              <a:ext cx="3577680" cy="46440"/>
             </p14:xfrm>
           </p:contentPart>
         </mc:Choice>
-        <mc:Fallback>
+        <mc:Fallback xmlns="">
           <p:pic>
             <p:nvPicPr>
-              <p:cNvPr id="5" name="インク 4">
+              <p:cNvPr id="3" name="インク 2">
                 <a:extLst>
                   <a:ext uri="{FF2B5EF4-FFF2-40B4-BE49-F238E27FC236}">
-                    <a16:creationId xmlns:a16="http://schemas.microsoft.com/office/drawing/2014/main" id="{6BED0208-7300-4DAC-83D4-54504B4A1C84}"/>
+                    <a16:creationId xmlns:a16="http://schemas.microsoft.com/office/drawing/2014/main" id="{1587BD2D-BBCB-460C-ADAA-5543A3AC63F1}"/>
                   </a:ext>
                 </a:extLst>
               </p:cNvPr>
@@ -10840,15 +15061,15 @@
               <p:nvPr/>
             </p:nvPicPr>
             <p:blipFill>
-              <a:blip r:embed="rId3"/>
+              <a:blip r:embed="rId7"/>
               <a:stretch>
                 <a:fillRect/>
               </a:stretch>
             </p:blipFill>
             <p:spPr>
               <a:xfrm>
-                <a:off x="923061" y="652849"/>
-                <a:ext cx="4086720" cy="514080"/>
+                <a:off x="806421" y="894769"/>
+                <a:ext cx="3757320" cy="406080"/>
               </a:xfrm>
               <a:prstGeom prst="rect">
                 <a:avLst/>
@@ -10860,17 +15081,377 @@
     </p:spTree>
     <p:extLst>
       <p:ext uri="{BB962C8B-B14F-4D97-AF65-F5344CB8AC3E}">
-        <p14:creationId xmlns:p14="http://schemas.microsoft.com/office/powerpoint/2010/main" val="206378947"/>
+        <p14:creationId xmlns:p14="http://schemas.microsoft.com/office/powerpoint/2010/main" val="3378597591"/>
       </p:ext>
     </p:extLst>
   </p:cSld>
   <p:clrMapOvr>
     <a:masterClrMapping/>
   </p:clrMapOvr>
+  <p:timing>
+    <p:tnLst>
+      <p:par>
+        <p:cTn id="1" dur="indefinite" restart="never" nodeType="tmRoot">
+          <p:childTnLst>
+            <p:seq concurrent="1" nextAc="seek">
+              <p:cTn id="2" dur="indefinite" nodeType="mainSeq">
+                <p:childTnLst>
+                  <p:par>
+                    <p:cTn id="3" fill="hold">
+                      <p:stCondLst>
+                        <p:cond delay="indefinite"/>
+                      </p:stCondLst>
+                      <p:childTnLst>
+                        <p:par>
+                          <p:cTn id="4" fill="hold">
+                            <p:stCondLst>
+                              <p:cond delay="0"/>
+                            </p:stCondLst>
+                            <p:childTnLst>
+                              <p:par>
+                                <p:cTn id="5" presetID="22" presetClass="entr" presetSubtype="4" fill="hold" nodeType="clickEffect">
+                                  <p:stCondLst>
+                                    <p:cond delay="0"/>
+                                  </p:stCondLst>
+                                  <p:childTnLst>
+                                    <p:set>
+                                      <p:cBhvr>
+                                        <p:cTn id="6" dur="1" fill="hold">
+                                          <p:stCondLst>
+                                            <p:cond delay="0"/>
+                                          </p:stCondLst>
+                                        </p:cTn>
+                                        <p:tgtEl>
+                                          <p:spTgt spid="11">
+                                            <p:txEl>
+                                              <p:pRg st="0" end="0"/>
+                                            </p:txEl>
+                                          </p:spTgt>
+                                        </p:tgtEl>
+                                        <p:attrNameLst>
+                                          <p:attrName>style.visibility</p:attrName>
+                                        </p:attrNameLst>
+                                      </p:cBhvr>
+                                      <p:to>
+                                        <p:strVal val="visible"/>
+                                      </p:to>
+                                    </p:set>
+                                    <p:animEffect transition="in" filter="wipe(down)">
+                                      <p:cBhvr>
+                                        <p:cTn id="7" dur="500"/>
+                                        <p:tgtEl>
+                                          <p:spTgt spid="11">
+                                            <p:txEl>
+                                              <p:pRg st="0" end="0"/>
+                                            </p:txEl>
+                                          </p:spTgt>
+                                        </p:tgtEl>
+                                      </p:cBhvr>
+                                    </p:animEffect>
+                                  </p:childTnLst>
+                                </p:cTn>
+                              </p:par>
+                            </p:childTnLst>
+                          </p:cTn>
+                        </p:par>
+                      </p:childTnLst>
+                    </p:cTn>
+                  </p:par>
+                  <p:par>
+                    <p:cTn id="8" fill="hold">
+                      <p:stCondLst>
+                        <p:cond delay="indefinite"/>
+                      </p:stCondLst>
+                      <p:childTnLst>
+                        <p:par>
+                          <p:cTn id="9" fill="hold">
+                            <p:stCondLst>
+                              <p:cond delay="0"/>
+                            </p:stCondLst>
+                            <p:childTnLst>
+                              <p:par>
+                                <p:cTn id="10" presetID="22" presetClass="entr" presetSubtype="4" fill="hold" nodeType="clickEffect">
+                                  <p:stCondLst>
+                                    <p:cond delay="0"/>
+                                  </p:stCondLst>
+                                  <p:childTnLst>
+                                    <p:set>
+                                      <p:cBhvr>
+                                        <p:cTn id="11" dur="1" fill="hold">
+                                          <p:stCondLst>
+                                            <p:cond delay="0"/>
+                                          </p:stCondLst>
+                                        </p:cTn>
+                                        <p:tgtEl>
+                                          <p:spTgt spid="11">
+                                            <p:txEl>
+                                              <p:pRg st="1" end="1"/>
+                                            </p:txEl>
+                                          </p:spTgt>
+                                        </p:tgtEl>
+                                        <p:attrNameLst>
+                                          <p:attrName>style.visibility</p:attrName>
+                                        </p:attrNameLst>
+                                      </p:cBhvr>
+                                      <p:to>
+                                        <p:strVal val="visible"/>
+                                      </p:to>
+                                    </p:set>
+                                    <p:animEffect transition="in" filter="wipe(down)">
+                                      <p:cBhvr>
+                                        <p:cTn id="12" dur="500"/>
+                                        <p:tgtEl>
+                                          <p:spTgt spid="11">
+                                            <p:txEl>
+                                              <p:pRg st="1" end="1"/>
+                                            </p:txEl>
+                                          </p:spTgt>
+                                        </p:tgtEl>
+                                      </p:cBhvr>
+                                    </p:animEffect>
+                                  </p:childTnLst>
+                                </p:cTn>
+                              </p:par>
+                            </p:childTnLst>
+                          </p:cTn>
+                        </p:par>
+                      </p:childTnLst>
+                    </p:cTn>
+                  </p:par>
+                  <p:par>
+                    <p:cTn id="13" fill="hold">
+                      <p:stCondLst>
+                        <p:cond delay="indefinite"/>
+                      </p:stCondLst>
+                      <p:childTnLst>
+                        <p:par>
+                          <p:cTn id="14" fill="hold">
+                            <p:stCondLst>
+                              <p:cond delay="0"/>
+                            </p:stCondLst>
+                            <p:childTnLst>
+                              <p:par>
+                                <p:cTn id="15" presetID="22" presetClass="entr" presetSubtype="4" fill="hold" nodeType="clickEffect">
+                                  <p:stCondLst>
+                                    <p:cond delay="0"/>
+                                  </p:stCondLst>
+                                  <p:childTnLst>
+                                    <p:set>
+                                      <p:cBhvr>
+                                        <p:cTn id="16" dur="1" fill="hold">
+                                          <p:stCondLst>
+                                            <p:cond delay="0"/>
+                                          </p:stCondLst>
+                                        </p:cTn>
+                                        <p:tgtEl>
+                                          <p:spTgt spid="11">
+                                            <p:txEl>
+                                              <p:pRg st="2" end="2"/>
+                                            </p:txEl>
+                                          </p:spTgt>
+                                        </p:tgtEl>
+                                        <p:attrNameLst>
+                                          <p:attrName>style.visibility</p:attrName>
+                                        </p:attrNameLst>
+                                      </p:cBhvr>
+                                      <p:to>
+                                        <p:strVal val="visible"/>
+                                      </p:to>
+                                    </p:set>
+                                    <p:animEffect transition="in" filter="wipe(down)">
+                                      <p:cBhvr>
+                                        <p:cTn id="17" dur="500"/>
+                                        <p:tgtEl>
+                                          <p:spTgt spid="11">
+                                            <p:txEl>
+                                              <p:pRg st="2" end="2"/>
+                                            </p:txEl>
+                                          </p:spTgt>
+                                        </p:tgtEl>
+                                      </p:cBhvr>
+                                    </p:animEffect>
+                                  </p:childTnLst>
+                                </p:cTn>
+                              </p:par>
+                            </p:childTnLst>
+                          </p:cTn>
+                        </p:par>
+                      </p:childTnLst>
+                    </p:cTn>
+                  </p:par>
+                  <p:par>
+                    <p:cTn id="18" fill="hold">
+                      <p:stCondLst>
+                        <p:cond delay="indefinite"/>
+                      </p:stCondLst>
+                      <p:childTnLst>
+                        <p:par>
+                          <p:cTn id="19" fill="hold">
+                            <p:stCondLst>
+                              <p:cond delay="0"/>
+                            </p:stCondLst>
+                            <p:childTnLst>
+                              <p:par>
+                                <p:cTn id="20" presetID="22" presetClass="entr" presetSubtype="4" fill="hold" nodeType="clickEffect">
+                                  <p:stCondLst>
+                                    <p:cond delay="0"/>
+                                  </p:stCondLst>
+                                  <p:childTnLst>
+                                    <p:set>
+                                      <p:cBhvr>
+                                        <p:cTn id="21" dur="1" fill="hold">
+                                          <p:stCondLst>
+                                            <p:cond delay="0"/>
+                                          </p:stCondLst>
+                                        </p:cTn>
+                                        <p:tgtEl>
+                                          <p:spTgt spid="19">
+                                            <p:txEl>
+                                              <p:pRg st="0" end="0"/>
+                                            </p:txEl>
+                                          </p:spTgt>
+                                        </p:tgtEl>
+                                        <p:attrNameLst>
+                                          <p:attrName>style.visibility</p:attrName>
+                                        </p:attrNameLst>
+                                      </p:cBhvr>
+                                      <p:to>
+                                        <p:strVal val="visible"/>
+                                      </p:to>
+                                    </p:set>
+                                    <p:animEffect transition="in" filter="wipe(down)">
+                                      <p:cBhvr>
+                                        <p:cTn id="22" dur="500"/>
+                                        <p:tgtEl>
+                                          <p:spTgt spid="19">
+                                            <p:txEl>
+                                              <p:pRg st="0" end="0"/>
+                                            </p:txEl>
+                                          </p:spTgt>
+                                        </p:tgtEl>
+                                      </p:cBhvr>
+                                    </p:animEffect>
+                                  </p:childTnLst>
+                                </p:cTn>
+                              </p:par>
+                              <p:par>
+                                <p:cTn id="23" presetID="22" presetClass="entr" presetSubtype="4" fill="hold" nodeType="withEffect">
+                                  <p:stCondLst>
+                                    <p:cond delay="0"/>
+                                  </p:stCondLst>
+                                  <p:childTnLst>
+                                    <p:set>
+                                      <p:cBhvr>
+                                        <p:cTn id="24" dur="1" fill="hold">
+                                          <p:stCondLst>
+                                            <p:cond delay="0"/>
+                                          </p:stCondLst>
+                                        </p:cTn>
+                                        <p:tgtEl>
+                                          <p:spTgt spid="12">
+                                            <p:txEl>
+                                              <p:pRg st="1" end="1"/>
+                                            </p:txEl>
+                                          </p:spTgt>
+                                        </p:tgtEl>
+                                        <p:attrNameLst>
+                                          <p:attrName>style.visibility</p:attrName>
+                                        </p:attrNameLst>
+                                      </p:cBhvr>
+                                      <p:to>
+                                        <p:strVal val="visible"/>
+                                      </p:to>
+                                    </p:set>
+                                    <p:animEffect transition="in" filter="wipe(down)">
+                                      <p:cBhvr>
+                                        <p:cTn id="25" dur="500"/>
+                                        <p:tgtEl>
+                                          <p:spTgt spid="12">
+                                            <p:txEl>
+                                              <p:pRg st="1" end="1"/>
+                                            </p:txEl>
+                                          </p:spTgt>
+                                        </p:tgtEl>
+                                      </p:cBhvr>
+                                    </p:animEffect>
+                                  </p:childTnLst>
+                                </p:cTn>
+                              </p:par>
+                              <p:par>
+                                <p:cTn id="26" presetID="22" presetClass="entr" presetSubtype="4" fill="hold" nodeType="withEffect">
+                                  <p:stCondLst>
+                                    <p:cond delay="0"/>
+                                  </p:stCondLst>
+                                  <p:childTnLst>
+                                    <p:set>
+                                      <p:cBhvr>
+                                        <p:cTn id="27" dur="1" fill="hold">
+                                          <p:stCondLst>
+                                            <p:cond delay="0"/>
+                                          </p:stCondLst>
+                                        </p:cTn>
+                                        <p:tgtEl>
+                                          <p:spTgt spid="12">
+                                            <p:txEl>
+                                              <p:pRg st="0" end="0"/>
+                                            </p:txEl>
+                                          </p:spTgt>
+                                        </p:tgtEl>
+                                        <p:attrNameLst>
+                                          <p:attrName>style.visibility</p:attrName>
+                                        </p:attrNameLst>
+                                      </p:cBhvr>
+                                      <p:to>
+                                        <p:strVal val="visible"/>
+                                      </p:to>
+                                    </p:set>
+                                    <p:animEffect transition="in" filter="wipe(down)">
+                                      <p:cBhvr>
+                                        <p:cTn id="28" dur="500"/>
+                                        <p:tgtEl>
+                                          <p:spTgt spid="12">
+                                            <p:txEl>
+                                              <p:pRg st="0" end="0"/>
+                                            </p:txEl>
+                                          </p:spTgt>
+                                        </p:tgtEl>
+                                      </p:cBhvr>
+                                    </p:animEffect>
+                                  </p:childTnLst>
+                                </p:cTn>
+                              </p:par>
+                            </p:childTnLst>
+                          </p:cTn>
+                        </p:par>
+                      </p:childTnLst>
+                    </p:cTn>
+                  </p:par>
+                </p:childTnLst>
+              </p:cTn>
+              <p:prevCondLst>
+                <p:cond evt="onPrev" delay="0">
+                  <p:tgtEl>
+                    <p:sldTgt/>
+                  </p:tgtEl>
+                </p:cond>
+              </p:prevCondLst>
+              <p:nextCondLst>
+                <p:cond evt="onNext" delay="0">
+                  <p:tgtEl>
+                    <p:sldTgt/>
+                  </p:tgtEl>
+                </p:cond>
+              </p:nextCondLst>
+            </p:seq>
+          </p:childTnLst>
+        </p:cTn>
+      </p:par>
+    </p:tnLst>
+  </p:timing>
 </p:sld>
 </file>
 
-<file path=ppt/slides/slide6.xml><?xml version="1.0" encoding="utf-8"?>
+<file path=ppt/slides/slide7.xml><?xml version="1.0" encoding="utf-8"?>
 <p:sld xmlns:a="http://schemas.openxmlformats.org/drawingml/2006/main" xmlns:r="http://schemas.openxmlformats.org/officeDocument/2006/relationships" xmlns:p="http://schemas.openxmlformats.org/presentationml/2006/main">
   <p:cSld>
     <p:spTree>
@@ -10915,7 +15496,7 @@
                 <a:latin typeface="HG丸ｺﾞｼｯｸM-PRO" panose="020F0600000000000000" pitchFamily="50" charset="-128"/>
                 <a:ea typeface="HG丸ｺﾞｼｯｸM-PRO" panose="020F0600000000000000" pitchFamily="50" charset="-128"/>
               </a:rPr>
-              <a:t>期待できること</a:t>
+              <a:t>成果</a:t>
             </a:r>
           </a:p>
         </p:txBody>
@@ -10989,591 +15570,14 @@
           </a:p>
         </p:txBody>
       </p:sp>
-      <p:sp>
-        <p:nvSpPr>
-          <p:cNvPr id="6" name="楕円 5">
-            <a:extLst>
-              <a:ext uri="{FF2B5EF4-FFF2-40B4-BE49-F238E27FC236}">
-                <a16:creationId xmlns:a16="http://schemas.microsoft.com/office/drawing/2014/main" id="{B295419D-2F83-48D5-AB44-5635CA0386C7}"/>
-              </a:ext>
-            </a:extLst>
-          </p:cNvPr>
-          <p:cNvSpPr/>
-          <p:nvPr/>
-        </p:nvSpPr>
-        <p:spPr>
-          <a:xfrm>
-            <a:off x="2762250" y="1790700"/>
-            <a:ext cx="6600825" cy="2276475"/>
-          </a:xfrm>
-          <a:prstGeom prst="ellipse">
-            <a:avLst/>
-          </a:prstGeom>
-        </p:spPr>
-        <p:style>
-          <a:lnRef idx="2">
-            <a:schemeClr val="accent6"/>
-          </a:lnRef>
-          <a:fillRef idx="1">
-            <a:schemeClr val="lt1"/>
-          </a:fillRef>
-          <a:effectRef idx="0">
-            <a:schemeClr val="accent6"/>
-          </a:effectRef>
-          <a:fontRef idx="minor">
-            <a:schemeClr val="dk1"/>
-          </a:fontRef>
-        </p:style>
-        <p:txBody>
-          <a:bodyPr rtlCol="0" anchor="ctr"/>
-          <a:lstStyle/>
-          <a:p>
-            <a:pPr algn="ctr"/>
-            <a:endParaRPr kumimoji="1" lang="ja-JP" altLang="en-US" dirty="0"/>
-          </a:p>
-        </p:txBody>
-      </p:sp>
-      <p:sp>
-        <p:nvSpPr>
-          <p:cNvPr id="7" name="楕円 6">
-            <a:extLst>
-              <a:ext uri="{FF2B5EF4-FFF2-40B4-BE49-F238E27FC236}">
-                <a16:creationId xmlns:a16="http://schemas.microsoft.com/office/drawing/2014/main" id="{9B86F6A6-9709-4258-9631-739FF8E20D43}"/>
-              </a:ext>
-            </a:extLst>
-          </p:cNvPr>
-          <p:cNvSpPr/>
-          <p:nvPr/>
-        </p:nvSpPr>
-        <p:spPr>
-          <a:xfrm>
-            <a:off x="571500" y="4257674"/>
-            <a:ext cx="5143500" cy="2085975"/>
-          </a:xfrm>
-          <a:prstGeom prst="ellipse">
-            <a:avLst/>
-          </a:prstGeom>
-        </p:spPr>
-        <p:style>
-          <a:lnRef idx="2">
-            <a:schemeClr val="accent6"/>
-          </a:lnRef>
-          <a:fillRef idx="1">
-            <a:schemeClr val="lt1"/>
-          </a:fillRef>
-          <a:effectRef idx="0">
-            <a:schemeClr val="accent6"/>
-          </a:effectRef>
-          <a:fontRef idx="minor">
-            <a:schemeClr val="dk1"/>
-          </a:fontRef>
-        </p:style>
-        <p:txBody>
-          <a:bodyPr rtlCol="0" anchor="ctr"/>
-          <a:lstStyle/>
-          <a:p>
-            <a:pPr algn="ctr"/>
-            <a:endParaRPr kumimoji="1" lang="ja-JP" altLang="en-US" dirty="0">
-              <a:latin typeface="HG丸ｺﾞｼｯｸM-PRO" panose="020F0600000000000000" pitchFamily="50" charset="-128"/>
-              <a:ea typeface="HG丸ｺﾞｼｯｸM-PRO" panose="020F0600000000000000" pitchFamily="50" charset="-128"/>
-            </a:endParaRPr>
-          </a:p>
-        </p:txBody>
-      </p:sp>
-      <p:sp>
-        <p:nvSpPr>
-          <p:cNvPr id="8" name="楕円 7">
-            <a:extLst>
-              <a:ext uri="{FF2B5EF4-FFF2-40B4-BE49-F238E27FC236}">
-                <a16:creationId xmlns:a16="http://schemas.microsoft.com/office/drawing/2014/main" id="{882236E2-A3A4-450D-8BBD-39774AF9EF9A}"/>
-              </a:ext>
-            </a:extLst>
-          </p:cNvPr>
-          <p:cNvSpPr/>
-          <p:nvPr/>
-        </p:nvSpPr>
-        <p:spPr>
-          <a:xfrm>
-            <a:off x="6477002" y="4257674"/>
-            <a:ext cx="5143500" cy="2085975"/>
-          </a:xfrm>
-          <a:prstGeom prst="ellipse">
-            <a:avLst/>
-          </a:prstGeom>
-        </p:spPr>
-        <p:style>
-          <a:lnRef idx="2">
-            <a:schemeClr val="accent6"/>
-          </a:lnRef>
-          <a:fillRef idx="1">
-            <a:schemeClr val="lt1"/>
-          </a:fillRef>
-          <a:effectRef idx="0">
-            <a:schemeClr val="accent6"/>
-          </a:effectRef>
-          <a:fontRef idx="minor">
-            <a:schemeClr val="dk1"/>
-          </a:fontRef>
-        </p:style>
-        <p:txBody>
-          <a:bodyPr rtlCol="0" anchor="ctr"/>
-          <a:lstStyle/>
-          <a:p>
-            <a:pPr algn="ctr"/>
-            <a:endParaRPr kumimoji="1" lang="ja-JP" altLang="en-US"/>
-          </a:p>
-        </p:txBody>
-      </p:sp>
-      <p:pic>
-        <p:nvPicPr>
-          <p:cNvPr id="1026" name="Picture 2">
-            <a:extLst>
-              <a:ext uri="{FF2B5EF4-FFF2-40B4-BE49-F238E27FC236}">
-                <a16:creationId xmlns:a16="http://schemas.microsoft.com/office/drawing/2014/main" id="{10458797-603B-4142-A4E3-375B97F6C4FB}"/>
-              </a:ext>
-            </a:extLst>
-          </p:cNvPr>
-          <p:cNvPicPr>
-            <a:picLocks noChangeAspect="1" noChangeArrowheads="1"/>
-          </p:cNvPicPr>
-          <p:nvPr/>
-        </p:nvPicPr>
-        <p:blipFill>
-          <a:blip r:embed="rId2">
-            <a:extLst>
-              <a:ext uri="{28A0092B-C50C-407E-A947-70E740481C1C}">
-                <a14:useLocalDpi xmlns:a14="http://schemas.microsoft.com/office/drawing/2010/main" val="0"/>
-              </a:ext>
-            </a:extLst>
-          </a:blip>
-          <a:srcRect/>
-          <a:stretch>
-            <a:fillRect/>
-          </a:stretch>
-        </p:blipFill>
-        <p:spPr bwMode="auto">
-          <a:xfrm>
-            <a:off x="9625013" y="3571875"/>
-            <a:ext cx="1226569" cy="1228725"/>
-          </a:xfrm>
-          <a:prstGeom prst="rect">
-            <a:avLst/>
-          </a:prstGeom>
-          <a:noFill/>
-          <a:extLst>
-            <a:ext uri="{909E8E84-426E-40DD-AFC4-6F175D3DCCD1}">
-              <a14:hiddenFill xmlns:a14="http://schemas.microsoft.com/office/drawing/2010/main">
-                <a:solidFill>
-                  <a:srgbClr val="FFFFFF"/>
-                </a:solidFill>
-              </a14:hiddenFill>
-            </a:ext>
-          </a:extLst>
-        </p:spPr>
-      </p:pic>
-      <p:pic>
-        <p:nvPicPr>
-          <p:cNvPr id="1028" name="Picture 4" descr="男性の顔アイコン 12">
-            <a:extLst>
-              <a:ext uri="{FF2B5EF4-FFF2-40B4-BE49-F238E27FC236}">
-                <a16:creationId xmlns:a16="http://schemas.microsoft.com/office/drawing/2014/main" id="{6F54F77A-EB20-4556-8423-0B7A9D41FF5D}"/>
-              </a:ext>
-            </a:extLst>
-          </p:cNvPr>
-          <p:cNvPicPr>
-            <a:picLocks noChangeAspect="1" noChangeArrowheads="1"/>
-          </p:cNvPicPr>
-          <p:nvPr/>
-        </p:nvPicPr>
-        <p:blipFill>
-          <a:blip r:embed="rId3">
-            <a:extLst>
-              <a:ext uri="{28A0092B-C50C-407E-A947-70E740481C1C}">
-                <a14:useLocalDpi xmlns:a14="http://schemas.microsoft.com/office/drawing/2010/main" val="0"/>
-              </a:ext>
-            </a:extLst>
-          </a:blip>
-          <a:srcRect/>
-          <a:stretch>
-            <a:fillRect/>
-          </a:stretch>
-        </p:blipFill>
-        <p:spPr bwMode="auto">
-          <a:xfrm>
-            <a:off x="657225" y="3643311"/>
-            <a:ext cx="1228725" cy="1228725"/>
-          </a:xfrm>
-          <a:prstGeom prst="rect">
-            <a:avLst/>
-          </a:prstGeom>
-          <a:noFill/>
-          <a:extLst>
-            <a:ext uri="{909E8E84-426E-40DD-AFC4-6F175D3DCCD1}">
-              <a14:hiddenFill xmlns:a14="http://schemas.microsoft.com/office/drawing/2010/main">
-                <a:solidFill>
-                  <a:srgbClr val="FFFFFF"/>
-                </a:solidFill>
-              </a14:hiddenFill>
-            </a:ext>
-          </a:extLst>
-        </p:spPr>
-      </p:pic>
-      <p:pic>
-        <p:nvPicPr>
-          <p:cNvPr id="1030" name="Picture 6" descr="スーツを着た女性のイラスト（笑顔）">
-            <a:extLst>
-              <a:ext uri="{FF2B5EF4-FFF2-40B4-BE49-F238E27FC236}">
-                <a16:creationId xmlns:a16="http://schemas.microsoft.com/office/drawing/2014/main" id="{C86B97C1-340E-4366-A0B2-6F9280E0960D}"/>
-              </a:ext>
-            </a:extLst>
-          </p:cNvPr>
-          <p:cNvPicPr>
-            <a:picLocks noChangeAspect="1" noChangeArrowheads="1"/>
-          </p:cNvPicPr>
-          <p:nvPr/>
-        </p:nvPicPr>
-        <p:blipFill>
-          <a:blip r:embed="rId4">
-            <a:extLst>
-              <a:ext uri="{28A0092B-C50C-407E-A947-70E740481C1C}">
-                <a14:useLocalDpi xmlns:a14="http://schemas.microsoft.com/office/drawing/2010/main" val="0"/>
-              </a:ext>
-            </a:extLst>
-          </a:blip>
-          <a:srcRect/>
-          <a:stretch>
-            <a:fillRect/>
-          </a:stretch>
-        </p:blipFill>
-        <p:spPr bwMode="auto">
-          <a:xfrm>
-            <a:off x="4977527" y="833439"/>
-            <a:ext cx="1085136" cy="1476375"/>
-          </a:xfrm>
-          <a:prstGeom prst="rect">
-            <a:avLst/>
-          </a:prstGeom>
-          <a:noFill/>
-          <a:extLst>
-            <a:ext uri="{909E8E84-426E-40DD-AFC4-6F175D3DCCD1}">
-              <a14:hiddenFill xmlns:a14="http://schemas.microsoft.com/office/drawing/2010/main">
-                <a:solidFill>
-                  <a:srgbClr val="FFFFFF"/>
-                </a:solidFill>
-              </a14:hiddenFill>
-            </a:ext>
-          </a:extLst>
-        </p:spPr>
-      </p:pic>
-      <p:pic>
-        <p:nvPicPr>
-          <p:cNvPr id="1032" name="Picture 8" descr="スーツを着た男性のイラスト（笑顔）">
-            <a:extLst>
-              <a:ext uri="{FF2B5EF4-FFF2-40B4-BE49-F238E27FC236}">
-                <a16:creationId xmlns:a16="http://schemas.microsoft.com/office/drawing/2014/main" id="{0E40DF48-D900-44C6-A981-F882B369BB38}"/>
-              </a:ext>
-            </a:extLst>
-          </p:cNvPr>
-          <p:cNvPicPr>
-            <a:picLocks noChangeAspect="1" noChangeArrowheads="1"/>
-          </p:cNvPicPr>
-          <p:nvPr/>
-        </p:nvPicPr>
-        <p:blipFill>
-          <a:blip r:embed="rId5">
-            <a:extLst>
-              <a:ext uri="{28A0092B-C50C-407E-A947-70E740481C1C}">
-                <a14:useLocalDpi xmlns:a14="http://schemas.microsoft.com/office/drawing/2010/main" val="0"/>
-              </a:ext>
-            </a:extLst>
-          </a:blip>
-          <a:srcRect/>
-          <a:stretch>
-            <a:fillRect/>
-          </a:stretch>
-        </p:blipFill>
-        <p:spPr bwMode="auto">
-          <a:xfrm>
-            <a:off x="6019799" y="833438"/>
-            <a:ext cx="1085136" cy="1476376"/>
-          </a:xfrm>
-          <a:prstGeom prst="rect">
-            <a:avLst/>
-          </a:prstGeom>
-          <a:noFill/>
-          <a:extLst>
-            <a:ext uri="{909E8E84-426E-40DD-AFC4-6F175D3DCCD1}">
-              <a14:hiddenFill xmlns:a14="http://schemas.microsoft.com/office/drawing/2010/main">
-                <a:solidFill>
-                  <a:srgbClr val="FFFFFF"/>
-                </a:solidFill>
-              </a14:hiddenFill>
-            </a:ext>
-          </a:extLst>
-        </p:spPr>
-      </p:pic>
-      <p:sp>
-        <p:nvSpPr>
-          <p:cNvPr id="9" name="テキスト ボックス 8">
-            <a:extLst>
-              <a:ext uri="{FF2B5EF4-FFF2-40B4-BE49-F238E27FC236}">
-                <a16:creationId xmlns:a16="http://schemas.microsoft.com/office/drawing/2014/main" id="{0BA1F182-8C3E-49A1-8654-B26910DBBBE9}"/>
-              </a:ext>
-            </a:extLst>
-          </p:cNvPr>
-          <p:cNvSpPr txBox="1"/>
-          <p:nvPr/>
-        </p:nvSpPr>
-        <p:spPr>
-          <a:xfrm>
-            <a:off x="5584209" y="458273"/>
-            <a:ext cx="871180" cy="369332"/>
-          </a:xfrm>
-          <a:prstGeom prst="rect">
-            <a:avLst/>
-          </a:prstGeom>
-          <a:noFill/>
-        </p:spPr>
-        <p:txBody>
-          <a:bodyPr wrap="square" rtlCol="0">
-            <a:spAutoFit/>
-          </a:bodyPr>
-          <a:lstStyle/>
-          <a:p>
-            <a:r>
-              <a:rPr lang="ja-JP" altLang="en-US" dirty="0">
-                <a:latin typeface="HG丸ｺﾞｼｯｸM-PRO" panose="020F0600000000000000" pitchFamily="50" charset="-128"/>
-                <a:ea typeface="HG丸ｺﾞｼｯｸM-PRO" panose="020F0600000000000000" pitchFamily="50" charset="-128"/>
-              </a:rPr>
-              <a:t>受講生</a:t>
-            </a:r>
-            <a:endParaRPr kumimoji="1" lang="ja-JP" altLang="en-US" dirty="0">
-              <a:latin typeface="HG丸ｺﾞｼｯｸM-PRO" panose="020F0600000000000000" pitchFamily="50" charset="-128"/>
-              <a:ea typeface="HG丸ｺﾞｼｯｸM-PRO" panose="020F0600000000000000" pitchFamily="50" charset="-128"/>
-            </a:endParaRPr>
-          </a:p>
-        </p:txBody>
-      </p:sp>
-      <p:sp>
-        <p:nvSpPr>
-          <p:cNvPr id="14" name="テキスト ボックス 13">
-            <a:extLst>
-              <a:ext uri="{FF2B5EF4-FFF2-40B4-BE49-F238E27FC236}">
-                <a16:creationId xmlns:a16="http://schemas.microsoft.com/office/drawing/2014/main" id="{4DE2495B-9BED-4209-A858-6332C02F2208}"/>
-              </a:ext>
-            </a:extLst>
-          </p:cNvPr>
-          <p:cNvSpPr txBox="1"/>
-          <p:nvPr/>
-        </p:nvSpPr>
-        <p:spPr>
-          <a:xfrm>
-            <a:off x="923924" y="3178730"/>
-            <a:ext cx="695325" cy="369332"/>
-          </a:xfrm>
-          <a:prstGeom prst="rect">
-            <a:avLst/>
-          </a:prstGeom>
-          <a:noFill/>
-        </p:spPr>
-        <p:txBody>
-          <a:bodyPr wrap="square" rtlCol="0">
-            <a:spAutoFit/>
-          </a:bodyPr>
-          <a:lstStyle/>
-          <a:p>
-            <a:r>
-              <a:rPr kumimoji="1" lang="ja-JP" altLang="en-US" dirty="0">
-                <a:latin typeface="HG丸ｺﾞｼｯｸM-PRO" panose="020F0600000000000000" pitchFamily="50" charset="-128"/>
-                <a:ea typeface="HG丸ｺﾞｼｯｸM-PRO" panose="020F0600000000000000" pitchFamily="50" charset="-128"/>
-              </a:rPr>
-              <a:t>講師</a:t>
-            </a:r>
-          </a:p>
-        </p:txBody>
-      </p:sp>
-      <p:sp>
-        <p:nvSpPr>
-          <p:cNvPr id="15" name="テキスト ボックス 14">
-            <a:extLst>
-              <a:ext uri="{FF2B5EF4-FFF2-40B4-BE49-F238E27FC236}">
-                <a16:creationId xmlns:a16="http://schemas.microsoft.com/office/drawing/2014/main" id="{B79A0BC2-585A-4EF1-B202-07472C1E90F1}"/>
-              </a:ext>
-            </a:extLst>
-          </p:cNvPr>
-          <p:cNvSpPr txBox="1"/>
-          <p:nvPr/>
-        </p:nvSpPr>
-        <p:spPr>
-          <a:xfrm>
-            <a:off x="9829801" y="3178730"/>
-            <a:ext cx="1021782" cy="369332"/>
-          </a:xfrm>
-          <a:prstGeom prst="rect">
-            <a:avLst/>
-          </a:prstGeom>
-          <a:noFill/>
-        </p:spPr>
-        <p:txBody>
-          <a:bodyPr wrap="square" rtlCol="0">
-            <a:spAutoFit/>
-          </a:bodyPr>
-          <a:lstStyle/>
-          <a:p>
-            <a:r>
-              <a:rPr kumimoji="1" lang="ja-JP" altLang="en-US" dirty="0">
-                <a:latin typeface="HG丸ｺﾞｼｯｸM-PRO" panose="020F0600000000000000" pitchFamily="50" charset="-128"/>
-                <a:ea typeface="HG丸ｺﾞｼｯｸM-PRO" panose="020F0600000000000000" pitchFamily="50" charset="-128"/>
-              </a:rPr>
-              <a:t>事務局</a:t>
-            </a:r>
-          </a:p>
-        </p:txBody>
-      </p:sp>
-      <p:sp>
-        <p:nvSpPr>
-          <p:cNvPr id="11" name="テキスト ボックス 10">
-            <a:extLst>
-              <a:ext uri="{FF2B5EF4-FFF2-40B4-BE49-F238E27FC236}">
-                <a16:creationId xmlns:a16="http://schemas.microsoft.com/office/drawing/2014/main" id="{2077C2A2-0F43-4062-B534-C0F1971B431C}"/>
-              </a:ext>
-            </a:extLst>
-          </p:cNvPr>
-          <p:cNvSpPr txBox="1"/>
-          <p:nvPr/>
-        </p:nvSpPr>
-        <p:spPr>
-          <a:xfrm>
-            <a:off x="3078958" y="2542163"/>
-            <a:ext cx="6162674" cy="646331"/>
-          </a:xfrm>
-          <a:prstGeom prst="rect">
-            <a:avLst/>
-          </a:prstGeom>
-          <a:noFill/>
-        </p:spPr>
-        <p:txBody>
-          <a:bodyPr wrap="square" rtlCol="0">
-            <a:spAutoFit/>
-          </a:bodyPr>
-          <a:lstStyle/>
-          <a:p>
-            <a:r>
-              <a:rPr kumimoji="1" lang="ja-JP" altLang="en-US" dirty="0">
-                <a:latin typeface="HG丸ｺﾞｼｯｸM-PRO" panose="020F0600000000000000" pitchFamily="50" charset="-128"/>
-                <a:ea typeface="HG丸ｺﾞｼｯｸM-PRO" panose="020F0600000000000000" pitchFamily="50" charset="-128"/>
-              </a:rPr>
-              <a:t>・匿名性であるため、気兼ねなく質問をすることができる</a:t>
-            </a:r>
-          </a:p>
-          <a:p>
-            <a:r>
-              <a:rPr kumimoji="1" lang="ja-JP" altLang="en-US" dirty="0">
-                <a:latin typeface="HG丸ｺﾞｼｯｸM-PRO" panose="020F0600000000000000" pitchFamily="50" charset="-128"/>
-                <a:ea typeface="HG丸ｺﾞｼｯｸM-PRO" panose="020F0600000000000000" pitchFamily="50" charset="-128"/>
-              </a:rPr>
-              <a:t>・過去の質問を見て知識を得ることができる</a:t>
-            </a:r>
-          </a:p>
-        </p:txBody>
-      </p:sp>
-      <p:sp>
-        <p:nvSpPr>
-          <p:cNvPr id="12" name="テキスト ボックス 11">
-            <a:extLst>
-              <a:ext uri="{FF2B5EF4-FFF2-40B4-BE49-F238E27FC236}">
-                <a16:creationId xmlns:a16="http://schemas.microsoft.com/office/drawing/2014/main" id="{29C1BB0F-7A98-410C-A7FC-B3070DB78AF2}"/>
-              </a:ext>
-            </a:extLst>
-          </p:cNvPr>
-          <p:cNvSpPr txBox="1"/>
-          <p:nvPr/>
-        </p:nvSpPr>
-        <p:spPr>
-          <a:xfrm>
-            <a:off x="923924" y="4947223"/>
-            <a:ext cx="4746009" cy="646331"/>
-          </a:xfrm>
-          <a:prstGeom prst="rect">
-            <a:avLst/>
-          </a:prstGeom>
-          <a:noFill/>
-        </p:spPr>
-        <p:txBody>
-          <a:bodyPr wrap="square" rtlCol="0">
-            <a:spAutoFit/>
-          </a:bodyPr>
-          <a:lstStyle/>
-          <a:p>
-            <a:r>
-              <a:rPr kumimoji="1" lang="ja-JP" altLang="en-US" dirty="0">
-                <a:latin typeface="HG丸ｺﾞｼｯｸM-PRO" panose="020F0600000000000000" pitchFamily="50" charset="-128"/>
-                <a:ea typeface="HG丸ｺﾞｼｯｸM-PRO" panose="020F0600000000000000" pitchFamily="50" charset="-128"/>
-              </a:rPr>
-              <a:t>・同じ質問に何度も対応することを防ぐ</a:t>
-            </a:r>
-          </a:p>
-          <a:p>
-            <a:r>
-              <a:rPr kumimoji="1" lang="ja-JP" altLang="en-US" dirty="0">
-                <a:latin typeface="HG丸ｺﾞｼｯｸM-PRO" panose="020F0600000000000000" pitchFamily="50" charset="-128"/>
-                <a:ea typeface="HG丸ｺﾞｼｯｸM-PRO" panose="020F0600000000000000" pitchFamily="50" charset="-128"/>
-              </a:rPr>
-              <a:t>・質問の管理がしやすい</a:t>
-            </a:r>
-          </a:p>
-        </p:txBody>
-      </p:sp>
-      <p:sp>
-        <p:nvSpPr>
-          <p:cNvPr id="19" name="テキスト ボックス 18">
-            <a:extLst>
-              <a:ext uri="{FF2B5EF4-FFF2-40B4-BE49-F238E27FC236}">
-                <a16:creationId xmlns:a16="http://schemas.microsoft.com/office/drawing/2014/main" id="{C95BC6C4-3965-4AAD-AA9C-903956651D13}"/>
-              </a:ext>
-            </a:extLst>
-          </p:cNvPr>
-          <p:cNvSpPr txBox="1"/>
-          <p:nvPr/>
-        </p:nvSpPr>
-        <p:spPr>
-          <a:xfrm>
-            <a:off x="6868627" y="4947223"/>
-            <a:ext cx="4746009" cy="369332"/>
-          </a:xfrm>
-          <a:prstGeom prst="rect">
-            <a:avLst/>
-          </a:prstGeom>
-          <a:noFill/>
-        </p:spPr>
-        <p:txBody>
-          <a:bodyPr wrap="square" rtlCol="0">
-            <a:spAutoFit/>
-          </a:bodyPr>
-          <a:lstStyle/>
-          <a:p>
-            <a:r>
-              <a:rPr kumimoji="1" lang="ja-JP" altLang="en-US" dirty="0">
-                <a:latin typeface="HG丸ｺﾞｼｯｸM-PRO" panose="020F0600000000000000" pitchFamily="50" charset="-128"/>
-                <a:ea typeface="HG丸ｺﾞｼｯｸM-PRO" panose="020F0600000000000000" pitchFamily="50" charset="-128"/>
-              </a:rPr>
-              <a:t>・質問の管理がしやすい</a:t>
-            </a:r>
-            <a:endParaRPr kumimoji="1" lang="en-US" altLang="ja-JP" dirty="0">
-              <a:latin typeface="HG丸ｺﾞｼｯｸM-PRO" panose="020F0600000000000000" pitchFamily="50" charset="-128"/>
-              <a:ea typeface="HG丸ｺﾞｼｯｸM-PRO" panose="020F0600000000000000" pitchFamily="50" charset="-128"/>
-            </a:endParaRPr>
-          </a:p>
-        </p:txBody>
-      </p:sp>
-      <mc:AlternateContent xmlns:mc="http://schemas.openxmlformats.org/markup-compatibility/2006">
-        <mc:Choice xmlns:p14="http://schemas.microsoft.com/office/powerpoint/2010/main" Requires="p14">
-          <p:contentPart p14:bwMode="auto" r:id="rId6">
+      <mc:AlternateContent xmlns:mc="http://schemas.openxmlformats.org/markup-compatibility/2006" xmlns:p14="http://schemas.microsoft.com/office/powerpoint/2010/main">
+        <mc:Choice Requires="p14">
+          <p:contentPart p14:bwMode="auto" r:id="rId2">
             <p14:nvContentPartPr>
-              <p14:cNvPr id="3" name="インク 2">
+              <p14:cNvPr id="5" name="インク 4">
                 <a:extLst>
                   <a:ext uri="{FF2B5EF4-FFF2-40B4-BE49-F238E27FC236}">
-                    <a16:creationId xmlns:a16="http://schemas.microsoft.com/office/drawing/2014/main" id="{1587BD2D-BBCB-460C-ADAA-5543A3AC63F1}"/>
+                    <a16:creationId xmlns:a16="http://schemas.microsoft.com/office/drawing/2014/main" id="{A2B8E68C-A6F5-489E-9D78-A639F6075853}"/>
                   </a:ext>
                 </a:extLst>
               </p14:cNvPr>
@@ -11581,18 +15585,18 @@
               <p14:nvPr/>
             </p14:nvContentPartPr>
             <p14:xfrm>
-              <a:off x="896421" y="1074409"/>
-              <a:ext cx="3577680" cy="46440"/>
+              <a:off x="896421" y="1003849"/>
+              <a:ext cx="998640" cy="26280"/>
             </p14:xfrm>
           </p:contentPart>
         </mc:Choice>
-        <mc:Fallback>
+        <mc:Fallback xmlns="">
           <p:pic>
             <p:nvPicPr>
-              <p:cNvPr id="3" name="インク 2">
+              <p:cNvPr id="5" name="インク 4">
                 <a:extLst>
                   <a:ext uri="{FF2B5EF4-FFF2-40B4-BE49-F238E27FC236}">
-                    <a16:creationId xmlns:a16="http://schemas.microsoft.com/office/drawing/2014/main" id="{1587BD2D-BBCB-460C-ADAA-5543A3AC63F1}"/>
+                    <a16:creationId xmlns:a16="http://schemas.microsoft.com/office/drawing/2014/main" id="{A2B8E68C-A6F5-489E-9D78-A639F6075853}"/>
                   </a:ext>
                 </a:extLst>
               </p:cNvPr>
@@ -11600,15 +15604,15 @@
               <p:nvPr/>
             </p:nvPicPr>
             <p:blipFill>
-              <a:blip r:embed="rId7"/>
+              <a:blip r:embed="rId3"/>
               <a:stretch>
                 <a:fillRect/>
               </a:stretch>
             </p:blipFill>
             <p:spPr>
               <a:xfrm>
-                <a:off x="806421" y="894769"/>
-                <a:ext cx="3757320" cy="406080"/>
+                <a:off x="806421" y="823849"/>
+                <a:ext cx="1178280" cy="385920"/>
               </a:xfrm>
               <a:prstGeom prst="rect">
                 <a:avLst/>
@@ -11617,20 +15621,249 @@
           </p:pic>
         </mc:Fallback>
       </mc:AlternateContent>
+      <p:graphicFrame>
+        <p:nvGraphicFramePr>
+          <p:cNvPr id="9" name="グラフ 8">
+            <a:extLst>
+              <a:ext uri="{FF2B5EF4-FFF2-40B4-BE49-F238E27FC236}">
+                <a16:creationId xmlns:a16="http://schemas.microsoft.com/office/drawing/2014/main" id="{9ADD1BDF-9438-42E0-9B11-C1EE1528528B}"/>
+              </a:ext>
+            </a:extLst>
+          </p:cNvPr>
+          <p:cNvGraphicFramePr/>
+          <p:nvPr/>
+        </p:nvGraphicFramePr>
+        <p:xfrm>
+          <a:off x="2054087" y="782122"/>
+          <a:ext cx="8113261" cy="5241196"/>
+        </p:xfrm>
+        <a:graphic>
+          <a:graphicData uri="http://schemas.openxmlformats.org/drawingml/2006/chart">
+            <c:chart xmlns:c="http://schemas.openxmlformats.org/drawingml/2006/chart" xmlns:r="http://schemas.openxmlformats.org/officeDocument/2006/relationships" r:id="rId4"/>
+          </a:graphicData>
+        </a:graphic>
+      </p:graphicFrame>
+      <p:sp>
+        <p:nvSpPr>
+          <p:cNvPr id="6" name="テキスト ボックス 5">
+            <a:extLst>
+              <a:ext uri="{FF2B5EF4-FFF2-40B4-BE49-F238E27FC236}">
+                <a16:creationId xmlns:a16="http://schemas.microsoft.com/office/drawing/2014/main" id="{07A74BD9-471C-4919-A3EC-2785683701CB}"/>
+              </a:ext>
+            </a:extLst>
+          </p:cNvPr>
+          <p:cNvSpPr txBox="1"/>
+          <p:nvPr/>
+        </p:nvSpPr>
+        <p:spPr>
+          <a:xfrm>
+            <a:off x="7337141" y="1069275"/>
+            <a:ext cx="5601543" cy="2646878"/>
+          </a:xfrm>
+          <a:prstGeom prst="rect">
+            <a:avLst/>
+          </a:prstGeom>
+          <a:noFill/>
+        </p:spPr>
+        <p:txBody>
+          <a:bodyPr wrap="square" rtlCol="0">
+            <a:spAutoFit/>
+          </a:bodyPr>
+          <a:lstStyle/>
+          <a:p>
+            <a:r>
+              <a:rPr kumimoji="1" lang="en-US" altLang="ja-JP" sz="16600" dirty="0">
+                <a:solidFill>
+                  <a:schemeClr val="accent2">
+                    <a:lumMod val="60000"/>
+                    <a:lumOff val="40000"/>
+                  </a:schemeClr>
+                </a:solidFill>
+              </a:rPr>
+              <a:t>70</a:t>
+            </a:r>
+            <a:r>
+              <a:rPr kumimoji="1" lang="ja-JP" altLang="en-US" sz="16600" dirty="0">
+                <a:solidFill>
+                  <a:schemeClr val="accent2">
+                    <a:lumMod val="60000"/>
+                    <a:lumOff val="40000"/>
+                  </a:schemeClr>
+                </a:solidFill>
+              </a:rPr>
+              <a:t>％</a:t>
+            </a:r>
+          </a:p>
+        </p:txBody>
+      </p:sp>
+      <p:sp>
+        <p:nvSpPr>
+          <p:cNvPr id="7" name="矢印: 右 6">
+            <a:extLst>
+              <a:ext uri="{FF2B5EF4-FFF2-40B4-BE49-F238E27FC236}">
+                <a16:creationId xmlns:a16="http://schemas.microsoft.com/office/drawing/2014/main" id="{84F493BA-64A7-40C4-9F4D-1B339C6EF4BF}"/>
+              </a:ext>
+            </a:extLst>
+          </p:cNvPr>
+          <p:cNvSpPr/>
+          <p:nvPr/>
+        </p:nvSpPr>
+        <p:spPr>
+          <a:xfrm>
+            <a:off x="838200" y="1532023"/>
+            <a:ext cx="3124200" cy="860691"/>
+          </a:xfrm>
+          <a:prstGeom prst="rightArrow">
+            <a:avLst>
+              <a:gd name="adj1" fmla="val 100000"/>
+              <a:gd name="adj2" fmla="val 56452"/>
+            </a:avLst>
+          </a:prstGeom>
+          <a:solidFill>
+            <a:schemeClr val="accent6">
+              <a:lumMod val="75000"/>
+            </a:schemeClr>
+          </a:solidFill>
+          <a:ln>
+            <a:solidFill>
+              <a:schemeClr val="accent6">
+                <a:lumMod val="60000"/>
+                <a:lumOff val="40000"/>
+              </a:schemeClr>
+            </a:solidFill>
+          </a:ln>
+        </p:spPr>
+        <p:style>
+          <a:lnRef idx="2">
+            <a:schemeClr val="accent1">
+              <a:shade val="50000"/>
+            </a:schemeClr>
+          </a:lnRef>
+          <a:fillRef idx="1">
+            <a:schemeClr val="accent1"/>
+          </a:fillRef>
+          <a:effectRef idx="0">
+            <a:schemeClr val="accent1"/>
+          </a:effectRef>
+          <a:fontRef idx="minor">
+            <a:schemeClr val="lt1"/>
+          </a:fontRef>
+        </p:style>
+        <p:txBody>
+          <a:bodyPr rtlCol="0" anchor="ctr"/>
+          <a:lstStyle/>
+          <a:p>
+            <a:r>
+              <a:rPr lang="ja-JP" altLang="en-US" dirty="0"/>
+              <a:t>　チーム演習の</a:t>
+            </a:r>
+            <a:r>
+              <a:rPr kumimoji="1" lang="ja-JP" altLang="en-US" dirty="0"/>
+              <a:t>達成度</a:t>
+            </a:r>
+          </a:p>
+        </p:txBody>
+      </p:sp>
     </p:spTree>
     <p:extLst>
       <p:ext uri="{BB962C8B-B14F-4D97-AF65-F5344CB8AC3E}">
-        <p14:creationId xmlns:p14="http://schemas.microsoft.com/office/powerpoint/2010/main" val="170496296"/>
+        <p14:creationId xmlns:p14="http://schemas.microsoft.com/office/powerpoint/2010/main" val="3124081877"/>
       </p:ext>
     </p:extLst>
   </p:cSld>
   <p:clrMapOvr>
     <a:masterClrMapping/>
   </p:clrMapOvr>
+  <p:timing>
+    <p:tnLst>
+      <p:par>
+        <p:cTn id="1" dur="indefinite" restart="never" nodeType="tmRoot">
+          <p:childTnLst>
+            <p:seq concurrent="1" nextAc="seek">
+              <p:cTn id="2" dur="indefinite" nodeType="mainSeq">
+                <p:childTnLst>
+                  <p:par>
+                    <p:cTn id="3" fill="hold">
+                      <p:stCondLst>
+                        <p:cond delay="indefinite"/>
+                      </p:stCondLst>
+                      <p:childTnLst>
+                        <p:par>
+                          <p:cTn id="4" fill="hold">
+                            <p:stCondLst>
+                              <p:cond delay="0"/>
+                            </p:stCondLst>
+                            <p:childTnLst>
+                              <p:par>
+                                <p:cTn id="5" presetID="16" presetClass="entr" presetSubtype="37" fill="hold" grpId="0" nodeType="clickEffect">
+                                  <p:stCondLst>
+                                    <p:cond delay="0"/>
+                                  </p:stCondLst>
+                                  <p:childTnLst>
+                                    <p:set>
+                                      <p:cBhvr>
+                                        <p:cTn id="6" dur="1" fill="hold">
+                                          <p:stCondLst>
+                                            <p:cond delay="0"/>
+                                          </p:stCondLst>
+                                        </p:cTn>
+                                        <p:tgtEl>
+                                          <p:spTgt spid="6"/>
+                                        </p:tgtEl>
+                                        <p:attrNameLst>
+                                          <p:attrName>style.visibility</p:attrName>
+                                        </p:attrNameLst>
+                                      </p:cBhvr>
+                                      <p:to>
+                                        <p:strVal val="visible"/>
+                                      </p:to>
+                                    </p:set>
+                                    <p:animEffect transition="in" filter="barn(outVertical)">
+                                      <p:cBhvr>
+                                        <p:cTn id="7" dur="500"/>
+                                        <p:tgtEl>
+                                          <p:spTgt spid="6"/>
+                                        </p:tgtEl>
+                                      </p:cBhvr>
+                                    </p:animEffect>
+                                  </p:childTnLst>
+                                </p:cTn>
+                              </p:par>
+                            </p:childTnLst>
+                          </p:cTn>
+                        </p:par>
+                      </p:childTnLst>
+                    </p:cTn>
+                  </p:par>
+                </p:childTnLst>
+              </p:cTn>
+              <p:prevCondLst>
+                <p:cond evt="onPrev" delay="0">
+                  <p:tgtEl>
+                    <p:sldTgt/>
+                  </p:tgtEl>
+                </p:cond>
+              </p:prevCondLst>
+              <p:nextCondLst>
+                <p:cond evt="onNext" delay="0">
+                  <p:tgtEl>
+                    <p:sldTgt/>
+                  </p:tgtEl>
+                </p:cond>
+              </p:nextCondLst>
+            </p:seq>
+          </p:childTnLst>
+        </p:cTn>
+      </p:par>
+    </p:tnLst>
+    <p:bldLst>
+      <p:bldP spid="6" grpId="0"/>
+    </p:bldLst>
+  </p:timing>
 </p:sld>
 </file>
 
-<file path=ppt/slides/slide7.xml><?xml version="1.0" encoding="utf-8"?>
+<file path=ppt/slides/slide8.xml><?xml version="1.0" encoding="utf-8"?>
 <p:sld xmlns:a="http://schemas.openxmlformats.org/drawingml/2006/main" xmlns:r="http://schemas.openxmlformats.org/officeDocument/2006/relationships" xmlns:p="http://schemas.openxmlformats.org/presentationml/2006/main">
   <p:cSld>
     <p:spTree>
@@ -11677,34 +15910,6 @@
               </a:rPr>
               <a:t>成果</a:t>
             </a:r>
-          </a:p>
-        </p:txBody>
-      </p:sp>
-      <p:sp>
-        <p:nvSpPr>
-          <p:cNvPr id="3" name="コンテンツ プレースホルダー 2">
-            <a:extLst>
-              <a:ext uri="{FF2B5EF4-FFF2-40B4-BE49-F238E27FC236}">
-                <a16:creationId xmlns:a16="http://schemas.microsoft.com/office/drawing/2014/main" id="{C3F67336-AEF3-4088-9E02-583B7C424338}"/>
-              </a:ext>
-            </a:extLst>
-          </p:cNvPr>
-          <p:cNvSpPr>
-            <a:spLocks noGrp="1"/>
-          </p:cNvSpPr>
-          <p:nvPr>
-            <p:ph idx="1"/>
-          </p:nvPr>
-        </p:nvSpPr>
-        <p:spPr/>
-        <p:txBody>
-          <a:bodyPr/>
-          <a:lstStyle/>
-          <a:p>
-            <a:endParaRPr kumimoji="1" lang="ja-JP" altLang="en-US" dirty="0">
-              <a:latin typeface="HG丸ｺﾞｼｯｸM-PRO" panose="020F0600000000000000" pitchFamily="50" charset="-128"/>
-              <a:ea typeface="HG丸ｺﾞｼｯｸM-PRO" panose="020F0600000000000000" pitchFamily="50" charset="-128"/>
-            </a:endParaRPr>
           </a:p>
         </p:txBody>
       </p:sp>
@@ -11777,8 +15982,8 @@
           </a:p>
         </p:txBody>
       </p:sp>
-      <mc:AlternateContent xmlns:mc="http://schemas.openxmlformats.org/markup-compatibility/2006">
-        <mc:Choice xmlns:p14="http://schemas.microsoft.com/office/powerpoint/2010/main" Requires="p14">
+      <mc:AlternateContent xmlns:mc="http://schemas.openxmlformats.org/markup-compatibility/2006" xmlns:p14="http://schemas.microsoft.com/office/powerpoint/2010/main">
+        <mc:Choice Requires="p14">
           <p:contentPart p14:bwMode="auto" r:id="rId2">
             <p14:nvContentPartPr>
               <p14:cNvPr id="5" name="インク 4">
@@ -11797,7 +16002,7 @@
             </p14:xfrm>
           </p:contentPart>
         </mc:Choice>
-        <mc:Fallback>
+        <mc:Fallback xmlns="">
           <p:pic>
             <p:nvPicPr>
               <p:cNvPr id="5" name="インク 4">
@@ -11828,20 +16033,708 @@
           </p:pic>
         </mc:Fallback>
       </mc:AlternateContent>
+      <p:graphicFrame>
+        <p:nvGraphicFramePr>
+          <p:cNvPr id="9" name="グラフ 8">
+            <a:extLst>
+              <a:ext uri="{FF2B5EF4-FFF2-40B4-BE49-F238E27FC236}">
+                <a16:creationId xmlns:a16="http://schemas.microsoft.com/office/drawing/2014/main" id="{9ADD1BDF-9438-42E0-9B11-C1EE1528528B}"/>
+              </a:ext>
+            </a:extLst>
+          </p:cNvPr>
+          <p:cNvGraphicFramePr/>
+          <p:nvPr/>
+        </p:nvGraphicFramePr>
+        <p:xfrm>
+          <a:off x="2902014" y="1197976"/>
+          <a:ext cx="5983331" cy="4237870"/>
+        </p:xfrm>
+        <a:graphic>
+          <a:graphicData uri="http://schemas.openxmlformats.org/drawingml/2006/chart">
+            <c:chart xmlns:c="http://schemas.openxmlformats.org/drawingml/2006/chart" xmlns:r="http://schemas.openxmlformats.org/officeDocument/2006/relationships" r:id="rId4"/>
+          </a:graphicData>
+        </a:graphic>
+      </p:graphicFrame>
+      <p:sp>
+        <p:nvSpPr>
+          <p:cNvPr id="3" name="テキスト ボックス 2">
+            <a:extLst>
+              <a:ext uri="{FF2B5EF4-FFF2-40B4-BE49-F238E27FC236}">
+                <a16:creationId xmlns:a16="http://schemas.microsoft.com/office/drawing/2014/main" id="{C99F354C-F287-421D-8285-1E2F0CD0C429}"/>
+              </a:ext>
+            </a:extLst>
+          </p:cNvPr>
+          <p:cNvSpPr txBox="1"/>
+          <p:nvPr/>
+        </p:nvSpPr>
+        <p:spPr>
+          <a:xfrm>
+            <a:off x="7669058" y="1317764"/>
+            <a:ext cx="5637704" cy="3693319"/>
+          </a:xfrm>
+          <a:prstGeom prst="rect">
+            <a:avLst/>
+          </a:prstGeom>
+          <a:noFill/>
+        </p:spPr>
+        <p:txBody>
+          <a:bodyPr wrap="square" rtlCol="0">
+            <a:spAutoFit/>
+          </a:bodyPr>
+          <a:lstStyle/>
+          <a:p>
+            <a:r>
+              <a:rPr lang="ja-JP" altLang="en-US" sz="2400" dirty="0"/>
+              <a:t>◎</a:t>
+            </a:r>
+            <a:r>
+              <a:rPr kumimoji="1" lang="ja-JP" altLang="en-US" sz="2400" dirty="0"/>
+              <a:t>基本的な機能の実装</a:t>
+            </a:r>
+            <a:endParaRPr kumimoji="1" lang="en-US" altLang="ja-JP" sz="2400" dirty="0"/>
+          </a:p>
+          <a:p>
+            <a:r>
+              <a:rPr lang="ja-JP" altLang="en-US" sz="2400" dirty="0"/>
+              <a:t>・会員情報登録</a:t>
+            </a:r>
+            <a:r>
+              <a:rPr lang="en-US" altLang="ja-JP" sz="2400" dirty="0"/>
+              <a:t>/</a:t>
+            </a:r>
+            <a:r>
+              <a:rPr lang="ja-JP" altLang="en-US" sz="2400" dirty="0"/>
+              <a:t>変更</a:t>
+            </a:r>
+            <a:endParaRPr lang="en-US" altLang="ja-JP" sz="2400" dirty="0"/>
+          </a:p>
+          <a:p>
+            <a:r>
+              <a:rPr kumimoji="1" lang="ja-JP" altLang="en-US" sz="2400" dirty="0"/>
+              <a:t>・質問</a:t>
+            </a:r>
+            <a:endParaRPr kumimoji="1" lang="en-US" altLang="ja-JP" sz="2400" dirty="0"/>
+          </a:p>
+          <a:p>
+            <a:r>
+              <a:rPr lang="ja-JP" altLang="en-US" sz="2400" dirty="0"/>
+              <a:t>・回答</a:t>
+            </a:r>
+            <a:endParaRPr kumimoji="1" lang="en-US" altLang="ja-JP" sz="2400" dirty="0"/>
+          </a:p>
+          <a:p>
+            <a:endParaRPr lang="en-US" altLang="ja-JP" sz="2400" dirty="0"/>
+          </a:p>
+          <a:p>
+            <a:r>
+              <a:rPr lang="ja-JP" altLang="en-US" sz="2400" dirty="0"/>
+              <a:t>◎</a:t>
+            </a:r>
+            <a:r>
+              <a:rPr lang="en-US" altLang="ja-JP" sz="2400" dirty="0"/>
+              <a:t>DOJO</a:t>
+            </a:r>
+            <a:r>
+              <a:rPr lang="ja-JP" altLang="en-US" sz="2400" dirty="0"/>
+              <a:t>イメージの実現</a:t>
+            </a:r>
+            <a:endParaRPr kumimoji="1" lang="en-US" altLang="ja-JP" sz="2400" dirty="0"/>
+          </a:p>
+          <a:p>
+            <a:endParaRPr kumimoji="1" lang="en-US" altLang="ja-JP" sz="2400" dirty="0"/>
+          </a:p>
+          <a:p>
+            <a:r>
+              <a:rPr lang="ja-JP" altLang="en-US" sz="2400" dirty="0">
+                <a:solidFill>
+                  <a:srgbClr val="C00000"/>
+                </a:solidFill>
+              </a:rPr>
+              <a:t>◎チームメンバーの理解度</a:t>
+            </a:r>
+            <a:endParaRPr lang="en-US" altLang="ja-JP" sz="2400" dirty="0">
+              <a:solidFill>
+                <a:srgbClr val="C00000"/>
+              </a:solidFill>
+            </a:endParaRPr>
+          </a:p>
+          <a:p>
+            <a:r>
+              <a:rPr lang="ja-JP" altLang="en-US" sz="2400" dirty="0">
+                <a:solidFill>
+                  <a:srgbClr val="C00000"/>
+                </a:solidFill>
+              </a:rPr>
+              <a:t>　をそろえる</a:t>
+            </a:r>
+            <a:endParaRPr kumimoji="1" lang="en-US" altLang="ja-JP" sz="2400" dirty="0">
+              <a:solidFill>
+                <a:srgbClr val="C00000"/>
+              </a:solidFill>
+            </a:endParaRPr>
+          </a:p>
+          <a:p>
+            <a:endParaRPr lang="en-US" altLang="ja-JP" dirty="0"/>
+          </a:p>
+        </p:txBody>
+      </p:sp>
+      <p:sp>
+        <p:nvSpPr>
+          <p:cNvPr id="11" name="テキスト ボックス 10">
+            <a:extLst>
+              <a:ext uri="{FF2B5EF4-FFF2-40B4-BE49-F238E27FC236}">
+                <a16:creationId xmlns:a16="http://schemas.microsoft.com/office/drawing/2014/main" id="{71B7B777-729C-4CBB-94AE-784C980655C8}"/>
+              </a:ext>
+            </a:extLst>
+          </p:cNvPr>
+          <p:cNvSpPr txBox="1"/>
+          <p:nvPr/>
+        </p:nvSpPr>
+        <p:spPr>
+          <a:xfrm>
+            <a:off x="1380229" y="4681281"/>
+            <a:ext cx="3043570" cy="1200329"/>
+          </a:xfrm>
+          <a:prstGeom prst="rect">
+            <a:avLst/>
+          </a:prstGeom>
+          <a:noFill/>
+        </p:spPr>
+        <p:txBody>
+          <a:bodyPr wrap="square" rtlCol="0">
+            <a:spAutoFit/>
+          </a:bodyPr>
+          <a:lstStyle/>
+          <a:p>
+            <a:r>
+              <a:rPr lang="ja-JP" altLang="en-US" dirty="0"/>
+              <a:t>〇</a:t>
+            </a:r>
+            <a:r>
+              <a:rPr kumimoji="1" lang="ja-JP" altLang="en-US" dirty="0"/>
+              <a:t>画像（登録・表示）</a:t>
+            </a:r>
+            <a:endParaRPr kumimoji="1" lang="en-US" altLang="ja-JP" dirty="0"/>
+          </a:p>
+          <a:p>
+            <a:endParaRPr kumimoji="1" lang="en-US" altLang="ja-JP" dirty="0"/>
+          </a:p>
+          <a:p>
+            <a:r>
+              <a:rPr lang="ja-JP" altLang="en-US" dirty="0"/>
+              <a:t>〇ページ分割の</a:t>
+            </a:r>
+            <a:r>
+              <a:rPr lang="en-US" altLang="ja-JP" dirty="0"/>
+              <a:t>jQuery</a:t>
+            </a:r>
+          </a:p>
+          <a:p>
+            <a:r>
+              <a:rPr lang="ja-JP" altLang="en-US" dirty="0"/>
+              <a:t>　（</a:t>
+            </a:r>
+            <a:r>
+              <a:rPr lang="en-US" altLang="ja-JP" dirty="0"/>
+              <a:t>20</a:t>
+            </a:r>
+            <a:r>
+              <a:rPr lang="ja-JP" altLang="en-US" dirty="0"/>
+              <a:t>件ずつ表示など）</a:t>
+            </a:r>
+            <a:endParaRPr lang="en-US" altLang="ja-JP" dirty="0"/>
+          </a:p>
+        </p:txBody>
+      </p:sp>
+      <p:sp>
+        <p:nvSpPr>
+          <p:cNvPr id="7" name="テキスト ボックス 6">
+            <a:extLst>
+              <a:ext uri="{FF2B5EF4-FFF2-40B4-BE49-F238E27FC236}">
+                <a16:creationId xmlns:a16="http://schemas.microsoft.com/office/drawing/2014/main" id="{87977FC0-4F59-41C7-BA5A-65B4C09DCD52}"/>
+              </a:ext>
+            </a:extLst>
+          </p:cNvPr>
+          <p:cNvSpPr txBox="1"/>
+          <p:nvPr/>
+        </p:nvSpPr>
+        <p:spPr>
+          <a:xfrm>
+            <a:off x="7934582" y="620446"/>
+            <a:ext cx="2610009" cy="584775"/>
+          </a:xfrm>
+          <a:prstGeom prst="rect">
+            <a:avLst/>
+          </a:prstGeom>
+          <a:noFill/>
+        </p:spPr>
+        <p:txBody>
+          <a:bodyPr wrap="square" rtlCol="0">
+            <a:spAutoFit/>
+          </a:bodyPr>
+          <a:lstStyle/>
+          <a:p>
+            <a:r>
+              <a:rPr kumimoji="1" lang="ja-JP" altLang="en-US" sz="3200" dirty="0">
+                <a:solidFill>
+                  <a:schemeClr val="accent2">
+                    <a:lumMod val="75000"/>
+                  </a:schemeClr>
+                </a:solidFill>
+              </a:rPr>
+              <a:t>できたこと</a:t>
+            </a:r>
+          </a:p>
+        </p:txBody>
+      </p:sp>
+      <p:sp>
+        <p:nvSpPr>
+          <p:cNvPr id="12" name="テキスト ボックス 11">
+            <a:extLst>
+              <a:ext uri="{FF2B5EF4-FFF2-40B4-BE49-F238E27FC236}">
+                <a16:creationId xmlns:a16="http://schemas.microsoft.com/office/drawing/2014/main" id="{2D78A90F-8101-4C2D-B852-CA51CFEDD06F}"/>
+              </a:ext>
+            </a:extLst>
+          </p:cNvPr>
+          <p:cNvSpPr txBox="1"/>
+          <p:nvPr/>
+        </p:nvSpPr>
+        <p:spPr>
+          <a:xfrm>
+            <a:off x="1163707" y="4081136"/>
+            <a:ext cx="2924189" cy="461665"/>
+          </a:xfrm>
+          <a:prstGeom prst="rect">
+            <a:avLst/>
+          </a:prstGeom>
+          <a:noFill/>
+        </p:spPr>
+        <p:txBody>
+          <a:bodyPr wrap="square" rtlCol="0">
+            <a:spAutoFit/>
+          </a:bodyPr>
+          <a:lstStyle/>
+          <a:p>
+            <a:r>
+              <a:rPr kumimoji="1" lang="ja-JP" altLang="en-US" sz="2400" dirty="0">
+                <a:solidFill>
+                  <a:schemeClr val="accent1">
+                    <a:lumMod val="75000"/>
+                  </a:schemeClr>
+                </a:solidFill>
+              </a:rPr>
+              <a:t>できなかったこと</a:t>
+            </a:r>
+          </a:p>
+        </p:txBody>
+      </p:sp>
+      <p:sp>
+        <p:nvSpPr>
+          <p:cNvPr id="8" name="スマイル 7">
+            <a:extLst>
+              <a:ext uri="{FF2B5EF4-FFF2-40B4-BE49-F238E27FC236}">
+                <a16:creationId xmlns:a16="http://schemas.microsoft.com/office/drawing/2014/main" id="{362B08C2-BCD1-4F8D-ABA2-B7AA11056D1A}"/>
+              </a:ext>
+            </a:extLst>
+          </p:cNvPr>
+          <p:cNvSpPr/>
+          <p:nvPr/>
+        </p:nvSpPr>
+        <p:spPr>
+          <a:xfrm>
+            <a:off x="10049343" y="620446"/>
+            <a:ext cx="499421" cy="503712"/>
+          </a:xfrm>
+          <a:prstGeom prst="smileyFace">
+            <a:avLst>
+              <a:gd name="adj" fmla="val 4653"/>
+            </a:avLst>
+          </a:prstGeom>
+          <a:solidFill>
+            <a:schemeClr val="accent4">
+              <a:lumMod val="60000"/>
+              <a:lumOff val="40000"/>
+            </a:schemeClr>
+          </a:solidFill>
+          <a:ln>
+            <a:solidFill>
+              <a:schemeClr val="accent4">
+                <a:lumMod val="50000"/>
+              </a:schemeClr>
+            </a:solidFill>
+          </a:ln>
+        </p:spPr>
+        <p:style>
+          <a:lnRef idx="2">
+            <a:schemeClr val="accent1">
+              <a:shade val="50000"/>
+            </a:schemeClr>
+          </a:lnRef>
+          <a:fillRef idx="1">
+            <a:schemeClr val="accent1"/>
+          </a:fillRef>
+          <a:effectRef idx="0">
+            <a:schemeClr val="accent1"/>
+          </a:effectRef>
+          <a:fontRef idx="minor">
+            <a:schemeClr val="lt1"/>
+          </a:fontRef>
+        </p:style>
+        <p:txBody>
+          <a:bodyPr rtlCol="0" anchor="ctr"/>
+          <a:lstStyle/>
+          <a:p>
+            <a:pPr algn="ctr"/>
+            <a:endParaRPr kumimoji="1" lang="ja-JP" altLang="en-US"/>
+          </a:p>
+        </p:txBody>
+      </p:sp>
+      <p:grpSp>
+        <p:nvGrpSpPr>
+          <p:cNvPr id="6" name="グループ化 5">
+            <a:extLst>
+              <a:ext uri="{FF2B5EF4-FFF2-40B4-BE49-F238E27FC236}">
+                <a16:creationId xmlns:a16="http://schemas.microsoft.com/office/drawing/2014/main" id="{D98CE251-7B99-4B5D-9869-330AE6B3E909}"/>
+              </a:ext>
+            </a:extLst>
+          </p:cNvPr>
+          <p:cNvGrpSpPr/>
+          <p:nvPr/>
+        </p:nvGrpSpPr>
+        <p:grpSpPr>
+          <a:xfrm>
+            <a:off x="7561083" y="4742872"/>
+            <a:ext cx="4570633" cy="1404051"/>
+            <a:chOff x="7561083" y="4742872"/>
+            <a:chExt cx="4570633" cy="1404051"/>
+          </a:xfrm>
+        </p:grpSpPr>
+        <p:sp>
+          <p:nvSpPr>
+            <p:cNvPr id="14" name="矢印: 下 13">
+              <a:extLst>
+                <a:ext uri="{FF2B5EF4-FFF2-40B4-BE49-F238E27FC236}">
+                  <a16:creationId xmlns:a16="http://schemas.microsoft.com/office/drawing/2014/main" id="{9DCA7770-804C-4C0C-80A5-BD3CF79F6E0D}"/>
+                </a:ext>
+              </a:extLst>
+            </p:cNvPr>
+            <p:cNvSpPr/>
+            <p:nvPr/>
+          </p:nvSpPr>
+          <p:spPr>
+            <a:xfrm>
+              <a:off x="9289986" y="4742872"/>
+              <a:ext cx="393895" cy="652831"/>
+            </a:xfrm>
+            <a:prstGeom prst="downArrow">
+              <a:avLst/>
+            </a:prstGeom>
+            <a:solidFill>
+              <a:srgbClr val="C00000"/>
+            </a:solidFill>
+            <a:ln>
+              <a:solidFill>
+                <a:srgbClr val="C00000"/>
+              </a:solidFill>
+            </a:ln>
+          </p:spPr>
+          <p:style>
+            <a:lnRef idx="2">
+              <a:schemeClr val="accent1">
+                <a:shade val="50000"/>
+              </a:schemeClr>
+            </a:lnRef>
+            <a:fillRef idx="1">
+              <a:schemeClr val="accent1"/>
+            </a:fillRef>
+            <a:effectRef idx="0">
+              <a:schemeClr val="accent1"/>
+            </a:effectRef>
+            <a:fontRef idx="minor">
+              <a:schemeClr val="lt1"/>
+            </a:fontRef>
+          </p:style>
+          <p:txBody>
+            <a:bodyPr rtlCol="0" anchor="ctr"/>
+            <a:lstStyle/>
+            <a:p>
+              <a:pPr algn="ctr"/>
+              <a:endParaRPr kumimoji="1" lang="ja-JP" altLang="en-US"/>
+            </a:p>
+          </p:txBody>
+        </p:sp>
+        <p:sp>
+          <p:nvSpPr>
+            <p:cNvPr id="15" name="テキスト ボックス 14">
+              <a:extLst>
+                <a:ext uri="{FF2B5EF4-FFF2-40B4-BE49-F238E27FC236}">
+                  <a16:creationId xmlns:a16="http://schemas.microsoft.com/office/drawing/2014/main" id="{5660BEEB-DBA6-491C-AEDC-C45BD98509C7}"/>
+                </a:ext>
+              </a:extLst>
+            </p:cNvPr>
+            <p:cNvSpPr txBox="1"/>
+            <p:nvPr/>
+          </p:nvSpPr>
+          <p:spPr>
+            <a:xfrm>
+              <a:off x="7561083" y="5500592"/>
+              <a:ext cx="4570633" cy="646331"/>
+            </a:xfrm>
+            <a:prstGeom prst="rect">
+              <a:avLst/>
+            </a:prstGeom>
+            <a:noFill/>
+          </p:spPr>
+          <p:txBody>
+            <a:bodyPr wrap="square" rtlCol="0">
+              <a:spAutoFit/>
+            </a:bodyPr>
+            <a:lstStyle/>
+            <a:p>
+              <a:r>
+                <a:rPr lang="ja-JP" altLang="en-US" dirty="0"/>
+                <a:t>わからなくても置き去りにならない！</a:t>
+              </a:r>
+              <a:endParaRPr kumimoji="1" lang="en-US" altLang="ja-JP" dirty="0"/>
+            </a:p>
+            <a:p>
+              <a:r>
+                <a:rPr kumimoji="1" lang="ja-JP" altLang="en-US" dirty="0"/>
+                <a:t>一人ひとりの成長がしっかり感じられた</a:t>
+              </a:r>
+            </a:p>
+          </p:txBody>
+        </p:sp>
+      </p:grpSp>
+      <p:sp>
+        <p:nvSpPr>
+          <p:cNvPr id="16" name="矢印: 右カーブ 15">
+            <a:extLst>
+              <a:ext uri="{FF2B5EF4-FFF2-40B4-BE49-F238E27FC236}">
+                <a16:creationId xmlns:a16="http://schemas.microsoft.com/office/drawing/2014/main" id="{7F9585B0-FF9A-4E2A-A6BB-EF5AD32E4EE7}"/>
+              </a:ext>
+            </a:extLst>
+          </p:cNvPr>
+          <p:cNvSpPr/>
+          <p:nvPr/>
+        </p:nvSpPr>
+        <p:spPr>
+          <a:xfrm rot="4017886">
+            <a:off x="3797079" y="2813307"/>
+            <a:ext cx="526412" cy="1181212"/>
+          </a:xfrm>
+          <a:prstGeom prst="curvedRightArrow">
+            <a:avLst>
+              <a:gd name="adj1" fmla="val 30746"/>
+              <a:gd name="adj2" fmla="val 50000"/>
+              <a:gd name="adj3" fmla="val 25000"/>
+            </a:avLst>
+          </a:prstGeom>
+          <a:solidFill>
+            <a:schemeClr val="accent1">
+              <a:lumMod val="60000"/>
+              <a:lumOff val="40000"/>
+            </a:schemeClr>
+          </a:solidFill>
+          <a:ln>
+            <a:solidFill>
+              <a:schemeClr val="accent1">
+                <a:lumMod val="40000"/>
+                <a:lumOff val="60000"/>
+              </a:schemeClr>
+            </a:solidFill>
+          </a:ln>
+        </p:spPr>
+        <p:style>
+          <a:lnRef idx="2">
+            <a:schemeClr val="accent1">
+              <a:shade val="50000"/>
+            </a:schemeClr>
+          </a:lnRef>
+          <a:fillRef idx="1">
+            <a:schemeClr val="accent1"/>
+          </a:fillRef>
+          <a:effectRef idx="0">
+            <a:schemeClr val="accent1"/>
+          </a:effectRef>
+          <a:fontRef idx="minor">
+            <a:schemeClr val="lt1"/>
+          </a:fontRef>
+        </p:style>
+        <p:txBody>
+          <a:bodyPr rtlCol="0" anchor="ctr"/>
+          <a:lstStyle/>
+          <a:p>
+            <a:pPr algn="ctr"/>
+            <a:endParaRPr kumimoji="1" lang="ja-JP" altLang="en-US">
+              <a:solidFill>
+                <a:schemeClr val="tx1"/>
+              </a:solidFill>
+            </a:endParaRPr>
+          </a:p>
+        </p:txBody>
+      </p:sp>
+      <p:sp>
+        <p:nvSpPr>
+          <p:cNvPr id="18" name="矢印: 右カーブ 17">
+            <a:extLst>
+              <a:ext uri="{FF2B5EF4-FFF2-40B4-BE49-F238E27FC236}">
+                <a16:creationId xmlns:a16="http://schemas.microsoft.com/office/drawing/2014/main" id="{A25CB272-090A-4E33-9B86-4CA156C4CB91}"/>
+              </a:ext>
+            </a:extLst>
+          </p:cNvPr>
+          <p:cNvSpPr/>
+          <p:nvPr/>
+        </p:nvSpPr>
+        <p:spPr>
+          <a:xfrm rot="16200000" flipH="1">
+            <a:off x="6866919" y="1811161"/>
+            <a:ext cx="520957" cy="1181212"/>
+          </a:xfrm>
+          <a:prstGeom prst="curvedRightArrow">
+            <a:avLst/>
+          </a:prstGeom>
+          <a:solidFill>
+            <a:schemeClr val="accent4">
+              <a:lumMod val="60000"/>
+              <a:lumOff val="40000"/>
+            </a:schemeClr>
+          </a:solidFill>
+          <a:ln>
+            <a:solidFill>
+              <a:schemeClr val="accent2">
+                <a:lumMod val="60000"/>
+                <a:lumOff val="40000"/>
+              </a:schemeClr>
+            </a:solidFill>
+          </a:ln>
+        </p:spPr>
+        <p:style>
+          <a:lnRef idx="2">
+            <a:schemeClr val="accent1">
+              <a:shade val="50000"/>
+            </a:schemeClr>
+          </a:lnRef>
+          <a:fillRef idx="1">
+            <a:schemeClr val="accent1"/>
+          </a:fillRef>
+          <a:effectRef idx="0">
+            <a:schemeClr val="accent1"/>
+          </a:effectRef>
+          <a:fontRef idx="minor">
+            <a:schemeClr val="lt1"/>
+          </a:fontRef>
+        </p:style>
+        <p:txBody>
+          <a:bodyPr rtlCol="0" anchor="ctr"/>
+          <a:lstStyle/>
+          <a:p>
+            <a:pPr algn="ctr"/>
+            <a:endParaRPr kumimoji="1" lang="ja-JP" altLang="en-US">
+              <a:solidFill>
+                <a:schemeClr val="tx1"/>
+              </a:solidFill>
+            </a:endParaRPr>
+          </a:p>
+        </p:txBody>
+      </p:sp>
     </p:spTree>
     <p:extLst>
       <p:ext uri="{BB962C8B-B14F-4D97-AF65-F5344CB8AC3E}">
-        <p14:creationId xmlns:p14="http://schemas.microsoft.com/office/powerpoint/2010/main" val="3655081547"/>
+        <p14:creationId xmlns:p14="http://schemas.microsoft.com/office/powerpoint/2010/main" val="3569153038"/>
       </p:ext>
     </p:extLst>
   </p:cSld>
   <p:clrMapOvr>
     <a:masterClrMapping/>
   </p:clrMapOvr>
+  <p:timing>
+    <p:tnLst>
+      <p:par>
+        <p:cTn id="1" dur="indefinite" restart="never" nodeType="tmRoot">
+          <p:childTnLst>
+            <p:seq concurrent="1" nextAc="seek">
+              <p:cTn id="2" dur="indefinite" nodeType="mainSeq">
+                <p:childTnLst>
+                  <p:par>
+                    <p:cTn id="3" fill="hold">
+                      <p:stCondLst>
+                        <p:cond delay="indefinite"/>
+                      </p:stCondLst>
+                      <p:childTnLst>
+                        <p:par>
+                          <p:cTn id="4" fill="hold">
+                            <p:stCondLst>
+                              <p:cond delay="0"/>
+                            </p:stCondLst>
+                            <p:childTnLst>
+                              <p:par>
+                                <p:cTn id="5" presetID="22" presetClass="entr" presetSubtype="1" fill="hold" nodeType="clickEffect">
+                                  <p:stCondLst>
+                                    <p:cond delay="0"/>
+                                  </p:stCondLst>
+                                  <p:childTnLst>
+                                    <p:set>
+                                      <p:cBhvr>
+                                        <p:cTn id="6" dur="1" fill="hold">
+                                          <p:stCondLst>
+                                            <p:cond delay="0"/>
+                                          </p:stCondLst>
+                                        </p:cTn>
+                                        <p:tgtEl>
+                                          <p:spTgt spid="6"/>
+                                        </p:tgtEl>
+                                        <p:attrNameLst>
+                                          <p:attrName>style.visibility</p:attrName>
+                                        </p:attrNameLst>
+                                      </p:cBhvr>
+                                      <p:to>
+                                        <p:strVal val="visible"/>
+                                      </p:to>
+                                    </p:set>
+                                    <p:animEffect transition="in" filter="wipe(up)">
+                                      <p:cBhvr>
+                                        <p:cTn id="7" dur="500"/>
+                                        <p:tgtEl>
+                                          <p:spTgt spid="6"/>
+                                        </p:tgtEl>
+                                      </p:cBhvr>
+                                    </p:animEffect>
+                                  </p:childTnLst>
+                                </p:cTn>
+                              </p:par>
+                            </p:childTnLst>
+                          </p:cTn>
+                        </p:par>
+                      </p:childTnLst>
+                    </p:cTn>
+                  </p:par>
+                </p:childTnLst>
+              </p:cTn>
+              <p:prevCondLst>
+                <p:cond evt="onPrev" delay="0">
+                  <p:tgtEl>
+                    <p:sldTgt/>
+                  </p:tgtEl>
+                </p:cond>
+              </p:prevCondLst>
+              <p:nextCondLst>
+                <p:cond evt="onNext" delay="0">
+                  <p:tgtEl>
+                    <p:sldTgt/>
+                  </p:tgtEl>
+                </p:cond>
+              </p:nextCondLst>
+            </p:seq>
+          </p:childTnLst>
+        </p:cTn>
+      </p:par>
+    </p:tnLst>
+  </p:timing>
 </p:sld>
 </file>
 
-<file path=ppt/slides/slide8.xml><?xml version="1.0" encoding="utf-8"?>
+<file path=ppt/slides/slide9.xml><?xml version="1.0" encoding="utf-8"?>
 <p:sld xmlns:a="http://schemas.openxmlformats.org/drawingml/2006/main" xmlns:r="http://schemas.openxmlformats.org/officeDocument/2006/relationships" xmlns:p="http://schemas.openxmlformats.org/presentationml/2006/main">
   <p:cSld>
     <p:spTree>
@@ -12687,8 +17580,8 @@
           </a:p>
         </p:txBody>
       </p:sp>
-      <mc:AlternateContent xmlns:mc="http://schemas.openxmlformats.org/markup-compatibility/2006">
-        <mc:Choice xmlns:p14="http://schemas.microsoft.com/office/powerpoint/2010/main" Requires="p14">
+      <mc:AlternateContent xmlns:mc="http://schemas.openxmlformats.org/markup-compatibility/2006" xmlns:p14="http://schemas.microsoft.com/office/powerpoint/2010/main">
+        <mc:Choice Requires="p14">
           <p:contentPart p14:bwMode="auto" r:id="rId3">
             <p14:nvContentPartPr>
               <p14:cNvPr id="3" name="インク 2">
@@ -12707,7 +17600,7 @@
             </p14:xfrm>
           </p:contentPart>
         </mc:Choice>
-        <mc:Fallback>
+        <mc:Fallback xmlns="">
           <p:pic>
             <p:nvPicPr>
               <p:cNvPr id="3" name="インク 2">
@@ -12742,472 +17635,6 @@
     <p:extLst>
       <p:ext uri="{BB962C8B-B14F-4D97-AF65-F5344CB8AC3E}">
         <p14:creationId xmlns:p14="http://schemas.microsoft.com/office/powerpoint/2010/main" val="817066274"/>
-      </p:ext>
-    </p:extLst>
-  </p:cSld>
-  <p:clrMapOvr>
-    <a:masterClrMapping/>
-  </p:clrMapOvr>
-</p:sld>
-</file>
-
-<file path=ppt/slides/slide9.xml><?xml version="1.0" encoding="utf-8"?>
-<p:sld xmlns:a="http://schemas.openxmlformats.org/drawingml/2006/main" xmlns:r="http://schemas.openxmlformats.org/officeDocument/2006/relationships" xmlns:p="http://schemas.openxmlformats.org/presentationml/2006/main">
-  <p:cSld>
-    <p:spTree>
-      <p:nvGrpSpPr>
-        <p:cNvPr id="1" name=""/>
-        <p:cNvGrpSpPr/>
-        <p:nvPr/>
-      </p:nvGrpSpPr>
-      <p:grpSpPr>
-        <a:xfrm>
-          <a:off x="0" y="0"/>
-          <a:ext cx="0" cy="0"/>
-          <a:chOff x="0" y="0"/>
-          <a:chExt cx="0" cy="0"/>
-        </a:xfrm>
-      </p:grpSpPr>
-      <p:sp>
-        <p:nvSpPr>
-          <p:cNvPr id="2" name="タイトル 1">
-            <a:extLst>
-              <a:ext uri="{FF2B5EF4-FFF2-40B4-BE49-F238E27FC236}">
-                <a16:creationId xmlns:a16="http://schemas.microsoft.com/office/drawing/2014/main" id="{0E0052EA-F9A7-41FB-BA0C-317EFE23BF4C}"/>
-              </a:ext>
-            </a:extLst>
-          </p:cNvPr>
-          <p:cNvSpPr>
-            <a:spLocks noGrp="1"/>
-          </p:cNvSpPr>
-          <p:nvPr>
-            <p:ph type="title"/>
-          </p:nvPr>
-        </p:nvSpPr>
-        <p:spPr>
-          <a:xfrm>
-            <a:off x="838199" y="131762"/>
-            <a:ext cx="10515600" cy="1325563"/>
-          </a:xfrm>
-        </p:spPr>
-        <p:txBody>
-          <a:bodyPr>
-            <a:normAutofit/>
-          </a:bodyPr>
-          <a:lstStyle/>
-          <a:p>
-            <a:r>
-              <a:rPr lang="ja-JP" altLang="en-US" sz="4000" dirty="0">
-                <a:latin typeface="HG丸ｺﾞｼｯｸM-PRO" panose="020F0600000000000000" pitchFamily="50" charset="-128"/>
-                <a:ea typeface="HG丸ｺﾞｼｯｸM-PRO" panose="020F0600000000000000" pitchFamily="50" charset="-128"/>
-              </a:rPr>
-              <a:t>グループ</a:t>
-            </a:r>
-            <a:endParaRPr kumimoji="1" lang="ja-JP" altLang="en-US" sz="4000" dirty="0">
-              <a:latin typeface="HG丸ｺﾞｼｯｸM-PRO" panose="020F0600000000000000" pitchFamily="50" charset="-128"/>
-              <a:ea typeface="HG丸ｺﾞｼｯｸM-PRO" panose="020F0600000000000000" pitchFamily="50" charset="-128"/>
-            </a:endParaRPr>
-          </a:p>
-        </p:txBody>
-      </p:sp>
-      <p:sp>
-        <p:nvSpPr>
-          <p:cNvPr id="4" name="フレーム 3">
-            <a:extLst>
-              <a:ext uri="{FF2B5EF4-FFF2-40B4-BE49-F238E27FC236}">
-                <a16:creationId xmlns:a16="http://schemas.microsoft.com/office/drawing/2014/main" id="{9061ED0C-2A66-439A-B304-1558BAF77192}"/>
-              </a:ext>
-            </a:extLst>
-          </p:cNvPr>
-          <p:cNvSpPr/>
-          <p:nvPr/>
-        </p:nvSpPr>
-        <p:spPr>
-          <a:xfrm>
-            <a:off x="0" y="0"/>
-            <a:ext cx="12192000" cy="6858000"/>
-          </a:xfrm>
-          <a:prstGeom prst="frame">
-            <a:avLst>
-              <a:gd name="adj1" fmla="val 4395"/>
-            </a:avLst>
-          </a:prstGeom>
-          <a:solidFill>
-            <a:schemeClr val="accent4">
-              <a:lumMod val="60000"/>
-              <a:lumOff val="40000"/>
-            </a:schemeClr>
-          </a:solidFill>
-          <a:ln>
-            <a:noFill/>
-          </a:ln>
-          <a:effectLst>
-            <a:glow rad="63500">
-              <a:schemeClr val="accent4">
-                <a:satMod val="175000"/>
-                <a:alpha val="40000"/>
-              </a:schemeClr>
-            </a:glow>
-          </a:effectLst>
-        </p:spPr>
-        <p:style>
-          <a:lnRef idx="2">
-            <a:schemeClr val="accent1">
-              <a:shade val="50000"/>
-            </a:schemeClr>
-          </a:lnRef>
-          <a:fillRef idx="1">
-            <a:schemeClr val="accent1"/>
-          </a:fillRef>
-          <a:effectRef idx="0">
-            <a:schemeClr val="accent1"/>
-          </a:effectRef>
-          <a:fontRef idx="minor">
-            <a:schemeClr val="lt1"/>
-          </a:fontRef>
-        </p:style>
-        <p:txBody>
-          <a:bodyPr rtlCol="0" anchor="ctr"/>
-          <a:lstStyle/>
-          <a:p>
-            <a:pPr algn="ctr"/>
-            <a:endParaRPr kumimoji="1" lang="ja-JP" altLang="en-US">
-              <a:solidFill>
-                <a:schemeClr val="tx1"/>
-              </a:solidFill>
-            </a:endParaRPr>
-          </a:p>
-        </p:txBody>
-      </p:sp>
-      <p:sp>
-        <p:nvSpPr>
-          <p:cNvPr id="8" name="テキスト ボックス 7">
-            <a:extLst>
-              <a:ext uri="{FF2B5EF4-FFF2-40B4-BE49-F238E27FC236}">
-                <a16:creationId xmlns:a16="http://schemas.microsoft.com/office/drawing/2014/main" id="{317BC431-20DD-4729-A6A8-CD8E57E72464}"/>
-              </a:ext>
-            </a:extLst>
-          </p:cNvPr>
-          <p:cNvSpPr txBox="1"/>
-          <p:nvPr/>
-        </p:nvSpPr>
-        <p:spPr>
-          <a:xfrm>
-            <a:off x="1357312" y="1504155"/>
-            <a:ext cx="9477375" cy="1325563"/>
-          </a:xfrm>
-          <a:prstGeom prst="rect">
-            <a:avLst/>
-          </a:prstGeom>
-          <a:noFill/>
-          <a:ln>
-            <a:solidFill>
-              <a:schemeClr val="accent6">
-                <a:lumMod val="60000"/>
-                <a:lumOff val="40000"/>
-              </a:schemeClr>
-            </a:solidFill>
-          </a:ln>
-        </p:spPr>
-        <p:txBody>
-          <a:bodyPr wrap="square" rtlCol="0">
-            <a:spAutoFit/>
-          </a:bodyPr>
-          <a:lstStyle/>
-          <a:p>
-            <a:endParaRPr kumimoji="1" lang="ja-JP" altLang="en-US" dirty="0"/>
-          </a:p>
-        </p:txBody>
-      </p:sp>
-      <p:sp>
-        <p:nvSpPr>
-          <p:cNvPr id="7" name="スクロール: 横 6">
-            <a:extLst>
-              <a:ext uri="{FF2B5EF4-FFF2-40B4-BE49-F238E27FC236}">
-                <a16:creationId xmlns:a16="http://schemas.microsoft.com/office/drawing/2014/main" id="{264458B8-5A5F-4C20-B119-3E2F1394B837}"/>
-              </a:ext>
-            </a:extLst>
-          </p:cNvPr>
-          <p:cNvSpPr/>
-          <p:nvPr/>
-        </p:nvSpPr>
-        <p:spPr>
-          <a:xfrm>
-            <a:off x="1781175" y="1151730"/>
-            <a:ext cx="2600325" cy="704850"/>
-          </a:xfrm>
-          <a:prstGeom prst="horizontalScroll">
-            <a:avLst/>
-          </a:prstGeom>
-        </p:spPr>
-        <p:style>
-          <a:lnRef idx="1">
-            <a:schemeClr val="accent6"/>
-          </a:lnRef>
-          <a:fillRef idx="2">
-            <a:schemeClr val="accent6"/>
-          </a:fillRef>
-          <a:effectRef idx="1">
-            <a:schemeClr val="accent6"/>
-          </a:effectRef>
-          <a:fontRef idx="minor">
-            <a:schemeClr val="dk1"/>
-          </a:fontRef>
-        </p:style>
-        <p:txBody>
-          <a:bodyPr rtlCol="0" anchor="ctr"/>
-          <a:lstStyle/>
-          <a:p>
-            <a:pPr algn="ctr"/>
-            <a:r>
-              <a:rPr kumimoji="1" lang="ja-JP" altLang="en-US" dirty="0">
-                <a:latin typeface="HG丸ｺﾞｼｯｸM-PRO" panose="020F0600000000000000" pitchFamily="50" charset="-128"/>
-                <a:ea typeface="HG丸ｺﾞｼｯｸM-PRO" panose="020F0600000000000000" pitchFamily="50" charset="-128"/>
-              </a:rPr>
-              <a:t>課題・苦労したこと</a:t>
-            </a:r>
-          </a:p>
-        </p:txBody>
-      </p:sp>
-      <p:sp>
-        <p:nvSpPr>
-          <p:cNvPr id="9" name="テキスト ボックス 8">
-            <a:extLst>
-              <a:ext uri="{FF2B5EF4-FFF2-40B4-BE49-F238E27FC236}">
-                <a16:creationId xmlns:a16="http://schemas.microsoft.com/office/drawing/2014/main" id="{6A65759B-E635-4E4F-A107-04EEFA07ECE3}"/>
-              </a:ext>
-            </a:extLst>
-          </p:cNvPr>
-          <p:cNvSpPr txBox="1"/>
-          <p:nvPr/>
-        </p:nvSpPr>
-        <p:spPr>
-          <a:xfrm>
-            <a:off x="1357312" y="3318669"/>
-            <a:ext cx="9477375" cy="1325563"/>
-          </a:xfrm>
-          <a:prstGeom prst="rect">
-            <a:avLst/>
-          </a:prstGeom>
-          <a:noFill/>
-          <a:ln>
-            <a:solidFill>
-              <a:schemeClr val="accent6">
-                <a:lumMod val="60000"/>
-                <a:lumOff val="40000"/>
-              </a:schemeClr>
-            </a:solidFill>
-          </a:ln>
-        </p:spPr>
-        <p:txBody>
-          <a:bodyPr wrap="square" rtlCol="0">
-            <a:spAutoFit/>
-          </a:bodyPr>
-          <a:lstStyle/>
-          <a:p>
-            <a:endParaRPr kumimoji="1" lang="ja-JP" altLang="en-US" dirty="0"/>
-          </a:p>
-        </p:txBody>
-      </p:sp>
-      <p:sp>
-        <p:nvSpPr>
-          <p:cNvPr id="10" name="スクロール: 横 9">
-            <a:extLst>
-              <a:ext uri="{FF2B5EF4-FFF2-40B4-BE49-F238E27FC236}">
-                <a16:creationId xmlns:a16="http://schemas.microsoft.com/office/drawing/2014/main" id="{4011881A-DF2F-48DB-A234-70F1492BA09E}"/>
-              </a:ext>
-            </a:extLst>
-          </p:cNvPr>
-          <p:cNvSpPr/>
-          <p:nvPr/>
-        </p:nvSpPr>
-        <p:spPr>
-          <a:xfrm>
-            <a:off x="1781175" y="2966244"/>
-            <a:ext cx="2600325" cy="704850"/>
-          </a:xfrm>
-          <a:prstGeom prst="horizontalScroll">
-            <a:avLst/>
-          </a:prstGeom>
-        </p:spPr>
-        <p:style>
-          <a:lnRef idx="1">
-            <a:schemeClr val="accent6"/>
-          </a:lnRef>
-          <a:fillRef idx="2">
-            <a:schemeClr val="accent6"/>
-          </a:fillRef>
-          <a:effectRef idx="1">
-            <a:schemeClr val="accent6"/>
-          </a:effectRef>
-          <a:fontRef idx="minor">
-            <a:schemeClr val="dk1"/>
-          </a:fontRef>
-        </p:style>
-        <p:txBody>
-          <a:bodyPr rtlCol="0" anchor="ctr"/>
-          <a:lstStyle/>
-          <a:p>
-            <a:pPr algn="ctr"/>
-            <a:r>
-              <a:rPr lang="ja-JP" altLang="en-US" dirty="0">
-                <a:latin typeface="HG丸ｺﾞｼｯｸM-PRO" panose="020F0600000000000000" pitchFamily="50" charset="-128"/>
-                <a:ea typeface="HG丸ｺﾞｼｯｸM-PRO" panose="020F0600000000000000" pitchFamily="50" charset="-128"/>
-              </a:rPr>
-              <a:t>解決策</a:t>
-            </a:r>
-            <a:endParaRPr kumimoji="1" lang="ja-JP" altLang="en-US" dirty="0">
-              <a:latin typeface="HG丸ｺﾞｼｯｸM-PRO" panose="020F0600000000000000" pitchFamily="50" charset="-128"/>
-              <a:ea typeface="HG丸ｺﾞｼｯｸM-PRO" panose="020F0600000000000000" pitchFamily="50" charset="-128"/>
-            </a:endParaRPr>
-          </a:p>
-        </p:txBody>
-      </p:sp>
-      <p:sp>
-        <p:nvSpPr>
-          <p:cNvPr id="11" name="テキスト ボックス 10">
-            <a:extLst>
-              <a:ext uri="{FF2B5EF4-FFF2-40B4-BE49-F238E27FC236}">
-                <a16:creationId xmlns:a16="http://schemas.microsoft.com/office/drawing/2014/main" id="{60137443-4E43-4BDB-B199-F3DC1C3F1E04}"/>
-              </a:ext>
-            </a:extLst>
-          </p:cNvPr>
-          <p:cNvSpPr txBox="1"/>
-          <p:nvPr/>
-        </p:nvSpPr>
-        <p:spPr>
-          <a:xfrm>
-            <a:off x="1357312" y="5133183"/>
-            <a:ext cx="9477375" cy="1325563"/>
-          </a:xfrm>
-          <a:prstGeom prst="rect">
-            <a:avLst/>
-          </a:prstGeom>
-          <a:noFill/>
-          <a:ln>
-            <a:solidFill>
-              <a:schemeClr val="accent6">
-                <a:lumMod val="60000"/>
-                <a:lumOff val="40000"/>
-              </a:schemeClr>
-            </a:solidFill>
-          </a:ln>
-        </p:spPr>
-        <p:txBody>
-          <a:bodyPr wrap="square" rtlCol="0">
-            <a:spAutoFit/>
-          </a:bodyPr>
-          <a:lstStyle/>
-          <a:p>
-            <a:endParaRPr kumimoji="1" lang="ja-JP" altLang="en-US" dirty="0"/>
-          </a:p>
-        </p:txBody>
-      </p:sp>
-      <p:sp>
-        <p:nvSpPr>
-          <p:cNvPr id="12" name="スクロール: 横 11">
-            <a:extLst>
-              <a:ext uri="{FF2B5EF4-FFF2-40B4-BE49-F238E27FC236}">
-                <a16:creationId xmlns:a16="http://schemas.microsoft.com/office/drawing/2014/main" id="{B6DCD596-6DEB-4585-9AC2-C00CE1C7BB27}"/>
-              </a:ext>
-            </a:extLst>
-          </p:cNvPr>
-          <p:cNvSpPr/>
-          <p:nvPr/>
-        </p:nvSpPr>
-        <p:spPr>
-          <a:xfrm>
-            <a:off x="1781175" y="4780758"/>
-            <a:ext cx="2600325" cy="704850"/>
-          </a:xfrm>
-          <a:prstGeom prst="horizontalScroll">
-            <a:avLst/>
-          </a:prstGeom>
-        </p:spPr>
-        <p:style>
-          <a:lnRef idx="1">
-            <a:schemeClr val="accent6"/>
-          </a:lnRef>
-          <a:fillRef idx="2">
-            <a:schemeClr val="accent6"/>
-          </a:fillRef>
-          <a:effectRef idx="1">
-            <a:schemeClr val="accent6"/>
-          </a:effectRef>
-          <a:fontRef idx="minor">
-            <a:schemeClr val="dk1"/>
-          </a:fontRef>
-        </p:style>
-        <p:txBody>
-          <a:bodyPr rtlCol="0" anchor="ctr"/>
-          <a:lstStyle/>
-          <a:p>
-            <a:pPr algn="ctr"/>
-            <a:r>
-              <a:rPr kumimoji="1" lang="ja-JP" altLang="en-US" dirty="0">
-                <a:latin typeface="HG丸ｺﾞｼｯｸM-PRO" panose="020F0600000000000000" pitchFamily="50" charset="-128"/>
-                <a:ea typeface="HG丸ｺﾞｼｯｸM-PRO" panose="020F0600000000000000" pitchFamily="50" charset="-128"/>
-              </a:rPr>
-              <a:t>成果</a:t>
-            </a:r>
-          </a:p>
-        </p:txBody>
-      </p:sp>
-      <mc:AlternateContent xmlns:mc="http://schemas.openxmlformats.org/markup-compatibility/2006">
-        <mc:Choice xmlns:p14="http://schemas.microsoft.com/office/powerpoint/2010/main" Requires="p14">
-          <p:contentPart p14:bwMode="auto" r:id="rId2">
-            <p14:nvContentPartPr>
-              <p14:cNvPr id="5" name="インク 4">
-                <a:extLst>
-                  <a:ext uri="{FF2B5EF4-FFF2-40B4-BE49-F238E27FC236}">
-                    <a16:creationId xmlns:a16="http://schemas.microsoft.com/office/drawing/2014/main" id="{8E97BBEF-F9A6-4CCE-A0C5-FD427F08BB5E}"/>
-                  </a:ext>
-                </a:extLst>
-              </p14:cNvPr>
-              <p14:cNvContentPartPr/>
-              <p14:nvPr/>
-            </p14:nvContentPartPr>
-            <p14:xfrm>
-              <a:off x="869061" y="787489"/>
-              <a:ext cx="2190960" cy="118800"/>
-            </p14:xfrm>
-          </p:contentPart>
-        </mc:Choice>
-        <mc:Fallback>
-          <p:pic>
-            <p:nvPicPr>
-              <p:cNvPr id="5" name="インク 4">
-                <a:extLst>
-                  <a:ext uri="{FF2B5EF4-FFF2-40B4-BE49-F238E27FC236}">
-                    <a16:creationId xmlns:a16="http://schemas.microsoft.com/office/drawing/2014/main" id="{8E97BBEF-F9A6-4CCE-A0C5-FD427F08BB5E}"/>
-                  </a:ext>
-                </a:extLst>
-              </p:cNvPr>
-              <p:cNvPicPr/>
-              <p:nvPr/>
-            </p:nvPicPr>
-            <p:blipFill>
-              <a:blip r:embed="rId3"/>
-              <a:stretch>
-                <a:fillRect/>
-              </a:stretch>
-            </p:blipFill>
-            <p:spPr>
-              <a:xfrm>
-                <a:off x="779421" y="607489"/>
-                <a:ext cx="2370600" cy="478440"/>
-              </a:xfrm>
-              <a:prstGeom prst="rect">
-                <a:avLst/>
-              </a:prstGeom>
-            </p:spPr>
-          </p:pic>
-        </mc:Fallback>
-      </mc:AlternateContent>
-    </p:spTree>
-    <p:extLst>
-      <p:ext uri="{BB962C8B-B14F-4D97-AF65-F5344CB8AC3E}">
-        <p14:creationId xmlns:p14="http://schemas.microsoft.com/office/powerpoint/2010/main" val="847381589"/>
       </p:ext>
     </p:extLst>
   </p:cSld>

--- a/document/成果発表_平和島.pptx
+++ b/document/成果発表_平和島.pptx
@@ -7,21 +7,23 @@
   <p:sldIdLst>
     <p:sldId id="258" r:id="rId2"/>
     <p:sldId id="277" r:id="rId3"/>
-    <p:sldId id="278" r:id="rId4"/>
-    <p:sldId id="261" r:id="rId5"/>
-    <p:sldId id="260" r:id="rId6"/>
-    <p:sldId id="279" r:id="rId7"/>
-    <p:sldId id="280" r:id="rId8"/>
-    <p:sldId id="281" r:id="rId9"/>
-    <p:sldId id="267" r:id="rId10"/>
-    <p:sldId id="275" r:id="rId11"/>
-    <p:sldId id="283" r:id="rId12"/>
-    <p:sldId id="285" r:id="rId13"/>
-    <p:sldId id="284" r:id="rId14"/>
-    <p:sldId id="282" r:id="rId15"/>
-    <p:sldId id="268" r:id="rId16"/>
-    <p:sldId id="269" r:id="rId17"/>
-    <p:sldId id="270" r:id="rId18"/>
+    <p:sldId id="286" r:id="rId4"/>
+    <p:sldId id="287" r:id="rId5"/>
+    <p:sldId id="278" r:id="rId6"/>
+    <p:sldId id="261" r:id="rId7"/>
+    <p:sldId id="260" r:id="rId8"/>
+    <p:sldId id="279" r:id="rId9"/>
+    <p:sldId id="280" r:id="rId10"/>
+    <p:sldId id="281" r:id="rId11"/>
+    <p:sldId id="288" r:id="rId12"/>
+    <p:sldId id="289" r:id="rId13"/>
+    <p:sldId id="283" r:id="rId14"/>
+    <p:sldId id="285" r:id="rId15"/>
+    <p:sldId id="284" r:id="rId16"/>
+    <p:sldId id="282" r:id="rId17"/>
+    <p:sldId id="268" r:id="rId18"/>
+    <p:sldId id="269" r:id="rId19"/>
+    <p:sldId id="270" r:id="rId20"/>
   </p:sldIdLst>
   <p:sldSz cx="12192000" cy="6858000"/>
   <p:notesSz cx="6858000" cy="9144000"/>
@@ -1709,6 +1711,64 @@
           <inkml:channelProperty channel="Y" name="resolution" value="1000" units="1/cm"/>
         </inkml:channelProperties>
       </inkml:inkSource>
+      <inkml:timestamp xml:id="ts0" timeString="2021-06-23T02:35:00.908"/>
+    </inkml:context>
+    <inkml:brush xml:id="br0">
+      <inkml:brushProperty name="width" value="0.5" units="cm"/>
+      <inkml:brushProperty name="height" value="1" units="cm"/>
+      <inkml:brushProperty name="color" value="#A2D762"/>
+      <inkml:brushProperty name="tip" value="rectangle"/>
+      <inkml:brushProperty name="rasterOp" value="maskPen"/>
+      <inkml:brushProperty name="ignorePressure" value="1"/>
+    </inkml:brush>
+  </inkml:definitions>
+  <inkml:trace contextRef="#ctx0" brushRef="#br0">0 1,'2077'0,"-2018"-1,0 4,0 2,77 17,-125-20,141 30,-127-28,0-1,1-2,49-2,-71 0,0 1,0-1,0 1,0-1,0-1,0 1,0 0,0-1,-1 0,1 0,-1 0,1 0,3-4,6-9</inkml:trace>
+</inkml:ink>
+</file>
+
+<file path=ppt/ink/ink11.xml><?xml version="1.0" encoding="utf-8"?>
+<inkml:ink xmlns:inkml="http://www.w3.org/2003/InkML">
+  <inkml:definitions>
+    <inkml:context xml:id="ctx0">
+      <inkml:inkSource xml:id="inkSrc0">
+        <inkml:traceFormat>
+          <inkml:channel name="X" type="integer" min="-2.14748E9" max="2.14748E9" units="cm"/>
+          <inkml:channel name="Y" type="integer" min="-2.14748E9" max="2.14748E9" units="cm"/>
+        </inkml:traceFormat>
+        <inkml:channelProperties>
+          <inkml:channelProperty channel="X" name="resolution" value="1000" units="1/cm"/>
+          <inkml:channelProperty channel="Y" name="resolution" value="1000" units="1/cm"/>
+        </inkml:channelProperties>
+      </inkml:inkSource>
+      <inkml:timestamp xml:id="ts0" timeString="2021-06-23T02:35:06.401"/>
+    </inkml:context>
+    <inkml:brush xml:id="br0">
+      <inkml:brushProperty name="width" value="0.5" units="cm"/>
+      <inkml:brushProperty name="height" value="1" units="cm"/>
+      <inkml:brushProperty name="color" value="#A2D762"/>
+      <inkml:brushProperty name="tip" value="rectangle"/>
+      <inkml:brushProperty name="rasterOp" value="maskPen"/>
+      <inkml:brushProperty name="ignorePressure" value="1"/>
+    </inkml:brush>
+  </inkml:definitions>
+  <inkml:trace contextRef="#ctx0" brushRef="#br0">0 128,'0'1,"1"-1,-1 1,0-1,0 1,0-1,1 1,-1-1,0 1,1-1,-1 1,0-1,1 1,-1-1,1 1,-1-1,0 0,1 1,-1-1,1 0,-1 0,1 1,-1-1,1 0,0 0,-1 0,1 1,0-1,22 4,-20-4,241 15,-40-4,189 37,87 8,60-62,-292-5,116 4,399-14,1415-29,-1449 4,1043-85,-916 131,-391 3,447 11,-623-9,118 7,-335-3,-1 4,104 31,-92-21,89 12,59-13,-124-14,113 23,-145-18,136 7,73-19,111 7,-268 2,102 11,-201-16,-1-2,0-1,1-1,-1-1,1-1,50-10,-19-1,118-8,61 15,-199 4,48 1,101 12,-186-12,63 13,-62-13,0 1,1 0,-1 0,0 1,-1-1,1 1,0-1,0 1,-1 0,1 0,-1 0,1 0,-1 0,0 1,3 3,-4-5,-1 0,0 0,0 1,1-1,-1 0,0 0,0 0,0 1,0-1,0 0,0 0,-1 0,1 1,0-1,-1 0,1 0,-1 0,1 0,-1 0,1 0,-1 0,0 0,1 0,-1 0,0 0,0 0,0 0,0 0,0-1,0 1,0 0,0-1,0 1,0-1,0 1,0-1,-2 1,-2 1,0 0,0 0,0 0,-1-1,1 1,0-1,-6 0,7-1,1 0,-1-1,0 0,1 1,-1-1,1 0,-6-3,-19-12</inkml:trace>
+</inkml:ink>
+</file>
+
+<file path=ppt/ink/ink12.xml><?xml version="1.0" encoding="utf-8"?>
+<inkml:ink xmlns:inkml="http://www.w3.org/2003/InkML">
+  <inkml:definitions>
+    <inkml:context xml:id="ctx0">
+      <inkml:inkSource xml:id="inkSrc0">
+        <inkml:traceFormat>
+          <inkml:channel name="X" type="integer" min="-2.14748E9" max="2.14748E9" units="cm"/>
+          <inkml:channel name="Y" type="integer" min="-2.14748E9" max="2.14748E9" units="cm"/>
+        </inkml:traceFormat>
+        <inkml:channelProperties>
+          <inkml:channelProperty channel="X" name="resolution" value="1000" units="1/cm"/>
+          <inkml:channelProperty channel="Y" name="resolution" value="1000" units="1/cm"/>
+        </inkml:channelProperties>
+      </inkml:inkSource>
       <inkml:timestamp xml:id="ts0" timeString="2021-06-23T02:35:16.716"/>
     </inkml:context>
     <inkml:brush xml:id="br0">
@@ -1724,7 +1784,7 @@
 </inkml:ink>
 </file>
 
-<file path=ppt/ink/ink11.xml><?xml version="1.0" encoding="utf-8"?>
+<file path=ppt/ink/ink13.xml><?xml version="1.0" encoding="utf-8"?>
 <inkml:ink xmlns:inkml="http://www.w3.org/2003/InkML">
   <inkml:definitions>
     <inkml:context xml:id="ctx0">
@@ -1753,7 +1813,7 @@
 </inkml:ink>
 </file>
 
-<file path=ppt/ink/ink12.xml><?xml version="1.0" encoding="utf-8"?>
+<file path=ppt/ink/ink14.xml><?xml version="1.0" encoding="utf-8"?>
 <inkml:ink xmlns:inkml="http://www.w3.org/2003/InkML">
   <inkml:definitions>
     <inkml:context xml:id="ctx0">
@@ -1854,6 +1914,64 @@
           <inkml:channelProperty channel="Y" name="resolution" value="1000" units="1/cm"/>
         </inkml:channelProperties>
       </inkml:inkSource>
+      <inkml:timestamp xml:id="ts0" timeString="2021-06-22T02:26:56.835"/>
+    </inkml:context>
+    <inkml:brush xml:id="br0">
+      <inkml:brushProperty name="width" value="0.5" units="cm"/>
+      <inkml:brushProperty name="height" value="1" units="cm"/>
+      <inkml:brushProperty name="color" value="#A2D762"/>
+      <inkml:brushProperty name="tip" value="rectangle"/>
+      <inkml:brushProperty name="rasterOp" value="maskPen"/>
+      <inkml:brushProperty name="ignorePressure" value="1"/>
+    </inkml:brush>
+  </inkml:definitions>
+  <inkml:trace contextRef="#ctx0" brushRef="#br0">1 111,'36'-16,"1"2,1 2,1 0,-1 2,51-5,203-9,1121 16,-786 14,1225-8,1456 6,-1813 20,679 5,-1577-33,804 8,-1375-4,3 0,-1 2,0 2,-1 0,50 16,-75-20,0 2,0-2,2 2,-2-2,0 2,0 0,2 0,-2-2,0 2,0 0,0 0,0 0,0 0,-2 0,6 4,-6-4,0-2,0 2,0-2,0 2,0-2,0 3,0-3,0 2,0-2,0 2,-2-2,2 2,0-2,0 2,0-2,-2 2,2-2,0 0,0 2,-2-2,2 2,0-2,-2 0,2 2,0-2,-2 0,0 2,-6 4,0-2,0 0,0 0,0 0,-3 0,3-2,-14 4,-37 6,-1-4,-1 0,-119-5,91-10</inkml:trace>
+</inkml:ink>
+</file>
+
+<file path=ppt/ink/ink5.xml><?xml version="1.0" encoding="utf-8"?>
+<inkml:ink xmlns:inkml="http://www.w3.org/2003/InkML">
+  <inkml:definitions>
+    <inkml:context xml:id="ctx0">
+      <inkml:inkSource xml:id="inkSrc0">
+        <inkml:traceFormat>
+          <inkml:channel name="X" type="integer" min="-2.14748E9" max="2.14748E9" units="cm"/>
+          <inkml:channel name="Y" type="integer" min="-2.14748E9" max="2.14748E9" units="cm"/>
+        </inkml:traceFormat>
+        <inkml:channelProperties>
+          <inkml:channelProperty channel="X" name="resolution" value="1000" units="1/cm"/>
+          <inkml:channelProperty channel="Y" name="resolution" value="1000" units="1/cm"/>
+        </inkml:channelProperties>
+      </inkml:inkSource>
+      <inkml:timestamp xml:id="ts0" timeString="2021-06-22T02:26:56.835"/>
+    </inkml:context>
+    <inkml:brush xml:id="br0">
+      <inkml:brushProperty name="width" value="0.5" units="cm"/>
+      <inkml:brushProperty name="height" value="1" units="cm"/>
+      <inkml:brushProperty name="color" value="#A2D762"/>
+      <inkml:brushProperty name="tip" value="rectangle"/>
+      <inkml:brushProperty name="rasterOp" value="maskPen"/>
+      <inkml:brushProperty name="ignorePressure" value="1"/>
+    </inkml:brush>
+  </inkml:definitions>
+  <inkml:trace contextRef="#ctx0" brushRef="#br0">1 55,'18'-8,"0"1,1 1,0 0,0 1,25-2,100-5,554 8,-388 7,605-4,719 3,-895 10,335 2,-779-16,397 4,-679-2,1 0,0 1,0 1,-1 0,25 8,-37-10,0 1,0-1,1 1,-1-1,0 1,0 0,1 0,-1-1,0 1,0 0,0 0,0 0,0 0,-1 0,3 2,-3-2,0-1,0 1,0-1,0 1,0-1,0 1,0-1,0 1,0-1,0 1,-1-1,1 1,0-1,0 1,0-1,-1 1,1-1,0 0,0 1,-1-1,1 1,0-1,-1 0,1 1,0-1,-1 0,0 1,-3 2,0-1,0 0,0 0,0 0,-1 0,1-1,-7 2,-18 3,-1-2,0 0,-59-3,45-4</inkml:trace>
+</inkml:ink>
+</file>
+
+<file path=ppt/ink/ink6.xml><?xml version="1.0" encoding="utf-8"?>
+<inkml:ink xmlns:inkml="http://www.w3.org/2003/InkML">
+  <inkml:definitions>
+    <inkml:context xml:id="ctx0">
+      <inkml:inkSource xml:id="inkSrc0">
+        <inkml:traceFormat>
+          <inkml:channel name="X" type="integer" min="-2.14748E9" max="2.14748E9" units="cm"/>
+          <inkml:channel name="Y" type="integer" min="-2.14748E9" max="2.14748E9" units="cm"/>
+        </inkml:traceFormat>
+        <inkml:channelProperties>
+          <inkml:channelProperty channel="X" name="resolution" value="1000" units="1/cm"/>
+          <inkml:channelProperty channel="Y" name="resolution" value="1000" units="1/cm"/>
+        </inkml:channelProperties>
+      </inkml:inkSource>
       <inkml:timestamp xml:id="ts0" timeString="2021-06-22T02:27:01.053"/>
     </inkml:context>
     <inkml:brush xml:id="br0">
@@ -1869,7 +1987,7 @@
 </inkml:ink>
 </file>
 
-<file path=ppt/ink/ink5.xml><?xml version="1.0" encoding="utf-8"?>
+<file path=ppt/ink/ink7.xml><?xml version="1.0" encoding="utf-8"?>
 <inkml:ink xmlns:inkml="http://www.w3.org/2003/InkML">
   <inkml:definitions>
     <inkml:context xml:id="ctx0">
@@ -1898,7 +2016,7 @@
 </inkml:ink>
 </file>
 
-<file path=ppt/ink/ink6.xml><?xml version="1.0" encoding="utf-8"?>
+<file path=ppt/ink/ink8.xml><?xml version="1.0" encoding="utf-8"?>
 <inkml:ink xmlns:inkml="http://www.w3.org/2003/InkML">
   <inkml:definitions>
     <inkml:context xml:id="ctx0">
@@ -1927,7 +2045,7 @@
 </inkml:ink>
 </file>
 
-<file path=ppt/ink/ink7.xml><?xml version="1.0" encoding="utf-8"?>
+<file path=ppt/ink/ink9.xml><?xml version="1.0" encoding="utf-8"?>
 <inkml:ink xmlns:inkml="http://www.w3.org/2003/InkML">
   <inkml:definitions>
     <inkml:context xml:id="ctx0">
@@ -1953,64 +2071,6 @@
     </inkml:brush>
   </inkml:definitions>
   <inkml:trace contextRef="#ctx0" brushRef="#br0">0 1,'2077'0,"-2018"-1,0 4,0 2,77 17,-125-20,141 30,-127-28,0-1,1-2,49-2,-71 0,0 1,0-1,0 1,0-1,0-1,0 1,0 0,0-1,-1 0,1 0,-1 0,1 0,3-4,6-9</inkml:trace>
-</inkml:ink>
-</file>
-
-<file path=ppt/ink/ink8.xml><?xml version="1.0" encoding="utf-8"?>
-<inkml:ink xmlns:inkml="http://www.w3.org/2003/InkML">
-  <inkml:definitions>
-    <inkml:context xml:id="ctx0">
-      <inkml:inkSource xml:id="inkSrc0">
-        <inkml:traceFormat>
-          <inkml:channel name="X" type="integer" min="-2.14748E9" max="2.14748E9" units="cm"/>
-          <inkml:channel name="Y" type="integer" min="-2.14748E9" max="2.14748E9" units="cm"/>
-        </inkml:traceFormat>
-        <inkml:channelProperties>
-          <inkml:channelProperty channel="X" name="resolution" value="1000" units="1/cm"/>
-          <inkml:channelProperty channel="Y" name="resolution" value="1000" units="1/cm"/>
-        </inkml:channelProperties>
-      </inkml:inkSource>
-      <inkml:timestamp xml:id="ts0" timeString="2021-06-23T02:35:00.908"/>
-    </inkml:context>
-    <inkml:brush xml:id="br0">
-      <inkml:brushProperty name="width" value="0.5" units="cm"/>
-      <inkml:brushProperty name="height" value="1" units="cm"/>
-      <inkml:brushProperty name="color" value="#A2D762"/>
-      <inkml:brushProperty name="tip" value="rectangle"/>
-      <inkml:brushProperty name="rasterOp" value="maskPen"/>
-      <inkml:brushProperty name="ignorePressure" value="1"/>
-    </inkml:brush>
-  </inkml:definitions>
-  <inkml:trace contextRef="#ctx0" brushRef="#br0">0 1,'2077'0,"-2018"-1,0 4,0 2,77 17,-125-20,141 30,-127-28,0-1,1-2,49-2,-71 0,0 1,0-1,0 1,0-1,0-1,0 1,0 0,0-1,-1 0,1 0,-1 0,1 0,3-4,6-9</inkml:trace>
-</inkml:ink>
-</file>
-
-<file path=ppt/ink/ink9.xml><?xml version="1.0" encoding="utf-8"?>
-<inkml:ink xmlns:inkml="http://www.w3.org/2003/InkML">
-  <inkml:definitions>
-    <inkml:context xml:id="ctx0">
-      <inkml:inkSource xml:id="inkSrc0">
-        <inkml:traceFormat>
-          <inkml:channel name="X" type="integer" min="-2.14748E9" max="2.14748E9" units="cm"/>
-          <inkml:channel name="Y" type="integer" min="-2.14748E9" max="2.14748E9" units="cm"/>
-        </inkml:traceFormat>
-        <inkml:channelProperties>
-          <inkml:channelProperty channel="X" name="resolution" value="1000" units="1/cm"/>
-          <inkml:channelProperty channel="Y" name="resolution" value="1000" units="1/cm"/>
-        </inkml:channelProperties>
-      </inkml:inkSource>
-      <inkml:timestamp xml:id="ts0" timeString="2021-06-23T02:35:06.401"/>
-    </inkml:context>
-    <inkml:brush xml:id="br0">
-      <inkml:brushProperty name="width" value="0.5" units="cm"/>
-      <inkml:brushProperty name="height" value="1" units="cm"/>
-      <inkml:brushProperty name="color" value="#A2D762"/>
-      <inkml:brushProperty name="tip" value="rectangle"/>
-      <inkml:brushProperty name="rasterOp" value="maskPen"/>
-      <inkml:brushProperty name="ignorePressure" value="1"/>
-    </inkml:brush>
-  </inkml:definitions>
-  <inkml:trace contextRef="#ctx0" brushRef="#br0">0 128,'0'1,"1"-1,-1 1,0-1,0 1,0-1,1 1,-1-1,0 1,1-1,-1 1,0-1,1 1,-1-1,1 1,-1-1,0 0,1 1,-1-1,1 0,-1 0,1 1,-1-1,1 0,0 0,-1 0,1 1,0-1,22 4,-20-4,241 15,-40-4,189 37,87 8,60-62,-292-5,116 4,399-14,1415-29,-1449 4,1043-85,-916 131,-391 3,447 11,-623-9,118 7,-335-3,-1 4,104 31,-92-21,89 12,59-13,-124-14,113 23,-145-18,136 7,73-19,111 7,-268 2,102 11,-201-16,-1-2,0-1,1-1,-1-1,1-1,50-10,-19-1,118-8,61 15,-199 4,48 1,101 12,-186-12,63 13,-62-13,0 1,1 0,-1 0,0 1,-1-1,1 1,0-1,0 1,-1 0,1 0,-1 0,1 0,-1 0,0 1,3 3,-4-5,-1 0,0 0,0 1,1-1,-1 0,0 0,0 0,0 1,0-1,0 0,0 0,-1 0,1 1,0-1,-1 0,1 0,-1 0,1 0,-1 0,1 0,-1 0,0 0,1 0,-1 0,0 0,0 0,0 0,0 0,0-1,0 1,0 0,0-1,0 1,0-1,0 1,0-1,-2 1,-2 1,0 0,0 0,0 0,-1-1,1 1,0-1,-6 0,7-1,1 0,-1-1,0 0,1 1,-1-1,1 0,-6-3,-19-12</inkml:trace>
 </inkml:ink>
 </file>
 
@@ -5806,6 +5866,2679 @@
             <p:ph type="title"/>
           </p:nvPr>
         </p:nvSpPr>
+        <p:spPr/>
+        <p:txBody>
+          <a:bodyPr>
+            <a:normAutofit/>
+          </a:bodyPr>
+          <a:lstStyle/>
+          <a:p>
+            <a:r>
+              <a:rPr kumimoji="1" lang="ja-JP" altLang="en-US" sz="4000" dirty="0">
+                <a:latin typeface="HG丸ｺﾞｼｯｸM-PRO" panose="020F0600000000000000" pitchFamily="50" charset="-128"/>
+                <a:ea typeface="HG丸ｺﾞｼｯｸM-PRO" panose="020F0600000000000000" pitchFamily="50" charset="-128"/>
+              </a:rPr>
+              <a:t>成果</a:t>
+            </a:r>
+          </a:p>
+        </p:txBody>
+      </p:sp>
+      <p:sp>
+        <p:nvSpPr>
+          <p:cNvPr id="4" name="フレーム 3">
+            <a:extLst>
+              <a:ext uri="{FF2B5EF4-FFF2-40B4-BE49-F238E27FC236}">
+                <a16:creationId xmlns:a16="http://schemas.microsoft.com/office/drawing/2014/main" id="{9061ED0C-2A66-439A-B304-1558BAF77192}"/>
+              </a:ext>
+            </a:extLst>
+          </p:cNvPr>
+          <p:cNvSpPr/>
+          <p:nvPr/>
+        </p:nvSpPr>
+        <p:spPr>
+          <a:xfrm>
+            <a:off x="0" y="1"/>
+            <a:ext cx="12192000" cy="6858000"/>
+          </a:xfrm>
+          <a:prstGeom prst="frame">
+            <a:avLst>
+              <a:gd name="adj1" fmla="val 4395"/>
+            </a:avLst>
+          </a:prstGeom>
+          <a:solidFill>
+            <a:schemeClr val="accent4">
+              <a:lumMod val="60000"/>
+              <a:lumOff val="40000"/>
+            </a:schemeClr>
+          </a:solidFill>
+          <a:ln>
+            <a:noFill/>
+          </a:ln>
+          <a:effectLst>
+            <a:glow rad="63500">
+              <a:schemeClr val="accent4">
+                <a:satMod val="175000"/>
+                <a:alpha val="40000"/>
+              </a:schemeClr>
+            </a:glow>
+          </a:effectLst>
+        </p:spPr>
+        <p:style>
+          <a:lnRef idx="2">
+            <a:schemeClr val="accent1">
+              <a:shade val="50000"/>
+            </a:schemeClr>
+          </a:lnRef>
+          <a:fillRef idx="1">
+            <a:schemeClr val="accent1"/>
+          </a:fillRef>
+          <a:effectRef idx="0">
+            <a:schemeClr val="accent1"/>
+          </a:effectRef>
+          <a:fontRef idx="minor">
+            <a:schemeClr val="lt1"/>
+          </a:fontRef>
+        </p:style>
+        <p:txBody>
+          <a:bodyPr rtlCol="0" anchor="ctr"/>
+          <a:lstStyle/>
+          <a:p>
+            <a:pPr algn="ctr"/>
+            <a:endParaRPr kumimoji="1" lang="ja-JP" altLang="en-US">
+              <a:solidFill>
+                <a:schemeClr val="tx1"/>
+              </a:solidFill>
+            </a:endParaRPr>
+          </a:p>
+        </p:txBody>
+      </p:sp>
+      <mc:AlternateContent xmlns:mc="http://schemas.openxmlformats.org/markup-compatibility/2006" xmlns:p14="http://schemas.microsoft.com/office/powerpoint/2010/main">
+        <mc:Choice Requires="p14">
+          <p:contentPart p14:bwMode="auto" r:id="rId2">
+            <p14:nvContentPartPr>
+              <p14:cNvPr id="5" name="インク 4">
+                <a:extLst>
+                  <a:ext uri="{FF2B5EF4-FFF2-40B4-BE49-F238E27FC236}">
+                    <a16:creationId xmlns:a16="http://schemas.microsoft.com/office/drawing/2014/main" id="{A2B8E68C-A6F5-489E-9D78-A639F6075853}"/>
+                  </a:ext>
+                </a:extLst>
+              </p14:cNvPr>
+              <p14:cNvContentPartPr/>
+              <p14:nvPr/>
+            </p14:nvContentPartPr>
+            <p14:xfrm>
+              <a:off x="896421" y="1003849"/>
+              <a:ext cx="998640" cy="26280"/>
+            </p14:xfrm>
+          </p:contentPart>
+        </mc:Choice>
+        <mc:Fallback xmlns="">
+          <p:pic>
+            <p:nvPicPr>
+              <p:cNvPr id="5" name="インク 4">
+                <a:extLst>
+                  <a:ext uri="{FF2B5EF4-FFF2-40B4-BE49-F238E27FC236}">
+                    <a16:creationId xmlns:a16="http://schemas.microsoft.com/office/drawing/2014/main" id="{A2B8E68C-A6F5-489E-9D78-A639F6075853}"/>
+                  </a:ext>
+                </a:extLst>
+              </p:cNvPr>
+              <p:cNvPicPr/>
+              <p:nvPr/>
+            </p:nvPicPr>
+            <p:blipFill>
+              <a:blip r:embed="rId3"/>
+              <a:stretch>
+                <a:fillRect/>
+              </a:stretch>
+            </p:blipFill>
+            <p:spPr>
+              <a:xfrm>
+                <a:off x="806421" y="823849"/>
+                <a:ext cx="1178280" cy="385920"/>
+              </a:xfrm>
+              <a:prstGeom prst="rect">
+                <a:avLst/>
+              </a:prstGeom>
+            </p:spPr>
+          </p:pic>
+        </mc:Fallback>
+      </mc:AlternateContent>
+      <p:graphicFrame>
+        <p:nvGraphicFramePr>
+          <p:cNvPr id="9" name="グラフ 8">
+            <a:extLst>
+              <a:ext uri="{FF2B5EF4-FFF2-40B4-BE49-F238E27FC236}">
+                <a16:creationId xmlns:a16="http://schemas.microsoft.com/office/drawing/2014/main" id="{9ADD1BDF-9438-42E0-9B11-C1EE1528528B}"/>
+              </a:ext>
+            </a:extLst>
+          </p:cNvPr>
+          <p:cNvGraphicFramePr/>
+          <p:nvPr/>
+        </p:nvGraphicFramePr>
+        <p:xfrm>
+          <a:off x="2902014" y="1197976"/>
+          <a:ext cx="5983331" cy="4237870"/>
+        </p:xfrm>
+        <a:graphic>
+          <a:graphicData uri="http://schemas.openxmlformats.org/drawingml/2006/chart">
+            <c:chart xmlns:c="http://schemas.openxmlformats.org/drawingml/2006/chart" xmlns:r="http://schemas.openxmlformats.org/officeDocument/2006/relationships" r:id="rId4"/>
+          </a:graphicData>
+        </a:graphic>
+      </p:graphicFrame>
+      <p:sp>
+        <p:nvSpPr>
+          <p:cNvPr id="3" name="テキスト ボックス 2">
+            <a:extLst>
+              <a:ext uri="{FF2B5EF4-FFF2-40B4-BE49-F238E27FC236}">
+                <a16:creationId xmlns:a16="http://schemas.microsoft.com/office/drawing/2014/main" id="{C99F354C-F287-421D-8285-1E2F0CD0C429}"/>
+              </a:ext>
+            </a:extLst>
+          </p:cNvPr>
+          <p:cNvSpPr txBox="1"/>
+          <p:nvPr/>
+        </p:nvSpPr>
+        <p:spPr>
+          <a:xfrm>
+            <a:off x="7669058" y="1317764"/>
+            <a:ext cx="5637704" cy="3693319"/>
+          </a:xfrm>
+          <a:prstGeom prst="rect">
+            <a:avLst/>
+          </a:prstGeom>
+          <a:noFill/>
+        </p:spPr>
+        <p:txBody>
+          <a:bodyPr wrap="square" rtlCol="0">
+            <a:spAutoFit/>
+          </a:bodyPr>
+          <a:lstStyle/>
+          <a:p>
+            <a:r>
+              <a:rPr lang="ja-JP" altLang="en-US" sz="2400" dirty="0"/>
+              <a:t>◎</a:t>
+            </a:r>
+            <a:r>
+              <a:rPr kumimoji="1" lang="ja-JP" altLang="en-US" sz="2400" dirty="0"/>
+              <a:t>基本的な機能の実装</a:t>
+            </a:r>
+            <a:endParaRPr kumimoji="1" lang="en-US" altLang="ja-JP" sz="2400" dirty="0"/>
+          </a:p>
+          <a:p>
+            <a:r>
+              <a:rPr lang="ja-JP" altLang="en-US" sz="2400" dirty="0"/>
+              <a:t>・会員情報登録</a:t>
+            </a:r>
+            <a:r>
+              <a:rPr lang="en-US" altLang="ja-JP" sz="2400" dirty="0"/>
+              <a:t>/</a:t>
+            </a:r>
+            <a:r>
+              <a:rPr lang="ja-JP" altLang="en-US" sz="2400" dirty="0"/>
+              <a:t>変更</a:t>
+            </a:r>
+            <a:endParaRPr lang="en-US" altLang="ja-JP" sz="2400" dirty="0"/>
+          </a:p>
+          <a:p>
+            <a:r>
+              <a:rPr kumimoji="1" lang="ja-JP" altLang="en-US" sz="2400" dirty="0"/>
+              <a:t>・質問</a:t>
+            </a:r>
+            <a:endParaRPr kumimoji="1" lang="en-US" altLang="ja-JP" sz="2400" dirty="0"/>
+          </a:p>
+          <a:p>
+            <a:r>
+              <a:rPr lang="ja-JP" altLang="en-US" sz="2400" dirty="0"/>
+              <a:t>・回答</a:t>
+            </a:r>
+            <a:endParaRPr kumimoji="1" lang="en-US" altLang="ja-JP" sz="2400" dirty="0"/>
+          </a:p>
+          <a:p>
+            <a:endParaRPr lang="en-US" altLang="ja-JP" sz="2400" dirty="0"/>
+          </a:p>
+          <a:p>
+            <a:r>
+              <a:rPr lang="ja-JP" altLang="en-US" sz="2400" dirty="0"/>
+              <a:t>◎</a:t>
+            </a:r>
+            <a:r>
+              <a:rPr lang="en-US" altLang="ja-JP" sz="2400" dirty="0"/>
+              <a:t>DOJO</a:t>
+            </a:r>
+            <a:r>
+              <a:rPr lang="ja-JP" altLang="en-US" sz="2400" dirty="0"/>
+              <a:t>イメージの実現</a:t>
+            </a:r>
+            <a:endParaRPr kumimoji="1" lang="en-US" altLang="ja-JP" sz="2400" dirty="0"/>
+          </a:p>
+          <a:p>
+            <a:endParaRPr kumimoji="1" lang="en-US" altLang="ja-JP" sz="2400" dirty="0"/>
+          </a:p>
+          <a:p>
+            <a:r>
+              <a:rPr lang="ja-JP" altLang="en-US" sz="2400" dirty="0">
+                <a:solidFill>
+                  <a:srgbClr val="C00000"/>
+                </a:solidFill>
+              </a:rPr>
+              <a:t>◎チームメンバーの理解度</a:t>
+            </a:r>
+            <a:endParaRPr lang="en-US" altLang="ja-JP" sz="2400" dirty="0">
+              <a:solidFill>
+                <a:srgbClr val="C00000"/>
+              </a:solidFill>
+            </a:endParaRPr>
+          </a:p>
+          <a:p>
+            <a:r>
+              <a:rPr lang="ja-JP" altLang="en-US" sz="2400" dirty="0">
+                <a:solidFill>
+                  <a:srgbClr val="C00000"/>
+                </a:solidFill>
+              </a:rPr>
+              <a:t>　をそろえる</a:t>
+            </a:r>
+            <a:endParaRPr kumimoji="1" lang="en-US" altLang="ja-JP" sz="2400" dirty="0">
+              <a:solidFill>
+                <a:srgbClr val="C00000"/>
+              </a:solidFill>
+            </a:endParaRPr>
+          </a:p>
+          <a:p>
+            <a:endParaRPr lang="en-US" altLang="ja-JP" dirty="0"/>
+          </a:p>
+        </p:txBody>
+      </p:sp>
+      <p:sp>
+        <p:nvSpPr>
+          <p:cNvPr id="11" name="テキスト ボックス 10">
+            <a:extLst>
+              <a:ext uri="{FF2B5EF4-FFF2-40B4-BE49-F238E27FC236}">
+                <a16:creationId xmlns:a16="http://schemas.microsoft.com/office/drawing/2014/main" id="{71B7B777-729C-4CBB-94AE-784C980655C8}"/>
+              </a:ext>
+            </a:extLst>
+          </p:cNvPr>
+          <p:cNvSpPr txBox="1"/>
+          <p:nvPr/>
+        </p:nvSpPr>
+        <p:spPr>
+          <a:xfrm>
+            <a:off x="1380229" y="4681281"/>
+            <a:ext cx="3043570" cy="1200329"/>
+          </a:xfrm>
+          <a:prstGeom prst="rect">
+            <a:avLst/>
+          </a:prstGeom>
+          <a:noFill/>
+        </p:spPr>
+        <p:txBody>
+          <a:bodyPr wrap="square" rtlCol="0">
+            <a:spAutoFit/>
+          </a:bodyPr>
+          <a:lstStyle/>
+          <a:p>
+            <a:r>
+              <a:rPr lang="ja-JP" altLang="en-US" dirty="0"/>
+              <a:t>〇</a:t>
+            </a:r>
+            <a:r>
+              <a:rPr kumimoji="1" lang="ja-JP" altLang="en-US" dirty="0"/>
+              <a:t>画像（登録・表示）</a:t>
+            </a:r>
+            <a:endParaRPr kumimoji="1" lang="en-US" altLang="ja-JP" dirty="0"/>
+          </a:p>
+          <a:p>
+            <a:endParaRPr kumimoji="1" lang="en-US" altLang="ja-JP" dirty="0"/>
+          </a:p>
+          <a:p>
+            <a:r>
+              <a:rPr lang="ja-JP" altLang="en-US" dirty="0"/>
+              <a:t>〇ページ分割の</a:t>
+            </a:r>
+            <a:r>
+              <a:rPr lang="en-US" altLang="ja-JP" dirty="0"/>
+              <a:t>jQuery</a:t>
+            </a:r>
+          </a:p>
+          <a:p>
+            <a:r>
+              <a:rPr lang="ja-JP" altLang="en-US" dirty="0"/>
+              <a:t>　（</a:t>
+            </a:r>
+            <a:r>
+              <a:rPr lang="en-US" altLang="ja-JP" dirty="0"/>
+              <a:t>20</a:t>
+            </a:r>
+            <a:r>
+              <a:rPr lang="ja-JP" altLang="en-US" dirty="0"/>
+              <a:t>件ずつ表示など）</a:t>
+            </a:r>
+            <a:endParaRPr lang="en-US" altLang="ja-JP" dirty="0"/>
+          </a:p>
+        </p:txBody>
+      </p:sp>
+      <p:sp>
+        <p:nvSpPr>
+          <p:cNvPr id="7" name="テキスト ボックス 6">
+            <a:extLst>
+              <a:ext uri="{FF2B5EF4-FFF2-40B4-BE49-F238E27FC236}">
+                <a16:creationId xmlns:a16="http://schemas.microsoft.com/office/drawing/2014/main" id="{87977FC0-4F59-41C7-BA5A-65B4C09DCD52}"/>
+              </a:ext>
+            </a:extLst>
+          </p:cNvPr>
+          <p:cNvSpPr txBox="1"/>
+          <p:nvPr/>
+        </p:nvSpPr>
+        <p:spPr>
+          <a:xfrm>
+            <a:off x="7934582" y="620446"/>
+            <a:ext cx="2610009" cy="584775"/>
+          </a:xfrm>
+          <a:prstGeom prst="rect">
+            <a:avLst/>
+          </a:prstGeom>
+          <a:noFill/>
+        </p:spPr>
+        <p:txBody>
+          <a:bodyPr wrap="square" rtlCol="0">
+            <a:spAutoFit/>
+          </a:bodyPr>
+          <a:lstStyle/>
+          <a:p>
+            <a:r>
+              <a:rPr kumimoji="1" lang="ja-JP" altLang="en-US" sz="3200" dirty="0">
+                <a:solidFill>
+                  <a:schemeClr val="accent2">
+                    <a:lumMod val="75000"/>
+                  </a:schemeClr>
+                </a:solidFill>
+              </a:rPr>
+              <a:t>できたこと</a:t>
+            </a:r>
+          </a:p>
+        </p:txBody>
+      </p:sp>
+      <p:sp>
+        <p:nvSpPr>
+          <p:cNvPr id="12" name="テキスト ボックス 11">
+            <a:extLst>
+              <a:ext uri="{FF2B5EF4-FFF2-40B4-BE49-F238E27FC236}">
+                <a16:creationId xmlns:a16="http://schemas.microsoft.com/office/drawing/2014/main" id="{2D78A90F-8101-4C2D-B852-CA51CFEDD06F}"/>
+              </a:ext>
+            </a:extLst>
+          </p:cNvPr>
+          <p:cNvSpPr txBox="1"/>
+          <p:nvPr/>
+        </p:nvSpPr>
+        <p:spPr>
+          <a:xfrm>
+            <a:off x="1163707" y="4081136"/>
+            <a:ext cx="2924189" cy="461665"/>
+          </a:xfrm>
+          <a:prstGeom prst="rect">
+            <a:avLst/>
+          </a:prstGeom>
+          <a:noFill/>
+        </p:spPr>
+        <p:txBody>
+          <a:bodyPr wrap="square" rtlCol="0">
+            <a:spAutoFit/>
+          </a:bodyPr>
+          <a:lstStyle/>
+          <a:p>
+            <a:r>
+              <a:rPr kumimoji="1" lang="ja-JP" altLang="en-US" sz="2400" dirty="0">
+                <a:solidFill>
+                  <a:schemeClr val="accent1">
+                    <a:lumMod val="75000"/>
+                  </a:schemeClr>
+                </a:solidFill>
+              </a:rPr>
+              <a:t>できなかったこと</a:t>
+            </a:r>
+          </a:p>
+        </p:txBody>
+      </p:sp>
+      <p:sp>
+        <p:nvSpPr>
+          <p:cNvPr id="8" name="スマイル 7">
+            <a:extLst>
+              <a:ext uri="{FF2B5EF4-FFF2-40B4-BE49-F238E27FC236}">
+                <a16:creationId xmlns:a16="http://schemas.microsoft.com/office/drawing/2014/main" id="{362B08C2-BCD1-4F8D-ABA2-B7AA11056D1A}"/>
+              </a:ext>
+            </a:extLst>
+          </p:cNvPr>
+          <p:cNvSpPr/>
+          <p:nvPr/>
+        </p:nvSpPr>
+        <p:spPr>
+          <a:xfrm>
+            <a:off x="10049343" y="620446"/>
+            <a:ext cx="499421" cy="503712"/>
+          </a:xfrm>
+          <a:prstGeom prst="smileyFace">
+            <a:avLst>
+              <a:gd name="adj" fmla="val 4653"/>
+            </a:avLst>
+          </a:prstGeom>
+          <a:solidFill>
+            <a:schemeClr val="accent4">
+              <a:lumMod val="60000"/>
+              <a:lumOff val="40000"/>
+            </a:schemeClr>
+          </a:solidFill>
+          <a:ln>
+            <a:solidFill>
+              <a:schemeClr val="accent4">
+                <a:lumMod val="50000"/>
+              </a:schemeClr>
+            </a:solidFill>
+          </a:ln>
+        </p:spPr>
+        <p:style>
+          <a:lnRef idx="2">
+            <a:schemeClr val="accent1">
+              <a:shade val="50000"/>
+            </a:schemeClr>
+          </a:lnRef>
+          <a:fillRef idx="1">
+            <a:schemeClr val="accent1"/>
+          </a:fillRef>
+          <a:effectRef idx="0">
+            <a:schemeClr val="accent1"/>
+          </a:effectRef>
+          <a:fontRef idx="minor">
+            <a:schemeClr val="lt1"/>
+          </a:fontRef>
+        </p:style>
+        <p:txBody>
+          <a:bodyPr rtlCol="0" anchor="ctr"/>
+          <a:lstStyle/>
+          <a:p>
+            <a:pPr algn="ctr"/>
+            <a:endParaRPr kumimoji="1" lang="ja-JP" altLang="en-US"/>
+          </a:p>
+        </p:txBody>
+      </p:sp>
+      <p:grpSp>
+        <p:nvGrpSpPr>
+          <p:cNvPr id="6" name="グループ化 5">
+            <a:extLst>
+              <a:ext uri="{FF2B5EF4-FFF2-40B4-BE49-F238E27FC236}">
+                <a16:creationId xmlns:a16="http://schemas.microsoft.com/office/drawing/2014/main" id="{D98CE251-7B99-4B5D-9869-330AE6B3E909}"/>
+              </a:ext>
+            </a:extLst>
+          </p:cNvPr>
+          <p:cNvGrpSpPr/>
+          <p:nvPr/>
+        </p:nvGrpSpPr>
+        <p:grpSpPr>
+          <a:xfrm>
+            <a:off x="7561083" y="4742872"/>
+            <a:ext cx="4570633" cy="1404051"/>
+            <a:chOff x="7561083" y="4742872"/>
+            <a:chExt cx="4570633" cy="1404051"/>
+          </a:xfrm>
+        </p:grpSpPr>
+        <p:sp>
+          <p:nvSpPr>
+            <p:cNvPr id="14" name="矢印: 下 13">
+              <a:extLst>
+                <a:ext uri="{FF2B5EF4-FFF2-40B4-BE49-F238E27FC236}">
+                  <a16:creationId xmlns:a16="http://schemas.microsoft.com/office/drawing/2014/main" id="{9DCA7770-804C-4C0C-80A5-BD3CF79F6E0D}"/>
+                </a:ext>
+              </a:extLst>
+            </p:cNvPr>
+            <p:cNvSpPr/>
+            <p:nvPr/>
+          </p:nvSpPr>
+          <p:spPr>
+            <a:xfrm>
+              <a:off x="9289986" y="4742872"/>
+              <a:ext cx="393895" cy="652831"/>
+            </a:xfrm>
+            <a:prstGeom prst="downArrow">
+              <a:avLst/>
+            </a:prstGeom>
+            <a:solidFill>
+              <a:srgbClr val="C00000"/>
+            </a:solidFill>
+            <a:ln>
+              <a:solidFill>
+                <a:srgbClr val="C00000"/>
+              </a:solidFill>
+            </a:ln>
+          </p:spPr>
+          <p:style>
+            <a:lnRef idx="2">
+              <a:schemeClr val="accent1">
+                <a:shade val="50000"/>
+              </a:schemeClr>
+            </a:lnRef>
+            <a:fillRef idx="1">
+              <a:schemeClr val="accent1"/>
+            </a:fillRef>
+            <a:effectRef idx="0">
+              <a:schemeClr val="accent1"/>
+            </a:effectRef>
+            <a:fontRef idx="minor">
+              <a:schemeClr val="lt1"/>
+            </a:fontRef>
+          </p:style>
+          <p:txBody>
+            <a:bodyPr rtlCol="0" anchor="ctr"/>
+            <a:lstStyle/>
+            <a:p>
+              <a:pPr algn="ctr"/>
+              <a:endParaRPr kumimoji="1" lang="ja-JP" altLang="en-US"/>
+            </a:p>
+          </p:txBody>
+        </p:sp>
+        <p:sp>
+          <p:nvSpPr>
+            <p:cNvPr id="15" name="テキスト ボックス 14">
+              <a:extLst>
+                <a:ext uri="{FF2B5EF4-FFF2-40B4-BE49-F238E27FC236}">
+                  <a16:creationId xmlns:a16="http://schemas.microsoft.com/office/drawing/2014/main" id="{5660BEEB-DBA6-491C-AEDC-C45BD98509C7}"/>
+                </a:ext>
+              </a:extLst>
+            </p:cNvPr>
+            <p:cNvSpPr txBox="1"/>
+            <p:nvPr/>
+          </p:nvSpPr>
+          <p:spPr>
+            <a:xfrm>
+              <a:off x="7561083" y="5500592"/>
+              <a:ext cx="4570633" cy="646331"/>
+            </a:xfrm>
+            <a:prstGeom prst="rect">
+              <a:avLst/>
+            </a:prstGeom>
+            <a:noFill/>
+          </p:spPr>
+          <p:txBody>
+            <a:bodyPr wrap="square" rtlCol="0">
+              <a:spAutoFit/>
+            </a:bodyPr>
+            <a:lstStyle/>
+            <a:p>
+              <a:r>
+                <a:rPr lang="ja-JP" altLang="en-US" dirty="0"/>
+                <a:t>わからなくても置き去りにならない！</a:t>
+              </a:r>
+              <a:endParaRPr kumimoji="1" lang="en-US" altLang="ja-JP" dirty="0"/>
+            </a:p>
+            <a:p>
+              <a:r>
+                <a:rPr kumimoji="1" lang="ja-JP" altLang="en-US" dirty="0"/>
+                <a:t>一人ひとりの成長がしっかり感じられた</a:t>
+              </a:r>
+            </a:p>
+          </p:txBody>
+        </p:sp>
+      </p:grpSp>
+      <p:sp>
+        <p:nvSpPr>
+          <p:cNvPr id="16" name="矢印: 右カーブ 15">
+            <a:extLst>
+              <a:ext uri="{FF2B5EF4-FFF2-40B4-BE49-F238E27FC236}">
+                <a16:creationId xmlns:a16="http://schemas.microsoft.com/office/drawing/2014/main" id="{7F9585B0-FF9A-4E2A-A6BB-EF5AD32E4EE7}"/>
+              </a:ext>
+            </a:extLst>
+          </p:cNvPr>
+          <p:cNvSpPr/>
+          <p:nvPr/>
+        </p:nvSpPr>
+        <p:spPr>
+          <a:xfrm rot="4017886">
+            <a:off x="3797079" y="2813307"/>
+            <a:ext cx="526412" cy="1181212"/>
+          </a:xfrm>
+          <a:prstGeom prst="curvedRightArrow">
+            <a:avLst>
+              <a:gd name="adj1" fmla="val 30746"/>
+              <a:gd name="adj2" fmla="val 50000"/>
+              <a:gd name="adj3" fmla="val 25000"/>
+            </a:avLst>
+          </a:prstGeom>
+          <a:solidFill>
+            <a:schemeClr val="accent1">
+              <a:lumMod val="60000"/>
+              <a:lumOff val="40000"/>
+            </a:schemeClr>
+          </a:solidFill>
+          <a:ln>
+            <a:solidFill>
+              <a:schemeClr val="accent1">
+                <a:lumMod val="40000"/>
+                <a:lumOff val="60000"/>
+              </a:schemeClr>
+            </a:solidFill>
+          </a:ln>
+        </p:spPr>
+        <p:style>
+          <a:lnRef idx="2">
+            <a:schemeClr val="accent1">
+              <a:shade val="50000"/>
+            </a:schemeClr>
+          </a:lnRef>
+          <a:fillRef idx="1">
+            <a:schemeClr val="accent1"/>
+          </a:fillRef>
+          <a:effectRef idx="0">
+            <a:schemeClr val="accent1"/>
+          </a:effectRef>
+          <a:fontRef idx="minor">
+            <a:schemeClr val="lt1"/>
+          </a:fontRef>
+        </p:style>
+        <p:txBody>
+          <a:bodyPr rtlCol="0" anchor="ctr"/>
+          <a:lstStyle/>
+          <a:p>
+            <a:pPr algn="ctr"/>
+            <a:endParaRPr kumimoji="1" lang="ja-JP" altLang="en-US">
+              <a:solidFill>
+                <a:schemeClr val="tx1"/>
+              </a:solidFill>
+            </a:endParaRPr>
+          </a:p>
+        </p:txBody>
+      </p:sp>
+      <p:sp>
+        <p:nvSpPr>
+          <p:cNvPr id="18" name="矢印: 右カーブ 17">
+            <a:extLst>
+              <a:ext uri="{FF2B5EF4-FFF2-40B4-BE49-F238E27FC236}">
+                <a16:creationId xmlns:a16="http://schemas.microsoft.com/office/drawing/2014/main" id="{A25CB272-090A-4E33-9B86-4CA156C4CB91}"/>
+              </a:ext>
+            </a:extLst>
+          </p:cNvPr>
+          <p:cNvSpPr/>
+          <p:nvPr/>
+        </p:nvSpPr>
+        <p:spPr>
+          <a:xfrm rot="16200000" flipH="1">
+            <a:off x="6866919" y="1811161"/>
+            <a:ext cx="520957" cy="1181212"/>
+          </a:xfrm>
+          <a:prstGeom prst="curvedRightArrow">
+            <a:avLst/>
+          </a:prstGeom>
+          <a:solidFill>
+            <a:schemeClr val="accent4">
+              <a:lumMod val="60000"/>
+              <a:lumOff val="40000"/>
+            </a:schemeClr>
+          </a:solidFill>
+          <a:ln>
+            <a:solidFill>
+              <a:schemeClr val="accent2">
+                <a:lumMod val="60000"/>
+                <a:lumOff val="40000"/>
+              </a:schemeClr>
+            </a:solidFill>
+          </a:ln>
+        </p:spPr>
+        <p:style>
+          <a:lnRef idx="2">
+            <a:schemeClr val="accent1">
+              <a:shade val="50000"/>
+            </a:schemeClr>
+          </a:lnRef>
+          <a:fillRef idx="1">
+            <a:schemeClr val="accent1"/>
+          </a:fillRef>
+          <a:effectRef idx="0">
+            <a:schemeClr val="accent1"/>
+          </a:effectRef>
+          <a:fontRef idx="minor">
+            <a:schemeClr val="lt1"/>
+          </a:fontRef>
+        </p:style>
+        <p:txBody>
+          <a:bodyPr rtlCol="0" anchor="ctr"/>
+          <a:lstStyle/>
+          <a:p>
+            <a:pPr algn="ctr"/>
+            <a:endParaRPr kumimoji="1" lang="ja-JP" altLang="en-US">
+              <a:solidFill>
+                <a:schemeClr val="tx1"/>
+              </a:solidFill>
+            </a:endParaRPr>
+          </a:p>
+        </p:txBody>
+      </p:sp>
+    </p:spTree>
+    <p:extLst>
+      <p:ext uri="{BB962C8B-B14F-4D97-AF65-F5344CB8AC3E}">
+        <p14:creationId xmlns:p14="http://schemas.microsoft.com/office/powerpoint/2010/main" val="3569153038"/>
+      </p:ext>
+    </p:extLst>
+  </p:cSld>
+  <p:clrMapOvr>
+    <a:masterClrMapping/>
+  </p:clrMapOvr>
+  <p:timing>
+    <p:tnLst>
+      <p:par>
+        <p:cTn id="1" dur="indefinite" restart="never" nodeType="tmRoot">
+          <p:childTnLst>
+            <p:seq concurrent="1" nextAc="seek">
+              <p:cTn id="2" dur="indefinite" nodeType="mainSeq">
+                <p:childTnLst>
+                  <p:par>
+                    <p:cTn id="3" fill="hold">
+                      <p:stCondLst>
+                        <p:cond delay="indefinite"/>
+                      </p:stCondLst>
+                      <p:childTnLst>
+                        <p:par>
+                          <p:cTn id="4" fill="hold">
+                            <p:stCondLst>
+                              <p:cond delay="0"/>
+                            </p:stCondLst>
+                            <p:childTnLst>
+                              <p:par>
+                                <p:cTn id="5" presetID="22" presetClass="entr" presetSubtype="1" fill="hold" nodeType="clickEffect">
+                                  <p:stCondLst>
+                                    <p:cond delay="0"/>
+                                  </p:stCondLst>
+                                  <p:childTnLst>
+                                    <p:set>
+                                      <p:cBhvr>
+                                        <p:cTn id="6" dur="1" fill="hold">
+                                          <p:stCondLst>
+                                            <p:cond delay="0"/>
+                                          </p:stCondLst>
+                                        </p:cTn>
+                                        <p:tgtEl>
+                                          <p:spTgt spid="6"/>
+                                        </p:tgtEl>
+                                        <p:attrNameLst>
+                                          <p:attrName>style.visibility</p:attrName>
+                                        </p:attrNameLst>
+                                      </p:cBhvr>
+                                      <p:to>
+                                        <p:strVal val="visible"/>
+                                      </p:to>
+                                    </p:set>
+                                    <p:animEffect transition="in" filter="wipe(up)">
+                                      <p:cBhvr>
+                                        <p:cTn id="7" dur="500"/>
+                                        <p:tgtEl>
+                                          <p:spTgt spid="6"/>
+                                        </p:tgtEl>
+                                      </p:cBhvr>
+                                    </p:animEffect>
+                                  </p:childTnLst>
+                                </p:cTn>
+                              </p:par>
+                            </p:childTnLst>
+                          </p:cTn>
+                        </p:par>
+                      </p:childTnLst>
+                    </p:cTn>
+                  </p:par>
+                </p:childTnLst>
+              </p:cTn>
+              <p:prevCondLst>
+                <p:cond evt="onPrev" delay="0">
+                  <p:tgtEl>
+                    <p:sldTgt/>
+                  </p:tgtEl>
+                </p:cond>
+              </p:prevCondLst>
+              <p:nextCondLst>
+                <p:cond evt="onNext" delay="0">
+                  <p:tgtEl>
+                    <p:sldTgt/>
+                  </p:tgtEl>
+                </p:cond>
+              </p:nextCondLst>
+            </p:seq>
+          </p:childTnLst>
+        </p:cTn>
+      </p:par>
+    </p:tnLst>
+  </p:timing>
+</p:sld>
+</file>
+
+<file path=ppt/slides/slide11.xml><?xml version="1.0" encoding="utf-8"?>
+<p:sld xmlns:a="http://schemas.openxmlformats.org/drawingml/2006/main" xmlns:r="http://schemas.openxmlformats.org/officeDocument/2006/relationships" xmlns:p="http://schemas.openxmlformats.org/presentationml/2006/main">
+  <p:cSld>
+    <p:spTree>
+      <p:nvGrpSpPr>
+        <p:cNvPr id="1" name=""/>
+        <p:cNvGrpSpPr/>
+        <p:nvPr/>
+      </p:nvGrpSpPr>
+      <p:grpSpPr>
+        <a:xfrm>
+          <a:off x="0" y="0"/>
+          <a:ext cx="0" cy="0"/>
+          <a:chOff x="0" y="0"/>
+          <a:chExt cx="0" cy="0"/>
+        </a:xfrm>
+      </p:grpSpPr>
+      <p:sp>
+        <p:nvSpPr>
+          <p:cNvPr id="2" name="タイトル 1">
+            <a:extLst>
+              <a:ext uri="{FF2B5EF4-FFF2-40B4-BE49-F238E27FC236}">
+                <a16:creationId xmlns:a16="http://schemas.microsoft.com/office/drawing/2014/main" id="{0E0052EA-F9A7-41FB-BA0C-317EFE23BF4C}"/>
+              </a:ext>
+            </a:extLst>
+          </p:cNvPr>
+          <p:cNvSpPr>
+            <a:spLocks noGrp="1"/>
+          </p:cNvSpPr>
+          <p:nvPr>
+            <p:ph type="title"/>
+          </p:nvPr>
+        </p:nvSpPr>
+        <p:spPr/>
+        <p:txBody>
+          <a:bodyPr>
+            <a:normAutofit/>
+          </a:bodyPr>
+          <a:lstStyle/>
+          <a:p>
+            <a:r>
+              <a:rPr kumimoji="1" lang="ja-JP" altLang="en-US" sz="4000" dirty="0">
+                <a:latin typeface="HG丸ｺﾞｼｯｸM-PRO" panose="020F0600000000000000" pitchFamily="50" charset="-128"/>
+                <a:ea typeface="HG丸ｺﾞｼｯｸM-PRO" panose="020F0600000000000000" pitchFamily="50" charset="-128"/>
+              </a:rPr>
+              <a:t>グループ～役割紹介～</a:t>
+            </a:r>
+          </a:p>
+        </p:txBody>
+      </p:sp>
+      <p:sp>
+        <p:nvSpPr>
+          <p:cNvPr id="4" name="フレーム 3">
+            <a:extLst>
+              <a:ext uri="{FF2B5EF4-FFF2-40B4-BE49-F238E27FC236}">
+                <a16:creationId xmlns:a16="http://schemas.microsoft.com/office/drawing/2014/main" id="{9061ED0C-2A66-439A-B304-1558BAF77192}"/>
+              </a:ext>
+            </a:extLst>
+          </p:cNvPr>
+          <p:cNvSpPr/>
+          <p:nvPr/>
+        </p:nvSpPr>
+        <p:spPr>
+          <a:xfrm>
+            <a:off x="0" y="1"/>
+            <a:ext cx="12192000" cy="6858000"/>
+          </a:xfrm>
+          <a:prstGeom prst="frame">
+            <a:avLst>
+              <a:gd name="adj1" fmla="val 4395"/>
+            </a:avLst>
+          </a:prstGeom>
+          <a:solidFill>
+            <a:schemeClr val="accent4">
+              <a:lumMod val="60000"/>
+              <a:lumOff val="40000"/>
+            </a:schemeClr>
+          </a:solidFill>
+          <a:ln>
+            <a:noFill/>
+          </a:ln>
+          <a:effectLst>
+            <a:glow rad="63500">
+              <a:schemeClr val="accent4">
+                <a:satMod val="175000"/>
+                <a:alpha val="40000"/>
+              </a:schemeClr>
+            </a:glow>
+          </a:effectLst>
+        </p:spPr>
+        <p:style>
+          <a:lnRef idx="2">
+            <a:schemeClr val="accent1">
+              <a:shade val="50000"/>
+            </a:schemeClr>
+          </a:lnRef>
+          <a:fillRef idx="1">
+            <a:schemeClr val="accent1"/>
+          </a:fillRef>
+          <a:effectRef idx="0">
+            <a:schemeClr val="accent1"/>
+          </a:effectRef>
+          <a:fontRef idx="minor">
+            <a:schemeClr val="lt1"/>
+          </a:fontRef>
+        </p:style>
+        <p:txBody>
+          <a:bodyPr rtlCol="0" anchor="ctr"/>
+          <a:lstStyle/>
+          <a:p>
+            <a:pPr algn="ctr"/>
+            <a:endParaRPr kumimoji="1" lang="ja-JP" altLang="en-US">
+              <a:solidFill>
+                <a:schemeClr val="tx1"/>
+              </a:solidFill>
+            </a:endParaRPr>
+          </a:p>
+        </p:txBody>
+      </p:sp>
+      <p:sp>
+        <p:nvSpPr>
+          <p:cNvPr id="6" name="楕円 5">
+            <a:extLst>
+              <a:ext uri="{FF2B5EF4-FFF2-40B4-BE49-F238E27FC236}">
+                <a16:creationId xmlns:a16="http://schemas.microsoft.com/office/drawing/2014/main" id="{B9C3A525-A8B5-40DE-8D16-82FAF3D8C4C2}"/>
+              </a:ext>
+            </a:extLst>
+          </p:cNvPr>
+          <p:cNvSpPr/>
+          <p:nvPr/>
+        </p:nvSpPr>
+        <p:spPr>
+          <a:xfrm>
+            <a:off x="8143875" y="1676353"/>
+            <a:ext cx="2914650" cy="1131888"/>
+          </a:xfrm>
+          <a:prstGeom prst="ellipse">
+            <a:avLst/>
+          </a:prstGeom>
+          <a:solidFill>
+            <a:schemeClr val="accent6">
+              <a:alpha val="50000"/>
+            </a:schemeClr>
+          </a:solidFill>
+          <a:ln>
+            <a:noFill/>
+          </a:ln>
+        </p:spPr>
+        <p:style>
+          <a:lnRef idx="0">
+            <a:scrgbClr r="0" g="0" b="0"/>
+          </a:lnRef>
+          <a:fillRef idx="0">
+            <a:scrgbClr r="0" g="0" b="0"/>
+          </a:fillRef>
+          <a:effectRef idx="0">
+            <a:scrgbClr r="0" g="0" b="0"/>
+          </a:effectRef>
+          <a:fontRef idx="minor">
+            <a:schemeClr val="lt1"/>
+          </a:fontRef>
+        </p:style>
+        <p:txBody>
+          <a:bodyPr rtlCol="0" anchor="ctr"/>
+          <a:lstStyle/>
+          <a:p>
+            <a:pPr algn="ctr"/>
+            <a:r>
+              <a:rPr kumimoji="1" lang="ja-JP" altLang="en-US" dirty="0">
+                <a:solidFill>
+                  <a:schemeClr val="tx1"/>
+                </a:solidFill>
+                <a:latin typeface="HG丸ｺﾞｼｯｸM-PRO" panose="020F0600000000000000" pitchFamily="50" charset="-128"/>
+                <a:ea typeface="HG丸ｺﾞｼｯｸM-PRO" panose="020F0600000000000000" pitchFamily="50" charset="-128"/>
+              </a:rPr>
+              <a:t>梶井ももか</a:t>
+            </a:r>
+            <a:endParaRPr kumimoji="1" lang="en-US" altLang="ja-JP" dirty="0">
+              <a:solidFill>
+                <a:schemeClr val="tx1"/>
+              </a:solidFill>
+              <a:latin typeface="HG丸ｺﾞｼｯｸM-PRO" panose="020F0600000000000000" pitchFamily="50" charset="-128"/>
+              <a:ea typeface="HG丸ｺﾞｼｯｸM-PRO" panose="020F0600000000000000" pitchFamily="50" charset="-128"/>
+            </a:endParaRPr>
+          </a:p>
+          <a:p>
+            <a:pPr algn="ctr"/>
+            <a:r>
+              <a:rPr kumimoji="1" lang="en-US" altLang="ja-JP" dirty="0">
+                <a:solidFill>
+                  <a:schemeClr val="tx1"/>
+                </a:solidFill>
+                <a:latin typeface="HG丸ｺﾞｼｯｸM-PRO" panose="020F0600000000000000" pitchFamily="50" charset="-128"/>
+                <a:ea typeface="HG丸ｺﾞｼｯｸM-PRO" panose="020F0600000000000000" pitchFamily="50" charset="-128"/>
+              </a:rPr>
+              <a:t>DB</a:t>
+            </a:r>
+            <a:r>
+              <a:rPr kumimoji="1" lang="ja-JP" altLang="en-US" dirty="0">
+                <a:solidFill>
+                  <a:schemeClr val="tx1"/>
+                </a:solidFill>
+                <a:latin typeface="HG丸ｺﾞｼｯｸM-PRO" panose="020F0600000000000000" pitchFamily="50" charset="-128"/>
+                <a:ea typeface="HG丸ｺﾞｼｯｸM-PRO" panose="020F0600000000000000" pitchFamily="50" charset="-128"/>
+              </a:rPr>
+              <a:t>担当</a:t>
+            </a:r>
+          </a:p>
+        </p:txBody>
+      </p:sp>
+      <p:sp>
+        <p:nvSpPr>
+          <p:cNvPr id="8" name="楕円 7">
+            <a:extLst>
+              <a:ext uri="{FF2B5EF4-FFF2-40B4-BE49-F238E27FC236}">
+                <a16:creationId xmlns:a16="http://schemas.microsoft.com/office/drawing/2014/main" id="{342C6168-2E08-4659-9A23-E822B9FEF1DF}"/>
+              </a:ext>
+            </a:extLst>
+          </p:cNvPr>
+          <p:cNvSpPr/>
+          <p:nvPr/>
+        </p:nvSpPr>
+        <p:spPr>
+          <a:xfrm>
+            <a:off x="4381500" y="1676353"/>
+            <a:ext cx="3181350" cy="1131888"/>
+          </a:xfrm>
+          <a:prstGeom prst="ellipse">
+            <a:avLst/>
+          </a:prstGeom>
+          <a:solidFill>
+            <a:schemeClr val="accent6">
+              <a:alpha val="50000"/>
+            </a:schemeClr>
+          </a:solidFill>
+          <a:ln>
+            <a:noFill/>
+          </a:ln>
+        </p:spPr>
+        <p:style>
+          <a:lnRef idx="0">
+            <a:scrgbClr r="0" g="0" b="0"/>
+          </a:lnRef>
+          <a:fillRef idx="0">
+            <a:scrgbClr r="0" g="0" b="0"/>
+          </a:fillRef>
+          <a:effectRef idx="0">
+            <a:scrgbClr r="0" g="0" b="0"/>
+          </a:effectRef>
+          <a:fontRef idx="minor">
+            <a:schemeClr val="lt1"/>
+          </a:fontRef>
+        </p:style>
+        <p:txBody>
+          <a:bodyPr rtlCol="0" anchor="ctr"/>
+          <a:lstStyle/>
+          <a:p>
+            <a:pPr algn="ctr"/>
+            <a:r>
+              <a:rPr lang="ja-JP" altLang="en-US" dirty="0">
+                <a:solidFill>
+                  <a:schemeClr val="tx1"/>
+                </a:solidFill>
+                <a:latin typeface="HG丸ｺﾞｼｯｸM-PRO" panose="020F0600000000000000" pitchFamily="50" charset="-128"/>
+                <a:ea typeface="HG丸ｺﾞｼｯｸM-PRO" panose="020F0600000000000000" pitchFamily="50" charset="-128"/>
+              </a:rPr>
+              <a:t>近藤隆矢</a:t>
+            </a:r>
+            <a:endParaRPr lang="en-US" altLang="ja-JP" dirty="0">
+              <a:solidFill>
+                <a:schemeClr val="tx1"/>
+              </a:solidFill>
+              <a:latin typeface="HG丸ｺﾞｼｯｸM-PRO" panose="020F0600000000000000" pitchFamily="50" charset="-128"/>
+              <a:ea typeface="HG丸ｺﾞｼｯｸM-PRO" panose="020F0600000000000000" pitchFamily="50" charset="-128"/>
+            </a:endParaRPr>
+          </a:p>
+          <a:p>
+            <a:pPr algn="ctr"/>
+            <a:r>
+              <a:rPr lang="ja-JP" altLang="en-US" dirty="0">
+                <a:solidFill>
+                  <a:schemeClr val="tx1"/>
+                </a:solidFill>
+                <a:latin typeface="HG丸ｺﾞｼｯｸM-PRO" panose="020F0600000000000000" pitchFamily="50" charset="-128"/>
+                <a:ea typeface="HG丸ｺﾞｼｯｸM-PRO" panose="020F0600000000000000" pitchFamily="50" charset="-128"/>
+              </a:rPr>
+              <a:t>構成管理・品質管理</a:t>
+            </a:r>
+            <a:endParaRPr kumimoji="1" lang="en-US" altLang="ja-JP" dirty="0">
+              <a:solidFill>
+                <a:schemeClr val="tx1"/>
+              </a:solidFill>
+              <a:latin typeface="HG丸ｺﾞｼｯｸM-PRO" panose="020F0600000000000000" pitchFamily="50" charset="-128"/>
+              <a:ea typeface="HG丸ｺﾞｼｯｸM-PRO" panose="020F0600000000000000" pitchFamily="50" charset="-128"/>
+            </a:endParaRPr>
+          </a:p>
+        </p:txBody>
+      </p:sp>
+      <p:sp>
+        <p:nvSpPr>
+          <p:cNvPr id="9" name="楕円 8">
+            <a:extLst>
+              <a:ext uri="{FF2B5EF4-FFF2-40B4-BE49-F238E27FC236}">
+                <a16:creationId xmlns:a16="http://schemas.microsoft.com/office/drawing/2014/main" id="{7996DC24-B4B5-40C9-B9BD-559DECA90B87}"/>
+              </a:ext>
+            </a:extLst>
+          </p:cNvPr>
+          <p:cNvSpPr/>
+          <p:nvPr/>
+        </p:nvSpPr>
+        <p:spPr>
+          <a:xfrm>
+            <a:off x="990600" y="1676353"/>
+            <a:ext cx="2914650" cy="1131888"/>
+          </a:xfrm>
+          <a:prstGeom prst="ellipse">
+            <a:avLst/>
+          </a:prstGeom>
+          <a:solidFill>
+            <a:schemeClr val="accent6">
+              <a:alpha val="50000"/>
+            </a:schemeClr>
+          </a:solidFill>
+          <a:ln>
+            <a:noFill/>
+          </a:ln>
+        </p:spPr>
+        <p:style>
+          <a:lnRef idx="0">
+            <a:scrgbClr r="0" g="0" b="0"/>
+          </a:lnRef>
+          <a:fillRef idx="0">
+            <a:scrgbClr r="0" g="0" b="0"/>
+          </a:fillRef>
+          <a:effectRef idx="0">
+            <a:scrgbClr r="0" g="0" b="0"/>
+          </a:effectRef>
+          <a:fontRef idx="minor">
+            <a:schemeClr val="lt1"/>
+          </a:fontRef>
+        </p:style>
+        <p:txBody>
+          <a:bodyPr rtlCol="0" anchor="ctr"/>
+          <a:lstStyle/>
+          <a:p>
+            <a:pPr algn="ctr"/>
+            <a:r>
+              <a:rPr kumimoji="1" lang="ja-JP" altLang="en-US" dirty="0">
+                <a:solidFill>
+                  <a:schemeClr val="tx1"/>
+                </a:solidFill>
+                <a:latin typeface="HG丸ｺﾞｼｯｸM-PRO" panose="020F0600000000000000" pitchFamily="50" charset="-128"/>
+                <a:ea typeface="HG丸ｺﾞｼｯｸM-PRO" panose="020F0600000000000000" pitchFamily="50" charset="-128"/>
+              </a:rPr>
+              <a:t>矢島鉄平</a:t>
+            </a:r>
+            <a:endParaRPr kumimoji="1" lang="en-US" altLang="ja-JP" dirty="0">
+              <a:solidFill>
+                <a:schemeClr val="tx1"/>
+              </a:solidFill>
+              <a:latin typeface="HG丸ｺﾞｼｯｸM-PRO" panose="020F0600000000000000" pitchFamily="50" charset="-128"/>
+              <a:ea typeface="HG丸ｺﾞｼｯｸM-PRO" panose="020F0600000000000000" pitchFamily="50" charset="-128"/>
+            </a:endParaRPr>
+          </a:p>
+          <a:p>
+            <a:pPr algn="ctr"/>
+            <a:r>
+              <a:rPr lang="ja-JP" altLang="en-US" dirty="0">
+                <a:solidFill>
+                  <a:schemeClr val="tx1"/>
+                </a:solidFill>
+                <a:latin typeface="HG丸ｺﾞｼｯｸM-PRO" panose="020F0600000000000000" pitchFamily="50" charset="-128"/>
+                <a:ea typeface="HG丸ｺﾞｼｯｸM-PRO" panose="020F0600000000000000" pitchFamily="50" charset="-128"/>
+              </a:rPr>
+              <a:t>チームリーダー</a:t>
+            </a:r>
+            <a:endParaRPr kumimoji="1" lang="ja-JP" altLang="en-US" dirty="0">
+              <a:solidFill>
+                <a:schemeClr val="tx1"/>
+              </a:solidFill>
+              <a:latin typeface="HG丸ｺﾞｼｯｸM-PRO" panose="020F0600000000000000" pitchFamily="50" charset="-128"/>
+              <a:ea typeface="HG丸ｺﾞｼｯｸM-PRO" panose="020F0600000000000000" pitchFamily="50" charset="-128"/>
+            </a:endParaRPr>
+          </a:p>
+        </p:txBody>
+      </p:sp>
+      <p:sp>
+        <p:nvSpPr>
+          <p:cNvPr id="10" name="楕円 9">
+            <a:extLst>
+              <a:ext uri="{FF2B5EF4-FFF2-40B4-BE49-F238E27FC236}">
+                <a16:creationId xmlns:a16="http://schemas.microsoft.com/office/drawing/2014/main" id="{20A67684-32BB-4FE0-913D-1E77E9E2AB90}"/>
+              </a:ext>
+            </a:extLst>
+          </p:cNvPr>
+          <p:cNvSpPr/>
+          <p:nvPr/>
+        </p:nvSpPr>
+        <p:spPr>
+          <a:xfrm>
+            <a:off x="2152650" y="3149624"/>
+            <a:ext cx="3943350" cy="1131888"/>
+          </a:xfrm>
+          <a:prstGeom prst="ellipse">
+            <a:avLst/>
+          </a:prstGeom>
+          <a:solidFill>
+            <a:schemeClr val="accent6">
+              <a:alpha val="50000"/>
+            </a:schemeClr>
+          </a:solidFill>
+          <a:ln>
+            <a:noFill/>
+          </a:ln>
+        </p:spPr>
+        <p:style>
+          <a:lnRef idx="0">
+            <a:scrgbClr r="0" g="0" b="0"/>
+          </a:lnRef>
+          <a:fillRef idx="0">
+            <a:scrgbClr r="0" g="0" b="0"/>
+          </a:fillRef>
+          <a:effectRef idx="0">
+            <a:scrgbClr r="0" g="0" b="0"/>
+          </a:effectRef>
+          <a:fontRef idx="minor">
+            <a:schemeClr val="lt1"/>
+          </a:fontRef>
+        </p:style>
+        <p:txBody>
+          <a:bodyPr rtlCol="0" anchor="ctr"/>
+          <a:lstStyle/>
+          <a:p>
+            <a:pPr algn="ctr"/>
+            <a:r>
+              <a:rPr lang="ja-JP" altLang="en-US" sz="1800" dirty="0">
+                <a:solidFill>
+                  <a:schemeClr val="tx1"/>
+                </a:solidFill>
+                <a:latin typeface="HG丸ｺﾞｼｯｸM-PRO" panose="020F0600000000000000" pitchFamily="50" charset="-128"/>
+                <a:ea typeface="HG丸ｺﾞｼｯｸM-PRO" panose="020F0600000000000000" pitchFamily="50" charset="-128"/>
+              </a:rPr>
+              <a:t>安居院眞結　</a:t>
+            </a:r>
+            <a:endParaRPr kumimoji="1" lang="en-US" altLang="ja-JP" dirty="0">
+              <a:solidFill>
+                <a:schemeClr val="tx1"/>
+              </a:solidFill>
+              <a:latin typeface="HG丸ｺﾞｼｯｸM-PRO" panose="020F0600000000000000" pitchFamily="50" charset="-128"/>
+              <a:ea typeface="HG丸ｺﾞｼｯｸM-PRO" panose="020F0600000000000000" pitchFamily="50" charset="-128"/>
+            </a:endParaRPr>
+          </a:p>
+          <a:p>
+            <a:pPr algn="ctr"/>
+            <a:r>
+              <a:rPr kumimoji="1" lang="ja-JP" altLang="en-US" dirty="0">
+                <a:solidFill>
+                  <a:schemeClr val="tx1"/>
+                </a:solidFill>
+                <a:latin typeface="HG丸ｺﾞｼｯｸM-PRO" panose="020F0600000000000000" pitchFamily="50" charset="-128"/>
+                <a:ea typeface="HG丸ｺﾞｼｯｸM-PRO" panose="020F0600000000000000" pitchFamily="50" charset="-128"/>
+              </a:rPr>
+              <a:t>コミュニケーション担当</a:t>
+            </a:r>
+          </a:p>
+        </p:txBody>
+      </p:sp>
+      <p:sp>
+        <p:nvSpPr>
+          <p:cNvPr id="13" name="楕円 12">
+            <a:extLst>
+              <a:ext uri="{FF2B5EF4-FFF2-40B4-BE49-F238E27FC236}">
+                <a16:creationId xmlns:a16="http://schemas.microsoft.com/office/drawing/2014/main" id="{D18E61F3-A3F5-4938-81CA-2F6F39ADC925}"/>
+              </a:ext>
+            </a:extLst>
+          </p:cNvPr>
+          <p:cNvSpPr/>
+          <p:nvPr/>
+        </p:nvSpPr>
+        <p:spPr>
+          <a:xfrm>
+            <a:off x="6686550" y="3176961"/>
+            <a:ext cx="2914650" cy="1131888"/>
+          </a:xfrm>
+          <a:prstGeom prst="ellipse">
+            <a:avLst/>
+          </a:prstGeom>
+          <a:solidFill>
+            <a:schemeClr val="accent6">
+              <a:alpha val="50000"/>
+            </a:schemeClr>
+          </a:solidFill>
+          <a:ln>
+            <a:noFill/>
+          </a:ln>
+        </p:spPr>
+        <p:style>
+          <a:lnRef idx="0">
+            <a:scrgbClr r="0" g="0" b="0"/>
+          </a:lnRef>
+          <a:fillRef idx="0">
+            <a:scrgbClr r="0" g="0" b="0"/>
+          </a:fillRef>
+          <a:effectRef idx="0">
+            <a:scrgbClr r="0" g="0" b="0"/>
+          </a:effectRef>
+          <a:fontRef idx="minor">
+            <a:schemeClr val="lt1"/>
+          </a:fontRef>
+        </p:style>
+        <p:txBody>
+          <a:bodyPr rtlCol="0" anchor="ctr"/>
+          <a:lstStyle/>
+          <a:p>
+            <a:pPr algn="ctr"/>
+            <a:r>
+              <a:rPr lang="ja-JP" altLang="en-US" dirty="0">
+                <a:solidFill>
+                  <a:schemeClr val="tx1"/>
+                </a:solidFill>
+                <a:latin typeface="HG丸ｺﾞｼｯｸM-PRO" panose="020F0600000000000000" pitchFamily="50" charset="-128"/>
+                <a:ea typeface="HG丸ｺﾞｼｯｸM-PRO" panose="020F0600000000000000" pitchFamily="50" charset="-128"/>
+              </a:rPr>
+              <a:t>城戸沙月</a:t>
+            </a:r>
+            <a:endParaRPr kumimoji="1" lang="en-US" altLang="ja-JP" dirty="0">
+              <a:solidFill>
+                <a:schemeClr val="tx1"/>
+              </a:solidFill>
+              <a:latin typeface="HG丸ｺﾞｼｯｸM-PRO" panose="020F0600000000000000" pitchFamily="50" charset="-128"/>
+              <a:ea typeface="HG丸ｺﾞｼｯｸM-PRO" panose="020F0600000000000000" pitchFamily="50" charset="-128"/>
+            </a:endParaRPr>
+          </a:p>
+          <a:p>
+            <a:pPr algn="ctr"/>
+            <a:r>
+              <a:rPr kumimoji="1" lang="ja-JP" altLang="en-US" dirty="0">
+                <a:solidFill>
+                  <a:schemeClr val="tx1"/>
+                </a:solidFill>
+                <a:latin typeface="HG丸ｺﾞｼｯｸM-PRO" panose="020F0600000000000000" pitchFamily="50" charset="-128"/>
+                <a:ea typeface="HG丸ｺﾞｼｯｸM-PRO" panose="020F0600000000000000" pitchFamily="50" charset="-128"/>
+              </a:rPr>
+              <a:t>発表担当</a:t>
+            </a:r>
+          </a:p>
+        </p:txBody>
+      </p:sp>
+      <p:sp>
+        <p:nvSpPr>
+          <p:cNvPr id="11" name="吹き出し: 角を丸めた四角形 10">
+            <a:extLst>
+              <a:ext uri="{FF2B5EF4-FFF2-40B4-BE49-F238E27FC236}">
+                <a16:creationId xmlns:a16="http://schemas.microsoft.com/office/drawing/2014/main" id="{CA249E97-8BB4-44D6-B7B6-78CA05C633A0}"/>
+              </a:ext>
+            </a:extLst>
+          </p:cNvPr>
+          <p:cNvSpPr/>
+          <p:nvPr/>
+        </p:nvSpPr>
+        <p:spPr>
+          <a:xfrm>
+            <a:off x="2085976" y="4815705"/>
+            <a:ext cx="6200774" cy="1276350"/>
+          </a:xfrm>
+          <a:prstGeom prst="wedgeRoundRectCallout">
+            <a:avLst>
+              <a:gd name="adj1" fmla="val 64559"/>
+              <a:gd name="adj2" fmla="val 17724"/>
+              <a:gd name="adj3" fmla="val 16667"/>
+            </a:avLst>
+          </a:prstGeom>
+        </p:spPr>
+        <p:style>
+          <a:lnRef idx="2">
+            <a:schemeClr val="accent6"/>
+          </a:lnRef>
+          <a:fillRef idx="1">
+            <a:schemeClr val="lt1"/>
+          </a:fillRef>
+          <a:effectRef idx="0">
+            <a:schemeClr val="accent6"/>
+          </a:effectRef>
+          <a:fontRef idx="minor">
+            <a:schemeClr val="dk1"/>
+          </a:fontRef>
+        </p:style>
+        <p:txBody>
+          <a:bodyPr rtlCol="0" anchor="ctr"/>
+          <a:lstStyle/>
+          <a:p>
+            <a:pPr algn="ctr"/>
+            <a:r>
+              <a:rPr kumimoji="1" lang="ja-JP" altLang="en-US" dirty="0">
+                <a:latin typeface="HG丸ｺﾞｼｯｸM-PRO" panose="020F0600000000000000" pitchFamily="50" charset="-128"/>
+                <a:ea typeface="HG丸ｺﾞｼｯｸM-PRO" panose="020F0600000000000000" pitchFamily="50" charset="-128"/>
+              </a:rPr>
+              <a:t>温厚な人が多い、平和に進みそう・・</a:t>
+            </a:r>
+            <a:endParaRPr kumimoji="1" lang="en-US" altLang="ja-JP" dirty="0">
+              <a:latin typeface="HG丸ｺﾞｼｯｸM-PRO" panose="020F0600000000000000" pitchFamily="50" charset="-128"/>
+              <a:ea typeface="HG丸ｺﾞｼｯｸM-PRO" panose="020F0600000000000000" pitchFamily="50" charset="-128"/>
+            </a:endParaRPr>
+          </a:p>
+          <a:p>
+            <a:pPr algn="ctr"/>
+            <a:r>
+              <a:rPr lang="ja-JP" altLang="en-US" dirty="0">
+                <a:latin typeface="HG丸ｺﾞｼｯｸM-PRO" panose="020F0600000000000000" pitchFamily="50" charset="-128"/>
+                <a:ea typeface="HG丸ｺﾞｼｯｸM-PRO" panose="020F0600000000000000" pitchFamily="50" charset="-128"/>
+              </a:rPr>
+              <a:t>ついでにリーダーの名前をもじってみよう！</a:t>
+            </a:r>
+            <a:endParaRPr kumimoji="1" lang="ja-JP" altLang="en-US" dirty="0">
+              <a:latin typeface="HG丸ｺﾞｼｯｸM-PRO" panose="020F0600000000000000" pitchFamily="50" charset="-128"/>
+              <a:ea typeface="HG丸ｺﾞｼｯｸM-PRO" panose="020F0600000000000000" pitchFamily="50" charset="-128"/>
+            </a:endParaRPr>
+          </a:p>
+        </p:txBody>
+      </p:sp>
+      <p:pic>
+        <p:nvPicPr>
+          <p:cNvPr id="3076" name="Picture 4" descr="無人島のイラスト">
+            <a:extLst>
+              <a:ext uri="{FF2B5EF4-FFF2-40B4-BE49-F238E27FC236}">
+                <a16:creationId xmlns:a16="http://schemas.microsoft.com/office/drawing/2014/main" id="{A914047D-F93A-4748-B089-5E2BB4AECC99}"/>
+              </a:ext>
+            </a:extLst>
+          </p:cNvPr>
+          <p:cNvPicPr>
+            <a:picLocks noChangeAspect="1" noChangeArrowheads="1"/>
+          </p:cNvPicPr>
+          <p:nvPr/>
+        </p:nvPicPr>
+        <p:blipFill>
+          <a:blip r:embed="rId2">
+            <a:extLst>
+              <a:ext uri="{28A0092B-C50C-407E-A947-70E740481C1C}">
+                <a14:useLocalDpi xmlns:a14="http://schemas.microsoft.com/office/drawing/2010/main" val="0"/>
+              </a:ext>
+            </a:extLst>
+          </a:blip>
+          <a:srcRect/>
+          <a:stretch>
+            <a:fillRect/>
+          </a:stretch>
+        </p:blipFill>
+        <p:spPr bwMode="auto">
+          <a:xfrm>
+            <a:off x="9153526" y="4568078"/>
+            <a:ext cx="2394058" cy="1771603"/>
+          </a:xfrm>
+          <a:prstGeom prst="rect">
+            <a:avLst/>
+          </a:prstGeom>
+          <a:noFill/>
+          <a:extLst>
+            <a:ext uri="{909E8E84-426E-40DD-AFC4-6F175D3DCCD1}">
+              <a14:hiddenFill xmlns:a14="http://schemas.microsoft.com/office/drawing/2010/main">
+                <a:solidFill>
+                  <a:srgbClr val="FFFFFF"/>
+                </a:solidFill>
+              </a14:hiddenFill>
+            </a:ext>
+          </a:extLst>
+        </p:spPr>
+      </p:pic>
+      <p:sp>
+        <p:nvSpPr>
+          <p:cNvPr id="15" name="テキスト ボックス 14">
+            <a:extLst>
+              <a:ext uri="{FF2B5EF4-FFF2-40B4-BE49-F238E27FC236}">
+                <a16:creationId xmlns:a16="http://schemas.microsoft.com/office/drawing/2014/main" id="{8C51BE11-481E-453D-83EA-701B976A520D}"/>
+              </a:ext>
+            </a:extLst>
+          </p:cNvPr>
+          <p:cNvSpPr txBox="1"/>
+          <p:nvPr/>
+        </p:nvSpPr>
+        <p:spPr>
+          <a:xfrm rot="19857887">
+            <a:off x="9649231" y="4631039"/>
+            <a:ext cx="495301" cy="369332"/>
+          </a:xfrm>
+          <a:prstGeom prst="rect">
+            <a:avLst/>
+          </a:prstGeom>
+          <a:noFill/>
+        </p:spPr>
+        <p:txBody>
+          <a:bodyPr wrap="square" rtlCol="0">
+            <a:spAutoFit/>
+          </a:bodyPr>
+          <a:lstStyle/>
+          <a:p>
+            <a:r>
+              <a:rPr kumimoji="1" lang="ja-JP" altLang="en-US" dirty="0"/>
+              <a:t>平</a:t>
+            </a:r>
+          </a:p>
+        </p:txBody>
+      </p:sp>
+      <p:sp>
+        <p:nvSpPr>
+          <p:cNvPr id="18" name="テキスト ボックス 17">
+            <a:extLst>
+              <a:ext uri="{FF2B5EF4-FFF2-40B4-BE49-F238E27FC236}">
+                <a16:creationId xmlns:a16="http://schemas.microsoft.com/office/drawing/2014/main" id="{15830F66-6FF7-4DBC-9D01-D4D7D48117C4}"/>
+              </a:ext>
+            </a:extLst>
+          </p:cNvPr>
+          <p:cNvSpPr txBox="1"/>
+          <p:nvPr/>
+        </p:nvSpPr>
+        <p:spPr>
+          <a:xfrm>
+            <a:off x="10061683" y="4535788"/>
+            <a:ext cx="495301" cy="369332"/>
+          </a:xfrm>
+          <a:prstGeom prst="rect">
+            <a:avLst/>
+          </a:prstGeom>
+          <a:noFill/>
+        </p:spPr>
+        <p:txBody>
+          <a:bodyPr wrap="square" rtlCol="0">
+            <a:spAutoFit/>
+          </a:bodyPr>
+          <a:lstStyle/>
+          <a:p>
+            <a:r>
+              <a:rPr lang="ja-JP" altLang="en-US" dirty="0"/>
+              <a:t>和</a:t>
+            </a:r>
+            <a:endParaRPr kumimoji="1" lang="ja-JP" altLang="en-US" dirty="0"/>
+          </a:p>
+        </p:txBody>
+      </p:sp>
+      <p:sp>
+        <p:nvSpPr>
+          <p:cNvPr id="19" name="テキスト ボックス 18">
+            <a:extLst>
+              <a:ext uri="{FF2B5EF4-FFF2-40B4-BE49-F238E27FC236}">
+                <a16:creationId xmlns:a16="http://schemas.microsoft.com/office/drawing/2014/main" id="{2DCE8C2B-D06F-4A9F-89D5-78F2C1818E99}"/>
+              </a:ext>
+            </a:extLst>
+          </p:cNvPr>
+          <p:cNvSpPr txBox="1"/>
+          <p:nvPr/>
+        </p:nvSpPr>
+        <p:spPr>
+          <a:xfrm rot="1037289">
+            <a:off x="10480783" y="4631039"/>
+            <a:ext cx="495301" cy="369332"/>
+          </a:xfrm>
+          <a:prstGeom prst="rect">
+            <a:avLst/>
+          </a:prstGeom>
+          <a:noFill/>
+        </p:spPr>
+        <p:txBody>
+          <a:bodyPr wrap="square" rtlCol="0">
+            <a:spAutoFit/>
+          </a:bodyPr>
+          <a:lstStyle/>
+          <a:p>
+            <a:r>
+              <a:rPr lang="ja-JP" altLang="en-US" dirty="0"/>
+              <a:t>島</a:t>
+            </a:r>
+            <a:endParaRPr kumimoji="1" lang="ja-JP" altLang="en-US" dirty="0"/>
+          </a:p>
+        </p:txBody>
+      </p:sp>
+      <p:sp>
+        <p:nvSpPr>
+          <p:cNvPr id="20" name="テキスト ボックス 19">
+            <a:extLst>
+              <a:ext uri="{FF2B5EF4-FFF2-40B4-BE49-F238E27FC236}">
+                <a16:creationId xmlns:a16="http://schemas.microsoft.com/office/drawing/2014/main" id="{523D900E-6E18-49A1-AEFA-334AC8C04C03}"/>
+              </a:ext>
+            </a:extLst>
+          </p:cNvPr>
+          <p:cNvSpPr txBox="1"/>
+          <p:nvPr/>
+        </p:nvSpPr>
+        <p:spPr>
+          <a:xfrm rot="4507268">
+            <a:off x="9407165" y="4827752"/>
+            <a:ext cx="495301" cy="369332"/>
+          </a:xfrm>
+          <a:prstGeom prst="rect">
+            <a:avLst/>
+          </a:prstGeom>
+          <a:noFill/>
+        </p:spPr>
+        <p:txBody>
+          <a:bodyPr wrap="square" rtlCol="0">
+            <a:spAutoFit/>
+          </a:bodyPr>
+          <a:lstStyle/>
+          <a:p>
+            <a:r>
+              <a:rPr lang="ja-JP" altLang="en-US" dirty="0"/>
+              <a:t>／</a:t>
+            </a:r>
+            <a:endParaRPr kumimoji="1" lang="ja-JP" altLang="en-US" dirty="0"/>
+          </a:p>
+        </p:txBody>
+      </p:sp>
+      <p:sp>
+        <p:nvSpPr>
+          <p:cNvPr id="21" name="テキスト ボックス 20">
+            <a:extLst>
+              <a:ext uri="{FF2B5EF4-FFF2-40B4-BE49-F238E27FC236}">
+                <a16:creationId xmlns:a16="http://schemas.microsoft.com/office/drawing/2014/main" id="{A90130B1-5961-4069-838C-E7FF1DD924BC}"/>
+              </a:ext>
+            </a:extLst>
+          </p:cNvPr>
+          <p:cNvSpPr txBox="1"/>
+          <p:nvPr/>
+        </p:nvSpPr>
+        <p:spPr>
+          <a:xfrm>
+            <a:off x="10702216" y="4726290"/>
+            <a:ext cx="495301" cy="369332"/>
+          </a:xfrm>
+          <a:prstGeom prst="rect">
+            <a:avLst/>
+          </a:prstGeom>
+          <a:noFill/>
+        </p:spPr>
+        <p:txBody>
+          <a:bodyPr wrap="square" rtlCol="0">
+            <a:spAutoFit/>
+          </a:bodyPr>
+          <a:lstStyle/>
+          <a:p>
+            <a:r>
+              <a:rPr lang="ja-JP" altLang="en-US" dirty="0"/>
+              <a:t>／</a:t>
+            </a:r>
+            <a:endParaRPr kumimoji="1" lang="ja-JP" altLang="en-US" dirty="0"/>
+          </a:p>
+        </p:txBody>
+      </p:sp>
+      <mc:AlternateContent xmlns:mc="http://schemas.openxmlformats.org/markup-compatibility/2006" xmlns:p14="http://schemas.microsoft.com/office/powerpoint/2010/main">
+        <mc:Choice Requires="p14">
+          <p:contentPart p14:bwMode="auto" r:id="rId3">
+            <p14:nvContentPartPr>
+              <p14:cNvPr id="3" name="インク 2">
+                <a:extLst>
+                  <a:ext uri="{FF2B5EF4-FFF2-40B4-BE49-F238E27FC236}">
+                    <a16:creationId xmlns:a16="http://schemas.microsoft.com/office/drawing/2014/main" id="{B9272ADB-2AAB-4EA7-B84B-F1DC73884DCA}"/>
+                  </a:ext>
+                </a:extLst>
+              </p14:cNvPr>
+              <p14:cNvContentPartPr/>
+              <p14:nvPr/>
+            </p14:nvContentPartPr>
+            <p14:xfrm>
+              <a:off x="923061" y="904129"/>
+              <a:ext cx="5213160" cy="129240"/>
+            </p14:xfrm>
+          </p:contentPart>
+        </mc:Choice>
+        <mc:Fallback xmlns="">
+          <p:pic>
+            <p:nvPicPr>
+              <p:cNvPr id="3" name="インク 2">
+                <a:extLst>
+                  <a:ext uri="{FF2B5EF4-FFF2-40B4-BE49-F238E27FC236}">
+                    <a16:creationId xmlns:a16="http://schemas.microsoft.com/office/drawing/2014/main" id="{B9272ADB-2AAB-4EA7-B84B-F1DC73884DCA}"/>
+                  </a:ext>
+                </a:extLst>
+              </p:cNvPr>
+              <p:cNvPicPr/>
+              <p:nvPr/>
+            </p:nvPicPr>
+            <p:blipFill>
+              <a:blip r:embed="rId4"/>
+              <a:stretch>
+                <a:fillRect/>
+              </a:stretch>
+            </p:blipFill>
+            <p:spPr>
+              <a:xfrm>
+                <a:off x="833061" y="724489"/>
+                <a:ext cx="5392800" cy="488880"/>
+              </a:xfrm>
+              <a:prstGeom prst="rect">
+                <a:avLst/>
+              </a:prstGeom>
+            </p:spPr>
+          </p:pic>
+        </mc:Fallback>
+      </mc:AlternateContent>
+    </p:spTree>
+    <p:extLst>
+      <p:ext uri="{BB962C8B-B14F-4D97-AF65-F5344CB8AC3E}">
+        <p14:creationId xmlns:p14="http://schemas.microsoft.com/office/powerpoint/2010/main" val="2515495109"/>
+      </p:ext>
+    </p:extLst>
+  </p:cSld>
+  <p:clrMapOvr>
+    <a:masterClrMapping/>
+  </p:clrMapOvr>
+  <mc:AlternateContent xmlns:mc="http://schemas.openxmlformats.org/markup-compatibility/2006" xmlns:p15="http://schemas.microsoft.com/office/powerpoint/2012/main">
+    <mc:Choice Requires="p15">
+      <p:transition xmlns:p14="http://schemas.microsoft.com/office/powerpoint/2010/main" spd="slow" p14:dur="2000">
+        <p15:prstTrans prst="drape"/>
+      </p:transition>
+    </mc:Choice>
+    <mc:Fallback xmlns="">
+      <p:transition spd="slow">
+        <p:fade/>
+      </p:transition>
+    </mc:Fallback>
+  </mc:AlternateContent>
+  <p:timing>
+    <p:tnLst>
+      <p:par>
+        <p:cTn id="1" dur="indefinite" restart="never" nodeType="tmRoot">
+          <p:childTnLst>
+            <p:seq concurrent="1" nextAc="seek">
+              <p:cTn id="2" dur="indefinite" nodeType="mainSeq">
+                <p:childTnLst>
+                  <p:par>
+                    <p:cTn id="3" fill="hold">
+                      <p:stCondLst>
+                        <p:cond delay="indefinite"/>
+                      </p:stCondLst>
+                      <p:childTnLst>
+                        <p:par>
+                          <p:cTn id="4" fill="hold">
+                            <p:stCondLst>
+                              <p:cond delay="0"/>
+                            </p:stCondLst>
+                            <p:childTnLst>
+                              <p:par>
+                                <p:cTn id="5" presetID="2" presetClass="entr" presetSubtype="4" fill="hold" grpId="0" nodeType="clickEffect">
+                                  <p:stCondLst>
+                                    <p:cond delay="0"/>
+                                  </p:stCondLst>
+                                  <p:childTnLst>
+                                    <p:set>
+                                      <p:cBhvr>
+                                        <p:cTn id="6" dur="1" fill="hold">
+                                          <p:stCondLst>
+                                            <p:cond delay="0"/>
+                                          </p:stCondLst>
+                                        </p:cTn>
+                                        <p:tgtEl>
+                                          <p:spTgt spid="9"/>
+                                        </p:tgtEl>
+                                        <p:attrNameLst>
+                                          <p:attrName>style.visibility</p:attrName>
+                                        </p:attrNameLst>
+                                      </p:cBhvr>
+                                      <p:to>
+                                        <p:strVal val="visible"/>
+                                      </p:to>
+                                    </p:set>
+                                    <p:anim calcmode="lin" valueType="num">
+                                      <p:cBhvr additive="base">
+                                        <p:cTn id="7" dur="500" fill="hold"/>
+                                        <p:tgtEl>
+                                          <p:spTgt spid="9"/>
+                                        </p:tgtEl>
+                                        <p:attrNameLst>
+                                          <p:attrName>ppt_x</p:attrName>
+                                        </p:attrNameLst>
+                                      </p:cBhvr>
+                                      <p:tavLst>
+                                        <p:tav tm="0">
+                                          <p:val>
+                                            <p:strVal val="#ppt_x"/>
+                                          </p:val>
+                                        </p:tav>
+                                        <p:tav tm="100000">
+                                          <p:val>
+                                            <p:strVal val="#ppt_x"/>
+                                          </p:val>
+                                        </p:tav>
+                                      </p:tavLst>
+                                    </p:anim>
+                                    <p:anim calcmode="lin" valueType="num">
+                                      <p:cBhvr additive="base">
+                                        <p:cTn id="8" dur="500" fill="hold"/>
+                                        <p:tgtEl>
+                                          <p:spTgt spid="9"/>
+                                        </p:tgtEl>
+                                        <p:attrNameLst>
+                                          <p:attrName>ppt_y</p:attrName>
+                                        </p:attrNameLst>
+                                      </p:cBhvr>
+                                      <p:tavLst>
+                                        <p:tav tm="0">
+                                          <p:val>
+                                            <p:strVal val="1+#ppt_h/2"/>
+                                          </p:val>
+                                        </p:tav>
+                                        <p:tav tm="100000">
+                                          <p:val>
+                                            <p:strVal val="#ppt_y"/>
+                                          </p:val>
+                                        </p:tav>
+                                      </p:tavLst>
+                                    </p:anim>
+                                  </p:childTnLst>
+                                </p:cTn>
+                              </p:par>
+                            </p:childTnLst>
+                          </p:cTn>
+                        </p:par>
+                      </p:childTnLst>
+                    </p:cTn>
+                  </p:par>
+                  <p:par>
+                    <p:cTn id="9" fill="hold">
+                      <p:stCondLst>
+                        <p:cond delay="indefinite"/>
+                      </p:stCondLst>
+                      <p:childTnLst>
+                        <p:par>
+                          <p:cTn id="10" fill="hold">
+                            <p:stCondLst>
+                              <p:cond delay="0"/>
+                            </p:stCondLst>
+                            <p:childTnLst>
+                              <p:par>
+                                <p:cTn id="11" presetID="2" presetClass="entr" presetSubtype="4" fill="hold" grpId="0" nodeType="clickEffect">
+                                  <p:stCondLst>
+                                    <p:cond delay="0"/>
+                                  </p:stCondLst>
+                                  <p:childTnLst>
+                                    <p:set>
+                                      <p:cBhvr>
+                                        <p:cTn id="12" dur="1" fill="hold">
+                                          <p:stCondLst>
+                                            <p:cond delay="0"/>
+                                          </p:stCondLst>
+                                        </p:cTn>
+                                        <p:tgtEl>
+                                          <p:spTgt spid="8"/>
+                                        </p:tgtEl>
+                                        <p:attrNameLst>
+                                          <p:attrName>style.visibility</p:attrName>
+                                        </p:attrNameLst>
+                                      </p:cBhvr>
+                                      <p:to>
+                                        <p:strVal val="visible"/>
+                                      </p:to>
+                                    </p:set>
+                                    <p:anim calcmode="lin" valueType="num">
+                                      <p:cBhvr additive="base">
+                                        <p:cTn id="13" dur="500" fill="hold"/>
+                                        <p:tgtEl>
+                                          <p:spTgt spid="8"/>
+                                        </p:tgtEl>
+                                        <p:attrNameLst>
+                                          <p:attrName>ppt_x</p:attrName>
+                                        </p:attrNameLst>
+                                      </p:cBhvr>
+                                      <p:tavLst>
+                                        <p:tav tm="0">
+                                          <p:val>
+                                            <p:strVal val="#ppt_x"/>
+                                          </p:val>
+                                        </p:tav>
+                                        <p:tav tm="100000">
+                                          <p:val>
+                                            <p:strVal val="#ppt_x"/>
+                                          </p:val>
+                                        </p:tav>
+                                      </p:tavLst>
+                                    </p:anim>
+                                    <p:anim calcmode="lin" valueType="num">
+                                      <p:cBhvr additive="base">
+                                        <p:cTn id="14" dur="500" fill="hold"/>
+                                        <p:tgtEl>
+                                          <p:spTgt spid="8"/>
+                                        </p:tgtEl>
+                                        <p:attrNameLst>
+                                          <p:attrName>ppt_y</p:attrName>
+                                        </p:attrNameLst>
+                                      </p:cBhvr>
+                                      <p:tavLst>
+                                        <p:tav tm="0">
+                                          <p:val>
+                                            <p:strVal val="1+#ppt_h/2"/>
+                                          </p:val>
+                                        </p:tav>
+                                        <p:tav tm="100000">
+                                          <p:val>
+                                            <p:strVal val="#ppt_y"/>
+                                          </p:val>
+                                        </p:tav>
+                                      </p:tavLst>
+                                    </p:anim>
+                                  </p:childTnLst>
+                                </p:cTn>
+                              </p:par>
+                            </p:childTnLst>
+                          </p:cTn>
+                        </p:par>
+                      </p:childTnLst>
+                    </p:cTn>
+                  </p:par>
+                  <p:par>
+                    <p:cTn id="15" fill="hold">
+                      <p:stCondLst>
+                        <p:cond delay="indefinite"/>
+                      </p:stCondLst>
+                      <p:childTnLst>
+                        <p:par>
+                          <p:cTn id="16" fill="hold">
+                            <p:stCondLst>
+                              <p:cond delay="0"/>
+                            </p:stCondLst>
+                            <p:childTnLst>
+                              <p:par>
+                                <p:cTn id="17" presetID="2" presetClass="entr" presetSubtype="4" fill="hold" grpId="0" nodeType="clickEffect">
+                                  <p:stCondLst>
+                                    <p:cond delay="0"/>
+                                  </p:stCondLst>
+                                  <p:childTnLst>
+                                    <p:set>
+                                      <p:cBhvr>
+                                        <p:cTn id="18" dur="1" fill="hold">
+                                          <p:stCondLst>
+                                            <p:cond delay="0"/>
+                                          </p:stCondLst>
+                                        </p:cTn>
+                                        <p:tgtEl>
+                                          <p:spTgt spid="6"/>
+                                        </p:tgtEl>
+                                        <p:attrNameLst>
+                                          <p:attrName>style.visibility</p:attrName>
+                                        </p:attrNameLst>
+                                      </p:cBhvr>
+                                      <p:to>
+                                        <p:strVal val="visible"/>
+                                      </p:to>
+                                    </p:set>
+                                    <p:anim calcmode="lin" valueType="num">
+                                      <p:cBhvr additive="base">
+                                        <p:cTn id="19" dur="500" fill="hold"/>
+                                        <p:tgtEl>
+                                          <p:spTgt spid="6"/>
+                                        </p:tgtEl>
+                                        <p:attrNameLst>
+                                          <p:attrName>ppt_x</p:attrName>
+                                        </p:attrNameLst>
+                                      </p:cBhvr>
+                                      <p:tavLst>
+                                        <p:tav tm="0">
+                                          <p:val>
+                                            <p:strVal val="#ppt_x"/>
+                                          </p:val>
+                                        </p:tav>
+                                        <p:tav tm="100000">
+                                          <p:val>
+                                            <p:strVal val="#ppt_x"/>
+                                          </p:val>
+                                        </p:tav>
+                                      </p:tavLst>
+                                    </p:anim>
+                                    <p:anim calcmode="lin" valueType="num">
+                                      <p:cBhvr additive="base">
+                                        <p:cTn id="20" dur="500" fill="hold"/>
+                                        <p:tgtEl>
+                                          <p:spTgt spid="6"/>
+                                        </p:tgtEl>
+                                        <p:attrNameLst>
+                                          <p:attrName>ppt_y</p:attrName>
+                                        </p:attrNameLst>
+                                      </p:cBhvr>
+                                      <p:tavLst>
+                                        <p:tav tm="0">
+                                          <p:val>
+                                            <p:strVal val="1+#ppt_h/2"/>
+                                          </p:val>
+                                        </p:tav>
+                                        <p:tav tm="100000">
+                                          <p:val>
+                                            <p:strVal val="#ppt_y"/>
+                                          </p:val>
+                                        </p:tav>
+                                      </p:tavLst>
+                                    </p:anim>
+                                  </p:childTnLst>
+                                </p:cTn>
+                              </p:par>
+                            </p:childTnLst>
+                          </p:cTn>
+                        </p:par>
+                      </p:childTnLst>
+                    </p:cTn>
+                  </p:par>
+                  <p:par>
+                    <p:cTn id="21" fill="hold">
+                      <p:stCondLst>
+                        <p:cond delay="indefinite"/>
+                      </p:stCondLst>
+                      <p:childTnLst>
+                        <p:par>
+                          <p:cTn id="22" fill="hold">
+                            <p:stCondLst>
+                              <p:cond delay="0"/>
+                            </p:stCondLst>
+                            <p:childTnLst>
+                              <p:par>
+                                <p:cTn id="23" presetID="2" presetClass="entr" presetSubtype="4" fill="hold" grpId="0" nodeType="clickEffect">
+                                  <p:stCondLst>
+                                    <p:cond delay="0"/>
+                                  </p:stCondLst>
+                                  <p:childTnLst>
+                                    <p:set>
+                                      <p:cBhvr>
+                                        <p:cTn id="24" dur="1" fill="hold">
+                                          <p:stCondLst>
+                                            <p:cond delay="0"/>
+                                          </p:stCondLst>
+                                        </p:cTn>
+                                        <p:tgtEl>
+                                          <p:spTgt spid="10"/>
+                                        </p:tgtEl>
+                                        <p:attrNameLst>
+                                          <p:attrName>style.visibility</p:attrName>
+                                        </p:attrNameLst>
+                                      </p:cBhvr>
+                                      <p:to>
+                                        <p:strVal val="visible"/>
+                                      </p:to>
+                                    </p:set>
+                                    <p:anim calcmode="lin" valueType="num">
+                                      <p:cBhvr additive="base">
+                                        <p:cTn id="25" dur="500" fill="hold"/>
+                                        <p:tgtEl>
+                                          <p:spTgt spid="10"/>
+                                        </p:tgtEl>
+                                        <p:attrNameLst>
+                                          <p:attrName>ppt_x</p:attrName>
+                                        </p:attrNameLst>
+                                      </p:cBhvr>
+                                      <p:tavLst>
+                                        <p:tav tm="0">
+                                          <p:val>
+                                            <p:strVal val="#ppt_x"/>
+                                          </p:val>
+                                        </p:tav>
+                                        <p:tav tm="100000">
+                                          <p:val>
+                                            <p:strVal val="#ppt_x"/>
+                                          </p:val>
+                                        </p:tav>
+                                      </p:tavLst>
+                                    </p:anim>
+                                    <p:anim calcmode="lin" valueType="num">
+                                      <p:cBhvr additive="base">
+                                        <p:cTn id="26" dur="500" fill="hold"/>
+                                        <p:tgtEl>
+                                          <p:spTgt spid="10"/>
+                                        </p:tgtEl>
+                                        <p:attrNameLst>
+                                          <p:attrName>ppt_y</p:attrName>
+                                        </p:attrNameLst>
+                                      </p:cBhvr>
+                                      <p:tavLst>
+                                        <p:tav tm="0">
+                                          <p:val>
+                                            <p:strVal val="1+#ppt_h/2"/>
+                                          </p:val>
+                                        </p:tav>
+                                        <p:tav tm="100000">
+                                          <p:val>
+                                            <p:strVal val="#ppt_y"/>
+                                          </p:val>
+                                        </p:tav>
+                                      </p:tavLst>
+                                    </p:anim>
+                                  </p:childTnLst>
+                                </p:cTn>
+                              </p:par>
+                            </p:childTnLst>
+                          </p:cTn>
+                        </p:par>
+                      </p:childTnLst>
+                    </p:cTn>
+                  </p:par>
+                  <p:par>
+                    <p:cTn id="27" fill="hold">
+                      <p:stCondLst>
+                        <p:cond delay="indefinite"/>
+                      </p:stCondLst>
+                      <p:childTnLst>
+                        <p:par>
+                          <p:cTn id="28" fill="hold">
+                            <p:stCondLst>
+                              <p:cond delay="0"/>
+                            </p:stCondLst>
+                            <p:childTnLst>
+                              <p:par>
+                                <p:cTn id="29" presetID="2" presetClass="entr" presetSubtype="4" fill="hold" grpId="0" nodeType="clickEffect">
+                                  <p:stCondLst>
+                                    <p:cond delay="0"/>
+                                  </p:stCondLst>
+                                  <p:childTnLst>
+                                    <p:set>
+                                      <p:cBhvr>
+                                        <p:cTn id="30" dur="1" fill="hold">
+                                          <p:stCondLst>
+                                            <p:cond delay="0"/>
+                                          </p:stCondLst>
+                                        </p:cTn>
+                                        <p:tgtEl>
+                                          <p:spTgt spid="13"/>
+                                        </p:tgtEl>
+                                        <p:attrNameLst>
+                                          <p:attrName>style.visibility</p:attrName>
+                                        </p:attrNameLst>
+                                      </p:cBhvr>
+                                      <p:to>
+                                        <p:strVal val="visible"/>
+                                      </p:to>
+                                    </p:set>
+                                    <p:anim calcmode="lin" valueType="num">
+                                      <p:cBhvr additive="base">
+                                        <p:cTn id="31" dur="500" fill="hold"/>
+                                        <p:tgtEl>
+                                          <p:spTgt spid="13"/>
+                                        </p:tgtEl>
+                                        <p:attrNameLst>
+                                          <p:attrName>ppt_x</p:attrName>
+                                        </p:attrNameLst>
+                                      </p:cBhvr>
+                                      <p:tavLst>
+                                        <p:tav tm="0">
+                                          <p:val>
+                                            <p:strVal val="#ppt_x"/>
+                                          </p:val>
+                                        </p:tav>
+                                        <p:tav tm="100000">
+                                          <p:val>
+                                            <p:strVal val="#ppt_x"/>
+                                          </p:val>
+                                        </p:tav>
+                                      </p:tavLst>
+                                    </p:anim>
+                                    <p:anim calcmode="lin" valueType="num">
+                                      <p:cBhvr additive="base">
+                                        <p:cTn id="32" dur="500" fill="hold"/>
+                                        <p:tgtEl>
+                                          <p:spTgt spid="13"/>
+                                        </p:tgtEl>
+                                        <p:attrNameLst>
+                                          <p:attrName>ppt_y</p:attrName>
+                                        </p:attrNameLst>
+                                      </p:cBhvr>
+                                      <p:tavLst>
+                                        <p:tav tm="0">
+                                          <p:val>
+                                            <p:strVal val="1+#ppt_h/2"/>
+                                          </p:val>
+                                        </p:tav>
+                                        <p:tav tm="100000">
+                                          <p:val>
+                                            <p:strVal val="#ppt_y"/>
+                                          </p:val>
+                                        </p:tav>
+                                      </p:tavLst>
+                                    </p:anim>
+                                  </p:childTnLst>
+                                </p:cTn>
+                              </p:par>
+                            </p:childTnLst>
+                          </p:cTn>
+                        </p:par>
+                      </p:childTnLst>
+                    </p:cTn>
+                  </p:par>
+                  <p:par>
+                    <p:cTn id="33" fill="hold">
+                      <p:stCondLst>
+                        <p:cond delay="indefinite"/>
+                      </p:stCondLst>
+                      <p:childTnLst>
+                        <p:par>
+                          <p:cTn id="34" fill="hold">
+                            <p:stCondLst>
+                              <p:cond delay="0"/>
+                            </p:stCondLst>
+                            <p:childTnLst>
+                              <p:par>
+                                <p:cTn id="35" presetID="26" presetClass="entr" presetSubtype="0" fill="hold" nodeType="clickEffect">
+                                  <p:stCondLst>
+                                    <p:cond delay="0"/>
+                                  </p:stCondLst>
+                                  <p:childTnLst>
+                                    <p:set>
+                                      <p:cBhvr>
+                                        <p:cTn id="36" dur="1" fill="hold">
+                                          <p:stCondLst>
+                                            <p:cond delay="0"/>
+                                          </p:stCondLst>
+                                        </p:cTn>
+                                        <p:tgtEl>
+                                          <p:spTgt spid="3076"/>
+                                        </p:tgtEl>
+                                        <p:attrNameLst>
+                                          <p:attrName>style.visibility</p:attrName>
+                                        </p:attrNameLst>
+                                      </p:cBhvr>
+                                      <p:to>
+                                        <p:strVal val="visible"/>
+                                      </p:to>
+                                    </p:set>
+                                    <p:animEffect transition="in" filter="wipe(down)">
+                                      <p:cBhvr>
+                                        <p:cTn id="37" dur="580">
+                                          <p:stCondLst>
+                                            <p:cond delay="0"/>
+                                          </p:stCondLst>
+                                        </p:cTn>
+                                        <p:tgtEl>
+                                          <p:spTgt spid="3076"/>
+                                        </p:tgtEl>
+                                      </p:cBhvr>
+                                    </p:animEffect>
+                                    <p:anim calcmode="lin" valueType="num">
+                                      <p:cBhvr>
+                                        <p:cTn id="38" dur="1822" tmFilter="0,0; 0.14,0.36; 0.43,0.73; 0.71,0.91; 1.0,1.0">
+                                          <p:stCondLst>
+                                            <p:cond delay="0"/>
+                                          </p:stCondLst>
+                                        </p:cTn>
+                                        <p:tgtEl>
+                                          <p:spTgt spid="3076"/>
+                                        </p:tgtEl>
+                                        <p:attrNameLst>
+                                          <p:attrName>ppt_x</p:attrName>
+                                        </p:attrNameLst>
+                                      </p:cBhvr>
+                                      <p:tavLst>
+                                        <p:tav tm="0">
+                                          <p:val>
+                                            <p:strVal val="#ppt_x-0.25"/>
+                                          </p:val>
+                                        </p:tav>
+                                        <p:tav tm="100000">
+                                          <p:val>
+                                            <p:strVal val="#ppt_x"/>
+                                          </p:val>
+                                        </p:tav>
+                                      </p:tavLst>
+                                    </p:anim>
+                                    <p:anim calcmode="lin" valueType="num">
+                                      <p:cBhvr>
+                                        <p:cTn id="39" dur="664" tmFilter="0.0,0.0; 0.25,0.07; 0.50,0.2; 0.75,0.467; 1.0,1.0">
+                                          <p:stCondLst>
+                                            <p:cond delay="0"/>
+                                          </p:stCondLst>
+                                        </p:cTn>
+                                        <p:tgtEl>
+                                          <p:spTgt spid="3076"/>
+                                        </p:tgtEl>
+                                        <p:attrNameLst>
+                                          <p:attrName>ppt_y</p:attrName>
+                                        </p:attrNameLst>
+                                      </p:cBhvr>
+                                      <p:tavLst>
+                                        <p:tav tm="0" fmla="#ppt_y-sin(pi*$)/3">
+                                          <p:val>
+                                            <p:fltVal val="0.5"/>
+                                          </p:val>
+                                        </p:tav>
+                                        <p:tav tm="100000">
+                                          <p:val>
+                                            <p:fltVal val="1"/>
+                                          </p:val>
+                                        </p:tav>
+                                      </p:tavLst>
+                                    </p:anim>
+                                    <p:anim calcmode="lin" valueType="num">
+                                      <p:cBhvr>
+                                        <p:cTn id="40" dur="664" tmFilter="0, 0; 0.125,0.2665; 0.25,0.4; 0.375,0.465; 0.5,0.5;  0.625,0.535; 0.75,0.6; 0.875,0.7335; 1,1">
+                                          <p:stCondLst>
+                                            <p:cond delay="664"/>
+                                          </p:stCondLst>
+                                        </p:cTn>
+                                        <p:tgtEl>
+                                          <p:spTgt spid="3076"/>
+                                        </p:tgtEl>
+                                        <p:attrNameLst>
+                                          <p:attrName>ppt_y</p:attrName>
+                                        </p:attrNameLst>
+                                      </p:cBhvr>
+                                      <p:tavLst>
+                                        <p:tav tm="0" fmla="#ppt_y-sin(pi*$)/9">
+                                          <p:val>
+                                            <p:fltVal val="0"/>
+                                          </p:val>
+                                        </p:tav>
+                                        <p:tav tm="100000">
+                                          <p:val>
+                                            <p:fltVal val="1"/>
+                                          </p:val>
+                                        </p:tav>
+                                      </p:tavLst>
+                                    </p:anim>
+                                    <p:anim calcmode="lin" valueType="num">
+                                      <p:cBhvr>
+                                        <p:cTn id="41" dur="332" tmFilter="0, 0; 0.125,0.2665; 0.25,0.4; 0.375,0.465; 0.5,0.5;  0.625,0.535; 0.75,0.6; 0.875,0.7335; 1,1">
+                                          <p:stCondLst>
+                                            <p:cond delay="1324"/>
+                                          </p:stCondLst>
+                                        </p:cTn>
+                                        <p:tgtEl>
+                                          <p:spTgt spid="3076"/>
+                                        </p:tgtEl>
+                                        <p:attrNameLst>
+                                          <p:attrName>ppt_y</p:attrName>
+                                        </p:attrNameLst>
+                                      </p:cBhvr>
+                                      <p:tavLst>
+                                        <p:tav tm="0" fmla="#ppt_y-sin(pi*$)/27">
+                                          <p:val>
+                                            <p:fltVal val="0"/>
+                                          </p:val>
+                                        </p:tav>
+                                        <p:tav tm="100000">
+                                          <p:val>
+                                            <p:fltVal val="1"/>
+                                          </p:val>
+                                        </p:tav>
+                                      </p:tavLst>
+                                    </p:anim>
+                                    <p:anim calcmode="lin" valueType="num">
+                                      <p:cBhvr>
+                                        <p:cTn id="42" dur="164" tmFilter="0, 0; 0.125,0.2665; 0.25,0.4; 0.375,0.465; 0.5,0.5;  0.625,0.535; 0.75,0.6; 0.875,0.7335; 1,1">
+                                          <p:stCondLst>
+                                            <p:cond delay="1656"/>
+                                          </p:stCondLst>
+                                        </p:cTn>
+                                        <p:tgtEl>
+                                          <p:spTgt spid="3076"/>
+                                        </p:tgtEl>
+                                        <p:attrNameLst>
+                                          <p:attrName>ppt_y</p:attrName>
+                                        </p:attrNameLst>
+                                      </p:cBhvr>
+                                      <p:tavLst>
+                                        <p:tav tm="0" fmla="#ppt_y-sin(pi*$)/81">
+                                          <p:val>
+                                            <p:fltVal val="0"/>
+                                          </p:val>
+                                        </p:tav>
+                                        <p:tav tm="100000">
+                                          <p:val>
+                                            <p:fltVal val="1"/>
+                                          </p:val>
+                                        </p:tav>
+                                      </p:tavLst>
+                                    </p:anim>
+                                    <p:animScale>
+                                      <p:cBhvr>
+                                        <p:cTn id="43" dur="26">
+                                          <p:stCondLst>
+                                            <p:cond delay="650"/>
+                                          </p:stCondLst>
+                                        </p:cTn>
+                                        <p:tgtEl>
+                                          <p:spTgt spid="3076"/>
+                                        </p:tgtEl>
+                                      </p:cBhvr>
+                                      <p:to x="100000" y="60000"/>
+                                    </p:animScale>
+                                    <p:animScale>
+                                      <p:cBhvr>
+                                        <p:cTn id="44" dur="166" decel="50000">
+                                          <p:stCondLst>
+                                            <p:cond delay="676"/>
+                                          </p:stCondLst>
+                                        </p:cTn>
+                                        <p:tgtEl>
+                                          <p:spTgt spid="3076"/>
+                                        </p:tgtEl>
+                                      </p:cBhvr>
+                                      <p:to x="100000" y="100000"/>
+                                    </p:animScale>
+                                    <p:animScale>
+                                      <p:cBhvr>
+                                        <p:cTn id="45" dur="26">
+                                          <p:stCondLst>
+                                            <p:cond delay="1312"/>
+                                          </p:stCondLst>
+                                        </p:cTn>
+                                        <p:tgtEl>
+                                          <p:spTgt spid="3076"/>
+                                        </p:tgtEl>
+                                      </p:cBhvr>
+                                      <p:to x="100000" y="80000"/>
+                                    </p:animScale>
+                                    <p:animScale>
+                                      <p:cBhvr>
+                                        <p:cTn id="46" dur="166" decel="50000">
+                                          <p:stCondLst>
+                                            <p:cond delay="1338"/>
+                                          </p:stCondLst>
+                                        </p:cTn>
+                                        <p:tgtEl>
+                                          <p:spTgt spid="3076"/>
+                                        </p:tgtEl>
+                                      </p:cBhvr>
+                                      <p:to x="100000" y="100000"/>
+                                    </p:animScale>
+                                    <p:animScale>
+                                      <p:cBhvr>
+                                        <p:cTn id="47" dur="26">
+                                          <p:stCondLst>
+                                            <p:cond delay="1642"/>
+                                          </p:stCondLst>
+                                        </p:cTn>
+                                        <p:tgtEl>
+                                          <p:spTgt spid="3076"/>
+                                        </p:tgtEl>
+                                      </p:cBhvr>
+                                      <p:to x="100000" y="90000"/>
+                                    </p:animScale>
+                                    <p:animScale>
+                                      <p:cBhvr>
+                                        <p:cTn id="48" dur="166" decel="50000">
+                                          <p:stCondLst>
+                                            <p:cond delay="1668"/>
+                                          </p:stCondLst>
+                                        </p:cTn>
+                                        <p:tgtEl>
+                                          <p:spTgt spid="3076"/>
+                                        </p:tgtEl>
+                                      </p:cBhvr>
+                                      <p:to x="100000" y="100000"/>
+                                    </p:animScale>
+                                    <p:animScale>
+                                      <p:cBhvr>
+                                        <p:cTn id="49" dur="26">
+                                          <p:stCondLst>
+                                            <p:cond delay="1808"/>
+                                          </p:stCondLst>
+                                        </p:cTn>
+                                        <p:tgtEl>
+                                          <p:spTgt spid="3076"/>
+                                        </p:tgtEl>
+                                      </p:cBhvr>
+                                      <p:to x="100000" y="95000"/>
+                                    </p:animScale>
+                                    <p:animScale>
+                                      <p:cBhvr>
+                                        <p:cTn id="50" dur="166" decel="50000">
+                                          <p:stCondLst>
+                                            <p:cond delay="1834"/>
+                                          </p:stCondLst>
+                                        </p:cTn>
+                                        <p:tgtEl>
+                                          <p:spTgt spid="3076"/>
+                                        </p:tgtEl>
+                                      </p:cBhvr>
+                                      <p:to x="100000" y="100000"/>
+                                    </p:animScale>
+                                  </p:childTnLst>
+                                </p:cTn>
+                              </p:par>
+                            </p:childTnLst>
+                          </p:cTn>
+                        </p:par>
+                      </p:childTnLst>
+                    </p:cTn>
+                  </p:par>
+                  <p:par>
+                    <p:cTn id="51" fill="hold">
+                      <p:stCondLst>
+                        <p:cond delay="indefinite"/>
+                      </p:stCondLst>
+                      <p:childTnLst>
+                        <p:par>
+                          <p:cTn id="52" fill="hold">
+                            <p:stCondLst>
+                              <p:cond delay="0"/>
+                            </p:stCondLst>
+                            <p:childTnLst>
+                              <p:par>
+                                <p:cTn id="53" presetID="2" presetClass="entr" presetSubtype="4" fill="hold" grpId="0" nodeType="clickEffect">
+                                  <p:stCondLst>
+                                    <p:cond delay="0"/>
+                                  </p:stCondLst>
+                                  <p:childTnLst>
+                                    <p:set>
+                                      <p:cBhvr>
+                                        <p:cTn id="54" dur="1" fill="hold">
+                                          <p:stCondLst>
+                                            <p:cond delay="0"/>
+                                          </p:stCondLst>
+                                        </p:cTn>
+                                        <p:tgtEl>
+                                          <p:spTgt spid="11"/>
+                                        </p:tgtEl>
+                                        <p:attrNameLst>
+                                          <p:attrName>style.visibility</p:attrName>
+                                        </p:attrNameLst>
+                                      </p:cBhvr>
+                                      <p:to>
+                                        <p:strVal val="visible"/>
+                                      </p:to>
+                                    </p:set>
+                                    <p:anim calcmode="lin" valueType="num">
+                                      <p:cBhvr additive="base">
+                                        <p:cTn id="55" dur="500" fill="hold"/>
+                                        <p:tgtEl>
+                                          <p:spTgt spid="11"/>
+                                        </p:tgtEl>
+                                        <p:attrNameLst>
+                                          <p:attrName>ppt_x</p:attrName>
+                                        </p:attrNameLst>
+                                      </p:cBhvr>
+                                      <p:tavLst>
+                                        <p:tav tm="0">
+                                          <p:val>
+                                            <p:strVal val="#ppt_x"/>
+                                          </p:val>
+                                        </p:tav>
+                                        <p:tav tm="100000">
+                                          <p:val>
+                                            <p:strVal val="#ppt_x"/>
+                                          </p:val>
+                                        </p:tav>
+                                      </p:tavLst>
+                                    </p:anim>
+                                    <p:anim calcmode="lin" valueType="num">
+                                      <p:cBhvr additive="base">
+                                        <p:cTn id="56" dur="500" fill="hold"/>
+                                        <p:tgtEl>
+                                          <p:spTgt spid="11"/>
+                                        </p:tgtEl>
+                                        <p:attrNameLst>
+                                          <p:attrName>ppt_y</p:attrName>
+                                        </p:attrNameLst>
+                                      </p:cBhvr>
+                                      <p:tavLst>
+                                        <p:tav tm="0">
+                                          <p:val>
+                                            <p:strVal val="1+#ppt_h/2"/>
+                                          </p:val>
+                                        </p:tav>
+                                        <p:tav tm="100000">
+                                          <p:val>
+                                            <p:strVal val="#ppt_y"/>
+                                          </p:val>
+                                        </p:tav>
+                                      </p:tavLst>
+                                    </p:anim>
+                                  </p:childTnLst>
+                                </p:cTn>
+                              </p:par>
+                            </p:childTnLst>
+                          </p:cTn>
+                        </p:par>
+                      </p:childTnLst>
+                    </p:cTn>
+                  </p:par>
+                </p:childTnLst>
+              </p:cTn>
+              <p:prevCondLst>
+                <p:cond evt="onPrev" delay="0">
+                  <p:tgtEl>
+                    <p:sldTgt/>
+                  </p:tgtEl>
+                </p:cond>
+              </p:prevCondLst>
+              <p:nextCondLst>
+                <p:cond evt="onNext" delay="0">
+                  <p:tgtEl>
+                    <p:sldTgt/>
+                  </p:tgtEl>
+                </p:cond>
+              </p:nextCondLst>
+            </p:seq>
+          </p:childTnLst>
+        </p:cTn>
+      </p:par>
+    </p:tnLst>
+    <p:bldLst>
+      <p:bldP spid="6" grpId="0" animBg="1"/>
+      <p:bldP spid="8" grpId="0" animBg="1"/>
+      <p:bldP spid="9" grpId="0" animBg="1"/>
+      <p:bldP spid="10" grpId="0" animBg="1"/>
+      <p:bldP spid="13" grpId="0" animBg="1"/>
+      <p:bldP spid="11" grpId="0" animBg="1"/>
+    </p:bldLst>
+  </p:timing>
+</p:sld>
+</file>
+
+<file path=ppt/slides/slide12.xml><?xml version="1.0" encoding="utf-8"?>
+<p:sld xmlns:a="http://schemas.openxmlformats.org/drawingml/2006/main" xmlns:r="http://schemas.openxmlformats.org/officeDocument/2006/relationships" xmlns:p="http://schemas.openxmlformats.org/presentationml/2006/main">
+  <p:cSld>
+    <p:spTree>
+      <p:nvGrpSpPr>
+        <p:cNvPr id="1" name=""/>
+        <p:cNvGrpSpPr/>
+        <p:nvPr/>
+      </p:nvGrpSpPr>
+      <p:grpSpPr>
+        <a:xfrm>
+          <a:off x="0" y="0"/>
+          <a:ext cx="0" cy="0"/>
+          <a:chOff x="0" y="0"/>
+          <a:chExt cx="0" cy="0"/>
+        </a:xfrm>
+      </p:grpSpPr>
+      <p:sp>
+        <p:nvSpPr>
+          <p:cNvPr id="2" name="タイトル 1">
+            <a:extLst>
+              <a:ext uri="{FF2B5EF4-FFF2-40B4-BE49-F238E27FC236}">
+                <a16:creationId xmlns:a16="http://schemas.microsoft.com/office/drawing/2014/main" id="{0E0052EA-F9A7-41FB-BA0C-317EFE23BF4C}"/>
+              </a:ext>
+            </a:extLst>
+          </p:cNvPr>
+          <p:cNvSpPr>
+            <a:spLocks noGrp="1"/>
+          </p:cNvSpPr>
+          <p:nvPr>
+            <p:ph type="title"/>
+          </p:nvPr>
+        </p:nvSpPr>
         <p:spPr>
           <a:xfrm>
             <a:off x="838199" y="131762"/>
@@ -5916,7 +8649,7 @@
         <p:spPr>
           <a:xfrm>
             <a:off x="1357312" y="1504155"/>
-            <a:ext cx="9477375" cy="1325563"/>
+            <a:ext cx="9477375" cy="1477328"/>
           </a:xfrm>
           <a:prstGeom prst="rect">
             <a:avLst/>
@@ -5937,6 +8670,41 @@
           </a:bodyPr>
           <a:lstStyle/>
           <a:p>
+            <a:endParaRPr kumimoji="1" lang="en-US" altLang="ja-JP" dirty="0"/>
+          </a:p>
+          <a:p>
+            <a:r>
+              <a:rPr lang="ja-JP" altLang="en-US" dirty="0">
+                <a:latin typeface="HG丸ｺﾞｼｯｸM-PRO" panose="020F0600000000000000" pitchFamily="50" charset="-128"/>
+                <a:ea typeface="HG丸ｺﾞｼｯｸM-PRO" panose="020F0600000000000000" pitchFamily="50" charset="-128"/>
+              </a:rPr>
+              <a:t>・当初は、理解度の差があり、開発に必要な知識を全員が理解するのに時間がかかった</a:t>
+            </a:r>
+            <a:endParaRPr lang="en-US" altLang="ja-JP" dirty="0">
+              <a:latin typeface="HG丸ｺﾞｼｯｸM-PRO" panose="020F0600000000000000" pitchFamily="50" charset="-128"/>
+              <a:ea typeface="HG丸ｺﾞｼｯｸM-PRO" panose="020F0600000000000000" pitchFamily="50" charset="-128"/>
+            </a:endParaRPr>
+          </a:p>
+          <a:p>
+            <a:endParaRPr lang="en-US" altLang="ja-JP" dirty="0">
+              <a:latin typeface="HG丸ｺﾞｼｯｸM-PRO" panose="020F0600000000000000" pitchFamily="50" charset="-128"/>
+              <a:ea typeface="HG丸ｺﾞｼｯｸM-PRO" panose="020F0600000000000000" pitchFamily="50" charset="-128"/>
+            </a:endParaRPr>
+          </a:p>
+          <a:p>
+            <a:r>
+              <a:rPr lang="ja-JP" altLang="en-US" dirty="0">
+                <a:latin typeface="HG丸ｺﾞｼｯｸM-PRO" panose="020F0600000000000000" pitchFamily="50" charset="-128"/>
+                <a:ea typeface="HG丸ｺﾞｼｯｸM-PRO" panose="020F0600000000000000" pitchFamily="50" charset="-128"/>
+              </a:rPr>
+              <a:t>・知識が足りてない分、自分の意見を言語化できず、相手に伝わらないことがあった</a:t>
+            </a:r>
+            <a:endParaRPr lang="en-US" altLang="ja-JP" dirty="0">
+              <a:latin typeface="HG丸ｺﾞｼｯｸM-PRO" panose="020F0600000000000000" pitchFamily="50" charset="-128"/>
+              <a:ea typeface="HG丸ｺﾞｼｯｸM-PRO" panose="020F0600000000000000" pitchFamily="50" charset="-128"/>
+            </a:endParaRPr>
+          </a:p>
+          <a:p>
             <a:endParaRPr kumimoji="1" lang="ja-JP" altLang="en-US" dirty="0"/>
           </a:p>
         </p:txBody>
@@ -5955,7 +8723,7 @@
         </p:nvSpPr>
         <p:spPr>
           <a:xfrm>
-            <a:off x="1781175" y="1151730"/>
+            <a:off x="1781175" y="1054463"/>
             <a:ext cx="2600325" cy="704850"/>
           </a:xfrm>
           <a:prstGeom prst="horizontalScroll">
@@ -6006,7 +8774,7 @@
         <p:spPr>
           <a:xfrm>
             <a:off x="1357312" y="3318669"/>
-            <a:ext cx="9477375" cy="1325563"/>
+            <a:ext cx="9477375" cy="1477328"/>
           </a:xfrm>
           <a:prstGeom prst="rect">
             <a:avLst/>
@@ -6027,7 +8795,36 @@
           </a:bodyPr>
           <a:lstStyle/>
           <a:p>
-            <a:endParaRPr kumimoji="1" lang="ja-JP" altLang="en-US" dirty="0"/>
+            <a:endParaRPr kumimoji="1" lang="en-US" altLang="ja-JP" dirty="0"/>
+          </a:p>
+          <a:p>
+            <a:r>
+              <a:rPr lang="ja-JP" altLang="en-US" dirty="0">
+                <a:latin typeface="HG丸ｺﾞｼｯｸM-PRO" panose="020F0600000000000000" pitchFamily="50" charset="-128"/>
+                <a:ea typeface="HG丸ｺﾞｼｯｸM-PRO" panose="020F0600000000000000" pitchFamily="50" charset="-128"/>
+              </a:rPr>
+              <a:t>・新しい分野に入る度に一度全体で共有しながら理解度を位置させることにこだわった</a:t>
+            </a:r>
+            <a:endParaRPr lang="en-US" altLang="ja-JP" dirty="0">
+              <a:latin typeface="HG丸ｺﾞｼｯｸM-PRO" panose="020F0600000000000000" pitchFamily="50" charset="-128"/>
+              <a:ea typeface="HG丸ｺﾞｼｯｸM-PRO" panose="020F0600000000000000" pitchFamily="50" charset="-128"/>
+            </a:endParaRPr>
+          </a:p>
+          <a:p>
+            <a:endParaRPr kumimoji="1" lang="en-US" altLang="ja-JP" dirty="0">
+              <a:latin typeface="HG丸ｺﾞｼｯｸM-PRO" panose="020F0600000000000000" pitchFamily="50" charset="-128"/>
+              <a:ea typeface="HG丸ｺﾞｼｯｸM-PRO" panose="020F0600000000000000" pitchFamily="50" charset="-128"/>
+            </a:endParaRPr>
+          </a:p>
+          <a:p>
+            <a:r>
+              <a:rPr lang="ja-JP" altLang="en-US" dirty="0">
+                <a:latin typeface="HG丸ｺﾞｼｯｸM-PRO" panose="020F0600000000000000" pitchFamily="50" charset="-128"/>
+                <a:ea typeface="HG丸ｺﾞｼｯｸM-PRO" panose="020F0600000000000000" pitchFamily="50" charset="-128"/>
+              </a:rPr>
+              <a:t>・一度立ち止まる時間を作り、分からないことを一つ一つ整理しながら話すようにした。また、図解をしてみたり、言語化にこだわらず伝えるように努力した</a:t>
+            </a:r>
+            <a:endParaRPr kumimoji="1" lang="en-US" altLang="ja-JP" dirty="0"/>
           </a:p>
         </p:txBody>
       </p:sp>
@@ -6100,7 +8897,7 @@
         <p:spPr>
           <a:xfrm>
             <a:off x="1357312" y="5133183"/>
-            <a:ext cx="9477375" cy="1325563"/>
+            <a:ext cx="9477375" cy="1200329"/>
           </a:xfrm>
           <a:prstGeom prst="rect">
             <a:avLst/>
@@ -6121,7 +8918,23 @@
           </a:bodyPr>
           <a:lstStyle/>
           <a:p>
-            <a:endParaRPr kumimoji="1" lang="ja-JP" altLang="en-US" dirty="0"/>
+            <a:endParaRPr kumimoji="1" lang="en-US" altLang="ja-JP" dirty="0"/>
+          </a:p>
+          <a:p>
+            <a:endParaRPr lang="en-US" altLang="ja-JP" dirty="0"/>
+          </a:p>
+          <a:p>
+            <a:r>
+              <a:rPr lang="ja-JP" altLang="en-US" dirty="0">
+                <a:latin typeface="HG丸ｺﾞｼｯｸM-PRO" panose="020F0600000000000000" pitchFamily="50" charset="-128"/>
+                <a:ea typeface="HG丸ｺﾞｼｯｸM-PRO" panose="020F0600000000000000" pitchFamily="50" charset="-128"/>
+              </a:rPr>
+              <a:t>・疑問点を一つ一つ解決する時間があったおかげで、だんだん自分の分からない点を言語化できるようになった</a:t>
+            </a:r>
+            <a:endParaRPr lang="en-US" altLang="ja-JP" dirty="0">
+              <a:latin typeface="HG丸ｺﾞｼｯｸM-PRO" panose="020F0600000000000000" pitchFamily="50" charset="-128"/>
+              <a:ea typeface="HG丸ｺﾞｼｯｸM-PRO" panose="020F0600000000000000" pitchFamily="50" charset="-128"/>
+            </a:endParaRPr>
           </a:p>
         </p:txBody>
       </p:sp>
@@ -6139,7 +8952,7 @@
         </p:nvSpPr>
         <p:spPr>
           <a:xfrm>
-            <a:off x="1781175" y="4780758"/>
+            <a:off x="1759858" y="4815138"/>
             <a:ext cx="2600325" cy="704850"/>
           </a:xfrm>
           <a:prstGeom prst="horizontalScroll">
@@ -6226,168 +9039,226 @@
           </p:pic>
         </mc:Fallback>
       </mc:AlternateContent>
-      <p:sp>
-        <p:nvSpPr>
-          <p:cNvPr id="3" name="テキスト ボックス 2">
-            <a:extLst>
-              <a:ext uri="{FF2B5EF4-FFF2-40B4-BE49-F238E27FC236}">
-                <a16:creationId xmlns:a16="http://schemas.microsoft.com/office/drawing/2014/main" id="{6F35589F-A535-4750-9875-B3306775418C}"/>
-              </a:ext>
-            </a:extLst>
-          </p:cNvPr>
-          <p:cNvSpPr txBox="1"/>
-          <p:nvPr/>
-        </p:nvSpPr>
-        <p:spPr>
-          <a:xfrm>
-            <a:off x="1357313" y="1928485"/>
-            <a:ext cx="9477374" cy="646331"/>
-          </a:xfrm>
-          <a:prstGeom prst="rect">
-            <a:avLst/>
-          </a:prstGeom>
-          <a:noFill/>
-        </p:spPr>
-        <p:txBody>
-          <a:bodyPr wrap="square" rtlCol="0">
-            <a:spAutoFit/>
-          </a:bodyPr>
-          <a:lstStyle/>
-          <a:p>
-            <a:r>
-              <a:rPr kumimoji="1" lang="ja-JP" altLang="en-US" dirty="0">
-                <a:latin typeface="HG丸ｺﾞｼｯｸM-PRO" panose="020F0600000000000000" pitchFamily="50" charset="-128"/>
-                <a:ea typeface="HG丸ｺﾞｼｯｸM-PRO" panose="020F0600000000000000" pitchFamily="50" charset="-128"/>
-              </a:rPr>
-              <a:t>・当初は理解度の差があり、開発に必要な知識を全員が理解するのに時間がかかった。</a:t>
-            </a:r>
-            <a:endParaRPr kumimoji="1" lang="en-US" altLang="ja-JP" dirty="0">
-              <a:latin typeface="HG丸ｺﾞｼｯｸM-PRO" panose="020F0600000000000000" pitchFamily="50" charset="-128"/>
-              <a:ea typeface="HG丸ｺﾞｼｯｸM-PRO" panose="020F0600000000000000" pitchFamily="50" charset="-128"/>
-            </a:endParaRPr>
-          </a:p>
-          <a:p>
-            <a:r>
-              <a:rPr lang="ja-JP" altLang="en-US" dirty="0">
-                <a:latin typeface="HG丸ｺﾞｼｯｸM-PRO" panose="020F0600000000000000" pitchFamily="50" charset="-128"/>
-                <a:ea typeface="HG丸ｺﾞｼｯｸM-PRO" panose="020F0600000000000000" pitchFamily="50" charset="-128"/>
-              </a:rPr>
-              <a:t>・知識が足りていない分、自分の意見を言語化できず、相手に伝わらないことがあった。</a:t>
-            </a:r>
-            <a:endParaRPr kumimoji="1" lang="ja-JP" altLang="en-US" dirty="0">
-              <a:latin typeface="HG丸ｺﾞｼｯｸM-PRO" panose="020F0600000000000000" pitchFamily="50" charset="-128"/>
-              <a:ea typeface="HG丸ｺﾞｼｯｸM-PRO" panose="020F0600000000000000" pitchFamily="50" charset="-128"/>
-            </a:endParaRPr>
-          </a:p>
-        </p:txBody>
-      </p:sp>
-      <p:sp>
-        <p:nvSpPr>
-          <p:cNvPr id="13" name="テキスト ボックス 12">
-            <a:extLst>
-              <a:ext uri="{FF2B5EF4-FFF2-40B4-BE49-F238E27FC236}">
-                <a16:creationId xmlns:a16="http://schemas.microsoft.com/office/drawing/2014/main" id="{A47DEEC1-FCB9-4385-8FB5-408AD7411F24}"/>
-              </a:ext>
-            </a:extLst>
-          </p:cNvPr>
-          <p:cNvSpPr txBox="1"/>
-          <p:nvPr/>
-        </p:nvSpPr>
-        <p:spPr>
-          <a:xfrm>
-            <a:off x="1519140" y="3700353"/>
-            <a:ext cx="9477374" cy="923330"/>
-          </a:xfrm>
-          <a:prstGeom prst="rect">
-            <a:avLst/>
-          </a:prstGeom>
-          <a:noFill/>
-        </p:spPr>
-        <p:txBody>
-          <a:bodyPr wrap="square" rtlCol="0">
-            <a:spAutoFit/>
-          </a:bodyPr>
-          <a:lstStyle/>
-          <a:p>
-            <a:r>
-              <a:rPr kumimoji="1" lang="ja-JP" altLang="en-US" dirty="0">
-                <a:latin typeface="HG丸ｺﾞｼｯｸM-PRO" panose="020F0600000000000000" pitchFamily="50" charset="-128"/>
-                <a:ea typeface="HG丸ｺﾞｼｯｸM-PRO" panose="020F0600000000000000" pitchFamily="50" charset="-128"/>
-              </a:rPr>
-              <a:t>・新しい分野に入る度に一度全体で共有しながら理解度を一致させることにこだわった。</a:t>
-            </a:r>
-            <a:endParaRPr kumimoji="1" lang="en-US" altLang="ja-JP" dirty="0">
-              <a:latin typeface="HG丸ｺﾞｼｯｸM-PRO" panose="020F0600000000000000" pitchFamily="50" charset="-128"/>
-              <a:ea typeface="HG丸ｺﾞｼｯｸM-PRO" panose="020F0600000000000000" pitchFamily="50" charset="-128"/>
-            </a:endParaRPr>
-          </a:p>
-          <a:p>
-            <a:r>
-              <a:rPr lang="ja-JP" altLang="en-US" dirty="0">
-                <a:latin typeface="HG丸ｺﾞｼｯｸM-PRO" panose="020F0600000000000000" pitchFamily="50" charset="-128"/>
-                <a:ea typeface="HG丸ｺﾞｼｯｸM-PRO" panose="020F0600000000000000" pitchFamily="50" charset="-128"/>
-              </a:rPr>
-              <a:t>・一度立ち止まる時間を作り、分からないことを一つ一つ整理しながら話すようにした。　また、図解をしてみたり、言語化にこだわらず伝える努力をした。</a:t>
-            </a:r>
-            <a:endParaRPr kumimoji="1" lang="ja-JP" altLang="en-US" dirty="0">
-              <a:latin typeface="HG丸ｺﾞｼｯｸM-PRO" panose="020F0600000000000000" pitchFamily="50" charset="-128"/>
-              <a:ea typeface="HG丸ｺﾞｼｯｸM-PRO" panose="020F0600000000000000" pitchFamily="50" charset="-128"/>
-            </a:endParaRPr>
-          </a:p>
-        </p:txBody>
-      </p:sp>
-      <p:sp>
-        <p:nvSpPr>
-          <p:cNvPr id="14" name="テキスト ボックス 13">
-            <a:extLst>
-              <a:ext uri="{FF2B5EF4-FFF2-40B4-BE49-F238E27FC236}">
-                <a16:creationId xmlns:a16="http://schemas.microsoft.com/office/drawing/2014/main" id="{1FDE7DA4-6E6C-485D-A9F6-3F5985F92C10}"/>
-              </a:ext>
-            </a:extLst>
-          </p:cNvPr>
-          <p:cNvSpPr txBox="1"/>
-          <p:nvPr/>
-        </p:nvSpPr>
-        <p:spPr>
-          <a:xfrm>
-            <a:off x="1519140" y="5590956"/>
-            <a:ext cx="9477374" cy="646331"/>
-          </a:xfrm>
-          <a:prstGeom prst="rect">
-            <a:avLst/>
-          </a:prstGeom>
-          <a:noFill/>
-        </p:spPr>
-        <p:txBody>
-          <a:bodyPr wrap="square" rtlCol="0">
-            <a:spAutoFit/>
-          </a:bodyPr>
-          <a:lstStyle/>
-          <a:p>
-            <a:r>
-              <a:rPr kumimoji="1" lang="ja-JP" altLang="en-US" dirty="0">
-                <a:latin typeface="HG丸ｺﾞｼｯｸM-PRO" panose="020F0600000000000000" pitchFamily="50" charset="-128"/>
-                <a:ea typeface="HG丸ｺﾞｼｯｸM-PRO" panose="020F0600000000000000" pitchFamily="50" charset="-128"/>
-              </a:rPr>
-              <a:t>・疑問点を一つ一つ解決する時間があったおかげで、だんだん自分の意見や分からない点を言語化できるようになった。</a:t>
-            </a:r>
-          </a:p>
-        </p:txBody>
-      </p:sp>
     </p:spTree>
     <p:extLst>
       <p:ext uri="{BB962C8B-B14F-4D97-AF65-F5344CB8AC3E}">
-        <p14:creationId xmlns:p14="http://schemas.microsoft.com/office/powerpoint/2010/main" val="847381589"/>
+        <p14:creationId xmlns:p14="http://schemas.microsoft.com/office/powerpoint/2010/main" val="2079460132"/>
       </p:ext>
     </p:extLst>
   </p:cSld>
   <p:clrMapOvr>
     <a:masterClrMapping/>
   </p:clrMapOvr>
+  <mc:AlternateContent xmlns:mc="http://schemas.openxmlformats.org/markup-compatibility/2006" xmlns:p15="http://schemas.microsoft.com/office/powerpoint/2012/main">
+    <mc:Choice Requires="p15">
+      <p:transition xmlns:p14="http://schemas.microsoft.com/office/powerpoint/2010/main" spd="slow" p14:dur="2000">
+        <p15:prstTrans prst="prestige"/>
+      </p:transition>
+    </mc:Choice>
+    <mc:Fallback xmlns="">
+      <p:transition spd="slow">
+        <p:fade/>
+      </p:transition>
+    </mc:Fallback>
+  </mc:AlternateContent>
+  <p:timing>
+    <p:tnLst>
+      <p:par>
+        <p:cTn id="1" dur="indefinite" restart="never" nodeType="tmRoot">
+          <p:childTnLst>
+            <p:seq concurrent="1" nextAc="seek">
+              <p:cTn id="2" dur="indefinite" nodeType="mainSeq">
+                <p:childTnLst>
+                  <p:par>
+                    <p:cTn id="3" fill="hold">
+                      <p:stCondLst>
+                        <p:cond delay="indefinite"/>
+                      </p:stCondLst>
+                      <p:childTnLst>
+                        <p:par>
+                          <p:cTn id="4" fill="hold">
+                            <p:stCondLst>
+                              <p:cond delay="0"/>
+                            </p:stCondLst>
+                            <p:childTnLst>
+                              <p:par>
+                                <p:cTn id="5" presetID="16" presetClass="entr" presetSubtype="21" fill="hold" grpId="0" nodeType="clickEffect">
+                                  <p:stCondLst>
+                                    <p:cond delay="0"/>
+                                  </p:stCondLst>
+                                  <p:childTnLst>
+                                    <p:set>
+                                      <p:cBhvr>
+                                        <p:cTn id="6" dur="1" fill="hold">
+                                          <p:stCondLst>
+                                            <p:cond delay="0"/>
+                                          </p:stCondLst>
+                                        </p:cTn>
+                                        <p:tgtEl>
+                                          <p:spTgt spid="8"/>
+                                        </p:tgtEl>
+                                        <p:attrNameLst>
+                                          <p:attrName>style.visibility</p:attrName>
+                                        </p:attrNameLst>
+                                      </p:cBhvr>
+                                      <p:to>
+                                        <p:strVal val="visible"/>
+                                      </p:to>
+                                    </p:set>
+                                    <p:animEffect transition="in" filter="barn(inVertical)">
+                                      <p:cBhvr>
+                                        <p:cTn id="7" dur="500"/>
+                                        <p:tgtEl>
+                                          <p:spTgt spid="8"/>
+                                        </p:tgtEl>
+                                      </p:cBhvr>
+                                    </p:animEffect>
+                                  </p:childTnLst>
+                                </p:cTn>
+                              </p:par>
+                            </p:childTnLst>
+                          </p:cTn>
+                        </p:par>
+                      </p:childTnLst>
+                    </p:cTn>
+                  </p:par>
+                  <p:par>
+                    <p:cTn id="8" fill="hold">
+                      <p:stCondLst>
+                        <p:cond delay="indefinite"/>
+                      </p:stCondLst>
+                      <p:childTnLst>
+                        <p:par>
+                          <p:cTn id="9" fill="hold">
+                            <p:stCondLst>
+                              <p:cond delay="0"/>
+                            </p:stCondLst>
+                            <p:childTnLst>
+                              <p:par>
+                                <p:cTn id="10" presetID="16" presetClass="entr" presetSubtype="21" fill="hold" grpId="0" nodeType="clickEffect">
+                                  <p:stCondLst>
+                                    <p:cond delay="0"/>
+                                  </p:stCondLst>
+                                  <p:childTnLst>
+                                    <p:set>
+                                      <p:cBhvr>
+                                        <p:cTn id="11" dur="1" fill="hold">
+                                          <p:stCondLst>
+                                            <p:cond delay="0"/>
+                                          </p:stCondLst>
+                                        </p:cTn>
+                                        <p:tgtEl>
+                                          <p:spTgt spid="9"/>
+                                        </p:tgtEl>
+                                        <p:attrNameLst>
+                                          <p:attrName>style.visibility</p:attrName>
+                                        </p:attrNameLst>
+                                      </p:cBhvr>
+                                      <p:to>
+                                        <p:strVal val="visible"/>
+                                      </p:to>
+                                    </p:set>
+                                    <p:animEffect transition="in" filter="barn(inVertical)">
+                                      <p:cBhvr>
+                                        <p:cTn id="12" dur="500"/>
+                                        <p:tgtEl>
+                                          <p:spTgt spid="9"/>
+                                        </p:tgtEl>
+                                      </p:cBhvr>
+                                    </p:animEffect>
+                                  </p:childTnLst>
+                                </p:cTn>
+                              </p:par>
+                            </p:childTnLst>
+                          </p:cTn>
+                        </p:par>
+                      </p:childTnLst>
+                    </p:cTn>
+                  </p:par>
+                  <p:par>
+                    <p:cTn id="13" fill="hold">
+                      <p:stCondLst>
+                        <p:cond delay="indefinite"/>
+                      </p:stCondLst>
+                      <p:childTnLst>
+                        <p:par>
+                          <p:cTn id="14" fill="hold">
+                            <p:stCondLst>
+                              <p:cond delay="0"/>
+                            </p:stCondLst>
+                            <p:childTnLst>
+                              <p:par>
+                                <p:cTn id="15" presetID="16" presetClass="entr" presetSubtype="21" fill="hold" grpId="0" nodeType="clickEffect">
+                                  <p:stCondLst>
+                                    <p:cond delay="0"/>
+                                  </p:stCondLst>
+                                  <p:childTnLst>
+                                    <p:set>
+                                      <p:cBhvr>
+                                        <p:cTn id="16" dur="1" fill="hold">
+                                          <p:stCondLst>
+                                            <p:cond delay="0"/>
+                                          </p:stCondLst>
+                                        </p:cTn>
+                                        <p:tgtEl>
+                                          <p:spTgt spid="11"/>
+                                        </p:tgtEl>
+                                        <p:attrNameLst>
+                                          <p:attrName>style.visibility</p:attrName>
+                                        </p:attrNameLst>
+                                      </p:cBhvr>
+                                      <p:to>
+                                        <p:strVal val="visible"/>
+                                      </p:to>
+                                    </p:set>
+                                    <p:animEffect transition="in" filter="barn(inVertical)">
+                                      <p:cBhvr>
+                                        <p:cTn id="17" dur="500"/>
+                                        <p:tgtEl>
+                                          <p:spTgt spid="11"/>
+                                        </p:tgtEl>
+                                      </p:cBhvr>
+                                    </p:animEffect>
+                                  </p:childTnLst>
+                                </p:cTn>
+                              </p:par>
+                            </p:childTnLst>
+                          </p:cTn>
+                        </p:par>
+                      </p:childTnLst>
+                    </p:cTn>
+                  </p:par>
+                </p:childTnLst>
+              </p:cTn>
+              <p:prevCondLst>
+                <p:cond evt="onPrev" delay="0">
+                  <p:tgtEl>
+                    <p:sldTgt/>
+                  </p:tgtEl>
+                </p:cond>
+              </p:prevCondLst>
+              <p:nextCondLst>
+                <p:cond evt="onNext" delay="0">
+                  <p:tgtEl>
+                    <p:sldTgt/>
+                  </p:tgtEl>
+                </p:cond>
+              </p:nextCondLst>
+            </p:seq>
+          </p:childTnLst>
+        </p:cTn>
+      </p:par>
+    </p:tnLst>
+    <p:bldLst>
+      <p:bldP spid="8" grpId="0" animBg="1"/>
+      <p:bldP spid="9" grpId="0" animBg="1"/>
+      <p:bldP spid="11" grpId="0" animBg="1"/>
+    </p:bldLst>
+  </p:timing>
 </p:sld>
 </file>
 
-<file path=ppt/slides/slide11.xml><?xml version="1.0" encoding="utf-8"?>
+<file path=ppt/slides/slide13.xml><?xml version="1.0" encoding="utf-8"?>
 <p:sld xmlns:a="http://schemas.openxmlformats.org/drawingml/2006/main" xmlns:r="http://schemas.openxmlformats.org/officeDocument/2006/relationships" xmlns:p="http://schemas.openxmlformats.org/presentationml/2006/main">
   <p:cSld>
     <p:spTree>
@@ -6987,7 +9858,7 @@
 </p:sld>
 </file>
 
-<file path=ppt/slides/slide12.xml><?xml version="1.0" encoding="utf-8"?>
+<file path=ppt/slides/slide14.xml><?xml version="1.0" encoding="utf-8"?>
 <p:sld xmlns:a="http://schemas.openxmlformats.org/drawingml/2006/main" xmlns:r="http://schemas.openxmlformats.org/officeDocument/2006/relationships" xmlns:p="http://schemas.openxmlformats.org/presentationml/2006/main">
   <p:cSld>
     <p:spTree>
@@ -7633,7 +10504,7 @@
 </p:sld>
 </file>
 
-<file path=ppt/slides/slide13.xml><?xml version="1.0" encoding="utf-8"?>
+<file path=ppt/slides/slide15.xml><?xml version="1.0" encoding="utf-8"?>
 <p:sld xmlns:a="http://schemas.openxmlformats.org/drawingml/2006/main" xmlns:r="http://schemas.openxmlformats.org/officeDocument/2006/relationships" xmlns:p="http://schemas.openxmlformats.org/presentationml/2006/main">
   <p:cSld>
     <p:spTree>
@@ -8302,7 +11173,7 @@
 </p:sld>
 </file>
 
-<file path=ppt/slides/slide14.xml><?xml version="1.0" encoding="utf-8"?>
+<file path=ppt/slides/slide16.xml><?xml version="1.0" encoding="utf-8"?>
 <p:sld xmlns:a="http://schemas.openxmlformats.org/drawingml/2006/main" xmlns:r="http://schemas.openxmlformats.org/officeDocument/2006/relationships" xmlns:p="http://schemas.openxmlformats.org/presentationml/2006/main">
   <p:cSld>
     <p:spTree>
@@ -8919,7 +11790,7 @@
 </p:sld>
 </file>
 
-<file path=ppt/slides/slide15.xml><?xml version="1.0" encoding="utf-8"?>
+<file path=ppt/slides/slide17.xml><?xml version="1.0" encoding="utf-8"?>
 <p:sld xmlns:a="http://schemas.openxmlformats.org/drawingml/2006/main" xmlns:r="http://schemas.openxmlformats.org/officeDocument/2006/relationships" xmlns:p="http://schemas.openxmlformats.org/presentationml/2006/main">
   <p:cSld>
     <p:spTree>
@@ -10205,7 +13076,7 @@
 </p:sld>
 </file>
 
-<file path=ppt/slides/slide16.xml><?xml version="1.0" encoding="utf-8"?>
+<file path=ppt/slides/slide18.xml><?xml version="1.0" encoding="utf-8"?>
 <p:sld xmlns:a="http://schemas.openxmlformats.org/drawingml/2006/main" xmlns:r="http://schemas.openxmlformats.org/officeDocument/2006/relationships" xmlns:p="http://schemas.openxmlformats.org/presentationml/2006/main">
   <p:cSld>
     <p:spTree>
@@ -11312,7 +14183,7 @@
 </p:sld>
 </file>
 
-<file path=ppt/slides/slide17.xml><?xml version="1.0" encoding="utf-8"?>
+<file path=ppt/slides/slide19.xml><?xml version="1.0" encoding="utf-8"?>
 <p:sld xmlns:a="http://schemas.openxmlformats.org/drawingml/2006/main" xmlns:r="http://schemas.openxmlformats.org/officeDocument/2006/relationships" xmlns:p="http://schemas.openxmlformats.org/presentationml/2006/main">
   <p:cSld>
     <p:spTree>
@@ -12448,6 +15319,1432 @@
       </p:sp>
       <p:sp>
         <p:nvSpPr>
+          <p:cNvPr id="4" name="フレーム 3">
+            <a:extLst>
+              <a:ext uri="{FF2B5EF4-FFF2-40B4-BE49-F238E27FC236}">
+                <a16:creationId xmlns:a16="http://schemas.microsoft.com/office/drawing/2014/main" id="{7EC587C2-A8A9-4D4F-9C4F-102593EAE97C}"/>
+              </a:ext>
+            </a:extLst>
+          </p:cNvPr>
+          <p:cNvSpPr/>
+          <p:nvPr/>
+        </p:nvSpPr>
+        <p:spPr>
+          <a:xfrm>
+            <a:off x="0" y="1"/>
+            <a:ext cx="12192000" cy="6858000"/>
+          </a:xfrm>
+          <a:prstGeom prst="frame">
+            <a:avLst>
+              <a:gd name="adj1" fmla="val 4395"/>
+            </a:avLst>
+          </a:prstGeom>
+          <a:solidFill>
+            <a:schemeClr val="accent4">
+              <a:lumMod val="60000"/>
+              <a:lumOff val="40000"/>
+            </a:schemeClr>
+          </a:solidFill>
+          <a:ln>
+            <a:noFill/>
+          </a:ln>
+          <a:effectLst>
+            <a:glow rad="63500">
+              <a:schemeClr val="accent4">
+                <a:satMod val="175000"/>
+                <a:alpha val="40000"/>
+              </a:schemeClr>
+            </a:glow>
+          </a:effectLst>
+        </p:spPr>
+        <p:style>
+          <a:lnRef idx="2">
+            <a:schemeClr val="accent1">
+              <a:shade val="50000"/>
+            </a:schemeClr>
+          </a:lnRef>
+          <a:fillRef idx="1">
+            <a:schemeClr val="accent1"/>
+          </a:fillRef>
+          <a:effectRef idx="0">
+            <a:schemeClr val="accent1"/>
+          </a:effectRef>
+          <a:fontRef idx="minor">
+            <a:schemeClr val="lt1"/>
+          </a:fontRef>
+        </p:style>
+        <p:txBody>
+          <a:bodyPr rtlCol="0" anchor="ctr"/>
+          <a:lstStyle/>
+          <a:p>
+            <a:pPr algn="ctr"/>
+            <a:endParaRPr kumimoji="1" lang="ja-JP" altLang="en-US">
+              <a:solidFill>
+                <a:schemeClr val="tx1"/>
+              </a:solidFill>
+            </a:endParaRPr>
+          </a:p>
+        </p:txBody>
+      </p:sp>
+      <mc:AlternateContent xmlns:mc="http://schemas.openxmlformats.org/markup-compatibility/2006" xmlns:p14="http://schemas.microsoft.com/office/powerpoint/2010/main">
+        <mc:Choice Requires="p14">
+          <p:contentPart p14:bwMode="auto" r:id="rId2">
+            <p14:nvContentPartPr>
+              <p14:cNvPr id="35" name="インク 34">
+                <a:extLst>
+                  <a:ext uri="{FF2B5EF4-FFF2-40B4-BE49-F238E27FC236}">
+                    <a16:creationId xmlns:a16="http://schemas.microsoft.com/office/drawing/2014/main" id="{92A31E80-C547-4A95-82C7-D48A0393D2EC}"/>
+                  </a:ext>
+                </a:extLst>
+              </p14:cNvPr>
+              <p14:cNvContentPartPr/>
+              <p14:nvPr/>
+            </p14:nvContentPartPr>
+            <p14:xfrm>
+              <a:off x="809355" y="1084710"/>
+              <a:ext cx="2435040" cy="37800"/>
+            </p14:xfrm>
+          </p:contentPart>
+        </mc:Choice>
+        <mc:Fallback xmlns="">
+          <p:pic>
+            <p:nvPicPr>
+              <p:cNvPr id="35" name="インク 34">
+                <a:extLst>
+                  <a:ext uri="{FF2B5EF4-FFF2-40B4-BE49-F238E27FC236}">
+                    <a16:creationId xmlns:a16="http://schemas.microsoft.com/office/drawing/2014/main" id="{92A31E80-C547-4A95-82C7-D48A0393D2EC}"/>
+                  </a:ext>
+                </a:extLst>
+              </p:cNvPr>
+              <p:cNvPicPr/>
+              <p:nvPr/>
+            </p:nvPicPr>
+            <p:blipFill>
+              <a:blip r:embed="rId3"/>
+              <a:stretch>
+                <a:fillRect/>
+              </a:stretch>
+            </p:blipFill>
+            <p:spPr>
+              <a:xfrm>
+                <a:off x="719715" y="904710"/>
+                <a:ext cx="2614680" cy="397440"/>
+              </a:xfrm>
+              <a:prstGeom prst="rect">
+                <a:avLst/>
+              </a:prstGeom>
+            </p:spPr>
+          </p:pic>
+        </mc:Fallback>
+      </mc:AlternateContent>
+      <p:sp>
+        <p:nvSpPr>
+          <p:cNvPr id="11" name="コンテンツ プレースホルダー 10">
+            <a:extLst>
+              <a:ext uri="{FF2B5EF4-FFF2-40B4-BE49-F238E27FC236}">
+                <a16:creationId xmlns:a16="http://schemas.microsoft.com/office/drawing/2014/main" id="{BCE97FED-ABA3-4F88-806D-2F87757E62A2}"/>
+              </a:ext>
+            </a:extLst>
+          </p:cNvPr>
+          <p:cNvSpPr>
+            <a:spLocks noGrp="1"/>
+          </p:cNvSpPr>
+          <p:nvPr>
+            <p:ph idx="1"/>
+          </p:nvPr>
+        </p:nvSpPr>
+        <p:spPr>
+          <a:xfrm rot="20897895">
+            <a:off x="1060174" y="1866326"/>
+            <a:ext cx="3313043" cy="681785"/>
+          </a:xfrm>
+        </p:spPr>
+        <p:txBody>
+          <a:bodyPr>
+            <a:normAutofit/>
+          </a:bodyPr>
+          <a:lstStyle/>
+          <a:p>
+            <a:pPr marL="0" indent="0">
+              <a:buNone/>
+            </a:pPr>
+            <a:r>
+              <a:rPr lang="ja-JP" altLang="en-US" sz="3600" b="1" dirty="0"/>
+              <a:t>使いやすさ</a:t>
+            </a:r>
+            <a:r>
+              <a:rPr lang="ja-JP" altLang="en-US" sz="3600" dirty="0"/>
+              <a:t>？</a:t>
+            </a:r>
+          </a:p>
+        </p:txBody>
+      </p:sp>
+      <p:sp>
+        <p:nvSpPr>
+          <p:cNvPr id="7" name="コンテンツ プレースホルダー 10">
+            <a:extLst>
+              <a:ext uri="{FF2B5EF4-FFF2-40B4-BE49-F238E27FC236}">
+                <a16:creationId xmlns:a16="http://schemas.microsoft.com/office/drawing/2014/main" id="{BDDAC03B-9299-4C39-94A7-5F032C945CD6}"/>
+              </a:ext>
+            </a:extLst>
+          </p:cNvPr>
+          <p:cNvSpPr txBox="1">
+            <a:spLocks/>
+          </p:cNvSpPr>
+          <p:nvPr/>
+        </p:nvSpPr>
+        <p:spPr>
+          <a:xfrm rot="558729">
+            <a:off x="4441259" y="1800993"/>
+            <a:ext cx="3313043" cy="681785"/>
+          </a:xfrm>
+          <a:prstGeom prst="rect">
+            <a:avLst/>
+          </a:prstGeom>
+        </p:spPr>
+        <p:txBody>
+          <a:bodyPr vert="horz" lIns="91440" tIns="45720" rIns="91440" bIns="45720" rtlCol="0">
+            <a:normAutofit fontScale="92500"/>
+          </a:bodyPr>
+          <a:lstStyle>
+            <a:lvl1pPr marL="228600" indent="-228600" algn="l" defTabSz="914400" rtl="0" eaLnBrk="1" latinLnBrk="0" hangingPunct="1">
+              <a:lnSpc>
+                <a:spcPct val="90000"/>
+              </a:lnSpc>
+              <a:spcBef>
+                <a:spcPts val="1000"/>
+              </a:spcBef>
+              <a:buFont typeface="Arial" panose="020B0604020202020204" pitchFamily="34" charset="0"/>
+              <a:buChar char="•"/>
+              <a:defRPr kumimoji="1" sz="2800" kern="1200">
+                <a:solidFill>
+                  <a:schemeClr val="tx1"/>
+                </a:solidFill>
+                <a:latin typeface="+mn-lt"/>
+                <a:ea typeface="+mn-ea"/>
+                <a:cs typeface="+mn-cs"/>
+              </a:defRPr>
+            </a:lvl1pPr>
+            <a:lvl2pPr marL="685800" indent="-228600" algn="l" defTabSz="914400" rtl="0" eaLnBrk="1" latinLnBrk="0" hangingPunct="1">
+              <a:lnSpc>
+                <a:spcPct val="90000"/>
+              </a:lnSpc>
+              <a:spcBef>
+                <a:spcPts val="500"/>
+              </a:spcBef>
+              <a:buFont typeface="Arial" panose="020B0604020202020204" pitchFamily="34" charset="0"/>
+              <a:buChar char="•"/>
+              <a:defRPr kumimoji="1" sz="2400" kern="1200">
+                <a:solidFill>
+                  <a:schemeClr val="tx1"/>
+                </a:solidFill>
+                <a:latin typeface="+mn-lt"/>
+                <a:ea typeface="+mn-ea"/>
+                <a:cs typeface="+mn-cs"/>
+              </a:defRPr>
+            </a:lvl2pPr>
+            <a:lvl3pPr marL="1143000" indent="-228600" algn="l" defTabSz="914400" rtl="0" eaLnBrk="1" latinLnBrk="0" hangingPunct="1">
+              <a:lnSpc>
+                <a:spcPct val="90000"/>
+              </a:lnSpc>
+              <a:spcBef>
+                <a:spcPts val="500"/>
+              </a:spcBef>
+              <a:buFont typeface="Arial" panose="020B0604020202020204" pitchFamily="34" charset="0"/>
+              <a:buChar char="•"/>
+              <a:defRPr kumimoji="1" sz="2000" kern="1200">
+                <a:solidFill>
+                  <a:schemeClr val="tx1"/>
+                </a:solidFill>
+                <a:latin typeface="+mn-lt"/>
+                <a:ea typeface="+mn-ea"/>
+                <a:cs typeface="+mn-cs"/>
+              </a:defRPr>
+            </a:lvl3pPr>
+            <a:lvl4pPr marL="1600200" indent="-228600" algn="l" defTabSz="914400" rtl="0" eaLnBrk="1" latinLnBrk="0" hangingPunct="1">
+              <a:lnSpc>
+                <a:spcPct val="90000"/>
+              </a:lnSpc>
+              <a:spcBef>
+                <a:spcPts val="500"/>
+              </a:spcBef>
+              <a:buFont typeface="Arial" panose="020B0604020202020204" pitchFamily="34" charset="0"/>
+              <a:buChar char="•"/>
+              <a:defRPr kumimoji="1" sz="1800" kern="1200">
+                <a:solidFill>
+                  <a:schemeClr val="tx1"/>
+                </a:solidFill>
+                <a:latin typeface="+mn-lt"/>
+                <a:ea typeface="+mn-ea"/>
+                <a:cs typeface="+mn-cs"/>
+              </a:defRPr>
+            </a:lvl4pPr>
+            <a:lvl5pPr marL="2057400" indent="-228600" algn="l" defTabSz="914400" rtl="0" eaLnBrk="1" latinLnBrk="0" hangingPunct="1">
+              <a:lnSpc>
+                <a:spcPct val="90000"/>
+              </a:lnSpc>
+              <a:spcBef>
+                <a:spcPts val="500"/>
+              </a:spcBef>
+              <a:buFont typeface="Arial" panose="020B0604020202020204" pitchFamily="34" charset="0"/>
+              <a:buChar char="•"/>
+              <a:defRPr kumimoji="1" sz="1800" kern="1200">
+                <a:solidFill>
+                  <a:schemeClr val="tx1"/>
+                </a:solidFill>
+                <a:latin typeface="+mn-lt"/>
+                <a:ea typeface="+mn-ea"/>
+                <a:cs typeface="+mn-cs"/>
+              </a:defRPr>
+            </a:lvl5pPr>
+            <a:lvl6pPr marL="2514600" indent="-228600" algn="l" defTabSz="914400" rtl="0" eaLnBrk="1" latinLnBrk="0" hangingPunct="1">
+              <a:lnSpc>
+                <a:spcPct val="90000"/>
+              </a:lnSpc>
+              <a:spcBef>
+                <a:spcPts val="500"/>
+              </a:spcBef>
+              <a:buFont typeface="Arial" panose="020B0604020202020204" pitchFamily="34" charset="0"/>
+              <a:buChar char="•"/>
+              <a:defRPr kumimoji="1" sz="1800" kern="1200">
+                <a:solidFill>
+                  <a:schemeClr val="tx1"/>
+                </a:solidFill>
+                <a:latin typeface="+mn-lt"/>
+                <a:ea typeface="+mn-ea"/>
+                <a:cs typeface="+mn-cs"/>
+              </a:defRPr>
+            </a:lvl6pPr>
+            <a:lvl7pPr marL="2971800" indent="-228600" algn="l" defTabSz="914400" rtl="0" eaLnBrk="1" latinLnBrk="0" hangingPunct="1">
+              <a:lnSpc>
+                <a:spcPct val="90000"/>
+              </a:lnSpc>
+              <a:spcBef>
+                <a:spcPts val="500"/>
+              </a:spcBef>
+              <a:buFont typeface="Arial" panose="020B0604020202020204" pitchFamily="34" charset="0"/>
+              <a:buChar char="•"/>
+              <a:defRPr kumimoji="1" sz="1800" kern="1200">
+                <a:solidFill>
+                  <a:schemeClr val="tx1"/>
+                </a:solidFill>
+                <a:latin typeface="+mn-lt"/>
+                <a:ea typeface="+mn-ea"/>
+                <a:cs typeface="+mn-cs"/>
+              </a:defRPr>
+            </a:lvl7pPr>
+            <a:lvl8pPr marL="3429000" indent="-228600" algn="l" defTabSz="914400" rtl="0" eaLnBrk="1" latinLnBrk="0" hangingPunct="1">
+              <a:lnSpc>
+                <a:spcPct val="90000"/>
+              </a:lnSpc>
+              <a:spcBef>
+                <a:spcPts val="500"/>
+              </a:spcBef>
+              <a:buFont typeface="Arial" panose="020B0604020202020204" pitchFamily="34" charset="0"/>
+              <a:buChar char="•"/>
+              <a:defRPr kumimoji="1" sz="1800" kern="1200">
+                <a:solidFill>
+                  <a:schemeClr val="tx1"/>
+                </a:solidFill>
+                <a:latin typeface="+mn-lt"/>
+                <a:ea typeface="+mn-ea"/>
+                <a:cs typeface="+mn-cs"/>
+              </a:defRPr>
+            </a:lvl8pPr>
+            <a:lvl9pPr marL="3886200" indent="-228600" algn="l" defTabSz="914400" rtl="0" eaLnBrk="1" latinLnBrk="0" hangingPunct="1">
+              <a:lnSpc>
+                <a:spcPct val="90000"/>
+              </a:lnSpc>
+              <a:spcBef>
+                <a:spcPts val="500"/>
+              </a:spcBef>
+              <a:buFont typeface="Arial" panose="020B0604020202020204" pitchFamily="34" charset="0"/>
+              <a:buChar char="•"/>
+              <a:defRPr kumimoji="1" sz="1800" kern="1200">
+                <a:solidFill>
+                  <a:schemeClr val="tx1"/>
+                </a:solidFill>
+                <a:latin typeface="+mn-lt"/>
+                <a:ea typeface="+mn-ea"/>
+                <a:cs typeface="+mn-cs"/>
+              </a:defRPr>
+            </a:lvl9pPr>
+          </a:lstStyle>
+          <a:p>
+            <a:pPr marL="0" indent="0">
+              <a:buFont typeface="Arial" panose="020B0604020202020204" pitchFamily="34" charset="0"/>
+              <a:buNone/>
+            </a:pPr>
+            <a:r>
+              <a:rPr lang="ja-JP" altLang="en-US" sz="3600" dirty="0">
+                <a:effectLst>
+                  <a:outerShdw blurRad="38100" dist="38100" dir="2700000" algn="tl">
+                    <a:srgbClr val="000000">
+                      <a:alpha val="43137"/>
+                    </a:srgbClr>
+                  </a:outerShdw>
+                </a:effectLst>
+              </a:rPr>
+              <a:t>お堅い雰囲気</a:t>
+            </a:r>
+            <a:r>
+              <a:rPr lang="ja-JP" altLang="en-US" sz="3600" dirty="0"/>
+              <a:t>？</a:t>
+            </a:r>
+          </a:p>
+        </p:txBody>
+      </p:sp>
+      <p:sp>
+        <p:nvSpPr>
+          <p:cNvPr id="8" name="コンテンツ プレースホルダー 10">
+            <a:extLst>
+              <a:ext uri="{FF2B5EF4-FFF2-40B4-BE49-F238E27FC236}">
+                <a16:creationId xmlns:a16="http://schemas.microsoft.com/office/drawing/2014/main" id="{0FE25443-9151-4BFF-BD4D-59F0D9EFDCF0}"/>
+              </a:ext>
+            </a:extLst>
+          </p:cNvPr>
+          <p:cNvSpPr txBox="1">
+            <a:spLocks/>
+          </p:cNvSpPr>
+          <p:nvPr/>
+        </p:nvSpPr>
+        <p:spPr>
+          <a:xfrm>
+            <a:off x="2132892" y="2448407"/>
+            <a:ext cx="4296817" cy="946292"/>
+          </a:xfrm>
+          <a:prstGeom prst="rect">
+            <a:avLst/>
+          </a:prstGeom>
+        </p:spPr>
+        <p:txBody>
+          <a:bodyPr vert="horz" lIns="91440" tIns="45720" rIns="91440" bIns="45720" rtlCol="0">
+            <a:normAutofit fontScale="92500"/>
+          </a:bodyPr>
+          <a:lstStyle>
+            <a:lvl1pPr marL="228600" indent="-228600" algn="l" defTabSz="914400" rtl="0" eaLnBrk="1" latinLnBrk="0" hangingPunct="1">
+              <a:lnSpc>
+                <a:spcPct val="90000"/>
+              </a:lnSpc>
+              <a:spcBef>
+                <a:spcPts val="1000"/>
+              </a:spcBef>
+              <a:buFont typeface="Arial" panose="020B0604020202020204" pitchFamily="34" charset="0"/>
+              <a:buChar char="•"/>
+              <a:defRPr kumimoji="1" sz="2800" kern="1200">
+                <a:solidFill>
+                  <a:schemeClr val="tx1"/>
+                </a:solidFill>
+                <a:latin typeface="+mn-lt"/>
+                <a:ea typeface="+mn-ea"/>
+                <a:cs typeface="+mn-cs"/>
+              </a:defRPr>
+            </a:lvl1pPr>
+            <a:lvl2pPr marL="685800" indent="-228600" algn="l" defTabSz="914400" rtl="0" eaLnBrk="1" latinLnBrk="0" hangingPunct="1">
+              <a:lnSpc>
+                <a:spcPct val="90000"/>
+              </a:lnSpc>
+              <a:spcBef>
+                <a:spcPts val="500"/>
+              </a:spcBef>
+              <a:buFont typeface="Arial" panose="020B0604020202020204" pitchFamily="34" charset="0"/>
+              <a:buChar char="•"/>
+              <a:defRPr kumimoji="1" sz="2400" kern="1200">
+                <a:solidFill>
+                  <a:schemeClr val="tx1"/>
+                </a:solidFill>
+                <a:latin typeface="+mn-lt"/>
+                <a:ea typeface="+mn-ea"/>
+                <a:cs typeface="+mn-cs"/>
+              </a:defRPr>
+            </a:lvl2pPr>
+            <a:lvl3pPr marL="1143000" indent="-228600" algn="l" defTabSz="914400" rtl="0" eaLnBrk="1" latinLnBrk="0" hangingPunct="1">
+              <a:lnSpc>
+                <a:spcPct val="90000"/>
+              </a:lnSpc>
+              <a:spcBef>
+                <a:spcPts val="500"/>
+              </a:spcBef>
+              <a:buFont typeface="Arial" panose="020B0604020202020204" pitchFamily="34" charset="0"/>
+              <a:buChar char="•"/>
+              <a:defRPr kumimoji="1" sz="2000" kern="1200">
+                <a:solidFill>
+                  <a:schemeClr val="tx1"/>
+                </a:solidFill>
+                <a:latin typeface="+mn-lt"/>
+                <a:ea typeface="+mn-ea"/>
+                <a:cs typeface="+mn-cs"/>
+              </a:defRPr>
+            </a:lvl3pPr>
+            <a:lvl4pPr marL="1600200" indent="-228600" algn="l" defTabSz="914400" rtl="0" eaLnBrk="1" latinLnBrk="0" hangingPunct="1">
+              <a:lnSpc>
+                <a:spcPct val="90000"/>
+              </a:lnSpc>
+              <a:spcBef>
+                <a:spcPts val="500"/>
+              </a:spcBef>
+              <a:buFont typeface="Arial" panose="020B0604020202020204" pitchFamily="34" charset="0"/>
+              <a:buChar char="•"/>
+              <a:defRPr kumimoji="1" sz="1800" kern="1200">
+                <a:solidFill>
+                  <a:schemeClr val="tx1"/>
+                </a:solidFill>
+                <a:latin typeface="+mn-lt"/>
+                <a:ea typeface="+mn-ea"/>
+                <a:cs typeface="+mn-cs"/>
+              </a:defRPr>
+            </a:lvl4pPr>
+            <a:lvl5pPr marL="2057400" indent="-228600" algn="l" defTabSz="914400" rtl="0" eaLnBrk="1" latinLnBrk="0" hangingPunct="1">
+              <a:lnSpc>
+                <a:spcPct val="90000"/>
+              </a:lnSpc>
+              <a:spcBef>
+                <a:spcPts val="500"/>
+              </a:spcBef>
+              <a:buFont typeface="Arial" panose="020B0604020202020204" pitchFamily="34" charset="0"/>
+              <a:buChar char="•"/>
+              <a:defRPr kumimoji="1" sz="1800" kern="1200">
+                <a:solidFill>
+                  <a:schemeClr val="tx1"/>
+                </a:solidFill>
+                <a:latin typeface="+mn-lt"/>
+                <a:ea typeface="+mn-ea"/>
+                <a:cs typeface="+mn-cs"/>
+              </a:defRPr>
+            </a:lvl5pPr>
+            <a:lvl6pPr marL="2514600" indent="-228600" algn="l" defTabSz="914400" rtl="0" eaLnBrk="1" latinLnBrk="0" hangingPunct="1">
+              <a:lnSpc>
+                <a:spcPct val="90000"/>
+              </a:lnSpc>
+              <a:spcBef>
+                <a:spcPts val="500"/>
+              </a:spcBef>
+              <a:buFont typeface="Arial" panose="020B0604020202020204" pitchFamily="34" charset="0"/>
+              <a:buChar char="•"/>
+              <a:defRPr kumimoji="1" sz="1800" kern="1200">
+                <a:solidFill>
+                  <a:schemeClr val="tx1"/>
+                </a:solidFill>
+                <a:latin typeface="+mn-lt"/>
+                <a:ea typeface="+mn-ea"/>
+                <a:cs typeface="+mn-cs"/>
+              </a:defRPr>
+            </a:lvl6pPr>
+            <a:lvl7pPr marL="2971800" indent="-228600" algn="l" defTabSz="914400" rtl="0" eaLnBrk="1" latinLnBrk="0" hangingPunct="1">
+              <a:lnSpc>
+                <a:spcPct val="90000"/>
+              </a:lnSpc>
+              <a:spcBef>
+                <a:spcPts val="500"/>
+              </a:spcBef>
+              <a:buFont typeface="Arial" panose="020B0604020202020204" pitchFamily="34" charset="0"/>
+              <a:buChar char="•"/>
+              <a:defRPr kumimoji="1" sz="1800" kern="1200">
+                <a:solidFill>
+                  <a:schemeClr val="tx1"/>
+                </a:solidFill>
+                <a:latin typeface="+mn-lt"/>
+                <a:ea typeface="+mn-ea"/>
+                <a:cs typeface="+mn-cs"/>
+              </a:defRPr>
+            </a:lvl7pPr>
+            <a:lvl8pPr marL="3429000" indent="-228600" algn="l" defTabSz="914400" rtl="0" eaLnBrk="1" latinLnBrk="0" hangingPunct="1">
+              <a:lnSpc>
+                <a:spcPct val="90000"/>
+              </a:lnSpc>
+              <a:spcBef>
+                <a:spcPts val="500"/>
+              </a:spcBef>
+              <a:buFont typeface="Arial" panose="020B0604020202020204" pitchFamily="34" charset="0"/>
+              <a:buChar char="•"/>
+              <a:defRPr kumimoji="1" sz="1800" kern="1200">
+                <a:solidFill>
+                  <a:schemeClr val="tx1"/>
+                </a:solidFill>
+                <a:latin typeface="+mn-lt"/>
+                <a:ea typeface="+mn-ea"/>
+                <a:cs typeface="+mn-cs"/>
+              </a:defRPr>
+            </a:lvl8pPr>
+            <a:lvl9pPr marL="3886200" indent="-228600" algn="l" defTabSz="914400" rtl="0" eaLnBrk="1" latinLnBrk="0" hangingPunct="1">
+              <a:lnSpc>
+                <a:spcPct val="90000"/>
+              </a:lnSpc>
+              <a:spcBef>
+                <a:spcPts val="500"/>
+              </a:spcBef>
+              <a:buFont typeface="Arial" panose="020B0604020202020204" pitchFamily="34" charset="0"/>
+              <a:buChar char="•"/>
+              <a:defRPr kumimoji="1" sz="1800" kern="1200">
+                <a:solidFill>
+                  <a:schemeClr val="tx1"/>
+                </a:solidFill>
+                <a:latin typeface="+mn-lt"/>
+                <a:ea typeface="+mn-ea"/>
+                <a:cs typeface="+mn-cs"/>
+              </a:defRPr>
+            </a:lvl9pPr>
+          </a:lstStyle>
+          <a:p>
+            <a:pPr marL="0" indent="0">
+              <a:buFont typeface="Arial" panose="020B0604020202020204" pitchFamily="34" charset="0"/>
+              <a:buNone/>
+            </a:pPr>
+            <a:r>
+              <a:rPr lang="ja-JP" altLang="en-US" sz="3600" i="1" dirty="0">
+                <a:effectLst>
+                  <a:outerShdw blurRad="38100" dist="38100" dir="2700000" algn="tl">
+                    <a:srgbClr val="000000">
+                      <a:alpha val="43137"/>
+                    </a:srgbClr>
+                  </a:outerShdw>
+                </a:effectLst>
+              </a:rPr>
+              <a:t>スタイリッシュ</a:t>
+            </a:r>
+            <a:r>
+              <a:rPr lang="ja-JP" altLang="en-US" sz="3600" dirty="0"/>
+              <a:t>さ？</a:t>
+            </a:r>
+          </a:p>
+        </p:txBody>
+      </p:sp>
+      <p:sp>
+        <p:nvSpPr>
+          <p:cNvPr id="3" name="テキスト ボックス 2">
+            <a:extLst>
+              <a:ext uri="{FF2B5EF4-FFF2-40B4-BE49-F238E27FC236}">
+                <a16:creationId xmlns:a16="http://schemas.microsoft.com/office/drawing/2014/main" id="{22A6499B-2B46-487B-8E42-1A0EF96F3414}"/>
+              </a:ext>
+            </a:extLst>
+          </p:cNvPr>
+          <p:cNvSpPr txBox="1"/>
+          <p:nvPr/>
+        </p:nvSpPr>
+        <p:spPr>
+          <a:xfrm>
+            <a:off x="961790" y="3981003"/>
+            <a:ext cx="11230210" cy="1200329"/>
+          </a:xfrm>
+          <a:prstGeom prst="rect">
+            <a:avLst/>
+          </a:prstGeom>
+          <a:noFill/>
+        </p:spPr>
+        <p:txBody>
+          <a:bodyPr wrap="square" rtlCol="0">
+            <a:spAutoFit/>
+          </a:bodyPr>
+          <a:lstStyle/>
+          <a:p>
+            <a:r>
+              <a:rPr kumimoji="1" lang="ja-JP" altLang="en-US" sz="7200" b="1" u="sng" dirty="0">
+                <a:solidFill>
+                  <a:schemeClr val="accent4"/>
+                </a:solidFill>
+                <a:latin typeface="HG創英角ﾎﾟｯﾌﾟ体" panose="040B0A09000000000000" pitchFamily="49" charset="-128"/>
+                <a:ea typeface="HG創英角ﾎﾟｯﾌﾟ体" panose="040B0A09000000000000" pitchFamily="49" charset="-128"/>
+              </a:rPr>
+              <a:t>ちょっとしたポンコツさ</a:t>
+            </a:r>
+          </a:p>
+        </p:txBody>
+      </p:sp>
+      <p:sp>
+        <p:nvSpPr>
+          <p:cNvPr id="15" name="フレーム 14">
+            <a:extLst>
+              <a:ext uri="{FF2B5EF4-FFF2-40B4-BE49-F238E27FC236}">
+                <a16:creationId xmlns:a16="http://schemas.microsoft.com/office/drawing/2014/main" id="{C3CA80E8-C5B6-4F43-B28A-4CBD9891F8D8}"/>
+              </a:ext>
+            </a:extLst>
+          </p:cNvPr>
+          <p:cNvSpPr/>
+          <p:nvPr/>
+        </p:nvSpPr>
+        <p:spPr>
+          <a:xfrm>
+            <a:off x="152400" y="152401"/>
+            <a:ext cx="12192000" cy="6858000"/>
+          </a:xfrm>
+          <a:prstGeom prst="frame">
+            <a:avLst>
+              <a:gd name="adj1" fmla="val 4395"/>
+            </a:avLst>
+          </a:prstGeom>
+          <a:solidFill>
+            <a:schemeClr val="accent4">
+              <a:lumMod val="60000"/>
+              <a:lumOff val="40000"/>
+            </a:schemeClr>
+          </a:solidFill>
+          <a:ln>
+            <a:noFill/>
+          </a:ln>
+          <a:effectLst>
+            <a:glow rad="63500">
+              <a:schemeClr val="accent4">
+                <a:satMod val="175000"/>
+                <a:alpha val="40000"/>
+              </a:schemeClr>
+            </a:glow>
+          </a:effectLst>
+        </p:spPr>
+        <p:style>
+          <a:lnRef idx="2">
+            <a:schemeClr val="accent1">
+              <a:shade val="50000"/>
+            </a:schemeClr>
+          </a:lnRef>
+          <a:fillRef idx="1">
+            <a:schemeClr val="accent1"/>
+          </a:fillRef>
+          <a:effectRef idx="0">
+            <a:schemeClr val="accent1"/>
+          </a:effectRef>
+          <a:fontRef idx="minor">
+            <a:schemeClr val="lt1"/>
+          </a:fontRef>
+        </p:style>
+        <p:txBody>
+          <a:bodyPr rtlCol="0" anchor="ctr"/>
+          <a:lstStyle/>
+          <a:p>
+            <a:pPr algn="ctr"/>
+            <a:endParaRPr kumimoji="1" lang="ja-JP" altLang="en-US">
+              <a:solidFill>
+                <a:schemeClr val="tx1"/>
+              </a:solidFill>
+            </a:endParaRPr>
+          </a:p>
+        </p:txBody>
+      </p:sp>
+    </p:spTree>
+    <p:extLst>
+      <p:ext uri="{BB962C8B-B14F-4D97-AF65-F5344CB8AC3E}">
+        <p14:creationId xmlns:p14="http://schemas.microsoft.com/office/powerpoint/2010/main" val="1154832382"/>
+      </p:ext>
+    </p:extLst>
+  </p:cSld>
+  <p:clrMapOvr>
+    <a:masterClrMapping/>
+  </p:clrMapOvr>
+  <p:timing>
+    <p:tnLst>
+      <p:par>
+        <p:cTn id="1" dur="indefinite" restart="never" nodeType="tmRoot">
+          <p:childTnLst>
+            <p:seq concurrent="1" nextAc="seek">
+              <p:cTn id="2" dur="indefinite" nodeType="mainSeq">
+                <p:childTnLst>
+                  <p:par>
+                    <p:cTn id="3" fill="hold">
+                      <p:stCondLst>
+                        <p:cond delay="indefinite"/>
+                      </p:stCondLst>
+                      <p:childTnLst>
+                        <p:par>
+                          <p:cTn id="4" fill="hold">
+                            <p:stCondLst>
+                              <p:cond delay="0"/>
+                            </p:stCondLst>
+                            <p:childTnLst>
+                              <p:par>
+                                <p:cTn id="5" presetID="10" presetClass="entr" presetSubtype="0" fill="hold" grpId="0" nodeType="clickEffect">
+                                  <p:stCondLst>
+                                    <p:cond delay="0"/>
+                                  </p:stCondLst>
+                                  <p:childTnLst>
+                                    <p:set>
+                                      <p:cBhvr>
+                                        <p:cTn id="6" dur="1" fill="hold">
+                                          <p:stCondLst>
+                                            <p:cond delay="0"/>
+                                          </p:stCondLst>
+                                        </p:cTn>
+                                        <p:tgtEl>
+                                          <p:spTgt spid="11">
+                                            <p:txEl>
+                                              <p:pRg st="0" end="0"/>
+                                            </p:txEl>
+                                          </p:spTgt>
+                                        </p:tgtEl>
+                                        <p:attrNameLst>
+                                          <p:attrName>style.visibility</p:attrName>
+                                        </p:attrNameLst>
+                                      </p:cBhvr>
+                                      <p:to>
+                                        <p:strVal val="visible"/>
+                                      </p:to>
+                                    </p:set>
+                                    <p:animEffect transition="in" filter="fade">
+                                      <p:cBhvr>
+                                        <p:cTn id="7" dur="500"/>
+                                        <p:tgtEl>
+                                          <p:spTgt spid="11">
+                                            <p:txEl>
+                                              <p:pRg st="0" end="0"/>
+                                            </p:txEl>
+                                          </p:spTgt>
+                                        </p:tgtEl>
+                                      </p:cBhvr>
+                                    </p:animEffect>
+                                  </p:childTnLst>
+                                </p:cTn>
+                              </p:par>
+                            </p:childTnLst>
+                          </p:cTn>
+                        </p:par>
+                      </p:childTnLst>
+                    </p:cTn>
+                  </p:par>
+                  <p:par>
+                    <p:cTn id="8" fill="hold">
+                      <p:stCondLst>
+                        <p:cond delay="indefinite"/>
+                      </p:stCondLst>
+                      <p:childTnLst>
+                        <p:par>
+                          <p:cTn id="9" fill="hold">
+                            <p:stCondLst>
+                              <p:cond delay="0"/>
+                            </p:stCondLst>
+                            <p:childTnLst>
+                              <p:par>
+                                <p:cTn id="10" presetID="10" presetClass="entr" presetSubtype="0" fill="hold" grpId="0" nodeType="clickEffect">
+                                  <p:stCondLst>
+                                    <p:cond delay="0"/>
+                                  </p:stCondLst>
+                                  <p:childTnLst>
+                                    <p:set>
+                                      <p:cBhvr>
+                                        <p:cTn id="11" dur="1" fill="hold">
+                                          <p:stCondLst>
+                                            <p:cond delay="0"/>
+                                          </p:stCondLst>
+                                        </p:cTn>
+                                        <p:tgtEl>
+                                          <p:spTgt spid="7"/>
+                                        </p:tgtEl>
+                                        <p:attrNameLst>
+                                          <p:attrName>style.visibility</p:attrName>
+                                        </p:attrNameLst>
+                                      </p:cBhvr>
+                                      <p:to>
+                                        <p:strVal val="visible"/>
+                                      </p:to>
+                                    </p:set>
+                                    <p:animEffect transition="in" filter="fade">
+                                      <p:cBhvr>
+                                        <p:cTn id="12" dur="500"/>
+                                        <p:tgtEl>
+                                          <p:spTgt spid="7"/>
+                                        </p:tgtEl>
+                                      </p:cBhvr>
+                                    </p:animEffect>
+                                  </p:childTnLst>
+                                </p:cTn>
+                              </p:par>
+                            </p:childTnLst>
+                          </p:cTn>
+                        </p:par>
+                      </p:childTnLst>
+                    </p:cTn>
+                  </p:par>
+                  <p:par>
+                    <p:cTn id="13" fill="hold">
+                      <p:stCondLst>
+                        <p:cond delay="indefinite"/>
+                      </p:stCondLst>
+                      <p:childTnLst>
+                        <p:par>
+                          <p:cTn id="14" fill="hold">
+                            <p:stCondLst>
+                              <p:cond delay="0"/>
+                            </p:stCondLst>
+                            <p:childTnLst>
+                              <p:par>
+                                <p:cTn id="15" presetID="10" presetClass="entr" presetSubtype="0" fill="hold" grpId="0" nodeType="clickEffect">
+                                  <p:stCondLst>
+                                    <p:cond delay="0"/>
+                                  </p:stCondLst>
+                                  <p:childTnLst>
+                                    <p:set>
+                                      <p:cBhvr>
+                                        <p:cTn id="16" dur="1" fill="hold">
+                                          <p:stCondLst>
+                                            <p:cond delay="0"/>
+                                          </p:stCondLst>
+                                        </p:cTn>
+                                        <p:tgtEl>
+                                          <p:spTgt spid="8"/>
+                                        </p:tgtEl>
+                                        <p:attrNameLst>
+                                          <p:attrName>style.visibility</p:attrName>
+                                        </p:attrNameLst>
+                                      </p:cBhvr>
+                                      <p:to>
+                                        <p:strVal val="visible"/>
+                                      </p:to>
+                                    </p:set>
+                                    <p:animEffect transition="in" filter="fade">
+                                      <p:cBhvr>
+                                        <p:cTn id="17" dur="500"/>
+                                        <p:tgtEl>
+                                          <p:spTgt spid="8"/>
+                                        </p:tgtEl>
+                                      </p:cBhvr>
+                                    </p:animEffect>
+                                  </p:childTnLst>
+                                </p:cTn>
+                              </p:par>
+                            </p:childTnLst>
+                          </p:cTn>
+                        </p:par>
+                      </p:childTnLst>
+                    </p:cTn>
+                  </p:par>
+                  <p:par>
+                    <p:cTn id="18" fill="hold">
+                      <p:stCondLst>
+                        <p:cond delay="indefinite"/>
+                      </p:stCondLst>
+                      <p:childTnLst>
+                        <p:par>
+                          <p:cTn id="19" fill="hold">
+                            <p:stCondLst>
+                              <p:cond delay="0"/>
+                            </p:stCondLst>
+                            <p:childTnLst>
+                              <p:par>
+                                <p:cTn id="20" presetID="53" presetClass="entr" presetSubtype="16" fill="hold" grpId="0" nodeType="clickEffect">
+                                  <p:stCondLst>
+                                    <p:cond delay="0"/>
+                                  </p:stCondLst>
+                                  <p:childTnLst>
+                                    <p:set>
+                                      <p:cBhvr>
+                                        <p:cTn id="21" dur="1" fill="hold">
+                                          <p:stCondLst>
+                                            <p:cond delay="0"/>
+                                          </p:stCondLst>
+                                        </p:cTn>
+                                        <p:tgtEl>
+                                          <p:spTgt spid="3"/>
+                                        </p:tgtEl>
+                                        <p:attrNameLst>
+                                          <p:attrName>style.visibility</p:attrName>
+                                        </p:attrNameLst>
+                                      </p:cBhvr>
+                                      <p:to>
+                                        <p:strVal val="visible"/>
+                                      </p:to>
+                                    </p:set>
+                                    <p:anim calcmode="lin" valueType="num">
+                                      <p:cBhvr>
+                                        <p:cTn id="22" dur="500" fill="hold"/>
+                                        <p:tgtEl>
+                                          <p:spTgt spid="3"/>
+                                        </p:tgtEl>
+                                        <p:attrNameLst>
+                                          <p:attrName>ppt_w</p:attrName>
+                                        </p:attrNameLst>
+                                      </p:cBhvr>
+                                      <p:tavLst>
+                                        <p:tav tm="0">
+                                          <p:val>
+                                            <p:fltVal val="0"/>
+                                          </p:val>
+                                        </p:tav>
+                                        <p:tav tm="100000">
+                                          <p:val>
+                                            <p:strVal val="#ppt_w"/>
+                                          </p:val>
+                                        </p:tav>
+                                      </p:tavLst>
+                                    </p:anim>
+                                    <p:anim calcmode="lin" valueType="num">
+                                      <p:cBhvr>
+                                        <p:cTn id="23" dur="500" fill="hold"/>
+                                        <p:tgtEl>
+                                          <p:spTgt spid="3"/>
+                                        </p:tgtEl>
+                                        <p:attrNameLst>
+                                          <p:attrName>ppt_h</p:attrName>
+                                        </p:attrNameLst>
+                                      </p:cBhvr>
+                                      <p:tavLst>
+                                        <p:tav tm="0">
+                                          <p:val>
+                                            <p:fltVal val="0"/>
+                                          </p:val>
+                                        </p:tav>
+                                        <p:tav tm="100000">
+                                          <p:val>
+                                            <p:strVal val="#ppt_h"/>
+                                          </p:val>
+                                        </p:tav>
+                                      </p:tavLst>
+                                    </p:anim>
+                                    <p:animEffect transition="in" filter="fade">
+                                      <p:cBhvr>
+                                        <p:cTn id="24" dur="500"/>
+                                        <p:tgtEl>
+                                          <p:spTgt spid="3"/>
+                                        </p:tgtEl>
+                                      </p:cBhvr>
+                                    </p:animEffect>
+                                  </p:childTnLst>
+                                </p:cTn>
+                              </p:par>
+                            </p:childTnLst>
+                          </p:cTn>
+                        </p:par>
+                      </p:childTnLst>
+                    </p:cTn>
+                  </p:par>
+                </p:childTnLst>
+              </p:cTn>
+              <p:prevCondLst>
+                <p:cond evt="onPrev" delay="0">
+                  <p:tgtEl>
+                    <p:sldTgt/>
+                  </p:tgtEl>
+                </p:cond>
+              </p:prevCondLst>
+              <p:nextCondLst>
+                <p:cond evt="onNext" delay="0">
+                  <p:tgtEl>
+                    <p:sldTgt/>
+                  </p:tgtEl>
+                </p:cond>
+              </p:nextCondLst>
+            </p:seq>
+          </p:childTnLst>
+        </p:cTn>
+      </p:par>
+    </p:tnLst>
+    <p:bldLst>
+      <p:bldP spid="11" grpId="0" build="p"/>
+      <p:bldP spid="7" grpId="0"/>
+      <p:bldP spid="8" grpId="0"/>
+      <p:bldP spid="3" grpId="0"/>
+    </p:bldLst>
+  </p:timing>
+</p:sld>
+</file>
+
+<file path=ppt/slides/slide4.xml><?xml version="1.0" encoding="utf-8"?>
+<p:sld xmlns:a="http://schemas.openxmlformats.org/drawingml/2006/main" xmlns:r="http://schemas.openxmlformats.org/officeDocument/2006/relationships" xmlns:p="http://schemas.openxmlformats.org/presentationml/2006/main">
+  <p:cSld>
+    <p:spTree>
+      <p:nvGrpSpPr>
+        <p:cNvPr id="1" name=""/>
+        <p:cNvGrpSpPr/>
+        <p:nvPr/>
+      </p:nvGrpSpPr>
+      <p:grpSpPr>
+        <a:xfrm>
+          <a:off x="0" y="0"/>
+          <a:ext cx="0" cy="0"/>
+          <a:chOff x="0" y="0"/>
+          <a:chExt cx="0" cy="0"/>
+        </a:xfrm>
+      </p:grpSpPr>
+      <p:sp>
+        <p:nvSpPr>
+          <p:cNvPr id="2" name="タイトル 1">
+            <a:extLst>
+              <a:ext uri="{FF2B5EF4-FFF2-40B4-BE49-F238E27FC236}">
+                <a16:creationId xmlns:a16="http://schemas.microsoft.com/office/drawing/2014/main" id="{77FEEB24-FF44-4A73-AC3C-894CEDC7F02E}"/>
+              </a:ext>
+            </a:extLst>
+          </p:cNvPr>
+          <p:cNvSpPr>
+            <a:spLocks noGrp="1"/>
+          </p:cNvSpPr>
+          <p:nvPr>
+            <p:ph type="title"/>
+          </p:nvPr>
+        </p:nvSpPr>
+        <p:spPr/>
+        <p:txBody>
+          <a:bodyPr/>
+          <a:lstStyle/>
+          <a:p>
+            <a:r>
+              <a:rPr lang="ja-JP" altLang="en-US" dirty="0">
+                <a:latin typeface="HG丸ｺﾞｼｯｸM-PRO" panose="020F0600000000000000" pitchFamily="50" charset="-128"/>
+                <a:ea typeface="HG丸ｺﾞｼｯｸM-PRO" panose="020F0600000000000000" pitchFamily="50" charset="-128"/>
+              </a:rPr>
+              <a:t>ポンコツである利点</a:t>
+            </a:r>
+          </a:p>
+        </p:txBody>
+      </p:sp>
+      <p:sp>
+        <p:nvSpPr>
+          <p:cNvPr id="4" name="フレーム 3">
+            <a:extLst>
+              <a:ext uri="{FF2B5EF4-FFF2-40B4-BE49-F238E27FC236}">
+                <a16:creationId xmlns:a16="http://schemas.microsoft.com/office/drawing/2014/main" id="{7EC587C2-A8A9-4D4F-9C4F-102593EAE97C}"/>
+              </a:ext>
+            </a:extLst>
+          </p:cNvPr>
+          <p:cNvSpPr/>
+          <p:nvPr/>
+        </p:nvSpPr>
+        <p:spPr>
+          <a:xfrm>
+            <a:off x="0" y="1"/>
+            <a:ext cx="12192000" cy="6858000"/>
+          </a:xfrm>
+          <a:prstGeom prst="frame">
+            <a:avLst>
+              <a:gd name="adj1" fmla="val 4395"/>
+            </a:avLst>
+          </a:prstGeom>
+          <a:solidFill>
+            <a:schemeClr val="accent4">
+              <a:lumMod val="60000"/>
+              <a:lumOff val="40000"/>
+            </a:schemeClr>
+          </a:solidFill>
+          <a:ln>
+            <a:noFill/>
+          </a:ln>
+          <a:effectLst>
+            <a:glow rad="63500">
+              <a:schemeClr val="accent4">
+                <a:satMod val="175000"/>
+                <a:alpha val="40000"/>
+              </a:schemeClr>
+            </a:glow>
+          </a:effectLst>
+        </p:spPr>
+        <p:style>
+          <a:lnRef idx="2">
+            <a:schemeClr val="accent1">
+              <a:shade val="50000"/>
+            </a:schemeClr>
+          </a:lnRef>
+          <a:fillRef idx="1">
+            <a:schemeClr val="accent1"/>
+          </a:fillRef>
+          <a:effectRef idx="0">
+            <a:schemeClr val="accent1"/>
+          </a:effectRef>
+          <a:fontRef idx="minor">
+            <a:schemeClr val="lt1"/>
+          </a:fontRef>
+        </p:style>
+        <p:txBody>
+          <a:bodyPr rtlCol="0" anchor="ctr"/>
+          <a:lstStyle/>
+          <a:p>
+            <a:pPr algn="ctr"/>
+            <a:endParaRPr kumimoji="1" lang="ja-JP" altLang="en-US">
+              <a:solidFill>
+                <a:schemeClr val="tx1"/>
+              </a:solidFill>
+            </a:endParaRPr>
+          </a:p>
+        </p:txBody>
+      </p:sp>
+      <mc:AlternateContent xmlns:mc="http://schemas.openxmlformats.org/markup-compatibility/2006" xmlns:p14="http://schemas.microsoft.com/office/powerpoint/2010/main">
+        <mc:Choice Requires="p14">
+          <p:contentPart p14:bwMode="auto" r:id="rId2">
+            <p14:nvContentPartPr>
+              <p14:cNvPr id="35" name="インク 34">
+                <a:extLst>
+                  <a:ext uri="{FF2B5EF4-FFF2-40B4-BE49-F238E27FC236}">
+                    <a16:creationId xmlns:a16="http://schemas.microsoft.com/office/drawing/2014/main" id="{92A31E80-C547-4A95-82C7-D48A0393D2EC}"/>
+                  </a:ext>
+                </a:extLst>
+              </p14:cNvPr>
+              <p14:cNvContentPartPr/>
+              <p14:nvPr/>
+            </p14:nvContentPartPr>
+            <p14:xfrm>
+              <a:off x="915371" y="1225387"/>
+              <a:ext cx="4928837" cy="76512"/>
+            </p14:xfrm>
+          </p:contentPart>
+        </mc:Choice>
+        <mc:Fallback xmlns="">
+          <p:pic>
+            <p:nvPicPr>
+              <p:cNvPr id="35" name="インク 34">
+                <a:extLst>
+                  <a:ext uri="{FF2B5EF4-FFF2-40B4-BE49-F238E27FC236}">
+                    <a16:creationId xmlns:a16="http://schemas.microsoft.com/office/drawing/2014/main" id="{92A31E80-C547-4A95-82C7-D48A0393D2EC}"/>
+                  </a:ext>
+                </a:extLst>
+              </p:cNvPr>
+              <p:cNvPicPr/>
+              <p:nvPr/>
+            </p:nvPicPr>
+            <p:blipFill>
+              <a:blip r:embed="rId3"/>
+              <a:stretch>
+                <a:fillRect/>
+              </a:stretch>
+            </p:blipFill>
+            <p:spPr>
+              <a:xfrm>
+                <a:off x="825363" y="1044934"/>
+                <a:ext cx="5108493" cy="437057"/>
+              </a:xfrm>
+              <a:prstGeom prst="rect">
+                <a:avLst/>
+              </a:prstGeom>
+            </p:spPr>
+          </p:pic>
+        </mc:Fallback>
+      </mc:AlternateContent>
+      <p:sp>
+        <p:nvSpPr>
+          <p:cNvPr id="15" name="フレーム 14">
+            <a:extLst>
+              <a:ext uri="{FF2B5EF4-FFF2-40B4-BE49-F238E27FC236}">
+                <a16:creationId xmlns:a16="http://schemas.microsoft.com/office/drawing/2014/main" id="{C3CA80E8-C5B6-4F43-B28A-4CBD9891F8D8}"/>
+              </a:ext>
+            </a:extLst>
+          </p:cNvPr>
+          <p:cNvSpPr/>
+          <p:nvPr/>
+        </p:nvSpPr>
+        <p:spPr>
+          <a:xfrm>
+            <a:off x="152400" y="152401"/>
+            <a:ext cx="12192000" cy="6858000"/>
+          </a:xfrm>
+          <a:prstGeom prst="frame">
+            <a:avLst>
+              <a:gd name="adj1" fmla="val 4395"/>
+            </a:avLst>
+          </a:prstGeom>
+          <a:solidFill>
+            <a:schemeClr val="accent4">
+              <a:lumMod val="60000"/>
+              <a:lumOff val="40000"/>
+            </a:schemeClr>
+          </a:solidFill>
+          <a:ln>
+            <a:noFill/>
+          </a:ln>
+          <a:effectLst>
+            <a:glow rad="63500">
+              <a:schemeClr val="accent4">
+                <a:satMod val="175000"/>
+                <a:alpha val="40000"/>
+              </a:schemeClr>
+            </a:glow>
+          </a:effectLst>
+        </p:spPr>
+        <p:style>
+          <a:lnRef idx="2">
+            <a:schemeClr val="accent1">
+              <a:shade val="50000"/>
+            </a:schemeClr>
+          </a:lnRef>
+          <a:fillRef idx="1">
+            <a:schemeClr val="accent1"/>
+          </a:fillRef>
+          <a:effectRef idx="0">
+            <a:schemeClr val="accent1"/>
+          </a:effectRef>
+          <a:fontRef idx="minor">
+            <a:schemeClr val="lt1"/>
+          </a:fontRef>
+        </p:style>
+        <p:txBody>
+          <a:bodyPr rtlCol="0" anchor="ctr"/>
+          <a:lstStyle/>
+          <a:p>
+            <a:pPr algn="ctr"/>
+            <a:endParaRPr kumimoji="1" lang="ja-JP" altLang="en-US">
+              <a:solidFill>
+                <a:schemeClr val="tx1"/>
+              </a:solidFill>
+            </a:endParaRPr>
+          </a:p>
+        </p:txBody>
+      </p:sp>
+      <p:sp>
+        <p:nvSpPr>
+          <p:cNvPr id="6" name="コンテンツ プレースホルダー 5">
+            <a:extLst>
+              <a:ext uri="{FF2B5EF4-FFF2-40B4-BE49-F238E27FC236}">
+                <a16:creationId xmlns:a16="http://schemas.microsoft.com/office/drawing/2014/main" id="{D4D80591-4F3C-4578-866A-543167543BF2}"/>
+              </a:ext>
+            </a:extLst>
+          </p:cNvPr>
+          <p:cNvSpPr>
+            <a:spLocks noGrp="1"/>
+          </p:cNvSpPr>
+          <p:nvPr>
+            <p:ph idx="1"/>
+          </p:nvPr>
+        </p:nvSpPr>
+        <p:spPr>
+          <a:xfrm>
+            <a:off x="583097" y="1825625"/>
+            <a:ext cx="11224590" cy="4351338"/>
+          </a:xfrm>
+        </p:spPr>
+        <p:txBody>
+          <a:bodyPr>
+            <a:normAutofit fontScale="85000" lnSpcReduction="10000"/>
+          </a:bodyPr>
+          <a:lstStyle/>
+          <a:p>
+            <a:r>
+              <a:rPr lang="ja-JP" altLang="en-US" sz="4700" dirty="0"/>
+              <a:t>研修生が</a:t>
+            </a:r>
+            <a:r>
+              <a:rPr lang="ja-JP" altLang="en-US" sz="4700" b="1" u="sng" dirty="0"/>
+              <a:t>親しみやすさ</a:t>
+            </a:r>
+            <a:r>
+              <a:rPr lang="ja-JP" altLang="en-US" sz="4700" dirty="0"/>
+              <a:t>を覚える</a:t>
+            </a:r>
+            <a:endParaRPr lang="en-US" altLang="ja-JP" sz="4700" dirty="0"/>
+          </a:p>
+          <a:p>
+            <a:endParaRPr lang="en-US" altLang="ja-JP" sz="3200" dirty="0"/>
+          </a:p>
+          <a:p>
+            <a:endParaRPr lang="en-US" altLang="ja-JP" sz="3200" dirty="0"/>
+          </a:p>
+          <a:p>
+            <a:r>
+              <a:rPr lang="ja-JP" altLang="en-US" sz="4300" b="1" dirty="0"/>
+              <a:t>愛着</a:t>
+            </a:r>
+            <a:r>
+              <a:rPr lang="ja-JP" altLang="en-US" sz="4300" dirty="0"/>
+              <a:t>がわく</a:t>
+            </a:r>
+            <a:endParaRPr lang="en-US" altLang="ja-JP" sz="4300" dirty="0"/>
+          </a:p>
+          <a:p>
+            <a:endParaRPr lang="en-US" altLang="ja-JP" sz="3200" dirty="0"/>
+          </a:p>
+          <a:p>
+            <a:endParaRPr lang="en-US" altLang="ja-JP" sz="3200" dirty="0"/>
+          </a:p>
+          <a:p>
+            <a:r>
+              <a:rPr lang="ja-JP" altLang="en-US" sz="4300" dirty="0"/>
+              <a:t>研修が進むにつれ、</a:t>
+            </a:r>
+            <a:r>
+              <a:rPr lang="ja-JP" altLang="en-US" sz="4300" b="1" u="sng" dirty="0"/>
+              <a:t>内部が想像</a:t>
+            </a:r>
+            <a:r>
+              <a:rPr lang="ja-JP" altLang="en-US" sz="4300" b="1" dirty="0"/>
+              <a:t>できる</a:t>
+            </a:r>
+            <a:r>
+              <a:rPr lang="ja-JP" altLang="en-US" sz="4300" dirty="0"/>
+              <a:t>ようになる</a:t>
+            </a:r>
+            <a:endParaRPr lang="en-US" altLang="ja-JP" sz="4300" dirty="0"/>
+          </a:p>
+          <a:p>
+            <a:pPr marL="0" indent="0">
+              <a:buNone/>
+            </a:pPr>
+            <a:r>
+              <a:rPr lang="ja-JP" altLang="en-US" sz="4300" dirty="0"/>
+              <a:t>　→</a:t>
+            </a:r>
+            <a:r>
+              <a:rPr lang="ja-JP" altLang="en-US" sz="4300" b="1" dirty="0"/>
+              <a:t>これなら作れそう</a:t>
+            </a:r>
+            <a:r>
+              <a:rPr lang="ja-JP" altLang="en-US" sz="4300" dirty="0"/>
+              <a:t>と</a:t>
+            </a:r>
+            <a:r>
+              <a:rPr lang="ja-JP" altLang="en-US" sz="4300" b="1" u="sng" dirty="0"/>
+              <a:t>やる気アップ</a:t>
+            </a:r>
+            <a:r>
+              <a:rPr lang="ja-JP" altLang="en-US" sz="4300" dirty="0"/>
+              <a:t>につながる！</a:t>
+            </a:r>
+          </a:p>
+        </p:txBody>
+      </p:sp>
+    </p:spTree>
+    <p:extLst>
+      <p:ext uri="{BB962C8B-B14F-4D97-AF65-F5344CB8AC3E}">
+        <p14:creationId xmlns:p14="http://schemas.microsoft.com/office/powerpoint/2010/main" val="1001464275"/>
+      </p:ext>
+    </p:extLst>
+  </p:cSld>
+  <p:clrMapOvr>
+    <a:masterClrMapping/>
+  </p:clrMapOvr>
+</p:sld>
+</file>
+
+<file path=ppt/slides/slide5.xml><?xml version="1.0" encoding="utf-8"?>
+<p:sld xmlns:a="http://schemas.openxmlformats.org/drawingml/2006/main" xmlns:r="http://schemas.openxmlformats.org/officeDocument/2006/relationships" xmlns:p="http://schemas.openxmlformats.org/presentationml/2006/main">
+  <p:cSld>
+    <p:spTree>
+      <p:nvGrpSpPr>
+        <p:cNvPr id="1" name=""/>
+        <p:cNvGrpSpPr/>
+        <p:nvPr/>
+      </p:nvGrpSpPr>
+      <p:grpSpPr>
+        <a:xfrm>
+          <a:off x="0" y="0"/>
+          <a:ext cx="0" cy="0"/>
+          <a:chOff x="0" y="0"/>
+          <a:chExt cx="0" cy="0"/>
+        </a:xfrm>
+      </p:grpSpPr>
+      <p:sp>
+        <p:nvSpPr>
+          <p:cNvPr id="2" name="タイトル 1">
+            <a:extLst>
+              <a:ext uri="{FF2B5EF4-FFF2-40B4-BE49-F238E27FC236}">
+                <a16:creationId xmlns:a16="http://schemas.microsoft.com/office/drawing/2014/main" id="{77FEEB24-FF44-4A73-AC3C-894CEDC7F02E}"/>
+              </a:ext>
+            </a:extLst>
+          </p:cNvPr>
+          <p:cNvSpPr>
+            <a:spLocks noGrp="1"/>
+          </p:cNvSpPr>
+          <p:nvPr>
+            <p:ph type="title"/>
+          </p:nvPr>
+        </p:nvSpPr>
+        <p:spPr/>
+        <p:txBody>
+          <a:bodyPr/>
+          <a:lstStyle/>
+          <a:p>
+            <a:r>
+              <a:rPr kumimoji="1" lang="ja-JP" altLang="en-US" dirty="0">
+                <a:latin typeface="HG丸ｺﾞｼｯｸM-PRO" panose="020F0600000000000000" pitchFamily="50" charset="-128"/>
+                <a:ea typeface="HG丸ｺﾞｼｯｸM-PRO" panose="020F0600000000000000" pitchFamily="50" charset="-128"/>
+              </a:rPr>
+              <a:t>発表概要</a:t>
+            </a:r>
+          </a:p>
+        </p:txBody>
+      </p:sp>
+      <p:sp>
+        <p:nvSpPr>
           <p:cNvPr id="3" name="コンテンツ プレースホルダー 2">
             <a:extLst>
               <a:ext uri="{FF2B5EF4-FFF2-40B4-BE49-F238E27FC236}">
@@ -13056,7 +17353,7 @@
 </p:sld>
 </file>
 
-<file path=ppt/slides/slide4.xml><?xml version="1.0" encoding="utf-8"?>
+<file path=ppt/slides/slide6.xml><?xml version="1.0" encoding="utf-8"?>
 <p:sld xmlns:a="http://schemas.openxmlformats.org/drawingml/2006/main" xmlns:r="http://schemas.openxmlformats.org/officeDocument/2006/relationships" xmlns:p="http://schemas.openxmlformats.org/presentationml/2006/main">
   <p:cSld>
     <p:spTree>
@@ -13785,7 +18082,7 @@
 </p:sld>
 </file>
 
-<file path=ppt/slides/slide5.xml><?xml version="1.0" encoding="utf-8"?>
+<file path=ppt/slides/slide7.xml><?xml version="1.0" encoding="utf-8"?>
 <p:sld xmlns:a="http://schemas.openxmlformats.org/drawingml/2006/main" xmlns:r="http://schemas.openxmlformats.org/officeDocument/2006/relationships" xmlns:p="http://schemas.openxmlformats.org/presentationml/2006/main">
   <p:cSld>
     <p:spTree>
@@ -14229,7 +18526,7 @@
 </p:sld>
 </file>
 
-<file path=ppt/slides/slide6.xml><?xml version="1.0" encoding="utf-8"?>
+<file path=ppt/slides/slide8.xml><?xml version="1.0" encoding="utf-8"?>
 <p:sld xmlns:a="http://schemas.openxmlformats.org/drawingml/2006/main" xmlns:r="http://schemas.openxmlformats.org/officeDocument/2006/relationships" xmlns:p="http://schemas.openxmlformats.org/presentationml/2006/main">
   <p:cSld>
     <p:spTree>
@@ -15451,7 +19748,7 @@
 </p:sld>
 </file>
 
-<file path=ppt/slides/slide7.xml><?xml version="1.0" encoding="utf-8"?>
+<file path=ppt/slides/slide9.xml><?xml version="1.0" encoding="utf-8"?>
 <p:sld xmlns:a="http://schemas.openxmlformats.org/drawingml/2006/main" xmlns:r="http://schemas.openxmlformats.org/officeDocument/2006/relationships" xmlns:p="http://schemas.openxmlformats.org/presentationml/2006/main">
   <p:cSld>
     <p:spTree>
@@ -15860,1787 +20157,6 @@
       <p:bldP spid="6" grpId="0"/>
     </p:bldLst>
   </p:timing>
-</p:sld>
-</file>
-
-<file path=ppt/slides/slide8.xml><?xml version="1.0" encoding="utf-8"?>
-<p:sld xmlns:a="http://schemas.openxmlformats.org/drawingml/2006/main" xmlns:r="http://schemas.openxmlformats.org/officeDocument/2006/relationships" xmlns:p="http://schemas.openxmlformats.org/presentationml/2006/main">
-  <p:cSld>
-    <p:spTree>
-      <p:nvGrpSpPr>
-        <p:cNvPr id="1" name=""/>
-        <p:cNvGrpSpPr/>
-        <p:nvPr/>
-      </p:nvGrpSpPr>
-      <p:grpSpPr>
-        <a:xfrm>
-          <a:off x="0" y="0"/>
-          <a:ext cx="0" cy="0"/>
-          <a:chOff x="0" y="0"/>
-          <a:chExt cx="0" cy="0"/>
-        </a:xfrm>
-      </p:grpSpPr>
-      <p:sp>
-        <p:nvSpPr>
-          <p:cNvPr id="2" name="タイトル 1">
-            <a:extLst>
-              <a:ext uri="{FF2B5EF4-FFF2-40B4-BE49-F238E27FC236}">
-                <a16:creationId xmlns:a16="http://schemas.microsoft.com/office/drawing/2014/main" id="{0E0052EA-F9A7-41FB-BA0C-317EFE23BF4C}"/>
-              </a:ext>
-            </a:extLst>
-          </p:cNvPr>
-          <p:cNvSpPr>
-            <a:spLocks noGrp="1"/>
-          </p:cNvSpPr>
-          <p:nvPr>
-            <p:ph type="title"/>
-          </p:nvPr>
-        </p:nvSpPr>
-        <p:spPr/>
-        <p:txBody>
-          <a:bodyPr>
-            <a:normAutofit/>
-          </a:bodyPr>
-          <a:lstStyle/>
-          <a:p>
-            <a:r>
-              <a:rPr kumimoji="1" lang="ja-JP" altLang="en-US" sz="4000" dirty="0">
-                <a:latin typeface="HG丸ｺﾞｼｯｸM-PRO" panose="020F0600000000000000" pitchFamily="50" charset="-128"/>
-                <a:ea typeface="HG丸ｺﾞｼｯｸM-PRO" panose="020F0600000000000000" pitchFamily="50" charset="-128"/>
-              </a:rPr>
-              <a:t>成果</a:t>
-            </a:r>
-          </a:p>
-        </p:txBody>
-      </p:sp>
-      <p:sp>
-        <p:nvSpPr>
-          <p:cNvPr id="4" name="フレーム 3">
-            <a:extLst>
-              <a:ext uri="{FF2B5EF4-FFF2-40B4-BE49-F238E27FC236}">
-                <a16:creationId xmlns:a16="http://schemas.microsoft.com/office/drawing/2014/main" id="{9061ED0C-2A66-439A-B304-1558BAF77192}"/>
-              </a:ext>
-            </a:extLst>
-          </p:cNvPr>
-          <p:cNvSpPr/>
-          <p:nvPr/>
-        </p:nvSpPr>
-        <p:spPr>
-          <a:xfrm>
-            <a:off x="0" y="1"/>
-            <a:ext cx="12192000" cy="6858000"/>
-          </a:xfrm>
-          <a:prstGeom prst="frame">
-            <a:avLst>
-              <a:gd name="adj1" fmla="val 4395"/>
-            </a:avLst>
-          </a:prstGeom>
-          <a:solidFill>
-            <a:schemeClr val="accent4">
-              <a:lumMod val="60000"/>
-              <a:lumOff val="40000"/>
-            </a:schemeClr>
-          </a:solidFill>
-          <a:ln>
-            <a:noFill/>
-          </a:ln>
-          <a:effectLst>
-            <a:glow rad="63500">
-              <a:schemeClr val="accent4">
-                <a:satMod val="175000"/>
-                <a:alpha val="40000"/>
-              </a:schemeClr>
-            </a:glow>
-          </a:effectLst>
-        </p:spPr>
-        <p:style>
-          <a:lnRef idx="2">
-            <a:schemeClr val="accent1">
-              <a:shade val="50000"/>
-            </a:schemeClr>
-          </a:lnRef>
-          <a:fillRef idx="1">
-            <a:schemeClr val="accent1"/>
-          </a:fillRef>
-          <a:effectRef idx="0">
-            <a:schemeClr val="accent1"/>
-          </a:effectRef>
-          <a:fontRef idx="minor">
-            <a:schemeClr val="lt1"/>
-          </a:fontRef>
-        </p:style>
-        <p:txBody>
-          <a:bodyPr rtlCol="0" anchor="ctr"/>
-          <a:lstStyle/>
-          <a:p>
-            <a:pPr algn="ctr"/>
-            <a:endParaRPr kumimoji="1" lang="ja-JP" altLang="en-US">
-              <a:solidFill>
-                <a:schemeClr val="tx1"/>
-              </a:solidFill>
-            </a:endParaRPr>
-          </a:p>
-        </p:txBody>
-      </p:sp>
-      <mc:AlternateContent xmlns:mc="http://schemas.openxmlformats.org/markup-compatibility/2006" xmlns:p14="http://schemas.microsoft.com/office/powerpoint/2010/main">
-        <mc:Choice Requires="p14">
-          <p:contentPart p14:bwMode="auto" r:id="rId2">
-            <p14:nvContentPartPr>
-              <p14:cNvPr id="5" name="インク 4">
-                <a:extLst>
-                  <a:ext uri="{FF2B5EF4-FFF2-40B4-BE49-F238E27FC236}">
-                    <a16:creationId xmlns:a16="http://schemas.microsoft.com/office/drawing/2014/main" id="{A2B8E68C-A6F5-489E-9D78-A639F6075853}"/>
-                  </a:ext>
-                </a:extLst>
-              </p14:cNvPr>
-              <p14:cNvContentPartPr/>
-              <p14:nvPr/>
-            </p14:nvContentPartPr>
-            <p14:xfrm>
-              <a:off x="896421" y="1003849"/>
-              <a:ext cx="998640" cy="26280"/>
-            </p14:xfrm>
-          </p:contentPart>
-        </mc:Choice>
-        <mc:Fallback xmlns="">
-          <p:pic>
-            <p:nvPicPr>
-              <p:cNvPr id="5" name="インク 4">
-                <a:extLst>
-                  <a:ext uri="{FF2B5EF4-FFF2-40B4-BE49-F238E27FC236}">
-                    <a16:creationId xmlns:a16="http://schemas.microsoft.com/office/drawing/2014/main" id="{A2B8E68C-A6F5-489E-9D78-A639F6075853}"/>
-                  </a:ext>
-                </a:extLst>
-              </p:cNvPr>
-              <p:cNvPicPr/>
-              <p:nvPr/>
-            </p:nvPicPr>
-            <p:blipFill>
-              <a:blip r:embed="rId3"/>
-              <a:stretch>
-                <a:fillRect/>
-              </a:stretch>
-            </p:blipFill>
-            <p:spPr>
-              <a:xfrm>
-                <a:off x="806421" y="823849"/>
-                <a:ext cx="1178280" cy="385920"/>
-              </a:xfrm>
-              <a:prstGeom prst="rect">
-                <a:avLst/>
-              </a:prstGeom>
-            </p:spPr>
-          </p:pic>
-        </mc:Fallback>
-      </mc:AlternateContent>
-      <p:graphicFrame>
-        <p:nvGraphicFramePr>
-          <p:cNvPr id="9" name="グラフ 8">
-            <a:extLst>
-              <a:ext uri="{FF2B5EF4-FFF2-40B4-BE49-F238E27FC236}">
-                <a16:creationId xmlns:a16="http://schemas.microsoft.com/office/drawing/2014/main" id="{9ADD1BDF-9438-42E0-9B11-C1EE1528528B}"/>
-              </a:ext>
-            </a:extLst>
-          </p:cNvPr>
-          <p:cNvGraphicFramePr/>
-          <p:nvPr/>
-        </p:nvGraphicFramePr>
-        <p:xfrm>
-          <a:off x="2902014" y="1197976"/>
-          <a:ext cx="5983331" cy="4237870"/>
-        </p:xfrm>
-        <a:graphic>
-          <a:graphicData uri="http://schemas.openxmlformats.org/drawingml/2006/chart">
-            <c:chart xmlns:c="http://schemas.openxmlformats.org/drawingml/2006/chart" xmlns:r="http://schemas.openxmlformats.org/officeDocument/2006/relationships" r:id="rId4"/>
-          </a:graphicData>
-        </a:graphic>
-      </p:graphicFrame>
-      <p:sp>
-        <p:nvSpPr>
-          <p:cNvPr id="3" name="テキスト ボックス 2">
-            <a:extLst>
-              <a:ext uri="{FF2B5EF4-FFF2-40B4-BE49-F238E27FC236}">
-                <a16:creationId xmlns:a16="http://schemas.microsoft.com/office/drawing/2014/main" id="{C99F354C-F287-421D-8285-1E2F0CD0C429}"/>
-              </a:ext>
-            </a:extLst>
-          </p:cNvPr>
-          <p:cNvSpPr txBox="1"/>
-          <p:nvPr/>
-        </p:nvSpPr>
-        <p:spPr>
-          <a:xfrm>
-            <a:off x="7669058" y="1317764"/>
-            <a:ext cx="5637704" cy="3693319"/>
-          </a:xfrm>
-          <a:prstGeom prst="rect">
-            <a:avLst/>
-          </a:prstGeom>
-          <a:noFill/>
-        </p:spPr>
-        <p:txBody>
-          <a:bodyPr wrap="square" rtlCol="0">
-            <a:spAutoFit/>
-          </a:bodyPr>
-          <a:lstStyle/>
-          <a:p>
-            <a:r>
-              <a:rPr lang="ja-JP" altLang="en-US" sz="2400" dirty="0"/>
-              <a:t>◎</a:t>
-            </a:r>
-            <a:r>
-              <a:rPr kumimoji="1" lang="ja-JP" altLang="en-US" sz="2400" dirty="0"/>
-              <a:t>基本的な機能の実装</a:t>
-            </a:r>
-            <a:endParaRPr kumimoji="1" lang="en-US" altLang="ja-JP" sz="2400" dirty="0"/>
-          </a:p>
-          <a:p>
-            <a:r>
-              <a:rPr lang="ja-JP" altLang="en-US" sz="2400" dirty="0"/>
-              <a:t>・会員情報登録</a:t>
-            </a:r>
-            <a:r>
-              <a:rPr lang="en-US" altLang="ja-JP" sz="2400" dirty="0"/>
-              <a:t>/</a:t>
-            </a:r>
-            <a:r>
-              <a:rPr lang="ja-JP" altLang="en-US" sz="2400" dirty="0"/>
-              <a:t>変更</a:t>
-            </a:r>
-            <a:endParaRPr lang="en-US" altLang="ja-JP" sz="2400" dirty="0"/>
-          </a:p>
-          <a:p>
-            <a:r>
-              <a:rPr kumimoji="1" lang="ja-JP" altLang="en-US" sz="2400" dirty="0"/>
-              <a:t>・質問</a:t>
-            </a:r>
-            <a:endParaRPr kumimoji="1" lang="en-US" altLang="ja-JP" sz="2400" dirty="0"/>
-          </a:p>
-          <a:p>
-            <a:r>
-              <a:rPr lang="ja-JP" altLang="en-US" sz="2400" dirty="0"/>
-              <a:t>・回答</a:t>
-            </a:r>
-            <a:endParaRPr kumimoji="1" lang="en-US" altLang="ja-JP" sz="2400" dirty="0"/>
-          </a:p>
-          <a:p>
-            <a:endParaRPr lang="en-US" altLang="ja-JP" sz="2400" dirty="0"/>
-          </a:p>
-          <a:p>
-            <a:r>
-              <a:rPr lang="ja-JP" altLang="en-US" sz="2400" dirty="0"/>
-              <a:t>◎</a:t>
-            </a:r>
-            <a:r>
-              <a:rPr lang="en-US" altLang="ja-JP" sz="2400" dirty="0"/>
-              <a:t>DOJO</a:t>
-            </a:r>
-            <a:r>
-              <a:rPr lang="ja-JP" altLang="en-US" sz="2400" dirty="0"/>
-              <a:t>イメージの実現</a:t>
-            </a:r>
-            <a:endParaRPr kumimoji="1" lang="en-US" altLang="ja-JP" sz="2400" dirty="0"/>
-          </a:p>
-          <a:p>
-            <a:endParaRPr kumimoji="1" lang="en-US" altLang="ja-JP" sz="2400" dirty="0"/>
-          </a:p>
-          <a:p>
-            <a:r>
-              <a:rPr lang="ja-JP" altLang="en-US" sz="2400" dirty="0">
-                <a:solidFill>
-                  <a:srgbClr val="C00000"/>
-                </a:solidFill>
-              </a:rPr>
-              <a:t>◎チームメンバーの理解度</a:t>
-            </a:r>
-            <a:endParaRPr lang="en-US" altLang="ja-JP" sz="2400" dirty="0">
-              <a:solidFill>
-                <a:srgbClr val="C00000"/>
-              </a:solidFill>
-            </a:endParaRPr>
-          </a:p>
-          <a:p>
-            <a:r>
-              <a:rPr lang="ja-JP" altLang="en-US" sz="2400" dirty="0">
-                <a:solidFill>
-                  <a:srgbClr val="C00000"/>
-                </a:solidFill>
-              </a:rPr>
-              <a:t>　をそろえる</a:t>
-            </a:r>
-            <a:endParaRPr kumimoji="1" lang="en-US" altLang="ja-JP" sz="2400" dirty="0">
-              <a:solidFill>
-                <a:srgbClr val="C00000"/>
-              </a:solidFill>
-            </a:endParaRPr>
-          </a:p>
-          <a:p>
-            <a:endParaRPr lang="en-US" altLang="ja-JP" dirty="0"/>
-          </a:p>
-        </p:txBody>
-      </p:sp>
-      <p:sp>
-        <p:nvSpPr>
-          <p:cNvPr id="11" name="テキスト ボックス 10">
-            <a:extLst>
-              <a:ext uri="{FF2B5EF4-FFF2-40B4-BE49-F238E27FC236}">
-                <a16:creationId xmlns:a16="http://schemas.microsoft.com/office/drawing/2014/main" id="{71B7B777-729C-4CBB-94AE-784C980655C8}"/>
-              </a:ext>
-            </a:extLst>
-          </p:cNvPr>
-          <p:cNvSpPr txBox="1"/>
-          <p:nvPr/>
-        </p:nvSpPr>
-        <p:spPr>
-          <a:xfrm>
-            <a:off x="1380229" y="4681281"/>
-            <a:ext cx="3043570" cy="1200329"/>
-          </a:xfrm>
-          <a:prstGeom prst="rect">
-            <a:avLst/>
-          </a:prstGeom>
-          <a:noFill/>
-        </p:spPr>
-        <p:txBody>
-          <a:bodyPr wrap="square" rtlCol="0">
-            <a:spAutoFit/>
-          </a:bodyPr>
-          <a:lstStyle/>
-          <a:p>
-            <a:r>
-              <a:rPr lang="ja-JP" altLang="en-US" dirty="0"/>
-              <a:t>〇</a:t>
-            </a:r>
-            <a:r>
-              <a:rPr kumimoji="1" lang="ja-JP" altLang="en-US" dirty="0"/>
-              <a:t>画像（登録・表示）</a:t>
-            </a:r>
-            <a:endParaRPr kumimoji="1" lang="en-US" altLang="ja-JP" dirty="0"/>
-          </a:p>
-          <a:p>
-            <a:endParaRPr kumimoji="1" lang="en-US" altLang="ja-JP" dirty="0"/>
-          </a:p>
-          <a:p>
-            <a:r>
-              <a:rPr lang="ja-JP" altLang="en-US" dirty="0"/>
-              <a:t>〇ページ分割の</a:t>
-            </a:r>
-            <a:r>
-              <a:rPr lang="en-US" altLang="ja-JP" dirty="0"/>
-              <a:t>jQuery</a:t>
-            </a:r>
-          </a:p>
-          <a:p>
-            <a:r>
-              <a:rPr lang="ja-JP" altLang="en-US" dirty="0"/>
-              <a:t>　（</a:t>
-            </a:r>
-            <a:r>
-              <a:rPr lang="en-US" altLang="ja-JP" dirty="0"/>
-              <a:t>20</a:t>
-            </a:r>
-            <a:r>
-              <a:rPr lang="ja-JP" altLang="en-US" dirty="0"/>
-              <a:t>件ずつ表示など）</a:t>
-            </a:r>
-            <a:endParaRPr lang="en-US" altLang="ja-JP" dirty="0"/>
-          </a:p>
-        </p:txBody>
-      </p:sp>
-      <p:sp>
-        <p:nvSpPr>
-          <p:cNvPr id="7" name="テキスト ボックス 6">
-            <a:extLst>
-              <a:ext uri="{FF2B5EF4-FFF2-40B4-BE49-F238E27FC236}">
-                <a16:creationId xmlns:a16="http://schemas.microsoft.com/office/drawing/2014/main" id="{87977FC0-4F59-41C7-BA5A-65B4C09DCD52}"/>
-              </a:ext>
-            </a:extLst>
-          </p:cNvPr>
-          <p:cNvSpPr txBox="1"/>
-          <p:nvPr/>
-        </p:nvSpPr>
-        <p:spPr>
-          <a:xfrm>
-            <a:off x="7934582" y="620446"/>
-            <a:ext cx="2610009" cy="584775"/>
-          </a:xfrm>
-          <a:prstGeom prst="rect">
-            <a:avLst/>
-          </a:prstGeom>
-          <a:noFill/>
-        </p:spPr>
-        <p:txBody>
-          <a:bodyPr wrap="square" rtlCol="0">
-            <a:spAutoFit/>
-          </a:bodyPr>
-          <a:lstStyle/>
-          <a:p>
-            <a:r>
-              <a:rPr kumimoji="1" lang="ja-JP" altLang="en-US" sz="3200" dirty="0">
-                <a:solidFill>
-                  <a:schemeClr val="accent2">
-                    <a:lumMod val="75000"/>
-                  </a:schemeClr>
-                </a:solidFill>
-              </a:rPr>
-              <a:t>できたこと</a:t>
-            </a:r>
-          </a:p>
-        </p:txBody>
-      </p:sp>
-      <p:sp>
-        <p:nvSpPr>
-          <p:cNvPr id="12" name="テキスト ボックス 11">
-            <a:extLst>
-              <a:ext uri="{FF2B5EF4-FFF2-40B4-BE49-F238E27FC236}">
-                <a16:creationId xmlns:a16="http://schemas.microsoft.com/office/drawing/2014/main" id="{2D78A90F-8101-4C2D-B852-CA51CFEDD06F}"/>
-              </a:ext>
-            </a:extLst>
-          </p:cNvPr>
-          <p:cNvSpPr txBox="1"/>
-          <p:nvPr/>
-        </p:nvSpPr>
-        <p:spPr>
-          <a:xfrm>
-            <a:off x="1163707" y="4081136"/>
-            <a:ext cx="2924189" cy="461665"/>
-          </a:xfrm>
-          <a:prstGeom prst="rect">
-            <a:avLst/>
-          </a:prstGeom>
-          <a:noFill/>
-        </p:spPr>
-        <p:txBody>
-          <a:bodyPr wrap="square" rtlCol="0">
-            <a:spAutoFit/>
-          </a:bodyPr>
-          <a:lstStyle/>
-          <a:p>
-            <a:r>
-              <a:rPr kumimoji="1" lang="ja-JP" altLang="en-US" sz="2400" dirty="0">
-                <a:solidFill>
-                  <a:schemeClr val="accent1">
-                    <a:lumMod val="75000"/>
-                  </a:schemeClr>
-                </a:solidFill>
-              </a:rPr>
-              <a:t>できなかったこと</a:t>
-            </a:r>
-          </a:p>
-        </p:txBody>
-      </p:sp>
-      <p:sp>
-        <p:nvSpPr>
-          <p:cNvPr id="8" name="スマイル 7">
-            <a:extLst>
-              <a:ext uri="{FF2B5EF4-FFF2-40B4-BE49-F238E27FC236}">
-                <a16:creationId xmlns:a16="http://schemas.microsoft.com/office/drawing/2014/main" id="{362B08C2-BCD1-4F8D-ABA2-B7AA11056D1A}"/>
-              </a:ext>
-            </a:extLst>
-          </p:cNvPr>
-          <p:cNvSpPr/>
-          <p:nvPr/>
-        </p:nvSpPr>
-        <p:spPr>
-          <a:xfrm>
-            <a:off x="10049343" y="620446"/>
-            <a:ext cx="499421" cy="503712"/>
-          </a:xfrm>
-          <a:prstGeom prst="smileyFace">
-            <a:avLst>
-              <a:gd name="adj" fmla="val 4653"/>
-            </a:avLst>
-          </a:prstGeom>
-          <a:solidFill>
-            <a:schemeClr val="accent4">
-              <a:lumMod val="60000"/>
-              <a:lumOff val="40000"/>
-            </a:schemeClr>
-          </a:solidFill>
-          <a:ln>
-            <a:solidFill>
-              <a:schemeClr val="accent4">
-                <a:lumMod val="50000"/>
-              </a:schemeClr>
-            </a:solidFill>
-          </a:ln>
-        </p:spPr>
-        <p:style>
-          <a:lnRef idx="2">
-            <a:schemeClr val="accent1">
-              <a:shade val="50000"/>
-            </a:schemeClr>
-          </a:lnRef>
-          <a:fillRef idx="1">
-            <a:schemeClr val="accent1"/>
-          </a:fillRef>
-          <a:effectRef idx="0">
-            <a:schemeClr val="accent1"/>
-          </a:effectRef>
-          <a:fontRef idx="minor">
-            <a:schemeClr val="lt1"/>
-          </a:fontRef>
-        </p:style>
-        <p:txBody>
-          <a:bodyPr rtlCol="0" anchor="ctr"/>
-          <a:lstStyle/>
-          <a:p>
-            <a:pPr algn="ctr"/>
-            <a:endParaRPr kumimoji="1" lang="ja-JP" altLang="en-US"/>
-          </a:p>
-        </p:txBody>
-      </p:sp>
-      <p:grpSp>
-        <p:nvGrpSpPr>
-          <p:cNvPr id="6" name="グループ化 5">
-            <a:extLst>
-              <a:ext uri="{FF2B5EF4-FFF2-40B4-BE49-F238E27FC236}">
-                <a16:creationId xmlns:a16="http://schemas.microsoft.com/office/drawing/2014/main" id="{D98CE251-7B99-4B5D-9869-330AE6B3E909}"/>
-              </a:ext>
-            </a:extLst>
-          </p:cNvPr>
-          <p:cNvGrpSpPr/>
-          <p:nvPr/>
-        </p:nvGrpSpPr>
-        <p:grpSpPr>
-          <a:xfrm>
-            <a:off x="7561083" y="4742872"/>
-            <a:ext cx="4570633" cy="1404051"/>
-            <a:chOff x="7561083" y="4742872"/>
-            <a:chExt cx="4570633" cy="1404051"/>
-          </a:xfrm>
-        </p:grpSpPr>
-        <p:sp>
-          <p:nvSpPr>
-            <p:cNvPr id="14" name="矢印: 下 13">
-              <a:extLst>
-                <a:ext uri="{FF2B5EF4-FFF2-40B4-BE49-F238E27FC236}">
-                  <a16:creationId xmlns:a16="http://schemas.microsoft.com/office/drawing/2014/main" id="{9DCA7770-804C-4C0C-80A5-BD3CF79F6E0D}"/>
-                </a:ext>
-              </a:extLst>
-            </p:cNvPr>
-            <p:cNvSpPr/>
-            <p:nvPr/>
-          </p:nvSpPr>
-          <p:spPr>
-            <a:xfrm>
-              <a:off x="9289986" y="4742872"/>
-              <a:ext cx="393895" cy="652831"/>
-            </a:xfrm>
-            <a:prstGeom prst="downArrow">
-              <a:avLst/>
-            </a:prstGeom>
-            <a:solidFill>
-              <a:srgbClr val="C00000"/>
-            </a:solidFill>
-            <a:ln>
-              <a:solidFill>
-                <a:srgbClr val="C00000"/>
-              </a:solidFill>
-            </a:ln>
-          </p:spPr>
-          <p:style>
-            <a:lnRef idx="2">
-              <a:schemeClr val="accent1">
-                <a:shade val="50000"/>
-              </a:schemeClr>
-            </a:lnRef>
-            <a:fillRef idx="1">
-              <a:schemeClr val="accent1"/>
-            </a:fillRef>
-            <a:effectRef idx="0">
-              <a:schemeClr val="accent1"/>
-            </a:effectRef>
-            <a:fontRef idx="minor">
-              <a:schemeClr val="lt1"/>
-            </a:fontRef>
-          </p:style>
-          <p:txBody>
-            <a:bodyPr rtlCol="0" anchor="ctr"/>
-            <a:lstStyle/>
-            <a:p>
-              <a:pPr algn="ctr"/>
-              <a:endParaRPr kumimoji="1" lang="ja-JP" altLang="en-US"/>
-            </a:p>
-          </p:txBody>
-        </p:sp>
-        <p:sp>
-          <p:nvSpPr>
-            <p:cNvPr id="15" name="テキスト ボックス 14">
-              <a:extLst>
-                <a:ext uri="{FF2B5EF4-FFF2-40B4-BE49-F238E27FC236}">
-                  <a16:creationId xmlns:a16="http://schemas.microsoft.com/office/drawing/2014/main" id="{5660BEEB-DBA6-491C-AEDC-C45BD98509C7}"/>
-                </a:ext>
-              </a:extLst>
-            </p:cNvPr>
-            <p:cNvSpPr txBox="1"/>
-            <p:nvPr/>
-          </p:nvSpPr>
-          <p:spPr>
-            <a:xfrm>
-              <a:off x="7561083" y="5500592"/>
-              <a:ext cx="4570633" cy="646331"/>
-            </a:xfrm>
-            <a:prstGeom prst="rect">
-              <a:avLst/>
-            </a:prstGeom>
-            <a:noFill/>
-          </p:spPr>
-          <p:txBody>
-            <a:bodyPr wrap="square" rtlCol="0">
-              <a:spAutoFit/>
-            </a:bodyPr>
-            <a:lstStyle/>
-            <a:p>
-              <a:r>
-                <a:rPr lang="ja-JP" altLang="en-US" dirty="0"/>
-                <a:t>わからなくても置き去りにならない！</a:t>
-              </a:r>
-              <a:endParaRPr kumimoji="1" lang="en-US" altLang="ja-JP" dirty="0"/>
-            </a:p>
-            <a:p>
-              <a:r>
-                <a:rPr kumimoji="1" lang="ja-JP" altLang="en-US" dirty="0"/>
-                <a:t>一人ひとりの成長がしっかり感じられた</a:t>
-              </a:r>
-            </a:p>
-          </p:txBody>
-        </p:sp>
-      </p:grpSp>
-      <p:sp>
-        <p:nvSpPr>
-          <p:cNvPr id="16" name="矢印: 右カーブ 15">
-            <a:extLst>
-              <a:ext uri="{FF2B5EF4-FFF2-40B4-BE49-F238E27FC236}">
-                <a16:creationId xmlns:a16="http://schemas.microsoft.com/office/drawing/2014/main" id="{7F9585B0-FF9A-4E2A-A6BB-EF5AD32E4EE7}"/>
-              </a:ext>
-            </a:extLst>
-          </p:cNvPr>
-          <p:cNvSpPr/>
-          <p:nvPr/>
-        </p:nvSpPr>
-        <p:spPr>
-          <a:xfrm rot="4017886">
-            <a:off x="3797079" y="2813307"/>
-            <a:ext cx="526412" cy="1181212"/>
-          </a:xfrm>
-          <a:prstGeom prst="curvedRightArrow">
-            <a:avLst>
-              <a:gd name="adj1" fmla="val 30746"/>
-              <a:gd name="adj2" fmla="val 50000"/>
-              <a:gd name="adj3" fmla="val 25000"/>
-            </a:avLst>
-          </a:prstGeom>
-          <a:solidFill>
-            <a:schemeClr val="accent1">
-              <a:lumMod val="60000"/>
-              <a:lumOff val="40000"/>
-            </a:schemeClr>
-          </a:solidFill>
-          <a:ln>
-            <a:solidFill>
-              <a:schemeClr val="accent1">
-                <a:lumMod val="40000"/>
-                <a:lumOff val="60000"/>
-              </a:schemeClr>
-            </a:solidFill>
-          </a:ln>
-        </p:spPr>
-        <p:style>
-          <a:lnRef idx="2">
-            <a:schemeClr val="accent1">
-              <a:shade val="50000"/>
-            </a:schemeClr>
-          </a:lnRef>
-          <a:fillRef idx="1">
-            <a:schemeClr val="accent1"/>
-          </a:fillRef>
-          <a:effectRef idx="0">
-            <a:schemeClr val="accent1"/>
-          </a:effectRef>
-          <a:fontRef idx="minor">
-            <a:schemeClr val="lt1"/>
-          </a:fontRef>
-        </p:style>
-        <p:txBody>
-          <a:bodyPr rtlCol="0" anchor="ctr"/>
-          <a:lstStyle/>
-          <a:p>
-            <a:pPr algn="ctr"/>
-            <a:endParaRPr kumimoji="1" lang="ja-JP" altLang="en-US">
-              <a:solidFill>
-                <a:schemeClr val="tx1"/>
-              </a:solidFill>
-            </a:endParaRPr>
-          </a:p>
-        </p:txBody>
-      </p:sp>
-      <p:sp>
-        <p:nvSpPr>
-          <p:cNvPr id="18" name="矢印: 右カーブ 17">
-            <a:extLst>
-              <a:ext uri="{FF2B5EF4-FFF2-40B4-BE49-F238E27FC236}">
-                <a16:creationId xmlns:a16="http://schemas.microsoft.com/office/drawing/2014/main" id="{A25CB272-090A-4E33-9B86-4CA156C4CB91}"/>
-              </a:ext>
-            </a:extLst>
-          </p:cNvPr>
-          <p:cNvSpPr/>
-          <p:nvPr/>
-        </p:nvSpPr>
-        <p:spPr>
-          <a:xfrm rot="16200000" flipH="1">
-            <a:off x="6866919" y="1811161"/>
-            <a:ext cx="520957" cy="1181212"/>
-          </a:xfrm>
-          <a:prstGeom prst="curvedRightArrow">
-            <a:avLst/>
-          </a:prstGeom>
-          <a:solidFill>
-            <a:schemeClr val="accent4">
-              <a:lumMod val="60000"/>
-              <a:lumOff val="40000"/>
-            </a:schemeClr>
-          </a:solidFill>
-          <a:ln>
-            <a:solidFill>
-              <a:schemeClr val="accent2">
-                <a:lumMod val="60000"/>
-                <a:lumOff val="40000"/>
-              </a:schemeClr>
-            </a:solidFill>
-          </a:ln>
-        </p:spPr>
-        <p:style>
-          <a:lnRef idx="2">
-            <a:schemeClr val="accent1">
-              <a:shade val="50000"/>
-            </a:schemeClr>
-          </a:lnRef>
-          <a:fillRef idx="1">
-            <a:schemeClr val="accent1"/>
-          </a:fillRef>
-          <a:effectRef idx="0">
-            <a:schemeClr val="accent1"/>
-          </a:effectRef>
-          <a:fontRef idx="minor">
-            <a:schemeClr val="lt1"/>
-          </a:fontRef>
-        </p:style>
-        <p:txBody>
-          <a:bodyPr rtlCol="0" anchor="ctr"/>
-          <a:lstStyle/>
-          <a:p>
-            <a:pPr algn="ctr"/>
-            <a:endParaRPr kumimoji="1" lang="ja-JP" altLang="en-US">
-              <a:solidFill>
-                <a:schemeClr val="tx1"/>
-              </a:solidFill>
-            </a:endParaRPr>
-          </a:p>
-        </p:txBody>
-      </p:sp>
-    </p:spTree>
-    <p:extLst>
-      <p:ext uri="{BB962C8B-B14F-4D97-AF65-F5344CB8AC3E}">
-        <p14:creationId xmlns:p14="http://schemas.microsoft.com/office/powerpoint/2010/main" val="3569153038"/>
-      </p:ext>
-    </p:extLst>
-  </p:cSld>
-  <p:clrMapOvr>
-    <a:masterClrMapping/>
-  </p:clrMapOvr>
-  <p:timing>
-    <p:tnLst>
-      <p:par>
-        <p:cTn id="1" dur="indefinite" restart="never" nodeType="tmRoot">
-          <p:childTnLst>
-            <p:seq concurrent="1" nextAc="seek">
-              <p:cTn id="2" dur="indefinite" nodeType="mainSeq">
-                <p:childTnLst>
-                  <p:par>
-                    <p:cTn id="3" fill="hold">
-                      <p:stCondLst>
-                        <p:cond delay="indefinite"/>
-                      </p:stCondLst>
-                      <p:childTnLst>
-                        <p:par>
-                          <p:cTn id="4" fill="hold">
-                            <p:stCondLst>
-                              <p:cond delay="0"/>
-                            </p:stCondLst>
-                            <p:childTnLst>
-                              <p:par>
-                                <p:cTn id="5" presetID="22" presetClass="entr" presetSubtype="1" fill="hold" nodeType="clickEffect">
-                                  <p:stCondLst>
-                                    <p:cond delay="0"/>
-                                  </p:stCondLst>
-                                  <p:childTnLst>
-                                    <p:set>
-                                      <p:cBhvr>
-                                        <p:cTn id="6" dur="1" fill="hold">
-                                          <p:stCondLst>
-                                            <p:cond delay="0"/>
-                                          </p:stCondLst>
-                                        </p:cTn>
-                                        <p:tgtEl>
-                                          <p:spTgt spid="6"/>
-                                        </p:tgtEl>
-                                        <p:attrNameLst>
-                                          <p:attrName>style.visibility</p:attrName>
-                                        </p:attrNameLst>
-                                      </p:cBhvr>
-                                      <p:to>
-                                        <p:strVal val="visible"/>
-                                      </p:to>
-                                    </p:set>
-                                    <p:animEffect transition="in" filter="wipe(up)">
-                                      <p:cBhvr>
-                                        <p:cTn id="7" dur="500"/>
-                                        <p:tgtEl>
-                                          <p:spTgt spid="6"/>
-                                        </p:tgtEl>
-                                      </p:cBhvr>
-                                    </p:animEffect>
-                                  </p:childTnLst>
-                                </p:cTn>
-                              </p:par>
-                            </p:childTnLst>
-                          </p:cTn>
-                        </p:par>
-                      </p:childTnLst>
-                    </p:cTn>
-                  </p:par>
-                </p:childTnLst>
-              </p:cTn>
-              <p:prevCondLst>
-                <p:cond evt="onPrev" delay="0">
-                  <p:tgtEl>
-                    <p:sldTgt/>
-                  </p:tgtEl>
-                </p:cond>
-              </p:prevCondLst>
-              <p:nextCondLst>
-                <p:cond evt="onNext" delay="0">
-                  <p:tgtEl>
-                    <p:sldTgt/>
-                  </p:tgtEl>
-                </p:cond>
-              </p:nextCondLst>
-            </p:seq>
-          </p:childTnLst>
-        </p:cTn>
-      </p:par>
-    </p:tnLst>
-  </p:timing>
-</p:sld>
-</file>
-
-<file path=ppt/slides/slide9.xml><?xml version="1.0" encoding="utf-8"?>
-<p:sld xmlns:a="http://schemas.openxmlformats.org/drawingml/2006/main" xmlns:r="http://schemas.openxmlformats.org/officeDocument/2006/relationships" xmlns:p="http://schemas.openxmlformats.org/presentationml/2006/main">
-  <p:cSld>
-    <p:spTree>
-      <p:nvGrpSpPr>
-        <p:cNvPr id="1" name=""/>
-        <p:cNvGrpSpPr/>
-        <p:nvPr/>
-      </p:nvGrpSpPr>
-      <p:grpSpPr>
-        <a:xfrm>
-          <a:off x="0" y="0"/>
-          <a:ext cx="0" cy="0"/>
-          <a:chOff x="0" y="0"/>
-          <a:chExt cx="0" cy="0"/>
-        </a:xfrm>
-      </p:grpSpPr>
-      <p:sp>
-        <p:nvSpPr>
-          <p:cNvPr id="2" name="タイトル 1">
-            <a:extLst>
-              <a:ext uri="{FF2B5EF4-FFF2-40B4-BE49-F238E27FC236}">
-                <a16:creationId xmlns:a16="http://schemas.microsoft.com/office/drawing/2014/main" id="{0E0052EA-F9A7-41FB-BA0C-317EFE23BF4C}"/>
-              </a:ext>
-            </a:extLst>
-          </p:cNvPr>
-          <p:cNvSpPr>
-            <a:spLocks noGrp="1"/>
-          </p:cNvSpPr>
-          <p:nvPr>
-            <p:ph type="title"/>
-          </p:nvPr>
-        </p:nvSpPr>
-        <p:spPr/>
-        <p:txBody>
-          <a:bodyPr>
-            <a:normAutofit/>
-          </a:bodyPr>
-          <a:lstStyle/>
-          <a:p>
-            <a:r>
-              <a:rPr kumimoji="1" lang="ja-JP" altLang="en-US" sz="4000" dirty="0">
-                <a:latin typeface="HG丸ｺﾞｼｯｸM-PRO" panose="020F0600000000000000" pitchFamily="50" charset="-128"/>
-                <a:ea typeface="HG丸ｺﾞｼｯｸM-PRO" panose="020F0600000000000000" pitchFamily="50" charset="-128"/>
-              </a:rPr>
-              <a:t>グループ～役割紹介～</a:t>
-            </a:r>
-          </a:p>
-        </p:txBody>
-      </p:sp>
-      <p:sp>
-        <p:nvSpPr>
-          <p:cNvPr id="4" name="フレーム 3">
-            <a:extLst>
-              <a:ext uri="{FF2B5EF4-FFF2-40B4-BE49-F238E27FC236}">
-                <a16:creationId xmlns:a16="http://schemas.microsoft.com/office/drawing/2014/main" id="{9061ED0C-2A66-439A-B304-1558BAF77192}"/>
-              </a:ext>
-            </a:extLst>
-          </p:cNvPr>
-          <p:cNvSpPr/>
-          <p:nvPr/>
-        </p:nvSpPr>
-        <p:spPr>
-          <a:xfrm>
-            <a:off x="0" y="1"/>
-            <a:ext cx="12192000" cy="6858000"/>
-          </a:xfrm>
-          <a:prstGeom prst="frame">
-            <a:avLst>
-              <a:gd name="adj1" fmla="val 4395"/>
-            </a:avLst>
-          </a:prstGeom>
-          <a:solidFill>
-            <a:schemeClr val="accent4">
-              <a:lumMod val="60000"/>
-              <a:lumOff val="40000"/>
-            </a:schemeClr>
-          </a:solidFill>
-          <a:ln>
-            <a:noFill/>
-          </a:ln>
-          <a:effectLst>
-            <a:glow rad="63500">
-              <a:schemeClr val="accent4">
-                <a:satMod val="175000"/>
-                <a:alpha val="40000"/>
-              </a:schemeClr>
-            </a:glow>
-          </a:effectLst>
-        </p:spPr>
-        <p:style>
-          <a:lnRef idx="2">
-            <a:schemeClr val="accent1">
-              <a:shade val="50000"/>
-            </a:schemeClr>
-          </a:lnRef>
-          <a:fillRef idx="1">
-            <a:schemeClr val="accent1"/>
-          </a:fillRef>
-          <a:effectRef idx="0">
-            <a:schemeClr val="accent1"/>
-          </a:effectRef>
-          <a:fontRef idx="minor">
-            <a:schemeClr val="lt1"/>
-          </a:fontRef>
-        </p:style>
-        <p:txBody>
-          <a:bodyPr rtlCol="0" anchor="ctr"/>
-          <a:lstStyle/>
-          <a:p>
-            <a:pPr algn="ctr"/>
-            <a:endParaRPr kumimoji="1" lang="ja-JP" altLang="en-US">
-              <a:solidFill>
-                <a:schemeClr val="tx1"/>
-              </a:solidFill>
-            </a:endParaRPr>
-          </a:p>
-        </p:txBody>
-      </p:sp>
-      <p:sp>
-        <p:nvSpPr>
-          <p:cNvPr id="6" name="楕円 5">
-            <a:extLst>
-              <a:ext uri="{FF2B5EF4-FFF2-40B4-BE49-F238E27FC236}">
-                <a16:creationId xmlns:a16="http://schemas.microsoft.com/office/drawing/2014/main" id="{B9C3A525-A8B5-40DE-8D16-82FAF3D8C4C2}"/>
-              </a:ext>
-            </a:extLst>
-          </p:cNvPr>
-          <p:cNvSpPr/>
-          <p:nvPr/>
-        </p:nvSpPr>
-        <p:spPr>
-          <a:xfrm>
-            <a:off x="8143875" y="1676353"/>
-            <a:ext cx="2914650" cy="1131888"/>
-          </a:xfrm>
-          <a:prstGeom prst="ellipse">
-            <a:avLst/>
-          </a:prstGeom>
-          <a:solidFill>
-            <a:schemeClr val="accent6">
-              <a:alpha val="50000"/>
-            </a:schemeClr>
-          </a:solidFill>
-          <a:ln>
-            <a:noFill/>
-          </a:ln>
-        </p:spPr>
-        <p:style>
-          <a:lnRef idx="0">
-            <a:scrgbClr r="0" g="0" b="0"/>
-          </a:lnRef>
-          <a:fillRef idx="0">
-            <a:scrgbClr r="0" g="0" b="0"/>
-          </a:fillRef>
-          <a:effectRef idx="0">
-            <a:scrgbClr r="0" g="0" b="0"/>
-          </a:effectRef>
-          <a:fontRef idx="minor">
-            <a:schemeClr val="lt1"/>
-          </a:fontRef>
-        </p:style>
-        <p:txBody>
-          <a:bodyPr rtlCol="0" anchor="ctr"/>
-          <a:lstStyle/>
-          <a:p>
-            <a:pPr algn="ctr"/>
-            <a:r>
-              <a:rPr kumimoji="1" lang="ja-JP" altLang="en-US" dirty="0">
-                <a:solidFill>
-                  <a:schemeClr val="tx1"/>
-                </a:solidFill>
-                <a:latin typeface="HG丸ｺﾞｼｯｸM-PRO" panose="020F0600000000000000" pitchFamily="50" charset="-128"/>
-                <a:ea typeface="HG丸ｺﾞｼｯｸM-PRO" panose="020F0600000000000000" pitchFamily="50" charset="-128"/>
-              </a:rPr>
-              <a:t>梶井ももか</a:t>
-            </a:r>
-            <a:endParaRPr kumimoji="1" lang="en-US" altLang="ja-JP" dirty="0">
-              <a:solidFill>
-                <a:schemeClr val="tx1"/>
-              </a:solidFill>
-              <a:latin typeface="HG丸ｺﾞｼｯｸM-PRO" panose="020F0600000000000000" pitchFamily="50" charset="-128"/>
-              <a:ea typeface="HG丸ｺﾞｼｯｸM-PRO" panose="020F0600000000000000" pitchFamily="50" charset="-128"/>
-            </a:endParaRPr>
-          </a:p>
-          <a:p>
-            <a:pPr algn="ctr"/>
-            <a:r>
-              <a:rPr kumimoji="1" lang="en-US" altLang="ja-JP" dirty="0">
-                <a:solidFill>
-                  <a:schemeClr val="tx1"/>
-                </a:solidFill>
-                <a:latin typeface="HG丸ｺﾞｼｯｸM-PRO" panose="020F0600000000000000" pitchFamily="50" charset="-128"/>
-                <a:ea typeface="HG丸ｺﾞｼｯｸM-PRO" panose="020F0600000000000000" pitchFamily="50" charset="-128"/>
-              </a:rPr>
-              <a:t>DB</a:t>
-            </a:r>
-            <a:r>
-              <a:rPr kumimoji="1" lang="ja-JP" altLang="en-US" dirty="0">
-                <a:solidFill>
-                  <a:schemeClr val="tx1"/>
-                </a:solidFill>
-                <a:latin typeface="HG丸ｺﾞｼｯｸM-PRO" panose="020F0600000000000000" pitchFamily="50" charset="-128"/>
-                <a:ea typeface="HG丸ｺﾞｼｯｸM-PRO" panose="020F0600000000000000" pitchFamily="50" charset="-128"/>
-              </a:rPr>
-              <a:t>担当</a:t>
-            </a:r>
-          </a:p>
-        </p:txBody>
-      </p:sp>
-      <p:sp>
-        <p:nvSpPr>
-          <p:cNvPr id="8" name="楕円 7">
-            <a:extLst>
-              <a:ext uri="{FF2B5EF4-FFF2-40B4-BE49-F238E27FC236}">
-                <a16:creationId xmlns:a16="http://schemas.microsoft.com/office/drawing/2014/main" id="{342C6168-2E08-4659-9A23-E822B9FEF1DF}"/>
-              </a:ext>
-            </a:extLst>
-          </p:cNvPr>
-          <p:cNvSpPr/>
-          <p:nvPr/>
-        </p:nvSpPr>
-        <p:spPr>
-          <a:xfrm>
-            <a:off x="4381500" y="1676353"/>
-            <a:ext cx="3181350" cy="1131888"/>
-          </a:xfrm>
-          <a:prstGeom prst="ellipse">
-            <a:avLst/>
-          </a:prstGeom>
-          <a:solidFill>
-            <a:schemeClr val="accent6">
-              <a:alpha val="50000"/>
-            </a:schemeClr>
-          </a:solidFill>
-          <a:ln>
-            <a:noFill/>
-          </a:ln>
-        </p:spPr>
-        <p:style>
-          <a:lnRef idx="0">
-            <a:scrgbClr r="0" g="0" b="0"/>
-          </a:lnRef>
-          <a:fillRef idx="0">
-            <a:scrgbClr r="0" g="0" b="0"/>
-          </a:fillRef>
-          <a:effectRef idx="0">
-            <a:scrgbClr r="0" g="0" b="0"/>
-          </a:effectRef>
-          <a:fontRef idx="minor">
-            <a:schemeClr val="lt1"/>
-          </a:fontRef>
-        </p:style>
-        <p:txBody>
-          <a:bodyPr rtlCol="0" anchor="ctr"/>
-          <a:lstStyle/>
-          <a:p>
-            <a:pPr algn="ctr"/>
-            <a:r>
-              <a:rPr lang="ja-JP" altLang="en-US" dirty="0">
-                <a:solidFill>
-                  <a:schemeClr val="tx1"/>
-                </a:solidFill>
-                <a:latin typeface="HG丸ｺﾞｼｯｸM-PRO" panose="020F0600000000000000" pitchFamily="50" charset="-128"/>
-                <a:ea typeface="HG丸ｺﾞｼｯｸM-PRO" panose="020F0600000000000000" pitchFamily="50" charset="-128"/>
-              </a:rPr>
-              <a:t>近藤隆矢</a:t>
-            </a:r>
-            <a:endParaRPr lang="en-US" altLang="ja-JP" dirty="0">
-              <a:solidFill>
-                <a:schemeClr val="tx1"/>
-              </a:solidFill>
-              <a:latin typeface="HG丸ｺﾞｼｯｸM-PRO" panose="020F0600000000000000" pitchFamily="50" charset="-128"/>
-              <a:ea typeface="HG丸ｺﾞｼｯｸM-PRO" panose="020F0600000000000000" pitchFamily="50" charset="-128"/>
-            </a:endParaRPr>
-          </a:p>
-          <a:p>
-            <a:pPr algn="ctr"/>
-            <a:r>
-              <a:rPr lang="ja-JP" altLang="en-US" dirty="0">
-                <a:solidFill>
-                  <a:schemeClr val="tx1"/>
-                </a:solidFill>
-                <a:latin typeface="HG丸ｺﾞｼｯｸM-PRO" panose="020F0600000000000000" pitchFamily="50" charset="-128"/>
-                <a:ea typeface="HG丸ｺﾞｼｯｸM-PRO" panose="020F0600000000000000" pitchFamily="50" charset="-128"/>
-              </a:rPr>
-              <a:t>構成管理・品質管理</a:t>
-            </a:r>
-            <a:endParaRPr kumimoji="1" lang="en-US" altLang="ja-JP" dirty="0">
-              <a:solidFill>
-                <a:schemeClr val="tx1"/>
-              </a:solidFill>
-              <a:latin typeface="HG丸ｺﾞｼｯｸM-PRO" panose="020F0600000000000000" pitchFamily="50" charset="-128"/>
-              <a:ea typeface="HG丸ｺﾞｼｯｸM-PRO" panose="020F0600000000000000" pitchFamily="50" charset="-128"/>
-            </a:endParaRPr>
-          </a:p>
-        </p:txBody>
-      </p:sp>
-      <p:sp>
-        <p:nvSpPr>
-          <p:cNvPr id="9" name="楕円 8">
-            <a:extLst>
-              <a:ext uri="{FF2B5EF4-FFF2-40B4-BE49-F238E27FC236}">
-                <a16:creationId xmlns:a16="http://schemas.microsoft.com/office/drawing/2014/main" id="{7996DC24-B4B5-40C9-B9BD-559DECA90B87}"/>
-              </a:ext>
-            </a:extLst>
-          </p:cNvPr>
-          <p:cNvSpPr/>
-          <p:nvPr/>
-        </p:nvSpPr>
-        <p:spPr>
-          <a:xfrm>
-            <a:off x="990600" y="1676353"/>
-            <a:ext cx="2914650" cy="1131888"/>
-          </a:xfrm>
-          <a:prstGeom prst="ellipse">
-            <a:avLst/>
-          </a:prstGeom>
-          <a:solidFill>
-            <a:schemeClr val="accent6">
-              <a:alpha val="50000"/>
-            </a:schemeClr>
-          </a:solidFill>
-          <a:ln>
-            <a:noFill/>
-          </a:ln>
-        </p:spPr>
-        <p:style>
-          <a:lnRef idx="0">
-            <a:scrgbClr r="0" g="0" b="0"/>
-          </a:lnRef>
-          <a:fillRef idx="0">
-            <a:scrgbClr r="0" g="0" b="0"/>
-          </a:fillRef>
-          <a:effectRef idx="0">
-            <a:scrgbClr r="0" g="0" b="0"/>
-          </a:effectRef>
-          <a:fontRef idx="minor">
-            <a:schemeClr val="lt1"/>
-          </a:fontRef>
-        </p:style>
-        <p:txBody>
-          <a:bodyPr rtlCol="0" anchor="ctr"/>
-          <a:lstStyle/>
-          <a:p>
-            <a:pPr algn="ctr"/>
-            <a:r>
-              <a:rPr kumimoji="1" lang="ja-JP" altLang="en-US" dirty="0">
-                <a:solidFill>
-                  <a:schemeClr val="tx1"/>
-                </a:solidFill>
-                <a:latin typeface="HG丸ｺﾞｼｯｸM-PRO" panose="020F0600000000000000" pitchFamily="50" charset="-128"/>
-                <a:ea typeface="HG丸ｺﾞｼｯｸM-PRO" panose="020F0600000000000000" pitchFamily="50" charset="-128"/>
-              </a:rPr>
-              <a:t>矢島鉄平</a:t>
-            </a:r>
-            <a:endParaRPr kumimoji="1" lang="en-US" altLang="ja-JP" dirty="0">
-              <a:solidFill>
-                <a:schemeClr val="tx1"/>
-              </a:solidFill>
-              <a:latin typeface="HG丸ｺﾞｼｯｸM-PRO" panose="020F0600000000000000" pitchFamily="50" charset="-128"/>
-              <a:ea typeface="HG丸ｺﾞｼｯｸM-PRO" panose="020F0600000000000000" pitchFamily="50" charset="-128"/>
-            </a:endParaRPr>
-          </a:p>
-          <a:p>
-            <a:pPr algn="ctr"/>
-            <a:r>
-              <a:rPr lang="ja-JP" altLang="en-US" dirty="0">
-                <a:solidFill>
-                  <a:schemeClr val="tx1"/>
-                </a:solidFill>
-                <a:latin typeface="HG丸ｺﾞｼｯｸM-PRO" panose="020F0600000000000000" pitchFamily="50" charset="-128"/>
-                <a:ea typeface="HG丸ｺﾞｼｯｸM-PRO" panose="020F0600000000000000" pitchFamily="50" charset="-128"/>
-              </a:rPr>
-              <a:t>チームリーダー</a:t>
-            </a:r>
-            <a:endParaRPr kumimoji="1" lang="ja-JP" altLang="en-US" dirty="0">
-              <a:solidFill>
-                <a:schemeClr val="tx1"/>
-              </a:solidFill>
-              <a:latin typeface="HG丸ｺﾞｼｯｸM-PRO" panose="020F0600000000000000" pitchFamily="50" charset="-128"/>
-              <a:ea typeface="HG丸ｺﾞｼｯｸM-PRO" panose="020F0600000000000000" pitchFamily="50" charset="-128"/>
-            </a:endParaRPr>
-          </a:p>
-        </p:txBody>
-      </p:sp>
-      <p:sp>
-        <p:nvSpPr>
-          <p:cNvPr id="10" name="楕円 9">
-            <a:extLst>
-              <a:ext uri="{FF2B5EF4-FFF2-40B4-BE49-F238E27FC236}">
-                <a16:creationId xmlns:a16="http://schemas.microsoft.com/office/drawing/2014/main" id="{20A67684-32BB-4FE0-913D-1E77E9E2AB90}"/>
-              </a:ext>
-            </a:extLst>
-          </p:cNvPr>
-          <p:cNvSpPr/>
-          <p:nvPr/>
-        </p:nvSpPr>
-        <p:spPr>
-          <a:xfrm>
-            <a:off x="2152650" y="3149624"/>
-            <a:ext cx="3943350" cy="1131888"/>
-          </a:xfrm>
-          <a:prstGeom prst="ellipse">
-            <a:avLst/>
-          </a:prstGeom>
-          <a:solidFill>
-            <a:schemeClr val="accent6">
-              <a:alpha val="50000"/>
-            </a:schemeClr>
-          </a:solidFill>
-          <a:ln>
-            <a:noFill/>
-          </a:ln>
-        </p:spPr>
-        <p:style>
-          <a:lnRef idx="0">
-            <a:scrgbClr r="0" g="0" b="0"/>
-          </a:lnRef>
-          <a:fillRef idx="0">
-            <a:scrgbClr r="0" g="0" b="0"/>
-          </a:fillRef>
-          <a:effectRef idx="0">
-            <a:scrgbClr r="0" g="0" b="0"/>
-          </a:effectRef>
-          <a:fontRef idx="minor">
-            <a:schemeClr val="lt1"/>
-          </a:fontRef>
-        </p:style>
-        <p:txBody>
-          <a:bodyPr rtlCol="0" anchor="ctr"/>
-          <a:lstStyle/>
-          <a:p>
-            <a:pPr algn="ctr"/>
-            <a:r>
-              <a:rPr lang="ja-JP" altLang="en-US" sz="1800" dirty="0">
-                <a:solidFill>
-                  <a:schemeClr val="tx1"/>
-                </a:solidFill>
-                <a:latin typeface="HG丸ｺﾞｼｯｸM-PRO" panose="020F0600000000000000" pitchFamily="50" charset="-128"/>
-                <a:ea typeface="HG丸ｺﾞｼｯｸM-PRO" panose="020F0600000000000000" pitchFamily="50" charset="-128"/>
-              </a:rPr>
-              <a:t>安居院眞結　</a:t>
-            </a:r>
-            <a:endParaRPr kumimoji="1" lang="en-US" altLang="ja-JP" dirty="0">
-              <a:solidFill>
-                <a:schemeClr val="tx1"/>
-              </a:solidFill>
-              <a:latin typeface="HG丸ｺﾞｼｯｸM-PRO" panose="020F0600000000000000" pitchFamily="50" charset="-128"/>
-              <a:ea typeface="HG丸ｺﾞｼｯｸM-PRO" panose="020F0600000000000000" pitchFamily="50" charset="-128"/>
-            </a:endParaRPr>
-          </a:p>
-          <a:p>
-            <a:pPr algn="ctr"/>
-            <a:r>
-              <a:rPr kumimoji="1" lang="ja-JP" altLang="en-US" dirty="0">
-                <a:solidFill>
-                  <a:schemeClr val="tx1"/>
-                </a:solidFill>
-                <a:latin typeface="HG丸ｺﾞｼｯｸM-PRO" panose="020F0600000000000000" pitchFamily="50" charset="-128"/>
-                <a:ea typeface="HG丸ｺﾞｼｯｸM-PRO" panose="020F0600000000000000" pitchFamily="50" charset="-128"/>
-              </a:rPr>
-              <a:t>コミュニケーション担当</a:t>
-            </a:r>
-          </a:p>
-        </p:txBody>
-      </p:sp>
-      <p:sp>
-        <p:nvSpPr>
-          <p:cNvPr id="13" name="楕円 12">
-            <a:extLst>
-              <a:ext uri="{FF2B5EF4-FFF2-40B4-BE49-F238E27FC236}">
-                <a16:creationId xmlns:a16="http://schemas.microsoft.com/office/drawing/2014/main" id="{D18E61F3-A3F5-4938-81CA-2F6F39ADC925}"/>
-              </a:ext>
-            </a:extLst>
-          </p:cNvPr>
-          <p:cNvSpPr/>
-          <p:nvPr/>
-        </p:nvSpPr>
-        <p:spPr>
-          <a:xfrm>
-            <a:off x="6686550" y="3176961"/>
-            <a:ext cx="2914650" cy="1131888"/>
-          </a:xfrm>
-          <a:prstGeom prst="ellipse">
-            <a:avLst/>
-          </a:prstGeom>
-          <a:solidFill>
-            <a:schemeClr val="accent6">
-              <a:alpha val="50000"/>
-            </a:schemeClr>
-          </a:solidFill>
-          <a:ln>
-            <a:noFill/>
-          </a:ln>
-        </p:spPr>
-        <p:style>
-          <a:lnRef idx="0">
-            <a:scrgbClr r="0" g="0" b="0"/>
-          </a:lnRef>
-          <a:fillRef idx="0">
-            <a:scrgbClr r="0" g="0" b="0"/>
-          </a:fillRef>
-          <a:effectRef idx="0">
-            <a:scrgbClr r="0" g="0" b="0"/>
-          </a:effectRef>
-          <a:fontRef idx="minor">
-            <a:schemeClr val="lt1"/>
-          </a:fontRef>
-        </p:style>
-        <p:txBody>
-          <a:bodyPr rtlCol="0" anchor="ctr"/>
-          <a:lstStyle/>
-          <a:p>
-            <a:pPr algn="ctr"/>
-            <a:r>
-              <a:rPr lang="ja-JP" altLang="en-US" dirty="0">
-                <a:solidFill>
-                  <a:schemeClr val="tx1"/>
-                </a:solidFill>
-                <a:latin typeface="HG丸ｺﾞｼｯｸM-PRO" panose="020F0600000000000000" pitchFamily="50" charset="-128"/>
-                <a:ea typeface="HG丸ｺﾞｼｯｸM-PRO" panose="020F0600000000000000" pitchFamily="50" charset="-128"/>
-              </a:rPr>
-              <a:t>城戸沙月</a:t>
-            </a:r>
-            <a:endParaRPr kumimoji="1" lang="en-US" altLang="ja-JP" dirty="0">
-              <a:solidFill>
-                <a:schemeClr val="tx1"/>
-              </a:solidFill>
-              <a:latin typeface="HG丸ｺﾞｼｯｸM-PRO" panose="020F0600000000000000" pitchFamily="50" charset="-128"/>
-              <a:ea typeface="HG丸ｺﾞｼｯｸM-PRO" panose="020F0600000000000000" pitchFamily="50" charset="-128"/>
-            </a:endParaRPr>
-          </a:p>
-          <a:p>
-            <a:pPr algn="ctr"/>
-            <a:r>
-              <a:rPr kumimoji="1" lang="ja-JP" altLang="en-US" dirty="0">
-                <a:solidFill>
-                  <a:schemeClr val="tx1"/>
-                </a:solidFill>
-                <a:latin typeface="HG丸ｺﾞｼｯｸM-PRO" panose="020F0600000000000000" pitchFamily="50" charset="-128"/>
-                <a:ea typeface="HG丸ｺﾞｼｯｸM-PRO" panose="020F0600000000000000" pitchFamily="50" charset="-128"/>
-              </a:rPr>
-              <a:t>発表担当</a:t>
-            </a:r>
-          </a:p>
-        </p:txBody>
-      </p:sp>
-      <p:sp>
-        <p:nvSpPr>
-          <p:cNvPr id="11" name="吹き出し: 角を丸めた四角形 10">
-            <a:extLst>
-              <a:ext uri="{FF2B5EF4-FFF2-40B4-BE49-F238E27FC236}">
-                <a16:creationId xmlns:a16="http://schemas.microsoft.com/office/drawing/2014/main" id="{CA249E97-8BB4-44D6-B7B6-78CA05C633A0}"/>
-              </a:ext>
-            </a:extLst>
-          </p:cNvPr>
-          <p:cNvSpPr/>
-          <p:nvPr/>
-        </p:nvSpPr>
-        <p:spPr>
-          <a:xfrm>
-            <a:off x="2085976" y="4815705"/>
-            <a:ext cx="6200774" cy="1276350"/>
-          </a:xfrm>
-          <a:prstGeom prst="wedgeRoundRectCallout">
-            <a:avLst>
-              <a:gd name="adj1" fmla="val 64559"/>
-              <a:gd name="adj2" fmla="val 17724"/>
-              <a:gd name="adj3" fmla="val 16667"/>
-            </a:avLst>
-          </a:prstGeom>
-        </p:spPr>
-        <p:style>
-          <a:lnRef idx="2">
-            <a:schemeClr val="accent6"/>
-          </a:lnRef>
-          <a:fillRef idx="1">
-            <a:schemeClr val="lt1"/>
-          </a:fillRef>
-          <a:effectRef idx="0">
-            <a:schemeClr val="accent6"/>
-          </a:effectRef>
-          <a:fontRef idx="minor">
-            <a:schemeClr val="dk1"/>
-          </a:fontRef>
-        </p:style>
-        <p:txBody>
-          <a:bodyPr rtlCol="0" anchor="ctr"/>
-          <a:lstStyle/>
-          <a:p>
-            <a:pPr algn="ctr"/>
-            <a:r>
-              <a:rPr kumimoji="1" lang="ja-JP" altLang="en-US" dirty="0">
-                <a:latin typeface="HG丸ｺﾞｼｯｸM-PRO" panose="020F0600000000000000" pitchFamily="50" charset="-128"/>
-                <a:ea typeface="HG丸ｺﾞｼｯｸM-PRO" panose="020F0600000000000000" pitchFamily="50" charset="-128"/>
-              </a:rPr>
-              <a:t>温厚な人が多い、平和に進みそう・・</a:t>
-            </a:r>
-            <a:endParaRPr kumimoji="1" lang="en-US" altLang="ja-JP" dirty="0">
-              <a:latin typeface="HG丸ｺﾞｼｯｸM-PRO" panose="020F0600000000000000" pitchFamily="50" charset="-128"/>
-              <a:ea typeface="HG丸ｺﾞｼｯｸM-PRO" panose="020F0600000000000000" pitchFamily="50" charset="-128"/>
-            </a:endParaRPr>
-          </a:p>
-          <a:p>
-            <a:pPr algn="ctr"/>
-            <a:r>
-              <a:rPr lang="ja-JP" altLang="en-US" dirty="0">
-                <a:latin typeface="HG丸ｺﾞｼｯｸM-PRO" panose="020F0600000000000000" pitchFamily="50" charset="-128"/>
-                <a:ea typeface="HG丸ｺﾞｼｯｸM-PRO" panose="020F0600000000000000" pitchFamily="50" charset="-128"/>
-              </a:rPr>
-              <a:t>ついでにリーダーの名前をもじってみよう！</a:t>
-            </a:r>
-            <a:endParaRPr kumimoji="1" lang="ja-JP" altLang="en-US" dirty="0">
-              <a:latin typeface="HG丸ｺﾞｼｯｸM-PRO" panose="020F0600000000000000" pitchFamily="50" charset="-128"/>
-              <a:ea typeface="HG丸ｺﾞｼｯｸM-PRO" panose="020F0600000000000000" pitchFamily="50" charset="-128"/>
-            </a:endParaRPr>
-          </a:p>
-        </p:txBody>
-      </p:sp>
-      <p:pic>
-        <p:nvPicPr>
-          <p:cNvPr id="3076" name="Picture 4" descr="無人島のイラスト">
-            <a:extLst>
-              <a:ext uri="{FF2B5EF4-FFF2-40B4-BE49-F238E27FC236}">
-                <a16:creationId xmlns:a16="http://schemas.microsoft.com/office/drawing/2014/main" id="{A914047D-F93A-4748-B089-5E2BB4AECC99}"/>
-              </a:ext>
-            </a:extLst>
-          </p:cNvPr>
-          <p:cNvPicPr>
-            <a:picLocks noChangeAspect="1" noChangeArrowheads="1"/>
-          </p:cNvPicPr>
-          <p:nvPr/>
-        </p:nvPicPr>
-        <p:blipFill>
-          <a:blip r:embed="rId2">
-            <a:extLst>
-              <a:ext uri="{28A0092B-C50C-407E-A947-70E740481C1C}">
-                <a14:useLocalDpi xmlns:a14="http://schemas.microsoft.com/office/drawing/2010/main" val="0"/>
-              </a:ext>
-            </a:extLst>
-          </a:blip>
-          <a:srcRect/>
-          <a:stretch>
-            <a:fillRect/>
-          </a:stretch>
-        </p:blipFill>
-        <p:spPr bwMode="auto">
-          <a:xfrm>
-            <a:off x="9153526" y="4568078"/>
-            <a:ext cx="2394058" cy="1771603"/>
-          </a:xfrm>
-          <a:prstGeom prst="rect">
-            <a:avLst/>
-          </a:prstGeom>
-          <a:noFill/>
-          <a:extLst>
-            <a:ext uri="{909E8E84-426E-40DD-AFC4-6F175D3DCCD1}">
-              <a14:hiddenFill xmlns:a14="http://schemas.microsoft.com/office/drawing/2010/main">
-                <a:solidFill>
-                  <a:srgbClr val="FFFFFF"/>
-                </a:solidFill>
-              </a14:hiddenFill>
-            </a:ext>
-          </a:extLst>
-        </p:spPr>
-      </p:pic>
-      <p:sp>
-        <p:nvSpPr>
-          <p:cNvPr id="15" name="テキスト ボックス 14">
-            <a:extLst>
-              <a:ext uri="{FF2B5EF4-FFF2-40B4-BE49-F238E27FC236}">
-                <a16:creationId xmlns:a16="http://schemas.microsoft.com/office/drawing/2014/main" id="{8C51BE11-481E-453D-83EA-701B976A520D}"/>
-              </a:ext>
-            </a:extLst>
-          </p:cNvPr>
-          <p:cNvSpPr txBox="1"/>
-          <p:nvPr/>
-        </p:nvSpPr>
-        <p:spPr>
-          <a:xfrm rot="19857887">
-            <a:off x="9649231" y="4631039"/>
-            <a:ext cx="495301" cy="369332"/>
-          </a:xfrm>
-          <a:prstGeom prst="rect">
-            <a:avLst/>
-          </a:prstGeom>
-          <a:noFill/>
-        </p:spPr>
-        <p:txBody>
-          <a:bodyPr wrap="square" rtlCol="0">
-            <a:spAutoFit/>
-          </a:bodyPr>
-          <a:lstStyle/>
-          <a:p>
-            <a:r>
-              <a:rPr kumimoji="1" lang="ja-JP" altLang="en-US" dirty="0"/>
-              <a:t>平</a:t>
-            </a:r>
-          </a:p>
-        </p:txBody>
-      </p:sp>
-      <p:sp>
-        <p:nvSpPr>
-          <p:cNvPr id="18" name="テキスト ボックス 17">
-            <a:extLst>
-              <a:ext uri="{FF2B5EF4-FFF2-40B4-BE49-F238E27FC236}">
-                <a16:creationId xmlns:a16="http://schemas.microsoft.com/office/drawing/2014/main" id="{15830F66-6FF7-4DBC-9D01-D4D7D48117C4}"/>
-              </a:ext>
-            </a:extLst>
-          </p:cNvPr>
-          <p:cNvSpPr txBox="1"/>
-          <p:nvPr/>
-        </p:nvSpPr>
-        <p:spPr>
-          <a:xfrm>
-            <a:off x="10061683" y="4535788"/>
-            <a:ext cx="495301" cy="369332"/>
-          </a:xfrm>
-          <a:prstGeom prst="rect">
-            <a:avLst/>
-          </a:prstGeom>
-          <a:noFill/>
-        </p:spPr>
-        <p:txBody>
-          <a:bodyPr wrap="square" rtlCol="0">
-            <a:spAutoFit/>
-          </a:bodyPr>
-          <a:lstStyle/>
-          <a:p>
-            <a:r>
-              <a:rPr lang="ja-JP" altLang="en-US" dirty="0"/>
-              <a:t>和</a:t>
-            </a:r>
-            <a:endParaRPr kumimoji="1" lang="ja-JP" altLang="en-US" dirty="0"/>
-          </a:p>
-        </p:txBody>
-      </p:sp>
-      <p:sp>
-        <p:nvSpPr>
-          <p:cNvPr id="19" name="テキスト ボックス 18">
-            <a:extLst>
-              <a:ext uri="{FF2B5EF4-FFF2-40B4-BE49-F238E27FC236}">
-                <a16:creationId xmlns:a16="http://schemas.microsoft.com/office/drawing/2014/main" id="{2DCE8C2B-D06F-4A9F-89D5-78F2C1818E99}"/>
-              </a:ext>
-            </a:extLst>
-          </p:cNvPr>
-          <p:cNvSpPr txBox="1"/>
-          <p:nvPr/>
-        </p:nvSpPr>
-        <p:spPr>
-          <a:xfrm rot="1037289">
-            <a:off x="10480783" y="4631039"/>
-            <a:ext cx="495301" cy="369332"/>
-          </a:xfrm>
-          <a:prstGeom prst="rect">
-            <a:avLst/>
-          </a:prstGeom>
-          <a:noFill/>
-        </p:spPr>
-        <p:txBody>
-          <a:bodyPr wrap="square" rtlCol="0">
-            <a:spAutoFit/>
-          </a:bodyPr>
-          <a:lstStyle/>
-          <a:p>
-            <a:r>
-              <a:rPr lang="ja-JP" altLang="en-US" dirty="0"/>
-              <a:t>島</a:t>
-            </a:r>
-            <a:endParaRPr kumimoji="1" lang="ja-JP" altLang="en-US" dirty="0"/>
-          </a:p>
-        </p:txBody>
-      </p:sp>
-      <p:sp>
-        <p:nvSpPr>
-          <p:cNvPr id="20" name="テキスト ボックス 19">
-            <a:extLst>
-              <a:ext uri="{FF2B5EF4-FFF2-40B4-BE49-F238E27FC236}">
-                <a16:creationId xmlns:a16="http://schemas.microsoft.com/office/drawing/2014/main" id="{523D900E-6E18-49A1-AEFA-334AC8C04C03}"/>
-              </a:ext>
-            </a:extLst>
-          </p:cNvPr>
-          <p:cNvSpPr txBox="1"/>
-          <p:nvPr/>
-        </p:nvSpPr>
-        <p:spPr>
-          <a:xfrm rot="4507268">
-            <a:off x="9407165" y="4827752"/>
-            <a:ext cx="495301" cy="369332"/>
-          </a:xfrm>
-          <a:prstGeom prst="rect">
-            <a:avLst/>
-          </a:prstGeom>
-          <a:noFill/>
-        </p:spPr>
-        <p:txBody>
-          <a:bodyPr wrap="square" rtlCol="0">
-            <a:spAutoFit/>
-          </a:bodyPr>
-          <a:lstStyle/>
-          <a:p>
-            <a:r>
-              <a:rPr lang="ja-JP" altLang="en-US" dirty="0"/>
-              <a:t>／</a:t>
-            </a:r>
-            <a:endParaRPr kumimoji="1" lang="ja-JP" altLang="en-US" dirty="0"/>
-          </a:p>
-        </p:txBody>
-      </p:sp>
-      <p:sp>
-        <p:nvSpPr>
-          <p:cNvPr id="21" name="テキスト ボックス 20">
-            <a:extLst>
-              <a:ext uri="{FF2B5EF4-FFF2-40B4-BE49-F238E27FC236}">
-                <a16:creationId xmlns:a16="http://schemas.microsoft.com/office/drawing/2014/main" id="{A90130B1-5961-4069-838C-E7FF1DD924BC}"/>
-              </a:ext>
-            </a:extLst>
-          </p:cNvPr>
-          <p:cNvSpPr txBox="1"/>
-          <p:nvPr/>
-        </p:nvSpPr>
-        <p:spPr>
-          <a:xfrm>
-            <a:off x="10702216" y="4726290"/>
-            <a:ext cx="495301" cy="369332"/>
-          </a:xfrm>
-          <a:prstGeom prst="rect">
-            <a:avLst/>
-          </a:prstGeom>
-          <a:noFill/>
-        </p:spPr>
-        <p:txBody>
-          <a:bodyPr wrap="square" rtlCol="0">
-            <a:spAutoFit/>
-          </a:bodyPr>
-          <a:lstStyle/>
-          <a:p>
-            <a:r>
-              <a:rPr lang="ja-JP" altLang="en-US" dirty="0"/>
-              <a:t>／</a:t>
-            </a:r>
-            <a:endParaRPr kumimoji="1" lang="ja-JP" altLang="en-US" dirty="0"/>
-          </a:p>
-        </p:txBody>
-      </p:sp>
-      <mc:AlternateContent xmlns:mc="http://schemas.openxmlformats.org/markup-compatibility/2006" xmlns:p14="http://schemas.microsoft.com/office/powerpoint/2010/main">
-        <mc:Choice Requires="p14">
-          <p:contentPart p14:bwMode="auto" r:id="rId3">
-            <p14:nvContentPartPr>
-              <p14:cNvPr id="3" name="インク 2">
-                <a:extLst>
-                  <a:ext uri="{FF2B5EF4-FFF2-40B4-BE49-F238E27FC236}">
-                    <a16:creationId xmlns:a16="http://schemas.microsoft.com/office/drawing/2014/main" id="{B9272ADB-2AAB-4EA7-B84B-F1DC73884DCA}"/>
-                  </a:ext>
-                </a:extLst>
-              </p14:cNvPr>
-              <p14:cNvContentPartPr/>
-              <p14:nvPr/>
-            </p14:nvContentPartPr>
-            <p14:xfrm>
-              <a:off x="923061" y="904129"/>
-              <a:ext cx="5213160" cy="129240"/>
-            </p14:xfrm>
-          </p:contentPart>
-        </mc:Choice>
-        <mc:Fallback xmlns="">
-          <p:pic>
-            <p:nvPicPr>
-              <p:cNvPr id="3" name="インク 2">
-                <a:extLst>
-                  <a:ext uri="{FF2B5EF4-FFF2-40B4-BE49-F238E27FC236}">
-                    <a16:creationId xmlns:a16="http://schemas.microsoft.com/office/drawing/2014/main" id="{B9272ADB-2AAB-4EA7-B84B-F1DC73884DCA}"/>
-                  </a:ext>
-                </a:extLst>
-              </p:cNvPr>
-              <p:cNvPicPr/>
-              <p:nvPr/>
-            </p:nvPicPr>
-            <p:blipFill>
-              <a:blip r:embed="rId4"/>
-              <a:stretch>
-                <a:fillRect/>
-              </a:stretch>
-            </p:blipFill>
-            <p:spPr>
-              <a:xfrm>
-                <a:off x="833061" y="724489"/>
-                <a:ext cx="5392800" cy="488880"/>
-              </a:xfrm>
-              <a:prstGeom prst="rect">
-                <a:avLst/>
-              </a:prstGeom>
-            </p:spPr>
-          </p:pic>
-        </mc:Fallback>
-      </mc:AlternateContent>
-    </p:spTree>
-    <p:extLst>
-      <p:ext uri="{BB962C8B-B14F-4D97-AF65-F5344CB8AC3E}">
-        <p14:creationId xmlns:p14="http://schemas.microsoft.com/office/powerpoint/2010/main" val="817066274"/>
-      </p:ext>
-    </p:extLst>
-  </p:cSld>
-  <p:clrMapOvr>
-    <a:masterClrMapping/>
-  </p:clrMapOvr>
 </p:sld>
 </file>
 

--- a/document/成果発表_平和島.pptx
+++ b/document/成果発表_平和島.pptx
@@ -12,17 +12,17 @@
     <p:sldId id="278" r:id="rId6"/>
     <p:sldId id="261" r:id="rId7"/>
     <p:sldId id="260" r:id="rId8"/>
-    <p:sldId id="279" r:id="rId9"/>
-    <p:sldId id="280" r:id="rId10"/>
-    <p:sldId id="281" r:id="rId11"/>
-    <p:sldId id="288" r:id="rId12"/>
-    <p:sldId id="289" r:id="rId13"/>
-    <p:sldId id="283" r:id="rId14"/>
-    <p:sldId id="285" r:id="rId15"/>
-    <p:sldId id="284" r:id="rId16"/>
-    <p:sldId id="282" r:id="rId17"/>
-    <p:sldId id="268" r:id="rId18"/>
-    <p:sldId id="269" r:id="rId19"/>
+    <p:sldId id="264" r:id="rId9"/>
+    <p:sldId id="293" r:id="rId10"/>
+    <p:sldId id="294" r:id="rId11"/>
+    <p:sldId id="267" r:id="rId12"/>
+    <p:sldId id="275" r:id="rId13"/>
+    <p:sldId id="285" r:id="rId14"/>
+    <p:sldId id="274" r:id="rId15"/>
+    <p:sldId id="273" r:id="rId16"/>
+    <p:sldId id="268" r:id="rId17"/>
+    <p:sldId id="283" r:id="rId18"/>
+    <p:sldId id="292" r:id="rId19"/>
     <p:sldId id="270" r:id="rId20"/>
   </p:sldIdLst>
   <p:sldSz cx="12192000" cy="6858000"/>
@@ -485,37 +485,6 @@
         <a:effectLst/>
       </c:spPr>
     </c:plotArea>
-    <c:legend>
-      <c:legendPos val="b"/>
-      <c:overlay val="0"/>
-      <c:spPr>
-        <a:noFill/>
-        <a:ln>
-          <a:noFill/>
-        </a:ln>
-        <a:effectLst/>
-      </c:spPr>
-      <c:txPr>
-        <a:bodyPr rot="0" spcFirstLastPara="1" vertOverflow="ellipsis" vert="horz" wrap="square" anchor="ctr" anchorCtr="1"/>
-        <a:lstStyle/>
-        <a:p>
-          <a:pPr>
-            <a:defRPr sz="1197" b="0" i="0" u="none" strike="noStrike" kern="1200" baseline="0">
-              <a:solidFill>
-                <a:schemeClr val="tx1">
-                  <a:lumMod val="65000"/>
-                  <a:lumOff val="35000"/>
-                </a:schemeClr>
-              </a:solidFill>
-              <a:latin typeface="+mn-lt"/>
-              <a:ea typeface="+mn-ea"/>
-              <a:cs typeface="+mn-cs"/>
-            </a:defRPr>
-          </a:pPr>
-          <a:endParaRPr lang="ja-JP"/>
-        </a:p>
-      </c:txPr>
-    </c:legend>
     <c:plotVisOnly val="1"/>
     <c:dispBlanksAs val="gap"/>
     <c:extLst>
@@ -1798,35 +1767,6 @@
           <inkml:channelProperty channel="Y" name="resolution" value="1000" units="1/cm"/>
         </inkml:channelProperties>
       </inkml:inkSource>
-      <inkml:timestamp xml:id="ts0" timeString="2021-06-23T02:35:23.435"/>
-    </inkml:context>
-    <inkml:brush xml:id="br0">
-      <inkml:brushProperty name="width" value="0.5" units="cm"/>
-      <inkml:brushProperty name="height" value="1" units="cm"/>
-      <inkml:brushProperty name="color" value="#A2D762"/>
-      <inkml:brushProperty name="tip" value="rectangle"/>
-      <inkml:brushProperty name="rasterOp" value="maskPen"/>
-      <inkml:brushProperty name="ignorePressure" value="1"/>
-    </inkml:brush>
-  </inkml:definitions>
-  <inkml:trace contextRef="#ctx0" brushRef="#br0">1 2,'321'-1,"485"6,-369 38,64 3,4-38,-86 3,-95 0,245-25,-223 3,-311 11</inkml:trace>
-</inkml:ink>
-</file>
-
-<file path=ppt/ink/ink14.xml><?xml version="1.0" encoding="utf-8"?>
-<inkml:ink xmlns:inkml="http://www.w3.org/2003/InkML">
-  <inkml:definitions>
-    <inkml:context xml:id="ctx0">
-      <inkml:inkSource xml:id="inkSrc0">
-        <inkml:traceFormat>
-          <inkml:channel name="X" type="integer" min="-2.14748E9" max="2.14748E9" units="cm"/>
-          <inkml:channel name="Y" type="integer" min="-2.14748E9" max="2.14748E9" units="cm"/>
-        </inkml:traceFormat>
-        <inkml:channelProperties>
-          <inkml:channelProperty channel="X" name="resolution" value="1000" units="1/cm"/>
-          <inkml:channelProperty channel="Y" name="resolution" value="1000" units="1/cm"/>
-        </inkml:channelProperties>
-      </inkml:inkSource>
       <inkml:timestamp xml:id="ts0" timeString="2021-06-23T02:35:27.846"/>
     </inkml:context>
     <inkml:brush xml:id="br0">
@@ -2221,7 +2161,7 @@
           <a:p>
             <a:fld id="{D849427B-D880-4D8C-8421-4A05004B7DFE}" type="datetimeFigureOut">
               <a:rPr kumimoji="1" lang="ja-JP" altLang="en-US" smtClean="0"/>
-              <a:t>2021/6/24</a:t>
+              <a:t>2021/6/28</a:t>
             </a:fld>
             <a:endParaRPr kumimoji="1" lang="ja-JP" altLang="en-US"/>
           </a:p>
@@ -2451,7 +2391,7 @@
           <a:p>
             <a:fld id="{D849427B-D880-4D8C-8421-4A05004B7DFE}" type="datetimeFigureOut">
               <a:rPr kumimoji="1" lang="ja-JP" altLang="en-US" smtClean="0"/>
-              <a:t>2021/6/24</a:t>
+              <a:t>2021/6/28</a:t>
             </a:fld>
             <a:endParaRPr kumimoji="1" lang="ja-JP" altLang="en-US"/>
           </a:p>
@@ -2691,7 +2631,7 @@
           <a:p>
             <a:fld id="{D849427B-D880-4D8C-8421-4A05004B7DFE}" type="datetimeFigureOut">
               <a:rPr kumimoji="1" lang="ja-JP" altLang="en-US" smtClean="0"/>
-              <a:t>2021/6/24</a:t>
+              <a:t>2021/6/28</a:t>
             </a:fld>
             <a:endParaRPr kumimoji="1" lang="ja-JP" altLang="en-US"/>
           </a:p>
@@ -2921,7 +2861,7 @@
           <a:p>
             <a:fld id="{D849427B-D880-4D8C-8421-4A05004B7DFE}" type="datetimeFigureOut">
               <a:rPr kumimoji="1" lang="ja-JP" altLang="en-US" smtClean="0"/>
-              <a:t>2021/6/24</a:t>
+              <a:t>2021/6/28</a:t>
             </a:fld>
             <a:endParaRPr kumimoji="1" lang="ja-JP" altLang="en-US"/>
           </a:p>
@@ -3196,7 +3136,7 @@
           <a:p>
             <a:fld id="{D849427B-D880-4D8C-8421-4A05004B7DFE}" type="datetimeFigureOut">
               <a:rPr kumimoji="1" lang="ja-JP" altLang="en-US" smtClean="0"/>
-              <a:t>2021/6/24</a:t>
+              <a:t>2021/6/28</a:t>
             </a:fld>
             <a:endParaRPr kumimoji="1" lang="ja-JP" altLang="en-US"/>
           </a:p>
@@ -3525,7 +3465,7 @@
           <a:p>
             <a:fld id="{D849427B-D880-4D8C-8421-4A05004B7DFE}" type="datetimeFigureOut">
               <a:rPr kumimoji="1" lang="ja-JP" altLang="en-US" smtClean="0"/>
-              <a:t>2021/6/24</a:t>
+              <a:t>2021/6/28</a:t>
             </a:fld>
             <a:endParaRPr kumimoji="1" lang="ja-JP" altLang="en-US"/>
           </a:p>
@@ -4001,7 +3941,7 @@
           <a:p>
             <a:fld id="{D849427B-D880-4D8C-8421-4A05004B7DFE}" type="datetimeFigureOut">
               <a:rPr kumimoji="1" lang="ja-JP" altLang="en-US" smtClean="0"/>
-              <a:t>2021/6/24</a:t>
+              <a:t>2021/6/28</a:t>
             </a:fld>
             <a:endParaRPr kumimoji="1" lang="ja-JP" altLang="en-US"/>
           </a:p>
@@ -4142,7 +4082,7 @@
           <a:p>
             <a:fld id="{D849427B-D880-4D8C-8421-4A05004B7DFE}" type="datetimeFigureOut">
               <a:rPr kumimoji="1" lang="ja-JP" altLang="en-US" smtClean="0"/>
-              <a:t>2021/6/24</a:t>
+              <a:t>2021/6/28</a:t>
             </a:fld>
             <a:endParaRPr kumimoji="1" lang="ja-JP" altLang="en-US"/>
           </a:p>
@@ -4255,7 +4195,7 @@
           <a:p>
             <a:fld id="{D849427B-D880-4D8C-8421-4A05004B7DFE}" type="datetimeFigureOut">
               <a:rPr kumimoji="1" lang="ja-JP" altLang="en-US" smtClean="0"/>
-              <a:t>2021/6/24</a:t>
+              <a:t>2021/6/28</a:t>
             </a:fld>
             <a:endParaRPr kumimoji="1" lang="ja-JP" altLang="en-US"/>
           </a:p>
@@ -4598,7 +4538,7 @@
           <a:p>
             <a:fld id="{D849427B-D880-4D8C-8421-4A05004B7DFE}" type="datetimeFigureOut">
               <a:rPr kumimoji="1" lang="ja-JP" altLang="en-US" smtClean="0"/>
-              <a:t>2021/6/24</a:t>
+              <a:t>2021/6/28</a:t>
             </a:fld>
             <a:endParaRPr kumimoji="1" lang="ja-JP" altLang="en-US"/>
           </a:p>
@@ -4886,7 +4826,7 @@
           <a:p>
             <a:fld id="{D849427B-D880-4D8C-8421-4A05004B7DFE}" type="datetimeFigureOut">
               <a:rPr kumimoji="1" lang="ja-JP" altLang="en-US" smtClean="0"/>
-              <a:t>2021/6/24</a:t>
+              <a:t>2021/6/28</a:t>
             </a:fld>
             <a:endParaRPr kumimoji="1" lang="ja-JP" altLang="en-US"/>
           </a:p>
@@ -5159,7 +5099,7 @@
           <a:p>
             <a:fld id="{D849427B-D880-4D8C-8421-4A05004B7DFE}" type="datetimeFigureOut">
               <a:rPr kumimoji="1" lang="ja-JP" altLang="en-US" smtClean="0"/>
-              <a:t>2021/6/24</a:t>
+              <a:t>2021/6/28</a:t>
             </a:fld>
             <a:endParaRPr kumimoji="1" lang="ja-JP" altLang="en-US"/>
           </a:p>
@@ -6016,7 +5956,7 @@
           <p:nvPr/>
         </p:nvGraphicFramePr>
         <p:xfrm>
-          <a:off x="2902014" y="1197976"/>
+          <a:off x="1709104" y="1098292"/>
           <a:ext cx="5983331" cy="4237870"/>
         </p:xfrm>
         <a:graphic>
@@ -6039,7 +5979,7 @@
         </p:nvSpPr>
         <p:spPr>
           <a:xfrm>
-            <a:off x="7669058" y="1317764"/>
+            <a:off x="6925043" y="1275375"/>
             <a:ext cx="5637704" cy="3693319"/>
           </a:xfrm>
           <a:prstGeom prst="rect">
@@ -6117,14 +6057,18 @@
             <a:r>
               <a:rPr lang="ja-JP" altLang="en-US" sz="2400" dirty="0">
                 <a:solidFill>
-                  <a:srgbClr val="C00000"/>
+                  <a:schemeClr val="accent2">
+                    <a:lumMod val="75000"/>
+                  </a:schemeClr>
                 </a:solidFill>
               </a:rPr>
               <a:t>◎チームメンバーの理解度</a:t>
             </a:r>
             <a:endParaRPr lang="en-US" altLang="ja-JP" sz="2400" dirty="0">
               <a:solidFill>
-                <a:srgbClr val="C00000"/>
+                <a:schemeClr val="accent2">
+                  <a:lumMod val="75000"/>
+                </a:schemeClr>
               </a:solidFill>
             </a:endParaRPr>
           </a:p>
@@ -6132,14 +6076,18 @@
             <a:r>
               <a:rPr lang="ja-JP" altLang="en-US" sz="2400" dirty="0">
                 <a:solidFill>
-                  <a:srgbClr val="C00000"/>
+                  <a:schemeClr val="accent2">
+                    <a:lumMod val="75000"/>
+                  </a:schemeClr>
                 </a:solidFill>
               </a:rPr>
               <a:t>　をそろえる</a:t>
             </a:r>
             <a:endParaRPr kumimoji="1" lang="en-US" altLang="ja-JP" sz="2400" dirty="0">
               <a:solidFill>
-                <a:srgbClr val="C00000"/>
+                <a:schemeClr val="accent2">
+                  <a:lumMod val="75000"/>
+                </a:schemeClr>
               </a:solidFill>
             </a:endParaRPr>
           </a:p>
@@ -6162,7 +6110,7 @@
         </p:nvSpPr>
         <p:spPr>
           <a:xfrm>
-            <a:off x="1380229" y="4681281"/>
+            <a:off x="500157" y="4649465"/>
             <a:ext cx="3043570" cy="1200329"/>
           </a:xfrm>
           <a:prstGeom prst="rect">
@@ -6230,7 +6178,7 @@
         </p:nvSpPr>
         <p:spPr>
           <a:xfrm>
-            <a:off x="7934582" y="620446"/>
+            <a:off x="7332208" y="568986"/>
             <a:ext cx="2610009" cy="584775"/>
           </a:xfrm>
           <a:prstGeom prst="rect">
@@ -6271,7 +6219,7 @@
         </p:nvSpPr>
         <p:spPr>
           <a:xfrm>
-            <a:off x="1163707" y="4081136"/>
+            <a:off x="455830" y="4109693"/>
             <a:ext cx="2924189" cy="461665"/>
           </a:xfrm>
           <a:prstGeom prst="rect">
@@ -6312,7 +6260,7 @@
         </p:nvSpPr>
         <p:spPr>
           <a:xfrm>
-            <a:off x="10049343" y="620446"/>
+            <a:off x="9494184" y="565964"/>
             <a:ext cx="499421" cy="503712"/>
           </a:xfrm>
           <a:prstGeom prst="smileyFace">
@@ -6359,129 +6307,110 @@
           </a:p>
         </p:txBody>
       </p:sp>
-      <p:grpSp>
-        <p:nvGrpSpPr>
-          <p:cNvPr id="6" name="グループ化 5">
-            <a:extLst>
-              <a:ext uri="{FF2B5EF4-FFF2-40B4-BE49-F238E27FC236}">
-                <a16:creationId xmlns:a16="http://schemas.microsoft.com/office/drawing/2014/main" id="{D98CE251-7B99-4B5D-9869-330AE6B3E909}"/>
-              </a:ext>
-            </a:extLst>
-          </p:cNvPr>
-          <p:cNvGrpSpPr/>
+      <p:sp>
+        <p:nvSpPr>
+          <p:cNvPr id="10" name="テキスト ボックス 9">
+            <a:extLst>
+              <a:ext uri="{FF2B5EF4-FFF2-40B4-BE49-F238E27FC236}">
+                <a16:creationId xmlns:a16="http://schemas.microsoft.com/office/drawing/2014/main" id="{EEB7977D-B61D-4304-96EA-6A875E8DBD5A}"/>
+              </a:ext>
+            </a:extLst>
+          </p:cNvPr>
+          <p:cNvSpPr txBox="1"/>
           <p:nvPr/>
-        </p:nvGrpSpPr>
-        <p:grpSpPr>
+        </p:nvSpPr>
+        <p:spPr>
           <a:xfrm>
-            <a:off x="7561083" y="4742872"/>
-            <a:ext cx="4570633" cy="1404051"/>
-            <a:chOff x="7561083" y="4742872"/>
-            <a:chExt cx="4570633" cy="1404051"/>
+            <a:off x="5092435" y="3658960"/>
+            <a:ext cx="1117144" cy="369332"/>
           </a:xfrm>
-        </p:grpSpPr>
-        <p:sp>
-          <p:nvSpPr>
-            <p:cNvPr id="14" name="矢印: 下 13">
-              <a:extLst>
-                <a:ext uri="{FF2B5EF4-FFF2-40B4-BE49-F238E27FC236}">
-                  <a16:creationId xmlns:a16="http://schemas.microsoft.com/office/drawing/2014/main" id="{9DCA7770-804C-4C0C-80A5-BD3CF79F6E0D}"/>
-                </a:ext>
-              </a:extLst>
-            </p:cNvPr>
-            <p:cNvSpPr/>
-            <p:nvPr/>
-          </p:nvSpPr>
-          <p:spPr>
-            <a:xfrm>
-              <a:off x="9289986" y="4742872"/>
-              <a:ext cx="393895" cy="652831"/>
-            </a:xfrm>
-            <a:prstGeom prst="downArrow">
-              <a:avLst/>
-            </a:prstGeom>
-            <a:solidFill>
-              <a:srgbClr val="C00000"/>
-            </a:solidFill>
-            <a:ln>
+          <a:prstGeom prst="rect">
+            <a:avLst/>
+          </a:prstGeom>
+          <a:noFill/>
+        </p:spPr>
+        <p:txBody>
+          <a:bodyPr wrap="square" rtlCol="0">
+            <a:spAutoFit/>
+          </a:bodyPr>
+          <a:lstStyle/>
+          <a:p>
+            <a:r>
+              <a:rPr kumimoji="1" lang="en-US" altLang="ja-JP" dirty="0">
+                <a:solidFill>
+                  <a:schemeClr val="accent2">
+                    <a:lumMod val="75000"/>
+                  </a:schemeClr>
+                </a:solidFill>
+              </a:rPr>
+              <a:t>70</a:t>
+            </a:r>
+            <a:endParaRPr kumimoji="1" lang="ja-JP" altLang="en-US" dirty="0">
               <a:solidFill>
-                <a:srgbClr val="C00000"/>
+                <a:schemeClr val="accent2">
+                  <a:lumMod val="75000"/>
+                </a:schemeClr>
               </a:solidFill>
-            </a:ln>
-          </p:spPr>
-          <p:style>
-            <a:lnRef idx="2">
-              <a:schemeClr val="accent1">
-                <a:shade val="50000"/>
-              </a:schemeClr>
-            </a:lnRef>
-            <a:fillRef idx="1">
-              <a:schemeClr val="accent1"/>
-            </a:fillRef>
-            <a:effectRef idx="0">
-              <a:schemeClr val="accent1"/>
-            </a:effectRef>
-            <a:fontRef idx="minor">
-              <a:schemeClr val="lt1"/>
-            </a:fontRef>
-          </p:style>
-          <p:txBody>
-            <a:bodyPr rtlCol="0" anchor="ctr"/>
-            <a:lstStyle/>
-            <a:p>
-              <a:pPr algn="ctr"/>
-              <a:endParaRPr kumimoji="1" lang="ja-JP" altLang="en-US"/>
-            </a:p>
-          </p:txBody>
-        </p:sp>
-        <p:sp>
-          <p:nvSpPr>
-            <p:cNvPr id="15" name="テキスト ボックス 14">
-              <a:extLst>
-                <a:ext uri="{FF2B5EF4-FFF2-40B4-BE49-F238E27FC236}">
-                  <a16:creationId xmlns:a16="http://schemas.microsoft.com/office/drawing/2014/main" id="{5660BEEB-DBA6-491C-AEDC-C45BD98509C7}"/>
-                </a:ext>
-              </a:extLst>
-            </p:cNvPr>
-            <p:cNvSpPr txBox="1"/>
-            <p:nvPr/>
-          </p:nvSpPr>
-          <p:spPr>
-            <a:xfrm>
-              <a:off x="7561083" y="5500592"/>
-              <a:ext cx="4570633" cy="646331"/>
-            </a:xfrm>
-            <a:prstGeom prst="rect">
-              <a:avLst/>
-            </a:prstGeom>
-            <a:noFill/>
-          </p:spPr>
-          <p:txBody>
-            <a:bodyPr wrap="square" rtlCol="0">
-              <a:spAutoFit/>
-            </a:bodyPr>
-            <a:lstStyle/>
-            <a:p>
-              <a:r>
-                <a:rPr lang="ja-JP" altLang="en-US" dirty="0"/>
-                <a:t>わからなくても置き去りにならない！</a:t>
-              </a:r>
-              <a:endParaRPr kumimoji="1" lang="en-US" altLang="ja-JP" dirty="0"/>
-            </a:p>
-            <a:p>
-              <a:r>
-                <a:rPr kumimoji="1" lang="ja-JP" altLang="en-US" dirty="0"/>
-                <a:t>一人ひとりの成長がしっかり感じられた</a:t>
-              </a:r>
-            </a:p>
-          </p:txBody>
-        </p:sp>
-      </p:grpSp>
-      <p:sp>
-        <p:nvSpPr>
-          <p:cNvPr id="16" name="矢印: 右カーブ 15">
-            <a:extLst>
-              <a:ext uri="{FF2B5EF4-FFF2-40B4-BE49-F238E27FC236}">
-                <a16:creationId xmlns:a16="http://schemas.microsoft.com/office/drawing/2014/main" id="{7F9585B0-FF9A-4E2A-A6BB-EF5AD32E4EE7}"/>
+            </a:endParaRPr>
+          </a:p>
+        </p:txBody>
+      </p:sp>
+      <p:sp>
+        <p:nvSpPr>
+          <p:cNvPr id="17" name="テキスト ボックス 16">
+            <a:extLst>
+              <a:ext uri="{FF2B5EF4-FFF2-40B4-BE49-F238E27FC236}">
+                <a16:creationId xmlns:a16="http://schemas.microsoft.com/office/drawing/2014/main" id="{C4608A44-073D-4DA9-8499-98C30664CABB}"/>
+              </a:ext>
+            </a:extLst>
+          </p:cNvPr>
+          <p:cNvSpPr txBox="1"/>
+          <p:nvPr/>
+        </p:nvSpPr>
+        <p:spPr>
+          <a:xfrm>
+            <a:off x="3543608" y="2959427"/>
+            <a:ext cx="1117144" cy="369332"/>
+          </a:xfrm>
+          <a:prstGeom prst="rect">
+            <a:avLst/>
+          </a:prstGeom>
+          <a:noFill/>
+        </p:spPr>
+        <p:txBody>
+          <a:bodyPr wrap="square" rtlCol="0">
+            <a:spAutoFit/>
+          </a:bodyPr>
+          <a:lstStyle/>
+          <a:p>
+            <a:r>
+              <a:rPr kumimoji="1" lang="en-US" altLang="ja-JP" dirty="0">
+                <a:solidFill>
+                  <a:schemeClr val="accent1">
+                    <a:lumMod val="60000"/>
+                    <a:lumOff val="40000"/>
+                  </a:schemeClr>
+                </a:solidFill>
+              </a:rPr>
+              <a:t>30</a:t>
+            </a:r>
+            <a:endParaRPr kumimoji="1" lang="ja-JP" altLang="en-US" dirty="0">
+              <a:solidFill>
+                <a:schemeClr val="accent1">
+                  <a:lumMod val="60000"/>
+                  <a:lumOff val="40000"/>
+                </a:schemeClr>
+              </a:solidFill>
+            </a:endParaRPr>
+          </a:p>
+        </p:txBody>
+      </p:sp>
+      <p:sp>
+        <p:nvSpPr>
+          <p:cNvPr id="13" name="四角形: 角を丸くする 12">
+            <a:extLst>
+              <a:ext uri="{FF2B5EF4-FFF2-40B4-BE49-F238E27FC236}">
+                <a16:creationId xmlns:a16="http://schemas.microsoft.com/office/drawing/2014/main" id="{E5B64450-1148-4F4D-8019-1A5101F193F5}"/>
               </a:ext>
             </a:extLst>
           </p:cNvPr>
@@ -6489,28 +6418,23 @@
           <p:nvPr/>
         </p:nvSpPr>
         <p:spPr>
-          <a:xfrm rot="4017886">
-            <a:off x="3797079" y="2813307"/>
-            <a:ext cx="526412" cy="1181212"/>
+          <a:xfrm>
+            <a:off x="5584209" y="5371962"/>
+            <a:ext cx="5983331" cy="884689"/>
           </a:xfrm>
-          <a:prstGeom prst="curvedRightArrow">
-            <a:avLst>
-              <a:gd name="adj1" fmla="val 30746"/>
-              <a:gd name="adj2" fmla="val 50000"/>
-              <a:gd name="adj3" fmla="val 25000"/>
-            </a:avLst>
+          <a:prstGeom prst="roundRect">
+            <a:avLst/>
           </a:prstGeom>
           <a:solidFill>
-            <a:schemeClr val="accent1">
-              <a:lumMod val="60000"/>
-              <a:lumOff val="40000"/>
+            <a:schemeClr val="accent4">
+              <a:lumMod val="20000"/>
+              <a:lumOff val="80000"/>
             </a:schemeClr>
           </a:solidFill>
           <a:ln>
             <a:solidFill>
-              <a:schemeClr val="accent1">
-                <a:lumMod val="40000"/>
-                <a:lumOff val="60000"/>
+              <a:schemeClr val="accent4">
+                <a:lumMod val="75000"/>
               </a:schemeClr>
             </a:solidFill>
           </a:ln>
@@ -6535,74 +6459,39 @@
           <a:bodyPr rtlCol="0" anchor="ctr"/>
           <a:lstStyle/>
           <a:p>
-            <a:pPr algn="ctr"/>
-            <a:endParaRPr kumimoji="1" lang="ja-JP" altLang="en-US">
+            <a:r>
+              <a:rPr kumimoji="1" lang="ja-JP" altLang="en-US" sz="3200" dirty="0">
+                <a:solidFill>
+                  <a:schemeClr val="bg2">
+                    <a:lumMod val="25000"/>
+                  </a:schemeClr>
+                </a:solidFill>
+              </a:rPr>
+              <a:t>チーム</a:t>
+            </a:r>
+            <a:r>
+              <a:rPr kumimoji="1" lang="ja-JP" altLang="en-US" sz="4400" dirty="0">
+                <a:solidFill>
+                  <a:srgbClr val="C00000"/>
+                </a:solidFill>
+              </a:rPr>
+              <a:t>全体</a:t>
+            </a:r>
+            <a:r>
+              <a:rPr kumimoji="1" lang="ja-JP" altLang="en-US" sz="3200" dirty="0">
+                <a:solidFill>
+                  <a:schemeClr val="bg2">
+                    <a:lumMod val="25000"/>
+                  </a:schemeClr>
+                </a:solidFill>
+              </a:rPr>
+              <a:t>の理解度アップ！</a:t>
+            </a:r>
+            <a:endParaRPr kumimoji="1" lang="en-US" altLang="ja-JP" sz="3200" dirty="0">
               <a:solidFill>
-                <a:schemeClr val="tx1"/>
-              </a:solidFill>
-            </a:endParaRPr>
-          </a:p>
-        </p:txBody>
-      </p:sp>
-      <p:sp>
-        <p:nvSpPr>
-          <p:cNvPr id="18" name="矢印: 右カーブ 17">
-            <a:extLst>
-              <a:ext uri="{FF2B5EF4-FFF2-40B4-BE49-F238E27FC236}">
-                <a16:creationId xmlns:a16="http://schemas.microsoft.com/office/drawing/2014/main" id="{A25CB272-090A-4E33-9B86-4CA156C4CB91}"/>
-              </a:ext>
-            </a:extLst>
-          </p:cNvPr>
-          <p:cNvSpPr/>
-          <p:nvPr/>
-        </p:nvSpPr>
-        <p:spPr>
-          <a:xfrm rot="16200000" flipH="1">
-            <a:off x="6866919" y="1811161"/>
-            <a:ext cx="520957" cy="1181212"/>
-          </a:xfrm>
-          <a:prstGeom prst="curvedRightArrow">
-            <a:avLst/>
-          </a:prstGeom>
-          <a:solidFill>
-            <a:schemeClr val="accent4">
-              <a:lumMod val="60000"/>
-              <a:lumOff val="40000"/>
-            </a:schemeClr>
-          </a:solidFill>
-          <a:ln>
-            <a:solidFill>
-              <a:schemeClr val="accent2">
-                <a:lumMod val="60000"/>
-                <a:lumOff val="40000"/>
-              </a:schemeClr>
-            </a:solidFill>
-          </a:ln>
-        </p:spPr>
-        <p:style>
-          <a:lnRef idx="2">
-            <a:schemeClr val="accent1">
-              <a:shade val="50000"/>
-            </a:schemeClr>
-          </a:lnRef>
-          <a:fillRef idx="1">
-            <a:schemeClr val="accent1"/>
-          </a:fillRef>
-          <a:effectRef idx="0">
-            <a:schemeClr val="accent1"/>
-          </a:effectRef>
-          <a:fontRef idx="minor">
-            <a:schemeClr val="lt1"/>
-          </a:fontRef>
-        </p:style>
-        <p:txBody>
-          <a:bodyPr rtlCol="0" anchor="ctr"/>
-          <a:lstStyle/>
-          <a:p>
-            <a:pPr algn="ctr"/>
-            <a:endParaRPr kumimoji="1" lang="ja-JP" altLang="en-US">
-              <a:solidFill>
-                <a:schemeClr val="tx1"/>
+                <a:schemeClr val="bg2">
+                  <a:lumMod val="25000"/>
+                </a:schemeClr>
               </a:solidFill>
             </a:endParaRPr>
           </a:p>
@@ -6611,7 +6500,7 @@
     </p:spTree>
     <p:extLst>
       <p:ext uri="{BB962C8B-B14F-4D97-AF65-F5344CB8AC3E}">
-        <p14:creationId xmlns:p14="http://schemas.microsoft.com/office/powerpoint/2010/main" val="3569153038"/>
+        <p14:creationId xmlns:p14="http://schemas.microsoft.com/office/powerpoint/2010/main" val="3541103326"/>
       </p:ext>
     </p:extLst>
   </p:cSld>
@@ -6639,7 +6528,7 @@
                             </p:stCondLst>
                             <p:childTnLst>
                               <p:par>
-                                <p:cTn id="5" presetID="22" presetClass="entr" presetSubtype="1" fill="hold" nodeType="clickEffect">
+                                <p:cTn id="5" presetID="53" presetClass="entr" presetSubtype="16" fill="hold" grpId="0" nodeType="clickEffect">
                                   <p:stCondLst>
                                     <p:cond delay="0"/>
                                   </p:stCondLst>
@@ -6652,7 +6541,7 @@
                                           </p:stCondLst>
                                         </p:cTn>
                                         <p:tgtEl>
-                                          <p:spTgt spid="6"/>
+                                          <p:spTgt spid="13"/>
                                         </p:tgtEl>
                                         <p:attrNameLst>
                                           <p:attrName>style.visibility</p:attrName>
@@ -6662,11 +6551,57 @@
                                         <p:strVal val="visible"/>
                                       </p:to>
                                     </p:set>
-                                    <p:animEffect transition="in" filter="wipe(up)">
+                                    <p:anim calcmode="lin" valueType="num">
                                       <p:cBhvr>
-                                        <p:cTn id="7" dur="500"/>
+                                        <p:cTn id="7" dur="500" fill="hold"/>
                                         <p:tgtEl>
-                                          <p:spTgt spid="6"/>
+                                          <p:spTgt spid="13"/>
+                                        </p:tgtEl>
+                                        <p:attrNameLst>
+                                          <p:attrName>ppt_w</p:attrName>
+                                        </p:attrNameLst>
+                                      </p:cBhvr>
+                                      <p:tavLst>
+                                        <p:tav tm="0">
+                                          <p:val>
+                                            <p:fltVal val="0"/>
+                                          </p:val>
+                                        </p:tav>
+                                        <p:tav tm="100000">
+                                          <p:val>
+                                            <p:strVal val="#ppt_w"/>
+                                          </p:val>
+                                        </p:tav>
+                                      </p:tavLst>
+                                    </p:anim>
+                                    <p:anim calcmode="lin" valueType="num">
+                                      <p:cBhvr>
+                                        <p:cTn id="8" dur="500" fill="hold"/>
+                                        <p:tgtEl>
+                                          <p:spTgt spid="13"/>
+                                        </p:tgtEl>
+                                        <p:attrNameLst>
+                                          <p:attrName>ppt_h</p:attrName>
+                                        </p:attrNameLst>
+                                      </p:cBhvr>
+                                      <p:tavLst>
+                                        <p:tav tm="0">
+                                          <p:val>
+                                            <p:fltVal val="0"/>
+                                          </p:val>
+                                        </p:tav>
+                                        <p:tav tm="100000">
+                                          <p:val>
+                                            <p:strVal val="#ppt_h"/>
+                                          </p:val>
+                                        </p:tav>
+                                      </p:tavLst>
+                                    </p:anim>
+                                    <p:animEffect transition="in" filter="fade">
+                                      <p:cBhvr>
+                                        <p:cTn id="9" dur="500"/>
+                                        <p:tgtEl>
+                                          <p:spTgt spid="13"/>
                                         </p:tgtEl>
                                       </p:cBhvr>
                                     </p:animEffect>
@@ -6700,6 +6635,9 @@
         </p:cTn>
       </p:par>
     </p:tnLst>
+    <p:bldLst>
+      <p:bldP spid="13" grpId="0" animBg="1"/>
+    </p:bldLst>
   </p:timing>
 </p:sld>
 </file>
@@ -6837,7 +6775,7 @@
         </p:nvSpPr>
         <p:spPr>
           <a:xfrm>
-            <a:off x="8143875" y="1676353"/>
+            <a:off x="7288385" y="1352268"/>
             <a:ext cx="2914650" cy="1131888"/>
           </a:xfrm>
           <a:prstGeom prst="ellipse">
@@ -6928,7 +6866,7 @@
         </p:nvSpPr>
         <p:spPr>
           <a:xfrm>
-            <a:off x="4381500" y="1676353"/>
+            <a:off x="689359" y="1663748"/>
             <a:ext cx="3181350" cy="1131888"/>
           </a:xfrm>
           <a:prstGeom prst="ellipse">
@@ -7016,7 +6954,7 @@
         </p:nvSpPr>
         <p:spPr>
           <a:xfrm>
-            <a:off x="990600" y="1676353"/>
+            <a:off x="4122222" y="2776578"/>
             <a:ext cx="2914650" cy="1131888"/>
           </a:xfrm>
           <a:prstGeom prst="ellipse">
@@ -7104,7 +7042,7 @@
         </p:nvSpPr>
         <p:spPr>
           <a:xfrm>
-            <a:off x="2152650" y="3149624"/>
+            <a:off x="833230" y="4565785"/>
             <a:ext cx="3943350" cy="1131888"/>
           </a:xfrm>
           <a:prstGeom prst="ellipse">
@@ -7185,7 +7123,7 @@
         </p:nvSpPr>
         <p:spPr>
           <a:xfrm>
-            <a:off x="6686550" y="3176961"/>
+            <a:off x="6136221" y="4534051"/>
             <a:ext cx="2914650" cy="1131888"/>
           </a:xfrm>
           <a:prstGeom prst="ellipse">
@@ -7252,78 +7190,6 @@
           </a:p>
         </p:txBody>
       </p:sp>
-      <p:sp>
-        <p:nvSpPr>
-          <p:cNvPr id="11" name="吹き出し: 角を丸めた四角形 10">
-            <a:extLst>
-              <a:ext uri="{FF2B5EF4-FFF2-40B4-BE49-F238E27FC236}">
-                <a16:creationId xmlns:a16="http://schemas.microsoft.com/office/drawing/2014/main" id="{CA249E97-8BB4-44D6-B7B6-78CA05C633A0}"/>
-              </a:ext>
-            </a:extLst>
-          </p:cNvPr>
-          <p:cNvSpPr/>
-          <p:nvPr/>
-        </p:nvSpPr>
-        <p:spPr>
-          <a:xfrm>
-            <a:off x="2085976" y="4815705"/>
-            <a:ext cx="6200774" cy="1276350"/>
-          </a:xfrm>
-          <a:prstGeom prst="wedgeRoundRectCallout">
-            <a:avLst>
-              <a:gd name="adj1" fmla="val 64559"/>
-              <a:gd name="adj2" fmla="val 17724"/>
-              <a:gd name="adj3" fmla="val 16667"/>
-            </a:avLst>
-          </a:prstGeom>
-        </p:spPr>
-        <p:style>
-          <a:lnRef idx="2">
-            <a:schemeClr val="accent6"/>
-          </a:lnRef>
-          <a:fillRef idx="1">
-            <a:schemeClr val="lt1"/>
-          </a:fillRef>
-          <a:effectRef idx="0">
-            <a:schemeClr val="accent6"/>
-          </a:effectRef>
-          <a:fontRef idx="minor">
-            <a:schemeClr val="dk1"/>
-          </a:fontRef>
-        </p:style>
-        <p:txBody>
-          <a:bodyPr rtlCol="0" anchor="ctr"/>
-          <a:lstStyle/>
-          <a:p>
-            <a:pPr algn="ctr"/>
-            <a:r>
-              <a:rPr kumimoji="1" lang="ja-JP" altLang="en-US" dirty="0">
-                <a:latin typeface="HG丸ｺﾞｼｯｸM-PRO" panose="020F0600000000000000" pitchFamily="50" charset="-128"/>
-                <a:ea typeface="HG丸ｺﾞｼｯｸM-PRO" panose="020F0600000000000000" pitchFamily="50" charset="-128"/>
-              </a:rPr>
-              <a:t>温厚な人が多い、平和に進みそう・・</a:t>
-            </a:r>
-            <a:endParaRPr kumimoji="1" lang="en-US" altLang="ja-JP" dirty="0">
-              <a:latin typeface="HG丸ｺﾞｼｯｸM-PRO" panose="020F0600000000000000" pitchFamily="50" charset="-128"/>
-              <a:ea typeface="HG丸ｺﾞｼｯｸM-PRO" panose="020F0600000000000000" pitchFamily="50" charset="-128"/>
-            </a:endParaRPr>
-          </a:p>
-          <a:p>
-            <a:pPr algn="ctr"/>
-            <a:r>
-              <a:rPr lang="ja-JP" altLang="en-US" dirty="0">
-                <a:latin typeface="HG丸ｺﾞｼｯｸM-PRO" panose="020F0600000000000000" pitchFamily="50" charset="-128"/>
-                <a:ea typeface="HG丸ｺﾞｼｯｸM-PRO" panose="020F0600000000000000" pitchFamily="50" charset="-128"/>
-              </a:rPr>
-              <a:t>ついでにリーダーの名前をもじってみよう！</a:t>
-            </a:r>
-            <a:endParaRPr kumimoji="1" lang="ja-JP" altLang="en-US" dirty="0">
-              <a:latin typeface="HG丸ｺﾞｼｯｸM-PRO" panose="020F0600000000000000" pitchFamily="50" charset="-128"/>
-              <a:ea typeface="HG丸ｺﾞｼｯｸM-PRO" panose="020F0600000000000000" pitchFamily="50" charset="-128"/>
-            </a:endParaRPr>
-          </a:p>
-        </p:txBody>
-      </p:sp>
       <p:pic>
         <p:nvPicPr>
           <p:cNvPr id="3076" name="Picture 4" descr="無人島のイラスト">
@@ -7353,7 +7219,7 @@
         </p:blipFill>
         <p:spPr bwMode="auto">
           <a:xfrm>
-            <a:off x="9153526" y="4568078"/>
+            <a:off x="9240063" y="4720454"/>
             <a:ext cx="2394058" cy="1771603"/>
           </a:xfrm>
           <a:prstGeom prst="rect">
@@ -7601,10 +7467,160 @@
           </p:pic>
         </mc:Fallback>
       </mc:AlternateContent>
+      <p:pic>
+        <p:nvPicPr>
+          <p:cNvPr id="5" name="図 4">
+            <a:extLst>
+              <a:ext uri="{FF2B5EF4-FFF2-40B4-BE49-F238E27FC236}">
+                <a16:creationId xmlns:a16="http://schemas.microsoft.com/office/drawing/2014/main" id="{D59EED1C-3830-4431-A819-5BC812E14A74}"/>
+              </a:ext>
+            </a:extLst>
+          </p:cNvPr>
+          <p:cNvPicPr>
+            <a:picLocks noChangeAspect="1"/>
+          </p:cNvPicPr>
+          <p:nvPr/>
+        </p:nvPicPr>
+        <p:blipFill>
+          <a:blip r:embed="rId5"/>
+          <a:stretch>
+            <a:fillRect/>
+          </a:stretch>
+        </p:blipFill>
+        <p:spPr>
+          <a:xfrm>
+            <a:off x="6133624" y="2267947"/>
+            <a:ext cx="1165190" cy="1017261"/>
+          </a:xfrm>
+          <a:prstGeom prst="rect">
+            <a:avLst/>
+          </a:prstGeom>
+        </p:spPr>
+      </p:pic>
+      <p:pic>
+        <p:nvPicPr>
+          <p:cNvPr id="7" name="図 6">
+            <a:extLst>
+              <a:ext uri="{FF2B5EF4-FFF2-40B4-BE49-F238E27FC236}">
+                <a16:creationId xmlns:a16="http://schemas.microsoft.com/office/drawing/2014/main" id="{4DEB46DD-5199-4170-990A-E16E56C51A11}"/>
+              </a:ext>
+            </a:extLst>
+          </p:cNvPr>
+          <p:cNvPicPr>
+            <a:picLocks noChangeAspect="1"/>
+          </p:cNvPicPr>
+          <p:nvPr/>
+        </p:nvPicPr>
+        <p:blipFill>
+          <a:blip r:embed="rId6"/>
+          <a:stretch>
+            <a:fillRect/>
+          </a:stretch>
+        </p:blipFill>
+        <p:spPr>
+          <a:xfrm>
+            <a:off x="833230" y="2260825"/>
+            <a:ext cx="1165190" cy="1165190"/>
+          </a:xfrm>
+          <a:prstGeom prst="rect">
+            <a:avLst/>
+          </a:prstGeom>
+        </p:spPr>
+      </p:pic>
+      <p:pic>
+        <p:nvPicPr>
+          <p:cNvPr id="12" name="図 11">
+            <a:extLst>
+              <a:ext uri="{FF2B5EF4-FFF2-40B4-BE49-F238E27FC236}">
+                <a16:creationId xmlns:a16="http://schemas.microsoft.com/office/drawing/2014/main" id="{F6A0071C-338C-45BD-B9CA-EDCDABA0F2A8}"/>
+              </a:ext>
+            </a:extLst>
+          </p:cNvPr>
+          <p:cNvPicPr>
+            <a:picLocks noChangeAspect="1"/>
+          </p:cNvPicPr>
+          <p:nvPr/>
+        </p:nvPicPr>
+        <p:blipFill>
+          <a:blip r:embed="rId7"/>
+          <a:stretch>
+            <a:fillRect/>
+          </a:stretch>
+        </p:blipFill>
+        <p:spPr>
+          <a:xfrm>
+            <a:off x="7074932" y="664889"/>
+            <a:ext cx="1131888" cy="1131888"/>
+          </a:xfrm>
+          <a:prstGeom prst="rect">
+            <a:avLst/>
+          </a:prstGeom>
+        </p:spPr>
+      </p:pic>
+      <p:pic>
+        <p:nvPicPr>
+          <p:cNvPr id="14" name="図 13">
+            <a:extLst>
+              <a:ext uri="{FF2B5EF4-FFF2-40B4-BE49-F238E27FC236}">
+                <a16:creationId xmlns:a16="http://schemas.microsoft.com/office/drawing/2014/main" id="{1D0FD37C-6FCE-4063-922F-F4393D18D211}"/>
+              </a:ext>
+            </a:extLst>
+          </p:cNvPr>
+          <p:cNvPicPr>
+            <a:picLocks noChangeAspect="1"/>
+          </p:cNvPicPr>
+          <p:nvPr/>
+        </p:nvPicPr>
+        <p:blipFill>
+          <a:blip r:embed="rId8"/>
+          <a:stretch>
+            <a:fillRect/>
+          </a:stretch>
+        </p:blipFill>
+        <p:spPr>
+          <a:xfrm rot="19997865">
+            <a:off x="3290135" y="3939959"/>
+            <a:ext cx="1206966" cy="1212378"/>
+          </a:xfrm>
+          <a:prstGeom prst="rect">
+            <a:avLst/>
+          </a:prstGeom>
+        </p:spPr>
+      </p:pic>
+      <p:pic>
+        <p:nvPicPr>
+          <p:cNvPr id="16" name="図 15">
+            <a:extLst>
+              <a:ext uri="{FF2B5EF4-FFF2-40B4-BE49-F238E27FC236}">
+                <a16:creationId xmlns:a16="http://schemas.microsoft.com/office/drawing/2014/main" id="{9EF82703-6286-4BD4-A753-2C28449585ED}"/>
+              </a:ext>
+            </a:extLst>
+          </p:cNvPr>
+          <p:cNvPicPr>
+            <a:picLocks noChangeAspect="1"/>
+          </p:cNvPicPr>
+          <p:nvPr/>
+        </p:nvPicPr>
+        <p:blipFill>
+          <a:blip r:embed="rId9"/>
+          <a:stretch>
+            <a:fillRect/>
+          </a:stretch>
+        </p:blipFill>
+        <p:spPr>
+          <a:xfrm>
+            <a:off x="6096000" y="4371098"/>
+            <a:ext cx="1050992" cy="987769"/>
+          </a:xfrm>
+          <a:prstGeom prst="rect">
+            <a:avLst/>
+          </a:prstGeom>
+        </p:spPr>
+      </p:pic>
     </p:spTree>
     <p:extLst>
       <p:ext uri="{BB962C8B-B14F-4D97-AF65-F5344CB8AC3E}">
-        <p14:creationId xmlns:p14="http://schemas.microsoft.com/office/powerpoint/2010/main" val="2515495109"/>
+        <p14:creationId xmlns:p14="http://schemas.microsoft.com/office/powerpoint/2010/main" val="817066274"/>
       </p:ext>
     </p:extLst>
   </p:cSld>
@@ -8382,97 +8398,6 @@
                       </p:childTnLst>
                     </p:cTn>
                   </p:par>
-                  <p:par>
-                    <p:cTn id="51" fill="hold">
-                      <p:stCondLst>
-                        <p:cond delay="indefinite"/>
-                      </p:stCondLst>
-                      <p:childTnLst>
-                        <p:par>
-                          <p:cTn id="52" fill="hold">
-                            <p:stCondLst>
-                              <p:cond delay="0"/>
-                            </p:stCondLst>
-                            <p:childTnLst>
-                              <p:par>
-                                <p:cTn id="53" presetID="2" presetClass="entr" presetSubtype="4" fill="hold" grpId="0" nodeType="clickEffect">
-                                  <p:stCondLst>
-                                    <p:cond delay="0"/>
-                                  </p:stCondLst>
-                                  <p:childTnLst>
-                                    <p:set>
-                                      <p:cBhvr>
-                                        <p:cTn id="54" dur="1" fill="hold">
-                                          <p:stCondLst>
-                                            <p:cond delay="0"/>
-                                          </p:stCondLst>
-                                        </p:cTn>
-                                        <p:tgtEl>
-                                          <p:spTgt spid="11"/>
-                                        </p:tgtEl>
-                                        <p:attrNameLst>
-                                          <p:attrName>style.visibility</p:attrName>
-                                        </p:attrNameLst>
-                                      </p:cBhvr>
-                                      <p:to>
-                                        <p:strVal val="visible"/>
-                                      </p:to>
-                                    </p:set>
-                                    <p:anim calcmode="lin" valueType="num">
-                                      <p:cBhvr additive="base">
-                                        <p:cTn id="55" dur="500" fill="hold"/>
-                                        <p:tgtEl>
-                                          <p:spTgt spid="11"/>
-                                        </p:tgtEl>
-                                        <p:attrNameLst>
-                                          <p:attrName>ppt_x</p:attrName>
-                                        </p:attrNameLst>
-                                      </p:cBhvr>
-                                      <p:tavLst>
-                                        <p:tav tm="0">
-                                          <p:val>
-                                            <p:strVal val="#ppt_x"/>
-                                          </p:val>
-                                        </p:tav>
-                                        <p:tav tm="100000">
-                                          <p:val>
-                                            <p:strVal val="#ppt_x"/>
-                                          </p:val>
-                                        </p:tav>
-                                      </p:tavLst>
-                                    </p:anim>
-                                    <p:anim calcmode="lin" valueType="num">
-                                      <p:cBhvr additive="base">
-                                        <p:cTn id="56" dur="500" fill="hold"/>
-                                        <p:tgtEl>
-                                          <p:spTgt spid="11"/>
-                                        </p:tgtEl>
-                                        <p:attrNameLst>
-                                          <p:attrName>ppt_y</p:attrName>
-                                        </p:attrNameLst>
-                                      </p:cBhvr>
-                                      <p:tavLst>
-                                        <p:tav tm="0">
-                                          <p:val>
-                                            <p:strVal val="1+#ppt_h/2"/>
-                                          </p:val>
-                                        </p:tav>
-                                        <p:tav tm="100000">
-                                          <p:val>
-                                            <p:strVal val="#ppt_y"/>
-                                          </p:val>
-                                        </p:tav>
-                                      </p:tavLst>
-                                    </p:anim>
-                                  </p:childTnLst>
-                                </p:cTn>
-                              </p:par>
-                            </p:childTnLst>
-                          </p:cTn>
-                        </p:par>
-                      </p:childTnLst>
-                    </p:cTn>
-                  </p:par>
                 </p:childTnLst>
               </p:cTn>
               <p:prevCondLst>
@@ -8500,7 +8425,6 @@
       <p:bldP spid="9" grpId="0" animBg="1"/>
       <p:bldP spid="10" grpId="0" animBg="1"/>
       <p:bldP spid="13" grpId="0" animBg="1"/>
-      <p:bldP spid="11" grpId="0" animBg="1"/>
     </p:bldLst>
   </p:timing>
 </p:sld>
@@ -8648,8 +8572,8 @@
         </p:nvSpPr>
         <p:spPr>
           <a:xfrm>
-            <a:off x="1357312" y="1504155"/>
-            <a:ext cx="9477375" cy="1477328"/>
+            <a:off x="1252434" y="1546852"/>
+            <a:ext cx="4047813" cy="1754326"/>
           </a:xfrm>
           <a:prstGeom prst="rect">
             <a:avLst/>
@@ -8673,12 +8597,32 @@
             <a:endParaRPr kumimoji="1" lang="en-US" altLang="ja-JP" dirty="0"/>
           </a:p>
           <a:p>
+            <a:endParaRPr kumimoji="1" lang="en-US" altLang="ja-JP" dirty="0"/>
+          </a:p>
+          <a:p>
             <a:r>
               <a:rPr lang="ja-JP" altLang="en-US" dirty="0">
                 <a:latin typeface="HG丸ｺﾞｼｯｸM-PRO" panose="020F0600000000000000" pitchFamily="50" charset="-128"/>
                 <a:ea typeface="HG丸ｺﾞｼｯｸM-PRO" panose="020F0600000000000000" pitchFamily="50" charset="-128"/>
               </a:rPr>
-              <a:t>・当初は、理解度の差があり、開発に必要な知識を全員が理解するのに時間がかかった</a:t>
+              <a:t>・知識の</a:t>
+            </a:r>
+            <a:r>
+              <a:rPr lang="ja-JP" altLang="en-US" dirty="0">
+                <a:solidFill>
+                  <a:srgbClr val="FF0000"/>
+                </a:solidFill>
+                <a:latin typeface="HG丸ｺﾞｼｯｸM-PRO" panose="020F0600000000000000" pitchFamily="50" charset="-128"/>
+                <a:ea typeface="HG丸ｺﾞｼｯｸM-PRO" panose="020F0600000000000000" pitchFamily="50" charset="-128"/>
+              </a:rPr>
+              <a:t>理解度に差</a:t>
+            </a:r>
+            <a:r>
+              <a:rPr lang="ja-JP" altLang="en-US" dirty="0">
+                <a:latin typeface="HG丸ｺﾞｼｯｸM-PRO" panose="020F0600000000000000" pitchFamily="50" charset="-128"/>
+                <a:ea typeface="HG丸ｺﾞｼｯｸM-PRO" panose="020F0600000000000000" pitchFamily="50" charset="-128"/>
+              </a:rPr>
+              <a:t>がある！！！</a:t>
             </a:r>
             <a:endParaRPr lang="en-US" altLang="ja-JP" dirty="0">
               <a:latin typeface="HG丸ｺﾞｼｯｸM-PRO" panose="020F0600000000000000" pitchFamily="50" charset="-128"/>
@@ -8697,7 +8641,7 @@
                 <a:latin typeface="HG丸ｺﾞｼｯｸM-PRO" panose="020F0600000000000000" pitchFamily="50" charset="-128"/>
                 <a:ea typeface="HG丸ｺﾞｼｯｸM-PRO" panose="020F0600000000000000" pitchFamily="50" charset="-128"/>
               </a:rPr>
-              <a:t>・知識が足りてない分、自分の意見を言語化できず、相手に伝わらないことがあった</a:t>
+              <a:t>・自分の意見を言語化できない</a:t>
             </a:r>
             <a:endParaRPr lang="en-US" altLang="ja-JP" dirty="0">
               <a:latin typeface="HG丸ｺﾞｼｯｸM-PRO" panose="020F0600000000000000" pitchFamily="50" charset="-128"/>
@@ -8723,7 +8667,7 @@
         </p:nvSpPr>
         <p:spPr>
           <a:xfrm>
-            <a:off x="1781175" y="1054463"/>
+            <a:off x="1514217" y="1165245"/>
             <a:ext cx="2600325" cy="704850"/>
           </a:xfrm>
           <a:prstGeom prst="horizontalScroll">
@@ -8773,8 +8717,8 @@
         </p:nvSpPr>
         <p:spPr>
           <a:xfrm>
-            <a:off x="1357312" y="3318669"/>
-            <a:ext cx="9477375" cy="1477328"/>
+            <a:off x="6234251" y="1573243"/>
+            <a:ext cx="4587531" cy="1754326"/>
           </a:xfrm>
           <a:prstGeom prst="rect">
             <a:avLst/>
@@ -8803,7 +8747,7 @@
                 <a:latin typeface="HG丸ｺﾞｼｯｸM-PRO" panose="020F0600000000000000" pitchFamily="50" charset="-128"/>
                 <a:ea typeface="HG丸ｺﾞｼｯｸM-PRO" panose="020F0600000000000000" pitchFamily="50" charset="-128"/>
               </a:rPr>
-              <a:t>・新しい分野に入る度に一度全体で共有しながら理解度を位置させることにこだわった</a:t>
+              <a:t>・全体で共有し理解度を一致させた</a:t>
             </a:r>
             <a:endParaRPr lang="en-US" altLang="ja-JP" dirty="0">
               <a:latin typeface="HG丸ｺﾞｼｯｸM-PRO" panose="020F0600000000000000" pitchFamily="50" charset="-128"/>
@@ -8811,7 +8755,7 @@
             </a:endParaRPr>
           </a:p>
           <a:p>
-            <a:endParaRPr kumimoji="1" lang="en-US" altLang="ja-JP" dirty="0">
+            <a:endParaRPr lang="en-US" altLang="ja-JP" dirty="0">
               <a:latin typeface="HG丸ｺﾞｼｯｸM-PRO" panose="020F0600000000000000" pitchFamily="50" charset="-128"/>
               <a:ea typeface="HG丸ｺﾞｼｯｸM-PRO" panose="020F0600000000000000" pitchFamily="50" charset="-128"/>
             </a:endParaRPr>
@@ -8822,7 +8766,43 @@
                 <a:latin typeface="HG丸ｺﾞｼｯｸM-PRO" panose="020F0600000000000000" pitchFamily="50" charset="-128"/>
                 <a:ea typeface="HG丸ｺﾞｼｯｸM-PRO" panose="020F0600000000000000" pitchFamily="50" charset="-128"/>
               </a:rPr>
-              <a:t>・一度立ち止まる時間を作り、分からないことを一つ一つ整理しながら話すようにした。また、図解をしてみたり、言語化にこだわらず伝えるように努力した</a:t>
+              <a:t>・分からないことを整理しながら話す</a:t>
+            </a:r>
+            <a:endParaRPr lang="en-US" altLang="ja-JP" dirty="0">
+              <a:latin typeface="HG丸ｺﾞｼｯｸM-PRO" panose="020F0600000000000000" pitchFamily="50" charset="-128"/>
+              <a:ea typeface="HG丸ｺﾞｼｯｸM-PRO" panose="020F0600000000000000" pitchFamily="50" charset="-128"/>
+            </a:endParaRPr>
+          </a:p>
+          <a:p>
+            <a:endParaRPr lang="en-US" altLang="ja-JP" dirty="0">
+              <a:latin typeface="HG丸ｺﾞｼｯｸM-PRO" panose="020F0600000000000000" pitchFamily="50" charset="-128"/>
+              <a:ea typeface="HG丸ｺﾞｼｯｸM-PRO" panose="020F0600000000000000" pitchFamily="50" charset="-128"/>
+            </a:endParaRPr>
+          </a:p>
+          <a:p>
+            <a:r>
+              <a:rPr lang="ja-JP" altLang="en-US" dirty="0">
+                <a:latin typeface="HG丸ｺﾞｼｯｸM-PRO" panose="020F0600000000000000" pitchFamily="50" charset="-128"/>
+                <a:ea typeface="HG丸ｺﾞｼｯｸM-PRO" panose="020F0600000000000000" pitchFamily="50" charset="-128"/>
+              </a:rPr>
+              <a:t>・図解など言語化に</a:t>
+            </a:r>
+            <a:r>
+              <a:rPr lang="ja-JP" altLang="en-US" dirty="0">
+                <a:solidFill>
+                  <a:srgbClr val="FF0000"/>
+                </a:solidFill>
+                <a:latin typeface="HG丸ｺﾞｼｯｸM-PRO" panose="020F0600000000000000" pitchFamily="50" charset="-128"/>
+                <a:ea typeface="HG丸ｺﾞｼｯｸM-PRO" panose="020F0600000000000000" pitchFamily="50" charset="-128"/>
+              </a:rPr>
+              <a:t>こだわらず</a:t>
+            </a:r>
+            <a:r>
+              <a:rPr lang="ja-JP" altLang="en-US" dirty="0">
+                <a:latin typeface="HG丸ｺﾞｼｯｸM-PRO" panose="020F0600000000000000" pitchFamily="50" charset="-128"/>
+                <a:ea typeface="HG丸ｺﾞｼｯｸM-PRO" panose="020F0600000000000000" pitchFamily="50" charset="-128"/>
+              </a:rPr>
+              <a:t>伝える</a:t>
             </a:r>
             <a:endParaRPr kumimoji="1" lang="en-US" altLang="ja-JP" dirty="0"/>
           </a:p>
@@ -8842,7 +8822,7 @@
         </p:nvSpPr>
         <p:spPr>
           <a:xfrm>
-            <a:off x="1781175" y="2966244"/>
+            <a:off x="6434008" y="1142016"/>
             <a:ext cx="2600325" cy="704850"/>
           </a:xfrm>
           <a:prstGeom prst="horizontalScroll">
@@ -8896,8 +8876,8 @@
         </p:nvSpPr>
         <p:spPr>
           <a:xfrm>
-            <a:off x="1357312" y="5133183"/>
-            <a:ext cx="9477375" cy="1200329"/>
+            <a:off x="1964541" y="4399341"/>
+            <a:ext cx="8539421" cy="2062103"/>
           </a:xfrm>
           <a:prstGeom prst="rect">
             <a:avLst/>
@@ -8918,24 +8898,57 @@
           </a:bodyPr>
           <a:lstStyle/>
           <a:p>
-            <a:endParaRPr kumimoji="1" lang="en-US" altLang="ja-JP" dirty="0"/>
-          </a:p>
-          <a:p>
-            <a:endParaRPr lang="en-US" altLang="ja-JP" dirty="0"/>
-          </a:p>
-          <a:p>
-            <a:r>
-              <a:rPr lang="ja-JP" altLang="en-US" dirty="0">
+            <a:endParaRPr lang="en-US" altLang="ja-JP" sz="3200" dirty="0"/>
+          </a:p>
+          <a:p>
+            <a:r>
+              <a:rPr lang="ja-JP" altLang="en-US" sz="3200" dirty="0">
                 <a:latin typeface="HG丸ｺﾞｼｯｸM-PRO" panose="020F0600000000000000" pitchFamily="50" charset="-128"/>
                 <a:ea typeface="HG丸ｺﾞｼｯｸM-PRO" panose="020F0600000000000000" pitchFamily="50" charset="-128"/>
               </a:rPr>
-              <a:t>・疑問点を一つ一つ解決する時間があったおかげで、だんだん自分の分からない点を言語化できるようになった</a:t>
-            </a:r>
-            <a:endParaRPr lang="en-US" altLang="ja-JP" dirty="0">
+              <a:t>・自分の疑問点を言語化できるようになった</a:t>
+            </a:r>
+            <a:endParaRPr lang="en-US" altLang="ja-JP" sz="3200" dirty="0">
               <a:latin typeface="HG丸ｺﾞｼｯｸM-PRO" panose="020F0600000000000000" pitchFamily="50" charset="-128"/>
               <a:ea typeface="HG丸ｺﾞｼｯｸM-PRO" panose="020F0600000000000000" pitchFamily="50" charset="-128"/>
             </a:endParaRPr>
           </a:p>
+          <a:p>
+            <a:endParaRPr lang="en-US" altLang="ja-JP" sz="3200" dirty="0">
+              <a:latin typeface="HG丸ｺﾞｼｯｸM-PRO" panose="020F0600000000000000" pitchFamily="50" charset="-128"/>
+              <a:ea typeface="HG丸ｺﾞｼｯｸM-PRO" panose="020F0600000000000000" pitchFamily="50" charset="-128"/>
+            </a:endParaRPr>
+          </a:p>
+          <a:p>
+            <a:r>
+              <a:rPr lang="ja-JP" altLang="en-US" sz="3200" dirty="0">
+                <a:latin typeface="HG丸ｺﾞｼｯｸM-PRO" panose="020F0600000000000000" pitchFamily="50" charset="-128"/>
+                <a:ea typeface="HG丸ｺﾞｼｯｸM-PRO" panose="020F0600000000000000" pitchFamily="50" charset="-128"/>
+              </a:rPr>
+              <a:t>・</a:t>
+            </a:r>
+            <a:r>
+              <a:rPr lang="ja-JP" altLang="en-US" sz="3200" dirty="0">
+                <a:solidFill>
+                  <a:srgbClr val="FF0000"/>
+                </a:solidFill>
+                <a:latin typeface="HG丸ｺﾞｼｯｸM-PRO" panose="020F0600000000000000" pitchFamily="50" charset="-128"/>
+                <a:ea typeface="HG丸ｺﾞｼｯｸM-PRO" panose="020F0600000000000000" pitchFamily="50" charset="-128"/>
+              </a:rPr>
+              <a:t>チーム全体</a:t>
+            </a:r>
+            <a:r>
+              <a:rPr lang="ja-JP" altLang="en-US" sz="3200" dirty="0">
+                <a:latin typeface="HG丸ｺﾞｼｯｸM-PRO" panose="020F0600000000000000" pitchFamily="50" charset="-128"/>
+                <a:ea typeface="HG丸ｺﾞｼｯｸM-PRO" panose="020F0600000000000000" pitchFamily="50" charset="-128"/>
+              </a:rPr>
+              <a:t>での理解度の底上げができた</a:t>
+            </a:r>
+            <a:endParaRPr lang="en-US" altLang="ja-JP" sz="3200" dirty="0">
+              <a:latin typeface="HG丸ｺﾞｼｯｸM-PRO" panose="020F0600000000000000" pitchFamily="50" charset="-128"/>
+              <a:ea typeface="HG丸ｺﾞｼｯｸM-PRO" panose="020F0600000000000000" pitchFamily="50" charset="-128"/>
+            </a:endParaRPr>
+          </a:p>
         </p:txBody>
       </p:sp>
       <p:sp>
@@ -8952,7 +8965,7 @@
         </p:nvSpPr>
         <p:spPr>
           <a:xfrm>
-            <a:off x="1759858" y="4815138"/>
+            <a:off x="2332477" y="4002785"/>
             <a:ext cx="2600325" cy="704850"/>
           </a:xfrm>
           <a:prstGeom prst="horizontalScroll">
@@ -9039,10 +9052,64 @@
           </p:pic>
         </mc:Fallback>
       </mc:AlternateContent>
+      <p:sp>
+        <p:nvSpPr>
+          <p:cNvPr id="3" name="矢印: 下 2">
+            <a:extLst>
+              <a:ext uri="{FF2B5EF4-FFF2-40B4-BE49-F238E27FC236}">
+                <a16:creationId xmlns:a16="http://schemas.microsoft.com/office/drawing/2014/main" id="{CB4F7781-E3DB-4F14-A5C8-245E0B975D95}"/>
+              </a:ext>
+            </a:extLst>
+          </p:cNvPr>
+          <p:cNvSpPr/>
+          <p:nvPr/>
+        </p:nvSpPr>
+        <p:spPr>
+          <a:xfrm>
+            <a:off x="5036437" y="3429000"/>
+            <a:ext cx="1516225" cy="810522"/>
+          </a:xfrm>
+          <a:prstGeom prst="downArrow">
+            <a:avLst/>
+          </a:prstGeom>
+          <a:solidFill>
+            <a:srgbClr val="FF0000"/>
+          </a:solidFill>
+          <a:ln>
+            <a:solidFill>
+              <a:srgbClr val="FF0000"/>
+            </a:solidFill>
+          </a:ln>
+        </p:spPr>
+        <p:style>
+          <a:lnRef idx="2">
+            <a:schemeClr val="accent2">
+              <a:shade val="50000"/>
+            </a:schemeClr>
+          </a:lnRef>
+          <a:fillRef idx="1">
+            <a:schemeClr val="accent2"/>
+          </a:fillRef>
+          <a:effectRef idx="0">
+            <a:schemeClr val="accent2"/>
+          </a:effectRef>
+          <a:fontRef idx="minor">
+            <a:schemeClr val="lt1"/>
+          </a:fontRef>
+        </p:style>
+        <p:txBody>
+          <a:bodyPr rtlCol="0" anchor="ctr"/>
+          <a:lstStyle/>
+          <a:p>
+            <a:pPr algn="ctr"/>
+            <a:endParaRPr kumimoji="1" lang="ja-JP" altLang="en-US" dirty="0"/>
+          </a:p>
+        </p:txBody>
+      </p:sp>
     </p:spTree>
     <p:extLst>
       <p:ext uri="{BB962C8B-B14F-4D97-AF65-F5344CB8AC3E}">
-        <p14:creationId xmlns:p14="http://schemas.microsoft.com/office/powerpoint/2010/main" val="2079460132"/>
+        <p14:creationId xmlns:p14="http://schemas.microsoft.com/office/powerpoint/2010/main" val="847381589"/>
       </p:ext>
     </p:extLst>
   </p:cSld>
@@ -9188,7 +9255,7 @@
                             </p:stCondLst>
                             <p:childTnLst>
                               <p:par>
-                                <p:cTn id="15" presetID="16" presetClass="entr" presetSubtype="21" fill="hold" grpId="0" nodeType="clickEffect">
+                                <p:cTn id="15" presetID="2" presetClass="entr" presetSubtype="4" fill="hold" grpId="0" nodeType="clickEffect">
                                   <p:stCondLst>
                                     <p:cond delay="0"/>
                                   </p:stCondLst>
@@ -9196,6 +9263,97 @@
                                     <p:set>
                                       <p:cBhvr>
                                         <p:cTn id="16" dur="1" fill="hold">
+                                          <p:stCondLst>
+                                            <p:cond delay="0"/>
+                                          </p:stCondLst>
+                                        </p:cTn>
+                                        <p:tgtEl>
+                                          <p:spTgt spid="3"/>
+                                        </p:tgtEl>
+                                        <p:attrNameLst>
+                                          <p:attrName>style.visibility</p:attrName>
+                                        </p:attrNameLst>
+                                      </p:cBhvr>
+                                      <p:to>
+                                        <p:strVal val="visible"/>
+                                      </p:to>
+                                    </p:set>
+                                    <p:anim calcmode="lin" valueType="num">
+                                      <p:cBhvr additive="base">
+                                        <p:cTn id="17" dur="500" fill="hold"/>
+                                        <p:tgtEl>
+                                          <p:spTgt spid="3"/>
+                                        </p:tgtEl>
+                                        <p:attrNameLst>
+                                          <p:attrName>ppt_x</p:attrName>
+                                        </p:attrNameLst>
+                                      </p:cBhvr>
+                                      <p:tavLst>
+                                        <p:tav tm="0">
+                                          <p:val>
+                                            <p:strVal val="#ppt_x"/>
+                                          </p:val>
+                                        </p:tav>
+                                        <p:tav tm="100000">
+                                          <p:val>
+                                            <p:strVal val="#ppt_x"/>
+                                          </p:val>
+                                        </p:tav>
+                                      </p:tavLst>
+                                    </p:anim>
+                                    <p:anim calcmode="lin" valueType="num">
+                                      <p:cBhvr additive="base">
+                                        <p:cTn id="18" dur="500" fill="hold"/>
+                                        <p:tgtEl>
+                                          <p:spTgt spid="3"/>
+                                        </p:tgtEl>
+                                        <p:attrNameLst>
+                                          <p:attrName>ppt_y</p:attrName>
+                                        </p:attrNameLst>
+                                      </p:cBhvr>
+                                      <p:tavLst>
+                                        <p:tav tm="0">
+                                          <p:val>
+                                            <p:strVal val="1+#ppt_h/2"/>
+                                          </p:val>
+                                        </p:tav>
+                                        <p:tav tm="100000">
+                                          <p:val>
+                                            <p:strVal val="#ppt_y"/>
+                                          </p:val>
+                                        </p:tav>
+                                      </p:tavLst>
+                                    </p:anim>
+                                  </p:childTnLst>
+                                </p:cTn>
+                              </p:par>
+                            </p:childTnLst>
+                          </p:cTn>
+                        </p:par>
+                      </p:childTnLst>
+                    </p:cTn>
+                  </p:par>
+                  <p:par>
+                    <p:cTn id="19" fill="hold">
+                      <p:stCondLst>
+                        <p:cond delay="indefinite"/>
+                      </p:stCondLst>
+                      <p:childTnLst>
+                        <p:par>
+                          <p:cTn id="20" fill="hold">
+                            <p:stCondLst>
+                              <p:cond delay="0"/>
+                            </p:stCondLst>
+                            <p:childTnLst>
+                              <p:par>
+                                <p:cTn id="21" presetID="16" presetClass="entr" presetSubtype="21" fill="hold" grpId="0" nodeType="clickEffect">
+                                  <p:stCondLst>
+                                    <p:cond delay="0"/>
+                                  </p:stCondLst>
+                                  <p:childTnLst>
+                                    <p:set>
+                                      <p:cBhvr>
+                                        <p:cTn id="22" dur="1" fill="hold">
                                           <p:stCondLst>
                                             <p:cond delay="0"/>
                                           </p:stCondLst>
@@ -9213,7 +9371,7 @@
                                     </p:set>
                                     <p:animEffect transition="in" filter="barn(inVertical)">
                                       <p:cBhvr>
-                                        <p:cTn id="17" dur="500"/>
+                                        <p:cTn id="23" dur="500"/>
                                         <p:tgtEl>
                                           <p:spTgt spid="11"/>
                                         </p:tgtEl>
@@ -9253,6 +9411,7 @@
       <p:bldP spid="8" grpId="0" animBg="1"/>
       <p:bldP spid="9" grpId="0" animBg="1"/>
       <p:bldP spid="11" grpId="0" animBg="1"/>
+      <p:bldP spid="3" grpId="0" animBg="1"/>
     </p:bldLst>
   </p:timing>
 </p:sld>
@@ -9406,7 +9565,7 @@
         </p:nvSpPr>
         <p:spPr>
           <a:xfrm>
-            <a:off x="2924176" y="781050"/>
+            <a:off x="2924176" y="1220405"/>
             <a:ext cx="8591550" cy="738664"/>
           </a:xfrm>
           <a:prstGeom prst="rect">
@@ -9457,8 +9616,8 @@
         </p:nvSpPr>
         <p:spPr>
           <a:xfrm>
-            <a:off x="3409950" y="1325324"/>
-            <a:ext cx="7600950" cy="369332"/>
+            <a:off x="3409950" y="1764679"/>
+            <a:ext cx="7600950" cy="646331"/>
           </a:xfrm>
           <a:prstGeom prst="rect">
             <a:avLst/>
@@ -9476,7 +9635,20 @@
                 <a:latin typeface="HG丸ｺﾞｼｯｸM-PRO" panose="020F0600000000000000" pitchFamily="50" charset="-128"/>
                 <a:ea typeface="HG丸ｺﾞｼｯｸM-PRO" panose="020F0600000000000000" pitchFamily="50" charset="-128"/>
               </a:rPr>
-              <a:t>開発スケジュールとメンバーの技術に対する理解度のバランス調整。</a:t>
+              <a:t>問題点や複雑な処理についてグループに説明する際に</a:t>
+            </a:r>
+            <a:endParaRPr kumimoji="1" lang="en-US" altLang="ja-JP" dirty="0">
+              <a:latin typeface="HG丸ｺﾞｼｯｸM-PRO" panose="020F0600000000000000" pitchFamily="50" charset="-128"/>
+              <a:ea typeface="HG丸ｺﾞｼｯｸM-PRO" panose="020F0600000000000000" pitchFamily="50" charset="-128"/>
+            </a:endParaRPr>
+          </a:p>
+          <a:p>
+            <a:r>
+              <a:rPr kumimoji="1" lang="ja-JP" altLang="en-US" dirty="0">
+                <a:latin typeface="HG丸ｺﾞｼｯｸM-PRO" panose="020F0600000000000000" pitchFamily="50" charset="-128"/>
+                <a:ea typeface="HG丸ｺﾞｼｯｸM-PRO" panose="020F0600000000000000" pitchFamily="50" charset="-128"/>
+              </a:rPr>
+              <a:t>上手く噛み砕いて説明することが難しい</a:t>
             </a:r>
           </a:p>
         </p:txBody>
@@ -9495,7 +9667,7 @@
         </p:nvSpPr>
         <p:spPr>
           <a:xfrm>
-            <a:off x="2924176" y="2110263"/>
+            <a:off x="2924176" y="2906950"/>
             <a:ext cx="7410450" cy="461665"/>
           </a:xfrm>
           <a:prstGeom prst="rect">
@@ -9543,7 +9715,7 @@
         </p:nvSpPr>
         <p:spPr>
           <a:xfrm>
-            <a:off x="3409950" y="2630028"/>
+            <a:off x="3409950" y="3426715"/>
             <a:ext cx="7753350" cy="646331"/>
           </a:xfrm>
           <a:prstGeom prst="rect">
@@ -9562,8 +9734,32 @@
                 <a:latin typeface="HG丸ｺﾞｼｯｸM-PRO" panose="020F0600000000000000" pitchFamily="50" charset="-128"/>
                 <a:ea typeface="HG丸ｺﾞｼｯｸM-PRO" panose="020F0600000000000000" pitchFamily="50" charset="-128"/>
               </a:rPr>
-              <a:t>難しいファイルの作成を全員で共有しながら行って理解度を深め、その後分担作業にして時短を狙いつつも全員がアウトプットできるようにした。</a:t>
-            </a:r>
+              <a:t>その処理までの流れやその処理で何がしたいのかといった</a:t>
+            </a:r>
+            <a:r>
+              <a:rPr lang="ja-JP" altLang="en-US" dirty="0">
+                <a:latin typeface="HG丸ｺﾞｼｯｸM-PRO" panose="020F0600000000000000" pitchFamily="50" charset="-128"/>
+                <a:ea typeface="HG丸ｺﾞｼｯｸM-PRO" panose="020F0600000000000000" pitchFamily="50" charset="-128"/>
+              </a:rPr>
+              <a:t>ことを</a:t>
+            </a:r>
+            <a:endParaRPr lang="en-US" altLang="ja-JP" dirty="0">
+              <a:latin typeface="HG丸ｺﾞｼｯｸM-PRO" panose="020F0600000000000000" pitchFamily="50" charset="-128"/>
+              <a:ea typeface="HG丸ｺﾞｼｯｸM-PRO" panose="020F0600000000000000" pitchFamily="50" charset="-128"/>
+            </a:endParaRPr>
+          </a:p>
+          <a:p>
+            <a:r>
+              <a:rPr lang="ja-JP" altLang="en-US" dirty="0">
+                <a:latin typeface="HG丸ｺﾞｼｯｸM-PRO" panose="020F0600000000000000" pitchFamily="50" charset="-128"/>
+                <a:ea typeface="HG丸ｺﾞｼｯｸM-PRO" panose="020F0600000000000000" pitchFamily="50" charset="-128"/>
+              </a:rPr>
+              <a:t>復習した上でこう記述しようと提案する</a:t>
+            </a:r>
+            <a:endParaRPr kumimoji="1" lang="en-US" altLang="ja-JP" dirty="0">
+              <a:latin typeface="HG丸ｺﾞｼｯｸM-PRO" panose="020F0600000000000000" pitchFamily="50" charset="-128"/>
+              <a:ea typeface="HG丸ｺﾞｼｯｸM-PRO" panose="020F0600000000000000" pitchFamily="50" charset="-128"/>
+            </a:endParaRPr>
           </a:p>
         </p:txBody>
       </p:sp>
@@ -9581,7 +9777,7 @@
         </p:nvSpPr>
         <p:spPr>
           <a:xfrm>
-            <a:off x="2990851" y="3364542"/>
+            <a:off x="2990851" y="4593153"/>
             <a:ext cx="7410450" cy="461665"/>
           </a:xfrm>
           <a:prstGeom prst="rect">
@@ -9629,7 +9825,7 @@
         </p:nvSpPr>
         <p:spPr>
           <a:xfrm>
-            <a:off x="3409950" y="3934733"/>
+            <a:off x="3409950" y="5163344"/>
             <a:ext cx="7610477" cy="369332"/>
           </a:xfrm>
           <a:prstGeom prst="rect">
@@ -9644,25 +9840,21 @@
           <a:lstStyle/>
           <a:p>
             <a:r>
-              <a:rPr lang="ja-JP" altLang="en-US" dirty="0">
+              <a:rPr kumimoji="1" lang="ja-JP" altLang="en-US" dirty="0">
                 <a:latin typeface="HG丸ｺﾞｼｯｸM-PRO" panose="020F0600000000000000" pitchFamily="50" charset="-128"/>
                 <a:ea typeface="HG丸ｺﾞｼｯｸM-PRO" panose="020F0600000000000000" pitchFamily="50" charset="-128"/>
               </a:rPr>
-              <a:t>何よりもコミュニケーション能力。</a:t>
-            </a:r>
-            <a:endParaRPr lang="en-US" altLang="ja-JP" dirty="0">
-              <a:latin typeface="HG丸ｺﾞｼｯｸM-PRO" panose="020F0600000000000000" pitchFamily="50" charset="-128"/>
-              <a:ea typeface="HG丸ｺﾞｼｯｸM-PRO" panose="020F0600000000000000" pitchFamily="50" charset="-128"/>
-            </a:endParaRPr>
-          </a:p>
-        </p:txBody>
-      </p:sp>
-      <p:sp>
-        <p:nvSpPr>
-          <p:cNvPr id="13" name="テキスト ボックス 12">
-            <a:extLst>
-              <a:ext uri="{FF2B5EF4-FFF2-40B4-BE49-F238E27FC236}">
-                <a16:creationId xmlns:a16="http://schemas.microsoft.com/office/drawing/2014/main" id="{A6CA4B9A-A3B6-4F35-8389-02654467E163}"/>
+              <a:t>自分の記述したコードについて説明する能力</a:t>
+            </a:r>
+          </a:p>
+        </p:txBody>
+      </p:sp>
+      <p:sp>
+        <p:nvSpPr>
+          <p:cNvPr id="8" name="テキスト ボックス 7">
+            <a:extLst>
+              <a:ext uri="{FF2B5EF4-FFF2-40B4-BE49-F238E27FC236}">
+                <a16:creationId xmlns:a16="http://schemas.microsoft.com/office/drawing/2014/main" id="{FA89B8B3-AA79-43B5-83C2-82538ED64424}"/>
               </a:ext>
             </a:extLst>
           </p:cNvPr>
@@ -9671,8 +9863,8 @@
         </p:nvSpPr>
         <p:spPr>
           <a:xfrm>
-            <a:off x="2990851" y="4727619"/>
-            <a:ext cx="7410450" cy="461665"/>
+            <a:off x="682225" y="4030463"/>
+            <a:ext cx="1200152" cy="923330"/>
           </a:xfrm>
           <a:prstGeom prst="rect">
             <a:avLst/>
@@ -9686,101 +9878,24 @@
           <a:lstStyle/>
           <a:p>
             <a:r>
-              <a:rPr lang="ja-JP" altLang="en-US" sz="2400" dirty="0">
-                <a:solidFill>
-                  <a:srgbClr val="FF0000"/>
-                </a:solidFill>
-                <a:latin typeface="HG丸ｺﾞｼｯｸM-PRO" panose="020F0600000000000000" pitchFamily="50" charset="-128"/>
-                <a:ea typeface="HG丸ｺﾞｼｯｸM-PRO" panose="020F0600000000000000" pitchFamily="50" charset="-128"/>
-              </a:rPr>
-              <a:t>▷今後の目標</a:t>
-            </a:r>
-            <a:endParaRPr kumimoji="1" lang="ja-JP" altLang="en-US" sz="2400" dirty="0">
-              <a:solidFill>
-                <a:srgbClr val="FF0000"/>
-              </a:solidFill>
-              <a:latin typeface="HG丸ｺﾞｼｯｸM-PRO" panose="020F0600000000000000" pitchFamily="50" charset="-128"/>
-              <a:ea typeface="HG丸ｺﾞｼｯｸM-PRO" panose="020F0600000000000000" pitchFamily="50" charset="-128"/>
-            </a:endParaRPr>
-          </a:p>
-        </p:txBody>
-      </p:sp>
-      <p:sp>
-        <p:nvSpPr>
-          <p:cNvPr id="14" name="テキスト ボックス 13">
-            <a:extLst>
-              <a:ext uri="{FF2B5EF4-FFF2-40B4-BE49-F238E27FC236}">
-                <a16:creationId xmlns:a16="http://schemas.microsoft.com/office/drawing/2014/main" id="{F5B26454-7CD7-4F9F-8B12-734A0F74B5F2}"/>
-              </a:ext>
-            </a:extLst>
-          </p:cNvPr>
-          <p:cNvSpPr txBox="1"/>
-          <p:nvPr/>
-        </p:nvSpPr>
-        <p:spPr>
-          <a:xfrm>
-            <a:off x="3409950" y="5306264"/>
-            <a:ext cx="7410450" cy="646331"/>
-          </a:xfrm>
-          <a:prstGeom prst="rect">
-            <a:avLst/>
-          </a:prstGeom>
-          <a:noFill/>
-        </p:spPr>
-        <p:txBody>
-          <a:bodyPr wrap="square" rtlCol="0">
-            <a:spAutoFit/>
-          </a:bodyPr>
-          <a:lstStyle/>
-          <a:p>
-            <a:r>
               <a:rPr lang="ja-JP" altLang="en-US" dirty="0">
                 <a:latin typeface="HG丸ｺﾞｼｯｸM-PRO" panose="020F0600000000000000" pitchFamily="50" charset="-128"/>
                 <a:ea typeface="HG丸ｺﾞｼｯｸM-PRO" panose="020F0600000000000000" pitchFamily="50" charset="-128"/>
               </a:rPr>
-              <a:t>バグを見つけても対処法が分からないケースが多かったので、そのあたりのノウハウをもっとつけていきたい。</a:t>
-            </a:r>
-            <a:endParaRPr kumimoji="1" lang="ja-JP" altLang="en-US" dirty="0">
+              <a:t>構成管理</a:t>
+            </a:r>
+            <a:endParaRPr lang="en-US" altLang="ja-JP" dirty="0">
               <a:latin typeface="HG丸ｺﾞｼｯｸM-PRO" panose="020F0600000000000000" pitchFamily="50" charset="-128"/>
               <a:ea typeface="HG丸ｺﾞｼｯｸM-PRO" panose="020F0600000000000000" pitchFamily="50" charset="-128"/>
             </a:endParaRPr>
           </a:p>
-        </p:txBody>
-      </p:sp>
-      <p:sp>
-        <p:nvSpPr>
-          <p:cNvPr id="8" name="テキスト ボックス 7">
-            <a:extLst>
-              <a:ext uri="{FF2B5EF4-FFF2-40B4-BE49-F238E27FC236}">
-                <a16:creationId xmlns:a16="http://schemas.microsoft.com/office/drawing/2014/main" id="{FA89B8B3-AA79-43B5-83C2-82538ED64424}"/>
-              </a:ext>
-            </a:extLst>
-          </p:cNvPr>
-          <p:cNvSpPr txBox="1"/>
-          <p:nvPr/>
-        </p:nvSpPr>
-        <p:spPr>
-          <a:xfrm>
-            <a:off x="671511" y="4265559"/>
-            <a:ext cx="1200152" cy="646331"/>
-          </a:xfrm>
-          <a:prstGeom prst="rect">
-            <a:avLst/>
-          </a:prstGeom>
-          <a:noFill/>
-        </p:spPr>
-        <p:txBody>
-          <a:bodyPr wrap="square" rtlCol="0">
-            <a:spAutoFit/>
-          </a:bodyPr>
-          <a:lstStyle/>
-          <a:p>
-            <a:r>
-              <a:rPr lang="ja-JP" altLang="en-US" dirty="0">
+          <a:p>
+            <a:r>
+              <a:rPr kumimoji="1" lang="ja-JP" altLang="en-US" dirty="0">
                 <a:latin typeface="HG丸ｺﾞｼｯｸM-PRO" panose="020F0600000000000000" pitchFamily="50" charset="-128"/>
                 <a:ea typeface="HG丸ｺﾞｼｯｸM-PRO" panose="020F0600000000000000" pitchFamily="50" charset="-128"/>
               </a:rPr>
-              <a:t>リーダー</a:t>
+              <a:t>品質管理</a:t>
             </a:r>
             <a:endParaRPr kumimoji="1" lang="en-US" altLang="ja-JP" dirty="0">
               <a:latin typeface="HG丸ｺﾞｼｯｸM-PRO" panose="020F0600000000000000" pitchFamily="50" charset="-128"/>
@@ -9793,17 +9908,17 @@
                 <a:latin typeface="HG丸ｺﾞｼｯｸM-PRO" panose="020F0600000000000000" pitchFamily="50" charset="-128"/>
                 <a:ea typeface="HG丸ｺﾞｼｯｸM-PRO" panose="020F0600000000000000" pitchFamily="50" charset="-128"/>
               </a:rPr>
-              <a:t>やじま</a:t>
+              <a:t>こんどう</a:t>
             </a:r>
           </a:p>
         </p:txBody>
       </p:sp>
       <p:pic>
         <p:nvPicPr>
-          <p:cNvPr id="6146" name="Picture 2" descr="男性の顔アイコン 4">
-            <a:extLst>
-              <a:ext uri="{FF2B5EF4-FFF2-40B4-BE49-F238E27FC236}">
-                <a16:creationId xmlns:a16="http://schemas.microsoft.com/office/drawing/2014/main" id="{E0C6905F-49EB-47F3-BFA2-DC36BC083437}"/>
+          <p:cNvPr id="7170" name="Picture 2" descr="象のアイコン">
+            <a:extLst>
+              <a:ext uri="{FF2B5EF4-FFF2-40B4-BE49-F238E27FC236}">
+                <a16:creationId xmlns:a16="http://schemas.microsoft.com/office/drawing/2014/main" id="{E0F73C17-1DF3-41F2-B6D5-B90D3AE5AEE3}"/>
               </a:ext>
             </a:extLst>
           </p:cNvPr>
@@ -9827,8 +9942,8 @@
         </p:blipFill>
         <p:spPr bwMode="auto">
           <a:xfrm>
-            <a:off x="485776" y="5013608"/>
-            <a:ext cx="1323975" cy="1323975"/>
+            <a:off x="490935" y="4889501"/>
+            <a:ext cx="1389855" cy="1389855"/>
           </a:xfrm>
           <a:prstGeom prst="rect">
             <a:avLst/>
@@ -9848,7 +9963,7 @@
     </p:spTree>
     <p:extLst>
       <p:ext uri="{BB962C8B-B14F-4D97-AF65-F5344CB8AC3E}">
-        <p14:creationId xmlns:p14="http://schemas.microsoft.com/office/powerpoint/2010/main" val="621248268"/>
+        <p14:creationId xmlns:p14="http://schemas.microsoft.com/office/powerpoint/2010/main" val="3288196040"/>
       </p:ext>
     </p:extLst>
   </p:cSld>
@@ -10006,7 +10121,7 @@
         </p:nvSpPr>
         <p:spPr>
           <a:xfrm>
-            <a:off x="2924176" y="781050"/>
+            <a:off x="2924176" y="894030"/>
             <a:ext cx="8591550" cy="738664"/>
           </a:xfrm>
           <a:prstGeom prst="rect">
@@ -10057,7 +10172,7 @@
         </p:nvSpPr>
         <p:spPr>
           <a:xfrm>
-            <a:off x="3409950" y="1325324"/>
+            <a:off x="3333750" y="1646208"/>
             <a:ext cx="7600950" cy="646331"/>
           </a:xfrm>
           <a:prstGeom prst="rect">
@@ -10076,22 +10191,41 @@
                 <a:latin typeface="HG丸ｺﾞｼｯｸM-PRO" panose="020F0600000000000000" pitchFamily="50" charset="-128"/>
                 <a:ea typeface="HG丸ｺﾞｼｯｸM-PRO" panose="020F0600000000000000" pitchFamily="50" charset="-128"/>
               </a:rPr>
-              <a:t>問題点や複雑な処理についてグループに説明する際に</a:t>
+              <a:t>データベースを介する情報の受け渡しのイメージが名刺管理アプリで扱ったものの理解程度。</a:t>
+            </a:r>
+            <a:r>
+              <a:rPr kumimoji="1" lang="en-US" altLang="ja-JP" dirty="0">
+                <a:latin typeface="HG丸ｺﾞｼｯｸM-PRO" panose="020F0600000000000000" pitchFamily="50" charset="-128"/>
+                <a:ea typeface="HG丸ｺﾞｼｯｸM-PRO" panose="020F0600000000000000" pitchFamily="50" charset="-128"/>
+              </a:rPr>
+              <a:t>DAO</a:t>
+            </a:r>
+            <a:r>
+              <a:rPr kumimoji="1" lang="ja-JP" altLang="en-US" dirty="0">
+                <a:latin typeface="HG丸ｺﾞｼｯｸM-PRO" panose="020F0600000000000000" pitchFamily="50" charset="-128"/>
+                <a:ea typeface="HG丸ｺﾞｼｯｸM-PRO" panose="020F0600000000000000" pitchFamily="50" charset="-128"/>
+              </a:rPr>
+              <a:t>の構文は</a:t>
+            </a:r>
+            <a:r>
+              <a:rPr kumimoji="1" lang="en-US" altLang="ja-JP" dirty="0">
+                <a:latin typeface="HG丸ｺﾞｼｯｸM-PRO" panose="020F0600000000000000" pitchFamily="50" charset="-128"/>
+                <a:ea typeface="HG丸ｺﾞｼｯｸM-PRO" panose="020F0600000000000000" pitchFamily="50" charset="-128"/>
+              </a:rPr>
+              <a:t>5</a:t>
+            </a:r>
+            <a:r>
+              <a:rPr kumimoji="1" lang="ja-JP" altLang="en-US" dirty="0">
+                <a:latin typeface="HG丸ｺﾞｼｯｸM-PRO" panose="020F0600000000000000" pitchFamily="50" charset="-128"/>
+                <a:ea typeface="HG丸ｺﾞｼｯｸM-PRO" panose="020F0600000000000000" pitchFamily="50" charset="-128"/>
+              </a:rPr>
+              <a:t>割程度の理解度。</a:t>
             </a:r>
             <a:endParaRPr kumimoji="1" lang="en-US" altLang="ja-JP" dirty="0">
               <a:latin typeface="HG丸ｺﾞｼｯｸM-PRO" panose="020F0600000000000000" pitchFamily="50" charset="-128"/>
               <a:ea typeface="HG丸ｺﾞｼｯｸM-PRO" panose="020F0600000000000000" pitchFamily="50" charset="-128"/>
             </a:endParaRPr>
           </a:p>
-          <a:p>
-            <a:r>
-              <a:rPr kumimoji="1" lang="ja-JP" altLang="en-US" dirty="0">
-                <a:latin typeface="HG丸ｺﾞｼｯｸM-PRO" panose="020F0600000000000000" pitchFamily="50" charset="-128"/>
-                <a:ea typeface="HG丸ｺﾞｼｯｸM-PRO" panose="020F0600000000000000" pitchFamily="50" charset="-128"/>
-              </a:rPr>
-              <a:t>上手く噛み砕いて説明することが難しい</a:t>
-            </a:r>
-          </a:p>
         </p:txBody>
       </p:sp>
       <p:sp>
@@ -10108,7 +10242,7 @@
         </p:nvSpPr>
         <p:spPr>
           <a:xfrm>
-            <a:off x="2924176" y="2110263"/>
+            <a:off x="2847976" y="2637931"/>
             <a:ext cx="7410450" cy="461665"/>
           </a:xfrm>
           <a:prstGeom prst="rect">
@@ -10156,7 +10290,7 @@
         </p:nvSpPr>
         <p:spPr>
           <a:xfrm>
-            <a:off x="3409950" y="2630028"/>
+            <a:off x="3257550" y="3355071"/>
             <a:ext cx="7753350" cy="646331"/>
           </a:xfrm>
           <a:prstGeom prst="rect">
@@ -10171,36 +10305,19 @@
           <a:lstStyle/>
           <a:p>
             <a:r>
+              <a:rPr kumimoji="1" lang="en-US" altLang="ja-JP" dirty="0">
+                <a:latin typeface="HG丸ｺﾞｼｯｸM-PRO" panose="020F0600000000000000" pitchFamily="50" charset="-128"/>
+                <a:ea typeface="HG丸ｺﾞｼｯｸM-PRO" panose="020F0600000000000000" pitchFamily="50" charset="-128"/>
+              </a:rPr>
+              <a:t>DAO</a:t>
+            </a:r>
+            <a:r>
               <a:rPr kumimoji="1" lang="ja-JP" altLang="en-US" dirty="0">
                 <a:latin typeface="HG丸ｺﾞｼｯｸM-PRO" panose="020F0600000000000000" pitchFamily="50" charset="-128"/>
                 <a:ea typeface="HG丸ｺﾞｼｯｸM-PRO" panose="020F0600000000000000" pitchFamily="50" charset="-128"/>
               </a:rPr>
-              <a:t>その処理までの流れやその処理で何がしたいのかといった</a:t>
-            </a:r>
-            <a:r>
-              <a:rPr lang="ja-JP" altLang="en-US" dirty="0">
-                <a:latin typeface="HG丸ｺﾞｼｯｸM-PRO" panose="020F0600000000000000" pitchFamily="50" charset="-128"/>
-                <a:ea typeface="HG丸ｺﾞｼｯｸM-PRO" panose="020F0600000000000000" pitchFamily="50" charset="-128"/>
-              </a:rPr>
-              <a:t>ことを</a:t>
-            </a:r>
-            <a:endParaRPr lang="en-US" altLang="ja-JP" dirty="0">
-              <a:latin typeface="HG丸ｺﾞｼｯｸM-PRO" panose="020F0600000000000000" pitchFamily="50" charset="-128"/>
-              <a:ea typeface="HG丸ｺﾞｼｯｸM-PRO" panose="020F0600000000000000" pitchFamily="50" charset="-128"/>
-            </a:endParaRPr>
-          </a:p>
-          <a:p>
-            <a:r>
-              <a:rPr lang="ja-JP" altLang="en-US" dirty="0">
-                <a:latin typeface="HG丸ｺﾞｼｯｸM-PRO" panose="020F0600000000000000" pitchFamily="50" charset="-128"/>
-                <a:ea typeface="HG丸ｺﾞｼｯｸM-PRO" panose="020F0600000000000000" pitchFamily="50" charset="-128"/>
-              </a:rPr>
-              <a:t>復習した上でこう記述しようと提案する</a:t>
-            </a:r>
-            <a:endParaRPr kumimoji="1" lang="en-US" altLang="ja-JP" dirty="0">
-              <a:latin typeface="HG丸ｺﾞｼｯｸM-PRO" panose="020F0600000000000000" pitchFamily="50" charset="-128"/>
-              <a:ea typeface="HG丸ｺﾞｼｯｸM-PRO" panose="020F0600000000000000" pitchFamily="50" charset="-128"/>
-            </a:endParaRPr>
+              <a:t>を中心になって作成し、書いているコードの役割の理解、データの受け渡しのイメージをしっかり持つように意識した。</a:t>
+            </a:r>
           </a:p>
         </p:txBody>
       </p:sp>
@@ -10218,7 +10335,7 @@
         </p:nvSpPr>
         <p:spPr>
           <a:xfrm>
-            <a:off x="2990851" y="3364542"/>
+            <a:off x="2924176" y="4450225"/>
             <a:ext cx="7410450" cy="461665"/>
           </a:xfrm>
           <a:prstGeom prst="rect">
@@ -10266,8 +10383,8 @@
         </p:nvSpPr>
         <p:spPr>
           <a:xfrm>
-            <a:off x="3409950" y="3934733"/>
-            <a:ext cx="7610477" cy="369332"/>
+            <a:off x="3333750" y="5118165"/>
+            <a:ext cx="7610477" cy="646331"/>
           </a:xfrm>
           <a:prstGeom prst="rect">
             <a:avLst/>
@@ -10285,17 +10402,17 @@
                 <a:latin typeface="HG丸ｺﾞｼｯｸM-PRO" panose="020F0600000000000000" pitchFamily="50" charset="-128"/>
                 <a:ea typeface="HG丸ｺﾞｼｯｸM-PRO" panose="020F0600000000000000" pitchFamily="50" charset="-128"/>
               </a:rPr>
-              <a:t>自分の記述したコードについて説明する能力</a:t>
-            </a:r>
-          </a:p>
-        </p:txBody>
-      </p:sp>
-      <p:sp>
-        <p:nvSpPr>
-          <p:cNvPr id="13" name="テキスト ボックス 12">
-            <a:extLst>
-              <a:ext uri="{FF2B5EF4-FFF2-40B4-BE49-F238E27FC236}">
-                <a16:creationId xmlns:a16="http://schemas.microsoft.com/office/drawing/2014/main" id="{A6CA4B9A-A3B6-4F35-8389-02654467E163}"/>
+              <a:t>チームのシステムに必要な情報の項目を自分で考え、提案することができた。データベースに親しみをもてるようになった！</a:t>
+            </a:r>
+          </a:p>
+        </p:txBody>
+      </p:sp>
+      <p:sp>
+        <p:nvSpPr>
+          <p:cNvPr id="8" name="テキスト ボックス 7">
+            <a:extLst>
+              <a:ext uri="{FF2B5EF4-FFF2-40B4-BE49-F238E27FC236}">
+                <a16:creationId xmlns:a16="http://schemas.microsoft.com/office/drawing/2014/main" id="{FA89B8B3-AA79-43B5-83C2-82538ED64424}"/>
               </a:ext>
             </a:extLst>
           </p:cNvPr>
@@ -10304,8 +10421,8 @@
         </p:nvSpPr>
         <p:spPr>
           <a:xfrm>
-            <a:off x="2990851" y="4727619"/>
-            <a:ext cx="7410450" cy="461665"/>
+            <a:off x="671511" y="4265559"/>
+            <a:ext cx="1200152" cy="646331"/>
           </a:xfrm>
           <a:prstGeom prst="rect">
             <a:avLst/>
@@ -10319,114 +10436,18 @@
           <a:lstStyle/>
           <a:p>
             <a:r>
-              <a:rPr lang="ja-JP" altLang="en-US" sz="2400" dirty="0">
-                <a:solidFill>
-                  <a:srgbClr val="FF0000"/>
-                </a:solidFill>
+              <a:rPr kumimoji="1" lang="en-US" altLang="ja-JP" dirty="0">
                 <a:latin typeface="HG丸ｺﾞｼｯｸM-PRO" panose="020F0600000000000000" pitchFamily="50" charset="-128"/>
                 <a:ea typeface="HG丸ｺﾞｼｯｸM-PRO" panose="020F0600000000000000" pitchFamily="50" charset="-128"/>
               </a:rPr>
-              <a:t>▷今後の目標</a:t>
-            </a:r>
-            <a:endParaRPr kumimoji="1" lang="ja-JP" altLang="en-US" sz="2400" dirty="0">
-              <a:solidFill>
-                <a:srgbClr val="FF0000"/>
-              </a:solidFill>
-              <a:latin typeface="HG丸ｺﾞｼｯｸM-PRO" panose="020F0600000000000000" pitchFamily="50" charset="-128"/>
-              <a:ea typeface="HG丸ｺﾞｼｯｸM-PRO" panose="020F0600000000000000" pitchFamily="50" charset="-128"/>
-            </a:endParaRPr>
-          </a:p>
-        </p:txBody>
-      </p:sp>
-      <p:sp>
-        <p:nvSpPr>
-          <p:cNvPr id="14" name="テキスト ボックス 13">
-            <a:extLst>
-              <a:ext uri="{FF2B5EF4-FFF2-40B4-BE49-F238E27FC236}">
-                <a16:creationId xmlns:a16="http://schemas.microsoft.com/office/drawing/2014/main" id="{F5B26454-7CD7-4F9F-8B12-734A0F74B5F2}"/>
-              </a:ext>
-            </a:extLst>
-          </p:cNvPr>
-          <p:cNvSpPr txBox="1"/>
-          <p:nvPr/>
-        </p:nvSpPr>
-        <p:spPr>
-          <a:xfrm>
-            <a:off x="3409950" y="5306264"/>
-            <a:ext cx="7410450" cy="369332"/>
-          </a:xfrm>
-          <a:prstGeom prst="rect">
-            <a:avLst/>
-          </a:prstGeom>
-          <a:noFill/>
-        </p:spPr>
-        <p:txBody>
-          <a:bodyPr wrap="square" rtlCol="0">
-            <a:spAutoFit/>
-          </a:bodyPr>
-          <a:lstStyle/>
-          <a:p>
-            <a:r>
-              <a:rPr lang="ja-JP" altLang="en-US" dirty="0">
-                <a:latin typeface="HG丸ｺﾞｼｯｸM-PRO" panose="020F0600000000000000" pitchFamily="50" charset="-128"/>
-                <a:ea typeface="HG丸ｺﾞｼｯｸM-PRO" panose="020F0600000000000000" pitchFamily="50" charset="-128"/>
-              </a:rPr>
-              <a:t>何があっても視野を広く持ち続ける</a:t>
-            </a:r>
-            <a:endParaRPr kumimoji="1" lang="ja-JP" altLang="en-US" dirty="0">
-              <a:latin typeface="HG丸ｺﾞｼｯｸM-PRO" panose="020F0600000000000000" pitchFamily="50" charset="-128"/>
-              <a:ea typeface="HG丸ｺﾞｼｯｸM-PRO" panose="020F0600000000000000" pitchFamily="50" charset="-128"/>
-            </a:endParaRPr>
-          </a:p>
-        </p:txBody>
-      </p:sp>
-      <p:sp>
-        <p:nvSpPr>
-          <p:cNvPr id="8" name="テキスト ボックス 7">
-            <a:extLst>
-              <a:ext uri="{FF2B5EF4-FFF2-40B4-BE49-F238E27FC236}">
-                <a16:creationId xmlns:a16="http://schemas.microsoft.com/office/drawing/2014/main" id="{FA89B8B3-AA79-43B5-83C2-82538ED64424}"/>
-              </a:ext>
-            </a:extLst>
-          </p:cNvPr>
-          <p:cNvSpPr txBox="1"/>
-          <p:nvPr/>
-        </p:nvSpPr>
-        <p:spPr>
-          <a:xfrm>
-            <a:off x="682225" y="4030463"/>
-            <a:ext cx="1200152" cy="923330"/>
-          </a:xfrm>
-          <a:prstGeom prst="rect">
-            <a:avLst/>
-          </a:prstGeom>
-          <a:noFill/>
-        </p:spPr>
-        <p:txBody>
-          <a:bodyPr wrap="square" rtlCol="0">
-            <a:spAutoFit/>
-          </a:bodyPr>
-          <a:lstStyle/>
-          <a:p>
-            <a:r>
-              <a:rPr lang="ja-JP" altLang="en-US" dirty="0">
-                <a:latin typeface="HG丸ｺﾞｼｯｸM-PRO" panose="020F0600000000000000" pitchFamily="50" charset="-128"/>
-                <a:ea typeface="HG丸ｺﾞｼｯｸM-PRO" panose="020F0600000000000000" pitchFamily="50" charset="-128"/>
-              </a:rPr>
-              <a:t>構成管理</a:t>
-            </a:r>
-            <a:endParaRPr lang="en-US" altLang="ja-JP" dirty="0">
-              <a:latin typeface="HG丸ｺﾞｼｯｸM-PRO" panose="020F0600000000000000" pitchFamily="50" charset="-128"/>
-              <a:ea typeface="HG丸ｺﾞｼｯｸM-PRO" panose="020F0600000000000000" pitchFamily="50" charset="-128"/>
-            </a:endParaRPr>
-          </a:p>
-          <a:p>
+              <a:t>DB</a:t>
+            </a:r>
             <a:r>
               <a:rPr kumimoji="1" lang="ja-JP" altLang="en-US" dirty="0">
                 <a:latin typeface="HG丸ｺﾞｼｯｸM-PRO" panose="020F0600000000000000" pitchFamily="50" charset="-128"/>
                 <a:ea typeface="HG丸ｺﾞｼｯｸM-PRO" panose="020F0600000000000000" pitchFamily="50" charset="-128"/>
               </a:rPr>
-              <a:t>品質管理</a:t>
+              <a:t>担当</a:t>
             </a:r>
             <a:endParaRPr kumimoji="1" lang="en-US" altLang="ja-JP" dirty="0">
               <a:latin typeface="HG丸ｺﾞｼｯｸM-PRO" panose="020F0600000000000000" pitchFamily="50" charset="-128"/>
@@ -10439,17 +10460,17 @@
                 <a:latin typeface="HG丸ｺﾞｼｯｸM-PRO" panose="020F0600000000000000" pitchFamily="50" charset="-128"/>
                 <a:ea typeface="HG丸ｺﾞｼｯｸM-PRO" panose="020F0600000000000000" pitchFamily="50" charset="-128"/>
               </a:rPr>
-              <a:t>こんどう</a:t>
+              <a:t>かじい</a:t>
             </a:r>
           </a:p>
         </p:txBody>
       </p:sp>
       <p:pic>
         <p:nvPicPr>
-          <p:cNvPr id="7170" name="Picture 2" descr="象のアイコン">
-            <a:extLst>
-              <a:ext uri="{FF2B5EF4-FFF2-40B4-BE49-F238E27FC236}">
-                <a16:creationId xmlns:a16="http://schemas.microsoft.com/office/drawing/2014/main" id="{E0F73C17-1DF3-41F2-B6D5-B90D3AE5AEE3}"/>
+          <p:cNvPr id="4098" name="Picture 2" descr="モンスターのアイコン9">
+            <a:extLst>
+              <a:ext uri="{FF2B5EF4-FFF2-40B4-BE49-F238E27FC236}">
+                <a16:creationId xmlns:a16="http://schemas.microsoft.com/office/drawing/2014/main" id="{103294CA-9626-419C-B63F-48C278A714E1}"/>
               </a:ext>
             </a:extLst>
           </p:cNvPr>
@@ -10473,8 +10494,8 @@
         </p:blipFill>
         <p:spPr bwMode="auto">
           <a:xfrm>
-            <a:off x="490935" y="4889501"/>
-            <a:ext cx="1389855" cy="1389855"/>
+            <a:off x="328612" y="4911890"/>
+            <a:ext cx="1428751" cy="1428751"/>
           </a:xfrm>
           <a:prstGeom prst="rect">
             <a:avLst/>
@@ -10494,7 +10515,7 @@
     </p:spTree>
     <p:extLst>
       <p:ext uri="{BB962C8B-B14F-4D97-AF65-F5344CB8AC3E}">
-        <p14:creationId xmlns:p14="http://schemas.microsoft.com/office/powerpoint/2010/main" val="3288196040"/>
+        <p14:creationId xmlns:p14="http://schemas.microsoft.com/office/powerpoint/2010/main" val="765926130"/>
       </p:ext>
     </p:extLst>
   </p:cSld>
@@ -10652,7 +10673,7 @@
         </p:nvSpPr>
         <p:spPr>
           <a:xfrm>
-            <a:off x="2924176" y="781050"/>
+            <a:off x="2924176" y="1137932"/>
             <a:ext cx="8591550" cy="738664"/>
           </a:xfrm>
           <a:prstGeom prst="rect">
@@ -10703,8 +10724,8 @@
         </p:nvSpPr>
         <p:spPr>
           <a:xfrm>
-            <a:off x="3409950" y="1325324"/>
-            <a:ext cx="7600950" cy="646331"/>
+            <a:off x="3143647" y="1697849"/>
+            <a:ext cx="7600950" cy="923330"/>
           </a:xfrm>
           <a:prstGeom prst="rect">
             <a:avLst/>
@@ -10718,41 +10739,39 @@
           <a:lstStyle/>
           <a:p>
             <a:r>
-              <a:rPr kumimoji="1" lang="ja-JP" altLang="en-US" dirty="0">
+              <a:rPr lang="ja-JP" altLang="en-US" dirty="0">
                 <a:latin typeface="HG丸ｺﾞｼｯｸM-PRO" panose="020F0600000000000000" pitchFamily="50" charset="-128"/>
                 <a:ea typeface="HG丸ｺﾞｼｯｸM-PRO" panose="020F0600000000000000" pitchFamily="50" charset="-128"/>
               </a:rPr>
-              <a:t>データベースを介する情報の受け渡しのイメージが名刺管理アプリで扱ったものの理解程度。</a:t>
-            </a:r>
-            <a:r>
-              <a:rPr kumimoji="1" lang="en-US" altLang="ja-JP" dirty="0">
+              <a:t>・グループメンバーとコミュニケーションをとることができなかった</a:t>
+            </a:r>
+            <a:endParaRPr lang="en-US" altLang="ja-JP" dirty="0">
+              <a:latin typeface="HG丸ｺﾞｼｯｸM-PRO" panose="020F0600000000000000" pitchFamily="50" charset="-128"/>
+              <a:ea typeface="HG丸ｺﾞｼｯｸM-PRO" panose="020F0600000000000000" pitchFamily="50" charset="-128"/>
+            </a:endParaRPr>
+          </a:p>
+          <a:p>
+            <a:r>
+              <a:rPr lang="ja-JP" altLang="en-US" dirty="0">
                 <a:latin typeface="HG丸ｺﾞｼｯｸM-PRO" panose="020F0600000000000000" pitchFamily="50" charset="-128"/>
                 <a:ea typeface="HG丸ｺﾞｼｯｸM-PRO" panose="020F0600000000000000" pitchFamily="50" charset="-128"/>
               </a:rPr>
-              <a:t>DAO</a:t>
-            </a:r>
-            <a:r>
-              <a:rPr kumimoji="1" lang="ja-JP" altLang="en-US" dirty="0">
+              <a:t>・５月の成果物は、内部機能に触れていなく理解できていなかった</a:t>
+            </a:r>
+            <a:endParaRPr lang="en-US" altLang="ja-JP" dirty="0">
+              <a:latin typeface="HG丸ｺﾞｼｯｸM-PRO" panose="020F0600000000000000" pitchFamily="50" charset="-128"/>
+              <a:ea typeface="HG丸ｺﾞｼｯｸM-PRO" panose="020F0600000000000000" pitchFamily="50" charset="-128"/>
+            </a:endParaRPr>
+          </a:p>
+          <a:p>
+            <a:r>
+              <a:rPr lang="ja-JP" altLang="en-US">
                 <a:latin typeface="HG丸ｺﾞｼｯｸM-PRO" panose="020F0600000000000000" pitchFamily="50" charset="-128"/>
                 <a:ea typeface="HG丸ｺﾞｼｯｸM-PRO" panose="020F0600000000000000" pitchFamily="50" charset="-128"/>
               </a:rPr>
-              <a:t>の構文は</a:t>
-            </a:r>
-            <a:r>
-              <a:rPr kumimoji="1" lang="en-US" altLang="ja-JP" dirty="0">
-                <a:latin typeface="HG丸ｺﾞｼｯｸM-PRO" panose="020F0600000000000000" pitchFamily="50" charset="-128"/>
-                <a:ea typeface="HG丸ｺﾞｼｯｸM-PRO" panose="020F0600000000000000" pitchFamily="50" charset="-128"/>
-              </a:rPr>
-              <a:t>5</a:t>
-            </a:r>
-            <a:r>
-              <a:rPr kumimoji="1" lang="ja-JP" altLang="en-US" dirty="0">
-                <a:latin typeface="HG丸ｺﾞｼｯｸM-PRO" panose="020F0600000000000000" pitchFamily="50" charset="-128"/>
-                <a:ea typeface="HG丸ｺﾞｼｯｸM-PRO" panose="020F0600000000000000" pitchFamily="50" charset="-128"/>
-              </a:rPr>
-              <a:t>割程度の理解度。</a:t>
-            </a:r>
-            <a:endParaRPr kumimoji="1" lang="en-US" altLang="ja-JP" dirty="0">
+              <a:t>・知識の定着が不十分だった。</a:t>
+            </a:r>
+            <a:endParaRPr lang="en-US" altLang="ja-JP" dirty="0">
               <a:latin typeface="HG丸ｺﾞｼｯｸM-PRO" panose="020F0600000000000000" pitchFamily="50" charset="-128"/>
               <a:ea typeface="HG丸ｺﾞｼｯｸM-PRO" panose="020F0600000000000000" pitchFamily="50" charset="-128"/>
             </a:endParaRPr>
@@ -10773,7 +10792,7 @@
         </p:nvSpPr>
         <p:spPr>
           <a:xfrm>
-            <a:off x="2924176" y="2110263"/>
+            <a:off x="2831410" y="2750063"/>
             <a:ext cx="7410450" cy="461665"/>
           </a:xfrm>
           <a:prstGeom prst="rect">
@@ -10821,8 +10840,8 @@
         </p:nvSpPr>
         <p:spPr>
           <a:xfrm>
-            <a:off x="3409950" y="2630028"/>
-            <a:ext cx="7753350" cy="646331"/>
+            <a:off x="3134120" y="3268221"/>
+            <a:ext cx="7753350" cy="923330"/>
           </a:xfrm>
           <a:prstGeom prst="rect">
             <a:avLst/>
@@ -10836,19 +10855,50 @@
           <a:lstStyle/>
           <a:p>
             <a:r>
-              <a:rPr kumimoji="1" lang="en-US" altLang="ja-JP" dirty="0">
+              <a:rPr lang="ja-JP" altLang="en-US" dirty="0">
                 <a:latin typeface="HG丸ｺﾞｼｯｸM-PRO" panose="020F0600000000000000" pitchFamily="50" charset="-128"/>
                 <a:ea typeface="HG丸ｺﾞｼｯｸM-PRO" panose="020F0600000000000000" pitchFamily="50" charset="-128"/>
               </a:rPr>
-              <a:t>DAO</a:t>
+              <a:t>・</a:t>
             </a:r>
             <a:r>
               <a:rPr kumimoji="1" lang="ja-JP" altLang="en-US" dirty="0">
                 <a:latin typeface="HG丸ｺﾞｼｯｸM-PRO" panose="020F0600000000000000" pitchFamily="50" charset="-128"/>
                 <a:ea typeface="HG丸ｺﾞｼｯｸM-PRO" panose="020F0600000000000000" pitchFamily="50" charset="-128"/>
               </a:rPr>
-              <a:t>を中心になって作成し、書いているコードの役割の理解、データの受け渡しのイメージをしっかり持つように意識した。</a:t>
-            </a:r>
+              <a:t>グループメンバーや樋口講師に助けてもらいながら、現状の進捗</a:t>
+            </a:r>
+            <a:r>
+              <a:rPr lang="ja-JP" altLang="en-US" dirty="0">
+                <a:latin typeface="HG丸ｺﾞｼｯｸM-PRO" panose="020F0600000000000000" pitchFamily="50" charset="-128"/>
+                <a:ea typeface="HG丸ｺﾞｼｯｸM-PRO" panose="020F0600000000000000" pitchFamily="50" charset="-128"/>
+              </a:rPr>
+              <a:t>確認</a:t>
+            </a:r>
+            <a:r>
+              <a:rPr kumimoji="1" lang="ja-JP" altLang="en-US" dirty="0">
+                <a:latin typeface="HG丸ｺﾞｼｯｸM-PRO" panose="020F0600000000000000" pitchFamily="50" charset="-128"/>
+                <a:ea typeface="HG丸ｺﾞｼｯｸM-PRO" panose="020F0600000000000000" pitchFamily="50" charset="-128"/>
+              </a:rPr>
+              <a:t>やコミュニケーションをとるようにした</a:t>
+            </a:r>
+            <a:endParaRPr kumimoji="1" lang="en-US" altLang="ja-JP" dirty="0">
+              <a:latin typeface="HG丸ｺﾞｼｯｸM-PRO" panose="020F0600000000000000" pitchFamily="50" charset="-128"/>
+              <a:ea typeface="HG丸ｺﾞｼｯｸM-PRO" panose="020F0600000000000000" pitchFamily="50" charset="-128"/>
+            </a:endParaRPr>
+          </a:p>
+          <a:p>
+            <a:r>
+              <a:rPr lang="ja-JP" altLang="en-US" dirty="0">
+                <a:latin typeface="HG丸ｺﾞｼｯｸM-PRO" panose="020F0600000000000000" pitchFamily="50" charset="-128"/>
+                <a:ea typeface="HG丸ｺﾞｼｯｸM-PRO" panose="020F0600000000000000" pitchFamily="50" charset="-128"/>
+              </a:rPr>
+              <a:t>・内容の解説してもらい理解を少しずつ深めた</a:t>
+            </a:r>
+            <a:endParaRPr kumimoji="1" lang="ja-JP" altLang="en-US" dirty="0">
+              <a:latin typeface="HG丸ｺﾞｼｯｸM-PRO" panose="020F0600000000000000" pitchFamily="50" charset="-128"/>
+              <a:ea typeface="HG丸ｺﾞｼｯｸM-PRO" panose="020F0600000000000000" pitchFamily="50" charset="-128"/>
+            </a:endParaRPr>
           </a:p>
         </p:txBody>
       </p:sp>
@@ -10866,7 +10916,7 @@
         </p:nvSpPr>
         <p:spPr>
           <a:xfrm>
-            <a:off x="2990851" y="3364542"/>
+            <a:off x="2924176" y="4283876"/>
             <a:ext cx="7410450" cy="461665"/>
           </a:xfrm>
           <a:prstGeom prst="rect">
@@ -10914,8 +10964,8 @@
         </p:nvSpPr>
         <p:spPr>
           <a:xfrm>
-            <a:off x="3409950" y="3934733"/>
-            <a:ext cx="7610477" cy="646331"/>
+            <a:off x="3134120" y="4874425"/>
+            <a:ext cx="7610477" cy="923330"/>
           </a:xfrm>
           <a:prstGeom prst="rect">
             <a:avLst/>
@@ -10929,21 +10979,38 @@
           <a:lstStyle/>
           <a:p>
             <a:r>
-              <a:rPr kumimoji="1" lang="ja-JP" altLang="en-US" dirty="0">
+              <a:rPr lang="ja-JP" altLang="en-US" dirty="0">
                 <a:latin typeface="HG丸ｺﾞｼｯｸM-PRO" panose="020F0600000000000000" pitchFamily="50" charset="-128"/>
                 <a:ea typeface="HG丸ｺﾞｼｯｸM-PRO" panose="020F0600000000000000" pitchFamily="50" charset="-128"/>
               </a:rPr>
-              <a:t>チームのシステムに必要な情報の項目を自分で考え、提案することができた。データベースに親しみをもてるようになった！</a:t>
-            </a:r>
-          </a:p>
-        </p:txBody>
-      </p:sp>
-      <p:sp>
-        <p:nvSpPr>
-          <p:cNvPr id="13" name="テキスト ボックス 12">
-            <a:extLst>
-              <a:ext uri="{FF2B5EF4-FFF2-40B4-BE49-F238E27FC236}">
-                <a16:creationId xmlns:a16="http://schemas.microsoft.com/office/drawing/2014/main" id="{A6CA4B9A-A3B6-4F35-8389-02654467E163}"/>
+              <a:t>・少しずつグループメンバーとコミュニケーションをとることができるようになった</a:t>
+            </a:r>
+            <a:endParaRPr lang="en-US" altLang="ja-JP" dirty="0">
+              <a:latin typeface="HG丸ｺﾞｼｯｸM-PRO" panose="020F0600000000000000" pitchFamily="50" charset="-128"/>
+              <a:ea typeface="HG丸ｺﾞｼｯｸM-PRO" panose="020F0600000000000000" pitchFamily="50" charset="-128"/>
+            </a:endParaRPr>
+          </a:p>
+          <a:p>
+            <a:r>
+              <a:rPr lang="ja-JP" altLang="en-US" dirty="0">
+                <a:latin typeface="HG丸ｺﾞｼｯｸM-PRO" panose="020F0600000000000000" pitchFamily="50" charset="-128"/>
+                <a:ea typeface="HG丸ｺﾞｼｯｸM-PRO" panose="020F0600000000000000" pitchFamily="50" charset="-128"/>
+              </a:rPr>
+              <a:t>・少しずつ知識も理解できるようになってきた</a:t>
+            </a:r>
+            <a:endParaRPr kumimoji="1" lang="ja-JP" altLang="en-US" dirty="0">
+              <a:latin typeface="HG丸ｺﾞｼｯｸM-PRO" panose="020F0600000000000000" pitchFamily="50" charset="-128"/>
+              <a:ea typeface="HG丸ｺﾞｼｯｸM-PRO" panose="020F0600000000000000" pitchFamily="50" charset="-128"/>
+            </a:endParaRPr>
+          </a:p>
+        </p:txBody>
+      </p:sp>
+      <p:sp>
+        <p:nvSpPr>
+          <p:cNvPr id="8" name="テキスト ボックス 7">
+            <a:extLst>
+              <a:ext uri="{FF2B5EF4-FFF2-40B4-BE49-F238E27FC236}">
+                <a16:creationId xmlns:a16="http://schemas.microsoft.com/office/drawing/2014/main" id="{FA89B8B3-AA79-43B5-83C2-82538ED64424}"/>
               </a:ext>
             </a:extLst>
           </p:cNvPr>
@@ -10952,8 +11019,8 @@
         </p:nvSpPr>
         <p:spPr>
           <a:xfrm>
-            <a:off x="2990851" y="4727619"/>
-            <a:ext cx="7410450" cy="461665"/>
+            <a:off x="642344" y="3753464"/>
+            <a:ext cx="1359296" cy="1200329"/>
           </a:xfrm>
           <a:prstGeom prst="rect">
             <a:avLst/>
@@ -10967,73 +11034,11 @@
           <a:lstStyle/>
           <a:p>
             <a:r>
-              <a:rPr lang="ja-JP" altLang="en-US" sz="2400" dirty="0">
-                <a:solidFill>
-                  <a:srgbClr val="FF0000"/>
-                </a:solidFill>
-                <a:latin typeface="HG丸ｺﾞｼｯｸM-PRO" panose="020F0600000000000000" pitchFamily="50" charset="-128"/>
-                <a:ea typeface="HG丸ｺﾞｼｯｸM-PRO" panose="020F0600000000000000" pitchFamily="50" charset="-128"/>
-              </a:rPr>
-              <a:t>▷今後の目標</a:t>
-            </a:r>
-            <a:endParaRPr kumimoji="1" lang="ja-JP" altLang="en-US" sz="2400" dirty="0">
-              <a:solidFill>
-                <a:srgbClr val="FF0000"/>
-              </a:solidFill>
-              <a:latin typeface="HG丸ｺﾞｼｯｸM-PRO" panose="020F0600000000000000" pitchFamily="50" charset="-128"/>
-              <a:ea typeface="HG丸ｺﾞｼｯｸM-PRO" panose="020F0600000000000000" pitchFamily="50" charset="-128"/>
-            </a:endParaRPr>
-          </a:p>
-        </p:txBody>
-      </p:sp>
-      <p:sp>
-        <p:nvSpPr>
-          <p:cNvPr id="14" name="テキスト ボックス 13">
-            <a:extLst>
-              <a:ext uri="{FF2B5EF4-FFF2-40B4-BE49-F238E27FC236}">
-                <a16:creationId xmlns:a16="http://schemas.microsoft.com/office/drawing/2014/main" id="{F5B26454-7CD7-4F9F-8B12-734A0F74B5F2}"/>
-              </a:ext>
-            </a:extLst>
-          </p:cNvPr>
-          <p:cNvSpPr txBox="1"/>
-          <p:nvPr/>
-        </p:nvSpPr>
-        <p:spPr>
-          <a:xfrm>
-            <a:off x="3409950" y="5306264"/>
-            <a:ext cx="7410450" cy="646331"/>
-          </a:xfrm>
-          <a:prstGeom prst="rect">
-            <a:avLst/>
-          </a:prstGeom>
-          <a:noFill/>
-        </p:spPr>
-        <p:txBody>
-          <a:bodyPr wrap="square" rtlCol="0">
-            <a:spAutoFit/>
-          </a:bodyPr>
-          <a:lstStyle/>
-          <a:p>
-            <a:r>
               <a:rPr lang="ja-JP" altLang="en-US" dirty="0">
                 <a:latin typeface="HG丸ｺﾞｼｯｸM-PRO" panose="020F0600000000000000" pitchFamily="50" charset="-128"/>
                 <a:ea typeface="HG丸ｺﾞｼｯｸM-PRO" panose="020F0600000000000000" pitchFamily="50" charset="-128"/>
               </a:rPr>
-              <a:t>サーブレットや</a:t>
-            </a:r>
-            <a:r>
-              <a:rPr lang="en-US" altLang="ja-JP" dirty="0">
-                <a:latin typeface="HG丸ｺﾞｼｯｸM-PRO" panose="020F0600000000000000" pitchFamily="50" charset="-128"/>
-                <a:ea typeface="HG丸ｺﾞｼｯｸM-PRO" panose="020F0600000000000000" pitchFamily="50" charset="-128"/>
-              </a:rPr>
-              <a:t>DAO</a:t>
-            </a:r>
-            <a:r>
-              <a:rPr lang="ja-JP" altLang="en-US" dirty="0">
-                <a:latin typeface="HG丸ｺﾞｼｯｸM-PRO" panose="020F0600000000000000" pitchFamily="50" charset="-128"/>
-                <a:ea typeface="HG丸ｺﾞｼｯｸM-PRO" panose="020F0600000000000000" pitchFamily="50" charset="-128"/>
-              </a:rPr>
-              <a:t>の設計をイメージできるようになりたい。</a:t>
+              <a:t>コミュニケーション担当</a:t>
             </a:r>
             <a:endParaRPr lang="en-US" altLang="ja-JP" dirty="0">
               <a:latin typeface="HG丸ｺﾞｼｯｸM-PRO" panose="020F0600000000000000" pitchFamily="50" charset="-128"/>
@@ -11042,83 +11047,21 @@
           </a:p>
           <a:p>
             <a:r>
-              <a:rPr lang="ja-JP" altLang="en-US" dirty="0">
-                <a:latin typeface="HG丸ｺﾞｼｯｸM-PRO" panose="020F0600000000000000" pitchFamily="50" charset="-128"/>
-                <a:ea typeface="HG丸ｺﾞｼｯｸM-PRO" panose="020F0600000000000000" pitchFamily="50" charset="-128"/>
-              </a:rPr>
-              <a:t>→必要なメソッド、いつ使うのか理解度を高める必要がある。</a:t>
-            </a:r>
-            <a:endParaRPr kumimoji="1" lang="ja-JP" altLang="en-US" dirty="0">
-              <a:latin typeface="HG丸ｺﾞｼｯｸM-PRO" panose="020F0600000000000000" pitchFamily="50" charset="-128"/>
-              <a:ea typeface="HG丸ｺﾞｼｯｸM-PRO" panose="020F0600000000000000" pitchFamily="50" charset="-128"/>
-            </a:endParaRPr>
-          </a:p>
-        </p:txBody>
-      </p:sp>
-      <p:sp>
-        <p:nvSpPr>
-          <p:cNvPr id="8" name="テキスト ボックス 7">
-            <a:extLst>
-              <a:ext uri="{FF2B5EF4-FFF2-40B4-BE49-F238E27FC236}">
-                <a16:creationId xmlns:a16="http://schemas.microsoft.com/office/drawing/2014/main" id="{FA89B8B3-AA79-43B5-83C2-82538ED64424}"/>
-              </a:ext>
-            </a:extLst>
-          </p:cNvPr>
-          <p:cNvSpPr txBox="1"/>
-          <p:nvPr/>
-        </p:nvSpPr>
-        <p:spPr>
-          <a:xfrm>
-            <a:off x="671511" y="4265559"/>
-            <a:ext cx="1200152" cy="646331"/>
-          </a:xfrm>
-          <a:prstGeom prst="rect">
-            <a:avLst/>
-          </a:prstGeom>
-          <a:noFill/>
-        </p:spPr>
-        <p:txBody>
-          <a:bodyPr wrap="square" rtlCol="0">
-            <a:spAutoFit/>
-          </a:bodyPr>
-          <a:lstStyle/>
-          <a:p>
-            <a:r>
-              <a:rPr kumimoji="1" lang="en-US" altLang="ja-JP" dirty="0">
-                <a:latin typeface="HG丸ｺﾞｼｯｸM-PRO" panose="020F0600000000000000" pitchFamily="50" charset="-128"/>
-                <a:ea typeface="HG丸ｺﾞｼｯｸM-PRO" panose="020F0600000000000000" pitchFamily="50" charset="-128"/>
-              </a:rPr>
-              <a:t>DB</a:t>
-            </a:r>
-            <a:r>
               <a:rPr kumimoji="1" lang="ja-JP" altLang="en-US" dirty="0">
                 <a:latin typeface="HG丸ｺﾞｼｯｸM-PRO" panose="020F0600000000000000" pitchFamily="50" charset="-128"/>
                 <a:ea typeface="HG丸ｺﾞｼｯｸM-PRO" panose="020F0600000000000000" pitchFamily="50" charset="-128"/>
               </a:rPr>
-              <a:t>担当</a:t>
-            </a:r>
-            <a:endParaRPr kumimoji="1" lang="en-US" altLang="ja-JP" dirty="0">
-              <a:latin typeface="HG丸ｺﾞｼｯｸM-PRO" panose="020F0600000000000000" pitchFamily="50" charset="-128"/>
-              <a:ea typeface="HG丸ｺﾞｼｯｸM-PRO" panose="020F0600000000000000" pitchFamily="50" charset="-128"/>
-            </a:endParaRPr>
-          </a:p>
-          <a:p>
-            <a:r>
-              <a:rPr kumimoji="1" lang="ja-JP" altLang="en-US" dirty="0">
-                <a:latin typeface="HG丸ｺﾞｼｯｸM-PRO" panose="020F0600000000000000" pitchFamily="50" charset="-128"/>
-                <a:ea typeface="HG丸ｺﾞｼｯｸM-PRO" panose="020F0600000000000000" pitchFamily="50" charset="-128"/>
-              </a:rPr>
-              <a:t>かじい</a:t>
+              <a:t>あぐい</a:t>
             </a:r>
           </a:p>
         </p:txBody>
       </p:sp>
       <p:pic>
         <p:nvPicPr>
-          <p:cNvPr id="4098" name="Picture 2" descr="モンスターのアイコン9">
-            <a:extLst>
-              <a:ext uri="{FF2B5EF4-FFF2-40B4-BE49-F238E27FC236}">
-                <a16:creationId xmlns:a16="http://schemas.microsoft.com/office/drawing/2014/main" id="{103294CA-9626-419C-B63F-48C278A714E1}"/>
+          <p:cNvPr id="5122" name="Picture 2" descr="ミツバチのアイコン">
+            <a:extLst>
+              <a:ext uri="{FF2B5EF4-FFF2-40B4-BE49-F238E27FC236}">
+                <a16:creationId xmlns:a16="http://schemas.microsoft.com/office/drawing/2014/main" id="{46EB40AC-1F2E-4094-B33F-CDA48632BE96}"/>
               </a:ext>
             </a:extLst>
           </p:cNvPr>
@@ -11142,8 +11085,8 @@
         </p:blipFill>
         <p:spPr bwMode="auto">
           <a:xfrm>
-            <a:off x="328612" y="4911890"/>
-            <a:ext cx="1428751" cy="1428751"/>
+            <a:off x="430304" y="4995398"/>
+            <a:ext cx="1360395" cy="1360395"/>
           </a:xfrm>
           <a:prstGeom prst="rect">
             <a:avLst/>
@@ -11163,7 +11106,7 @@
     </p:spTree>
     <p:extLst>
       <p:ext uri="{BB962C8B-B14F-4D97-AF65-F5344CB8AC3E}">
-        <p14:creationId xmlns:p14="http://schemas.microsoft.com/office/powerpoint/2010/main" val="1458541211"/>
+        <p14:creationId xmlns:p14="http://schemas.microsoft.com/office/powerpoint/2010/main" val="2348643287"/>
       </p:ext>
     </p:extLst>
   </p:cSld>
@@ -11259,6 +11202,55 @@
           </a:p>
         </p:txBody>
       </p:sp>
+      <p:pic>
+        <p:nvPicPr>
+          <p:cNvPr id="2050" name="Picture 2" descr="猫のアイコン">
+            <a:extLst>
+              <a:ext uri="{FF2B5EF4-FFF2-40B4-BE49-F238E27FC236}">
+                <a16:creationId xmlns:a16="http://schemas.microsoft.com/office/drawing/2014/main" id="{C27A6192-D8CD-4DCB-B8F6-9228E5B2FD11}"/>
+              </a:ext>
+            </a:extLst>
+          </p:cNvPr>
+          <p:cNvPicPr>
+            <a:picLocks noGrp="1" noChangeAspect="1" noChangeArrowheads="1"/>
+          </p:cNvPicPr>
+          <p:nvPr>
+            <p:ph idx="1"/>
+          </p:nvPr>
+        </p:nvPicPr>
+        <p:blipFill>
+          <a:blip r:embed="rId2">
+            <a:extLst>
+              <a:ext uri="{28A0092B-C50C-407E-A947-70E740481C1C}">
+                <a14:useLocalDpi xmlns:a14="http://schemas.microsoft.com/office/drawing/2010/main" val="0"/>
+              </a:ext>
+            </a:extLst>
+          </a:blip>
+          <a:srcRect/>
+          <a:stretch>
+            <a:fillRect/>
+          </a:stretch>
+        </p:blipFill>
+        <p:spPr bwMode="auto">
+          <a:xfrm>
+            <a:off x="523081" y="4953793"/>
+            <a:ext cx="1325563" cy="1325563"/>
+          </a:xfrm>
+          <a:prstGeom prst="rect">
+            <a:avLst/>
+          </a:prstGeom>
+          <a:noFill/>
+          <a:extLst>
+            <a:ext uri="{909E8E84-426E-40DD-AFC4-6F175D3DCCD1}">
+              <a14:hiddenFill xmlns:a14="http://schemas.microsoft.com/office/drawing/2010/main">
+                <a:solidFill>
+                  <a:srgbClr val="FFFFFF"/>
+                </a:solidFill>
+              </a14:hiddenFill>
+            </a:ext>
+          </a:extLst>
+        </p:spPr>
+      </p:pic>
       <p:sp>
         <p:nvSpPr>
           <p:cNvPr id="5" name="吹き出し: 角を丸めた四角形 4">
@@ -11321,7 +11313,7 @@
         </p:nvSpPr>
         <p:spPr>
           <a:xfrm>
-            <a:off x="2924176" y="781050"/>
+            <a:off x="2924176" y="1217788"/>
             <a:ext cx="8591550" cy="738664"/>
           </a:xfrm>
           <a:prstGeom prst="rect">
@@ -11372,7 +11364,7 @@
         </p:nvSpPr>
         <p:spPr>
           <a:xfrm>
-            <a:off x="3409950" y="1325324"/>
+            <a:off x="3419475" y="1934500"/>
             <a:ext cx="7600950" cy="646331"/>
           </a:xfrm>
           <a:prstGeom prst="rect">
@@ -11387,26 +11379,34 @@
           <a:lstStyle/>
           <a:p>
             <a:r>
+              <a:rPr lang="en-US" altLang="ja-JP" dirty="0">
+                <a:latin typeface="HG丸ｺﾞｼｯｸM-PRO" panose="020F0600000000000000" pitchFamily="50" charset="-128"/>
+                <a:ea typeface="HG丸ｺﾞｼｯｸM-PRO" panose="020F0600000000000000" pitchFamily="50" charset="-128"/>
+              </a:rPr>
+              <a:t>5</a:t>
+            </a:r>
+            <a:r>
               <a:rPr lang="ja-JP" altLang="en-US" dirty="0">
                 <a:latin typeface="HG丸ｺﾞｼｯｸM-PRO" panose="020F0600000000000000" pitchFamily="50" charset="-128"/>
                 <a:ea typeface="HG丸ｺﾞｼｯｸM-PRO" panose="020F0600000000000000" pitchFamily="50" charset="-128"/>
               </a:rPr>
-              <a:t>５月の成果物では、内部機能に触れていなく理解できていなかった</a:t>
-            </a:r>
-            <a:endParaRPr lang="en-US" altLang="ja-JP" dirty="0">
-              <a:latin typeface="HG丸ｺﾞｼｯｸM-PRO" panose="020F0600000000000000" pitchFamily="50" charset="-128"/>
-              <a:ea typeface="HG丸ｺﾞｼｯｸM-PRO" panose="020F0600000000000000" pitchFamily="50" charset="-128"/>
-            </a:endParaRPr>
-          </a:p>
-          <a:p>
+              <a:t>月の時点で内部機能を理解できていなかったので、</a:t>
+            </a:r>
+            <a:r>
+              <a:rPr lang="en-US" altLang="ja-JP" dirty="0">
+                <a:latin typeface="HG丸ｺﾞｼｯｸM-PRO" panose="020F0600000000000000" pitchFamily="50" charset="-128"/>
+                <a:ea typeface="HG丸ｺﾞｼｯｸM-PRO" panose="020F0600000000000000" pitchFamily="50" charset="-128"/>
+              </a:rPr>
+              <a:t>DAO</a:t>
+            </a:r>
             <a:r>
               <a:rPr lang="ja-JP" altLang="en-US" dirty="0">
                 <a:latin typeface="HG丸ｺﾞｼｯｸM-PRO" panose="020F0600000000000000" pitchFamily="50" charset="-128"/>
                 <a:ea typeface="HG丸ｺﾞｼｯｸM-PRO" panose="020F0600000000000000" pitchFamily="50" charset="-128"/>
               </a:rPr>
-              <a:t>グループのメンバーとコミュニケーションをとることができなかった</a:t>
-            </a:r>
-            <a:endParaRPr lang="en-US" altLang="ja-JP" dirty="0">
+              <a:t>やサーブレットの理解を一から始めた。</a:t>
+            </a:r>
+            <a:endParaRPr kumimoji="1" lang="ja-JP" altLang="en-US" dirty="0">
               <a:latin typeface="HG丸ｺﾞｼｯｸM-PRO" panose="020F0600000000000000" pitchFamily="50" charset="-128"/>
               <a:ea typeface="HG丸ｺﾞｼｯｸM-PRO" panose="020F0600000000000000" pitchFamily="50" charset="-128"/>
             </a:endParaRPr>
@@ -11427,7 +11427,7 @@
         </p:nvSpPr>
         <p:spPr>
           <a:xfrm>
-            <a:off x="2924176" y="2110263"/>
+            <a:off x="2924176" y="2826581"/>
             <a:ext cx="7410450" cy="461665"/>
           </a:xfrm>
           <a:prstGeom prst="rect">
@@ -11475,7 +11475,7 @@
         </p:nvSpPr>
         <p:spPr>
           <a:xfrm>
-            <a:off x="3409950" y="2630028"/>
+            <a:off x="3409950" y="3535283"/>
             <a:ext cx="7753350" cy="646331"/>
           </a:xfrm>
           <a:prstGeom prst="rect">
@@ -11490,12 +11490,16 @@
           <a:lstStyle/>
           <a:p>
             <a:r>
-              <a:rPr kumimoji="1" lang="ja-JP" altLang="en-US" dirty="0">
+              <a:rPr lang="ja-JP" altLang="en-US" dirty="0">
                 <a:latin typeface="HG丸ｺﾞｼｯｸM-PRO" panose="020F0600000000000000" pitchFamily="50" charset="-128"/>
                 <a:ea typeface="HG丸ｺﾞｼｯｸM-PRO" panose="020F0600000000000000" pitchFamily="50" charset="-128"/>
               </a:rPr>
-              <a:t>　グループのメンバーや樋口講師に助けてもらいながら、現状の進捗理解やコミュニケーションをとるようにした</a:t>
-            </a:r>
+              <a:t>少しでも分からないところはすぐにメンバーに質問して助けてもらった。「理解が曖昧なまま進む」ということが無いよう徹底した。</a:t>
+            </a:r>
+            <a:endParaRPr kumimoji="1" lang="ja-JP" altLang="en-US" dirty="0">
+              <a:latin typeface="HG丸ｺﾞｼｯｸM-PRO" panose="020F0600000000000000" pitchFamily="50" charset="-128"/>
+              <a:ea typeface="HG丸ｺﾞｼｯｸM-PRO" panose="020F0600000000000000" pitchFamily="50" charset="-128"/>
+            </a:endParaRPr>
           </a:p>
         </p:txBody>
       </p:sp>
@@ -11513,7 +11517,7 @@
         </p:nvSpPr>
         <p:spPr>
           <a:xfrm>
-            <a:off x="2990851" y="3364542"/>
+            <a:off x="2924176" y="4426078"/>
             <a:ext cx="7410450" cy="461665"/>
           </a:xfrm>
           <a:prstGeom prst="rect">
@@ -11561,7 +11565,7 @@
         </p:nvSpPr>
         <p:spPr>
           <a:xfrm>
-            <a:off x="3409950" y="3934733"/>
+            <a:off x="3414712" y="5144968"/>
             <a:ext cx="7610477" cy="646331"/>
           </a:xfrm>
           <a:prstGeom prst="rect">
@@ -11580,7 +11584,7 @@
                 <a:latin typeface="HG丸ｺﾞｼｯｸM-PRO" panose="020F0600000000000000" pitchFamily="50" charset="-128"/>
                 <a:ea typeface="HG丸ｺﾞｼｯｸM-PRO" panose="020F0600000000000000" pitchFamily="50" charset="-128"/>
               </a:rPr>
-              <a:t>　少しずつグループのメンバーとコミュニケーションをとることができ、知識も少しずつ理解できるようになってきた</a:t>
+              <a:t>内部機能が理解できたことで、繋がりが分かるようになり、「楽しい」と感じることが増えた。</a:t>
             </a:r>
             <a:endParaRPr kumimoji="1" lang="ja-JP" altLang="en-US" dirty="0">
               <a:latin typeface="HG丸ｺﾞｼｯｸM-PRO" panose="020F0600000000000000" pitchFamily="50" charset="-128"/>
@@ -11591,10 +11595,10 @@
       </p:sp>
       <p:sp>
         <p:nvSpPr>
-          <p:cNvPr id="13" name="テキスト ボックス 12">
-            <a:extLst>
-              <a:ext uri="{FF2B5EF4-FFF2-40B4-BE49-F238E27FC236}">
-                <a16:creationId xmlns:a16="http://schemas.microsoft.com/office/drawing/2014/main" id="{A6CA4B9A-A3B6-4F35-8389-02654467E163}"/>
+          <p:cNvPr id="8" name="テキスト ボックス 7">
+            <a:extLst>
+              <a:ext uri="{FF2B5EF4-FFF2-40B4-BE49-F238E27FC236}">
+                <a16:creationId xmlns:a16="http://schemas.microsoft.com/office/drawing/2014/main" id="{FA89B8B3-AA79-43B5-83C2-82538ED64424}"/>
               </a:ext>
             </a:extLst>
           </p:cNvPr>
@@ -11603,8 +11607,8 @@
         </p:nvSpPr>
         <p:spPr>
           <a:xfrm>
-            <a:off x="2990851" y="4727619"/>
-            <a:ext cx="7410450" cy="461665"/>
+            <a:off x="671511" y="4265559"/>
+            <a:ext cx="1200152" cy="646331"/>
           </a:xfrm>
           <a:prstGeom prst="rect">
             <a:avLst/>
@@ -11618,157 +11622,24 @@
           <a:lstStyle/>
           <a:p>
             <a:r>
-              <a:rPr lang="ja-JP" altLang="en-US" sz="2400" dirty="0">
-                <a:solidFill>
-                  <a:srgbClr val="FF0000"/>
-                </a:solidFill>
+              <a:rPr kumimoji="1" lang="ja-JP" altLang="en-US" dirty="0">
                 <a:latin typeface="HG丸ｺﾞｼｯｸM-PRO" panose="020F0600000000000000" pitchFamily="50" charset="-128"/>
                 <a:ea typeface="HG丸ｺﾞｼｯｸM-PRO" panose="020F0600000000000000" pitchFamily="50" charset="-128"/>
               </a:rPr>
-              <a:t>▷今後の目標</a:t>
-            </a:r>
-            <a:endParaRPr kumimoji="1" lang="ja-JP" altLang="en-US" sz="2400" dirty="0">
-              <a:solidFill>
-                <a:srgbClr val="FF0000"/>
-              </a:solidFill>
+              <a:t>発表担当</a:t>
+            </a:r>
+            <a:endParaRPr kumimoji="1" lang="en-US" altLang="ja-JP" dirty="0">
               <a:latin typeface="HG丸ｺﾞｼｯｸM-PRO" panose="020F0600000000000000" pitchFamily="50" charset="-128"/>
               <a:ea typeface="HG丸ｺﾞｼｯｸM-PRO" panose="020F0600000000000000" pitchFamily="50" charset="-128"/>
             </a:endParaRPr>
           </a:p>
-        </p:txBody>
-      </p:sp>
-      <p:sp>
-        <p:nvSpPr>
-          <p:cNvPr id="8" name="テキスト ボックス 7">
-            <a:extLst>
-              <a:ext uri="{FF2B5EF4-FFF2-40B4-BE49-F238E27FC236}">
-                <a16:creationId xmlns:a16="http://schemas.microsoft.com/office/drawing/2014/main" id="{FA89B8B3-AA79-43B5-83C2-82538ED64424}"/>
-              </a:ext>
-            </a:extLst>
-          </p:cNvPr>
-          <p:cNvSpPr txBox="1"/>
-          <p:nvPr/>
-        </p:nvSpPr>
-        <p:spPr>
-          <a:xfrm>
-            <a:off x="642344" y="3753464"/>
-            <a:ext cx="1359296" cy="1200329"/>
-          </a:xfrm>
-          <a:prstGeom prst="rect">
-            <a:avLst/>
-          </a:prstGeom>
-          <a:noFill/>
-        </p:spPr>
-        <p:txBody>
-          <a:bodyPr wrap="square" rtlCol="0">
-            <a:spAutoFit/>
-          </a:bodyPr>
-          <a:lstStyle/>
           <a:p>
             <a:r>
               <a:rPr lang="ja-JP" altLang="en-US" dirty="0">
                 <a:latin typeface="HG丸ｺﾞｼｯｸM-PRO" panose="020F0600000000000000" pitchFamily="50" charset="-128"/>
                 <a:ea typeface="HG丸ｺﾞｼｯｸM-PRO" panose="020F0600000000000000" pitchFamily="50" charset="-128"/>
               </a:rPr>
-              <a:t>コミュニケーション担当</a:t>
-            </a:r>
-            <a:endParaRPr lang="en-US" altLang="ja-JP" dirty="0">
-              <a:latin typeface="HG丸ｺﾞｼｯｸM-PRO" panose="020F0600000000000000" pitchFamily="50" charset="-128"/>
-              <a:ea typeface="HG丸ｺﾞｼｯｸM-PRO" panose="020F0600000000000000" pitchFamily="50" charset="-128"/>
-            </a:endParaRPr>
-          </a:p>
-          <a:p>
-            <a:r>
-              <a:rPr kumimoji="1" lang="ja-JP" altLang="en-US" dirty="0">
-                <a:latin typeface="HG丸ｺﾞｼｯｸM-PRO" panose="020F0600000000000000" pitchFamily="50" charset="-128"/>
-                <a:ea typeface="HG丸ｺﾞｼｯｸM-PRO" panose="020F0600000000000000" pitchFamily="50" charset="-128"/>
-              </a:rPr>
-              <a:t>あぐい</a:t>
-            </a:r>
-          </a:p>
-        </p:txBody>
-      </p:sp>
-      <p:pic>
-        <p:nvPicPr>
-          <p:cNvPr id="5122" name="Picture 2" descr="ミツバチのアイコン">
-            <a:extLst>
-              <a:ext uri="{FF2B5EF4-FFF2-40B4-BE49-F238E27FC236}">
-                <a16:creationId xmlns:a16="http://schemas.microsoft.com/office/drawing/2014/main" id="{46EB40AC-1F2E-4094-B33F-CDA48632BE96}"/>
-              </a:ext>
-            </a:extLst>
-          </p:cNvPr>
-          <p:cNvPicPr>
-            <a:picLocks noChangeAspect="1" noChangeArrowheads="1"/>
-          </p:cNvPicPr>
-          <p:nvPr/>
-        </p:nvPicPr>
-        <p:blipFill>
-          <a:blip r:embed="rId2">
-            <a:extLst>
-              <a:ext uri="{28A0092B-C50C-407E-A947-70E740481C1C}">
-                <a14:useLocalDpi xmlns:a14="http://schemas.microsoft.com/office/drawing/2010/main" val="0"/>
-              </a:ext>
-            </a:extLst>
-          </a:blip>
-          <a:srcRect/>
-          <a:stretch>
-            <a:fillRect/>
-          </a:stretch>
-        </p:blipFill>
-        <p:spPr bwMode="auto">
-          <a:xfrm>
-            <a:off x="430304" y="4995398"/>
-            <a:ext cx="1360395" cy="1360395"/>
-          </a:xfrm>
-          <a:prstGeom prst="rect">
-            <a:avLst/>
-          </a:prstGeom>
-          <a:noFill/>
-          <a:extLst>
-            <a:ext uri="{909E8E84-426E-40DD-AFC4-6F175D3DCCD1}">
-              <a14:hiddenFill xmlns:a14="http://schemas.microsoft.com/office/drawing/2010/main">
-                <a:solidFill>
-                  <a:srgbClr val="FFFFFF"/>
-                </a:solidFill>
-              </a14:hiddenFill>
-            </a:ext>
-          </a:extLst>
-        </p:spPr>
-      </p:pic>
-      <p:sp>
-        <p:nvSpPr>
-          <p:cNvPr id="15" name="テキスト ボックス 14">
-            <a:extLst>
-              <a:ext uri="{FF2B5EF4-FFF2-40B4-BE49-F238E27FC236}">
-                <a16:creationId xmlns:a16="http://schemas.microsoft.com/office/drawing/2014/main" id="{449BCE91-6481-4B71-96F5-D6C4EF4C71E8}"/>
-              </a:ext>
-            </a:extLst>
-          </p:cNvPr>
-          <p:cNvSpPr txBox="1"/>
-          <p:nvPr/>
-        </p:nvSpPr>
-        <p:spPr>
-          <a:xfrm>
-            <a:off x="3227110" y="5311710"/>
-            <a:ext cx="7610477" cy="646331"/>
-          </a:xfrm>
-          <a:prstGeom prst="rect">
-            <a:avLst/>
-          </a:prstGeom>
-          <a:noFill/>
-        </p:spPr>
-        <p:txBody>
-          <a:bodyPr wrap="square" rtlCol="0">
-            <a:spAutoFit/>
-          </a:bodyPr>
-          <a:lstStyle/>
-          <a:p>
-            <a:r>
-              <a:rPr lang="ja-JP" altLang="en-US" dirty="0">
-                <a:latin typeface="HG丸ｺﾞｼｯｸM-PRO" panose="020F0600000000000000" pitchFamily="50" charset="-128"/>
-                <a:ea typeface="HG丸ｺﾞｼｯｸM-PRO" panose="020F0600000000000000" pitchFamily="50" charset="-128"/>
-              </a:rPr>
-              <a:t>　知識の定着が不十分なので聞くこと、調べることを徹底しながら実務で経験を積みながら勉強していきたい</a:t>
+              <a:t>きど</a:t>
             </a:r>
             <a:endParaRPr kumimoji="1" lang="ja-JP" altLang="en-US" dirty="0">
               <a:latin typeface="HG丸ｺﾞｼｯｸM-PRO" panose="020F0600000000000000" pitchFamily="50" charset="-128"/>
@@ -11780,7 +11651,7 @@
     </p:spTree>
     <p:extLst>
       <p:ext uri="{BB962C8B-B14F-4D97-AF65-F5344CB8AC3E}">
-        <p14:creationId xmlns:p14="http://schemas.microsoft.com/office/powerpoint/2010/main" val="2091201263"/>
+        <p14:creationId xmlns:p14="http://schemas.microsoft.com/office/powerpoint/2010/main" val="1188209027"/>
       </p:ext>
     </p:extLst>
   </p:cSld>
@@ -11876,55 +11747,6 @@
           </a:p>
         </p:txBody>
       </p:sp>
-      <p:pic>
-        <p:nvPicPr>
-          <p:cNvPr id="2050" name="Picture 2" descr="猫のアイコン">
-            <a:extLst>
-              <a:ext uri="{FF2B5EF4-FFF2-40B4-BE49-F238E27FC236}">
-                <a16:creationId xmlns:a16="http://schemas.microsoft.com/office/drawing/2014/main" id="{C27A6192-D8CD-4DCB-B8F6-9228E5B2FD11}"/>
-              </a:ext>
-            </a:extLst>
-          </p:cNvPr>
-          <p:cNvPicPr>
-            <a:picLocks noGrp="1" noChangeAspect="1" noChangeArrowheads="1"/>
-          </p:cNvPicPr>
-          <p:nvPr>
-            <p:ph idx="1"/>
-          </p:nvPr>
-        </p:nvPicPr>
-        <p:blipFill>
-          <a:blip r:embed="rId2">
-            <a:extLst>
-              <a:ext uri="{28A0092B-C50C-407E-A947-70E740481C1C}">
-                <a14:useLocalDpi xmlns:a14="http://schemas.microsoft.com/office/drawing/2010/main" val="0"/>
-              </a:ext>
-            </a:extLst>
-          </a:blip>
-          <a:srcRect/>
-          <a:stretch>
-            <a:fillRect/>
-          </a:stretch>
-        </p:blipFill>
-        <p:spPr bwMode="auto">
-          <a:xfrm>
-            <a:off x="523081" y="4953793"/>
-            <a:ext cx="1325563" cy="1325563"/>
-          </a:xfrm>
-          <a:prstGeom prst="rect">
-            <a:avLst/>
-          </a:prstGeom>
-          <a:noFill/>
-          <a:extLst>
-            <a:ext uri="{909E8E84-426E-40DD-AFC4-6F175D3DCCD1}">
-              <a14:hiddenFill xmlns:a14="http://schemas.microsoft.com/office/drawing/2010/main">
-                <a:solidFill>
-                  <a:srgbClr val="FFFFFF"/>
-                </a:solidFill>
-              </a14:hiddenFill>
-            </a:ext>
-          </a:extLst>
-        </p:spPr>
-      </p:pic>
       <p:sp>
         <p:nvSpPr>
           <p:cNvPr id="5" name="吹き出し: 角を丸めた四角形 4">
@@ -11987,7 +11809,7 @@
         </p:nvSpPr>
         <p:spPr>
           <a:xfrm>
-            <a:off x="2924176" y="781050"/>
+            <a:off x="2924176" y="1369536"/>
             <a:ext cx="8591550" cy="738664"/>
           </a:xfrm>
           <a:prstGeom prst="rect">
@@ -12038,8 +11860,8 @@
         </p:nvSpPr>
         <p:spPr>
           <a:xfrm>
-            <a:off x="3409950" y="1325324"/>
-            <a:ext cx="7600950" cy="646331"/>
+            <a:off x="3409950" y="1913810"/>
+            <a:ext cx="7600950" cy="369332"/>
           </a:xfrm>
           <a:prstGeom prst="rect">
             <a:avLst/>
@@ -12053,37 +11875,12 @@
           <a:lstStyle/>
           <a:p>
             <a:r>
-              <a:rPr lang="en-US" altLang="ja-JP" dirty="0">
+              <a:rPr kumimoji="1" lang="ja-JP" altLang="en-US" dirty="0">
                 <a:latin typeface="HG丸ｺﾞｼｯｸM-PRO" panose="020F0600000000000000" pitchFamily="50" charset="-128"/>
                 <a:ea typeface="HG丸ｺﾞｼｯｸM-PRO" panose="020F0600000000000000" pitchFamily="50" charset="-128"/>
               </a:rPr>
-              <a:t>5</a:t>
-            </a:r>
-            <a:r>
-              <a:rPr lang="ja-JP" altLang="en-US" dirty="0">
-                <a:latin typeface="HG丸ｺﾞｼｯｸM-PRO" panose="020F0600000000000000" pitchFamily="50" charset="-128"/>
-                <a:ea typeface="HG丸ｺﾞｼｯｸM-PRO" panose="020F0600000000000000" pitchFamily="50" charset="-128"/>
-              </a:rPr>
-              <a:t>月の時点で内部機能を理解できていなかったので、</a:t>
-            </a:r>
-            <a:r>
-              <a:rPr lang="en-US" altLang="ja-JP" dirty="0">
-                <a:latin typeface="HG丸ｺﾞｼｯｸM-PRO" panose="020F0600000000000000" pitchFamily="50" charset="-128"/>
-                <a:ea typeface="HG丸ｺﾞｼｯｸM-PRO" panose="020F0600000000000000" pitchFamily="50" charset="-128"/>
-              </a:rPr>
-              <a:t>DAO</a:t>
-            </a:r>
-            <a:r>
-              <a:rPr lang="ja-JP" altLang="en-US" dirty="0">
-                <a:latin typeface="HG丸ｺﾞｼｯｸM-PRO" panose="020F0600000000000000" pitchFamily="50" charset="-128"/>
-                <a:ea typeface="HG丸ｺﾞｼｯｸM-PRO" panose="020F0600000000000000" pitchFamily="50" charset="-128"/>
-              </a:rPr>
-              <a:t>やサーブレットの理解を一から始めた。</a:t>
-            </a:r>
-            <a:endParaRPr kumimoji="1" lang="ja-JP" altLang="en-US" dirty="0">
-              <a:latin typeface="HG丸ｺﾞｼｯｸM-PRO" panose="020F0600000000000000" pitchFamily="50" charset="-128"/>
-              <a:ea typeface="HG丸ｺﾞｼｯｸM-PRO" panose="020F0600000000000000" pitchFamily="50" charset="-128"/>
-            </a:endParaRPr>
+              <a:t>開発スケジュールとメンバーの技術に対する理解度のバランス調整。</a:t>
+            </a:r>
           </a:p>
         </p:txBody>
       </p:sp>
@@ -12101,7 +11898,7 @@
         </p:nvSpPr>
         <p:spPr>
           <a:xfrm>
-            <a:off x="2924176" y="2110263"/>
+            <a:off x="2924176" y="2967335"/>
             <a:ext cx="7410450" cy="461665"/>
           </a:xfrm>
           <a:prstGeom prst="rect">
@@ -12149,7 +11946,7 @@
         </p:nvSpPr>
         <p:spPr>
           <a:xfrm>
-            <a:off x="3409950" y="2630028"/>
+            <a:off x="3409950" y="3487100"/>
             <a:ext cx="7753350" cy="646331"/>
           </a:xfrm>
           <a:prstGeom prst="rect">
@@ -12164,16 +11961,12 @@
           <a:lstStyle/>
           <a:p>
             <a:r>
-              <a:rPr lang="ja-JP" altLang="en-US" dirty="0">
+              <a:rPr kumimoji="1" lang="ja-JP" altLang="en-US" dirty="0">
                 <a:latin typeface="HG丸ｺﾞｼｯｸM-PRO" panose="020F0600000000000000" pitchFamily="50" charset="-128"/>
                 <a:ea typeface="HG丸ｺﾞｼｯｸM-PRO" panose="020F0600000000000000" pitchFamily="50" charset="-128"/>
               </a:rPr>
-              <a:t>少しでも分からないところはすぐにメンバーに質問して助けてもらった。「理解が曖昧なまま進む」ということが無いよう徹底した。</a:t>
-            </a:r>
-            <a:endParaRPr kumimoji="1" lang="ja-JP" altLang="en-US" dirty="0">
-              <a:latin typeface="HG丸ｺﾞｼｯｸM-PRO" panose="020F0600000000000000" pitchFamily="50" charset="-128"/>
-              <a:ea typeface="HG丸ｺﾞｼｯｸM-PRO" panose="020F0600000000000000" pitchFamily="50" charset="-128"/>
-            </a:endParaRPr>
+              <a:t>難しいファイルの作成を全員で共有しながら行って理解度を深め、その後分担作業にして時短を狙いつつも全員がアウトプットできるようにした。</a:t>
+            </a:r>
           </a:p>
         </p:txBody>
       </p:sp>
@@ -12191,7 +11984,7 @@
         </p:nvSpPr>
         <p:spPr>
           <a:xfrm>
-            <a:off x="2990851" y="3364542"/>
+            <a:off x="2924176" y="4782775"/>
             <a:ext cx="7410450" cy="461665"/>
           </a:xfrm>
           <a:prstGeom prst="rect">
@@ -12239,8 +12032,8 @@
         </p:nvSpPr>
         <p:spPr>
           <a:xfrm>
-            <a:off x="3409950" y="3934733"/>
-            <a:ext cx="7610477" cy="646331"/>
+            <a:off x="3343275" y="5352966"/>
+            <a:ext cx="7610477" cy="369332"/>
           </a:xfrm>
           <a:prstGeom prst="rect">
             <a:avLst/>
@@ -12258,98 +12051,12 @@
                 <a:latin typeface="HG丸ｺﾞｼｯｸM-PRO" panose="020F0600000000000000" pitchFamily="50" charset="-128"/>
                 <a:ea typeface="HG丸ｺﾞｼｯｸM-PRO" panose="020F0600000000000000" pitchFamily="50" charset="-128"/>
               </a:rPr>
-              <a:t>内部機能が理解できたことで、繋がりが分かるようになり、「楽しい」と感じることが増えた。</a:t>
-            </a:r>
-            <a:endParaRPr kumimoji="1" lang="ja-JP" altLang="en-US" dirty="0">
+              <a:t>何よりもコミュニケーション能力。</a:t>
+            </a:r>
+            <a:endParaRPr lang="en-US" altLang="ja-JP" dirty="0">
               <a:latin typeface="HG丸ｺﾞｼｯｸM-PRO" panose="020F0600000000000000" pitchFamily="50" charset="-128"/>
               <a:ea typeface="HG丸ｺﾞｼｯｸM-PRO" panose="020F0600000000000000" pitchFamily="50" charset="-128"/>
             </a:endParaRPr>
-          </a:p>
-        </p:txBody>
-      </p:sp>
-      <p:sp>
-        <p:nvSpPr>
-          <p:cNvPr id="13" name="テキスト ボックス 12">
-            <a:extLst>
-              <a:ext uri="{FF2B5EF4-FFF2-40B4-BE49-F238E27FC236}">
-                <a16:creationId xmlns:a16="http://schemas.microsoft.com/office/drawing/2014/main" id="{A6CA4B9A-A3B6-4F35-8389-02654467E163}"/>
-              </a:ext>
-            </a:extLst>
-          </p:cNvPr>
-          <p:cNvSpPr txBox="1"/>
-          <p:nvPr/>
-        </p:nvSpPr>
-        <p:spPr>
-          <a:xfrm>
-            <a:off x="2990851" y="4727619"/>
-            <a:ext cx="7410450" cy="461665"/>
-          </a:xfrm>
-          <a:prstGeom prst="rect">
-            <a:avLst/>
-          </a:prstGeom>
-          <a:noFill/>
-        </p:spPr>
-        <p:txBody>
-          <a:bodyPr wrap="square" rtlCol="0">
-            <a:spAutoFit/>
-          </a:bodyPr>
-          <a:lstStyle/>
-          <a:p>
-            <a:r>
-              <a:rPr lang="ja-JP" altLang="en-US" sz="2400" dirty="0">
-                <a:solidFill>
-                  <a:srgbClr val="FF0000"/>
-                </a:solidFill>
-                <a:latin typeface="HG丸ｺﾞｼｯｸM-PRO" panose="020F0600000000000000" pitchFamily="50" charset="-128"/>
-                <a:ea typeface="HG丸ｺﾞｼｯｸM-PRO" panose="020F0600000000000000" pitchFamily="50" charset="-128"/>
-              </a:rPr>
-              <a:t>▷今後の目標</a:t>
-            </a:r>
-            <a:endParaRPr kumimoji="1" lang="ja-JP" altLang="en-US" sz="2400" dirty="0">
-              <a:solidFill>
-                <a:srgbClr val="FF0000"/>
-              </a:solidFill>
-              <a:latin typeface="HG丸ｺﾞｼｯｸM-PRO" panose="020F0600000000000000" pitchFamily="50" charset="-128"/>
-              <a:ea typeface="HG丸ｺﾞｼｯｸM-PRO" panose="020F0600000000000000" pitchFamily="50" charset="-128"/>
-            </a:endParaRPr>
-          </a:p>
-        </p:txBody>
-      </p:sp>
-      <p:sp>
-        <p:nvSpPr>
-          <p:cNvPr id="14" name="テキスト ボックス 13">
-            <a:extLst>
-              <a:ext uri="{FF2B5EF4-FFF2-40B4-BE49-F238E27FC236}">
-                <a16:creationId xmlns:a16="http://schemas.microsoft.com/office/drawing/2014/main" id="{F5B26454-7CD7-4F9F-8B12-734A0F74B5F2}"/>
-              </a:ext>
-            </a:extLst>
-          </p:cNvPr>
-          <p:cNvSpPr txBox="1"/>
-          <p:nvPr/>
-        </p:nvSpPr>
-        <p:spPr>
-          <a:xfrm>
-            <a:off x="3409950" y="5306264"/>
-            <a:ext cx="7410450" cy="646331"/>
-          </a:xfrm>
-          <a:prstGeom prst="rect">
-            <a:avLst/>
-          </a:prstGeom>
-          <a:noFill/>
-        </p:spPr>
-        <p:txBody>
-          <a:bodyPr wrap="square" rtlCol="0">
-            <a:spAutoFit/>
-          </a:bodyPr>
-          <a:lstStyle/>
-          <a:p>
-            <a:r>
-              <a:rPr kumimoji="1" lang="ja-JP" altLang="en-US" dirty="0">
-                <a:latin typeface="HG丸ｺﾞｼｯｸM-PRO" panose="020F0600000000000000" pitchFamily="50" charset="-128"/>
-                <a:ea typeface="HG丸ｺﾞｼｯｸM-PRO" panose="020F0600000000000000" pitchFamily="50" charset="-128"/>
-              </a:rPr>
-              <a:t>まだまだ知識が曖昧なところがあるため、実務で経験値を積みながら勉強していきたい。</a:t>
-            </a:r>
           </a:p>
         </p:txBody>
       </p:sp>
@@ -12382,697 +12089,85 @@
           <a:lstStyle/>
           <a:p>
             <a:r>
+              <a:rPr lang="ja-JP" altLang="en-US" dirty="0">
+                <a:latin typeface="HG丸ｺﾞｼｯｸM-PRO" panose="020F0600000000000000" pitchFamily="50" charset="-128"/>
+                <a:ea typeface="HG丸ｺﾞｼｯｸM-PRO" panose="020F0600000000000000" pitchFamily="50" charset="-128"/>
+              </a:rPr>
+              <a:t>リーダー</a:t>
+            </a:r>
+            <a:endParaRPr kumimoji="1" lang="en-US" altLang="ja-JP" dirty="0">
+              <a:latin typeface="HG丸ｺﾞｼｯｸM-PRO" panose="020F0600000000000000" pitchFamily="50" charset="-128"/>
+              <a:ea typeface="HG丸ｺﾞｼｯｸM-PRO" panose="020F0600000000000000" pitchFamily="50" charset="-128"/>
+            </a:endParaRPr>
+          </a:p>
+          <a:p>
+            <a:r>
               <a:rPr kumimoji="1" lang="ja-JP" altLang="en-US" dirty="0">
                 <a:latin typeface="HG丸ｺﾞｼｯｸM-PRO" panose="020F0600000000000000" pitchFamily="50" charset="-128"/>
                 <a:ea typeface="HG丸ｺﾞｼｯｸM-PRO" panose="020F0600000000000000" pitchFamily="50" charset="-128"/>
               </a:rPr>
-              <a:t>発表担当</a:t>
-            </a:r>
-            <a:endParaRPr kumimoji="1" lang="en-US" altLang="ja-JP" dirty="0">
-              <a:latin typeface="HG丸ｺﾞｼｯｸM-PRO" panose="020F0600000000000000" pitchFamily="50" charset="-128"/>
-              <a:ea typeface="HG丸ｺﾞｼｯｸM-PRO" panose="020F0600000000000000" pitchFamily="50" charset="-128"/>
-            </a:endParaRPr>
-          </a:p>
-          <a:p>
-            <a:r>
-              <a:rPr lang="ja-JP" altLang="en-US" dirty="0">
-                <a:latin typeface="HG丸ｺﾞｼｯｸM-PRO" panose="020F0600000000000000" pitchFamily="50" charset="-128"/>
-                <a:ea typeface="HG丸ｺﾞｼｯｸM-PRO" panose="020F0600000000000000" pitchFamily="50" charset="-128"/>
-              </a:rPr>
-              <a:t>きど</a:t>
-            </a:r>
-            <a:endParaRPr kumimoji="1" lang="ja-JP" altLang="en-US" dirty="0">
-              <a:latin typeface="HG丸ｺﾞｼｯｸM-PRO" panose="020F0600000000000000" pitchFamily="50" charset="-128"/>
-              <a:ea typeface="HG丸ｺﾞｼｯｸM-PRO" panose="020F0600000000000000" pitchFamily="50" charset="-128"/>
-            </a:endParaRPr>
-          </a:p>
-        </p:txBody>
-      </p:sp>
+              <a:t>やじま</a:t>
+            </a:r>
+          </a:p>
+        </p:txBody>
+      </p:sp>
+      <p:pic>
+        <p:nvPicPr>
+          <p:cNvPr id="6146" name="Picture 2" descr="男性の顔アイコン 4">
+            <a:extLst>
+              <a:ext uri="{FF2B5EF4-FFF2-40B4-BE49-F238E27FC236}">
+                <a16:creationId xmlns:a16="http://schemas.microsoft.com/office/drawing/2014/main" id="{E0C6905F-49EB-47F3-BFA2-DC36BC083437}"/>
+              </a:ext>
+            </a:extLst>
+          </p:cNvPr>
+          <p:cNvPicPr>
+            <a:picLocks noChangeAspect="1" noChangeArrowheads="1"/>
+          </p:cNvPicPr>
+          <p:nvPr/>
+        </p:nvPicPr>
+        <p:blipFill>
+          <a:blip r:embed="rId2">
+            <a:extLst>
+              <a:ext uri="{28A0092B-C50C-407E-A947-70E740481C1C}">
+                <a14:useLocalDpi xmlns:a14="http://schemas.microsoft.com/office/drawing/2010/main" val="0"/>
+              </a:ext>
+            </a:extLst>
+          </a:blip>
+          <a:srcRect/>
+          <a:stretch>
+            <a:fillRect/>
+          </a:stretch>
+        </p:blipFill>
+        <p:spPr bwMode="auto">
+          <a:xfrm>
+            <a:off x="485776" y="5013608"/>
+            <a:ext cx="1323975" cy="1323975"/>
+          </a:xfrm>
+          <a:prstGeom prst="rect">
+            <a:avLst/>
+          </a:prstGeom>
+          <a:noFill/>
+          <a:extLst>
+            <a:ext uri="{909E8E84-426E-40DD-AFC4-6F175D3DCCD1}">
+              <a14:hiddenFill xmlns:a14="http://schemas.microsoft.com/office/drawing/2010/main">
+                <a:solidFill>
+                  <a:srgbClr val="FFFFFF"/>
+                </a:solidFill>
+              </a14:hiddenFill>
+            </a:ext>
+          </a:extLst>
+        </p:spPr>
+      </p:pic>
     </p:spTree>
     <p:extLst>
       <p:ext uri="{BB962C8B-B14F-4D97-AF65-F5344CB8AC3E}">
-        <p14:creationId xmlns:p14="http://schemas.microsoft.com/office/powerpoint/2010/main" val="1188209027"/>
+        <p14:creationId xmlns:p14="http://schemas.microsoft.com/office/powerpoint/2010/main" val="621248268"/>
       </p:ext>
     </p:extLst>
   </p:cSld>
   <p:clrMapOvr>
     <a:masterClrMapping/>
   </p:clrMapOvr>
-  <p:timing>
-    <p:tnLst>
-      <p:par>
-        <p:cTn id="1" dur="indefinite" restart="never" nodeType="tmRoot">
-          <p:childTnLst>
-            <p:seq concurrent="1" nextAc="seek">
-              <p:cTn id="2" dur="indefinite" nodeType="mainSeq">
-                <p:childTnLst>
-                  <p:par>
-                    <p:cTn id="3" fill="hold">
-                      <p:stCondLst>
-                        <p:cond delay="indefinite"/>
-                      </p:stCondLst>
-                      <p:childTnLst>
-                        <p:par>
-                          <p:cTn id="4" fill="hold">
-                            <p:stCondLst>
-                              <p:cond delay="0"/>
-                            </p:stCondLst>
-                            <p:childTnLst>
-                              <p:par>
-                                <p:cTn id="5" presetID="42" presetClass="entr" presetSubtype="0" fill="hold" nodeType="clickEffect">
-                                  <p:stCondLst>
-                                    <p:cond delay="0"/>
-                                  </p:stCondLst>
-                                  <p:childTnLst>
-                                    <p:set>
-                                      <p:cBhvr>
-                                        <p:cTn id="6" dur="1" fill="hold">
-                                          <p:stCondLst>
-                                            <p:cond delay="0"/>
-                                          </p:stCondLst>
-                                        </p:cTn>
-                                        <p:tgtEl>
-                                          <p:spTgt spid="2050"/>
-                                        </p:tgtEl>
-                                        <p:attrNameLst>
-                                          <p:attrName>style.visibility</p:attrName>
-                                        </p:attrNameLst>
-                                      </p:cBhvr>
-                                      <p:to>
-                                        <p:strVal val="visible"/>
-                                      </p:to>
-                                    </p:set>
-                                    <p:animEffect transition="in" filter="fade">
-                                      <p:cBhvr>
-                                        <p:cTn id="7" dur="1000"/>
-                                        <p:tgtEl>
-                                          <p:spTgt spid="2050"/>
-                                        </p:tgtEl>
-                                      </p:cBhvr>
-                                    </p:animEffect>
-                                    <p:anim calcmode="lin" valueType="num">
-                                      <p:cBhvr>
-                                        <p:cTn id="8" dur="1000" fill="hold"/>
-                                        <p:tgtEl>
-                                          <p:spTgt spid="2050"/>
-                                        </p:tgtEl>
-                                        <p:attrNameLst>
-                                          <p:attrName>ppt_x</p:attrName>
-                                        </p:attrNameLst>
-                                      </p:cBhvr>
-                                      <p:tavLst>
-                                        <p:tav tm="0">
-                                          <p:val>
-                                            <p:strVal val="#ppt_x"/>
-                                          </p:val>
-                                        </p:tav>
-                                        <p:tav tm="100000">
-                                          <p:val>
-                                            <p:strVal val="#ppt_x"/>
-                                          </p:val>
-                                        </p:tav>
-                                      </p:tavLst>
-                                    </p:anim>
-                                    <p:anim calcmode="lin" valueType="num">
-                                      <p:cBhvr>
-                                        <p:cTn id="9" dur="1000" fill="hold"/>
-                                        <p:tgtEl>
-                                          <p:spTgt spid="2050"/>
-                                        </p:tgtEl>
-                                        <p:attrNameLst>
-                                          <p:attrName>ppt_y</p:attrName>
-                                        </p:attrNameLst>
-                                      </p:cBhvr>
-                                      <p:tavLst>
-                                        <p:tav tm="0">
-                                          <p:val>
-                                            <p:strVal val="#ppt_y+.1"/>
-                                          </p:val>
-                                        </p:tav>
-                                        <p:tav tm="100000">
-                                          <p:val>
-                                            <p:strVal val="#ppt_y"/>
-                                          </p:val>
-                                        </p:tav>
-                                      </p:tavLst>
-                                    </p:anim>
-                                  </p:childTnLst>
-                                </p:cTn>
-                              </p:par>
-                              <p:par>
-                                <p:cTn id="10" presetID="42" presetClass="entr" presetSubtype="0" fill="hold" grpId="0" nodeType="withEffect">
-                                  <p:stCondLst>
-                                    <p:cond delay="0"/>
-                                  </p:stCondLst>
-                                  <p:childTnLst>
-                                    <p:set>
-                                      <p:cBhvr>
-                                        <p:cTn id="11" dur="1" fill="hold">
-                                          <p:stCondLst>
-                                            <p:cond delay="0"/>
-                                          </p:stCondLst>
-                                        </p:cTn>
-                                        <p:tgtEl>
-                                          <p:spTgt spid="8"/>
-                                        </p:tgtEl>
-                                        <p:attrNameLst>
-                                          <p:attrName>style.visibility</p:attrName>
-                                        </p:attrNameLst>
-                                      </p:cBhvr>
-                                      <p:to>
-                                        <p:strVal val="visible"/>
-                                      </p:to>
-                                    </p:set>
-                                    <p:animEffect transition="in" filter="fade">
-                                      <p:cBhvr>
-                                        <p:cTn id="12" dur="1000"/>
-                                        <p:tgtEl>
-                                          <p:spTgt spid="8"/>
-                                        </p:tgtEl>
-                                      </p:cBhvr>
-                                    </p:animEffect>
-                                    <p:anim calcmode="lin" valueType="num">
-                                      <p:cBhvr>
-                                        <p:cTn id="13" dur="1000" fill="hold"/>
-                                        <p:tgtEl>
-                                          <p:spTgt spid="8"/>
-                                        </p:tgtEl>
-                                        <p:attrNameLst>
-                                          <p:attrName>ppt_x</p:attrName>
-                                        </p:attrNameLst>
-                                      </p:cBhvr>
-                                      <p:tavLst>
-                                        <p:tav tm="0">
-                                          <p:val>
-                                            <p:strVal val="#ppt_x"/>
-                                          </p:val>
-                                        </p:tav>
-                                        <p:tav tm="100000">
-                                          <p:val>
-                                            <p:strVal val="#ppt_x"/>
-                                          </p:val>
-                                        </p:tav>
-                                      </p:tavLst>
-                                    </p:anim>
-                                    <p:anim calcmode="lin" valueType="num">
-                                      <p:cBhvr>
-                                        <p:cTn id="14" dur="1000" fill="hold"/>
-                                        <p:tgtEl>
-                                          <p:spTgt spid="8"/>
-                                        </p:tgtEl>
-                                        <p:attrNameLst>
-                                          <p:attrName>ppt_y</p:attrName>
-                                        </p:attrNameLst>
-                                      </p:cBhvr>
-                                      <p:tavLst>
-                                        <p:tav tm="0">
-                                          <p:val>
-                                            <p:strVal val="#ppt_y+.1"/>
-                                          </p:val>
-                                        </p:tav>
-                                        <p:tav tm="100000">
-                                          <p:val>
-                                            <p:strVal val="#ppt_y"/>
-                                          </p:val>
-                                        </p:tav>
-                                      </p:tavLst>
-                                    </p:anim>
-                                  </p:childTnLst>
-                                </p:cTn>
-                              </p:par>
-                              <p:par>
-                                <p:cTn id="15" presetID="42" presetClass="entr" presetSubtype="0" fill="hold" grpId="0" nodeType="withEffect">
-                                  <p:stCondLst>
-                                    <p:cond delay="0"/>
-                                  </p:stCondLst>
-                                  <p:childTnLst>
-                                    <p:set>
-                                      <p:cBhvr>
-                                        <p:cTn id="16" dur="1" fill="hold">
-                                          <p:stCondLst>
-                                            <p:cond delay="0"/>
-                                          </p:stCondLst>
-                                        </p:cTn>
-                                        <p:tgtEl>
-                                          <p:spTgt spid="5"/>
-                                        </p:tgtEl>
-                                        <p:attrNameLst>
-                                          <p:attrName>style.visibility</p:attrName>
-                                        </p:attrNameLst>
-                                      </p:cBhvr>
-                                      <p:to>
-                                        <p:strVal val="visible"/>
-                                      </p:to>
-                                    </p:set>
-                                    <p:animEffect transition="in" filter="fade">
-                                      <p:cBhvr>
-                                        <p:cTn id="17" dur="1000"/>
-                                        <p:tgtEl>
-                                          <p:spTgt spid="5"/>
-                                        </p:tgtEl>
-                                      </p:cBhvr>
-                                    </p:animEffect>
-                                    <p:anim calcmode="lin" valueType="num">
-                                      <p:cBhvr>
-                                        <p:cTn id="18" dur="1000" fill="hold"/>
-                                        <p:tgtEl>
-                                          <p:spTgt spid="5"/>
-                                        </p:tgtEl>
-                                        <p:attrNameLst>
-                                          <p:attrName>ppt_x</p:attrName>
-                                        </p:attrNameLst>
-                                      </p:cBhvr>
-                                      <p:tavLst>
-                                        <p:tav tm="0">
-                                          <p:val>
-                                            <p:strVal val="#ppt_x"/>
-                                          </p:val>
-                                        </p:tav>
-                                        <p:tav tm="100000">
-                                          <p:val>
-                                            <p:strVal val="#ppt_x"/>
-                                          </p:val>
-                                        </p:tav>
-                                      </p:tavLst>
-                                    </p:anim>
-                                    <p:anim calcmode="lin" valueType="num">
-                                      <p:cBhvr>
-                                        <p:cTn id="19" dur="1000" fill="hold"/>
-                                        <p:tgtEl>
-                                          <p:spTgt spid="5"/>
-                                        </p:tgtEl>
-                                        <p:attrNameLst>
-                                          <p:attrName>ppt_y</p:attrName>
-                                        </p:attrNameLst>
-                                      </p:cBhvr>
-                                      <p:tavLst>
-                                        <p:tav tm="0">
-                                          <p:val>
-                                            <p:strVal val="#ppt_y+.1"/>
-                                          </p:val>
-                                        </p:tav>
-                                        <p:tav tm="100000">
-                                          <p:val>
-                                            <p:strVal val="#ppt_y"/>
-                                          </p:val>
-                                        </p:tav>
-                                      </p:tavLst>
-                                    </p:anim>
-                                  </p:childTnLst>
-                                </p:cTn>
-                              </p:par>
-                            </p:childTnLst>
-                          </p:cTn>
-                        </p:par>
-                      </p:childTnLst>
-                    </p:cTn>
-                  </p:par>
-                  <p:par>
-                    <p:cTn id="20" fill="hold">
-                      <p:stCondLst>
-                        <p:cond delay="indefinite"/>
-                      </p:stCondLst>
-                      <p:childTnLst>
-                        <p:par>
-                          <p:cTn id="21" fill="hold">
-                            <p:stCondLst>
-                              <p:cond delay="0"/>
-                            </p:stCondLst>
-                            <p:childTnLst>
-                              <p:par>
-                                <p:cTn id="22" presetID="10" presetClass="entr" presetSubtype="0" fill="hold" grpId="0" nodeType="clickEffect">
-                                  <p:stCondLst>
-                                    <p:cond delay="0"/>
-                                  </p:stCondLst>
-                                  <p:childTnLst>
-                                    <p:set>
-                                      <p:cBhvr>
-                                        <p:cTn id="23" dur="1" fill="hold">
-                                          <p:stCondLst>
-                                            <p:cond delay="0"/>
-                                          </p:stCondLst>
-                                        </p:cTn>
-                                        <p:tgtEl>
-                                          <p:spTgt spid="6"/>
-                                        </p:tgtEl>
-                                        <p:attrNameLst>
-                                          <p:attrName>style.visibility</p:attrName>
-                                        </p:attrNameLst>
-                                      </p:cBhvr>
-                                      <p:to>
-                                        <p:strVal val="visible"/>
-                                      </p:to>
-                                    </p:set>
-                                    <p:animEffect transition="in" filter="fade">
-                                      <p:cBhvr>
-                                        <p:cTn id="24" dur="1000"/>
-                                        <p:tgtEl>
-                                          <p:spTgt spid="6"/>
-                                        </p:tgtEl>
-                                      </p:cBhvr>
-                                    </p:animEffect>
-                                  </p:childTnLst>
-                                </p:cTn>
-                              </p:par>
-                              <p:par>
-                                <p:cTn id="25" presetID="10" presetClass="entr" presetSubtype="0" fill="hold" grpId="0" nodeType="withEffect">
-                                  <p:stCondLst>
-                                    <p:cond delay="0"/>
-                                  </p:stCondLst>
-                                  <p:childTnLst>
-                                    <p:set>
-                                      <p:cBhvr>
-                                        <p:cTn id="26" dur="1" fill="hold">
-                                          <p:stCondLst>
-                                            <p:cond delay="0"/>
-                                          </p:stCondLst>
-                                        </p:cTn>
-                                        <p:tgtEl>
-                                          <p:spTgt spid="7"/>
-                                        </p:tgtEl>
-                                        <p:attrNameLst>
-                                          <p:attrName>style.visibility</p:attrName>
-                                        </p:attrNameLst>
-                                      </p:cBhvr>
-                                      <p:to>
-                                        <p:strVal val="visible"/>
-                                      </p:to>
-                                    </p:set>
-                                    <p:animEffect transition="in" filter="fade">
-                                      <p:cBhvr>
-                                        <p:cTn id="27" dur="1000"/>
-                                        <p:tgtEl>
-                                          <p:spTgt spid="7"/>
-                                        </p:tgtEl>
-                                      </p:cBhvr>
-                                    </p:animEffect>
-                                  </p:childTnLst>
-                                </p:cTn>
-                              </p:par>
-                            </p:childTnLst>
-                          </p:cTn>
-                        </p:par>
-                      </p:childTnLst>
-                    </p:cTn>
-                  </p:par>
-                  <p:par>
-                    <p:cTn id="28" fill="hold">
-                      <p:stCondLst>
-                        <p:cond delay="indefinite"/>
-                      </p:stCondLst>
-                      <p:childTnLst>
-                        <p:par>
-                          <p:cTn id="29" fill="hold">
-                            <p:stCondLst>
-                              <p:cond delay="0"/>
-                            </p:stCondLst>
-                            <p:childTnLst>
-                              <p:par>
-                                <p:cTn id="30" presetID="10" presetClass="entr" presetSubtype="0" fill="hold" grpId="0" nodeType="clickEffect">
-                                  <p:stCondLst>
-                                    <p:cond delay="0"/>
-                                  </p:stCondLst>
-                                  <p:childTnLst>
-                                    <p:set>
-                                      <p:cBhvr>
-                                        <p:cTn id="31" dur="1" fill="hold">
-                                          <p:stCondLst>
-                                            <p:cond delay="0"/>
-                                          </p:stCondLst>
-                                        </p:cTn>
-                                        <p:tgtEl>
-                                          <p:spTgt spid="9"/>
-                                        </p:tgtEl>
-                                        <p:attrNameLst>
-                                          <p:attrName>style.visibility</p:attrName>
-                                        </p:attrNameLst>
-                                      </p:cBhvr>
-                                      <p:to>
-                                        <p:strVal val="visible"/>
-                                      </p:to>
-                                    </p:set>
-                                    <p:animEffect transition="in" filter="fade">
-                                      <p:cBhvr>
-                                        <p:cTn id="32" dur="1000"/>
-                                        <p:tgtEl>
-                                          <p:spTgt spid="9"/>
-                                        </p:tgtEl>
-                                      </p:cBhvr>
-                                    </p:animEffect>
-                                  </p:childTnLst>
-                                </p:cTn>
-                              </p:par>
-                              <p:par>
-                                <p:cTn id="33" presetID="10" presetClass="entr" presetSubtype="0" fill="hold" grpId="0" nodeType="withEffect">
-                                  <p:stCondLst>
-                                    <p:cond delay="0"/>
-                                  </p:stCondLst>
-                                  <p:childTnLst>
-                                    <p:set>
-                                      <p:cBhvr>
-                                        <p:cTn id="34" dur="1" fill="hold">
-                                          <p:stCondLst>
-                                            <p:cond delay="0"/>
-                                          </p:stCondLst>
-                                        </p:cTn>
-                                        <p:tgtEl>
-                                          <p:spTgt spid="10"/>
-                                        </p:tgtEl>
-                                        <p:attrNameLst>
-                                          <p:attrName>style.visibility</p:attrName>
-                                        </p:attrNameLst>
-                                      </p:cBhvr>
-                                      <p:to>
-                                        <p:strVal val="visible"/>
-                                      </p:to>
-                                    </p:set>
-                                    <p:animEffect transition="in" filter="fade">
-                                      <p:cBhvr>
-                                        <p:cTn id="35" dur="1000"/>
-                                        <p:tgtEl>
-                                          <p:spTgt spid="10"/>
-                                        </p:tgtEl>
-                                      </p:cBhvr>
-                                    </p:animEffect>
-                                  </p:childTnLst>
-                                </p:cTn>
-                              </p:par>
-                            </p:childTnLst>
-                          </p:cTn>
-                        </p:par>
-                      </p:childTnLst>
-                    </p:cTn>
-                  </p:par>
-                  <p:par>
-                    <p:cTn id="36" fill="hold">
-                      <p:stCondLst>
-                        <p:cond delay="indefinite"/>
-                      </p:stCondLst>
-                      <p:childTnLst>
-                        <p:par>
-                          <p:cTn id="37" fill="hold">
-                            <p:stCondLst>
-                              <p:cond delay="0"/>
-                            </p:stCondLst>
-                            <p:childTnLst>
-                              <p:par>
-                                <p:cTn id="38" presetID="10" presetClass="entr" presetSubtype="0" fill="hold" grpId="0" nodeType="clickEffect">
-                                  <p:stCondLst>
-                                    <p:cond delay="0"/>
-                                  </p:stCondLst>
-                                  <p:childTnLst>
-                                    <p:set>
-                                      <p:cBhvr>
-                                        <p:cTn id="39" dur="1" fill="hold">
-                                          <p:stCondLst>
-                                            <p:cond delay="0"/>
-                                          </p:stCondLst>
-                                        </p:cTn>
-                                        <p:tgtEl>
-                                          <p:spTgt spid="11"/>
-                                        </p:tgtEl>
-                                        <p:attrNameLst>
-                                          <p:attrName>style.visibility</p:attrName>
-                                        </p:attrNameLst>
-                                      </p:cBhvr>
-                                      <p:to>
-                                        <p:strVal val="visible"/>
-                                      </p:to>
-                                    </p:set>
-                                    <p:animEffect transition="in" filter="fade">
-                                      <p:cBhvr>
-                                        <p:cTn id="40" dur="1000"/>
-                                        <p:tgtEl>
-                                          <p:spTgt spid="11"/>
-                                        </p:tgtEl>
-                                      </p:cBhvr>
-                                    </p:animEffect>
-                                  </p:childTnLst>
-                                </p:cTn>
-                              </p:par>
-                              <p:par>
-                                <p:cTn id="41" presetID="10" presetClass="entr" presetSubtype="0" fill="hold" grpId="0" nodeType="withEffect">
-                                  <p:stCondLst>
-                                    <p:cond delay="0"/>
-                                  </p:stCondLst>
-                                  <p:childTnLst>
-                                    <p:set>
-                                      <p:cBhvr>
-                                        <p:cTn id="42" dur="1" fill="hold">
-                                          <p:stCondLst>
-                                            <p:cond delay="0"/>
-                                          </p:stCondLst>
-                                        </p:cTn>
-                                        <p:tgtEl>
-                                          <p:spTgt spid="12"/>
-                                        </p:tgtEl>
-                                        <p:attrNameLst>
-                                          <p:attrName>style.visibility</p:attrName>
-                                        </p:attrNameLst>
-                                      </p:cBhvr>
-                                      <p:to>
-                                        <p:strVal val="visible"/>
-                                      </p:to>
-                                    </p:set>
-                                    <p:animEffect transition="in" filter="fade">
-                                      <p:cBhvr>
-                                        <p:cTn id="43" dur="1000"/>
-                                        <p:tgtEl>
-                                          <p:spTgt spid="12"/>
-                                        </p:tgtEl>
-                                      </p:cBhvr>
-                                    </p:animEffect>
-                                  </p:childTnLst>
-                                </p:cTn>
-                              </p:par>
-                            </p:childTnLst>
-                          </p:cTn>
-                        </p:par>
-                      </p:childTnLst>
-                    </p:cTn>
-                  </p:par>
-                  <p:par>
-                    <p:cTn id="44" fill="hold">
-                      <p:stCondLst>
-                        <p:cond delay="indefinite"/>
-                      </p:stCondLst>
-                      <p:childTnLst>
-                        <p:par>
-                          <p:cTn id="45" fill="hold">
-                            <p:stCondLst>
-                              <p:cond delay="0"/>
-                            </p:stCondLst>
-                            <p:childTnLst>
-                              <p:par>
-                                <p:cTn id="46" presetID="10" presetClass="entr" presetSubtype="0" fill="hold" grpId="0" nodeType="clickEffect">
-                                  <p:stCondLst>
-                                    <p:cond delay="0"/>
-                                  </p:stCondLst>
-                                  <p:childTnLst>
-                                    <p:set>
-                                      <p:cBhvr>
-                                        <p:cTn id="47" dur="1" fill="hold">
-                                          <p:stCondLst>
-                                            <p:cond delay="0"/>
-                                          </p:stCondLst>
-                                        </p:cTn>
-                                        <p:tgtEl>
-                                          <p:spTgt spid="13"/>
-                                        </p:tgtEl>
-                                        <p:attrNameLst>
-                                          <p:attrName>style.visibility</p:attrName>
-                                        </p:attrNameLst>
-                                      </p:cBhvr>
-                                      <p:to>
-                                        <p:strVal val="visible"/>
-                                      </p:to>
-                                    </p:set>
-                                    <p:animEffect transition="in" filter="fade">
-                                      <p:cBhvr>
-                                        <p:cTn id="48" dur="1000"/>
-                                        <p:tgtEl>
-                                          <p:spTgt spid="13"/>
-                                        </p:tgtEl>
-                                      </p:cBhvr>
-                                    </p:animEffect>
-                                  </p:childTnLst>
-                                </p:cTn>
-                              </p:par>
-                              <p:par>
-                                <p:cTn id="49" presetID="10" presetClass="entr" presetSubtype="0" fill="hold" grpId="0" nodeType="withEffect">
-                                  <p:stCondLst>
-                                    <p:cond delay="0"/>
-                                  </p:stCondLst>
-                                  <p:childTnLst>
-                                    <p:set>
-                                      <p:cBhvr>
-                                        <p:cTn id="50" dur="1" fill="hold">
-                                          <p:stCondLst>
-                                            <p:cond delay="0"/>
-                                          </p:stCondLst>
-                                        </p:cTn>
-                                        <p:tgtEl>
-                                          <p:spTgt spid="14"/>
-                                        </p:tgtEl>
-                                        <p:attrNameLst>
-                                          <p:attrName>style.visibility</p:attrName>
-                                        </p:attrNameLst>
-                                      </p:cBhvr>
-                                      <p:to>
-                                        <p:strVal val="visible"/>
-                                      </p:to>
-                                    </p:set>
-                                    <p:animEffect transition="in" filter="fade">
-                                      <p:cBhvr>
-                                        <p:cTn id="51" dur="1000"/>
-                                        <p:tgtEl>
-                                          <p:spTgt spid="14"/>
-                                        </p:tgtEl>
-                                      </p:cBhvr>
-                                    </p:animEffect>
-                                  </p:childTnLst>
-                                </p:cTn>
-                              </p:par>
-                            </p:childTnLst>
-                          </p:cTn>
-                        </p:par>
-                      </p:childTnLst>
-                    </p:cTn>
-                  </p:par>
-                </p:childTnLst>
-              </p:cTn>
-              <p:prevCondLst>
-                <p:cond evt="onPrev" delay="0">
-                  <p:tgtEl>
-                    <p:sldTgt/>
-                  </p:tgtEl>
-                </p:cond>
-              </p:prevCondLst>
-              <p:nextCondLst>
-                <p:cond evt="onNext" delay="0">
-                  <p:tgtEl>
-                    <p:sldTgt/>
-                  </p:tgtEl>
-                </p:cond>
-              </p:nextCondLst>
-            </p:seq>
-          </p:childTnLst>
-        </p:cTn>
-      </p:par>
-    </p:tnLst>
-    <p:bldLst>
-      <p:bldP spid="5" grpId="0" animBg="1"/>
-      <p:bldP spid="6" grpId="0"/>
-      <p:bldP spid="7" grpId="0"/>
-      <p:bldP spid="9" grpId="0"/>
-      <p:bldP spid="10" grpId="0"/>
-      <p:bldP spid="11" grpId="0"/>
-      <p:bldP spid="12" grpId="0"/>
-      <p:bldP spid="13" grpId="0"/>
-      <p:bldP spid="14" grpId="0"/>
-      <p:bldP spid="8" grpId="0"/>
-    </p:bldLst>
-  </p:timing>
 </p:sld>
 </file>
 
@@ -13093,39 +12188,6 @@
           <a:chExt cx="0" cy="0"/>
         </a:xfrm>
       </p:grpSpPr>
-      <p:sp>
-        <p:nvSpPr>
-          <p:cNvPr id="2" name="タイトル 1">
-            <a:extLst>
-              <a:ext uri="{FF2B5EF4-FFF2-40B4-BE49-F238E27FC236}">
-                <a16:creationId xmlns:a16="http://schemas.microsoft.com/office/drawing/2014/main" id="{0E0052EA-F9A7-41FB-BA0C-317EFE23BF4C}"/>
-              </a:ext>
-            </a:extLst>
-          </p:cNvPr>
-          <p:cNvSpPr>
-            <a:spLocks noGrp="1"/>
-          </p:cNvSpPr>
-          <p:nvPr>
-            <p:ph type="title"/>
-          </p:nvPr>
-        </p:nvSpPr>
-        <p:spPr/>
-        <p:txBody>
-          <a:bodyPr>
-            <a:normAutofit/>
-          </a:bodyPr>
-          <a:lstStyle/>
-          <a:p>
-            <a:r>
-              <a:rPr kumimoji="1" lang="ja-JP" altLang="en-US" sz="4000" dirty="0">
-                <a:latin typeface="HG丸ｺﾞｼｯｸM-PRO" panose="020F0600000000000000" pitchFamily="50" charset="-128"/>
-                <a:ea typeface="HG丸ｺﾞｼｯｸM-PRO" panose="020F0600000000000000" pitchFamily="50" charset="-128"/>
-              </a:rPr>
-              <a:t>まとめ</a:t>
-            </a:r>
-          </a:p>
-        </p:txBody>
-      </p:sp>
       <p:sp>
         <p:nvSpPr>
           <p:cNvPr id="4" name="フレーム 3">
@@ -13197,364 +12259,20 @@
       </p:sp>
       <p:sp>
         <p:nvSpPr>
-          <p:cNvPr id="6" name="正方形/長方形 5">
-            <a:extLst>
-              <a:ext uri="{FF2B5EF4-FFF2-40B4-BE49-F238E27FC236}">
-                <a16:creationId xmlns:a16="http://schemas.microsoft.com/office/drawing/2014/main" id="{86BDE0B9-BFAD-41DB-8637-CD761EAC0AD1}"/>
-              </a:ext>
-            </a:extLst>
-          </p:cNvPr>
-          <p:cNvSpPr/>
+          <p:cNvPr id="7" name="テキスト ボックス 6">
+            <a:extLst>
+              <a:ext uri="{FF2B5EF4-FFF2-40B4-BE49-F238E27FC236}">
+                <a16:creationId xmlns:a16="http://schemas.microsoft.com/office/drawing/2014/main" id="{A9616E43-2CB9-4160-A4B3-81ED277889E9}"/>
+              </a:ext>
+            </a:extLst>
+          </p:cNvPr>
+          <p:cNvSpPr txBox="1"/>
           <p:nvPr/>
         </p:nvSpPr>
         <p:spPr>
           <a:xfrm>
-            <a:off x="1028701" y="1524000"/>
-            <a:ext cx="10239374" cy="1450181"/>
-          </a:xfrm>
-          <a:prstGeom prst="rect">
-            <a:avLst/>
-          </a:prstGeom>
-          <a:solidFill>
-            <a:schemeClr val="accent6">
-              <a:alpha val="50000"/>
-            </a:schemeClr>
-          </a:solidFill>
-          <a:ln>
-            <a:noFill/>
-          </a:ln>
-        </p:spPr>
-        <p:style>
-          <a:lnRef idx="0">
-            <a:scrgbClr r="0" g="0" b="0"/>
-          </a:lnRef>
-          <a:fillRef idx="0">
-            <a:scrgbClr r="0" g="0" b="0"/>
-          </a:fillRef>
-          <a:effectRef idx="0">
-            <a:scrgbClr r="0" g="0" b="0"/>
-          </a:effectRef>
-          <a:fontRef idx="minor">
-            <a:schemeClr val="lt1"/>
-          </a:fontRef>
-        </p:style>
-        <p:txBody>
-          <a:bodyPr rtlCol="0" anchor="ctr"/>
-          <a:lstStyle/>
-          <a:p>
-            <a:pPr algn="ctr"/>
-            <a:endParaRPr kumimoji="1" lang="ja-JP" altLang="en-US" dirty="0"/>
-          </a:p>
-        </p:txBody>
-      </p:sp>
-      <p:sp>
-        <p:nvSpPr>
-          <p:cNvPr id="7" name="正方形/長方形 6">
-            <a:extLst>
-              <a:ext uri="{FF2B5EF4-FFF2-40B4-BE49-F238E27FC236}">
-                <a16:creationId xmlns:a16="http://schemas.microsoft.com/office/drawing/2014/main" id="{F7D94850-D30A-46DE-963E-3E27A1176F85}"/>
-              </a:ext>
-            </a:extLst>
-          </p:cNvPr>
-          <p:cNvSpPr/>
-          <p:nvPr/>
-        </p:nvSpPr>
-        <p:spPr>
-          <a:xfrm>
-            <a:off x="1028700" y="1526382"/>
-            <a:ext cx="2047875" cy="590550"/>
-          </a:xfrm>
-          <a:prstGeom prst="rect">
-            <a:avLst/>
-          </a:prstGeom>
-          <a:solidFill>
-            <a:schemeClr val="accent6">
-              <a:lumMod val="50000"/>
-            </a:schemeClr>
-          </a:solidFill>
-          <a:ln>
-            <a:noFill/>
-          </a:ln>
-        </p:spPr>
-        <p:style>
-          <a:lnRef idx="2">
-            <a:schemeClr val="accent1">
-              <a:shade val="50000"/>
-            </a:schemeClr>
-          </a:lnRef>
-          <a:fillRef idx="1">
-            <a:schemeClr val="accent1"/>
-          </a:fillRef>
-          <a:effectRef idx="0">
-            <a:schemeClr val="accent1"/>
-          </a:effectRef>
-          <a:fontRef idx="minor">
-            <a:schemeClr val="lt1"/>
-          </a:fontRef>
-        </p:style>
-        <p:txBody>
-          <a:bodyPr rtlCol="0" anchor="ctr"/>
-          <a:lstStyle/>
-          <a:p>
-            <a:pPr algn="ctr"/>
-            <a:r>
-              <a:rPr kumimoji="1" lang="ja-JP" altLang="en-US" dirty="0">
-                <a:latin typeface="HG丸ｺﾞｼｯｸM-PRO" panose="020F0600000000000000" pitchFamily="50" charset="-128"/>
-                <a:ea typeface="HG丸ｺﾞｼｯｸM-PRO" panose="020F0600000000000000" pitchFamily="50" charset="-128"/>
-              </a:rPr>
-              <a:t>課題</a:t>
-            </a:r>
-          </a:p>
-        </p:txBody>
-      </p:sp>
-      <p:sp>
-        <p:nvSpPr>
-          <p:cNvPr id="8" name="正方形/長方形 7">
-            <a:extLst>
-              <a:ext uri="{FF2B5EF4-FFF2-40B4-BE49-F238E27FC236}">
-                <a16:creationId xmlns:a16="http://schemas.microsoft.com/office/drawing/2014/main" id="{1578B148-9785-44DB-865A-790049504A0E}"/>
-              </a:ext>
-            </a:extLst>
-          </p:cNvPr>
-          <p:cNvSpPr/>
-          <p:nvPr/>
-        </p:nvSpPr>
-        <p:spPr>
-          <a:xfrm>
-            <a:off x="1028700" y="3273425"/>
-            <a:ext cx="10239375" cy="1443038"/>
-          </a:xfrm>
-          <a:prstGeom prst="rect">
-            <a:avLst/>
-          </a:prstGeom>
-          <a:solidFill>
-            <a:schemeClr val="accent6">
-              <a:alpha val="50000"/>
-            </a:schemeClr>
-          </a:solidFill>
-          <a:ln>
-            <a:noFill/>
-          </a:ln>
-        </p:spPr>
-        <p:style>
-          <a:lnRef idx="0">
-            <a:scrgbClr r="0" g="0" b="0"/>
-          </a:lnRef>
-          <a:fillRef idx="0">
-            <a:scrgbClr r="0" g="0" b="0"/>
-          </a:fillRef>
-          <a:effectRef idx="0">
-            <a:scrgbClr r="0" g="0" b="0"/>
-          </a:effectRef>
-          <a:fontRef idx="minor">
-            <a:schemeClr val="lt1"/>
-          </a:fontRef>
-        </p:style>
-        <p:txBody>
-          <a:bodyPr rtlCol="0" anchor="ctr"/>
-          <a:lstStyle/>
-          <a:p>
-            <a:pPr algn="ctr"/>
-            <a:endParaRPr kumimoji="1" lang="ja-JP" altLang="en-US"/>
-          </a:p>
-        </p:txBody>
-      </p:sp>
-      <p:sp>
-        <p:nvSpPr>
-          <p:cNvPr id="9" name="正方形/長方形 8">
-            <a:extLst>
-              <a:ext uri="{FF2B5EF4-FFF2-40B4-BE49-F238E27FC236}">
-                <a16:creationId xmlns:a16="http://schemas.microsoft.com/office/drawing/2014/main" id="{B8FB5A1D-64FB-4636-953B-CF40EFE96E8E}"/>
-              </a:ext>
-            </a:extLst>
-          </p:cNvPr>
-          <p:cNvSpPr/>
-          <p:nvPr/>
-        </p:nvSpPr>
-        <p:spPr>
-          <a:xfrm>
-            <a:off x="1028700" y="3273425"/>
-            <a:ext cx="2047875" cy="590550"/>
-          </a:xfrm>
-          <a:prstGeom prst="rect">
-            <a:avLst/>
-          </a:prstGeom>
-          <a:solidFill>
-            <a:schemeClr val="accent6">
-              <a:lumMod val="50000"/>
-            </a:schemeClr>
-          </a:solidFill>
-          <a:ln>
-            <a:noFill/>
-          </a:ln>
-        </p:spPr>
-        <p:style>
-          <a:lnRef idx="2">
-            <a:schemeClr val="accent1">
-              <a:shade val="50000"/>
-            </a:schemeClr>
-          </a:lnRef>
-          <a:fillRef idx="1">
-            <a:schemeClr val="accent1"/>
-          </a:fillRef>
-          <a:effectRef idx="0">
-            <a:schemeClr val="accent1"/>
-          </a:effectRef>
-          <a:fontRef idx="minor">
-            <a:schemeClr val="lt1"/>
-          </a:fontRef>
-        </p:style>
-        <p:txBody>
-          <a:bodyPr rtlCol="0" anchor="ctr"/>
-          <a:lstStyle/>
-          <a:p>
-            <a:pPr algn="ctr"/>
-            <a:r>
-              <a:rPr lang="ja-JP" altLang="en-US" dirty="0">
-                <a:latin typeface="HG丸ｺﾞｼｯｸM-PRO" panose="020F0600000000000000" pitchFamily="50" charset="-128"/>
-                <a:ea typeface="HG丸ｺﾞｼｯｸM-PRO" panose="020F0600000000000000" pitchFamily="50" charset="-128"/>
-              </a:rPr>
-              <a:t>システム概要</a:t>
-            </a:r>
-            <a:endParaRPr kumimoji="1" lang="ja-JP" altLang="en-US" dirty="0">
-              <a:latin typeface="HG丸ｺﾞｼｯｸM-PRO" panose="020F0600000000000000" pitchFamily="50" charset="-128"/>
-              <a:ea typeface="HG丸ｺﾞｼｯｸM-PRO" panose="020F0600000000000000" pitchFamily="50" charset="-128"/>
-            </a:endParaRPr>
-          </a:p>
-        </p:txBody>
-      </p:sp>
-      <p:sp>
-        <p:nvSpPr>
-          <p:cNvPr id="10" name="正方形/長方形 9">
-            <a:extLst>
-              <a:ext uri="{FF2B5EF4-FFF2-40B4-BE49-F238E27FC236}">
-                <a16:creationId xmlns:a16="http://schemas.microsoft.com/office/drawing/2014/main" id="{9E10B85D-65A5-4B14-913A-3F720D80B97F}"/>
-              </a:ext>
-            </a:extLst>
-          </p:cNvPr>
-          <p:cNvSpPr/>
-          <p:nvPr/>
-        </p:nvSpPr>
-        <p:spPr>
-          <a:xfrm>
-            <a:off x="1028701" y="5015707"/>
-            <a:ext cx="10239374" cy="1356518"/>
-          </a:xfrm>
-          <a:prstGeom prst="rect">
-            <a:avLst/>
-          </a:prstGeom>
-          <a:solidFill>
-            <a:schemeClr val="accent6">
-              <a:alpha val="50000"/>
-            </a:schemeClr>
-          </a:solidFill>
-          <a:ln>
-            <a:noFill/>
-          </a:ln>
-        </p:spPr>
-        <p:style>
-          <a:lnRef idx="0">
-            <a:scrgbClr r="0" g="0" b="0"/>
-          </a:lnRef>
-          <a:fillRef idx="0">
-            <a:scrgbClr r="0" g="0" b="0"/>
-          </a:fillRef>
-          <a:effectRef idx="0">
-            <a:scrgbClr r="0" g="0" b="0"/>
-          </a:effectRef>
-          <a:fontRef idx="minor">
-            <a:schemeClr val="lt1"/>
-          </a:fontRef>
-        </p:style>
-        <p:txBody>
-          <a:bodyPr rtlCol="0" anchor="ctr"/>
-          <a:lstStyle/>
-          <a:p>
-            <a:pPr algn="ctr"/>
-            <a:endParaRPr kumimoji="1" lang="ja-JP" altLang="en-US"/>
-          </a:p>
-        </p:txBody>
-      </p:sp>
-      <p:sp>
-        <p:nvSpPr>
-          <p:cNvPr id="11" name="正方形/長方形 10">
-            <a:extLst>
-              <a:ext uri="{FF2B5EF4-FFF2-40B4-BE49-F238E27FC236}">
-                <a16:creationId xmlns:a16="http://schemas.microsoft.com/office/drawing/2014/main" id="{D334AF6B-22AB-46B4-906D-CB9E9C847E50}"/>
-              </a:ext>
-            </a:extLst>
-          </p:cNvPr>
-          <p:cNvSpPr/>
-          <p:nvPr/>
-        </p:nvSpPr>
-        <p:spPr>
-          <a:xfrm>
-            <a:off x="1028700" y="5013325"/>
-            <a:ext cx="2047875" cy="590550"/>
-          </a:xfrm>
-          <a:prstGeom prst="rect">
-            <a:avLst/>
-          </a:prstGeom>
-          <a:solidFill>
-            <a:schemeClr val="accent6">
-              <a:lumMod val="50000"/>
-            </a:schemeClr>
-          </a:solidFill>
-          <a:ln>
-            <a:noFill/>
-          </a:ln>
-        </p:spPr>
-        <p:style>
-          <a:lnRef idx="2">
-            <a:schemeClr val="accent1">
-              <a:shade val="50000"/>
-            </a:schemeClr>
-          </a:lnRef>
-          <a:fillRef idx="1">
-            <a:schemeClr val="accent1"/>
-          </a:fillRef>
-          <a:effectRef idx="0">
-            <a:schemeClr val="accent1"/>
-          </a:effectRef>
-          <a:fontRef idx="minor">
-            <a:schemeClr val="lt1"/>
-          </a:fontRef>
-        </p:style>
-        <p:txBody>
-          <a:bodyPr rtlCol="0" anchor="ctr"/>
-          <a:lstStyle/>
-          <a:p>
-            <a:pPr algn="ctr"/>
-            <a:r>
-              <a:rPr lang="ja-JP" altLang="en-US" dirty="0">
-                <a:latin typeface="HG丸ｺﾞｼｯｸM-PRO" panose="020F0600000000000000" pitchFamily="50" charset="-128"/>
-                <a:ea typeface="HG丸ｺﾞｼｯｸM-PRO" panose="020F0600000000000000" pitchFamily="50" charset="-128"/>
-              </a:rPr>
-              <a:t>成果</a:t>
-            </a:r>
-            <a:endParaRPr kumimoji="1" lang="ja-JP" altLang="en-US" dirty="0">
-              <a:latin typeface="HG丸ｺﾞｼｯｸM-PRO" panose="020F0600000000000000" pitchFamily="50" charset="-128"/>
-              <a:ea typeface="HG丸ｺﾞｼｯｸM-PRO" panose="020F0600000000000000" pitchFamily="50" charset="-128"/>
-            </a:endParaRPr>
-          </a:p>
-        </p:txBody>
-      </p:sp>
-      <p:sp>
-        <p:nvSpPr>
-          <p:cNvPr id="12" name="テキスト ボックス 11">
-            <a:extLst>
-              <a:ext uri="{FF2B5EF4-FFF2-40B4-BE49-F238E27FC236}">
-                <a16:creationId xmlns:a16="http://schemas.microsoft.com/office/drawing/2014/main" id="{4E02D010-5319-4C11-A31C-0A5ED06CB42E}"/>
-              </a:ext>
-            </a:extLst>
-          </p:cNvPr>
-          <p:cNvSpPr txBox="1"/>
-          <p:nvPr/>
-        </p:nvSpPr>
-        <p:spPr>
-          <a:xfrm>
-            <a:off x="3338512" y="1857474"/>
-            <a:ext cx="6296025" cy="707886"/>
+            <a:off x="3379694" y="3075057"/>
+            <a:ext cx="5432611" cy="707886"/>
           </a:xfrm>
           <a:prstGeom prst="rect">
             <a:avLst/>
@@ -13568,34 +12286,21 @@
           <a:lstStyle/>
           <a:p>
             <a:r>
-              <a:rPr kumimoji="1" lang="ja-JP" altLang="en-US" sz="2000" dirty="0">
+              <a:rPr kumimoji="1" lang="ja-JP" altLang="en-US" sz="4000" b="1" dirty="0">
                 <a:latin typeface="HG丸ｺﾞｼｯｸM-PRO" panose="020F0600000000000000" pitchFamily="50" charset="-128"/>
                 <a:ea typeface="HG丸ｺﾞｼｯｸM-PRO" panose="020F0600000000000000" pitchFamily="50" charset="-128"/>
               </a:rPr>
-              <a:t>・質問内容が管理されていない</a:t>
-            </a:r>
-            <a:endParaRPr kumimoji="1" lang="en-US" altLang="ja-JP" sz="2000" dirty="0">
-              <a:latin typeface="HG丸ｺﾞｼｯｸM-PRO" panose="020F0600000000000000" pitchFamily="50" charset="-128"/>
-              <a:ea typeface="HG丸ｺﾞｼｯｸM-PRO" panose="020F0600000000000000" pitchFamily="50" charset="-128"/>
-            </a:endParaRPr>
-          </a:p>
-          <a:p>
-            <a:r>
-              <a:rPr kumimoji="1" lang="ja-JP" altLang="en-US" sz="2000" dirty="0">
-                <a:latin typeface="HG丸ｺﾞｼｯｸM-PRO" panose="020F0600000000000000" pitchFamily="50" charset="-128"/>
-                <a:ea typeface="HG丸ｺﾞｼｯｸM-PRO" panose="020F0600000000000000" pitchFamily="50" charset="-128"/>
-              </a:rPr>
-              <a:t>・質問の情報共有がしにくい</a:t>
-            </a:r>
-          </a:p>
-        </p:txBody>
-      </p:sp>
-      <p:sp>
-        <p:nvSpPr>
-          <p:cNvPr id="13" name="テキスト ボックス 12">
-            <a:extLst>
-              <a:ext uri="{FF2B5EF4-FFF2-40B4-BE49-F238E27FC236}">
-                <a16:creationId xmlns:a16="http://schemas.microsoft.com/office/drawing/2014/main" id="{D8A7D13B-CB97-4DD2-9392-ABD02532099F}"/>
+              <a:t>「分かるって楽しい」</a:t>
+            </a:r>
+          </a:p>
+        </p:txBody>
+      </p:sp>
+      <p:sp>
+        <p:nvSpPr>
+          <p:cNvPr id="2" name="テキスト ボックス 1">
+            <a:extLst>
+              <a:ext uri="{FF2B5EF4-FFF2-40B4-BE49-F238E27FC236}">
+                <a16:creationId xmlns:a16="http://schemas.microsoft.com/office/drawing/2014/main" id="{BA4ADC44-BAFB-467C-A367-1784E2153E7C}"/>
               </a:ext>
             </a:extLst>
           </p:cNvPr>
@@ -13604,8 +12309,8 @@
         </p:nvSpPr>
         <p:spPr>
           <a:xfrm>
-            <a:off x="3338512" y="5186134"/>
-            <a:ext cx="7672387" cy="1015663"/>
+            <a:off x="3259493" y="2043404"/>
+            <a:ext cx="5673012" cy="584775"/>
           </a:xfrm>
           <a:prstGeom prst="rect">
             <a:avLst/>
@@ -13619,151 +12324,19 @@
           <a:lstStyle/>
           <a:p>
             <a:r>
-              <a:rPr kumimoji="1" lang="ja-JP" altLang="en-US" sz="2000" dirty="0">
+              <a:rPr kumimoji="1" lang="ja-JP" altLang="en-US" sz="3200" dirty="0">
                 <a:latin typeface="HG丸ｺﾞｼｯｸM-PRO" panose="020F0600000000000000" pitchFamily="50" charset="-128"/>
                 <a:ea typeface="HG丸ｺﾞｼｯｸM-PRO" panose="020F0600000000000000" pitchFamily="50" charset="-128"/>
               </a:rPr>
-              <a:t>・受講生、講師、事務局の三者からメリットが得られるシステムを開発することができた</a:t>
-            </a:r>
-            <a:endParaRPr kumimoji="1" lang="en-US" altLang="ja-JP" sz="2000" dirty="0">
-              <a:latin typeface="HG丸ｺﾞｼｯｸM-PRO" panose="020F0600000000000000" pitchFamily="50" charset="-128"/>
-              <a:ea typeface="HG丸ｺﾞｼｯｸM-PRO" panose="020F0600000000000000" pitchFamily="50" charset="-128"/>
-            </a:endParaRPr>
-          </a:p>
-          <a:p>
-            <a:r>
-              <a:rPr lang="ja-JP" altLang="en-US" sz="2000" dirty="0">
-                <a:latin typeface="HG丸ｺﾞｼｯｸM-PRO" panose="020F0600000000000000" pitchFamily="50" charset="-128"/>
-                <a:ea typeface="HG丸ｺﾞｼｯｸM-PRO" panose="020F0600000000000000" pitchFamily="50" charset="-128"/>
-              </a:rPr>
-              <a:t>・個々の理解度を向上させることができた</a:t>
-            </a:r>
-            <a:endParaRPr kumimoji="1" lang="ja-JP" altLang="en-US" sz="2000" dirty="0">
-              <a:latin typeface="HG丸ｺﾞｼｯｸM-PRO" panose="020F0600000000000000" pitchFamily="50" charset="-128"/>
-              <a:ea typeface="HG丸ｺﾞｼｯｸM-PRO" panose="020F0600000000000000" pitchFamily="50" charset="-128"/>
-            </a:endParaRPr>
-          </a:p>
-        </p:txBody>
-      </p:sp>
-      <p:sp>
-        <p:nvSpPr>
-          <p:cNvPr id="14" name="テキスト ボックス 13">
-            <a:extLst>
-              <a:ext uri="{FF2B5EF4-FFF2-40B4-BE49-F238E27FC236}">
-                <a16:creationId xmlns:a16="http://schemas.microsoft.com/office/drawing/2014/main" id="{F5CA5E2F-79C2-473D-B539-A1C4220A85DC}"/>
-              </a:ext>
-            </a:extLst>
-          </p:cNvPr>
-          <p:cNvSpPr txBox="1"/>
-          <p:nvPr/>
-        </p:nvSpPr>
-        <p:spPr>
-          <a:xfrm>
-            <a:off x="3338512" y="3473957"/>
-            <a:ext cx="7672387" cy="1015663"/>
-          </a:xfrm>
-          <a:prstGeom prst="rect">
-            <a:avLst/>
-          </a:prstGeom>
-          <a:noFill/>
-        </p:spPr>
-        <p:txBody>
-          <a:bodyPr wrap="square" rtlCol="0">
-            <a:spAutoFit/>
-          </a:bodyPr>
-          <a:lstStyle/>
-          <a:p>
-            <a:r>
-              <a:rPr kumimoji="1" lang="ja-JP" altLang="en-US" sz="2000" dirty="0">
-                <a:latin typeface="HG丸ｺﾞｼｯｸM-PRO" panose="020F0600000000000000" pitchFamily="50" charset="-128"/>
-                <a:ea typeface="HG丸ｺﾞｼｯｸM-PRO" panose="020F0600000000000000" pitchFamily="50" charset="-128"/>
-              </a:rPr>
-              <a:t>・質問者は匿名性が得られる</a:t>
-            </a:r>
-            <a:endParaRPr kumimoji="1" lang="en-US" altLang="ja-JP" sz="2000" dirty="0">
-              <a:latin typeface="HG丸ｺﾞｼｯｸM-PRO" panose="020F0600000000000000" pitchFamily="50" charset="-128"/>
-              <a:ea typeface="HG丸ｺﾞｼｯｸM-PRO" panose="020F0600000000000000" pitchFamily="50" charset="-128"/>
-            </a:endParaRPr>
-          </a:p>
-          <a:p>
-            <a:r>
-              <a:rPr lang="ja-JP" altLang="en-US" sz="2000" dirty="0">
-                <a:latin typeface="HG丸ｺﾞｼｯｸM-PRO" panose="020F0600000000000000" pitchFamily="50" charset="-128"/>
-                <a:ea typeface="HG丸ｺﾞｼｯｸM-PRO" panose="020F0600000000000000" pitchFamily="50" charset="-128"/>
-              </a:rPr>
-              <a:t>・回答者はマイページ上で自分の担当クラスの質問の閲覧が可能</a:t>
-            </a:r>
-            <a:endParaRPr lang="en-US" altLang="ja-JP" sz="2000" dirty="0">
-              <a:latin typeface="HG丸ｺﾞｼｯｸM-PRO" panose="020F0600000000000000" pitchFamily="50" charset="-128"/>
-              <a:ea typeface="HG丸ｺﾞｼｯｸM-PRO" panose="020F0600000000000000" pitchFamily="50" charset="-128"/>
-            </a:endParaRPr>
-          </a:p>
-          <a:p>
-            <a:r>
-              <a:rPr kumimoji="1" lang="ja-JP" altLang="en-US" sz="2000" dirty="0">
-                <a:latin typeface="HG丸ｺﾞｼｯｸM-PRO" panose="020F0600000000000000" pitchFamily="50" charset="-128"/>
-                <a:ea typeface="HG丸ｺﾞｼｯｸM-PRO" panose="020F0600000000000000" pitchFamily="50" charset="-128"/>
-              </a:rPr>
-              <a:t>・過去の質問も蓄積されるので閲覧することが可能</a:t>
-            </a:r>
-          </a:p>
-        </p:txBody>
-      </p:sp>
-      <mc:AlternateContent xmlns:mc="http://schemas.openxmlformats.org/markup-compatibility/2006" xmlns:p14="http://schemas.microsoft.com/office/powerpoint/2010/main">
-        <mc:Choice Requires="p14">
-          <p:contentPart p14:bwMode="auto" r:id="rId2">
-            <p14:nvContentPartPr>
-              <p14:cNvPr id="3" name="インク 2">
-                <a:extLst>
-                  <a:ext uri="{FF2B5EF4-FFF2-40B4-BE49-F238E27FC236}">
-                    <a16:creationId xmlns:a16="http://schemas.microsoft.com/office/drawing/2014/main" id="{BACE4789-439C-4C48-86D5-D19D9A85F2A5}"/>
-                  </a:ext>
-                </a:extLst>
-              </p14:cNvPr>
-              <p14:cNvContentPartPr/>
-              <p14:nvPr/>
-            </p14:nvContentPartPr>
-            <p14:xfrm>
-              <a:off x="905061" y="1057129"/>
-              <a:ext cx="1535040" cy="45000"/>
-            </p14:xfrm>
-          </p:contentPart>
-        </mc:Choice>
-        <mc:Fallback xmlns="">
-          <p:pic>
-            <p:nvPicPr>
-              <p:cNvPr id="3" name="インク 2">
-                <a:extLst>
-                  <a:ext uri="{FF2B5EF4-FFF2-40B4-BE49-F238E27FC236}">
-                    <a16:creationId xmlns:a16="http://schemas.microsoft.com/office/drawing/2014/main" id="{BACE4789-439C-4C48-86D5-D19D9A85F2A5}"/>
-                  </a:ext>
-                </a:extLst>
-              </p:cNvPr>
-              <p:cNvPicPr/>
-              <p:nvPr/>
-            </p:nvPicPr>
-            <p:blipFill>
-              <a:blip r:embed="rId3"/>
-              <a:stretch>
-                <a:fillRect/>
-              </a:stretch>
-            </p:blipFill>
-            <p:spPr>
-              <a:xfrm>
-                <a:off x="815421" y="877489"/>
-                <a:ext cx="1714680" cy="404640"/>
-              </a:xfrm>
-              <a:prstGeom prst="rect">
-                <a:avLst/>
-              </a:prstGeom>
-            </p:spPr>
-          </p:pic>
-        </mc:Fallback>
-      </mc:AlternateContent>
+              <a:t>１か月間を総評すると・・・</a:t>
+            </a:r>
+          </a:p>
+        </p:txBody>
+      </p:sp>
     </p:spTree>
     <p:extLst>
       <p:ext uri="{BB962C8B-B14F-4D97-AF65-F5344CB8AC3E}">
-        <p14:creationId xmlns:p14="http://schemas.microsoft.com/office/powerpoint/2010/main" val="4265543082"/>
+        <p14:creationId xmlns:p14="http://schemas.microsoft.com/office/powerpoint/2010/main" val="2748742654"/>
       </p:ext>
     </p:extLst>
   </p:cSld>
@@ -13791,14 +12364,49 @@
                             </p:stCondLst>
                             <p:childTnLst>
                               <p:par>
-                                <p:cTn id="5" presetID="22" presetClass="entr" presetSubtype="4" fill="hold" grpId="0" nodeType="clickEffect">
+                                <p:cTn id="5" presetID="10" presetClass="exit" presetSubtype="0" fill="hold" grpId="0" nodeType="clickEffect">
                                   <p:stCondLst>
                                     <p:cond delay="0"/>
                                   </p:stCondLst>
                                   <p:childTnLst>
+                                    <p:animEffect transition="out" filter="fade">
+                                      <p:cBhvr>
+                                        <p:cTn id="6" dur="1000"/>
+                                        <p:tgtEl>
+                                          <p:spTgt spid="2"/>
+                                        </p:tgtEl>
+                                      </p:cBhvr>
+                                    </p:animEffect>
                                     <p:set>
                                       <p:cBhvr>
-                                        <p:cTn id="6" dur="1" fill="hold">
+                                        <p:cTn id="7" dur="1" fill="hold">
+                                          <p:stCondLst>
+                                            <p:cond delay="999"/>
+                                          </p:stCondLst>
+                                        </p:cTn>
+                                        <p:tgtEl>
+                                          <p:spTgt spid="2"/>
+                                        </p:tgtEl>
+                                        <p:attrNameLst>
+                                          <p:attrName>style.visibility</p:attrName>
+                                        </p:attrNameLst>
+                                      </p:cBhvr>
+                                      <p:to>
+                                        <p:strVal val="hidden"/>
+                                      </p:to>
+                                    </p:set>
+                                  </p:childTnLst>
+                                </p:cTn>
+                              </p:par>
+                              <p:par>
+                                <p:cTn id="8" presetID="16" presetClass="entr" presetSubtype="21" fill="hold" grpId="0" nodeType="withEffect">
+                                  <p:stCondLst>
+                                    <p:cond delay="1000"/>
+                                  </p:stCondLst>
+                                  <p:childTnLst>
+                                    <p:set>
+                                      <p:cBhvr>
+                                        <p:cTn id="9" dur="1" fill="hold">
                                           <p:stCondLst>
                                             <p:cond delay="0"/>
                                           </p:stCondLst>
@@ -13814,327 +12422,11 @@
                                         <p:strVal val="visible"/>
                                       </p:to>
                                     </p:set>
-                                    <p:animEffect transition="in" filter="wipe(down)">
-                                      <p:cBhvr>
-                                        <p:cTn id="7" dur="1000"/>
-                                        <p:tgtEl>
-                                          <p:spTgt spid="7"/>
-                                        </p:tgtEl>
-                                      </p:cBhvr>
-                                    </p:animEffect>
-                                  </p:childTnLst>
-                                </p:cTn>
-                              </p:par>
-                              <p:par>
-                                <p:cTn id="8" presetID="22" presetClass="entr" presetSubtype="4" fill="hold" grpId="0" nodeType="withEffect">
-                                  <p:stCondLst>
-                                    <p:cond delay="0"/>
-                                  </p:stCondLst>
-                                  <p:childTnLst>
-                                    <p:set>
-                                      <p:cBhvr>
-                                        <p:cTn id="9" dur="1" fill="hold">
-                                          <p:stCondLst>
-                                            <p:cond delay="0"/>
-                                          </p:stCondLst>
-                                        </p:cTn>
-                                        <p:tgtEl>
-                                          <p:spTgt spid="6"/>
-                                        </p:tgtEl>
-                                        <p:attrNameLst>
-                                          <p:attrName>style.visibility</p:attrName>
-                                        </p:attrNameLst>
-                                      </p:cBhvr>
-                                      <p:to>
-                                        <p:strVal val="visible"/>
-                                      </p:to>
-                                    </p:set>
-                                    <p:animEffect transition="in" filter="wipe(down)">
+                                    <p:animEffect transition="in" filter="barn(inVertical)">
                                       <p:cBhvr>
                                         <p:cTn id="10" dur="1000"/>
                                         <p:tgtEl>
-                                          <p:spTgt spid="6"/>
-                                        </p:tgtEl>
-                                      </p:cBhvr>
-                                    </p:animEffect>
-                                  </p:childTnLst>
-                                </p:cTn>
-                              </p:par>
-                              <p:par>
-                                <p:cTn id="11" presetID="22" presetClass="entr" presetSubtype="4" fill="hold" grpId="0" nodeType="withEffect">
-                                  <p:stCondLst>
-                                    <p:cond delay="0"/>
-                                  </p:stCondLst>
-                                  <p:childTnLst>
-                                    <p:set>
-                                      <p:cBhvr>
-                                        <p:cTn id="12" dur="1" fill="hold">
-                                          <p:stCondLst>
-                                            <p:cond delay="0"/>
-                                          </p:stCondLst>
-                                        </p:cTn>
-                                        <p:tgtEl>
-                                          <p:spTgt spid="12"/>
-                                        </p:tgtEl>
-                                        <p:attrNameLst>
-                                          <p:attrName>style.visibility</p:attrName>
-                                        </p:attrNameLst>
-                                      </p:cBhvr>
-                                      <p:to>
-                                        <p:strVal val="visible"/>
-                                      </p:to>
-                                    </p:set>
-                                    <p:animEffect transition="in" filter="wipe(down)">
-                                      <p:cBhvr>
-                                        <p:cTn id="13" dur="1000"/>
-                                        <p:tgtEl>
-                                          <p:spTgt spid="12"/>
-                                        </p:tgtEl>
-                                      </p:cBhvr>
-                                    </p:animEffect>
-                                  </p:childTnLst>
-                                </p:cTn>
-                              </p:par>
-                            </p:childTnLst>
-                          </p:cTn>
-                        </p:par>
-                      </p:childTnLst>
-                    </p:cTn>
-                  </p:par>
-                  <p:par>
-                    <p:cTn id="14" fill="hold">
-                      <p:stCondLst>
-                        <p:cond delay="indefinite"/>
-                      </p:stCondLst>
-                      <p:childTnLst>
-                        <p:par>
-                          <p:cTn id="15" fill="hold">
-                            <p:stCondLst>
-                              <p:cond delay="0"/>
-                            </p:stCondLst>
-                            <p:childTnLst>
-                              <p:par>
-                                <p:cTn id="16" presetID="22" presetClass="entr" presetSubtype="4" fill="hold" grpId="0" nodeType="clickEffect">
-                                  <p:stCondLst>
-                                    <p:cond delay="0"/>
-                                  </p:stCondLst>
-                                  <p:childTnLst>
-                                    <p:set>
-                                      <p:cBhvr>
-                                        <p:cTn id="17" dur="1" fill="hold">
-                                          <p:stCondLst>
-                                            <p:cond delay="0"/>
-                                          </p:stCondLst>
-                                        </p:cTn>
-                                        <p:tgtEl>
-                                          <p:spTgt spid="9"/>
-                                        </p:tgtEl>
-                                        <p:attrNameLst>
-                                          <p:attrName>style.visibility</p:attrName>
-                                        </p:attrNameLst>
-                                      </p:cBhvr>
-                                      <p:to>
-                                        <p:strVal val="visible"/>
-                                      </p:to>
-                                    </p:set>
-                                    <p:animEffect transition="in" filter="wipe(down)">
-                                      <p:cBhvr>
-                                        <p:cTn id="18" dur="1000"/>
-                                        <p:tgtEl>
-                                          <p:spTgt spid="9"/>
-                                        </p:tgtEl>
-                                      </p:cBhvr>
-                                    </p:animEffect>
-                                  </p:childTnLst>
-                                </p:cTn>
-                              </p:par>
-                              <p:par>
-                                <p:cTn id="19" presetID="22" presetClass="entr" presetSubtype="4" fill="hold" grpId="0" nodeType="withEffect">
-                                  <p:stCondLst>
-                                    <p:cond delay="0"/>
-                                  </p:stCondLst>
-                                  <p:childTnLst>
-                                    <p:set>
-                                      <p:cBhvr>
-                                        <p:cTn id="20" dur="1" fill="hold">
-                                          <p:stCondLst>
-                                            <p:cond delay="0"/>
-                                          </p:stCondLst>
-                                        </p:cTn>
-                                        <p:tgtEl>
-                                          <p:spTgt spid="8"/>
-                                        </p:tgtEl>
-                                        <p:attrNameLst>
-                                          <p:attrName>style.visibility</p:attrName>
-                                        </p:attrNameLst>
-                                      </p:cBhvr>
-                                      <p:to>
-                                        <p:strVal val="visible"/>
-                                      </p:to>
-                                    </p:set>
-                                    <p:animEffect transition="in" filter="wipe(down)">
-                                      <p:cBhvr>
-                                        <p:cTn id="21" dur="1000"/>
-                                        <p:tgtEl>
-                                          <p:spTgt spid="8"/>
-                                        </p:tgtEl>
-                                      </p:cBhvr>
-                                    </p:animEffect>
-                                  </p:childTnLst>
-                                </p:cTn>
-                              </p:par>
-                              <p:par>
-                                <p:cTn id="22" presetID="22" presetClass="entr" presetSubtype="4" fill="hold" grpId="0" nodeType="withEffect">
-                                  <p:stCondLst>
-                                    <p:cond delay="0"/>
-                                  </p:stCondLst>
-                                  <p:childTnLst>
-                                    <p:set>
-                                      <p:cBhvr>
-                                        <p:cTn id="23" dur="1" fill="hold">
-                                          <p:stCondLst>
-                                            <p:cond delay="0"/>
-                                          </p:stCondLst>
-                                        </p:cTn>
-                                        <p:tgtEl>
-                                          <p:spTgt spid="14"/>
-                                        </p:tgtEl>
-                                        <p:attrNameLst>
-                                          <p:attrName>style.visibility</p:attrName>
-                                        </p:attrNameLst>
-                                      </p:cBhvr>
-                                      <p:to>
-                                        <p:strVal val="visible"/>
-                                      </p:to>
-                                    </p:set>
-                                    <p:animEffect transition="in" filter="wipe(down)">
-                                      <p:cBhvr>
-                                        <p:cTn id="24" dur="1000"/>
-                                        <p:tgtEl>
-                                          <p:spTgt spid="14"/>
-                                        </p:tgtEl>
-                                      </p:cBhvr>
-                                    </p:animEffect>
-                                  </p:childTnLst>
-                                </p:cTn>
-                              </p:par>
-                            </p:childTnLst>
-                          </p:cTn>
-                        </p:par>
-                      </p:childTnLst>
-                    </p:cTn>
-                  </p:par>
-                  <p:par>
-                    <p:cTn id="25" fill="hold">
-                      <p:stCondLst>
-                        <p:cond delay="indefinite"/>
-                      </p:stCondLst>
-                      <p:childTnLst>
-                        <p:par>
-                          <p:cTn id="26" fill="hold">
-                            <p:stCondLst>
-                              <p:cond delay="0"/>
-                            </p:stCondLst>
-                            <p:childTnLst>
-                              <p:par>
-                                <p:cTn id="27" presetID="22" presetClass="entr" presetSubtype="4" fill="hold" grpId="0" nodeType="clickEffect">
-                                  <p:stCondLst>
-                                    <p:cond delay="0"/>
-                                  </p:stCondLst>
-                                  <p:childTnLst>
-                                    <p:set>
-                                      <p:cBhvr>
-                                        <p:cTn id="28" dur="1" fill="hold">
-                                          <p:stCondLst>
-                                            <p:cond delay="0"/>
-                                          </p:stCondLst>
-                                        </p:cTn>
-                                        <p:tgtEl>
-                                          <p:spTgt spid="11"/>
-                                        </p:tgtEl>
-                                        <p:attrNameLst>
-                                          <p:attrName>style.visibility</p:attrName>
-                                        </p:attrNameLst>
-                                      </p:cBhvr>
-                                      <p:to>
-                                        <p:strVal val="visible"/>
-                                      </p:to>
-                                    </p:set>
-                                    <p:animEffect transition="in" filter="wipe(down)">
-                                      <p:cBhvr>
-                                        <p:cTn id="29" dur="1000"/>
-                                        <p:tgtEl>
-                                          <p:spTgt spid="11"/>
-                                        </p:tgtEl>
-                                      </p:cBhvr>
-                                    </p:animEffect>
-                                  </p:childTnLst>
-                                </p:cTn>
-                              </p:par>
-                              <p:par>
-                                <p:cTn id="30" presetID="22" presetClass="entr" presetSubtype="4" fill="hold" grpId="0" nodeType="withEffect">
-                                  <p:stCondLst>
-                                    <p:cond delay="0"/>
-                                  </p:stCondLst>
-                                  <p:childTnLst>
-                                    <p:set>
-                                      <p:cBhvr>
-                                        <p:cTn id="31" dur="1" fill="hold">
-                                          <p:stCondLst>
-                                            <p:cond delay="0"/>
-                                          </p:stCondLst>
-                                        </p:cTn>
-                                        <p:tgtEl>
-                                          <p:spTgt spid="13"/>
-                                        </p:tgtEl>
-                                        <p:attrNameLst>
-                                          <p:attrName>style.visibility</p:attrName>
-                                        </p:attrNameLst>
-                                      </p:cBhvr>
-                                      <p:to>
-                                        <p:strVal val="visible"/>
-                                      </p:to>
-                                    </p:set>
-                                    <p:animEffect transition="in" filter="wipe(down)">
-                                      <p:cBhvr>
-                                        <p:cTn id="32" dur="1000"/>
-                                        <p:tgtEl>
-                                          <p:spTgt spid="13"/>
-                                        </p:tgtEl>
-                                      </p:cBhvr>
-                                    </p:animEffect>
-                                  </p:childTnLst>
-                                </p:cTn>
-                              </p:par>
-                              <p:par>
-                                <p:cTn id="33" presetID="22" presetClass="entr" presetSubtype="4" fill="hold" grpId="0" nodeType="withEffect">
-                                  <p:stCondLst>
-                                    <p:cond delay="0"/>
-                                  </p:stCondLst>
-                                  <p:childTnLst>
-                                    <p:set>
-                                      <p:cBhvr>
-                                        <p:cTn id="34" dur="1" fill="hold">
-                                          <p:stCondLst>
-                                            <p:cond delay="0"/>
-                                          </p:stCondLst>
-                                        </p:cTn>
-                                        <p:tgtEl>
-                                          <p:spTgt spid="10"/>
-                                        </p:tgtEl>
-                                        <p:attrNameLst>
-                                          <p:attrName>style.visibility</p:attrName>
-                                        </p:attrNameLst>
-                                      </p:cBhvr>
-                                      <p:to>
-                                        <p:strVal val="visible"/>
-                                      </p:to>
-                                    </p:set>
-                                    <p:animEffect transition="in" filter="wipe(down)">
-                                      <p:cBhvr>
-                                        <p:cTn id="35" dur="1000"/>
-                                        <p:tgtEl>
-                                          <p:spTgt spid="10"/>
+                                          <p:spTgt spid="7"/>
                                         </p:tgtEl>
                                       </p:cBhvr>
                                     </p:animEffect>
@@ -14169,15 +12461,8 @@
       </p:par>
     </p:tnLst>
     <p:bldLst>
-      <p:bldP spid="6" grpId="0" animBg="1"/>
-      <p:bldP spid="7" grpId="0" animBg="1"/>
-      <p:bldP spid="8" grpId="0" animBg="1"/>
-      <p:bldP spid="9" grpId="0" animBg="1"/>
-      <p:bldP spid="10" grpId="0" animBg="1"/>
-      <p:bldP spid="11" grpId="0" animBg="1"/>
-      <p:bldP spid="12" grpId="0"/>
-      <p:bldP spid="13" grpId="0"/>
-      <p:bldP spid="14" grpId="0"/>
+      <p:bldP spid="7" grpId="0"/>
+      <p:bldP spid="2" grpId="0"/>
     </p:bldLst>
   </p:timing>
 </p:sld>
@@ -14707,267 +12992,6 @@
   <p:clrMapOvr>
     <a:masterClrMapping/>
   </p:clrMapOvr>
-  <p:timing>
-    <p:tnLst>
-      <p:par>
-        <p:cTn id="1" dur="indefinite" restart="never" nodeType="tmRoot">
-          <p:childTnLst>
-            <p:seq concurrent="1" nextAc="seek">
-              <p:cTn id="2" dur="indefinite" nodeType="mainSeq">
-                <p:childTnLst>
-                  <p:par>
-                    <p:cTn id="3" fill="hold">
-                      <p:stCondLst>
-                        <p:cond delay="indefinite"/>
-                      </p:stCondLst>
-                      <p:childTnLst>
-                        <p:par>
-                          <p:cTn id="4" fill="hold">
-                            <p:stCondLst>
-                              <p:cond delay="0"/>
-                            </p:stCondLst>
-                            <p:childTnLst>
-                              <p:par>
-                                <p:cTn id="5" presetID="10" presetClass="entr" presetSubtype="0" fill="hold" grpId="0" nodeType="clickEffect">
-                                  <p:stCondLst>
-                                    <p:cond delay="0"/>
-                                  </p:stCondLst>
-                                  <p:childTnLst>
-                                    <p:set>
-                                      <p:cBhvr>
-                                        <p:cTn id="6" dur="1" fill="hold">
-                                          <p:stCondLst>
-                                            <p:cond delay="0"/>
-                                          </p:stCondLst>
-                                        </p:cTn>
-                                        <p:tgtEl>
-                                          <p:spTgt spid="4"/>
-                                        </p:tgtEl>
-                                        <p:attrNameLst>
-                                          <p:attrName>style.visibility</p:attrName>
-                                        </p:attrNameLst>
-                                      </p:cBhvr>
-                                      <p:to>
-                                        <p:strVal val="visible"/>
-                                      </p:to>
-                                    </p:set>
-                                    <p:animEffect transition="in" filter="fade">
-                                      <p:cBhvr>
-                                        <p:cTn id="7" dur="1000"/>
-                                        <p:tgtEl>
-                                          <p:spTgt spid="4"/>
-                                        </p:tgtEl>
-                                      </p:cBhvr>
-                                    </p:animEffect>
-                                  </p:childTnLst>
-                                </p:cTn>
-                              </p:par>
-                              <p:par>
-                                <p:cTn id="8" presetID="10" presetClass="entr" presetSubtype="0" fill="hold" nodeType="withEffect">
-                                  <p:stCondLst>
-                                    <p:cond delay="0"/>
-                                  </p:stCondLst>
-                                  <p:childTnLst>
-                                    <p:set>
-                                      <p:cBhvr>
-                                        <p:cTn id="9" dur="1" fill="hold">
-                                          <p:stCondLst>
-                                            <p:cond delay="0"/>
-                                          </p:stCondLst>
-                                        </p:cTn>
-                                        <p:tgtEl>
-                                          <p:spTgt spid="10"/>
-                                        </p:tgtEl>
-                                        <p:attrNameLst>
-                                          <p:attrName>style.visibility</p:attrName>
-                                        </p:attrNameLst>
-                                      </p:cBhvr>
-                                      <p:to>
-                                        <p:strVal val="visible"/>
-                                      </p:to>
-                                    </p:set>
-                                    <p:animEffect transition="in" filter="fade">
-                                      <p:cBhvr>
-                                        <p:cTn id="10" dur="1000"/>
-                                        <p:tgtEl>
-                                          <p:spTgt spid="10"/>
-                                        </p:tgtEl>
-                                      </p:cBhvr>
-                                    </p:animEffect>
-                                  </p:childTnLst>
-                                </p:cTn>
-                              </p:par>
-                              <p:par>
-                                <p:cTn id="11" presetID="10" presetClass="entr" presetSubtype="0" fill="hold" nodeType="withEffect">
-                                  <p:stCondLst>
-                                    <p:cond delay="0"/>
-                                  </p:stCondLst>
-                                  <p:childTnLst>
-                                    <p:set>
-                                      <p:cBhvr>
-                                        <p:cTn id="12" dur="1" fill="hold">
-                                          <p:stCondLst>
-                                            <p:cond delay="0"/>
-                                          </p:stCondLst>
-                                        </p:cTn>
-                                        <p:tgtEl>
-                                          <p:spTgt spid="9"/>
-                                        </p:tgtEl>
-                                        <p:attrNameLst>
-                                          <p:attrName>style.visibility</p:attrName>
-                                        </p:attrNameLst>
-                                      </p:cBhvr>
-                                      <p:to>
-                                        <p:strVal val="visible"/>
-                                      </p:to>
-                                    </p:set>
-                                    <p:animEffect transition="in" filter="fade">
-                                      <p:cBhvr>
-                                        <p:cTn id="13" dur="1000"/>
-                                        <p:tgtEl>
-                                          <p:spTgt spid="9"/>
-                                        </p:tgtEl>
-                                      </p:cBhvr>
-                                    </p:animEffect>
-                                  </p:childTnLst>
-                                </p:cTn>
-                              </p:par>
-                              <p:par>
-                                <p:cTn id="14" presetID="10" presetClass="entr" presetSubtype="0" fill="hold" nodeType="withEffect">
-                                  <p:stCondLst>
-                                    <p:cond delay="0"/>
-                                  </p:stCondLst>
-                                  <p:childTnLst>
-                                    <p:set>
-                                      <p:cBhvr>
-                                        <p:cTn id="15" dur="1" fill="hold">
-                                          <p:stCondLst>
-                                            <p:cond delay="0"/>
-                                          </p:stCondLst>
-                                        </p:cTn>
-                                        <p:tgtEl>
-                                          <p:spTgt spid="8"/>
-                                        </p:tgtEl>
-                                        <p:attrNameLst>
-                                          <p:attrName>style.visibility</p:attrName>
-                                        </p:attrNameLst>
-                                      </p:cBhvr>
-                                      <p:to>
-                                        <p:strVal val="visible"/>
-                                      </p:to>
-                                    </p:set>
-                                    <p:animEffect transition="in" filter="fade">
-                                      <p:cBhvr>
-                                        <p:cTn id="16" dur="1000"/>
-                                        <p:tgtEl>
-                                          <p:spTgt spid="8"/>
-                                        </p:tgtEl>
-                                      </p:cBhvr>
-                                    </p:animEffect>
-                                  </p:childTnLst>
-                                </p:cTn>
-                              </p:par>
-                              <p:par>
-                                <p:cTn id="17" presetID="10" presetClass="entr" presetSubtype="0" fill="hold" nodeType="withEffect">
-                                  <p:stCondLst>
-                                    <p:cond delay="0"/>
-                                  </p:stCondLst>
-                                  <p:childTnLst>
-                                    <p:set>
-                                      <p:cBhvr>
-                                        <p:cTn id="18" dur="1" fill="hold">
-                                          <p:stCondLst>
-                                            <p:cond delay="0"/>
-                                          </p:stCondLst>
-                                        </p:cTn>
-                                        <p:tgtEl>
-                                          <p:spTgt spid="7"/>
-                                        </p:tgtEl>
-                                        <p:attrNameLst>
-                                          <p:attrName>style.visibility</p:attrName>
-                                        </p:attrNameLst>
-                                      </p:cBhvr>
-                                      <p:to>
-                                        <p:strVal val="visible"/>
-                                      </p:to>
-                                    </p:set>
-                                    <p:animEffect transition="in" filter="fade">
-                                      <p:cBhvr>
-                                        <p:cTn id="19" dur="1000"/>
-                                        <p:tgtEl>
-                                          <p:spTgt spid="7"/>
-                                        </p:tgtEl>
-                                      </p:cBhvr>
-                                    </p:animEffect>
-                                  </p:childTnLst>
-                                </p:cTn>
-                              </p:par>
-                              <p:par>
-                                <p:cTn id="20" presetID="10" presetClass="entr" presetSubtype="0" fill="hold" nodeType="withEffect">
-                                  <p:stCondLst>
-                                    <p:cond delay="0"/>
-                                  </p:stCondLst>
-                                  <p:childTnLst>
-                                    <p:set>
-                                      <p:cBhvr>
-                                        <p:cTn id="21" dur="1" fill="hold">
-                                          <p:stCondLst>
-                                            <p:cond delay="0"/>
-                                          </p:stCondLst>
-                                        </p:cTn>
-                                        <p:tgtEl>
-                                          <p:spTgt spid="6"/>
-                                        </p:tgtEl>
-                                        <p:attrNameLst>
-                                          <p:attrName>style.visibility</p:attrName>
-                                        </p:attrNameLst>
-                                      </p:cBhvr>
-                                      <p:to>
-                                        <p:strVal val="visible"/>
-                                      </p:to>
-                                    </p:set>
-                                    <p:animEffect transition="in" filter="fade">
-                                      <p:cBhvr>
-                                        <p:cTn id="22" dur="1000"/>
-                                        <p:tgtEl>
-                                          <p:spTgt spid="6"/>
-                                        </p:tgtEl>
-                                      </p:cBhvr>
-                                    </p:animEffect>
-                                  </p:childTnLst>
-                                </p:cTn>
-                              </p:par>
-                            </p:childTnLst>
-                          </p:cTn>
-                        </p:par>
-                      </p:childTnLst>
-                    </p:cTn>
-                  </p:par>
-                </p:childTnLst>
-              </p:cTn>
-              <p:prevCondLst>
-                <p:cond evt="onPrev" delay="0">
-                  <p:tgtEl>
-                    <p:sldTgt/>
-                  </p:tgtEl>
-                </p:cond>
-              </p:prevCondLst>
-              <p:nextCondLst>
-                <p:cond evt="onNext" delay="0">
-                  <p:tgtEl>
-                    <p:sldTgt/>
-                  </p:tgtEl>
-                </p:cond>
-              </p:nextCondLst>
-            </p:seq>
-          </p:childTnLst>
-        </p:cTn>
-      </p:par>
-    </p:tnLst>
-    <p:bldLst>
-      <p:bldP spid="4" grpId="0" animBg="1"/>
-    </p:bldLst>
-  </p:timing>
 </p:sld>
 </file>
 
@@ -19378,7 +17402,7 @@
     </p:spTree>
     <p:extLst>
       <p:ext uri="{BB962C8B-B14F-4D97-AF65-F5344CB8AC3E}">
-        <p14:creationId xmlns:p14="http://schemas.microsoft.com/office/powerpoint/2010/main" val="3378597591"/>
+        <p14:creationId xmlns:p14="http://schemas.microsoft.com/office/powerpoint/2010/main" val="170496296"/>
       </p:ext>
     </p:extLst>
   </p:cSld>
@@ -19931,7 +17955,7 @@
           <p:nvPr/>
         </p:nvGraphicFramePr>
         <p:xfrm>
-          <a:off x="2054087" y="782122"/>
+          <a:off x="1296838" y="808402"/>
           <a:ext cx="8113261" cy="5241196"/>
         </p:xfrm>
         <a:graphic>
@@ -19954,7 +17978,7 @@
         </p:nvSpPr>
         <p:spPr>
           <a:xfrm>
-            <a:off x="7337141" y="1069275"/>
+            <a:off x="7428657" y="1438208"/>
             <a:ext cx="5601543" cy="2646878"/>
           </a:xfrm>
           <a:prstGeom prst="rect">
@@ -20007,8 +18031,8 @@
         </p:nvSpPr>
         <p:spPr>
           <a:xfrm>
-            <a:off x="838200" y="1532023"/>
-            <a:ext cx="3124200" cy="860691"/>
+            <a:off x="594216" y="1703619"/>
+            <a:ext cx="2675457" cy="860691"/>
           </a:xfrm>
           <a:prstGeom prst="rightArrow">
             <a:avLst>
@@ -20052,111 +18076,262 @@
           <a:p>
             <a:r>
               <a:rPr lang="ja-JP" altLang="en-US" dirty="0"/>
-              <a:t>　チーム演習の</a:t>
+              <a:t>　チームの</a:t>
             </a:r>
             <a:r>
               <a:rPr kumimoji="1" lang="ja-JP" altLang="en-US" dirty="0"/>
-              <a:t>達成度</a:t>
-            </a:r>
-          </a:p>
-        </p:txBody>
-      </p:sp>
+              <a:t>達成率</a:t>
+            </a:r>
+          </a:p>
+        </p:txBody>
+      </p:sp>
+      <p:pic>
+        <p:nvPicPr>
+          <p:cNvPr id="11" name="Picture 2" descr="猫のアイコン">
+            <a:extLst>
+              <a:ext uri="{FF2B5EF4-FFF2-40B4-BE49-F238E27FC236}">
+                <a16:creationId xmlns:a16="http://schemas.microsoft.com/office/drawing/2014/main" id="{EA45FE52-41A5-435F-87DD-A1E0168F56BD}"/>
+              </a:ext>
+            </a:extLst>
+          </p:cNvPr>
+          <p:cNvPicPr>
+            <a:picLocks noGrp="1" noChangeAspect="1" noChangeArrowheads="1"/>
+          </p:cNvPicPr>
+          <p:nvPr>
+            <p:ph idx="1"/>
+          </p:nvPr>
+        </p:nvPicPr>
+        <p:blipFill>
+          <a:blip r:embed="rId5">
+            <a:extLst>
+              <a:ext uri="{28A0092B-C50C-407E-A947-70E740481C1C}">
+                <a14:useLocalDpi xmlns:a14="http://schemas.microsoft.com/office/drawing/2010/main" val="0"/>
+              </a:ext>
+            </a:extLst>
+          </a:blip>
+          <a:srcRect/>
+          <a:stretch>
+            <a:fillRect/>
+          </a:stretch>
+        </p:blipFill>
+        <p:spPr bwMode="auto">
+          <a:xfrm>
+            <a:off x="10831618" y="3891314"/>
+            <a:ext cx="728248" cy="728248"/>
+          </a:xfrm>
+          <a:prstGeom prst="rect">
+            <a:avLst/>
+          </a:prstGeom>
+          <a:noFill/>
+          <a:extLst>
+            <a:ext uri="{909E8E84-426E-40DD-AFC4-6F175D3DCCD1}">
+              <a14:hiddenFill xmlns:a14="http://schemas.microsoft.com/office/drawing/2010/main">
+                <a:solidFill>
+                  <a:srgbClr val="FFFFFF"/>
+                </a:solidFill>
+              </a14:hiddenFill>
+            </a:ext>
+          </a:extLst>
+        </p:spPr>
+      </p:pic>
+      <p:pic>
+        <p:nvPicPr>
+          <p:cNvPr id="12" name="Picture 2" descr="ミツバチのアイコン">
+            <a:extLst>
+              <a:ext uri="{FF2B5EF4-FFF2-40B4-BE49-F238E27FC236}">
+                <a16:creationId xmlns:a16="http://schemas.microsoft.com/office/drawing/2014/main" id="{253C2967-1177-4619-AD72-34B976DE509B}"/>
+              </a:ext>
+            </a:extLst>
+          </p:cNvPr>
+          <p:cNvPicPr>
+            <a:picLocks noChangeAspect="1" noChangeArrowheads="1"/>
+          </p:cNvPicPr>
+          <p:nvPr/>
+        </p:nvPicPr>
+        <p:blipFill>
+          <a:blip r:embed="rId6">
+            <a:extLst>
+              <a:ext uri="{28A0092B-C50C-407E-A947-70E740481C1C}">
+                <a14:useLocalDpi xmlns:a14="http://schemas.microsoft.com/office/drawing/2010/main" val="0"/>
+              </a:ext>
+            </a:extLst>
+          </a:blip>
+          <a:srcRect/>
+          <a:stretch>
+            <a:fillRect/>
+          </a:stretch>
+        </p:blipFill>
+        <p:spPr bwMode="auto">
+          <a:xfrm>
+            <a:off x="10076008" y="3891314"/>
+            <a:ext cx="728248" cy="728248"/>
+          </a:xfrm>
+          <a:prstGeom prst="rect">
+            <a:avLst/>
+          </a:prstGeom>
+          <a:noFill/>
+          <a:extLst>
+            <a:ext uri="{909E8E84-426E-40DD-AFC4-6F175D3DCCD1}">
+              <a14:hiddenFill xmlns:a14="http://schemas.microsoft.com/office/drawing/2010/main">
+                <a:solidFill>
+                  <a:srgbClr val="FFFFFF"/>
+                </a:solidFill>
+              </a14:hiddenFill>
+            </a:ext>
+          </a:extLst>
+        </p:spPr>
+      </p:pic>
+      <p:pic>
+        <p:nvPicPr>
+          <p:cNvPr id="13" name="Picture 2" descr="モンスターのアイコン9">
+            <a:extLst>
+              <a:ext uri="{FF2B5EF4-FFF2-40B4-BE49-F238E27FC236}">
+                <a16:creationId xmlns:a16="http://schemas.microsoft.com/office/drawing/2014/main" id="{B8C90453-AA03-4780-BCA8-A44F31E3247D}"/>
+              </a:ext>
+            </a:extLst>
+          </p:cNvPr>
+          <p:cNvPicPr>
+            <a:picLocks noChangeAspect="1" noChangeArrowheads="1"/>
+          </p:cNvPicPr>
+          <p:nvPr/>
+        </p:nvPicPr>
+        <p:blipFill>
+          <a:blip r:embed="rId7">
+            <a:extLst>
+              <a:ext uri="{28A0092B-C50C-407E-A947-70E740481C1C}">
+                <a14:useLocalDpi xmlns:a14="http://schemas.microsoft.com/office/drawing/2010/main" val="0"/>
+              </a:ext>
+            </a:extLst>
+          </a:blip>
+          <a:srcRect/>
+          <a:stretch>
+            <a:fillRect/>
+          </a:stretch>
+        </p:blipFill>
+        <p:spPr bwMode="auto">
+          <a:xfrm>
+            <a:off x="9247672" y="3875191"/>
+            <a:ext cx="728248" cy="728248"/>
+          </a:xfrm>
+          <a:prstGeom prst="rect">
+            <a:avLst/>
+          </a:prstGeom>
+          <a:noFill/>
+          <a:extLst>
+            <a:ext uri="{909E8E84-426E-40DD-AFC4-6F175D3DCCD1}">
+              <a14:hiddenFill xmlns:a14="http://schemas.microsoft.com/office/drawing/2010/main">
+                <a:solidFill>
+                  <a:srgbClr val="FFFFFF"/>
+                </a:solidFill>
+              </a14:hiddenFill>
+            </a:ext>
+          </a:extLst>
+        </p:spPr>
+      </p:pic>
+      <p:pic>
+        <p:nvPicPr>
+          <p:cNvPr id="14" name="Picture 2" descr="象のアイコン">
+            <a:extLst>
+              <a:ext uri="{FF2B5EF4-FFF2-40B4-BE49-F238E27FC236}">
+                <a16:creationId xmlns:a16="http://schemas.microsoft.com/office/drawing/2014/main" id="{C2C6A8AF-D402-4B79-9A51-3F8427E4EC8C}"/>
+              </a:ext>
+            </a:extLst>
+          </p:cNvPr>
+          <p:cNvPicPr>
+            <a:picLocks noChangeAspect="1" noChangeArrowheads="1"/>
+          </p:cNvPicPr>
+          <p:nvPr/>
+        </p:nvPicPr>
+        <p:blipFill>
+          <a:blip r:embed="rId8">
+            <a:extLst>
+              <a:ext uri="{28A0092B-C50C-407E-A947-70E740481C1C}">
+                <a14:useLocalDpi xmlns:a14="http://schemas.microsoft.com/office/drawing/2010/main" val="0"/>
+              </a:ext>
+            </a:extLst>
+          </a:blip>
+          <a:srcRect/>
+          <a:stretch>
+            <a:fillRect/>
+          </a:stretch>
+        </p:blipFill>
+        <p:spPr bwMode="auto">
+          <a:xfrm>
+            <a:off x="8572893" y="3875191"/>
+            <a:ext cx="728248" cy="728248"/>
+          </a:xfrm>
+          <a:prstGeom prst="rect">
+            <a:avLst/>
+          </a:prstGeom>
+          <a:noFill/>
+          <a:extLst>
+            <a:ext uri="{909E8E84-426E-40DD-AFC4-6F175D3DCCD1}">
+              <a14:hiddenFill xmlns:a14="http://schemas.microsoft.com/office/drawing/2010/main">
+                <a:solidFill>
+                  <a:srgbClr val="FFFFFF"/>
+                </a:solidFill>
+              </a14:hiddenFill>
+            </a:ext>
+          </a:extLst>
+        </p:spPr>
+      </p:pic>
+      <p:pic>
+        <p:nvPicPr>
+          <p:cNvPr id="15" name="Picture 2" descr="男性の顔アイコン 4">
+            <a:extLst>
+              <a:ext uri="{FF2B5EF4-FFF2-40B4-BE49-F238E27FC236}">
+                <a16:creationId xmlns:a16="http://schemas.microsoft.com/office/drawing/2014/main" id="{F5137C4A-2DEE-4B16-9B8B-88887283A82F}"/>
+              </a:ext>
+            </a:extLst>
+          </p:cNvPr>
+          <p:cNvPicPr>
+            <a:picLocks noChangeAspect="1" noChangeArrowheads="1"/>
+          </p:cNvPicPr>
+          <p:nvPr/>
+        </p:nvPicPr>
+        <p:blipFill>
+          <a:blip r:embed="rId9">
+            <a:extLst>
+              <a:ext uri="{28A0092B-C50C-407E-A947-70E740481C1C}">
+                <a14:useLocalDpi xmlns:a14="http://schemas.microsoft.com/office/drawing/2010/main" val="0"/>
+              </a:ext>
+            </a:extLst>
+          </a:blip>
+          <a:srcRect/>
+          <a:stretch>
+            <a:fillRect/>
+          </a:stretch>
+        </p:blipFill>
+        <p:spPr bwMode="auto">
+          <a:xfrm>
+            <a:off x="7946177" y="3891315"/>
+            <a:ext cx="728247" cy="728247"/>
+          </a:xfrm>
+          <a:prstGeom prst="rect">
+            <a:avLst/>
+          </a:prstGeom>
+          <a:noFill/>
+          <a:extLst>
+            <a:ext uri="{909E8E84-426E-40DD-AFC4-6F175D3DCCD1}">
+              <a14:hiddenFill xmlns:a14="http://schemas.microsoft.com/office/drawing/2010/main">
+                <a:solidFill>
+                  <a:srgbClr val="FFFFFF"/>
+                </a:solidFill>
+              </a14:hiddenFill>
+            </a:ext>
+          </a:extLst>
+        </p:spPr>
+      </p:pic>
     </p:spTree>
     <p:extLst>
       <p:ext uri="{BB962C8B-B14F-4D97-AF65-F5344CB8AC3E}">
-        <p14:creationId xmlns:p14="http://schemas.microsoft.com/office/powerpoint/2010/main" val="3124081877"/>
+        <p14:creationId xmlns:p14="http://schemas.microsoft.com/office/powerpoint/2010/main" val="4109838575"/>
       </p:ext>
     </p:extLst>
   </p:cSld>
   <p:clrMapOvr>
     <a:masterClrMapping/>
   </p:clrMapOvr>
-  <p:timing>
-    <p:tnLst>
-      <p:par>
-        <p:cTn id="1" dur="indefinite" restart="never" nodeType="tmRoot">
-          <p:childTnLst>
-            <p:seq concurrent="1" nextAc="seek">
-              <p:cTn id="2" dur="indefinite" nodeType="mainSeq">
-                <p:childTnLst>
-                  <p:par>
-                    <p:cTn id="3" fill="hold">
-                      <p:stCondLst>
-                        <p:cond delay="indefinite"/>
-                      </p:stCondLst>
-                      <p:childTnLst>
-                        <p:par>
-                          <p:cTn id="4" fill="hold">
-                            <p:stCondLst>
-                              <p:cond delay="0"/>
-                            </p:stCondLst>
-                            <p:childTnLst>
-                              <p:par>
-                                <p:cTn id="5" presetID="16" presetClass="entr" presetSubtype="37" fill="hold" grpId="0" nodeType="clickEffect">
-                                  <p:stCondLst>
-                                    <p:cond delay="0"/>
-                                  </p:stCondLst>
-                                  <p:childTnLst>
-                                    <p:set>
-                                      <p:cBhvr>
-                                        <p:cTn id="6" dur="1" fill="hold">
-                                          <p:stCondLst>
-                                            <p:cond delay="0"/>
-                                          </p:stCondLst>
-                                        </p:cTn>
-                                        <p:tgtEl>
-                                          <p:spTgt spid="6"/>
-                                        </p:tgtEl>
-                                        <p:attrNameLst>
-                                          <p:attrName>style.visibility</p:attrName>
-                                        </p:attrNameLst>
-                                      </p:cBhvr>
-                                      <p:to>
-                                        <p:strVal val="visible"/>
-                                      </p:to>
-                                    </p:set>
-                                    <p:animEffect transition="in" filter="barn(outVertical)">
-                                      <p:cBhvr>
-                                        <p:cTn id="7" dur="500"/>
-                                        <p:tgtEl>
-                                          <p:spTgt spid="6"/>
-                                        </p:tgtEl>
-                                      </p:cBhvr>
-                                    </p:animEffect>
-                                  </p:childTnLst>
-                                </p:cTn>
-                              </p:par>
-                            </p:childTnLst>
-                          </p:cTn>
-                        </p:par>
-                      </p:childTnLst>
-                    </p:cTn>
-                  </p:par>
-                </p:childTnLst>
-              </p:cTn>
-              <p:prevCondLst>
-                <p:cond evt="onPrev" delay="0">
-                  <p:tgtEl>
-                    <p:sldTgt/>
-                  </p:tgtEl>
-                </p:cond>
-              </p:prevCondLst>
-              <p:nextCondLst>
-                <p:cond evt="onNext" delay="0">
-                  <p:tgtEl>
-                    <p:sldTgt/>
-                  </p:tgtEl>
-                </p:cond>
-              </p:nextCondLst>
-            </p:seq>
-          </p:childTnLst>
-        </p:cTn>
-      </p:par>
-    </p:tnLst>
-    <p:bldLst>
-      <p:bldP spid="6" grpId="0"/>
-    </p:bldLst>
-  </p:timing>
 </p:sld>
 </file>
 
